--- a/assets/teaching/os/1_Bolum_1_Giris.pptx
+++ b/assets/teaching/os/1_Bolum_1_Giris.pptx
@@ -38,6 +38,30 @@
     <p:sldId id="281" r:id="rId32"/>
     <p:sldId id="282" r:id="rId33"/>
     <p:sldId id="283" r:id="rId34"/>
+    <p:sldId id="289" r:id="rId35"/>
+    <p:sldId id="290" r:id="rId36"/>
+    <p:sldId id="291" r:id="rId37"/>
+    <p:sldId id="292" r:id="rId38"/>
+    <p:sldId id="293" r:id="rId39"/>
+    <p:sldId id="294" r:id="rId40"/>
+    <p:sldId id="295" r:id="rId41"/>
+    <p:sldId id="296" r:id="rId42"/>
+    <p:sldId id="297" r:id="rId43"/>
+    <p:sldId id="298" r:id="rId44"/>
+    <p:sldId id="299" r:id="rId45"/>
+    <p:sldId id="300" r:id="rId46"/>
+    <p:sldId id="301" r:id="rId47"/>
+    <p:sldId id="302" r:id="rId48"/>
+    <p:sldId id="303" r:id="rId49"/>
+    <p:sldId id="304" r:id="rId50"/>
+    <p:sldId id="305" r:id="rId51"/>
+    <p:sldId id="306" r:id="rId52"/>
+    <p:sldId id="308" r:id="rId53"/>
+    <p:sldId id="309" r:id="rId54"/>
+    <p:sldId id="310" r:id="rId55"/>
+    <p:sldId id="307" r:id="rId56"/>
+    <p:sldId id="311" r:id="rId57"/>
+    <p:sldId id="312" r:id="rId58"/>
   </p:sldIdLst>
   <p:sldSz cx="12192000" cy="6858000"/>
   <p:notesSz cx="6858000" cy="9144000"/>
@@ -6241,6 +6265,10 @@
           <a:bodyPr/>
           <a:lstStyle/>
           <a:p>
+            <a:r>
+              <a:rPr lang="tr-TR" dirty="0" smtClean="0"/>
+              <a:t>Veriyolları</a:t>
+            </a:r>
             <a:endParaRPr lang="tr-TR" dirty="0"/>
           </a:p>
         </p:txBody>
@@ -6267,7 +6295,65 @@
           </a:bodyPr>
           <a:lstStyle/>
           <a:p>
-            <a:endParaRPr lang="tr-TR" dirty="0"/>
+            <a:r>
+              <a:rPr lang="tr-TR" dirty="0" smtClean="0"/>
+              <a:t>Veriyolları, </a:t>
+            </a:r>
+            <a:r>
+              <a:rPr lang="tr-TR" dirty="0"/>
+              <a:t>bilgisayar </a:t>
+            </a:r>
+            <a:r>
+              <a:rPr lang="tr-TR" dirty="0" smtClean="0"/>
+              <a:t>bileşenleri arasında veri </a:t>
+            </a:r>
+            <a:r>
+              <a:rPr lang="tr-TR" dirty="0"/>
+              <a:t>ve sinyallerin taşınması için kullanılan </a:t>
+            </a:r>
+            <a:r>
+              <a:rPr lang="tr-TR" dirty="0" smtClean="0"/>
+              <a:t>yapılardır. Örneğin</a:t>
+            </a:r>
+            <a:r>
+              <a:rPr lang="tr-TR" dirty="0"/>
+              <a:t>, işlemci, bellek, G/Ç cihazları arasında veri taşır.</a:t>
+            </a:r>
+          </a:p>
+          <a:p>
+            <a:r>
+              <a:rPr lang="tr-TR" dirty="0" smtClean="0"/>
+              <a:t>Genişliği </a:t>
+            </a:r>
+            <a:r>
+              <a:rPr lang="tr-TR" dirty="0"/>
+              <a:t>ve hızı açısından değişebilir. Örneğin, PCI, PCI-Express, USB gibi.</a:t>
+            </a:r>
+          </a:p>
+          <a:p>
+            <a:r>
+              <a:rPr lang="tr-TR" dirty="0" smtClean="0"/>
+              <a:t>Veri taşınma yönetiminden işletim </a:t>
+            </a:r>
+            <a:r>
+              <a:rPr lang="tr-TR" dirty="0"/>
+              <a:t>sistemi </a:t>
+            </a:r>
+            <a:r>
+              <a:rPr lang="tr-TR" dirty="0" smtClean="0"/>
+              <a:t>sorumludur.</a:t>
+            </a:r>
+            <a:endParaRPr lang="tr-TR" dirty="0"/>
+          </a:p>
+          <a:p>
+            <a:r>
+              <a:rPr lang="tr-TR" dirty="0" smtClean="0"/>
+              <a:t>Bilgisayarın </a:t>
+            </a:r>
+            <a:r>
+              <a:rPr lang="tr-TR" dirty="0"/>
+              <a:t>performansını ve kullanılabilirliğini etkiler.</a:t>
+            </a:r>
           </a:p>
           <a:p>
             <a:endParaRPr lang="tr-TR" dirty="0"/>
@@ -6332,6 +6418,10 @@
           <a:bodyPr/>
           <a:lstStyle/>
           <a:p>
+            <a:r>
+              <a:rPr lang="tr-TR" dirty="0" smtClean="0"/>
+              <a:t>X86 Sistem Yapısı</a:t>
+            </a:r>
             <a:endParaRPr lang="tr-TR" dirty="0"/>
           </a:p>
         </p:txBody>
@@ -6371,6 +6461,60 @@
           </a:p>
         </p:txBody>
       </p:sp>
+      <p:pic>
+        <p:nvPicPr>
+          <p:cNvPr id="4" name="Picture 5"/>
+          <p:cNvPicPr>
+            <a:picLocks noChangeAspect="1" noChangeArrowheads="1"/>
+          </p:cNvPicPr>
+          <p:nvPr/>
+        </p:nvPicPr>
+        <p:blipFill>
+          <a:blip r:embed="rId2">
+            <a:extLst>
+              <a:ext uri="{28A0092B-C50C-407E-A947-70E740481C1C}">
+                <a14:useLocalDpi xmlns:a14="http://schemas.microsoft.com/office/drawing/2010/main" val="0"/>
+              </a:ext>
+            </a:extLst>
+          </a:blip>
+          <a:srcRect/>
+          <a:stretch>
+            <a:fillRect/>
+          </a:stretch>
+        </p:blipFill>
+        <p:spPr bwMode="auto">
+          <a:xfrm>
+            <a:off x="4610327" y="1825625"/>
+            <a:ext cx="6117900" cy="4183087"/>
+          </a:xfrm>
+          <a:prstGeom prst="rect">
+            <a:avLst/>
+          </a:prstGeom>
+          <a:noFill/>
+          <a:ln>
+            <a:noFill/>
+          </a:ln>
+          <a:extLst>
+            <a:ext uri="{909E8E84-426E-40DD-AFC4-6F175D3DCCD1}">
+              <a14:hiddenFill xmlns:a14="http://schemas.microsoft.com/office/drawing/2010/main">
+                <a:solidFill>
+                  <a:schemeClr val="accent1"/>
+                </a:solidFill>
+              </a14:hiddenFill>
+            </a:ext>
+            <a:ext uri="{91240B29-F687-4F45-9708-019B960494DF}">
+              <a14:hiddenLine xmlns:a14="http://schemas.microsoft.com/office/drawing/2010/main" w="9525">
+                <a:solidFill>
+                  <a:schemeClr val="tx1"/>
+                </a:solidFill>
+                <a:miter lim="800000"/>
+                <a:headEnd/>
+                <a:tailEnd/>
+              </a14:hiddenLine>
+            </a:ext>
+          </a:extLst>
+        </p:spPr>
+      </p:pic>
     </p:spTree>
     <p:extLst>
       <p:ext uri="{BB962C8B-B14F-4D97-AF65-F5344CB8AC3E}">
@@ -6423,6 +6567,10 @@
           <a:bodyPr/>
           <a:lstStyle/>
           <a:p>
+            <a:r>
+              <a:rPr lang="tr-TR" dirty="0" smtClean="0"/>
+              <a:t>İşletim Sistemi Çeşitleri</a:t>
+            </a:r>
             <a:endParaRPr lang="tr-TR" dirty="0"/>
           </a:p>
         </p:txBody>
@@ -6449,6 +6597,138 @@
           </a:bodyPr>
           <a:lstStyle/>
           <a:p>
+            <a:r>
+              <a:rPr lang="tr-TR" dirty="0" err="1" smtClean="0"/>
+              <a:t>Anaçatı</a:t>
+            </a:r>
+            <a:r>
+              <a:rPr lang="tr-TR" dirty="0" smtClean="0"/>
+              <a:t> (</a:t>
+            </a:r>
+            <a:r>
+              <a:rPr lang="tr-TR" dirty="0" err="1" smtClean="0"/>
+              <a:t>mainframe</a:t>
+            </a:r>
+            <a:r>
+              <a:rPr lang="tr-TR" dirty="0" smtClean="0"/>
+              <a:t>)</a:t>
+            </a:r>
+          </a:p>
+          <a:p>
+            <a:r>
+              <a:rPr lang="tr-TR" dirty="0" smtClean="0"/>
+              <a:t>Sunucu (server)</a:t>
+            </a:r>
+          </a:p>
+          <a:p>
+            <a:r>
+              <a:rPr lang="tr-TR" dirty="0" err="1" smtClean="0"/>
+              <a:t>Çokişlemcili</a:t>
+            </a:r>
+            <a:r>
+              <a:rPr lang="tr-TR" dirty="0" smtClean="0"/>
+              <a:t> (</a:t>
+            </a:r>
+            <a:r>
+              <a:rPr lang="tr-TR" dirty="0" err="1" smtClean="0"/>
+              <a:t>multiprocessor</a:t>
+            </a:r>
+            <a:r>
+              <a:rPr lang="tr-TR" dirty="0" smtClean="0"/>
+              <a:t>)</a:t>
+            </a:r>
+          </a:p>
+          <a:p>
+            <a:r>
+              <a:rPr lang="tr-TR" dirty="0" smtClean="0"/>
+              <a:t>Kişisel (</a:t>
+            </a:r>
+            <a:r>
+              <a:rPr lang="tr-TR" dirty="0" err="1" smtClean="0"/>
+              <a:t>personal</a:t>
+            </a:r>
+            <a:r>
+              <a:rPr lang="tr-TR" dirty="0" smtClean="0"/>
+              <a:t>)</a:t>
+            </a:r>
+          </a:p>
+          <a:p>
+            <a:r>
+              <a:rPr lang="tr-TR" dirty="0" smtClean="0"/>
+              <a:t>Mobil (</a:t>
+            </a:r>
+            <a:r>
+              <a:rPr lang="tr-TR" dirty="0" err="1" smtClean="0"/>
+              <a:t>handheld</a:t>
+            </a:r>
+            <a:r>
+              <a:rPr lang="tr-TR" dirty="0" smtClean="0"/>
+              <a:t>)</a:t>
+            </a:r>
+          </a:p>
+          <a:p>
+            <a:r>
+              <a:rPr lang="tr-TR" dirty="0" smtClean="0"/>
+              <a:t>Gömülü (</a:t>
+            </a:r>
+            <a:r>
+              <a:rPr lang="tr-TR" dirty="0" err="1" smtClean="0"/>
+              <a:t>embedded</a:t>
+            </a:r>
+            <a:r>
+              <a:rPr lang="tr-TR" dirty="0" smtClean="0"/>
+              <a:t>)</a:t>
+            </a:r>
+          </a:p>
+          <a:p>
+            <a:r>
+              <a:rPr lang="tr-TR" dirty="0" smtClean="0"/>
+              <a:t>Algılayıcı düğüm (sensor </a:t>
+            </a:r>
+            <a:r>
+              <a:rPr lang="tr-TR" dirty="0" err="1" smtClean="0"/>
+              <a:t>node</a:t>
+            </a:r>
+            <a:r>
+              <a:rPr lang="tr-TR" dirty="0" smtClean="0"/>
+              <a:t>)</a:t>
+            </a:r>
+          </a:p>
+          <a:p>
+            <a:r>
+              <a:rPr lang="tr-TR" dirty="0" smtClean="0"/>
+              <a:t>Gerçek zamanlı (</a:t>
+            </a:r>
+            <a:r>
+              <a:rPr lang="tr-TR" dirty="0" err="1" smtClean="0"/>
+              <a:t>real</a:t>
+            </a:r>
+            <a:r>
+              <a:rPr lang="tr-TR" dirty="0" smtClean="0"/>
+              <a:t>-time)</a:t>
+            </a:r>
+          </a:p>
+          <a:p>
+            <a:r>
+              <a:rPr lang="tr-TR" dirty="0" smtClean="0"/>
+              <a:t>Akıllı kart (</a:t>
+            </a:r>
+            <a:r>
+              <a:rPr lang="tr-TR" dirty="0" err="1" smtClean="0"/>
+              <a:t>smart</a:t>
+            </a:r>
+            <a:r>
+              <a:rPr lang="tr-TR" dirty="0" smtClean="0"/>
+              <a:t> </a:t>
+            </a:r>
+            <a:r>
+              <a:rPr lang="tr-TR" dirty="0" err="1" smtClean="0"/>
+              <a:t>card</a:t>
+            </a:r>
+            <a:r>
+              <a:rPr lang="tr-TR" dirty="0" smtClean="0"/>
+              <a:t>)</a:t>
+            </a:r>
             <a:endParaRPr lang="tr-TR" dirty="0"/>
           </a:p>
           <a:p>
@@ -6648,6 +6928,10 @@
           <a:bodyPr/>
           <a:lstStyle/>
           <a:p>
+            <a:r>
+              <a:rPr lang="tr-TR" dirty="0" smtClean="0"/>
+              <a:t>Süreçler </a:t>
+            </a:r>
             <a:endParaRPr lang="tr-TR" dirty="0"/>
           </a:p>
         </p:txBody>
@@ -6674,6 +6958,69 @@
           </a:bodyPr>
           <a:lstStyle/>
           <a:p>
+            <a:r>
+              <a:rPr lang="tr-TR" dirty="0" smtClean="0"/>
+              <a:t>İşletim </a:t>
+            </a:r>
+            <a:r>
+              <a:rPr lang="tr-TR" dirty="0"/>
+              <a:t>sistemi tarafından yürütülen </a:t>
+            </a:r>
+            <a:r>
+              <a:rPr lang="tr-TR" dirty="0" smtClean="0"/>
+              <a:t>programlardır, işletim </a:t>
+            </a:r>
+            <a:r>
+              <a:rPr lang="tr-TR" dirty="0"/>
+              <a:t>sistemi tarafından </a:t>
+            </a:r>
+            <a:r>
+              <a:rPr lang="tr-TR" dirty="0" smtClean="0"/>
+              <a:t>yönetilir. </a:t>
+            </a:r>
+          </a:p>
+          <a:p>
+            <a:r>
+              <a:rPr lang="tr-TR" dirty="0" smtClean="0"/>
+              <a:t>Bir programın çalıştırılabilmesi için gerekli tüm bilgiyi tutan konteyner olarak düşünülebilir. </a:t>
+            </a:r>
+          </a:p>
+          <a:p>
+            <a:r>
+              <a:rPr lang="tr-TR" dirty="0" smtClean="0"/>
+              <a:t>İşletim sistemi tarafından atanmış kaynaklar </a:t>
+            </a:r>
+            <a:r>
+              <a:rPr lang="tr-TR" dirty="0"/>
+              <a:t>(örneğin bellek, CPU) </a:t>
+            </a:r>
+            <a:r>
+              <a:rPr lang="tr-TR" dirty="0" smtClean="0"/>
+              <a:t>ile ilişkilidir.</a:t>
+            </a:r>
+            <a:endParaRPr lang="tr-TR" dirty="0"/>
+          </a:p>
+          <a:p>
+            <a:r>
+              <a:rPr lang="tr-TR" dirty="0" smtClean="0"/>
+              <a:t>Bellekte </a:t>
+            </a:r>
+            <a:r>
+              <a:rPr lang="tr-TR" dirty="0"/>
+              <a:t>saklanır ve </a:t>
+            </a:r>
+            <a:r>
+              <a:rPr lang="tr-TR" dirty="0" smtClean="0"/>
+              <a:t>yürütülürler. </a:t>
+            </a:r>
+            <a:r>
+              <a:rPr lang="tr-TR" dirty="0"/>
+              <a:t>Adres uzayı ile ilişkilidir</a:t>
+            </a:r>
+            <a:r>
+              <a:rPr lang="tr-TR" dirty="0" smtClean="0"/>
+              <a:t>.</a:t>
+            </a:r>
             <a:endParaRPr lang="tr-TR" dirty="0"/>
           </a:p>
           <a:p>
@@ -6739,6 +7086,10 @@
           <a:bodyPr/>
           <a:lstStyle/>
           <a:p>
+            <a:r>
+              <a:rPr lang="tr-TR" dirty="0" smtClean="0"/>
+              <a:t>Süreçler</a:t>
+            </a:r>
             <a:endParaRPr lang="tr-TR" dirty="0"/>
           </a:p>
         </p:txBody>
@@ -6765,19 +7116,83 @@
           </a:bodyPr>
           <a:lstStyle/>
           <a:p>
-            <a:endParaRPr lang="tr-TR" dirty="0"/>
-          </a:p>
-          <a:p>
-            <a:endParaRPr lang="tr-TR" dirty="0"/>
-          </a:p>
-          <a:p>
-            <a:endParaRPr lang="tr-TR" dirty="0"/>
-          </a:p>
-          <a:p>
-            <a:endParaRPr lang="tr-TR" dirty="0"/>
-          </a:p>
-        </p:txBody>
-      </p:sp>
+            <a:pPr marL="0" indent="0">
+              <a:buNone/>
+            </a:pPr>
+            <a:r>
+              <a:rPr lang="tr-TR" dirty="0" smtClean="0"/>
+              <a:t>Süreç ağacı. A süreci, B ve C olmak üzere 2 çocuk süreç başlatır. B süreci D, E ve F olmak üzere 3 çocuk süreç başlatır. </a:t>
+            </a:r>
+            <a:endParaRPr lang="en-US" dirty="0"/>
+          </a:p>
+          <a:p>
+            <a:endParaRPr lang="tr-TR" dirty="0"/>
+          </a:p>
+          <a:p>
+            <a:endParaRPr lang="tr-TR" dirty="0"/>
+          </a:p>
+          <a:p>
+            <a:endParaRPr lang="tr-TR" dirty="0"/>
+          </a:p>
+          <a:p>
+            <a:endParaRPr lang="tr-TR" dirty="0"/>
+          </a:p>
+        </p:txBody>
+      </p:sp>
+      <p:pic>
+        <p:nvPicPr>
+          <p:cNvPr id="4" name="Picture 2"/>
+          <p:cNvPicPr>
+            <a:picLocks noChangeAspect="1" noChangeArrowheads="1"/>
+          </p:cNvPicPr>
+          <p:nvPr/>
+        </p:nvPicPr>
+        <p:blipFill>
+          <a:blip r:embed="rId2">
+            <a:extLst>
+              <a:ext uri="{28A0092B-C50C-407E-A947-70E740481C1C}">
+                <a14:useLocalDpi xmlns:a14="http://schemas.microsoft.com/office/drawing/2010/main" val="0"/>
+              </a:ext>
+            </a:extLst>
+          </a:blip>
+          <a:srcRect/>
+          <a:stretch>
+            <a:fillRect/>
+          </a:stretch>
+        </p:blipFill>
+        <p:spPr bwMode="auto">
+          <a:xfrm>
+            <a:off x="6260122" y="2676158"/>
+            <a:ext cx="4732998" cy="3723487"/>
+          </a:xfrm>
+          <a:prstGeom prst="rect">
+            <a:avLst/>
+          </a:prstGeom>
+          <a:noFill/>
+          <a:ln>
+            <a:noFill/>
+          </a:ln>
+          <a:extLst>
+            <a:ext uri="{909E8E84-426E-40DD-AFC4-6F175D3DCCD1}">
+              <a14:hiddenFill xmlns:a14="http://schemas.microsoft.com/office/drawing/2010/main">
+                <a:solidFill>
+                  <a:schemeClr val="accent1"/>
+                </a:solidFill>
+              </a14:hiddenFill>
+            </a:ext>
+            <a:ext uri="{91240B29-F687-4F45-9708-019B960494DF}">
+              <a14:hiddenLine xmlns:a14="http://schemas.microsoft.com/office/drawing/2010/main" w="9525">
+                <a:solidFill>
+                  <a:schemeClr val="tx1"/>
+                </a:solidFill>
+                <a:miter lim="800000"/>
+                <a:headEnd/>
+                <a:tailEnd/>
+              </a14:hiddenLine>
+            </a:ext>
+          </a:extLst>
+        </p:spPr>
+      </p:pic>
     </p:spTree>
     <p:extLst>
       <p:ext uri="{BB962C8B-B14F-4D97-AF65-F5344CB8AC3E}">
@@ -6830,6 +7245,10 @@
           <a:bodyPr/>
           <a:lstStyle/>
           <a:p>
+            <a:r>
+              <a:rPr lang="tr-TR" dirty="0" smtClean="0"/>
+              <a:t>Dosyalar</a:t>
+            </a:r>
             <a:endParaRPr lang="tr-TR" dirty="0"/>
           </a:p>
         </p:txBody>
@@ -6856,10 +7275,58 @@
           </a:bodyPr>
           <a:lstStyle/>
           <a:p>
-            <a:endParaRPr lang="tr-TR" dirty="0"/>
-          </a:p>
-          <a:p>
-            <a:endParaRPr lang="tr-TR" dirty="0"/>
+            <a:r>
+              <a:rPr lang="tr-TR" dirty="0" smtClean="0"/>
+              <a:t>Veri </a:t>
+            </a:r>
+            <a:r>
+              <a:rPr lang="tr-TR" dirty="0"/>
+              <a:t>depolama birimleridir.</a:t>
+            </a:r>
+          </a:p>
+          <a:p>
+            <a:r>
+              <a:rPr lang="tr-TR" dirty="0"/>
+              <a:t>Dosyalar, veri, metin, resim, video, ses ve diğer türlerde olabilir.</a:t>
+            </a:r>
+          </a:p>
+          <a:p>
+            <a:r>
+              <a:rPr lang="tr-TR" dirty="0" smtClean="0"/>
+              <a:t>İşletim </a:t>
+            </a:r>
+            <a:r>
+              <a:rPr lang="tr-TR" dirty="0"/>
+              <a:t>sistemi tarafından yönetilir ve veri depolama işlemleri gerçekleştirilir.</a:t>
+            </a:r>
+          </a:p>
+          <a:p>
+            <a:r>
+              <a:rPr lang="tr-TR" dirty="0" smtClean="0"/>
+              <a:t>İşletim </a:t>
+            </a:r>
+            <a:r>
+              <a:rPr lang="tr-TR" dirty="0"/>
+              <a:t>sistemi tarafından belirlenen dizin yapısına göre saklanır.</a:t>
+            </a:r>
+          </a:p>
+          <a:p>
+            <a:r>
+              <a:rPr lang="tr-TR" dirty="0" smtClean="0"/>
+              <a:t>Kullanıcılar </a:t>
+            </a:r>
+            <a:r>
+              <a:rPr lang="tr-TR" dirty="0"/>
+              <a:t>tarafından </a:t>
+            </a:r>
+            <a:r>
+              <a:rPr lang="tr-TR" dirty="0" smtClean="0"/>
+              <a:t>erişilebilir, okunabilir</a:t>
+            </a:r>
+            <a:r>
+              <a:rPr lang="tr-TR" dirty="0"/>
+              <a:t>, yazılabilir veya silinebilir.</a:t>
+            </a:r>
           </a:p>
           <a:p>
             <a:endParaRPr lang="tr-TR" dirty="0"/>
@@ -6921,6 +7388,10 @@
           <a:bodyPr/>
           <a:lstStyle/>
           <a:p>
+            <a:r>
+              <a:rPr lang="tr-TR" dirty="0" smtClean="0"/>
+              <a:t>Dosyalar</a:t>
+            </a:r>
             <a:endParaRPr lang="tr-TR" dirty="0"/>
           </a:p>
         </p:txBody>
@@ -6947,23 +7418,1094 @@
           </a:bodyPr>
           <a:lstStyle/>
           <a:p>
-            <a:endParaRPr lang="tr-TR" dirty="0"/>
-          </a:p>
-          <a:p>
-            <a:endParaRPr lang="tr-TR" dirty="0"/>
-          </a:p>
-          <a:p>
-            <a:endParaRPr lang="tr-TR" dirty="0"/>
-          </a:p>
-          <a:p>
-            <a:endParaRPr lang="tr-TR" dirty="0"/>
-          </a:p>
-        </p:txBody>
-      </p:sp>
+            <a:r>
+              <a:rPr lang="tr-TR" dirty="0" smtClean="0"/>
+              <a:t>Örnek dosya sistemi.</a:t>
+            </a:r>
+            <a:endParaRPr lang="tr-TR" dirty="0"/>
+          </a:p>
+          <a:p>
+            <a:endParaRPr lang="tr-TR" dirty="0"/>
+          </a:p>
+          <a:p>
+            <a:endParaRPr lang="tr-TR" dirty="0"/>
+          </a:p>
+          <a:p>
+            <a:endParaRPr lang="tr-TR" dirty="0"/>
+          </a:p>
+        </p:txBody>
+      </p:sp>
+      <p:pic>
+        <p:nvPicPr>
+          <p:cNvPr id="4" name="Picture 2"/>
+          <p:cNvPicPr>
+            <a:picLocks noChangeAspect="1" noChangeArrowheads="1"/>
+          </p:cNvPicPr>
+          <p:nvPr/>
+        </p:nvPicPr>
+        <p:blipFill>
+          <a:blip r:embed="rId2">
+            <a:extLst>
+              <a:ext uri="{28A0092B-C50C-407E-A947-70E740481C1C}">
+                <a14:useLocalDpi xmlns:a14="http://schemas.microsoft.com/office/drawing/2010/main" val="0"/>
+              </a:ext>
+            </a:extLst>
+          </a:blip>
+          <a:srcRect/>
+          <a:stretch>
+            <a:fillRect/>
+          </a:stretch>
+        </p:blipFill>
+        <p:spPr bwMode="auto">
+          <a:xfrm>
+            <a:off x="4310001" y="1690688"/>
+            <a:ext cx="7043800" cy="4814937"/>
+          </a:xfrm>
+          <a:prstGeom prst="rect">
+            <a:avLst/>
+          </a:prstGeom>
+          <a:noFill/>
+          <a:ln>
+            <a:noFill/>
+          </a:ln>
+          <a:extLst>
+            <a:ext uri="{909E8E84-426E-40DD-AFC4-6F175D3DCCD1}">
+              <a14:hiddenFill xmlns:a14="http://schemas.microsoft.com/office/drawing/2010/main">
+                <a:solidFill>
+                  <a:schemeClr val="accent1"/>
+                </a:solidFill>
+              </a14:hiddenFill>
+            </a:ext>
+            <a:ext uri="{91240B29-F687-4F45-9708-019B960494DF}">
+              <a14:hiddenLine xmlns:a14="http://schemas.microsoft.com/office/drawing/2010/main" w="9525">
+                <a:solidFill>
+                  <a:schemeClr val="tx1"/>
+                </a:solidFill>
+                <a:miter lim="800000"/>
+                <a:headEnd/>
+                <a:tailEnd/>
+              </a14:hiddenLine>
+            </a:ext>
+          </a:extLst>
+        </p:spPr>
+      </p:pic>
     </p:spTree>
     <p:extLst>
       <p:ext uri="{BB962C8B-B14F-4D97-AF65-F5344CB8AC3E}">
         <p14:creationId xmlns:p14="http://schemas.microsoft.com/office/powerpoint/2010/main" val="3851884093"/>
+      </p:ext>
+    </p:extLst>
+  </p:cSld>
+  <p:clrMapOvr>
+    <a:masterClrMapping/>
+  </p:clrMapOvr>
+  <p:timing>
+    <p:tnLst>
+      <p:par>
+        <p:cTn id="1" dur="indefinite" restart="never" nodeType="tmRoot"/>
+      </p:par>
+    </p:tnLst>
+  </p:timing>
+</p:sld>
+</file>
+
+<file path=ppt/slides/slide34.xml><?xml version="1.0" encoding="utf-8"?>
+<p:sld xmlns:a="http://schemas.openxmlformats.org/drawingml/2006/main" xmlns:r="http://schemas.openxmlformats.org/officeDocument/2006/relationships" xmlns:p="http://schemas.openxmlformats.org/presentationml/2006/main">
+  <p:cSld>
+    <p:spTree>
+      <p:nvGrpSpPr>
+        <p:cNvPr id="1" name=""/>
+        <p:cNvGrpSpPr/>
+        <p:nvPr/>
+      </p:nvGrpSpPr>
+      <p:grpSpPr>
+        <a:xfrm>
+          <a:off x="0" y="0"/>
+          <a:ext cx="0" cy="0"/>
+          <a:chOff x="0" y="0"/>
+          <a:chExt cx="0" cy="0"/>
+        </a:xfrm>
+      </p:grpSpPr>
+      <p:sp>
+        <p:nvSpPr>
+          <p:cNvPr id="2" name="Title 1"/>
+          <p:cNvSpPr>
+            <a:spLocks noGrp="1"/>
+          </p:cNvSpPr>
+          <p:nvPr>
+            <p:ph type="title"/>
+          </p:nvPr>
+        </p:nvSpPr>
+        <p:spPr/>
+        <p:txBody>
+          <a:bodyPr/>
+          <a:lstStyle/>
+          <a:p>
+            <a:r>
+              <a:rPr lang="tr-TR" dirty="0" smtClean="0"/>
+              <a:t>Dosyalar</a:t>
+            </a:r>
+            <a:endParaRPr lang="tr-TR" dirty="0"/>
+          </a:p>
+        </p:txBody>
+      </p:sp>
+      <p:sp>
+        <p:nvSpPr>
+          <p:cNvPr id="3" name="Content Placeholder 2"/>
+          <p:cNvSpPr>
+            <a:spLocks noGrp="1"/>
+          </p:cNvSpPr>
+          <p:nvPr>
+            <p:ph idx="1"/>
+          </p:nvPr>
+        </p:nvSpPr>
+        <p:spPr>
+          <a:xfrm>
+            <a:off x="838200" y="1825625"/>
+            <a:ext cx="10515600" cy="4680000"/>
+          </a:xfrm>
+        </p:spPr>
+        <p:txBody>
+          <a:bodyPr>
+            <a:normAutofit/>
+          </a:bodyPr>
+          <a:lstStyle/>
+          <a:p>
+            <a:pPr marL="514350" indent="-514350">
+              <a:buAutoNum type="alphaLcParenBoth"/>
+            </a:pPr>
+            <a:r>
+              <a:rPr lang="tr-TR" dirty="0" smtClean="0"/>
+              <a:t>Bağlamadan (</a:t>
+            </a:r>
+            <a:r>
+              <a:rPr lang="tr-TR" dirty="0" err="1" smtClean="0"/>
+              <a:t>mount</a:t>
+            </a:r>
+            <a:r>
+              <a:rPr lang="tr-TR" dirty="0" smtClean="0"/>
+              <a:t>) önce</a:t>
+            </a:r>
+            <a:r>
+              <a:rPr lang="tr-TR" dirty="0"/>
+              <a:t>, CD-ROM'daki dosyalara erişilemez. </a:t>
+            </a:r>
+            <a:endParaRPr lang="tr-TR" dirty="0" smtClean="0"/>
+          </a:p>
+          <a:p>
+            <a:pPr marL="514350" indent="-514350">
+              <a:buAutoNum type="alphaLcParenBoth"/>
+            </a:pPr>
+            <a:r>
+              <a:rPr lang="tr-TR" dirty="0" smtClean="0"/>
+              <a:t>Bağlandıktan </a:t>
+            </a:r>
+            <a:r>
+              <a:rPr lang="tr-TR" dirty="0"/>
+              <a:t>sonra, dosya hiyerarşisinin bir parçasıdırlar.</a:t>
+            </a:r>
+          </a:p>
+          <a:p>
+            <a:endParaRPr lang="tr-TR" dirty="0"/>
+          </a:p>
+          <a:p>
+            <a:endParaRPr lang="tr-TR" dirty="0"/>
+          </a:p>
+          <a:p>
+            <a:endParaRPr lang="tr-TR" dirty="0"/>
+          </a:p>
+        </p:txBody>
+      </p:sp>
+      <p:pic>
+        <p:nvPicPr>
+          <p:cNvPr id="4" name="Picture 2"/>
+          <p:cNvPicPr>
+            <a:picLocks noChangeAspect="1" noChangeArrowheads="1"/>
+          </p:cNvPicPr>
+          <p:nvPr/>
+        </p:nvPicPr>
+        <p:blipFill>
+          <a:blip r:embed="rId2">
+            <a:extLst>
+              <a:ext uri="{28A0092B-C50C-407E-A947-70E740481C1C}">
+                <a14:useLocalDpi xmlns:a14="http://schemas.microsoft.com/office/drawing/2010/main" val="0"/>
+              </a:ext>
+            </a:extLst>
+          </a:blip>
+          <a:srcRect/>
+          <a:stretch>
+            <a:fillRect/>
+          </a:stretch>
+        </p:blipFill>
+        <p:spPr bwMode="auto">
+          <a:xfrm>
+            <a:off x="2224844" y="3080825"/>
+            <a:ext cx="9128956" cy="3424800"/>
+          </a:xfrm>
+          <a:prstGeom prst="rect">
+            <a:avLst/>
+          </a:prstGeom>
+          <a:noFill/>
+          <a:ln>
+            <a:noFill/>
+          </a:ln>
+          <a:extLst>
+            <a:ext uri="{909E8E84-426E-40DD-AFC4-6F175D3DCCD1}">
+              <a14:hiddenFill xmlns:a14="http://schemas.microsoft.com/office/drawing/2010/main">
+                <a:solidFill>
+                  <a:schemeClr val="accent1"/>
+                </a:solidFill>
+              </a14:hiddenFill>
+            </a:ext>
+            <a:ext uri="{91240B29-F687-4F45-9708-019B960494DF}">
+              <a14:hiddenLine xmlns:a14="http://schemas.microsoft.com/office/drawing/2010/main" w="9525">
+                <a:solidFill>
+                  <a:schemeClr val="tx1"/>
+                </a:solidFill>
+                <a:miter lim="800000"/>
+                <a:headEnd/>
+                <a:tailEnd/>
+              </a14:hiddenLine>
+            </a:ext>
+          </a:extLst>
+        </p:spPr>
+      </p:pic>
+    </p:spTree>
+    <p:extLst>
+      <p:ext uri="{BB962C8B-B14F-4D97-AF65-F5344CB8AC3E}">
+        <p14:creationId xmlns:p14="http://schemas.microsoft.com/office/powerpoint/2010/main" val="1592943716"/>
+      </p:ext>
+    </p:extLst>
+  </p:cSld>
+  <p:clrMapOvr>
+    <a:masterClrMapping/>
+  </p:clrMapOvr>
+  <p:timing>
+    <p:tnLst>
+      <p:par>
+        <p:cTn id="1" dur="indefinite" restart="never" nodeType="tmRoot"/>
+      </p:par>
+    </p:tnLst>
+  </p:timing>
+</p:sld>
+</file>
+
+<file path=ppt/slides/slide35.xml><?xml version="1.0" encoding="utf-8"?>
+<p:sld xmlns:a="http://schemas.openxmlformats.org/drawingml/2006/main" xmlns:r="http://schemas.openxmlformats.org/officeDocument/2006/relationships" xmlns:p="http://schemas.openxmlformats.org/presentationml/2006/main">
+  <p:cSld>
+    <p:spTree>
+      <p:nvGrpSpPr>
+        <p:cNvPr id="1" name=""/>
+        <p:cNvGrpSpPr/>
+        <p:nvPr/>
+      </p:nvGrpSpPr>
+      <p:grpSpPr>
+        <a:xfrm>
+          <a:off x="0" y="0"/>
+          <a:ext cx="0" cy="0"/>
+          <a:chOff x="0" y="0"/>
+          <a:chExt cx="0" cy="0"/>
+        </a:xfrm>
+      </p:grpSpPr>
+      <p:sp>
+        <p:nvSpPr>
+          <p:cNvPr id="2" name="Title 1"/>
+          <p:cNvSpPr>
+            <a:spLocks noGrp="1"/>
+          </p:cNvSpPr>
+          <p:nvPr>
+            <p:ph type="title"/>
+          </p:nvPr>
+        </p:nvSpPr>
+        <p:spPr/>
+        <p:txBody>
+          <a:bodyPr/>
+          <a:lstStyle/>
+          <a:p>
+            <a:r>
+              <a:rPr lang="tr-TR" dirty="0" smtClean="0"/>
+              <a:t>Dosyalar</a:t>
+            </a:r>
+            <a:endParaRPr lang="tr-TR" dirty="0"/>
+          </a:p>
+        </p:txBody>
+      </p:sp>
+      <p:sp>
+        <p:nvSpPr>
+          <p:cNvPr id="3" name="Content Placeholder 2"/>
+          <p:cNvSpPr>
+            <a:spLocks noGrp="1"/>
+          </p:cNvSpPr>
+          <p:nvPr>
+            <p:ph idx="1"/>
+          </p:nvPr>
+        </p:nvSpPr>
+        <p:spPr>
+          <a:xfrm>
+            <a:off x="838200" y="1825625"/>
+            <a:ext cx="10515600" cy="4680000"/>
+          </a:xfrm>
+        </p:spPr>
+        <p:txBody>
+          <a:bodyPr>
+            <a:normAutofit/>
+          </a:bodyPr>
+          <a:lstStyle/>
+          <a:p>
+            <a:r>
+              <a:rPr lang="tr-TR" dirty="0" smtClean="0"/>
+              <a:t>2 süreç boru (</a:t>
+            </a:r>
+            <a:r>
+              <a:rPr lang="tr-TR" dirty="0" err="1" smtClean="0"/>
+              <a:t>pipe</a:t>
+            </a:r>
+            <a:r>
+              <a:rPr lang="tr-TR" dirty="0" smtClean="0"/>
+              <a:t>) ile bağlanmış</a:t>
+            </a:r>
+            <a:endParaRPr lang="tr-TR" dirty="0"/>
+          </a:p>
+          <a:p>
+            <a:endParaRPr lang="tr-TR" dirty="0"/>
+          </a:p>
+          <a:p>
+            <a:endParaRPr lang="tr-TR" dirty="0"/>
+          </a:p>
+          <a:p>
+            <a:endParaRPr lang="tr-TR" dirty="0"/>
+          </a:p>
+        </p:txBody>
+      </p:sp>
+      <p:pic>
+        <p:nvPicPr>
+          <p:cNvPr id="4" name="Picture 2"/>
+          <p:cNvPicPr>
+            <a:picLocks noChangeAspect="1" noChangeArrowheads="1"/>
+          </p:cNvPicPr>
+          <p:nvPr/>
+        </p:nvPicPr>
+        <p:blipFill>
+          <a:blip r:embed="rId2">
+            <a:extLst>
+              <a:ext uri="{28A0092B-C50C-407E-A947-70E740481C1C}">
+                <a14:useLocalDpi xmlns:a14="http://schemas.microsoft.com/office/drawing/2010/main" val="0"/>
+              </a:ext>
+            </a:extLst>
+          </a:blip>
+          <a:srcRect/>
+          <a:stretch>
+            <a:fillRect/>
+          </a:stretch>
+        </p:blipFill>
+        <p:spPr bwMode="auto">
+          <a:xfrm>
+            <a:off x="5247250" y="3231845"/>
+            <a:ext cx="4915755" cy="2023219"/>
+          </a:xfrm>
+          <a:prstGeom prst="rect">
+            <a:avLst/>
+          </a:prstGeom>
+          <a:noFill/>
+          <a:ln>
+            <a:noFill/>
+          </a:ln>
+          <a:extLst>
+            <a:ext uri="{909E8E84-426E-40DD-AFC4-6F175D3DCCD1}">
+              <a14:hiddenFill xmlns:a14="http://schemas.microsoft.com/office/drawing/2010/main">
+                <a:solidFill>
+                  <a:schemeClr val="accent1"/>
+                </a:solidFill>
+              </a14:hiddenFill>
+            </a:ext>
+            <a:ext uri="{91240B29-F687-4F45-9708-019B960494DF}">
+              <a14:hiddenLine xmlns:a14="http://schemas.microsoft.com/office/drawing/2010/main" w="9525">
+                <a:solidFill>
+                  <a:schemeClr val="tx1"/>
+                </a:solidFill>
+                <a:miter lim="800000"/>
+                <a:headEnd/>
+                <a:tailEnd/>
+              </a14:hiddenLine>
+            </a:ext>
+          </a:extLst>
+        </p:spPr>
+      </p:pic>
+    </p:spTree>
+    <p:extLst>
+      <p:ext uri="{BB962C8B-B14F-4D97-AF65-F5344CB8AC3E}">
+        <p14:creationId xmlns:p14="http://schemas.microsoft.com/office/powerpoint/2010/main" val="2523457384"/>
+      </p:ext>
+    </p:extLst>
+  </p:cSld>
+  <p:clrMapOvr>
+    <a:masterClrMapping/>
+  </p:clrMapOvr>
+  <p:timing>
+    <p:tnLst>
+      <p:par>
+        <p:cTn id="1" dur="indefinite" restart="never" nodeType="tmRoot"/>
+      </p:par>
+    </p:tnLst>
+  </p:timing>
+</p:sld>
+</file>
+
+<file path=ppt/slides/slide36.xml><?xml version="1.0" encoding="utf-8"?>
+<p:sld xmlns:a="http://schemas.openxmlformats.org/drawingml/2006/main" xmlns:r="http://schemas.openxmlformats.org/officeDocument/2006/relationships" xmlns:p="http://schemas.openxmlformats.org/presentationml/2006/main">
+  <p:cSld>
+    <p:spTree>
+      <p:nvGrpSpPr>
+        <p:cNvPr id="1" name=""/>
+        <p:cNvGrpSpPr/>
+        <p:nvPr/>
+      </p:nvGrpSpPr>
+      <p:grpSpPr>
+        <a:xfrm>
+          <a:off x="0" y="0"/>
+          <a:ext cx="0" cy="0"/>
+          <a:chOff x="0" y="0"/>
+          <a:chExt cx="0" cy="0"/>
+        </a:xfrm>
+      </p:grpSpPr>
+      <p:sp>
+        <p:nvSpPr>
+          <p:cNvPr id="2" name="Title 1"/>
+          <p:cNvSpPr>
+            <a:spLocks noGrp="1"/>
+          </p:cNvSpPr>
+          <p:nvPr>
+            <p:ph type="title"/>
+          </p:nvPr>
+        </p:nvSpPr>
+        <p:spPr/>
+        <p:txBody>
+          <a:bodyPr/>
+          <a:lstStyle/>
+          <a:p>
+            <a:r>
+              <a:rPr lang="tr-TR" dirty="0" smtClean="0"/>
+              <a:t>Sistem Çağrıları</a:t>
+            </a:r>
+            <a:endParaRPr lang="tr-TR" dirty="0"/>
+          </a:p>
+        </p:txBody>
+      </p:sp>
+      <p:sp>
+        <p:nvSpPr>
+          <p:cNvPr id="3" name="Content Placeholder 2"/>
+          <p:cNvSpPr>
+            <a:spLocks noGrp="1"/>
+          </p:cNvSpPr>
+          <p:nvPr>
+            <p:ph idx="1"/>
+          </p:nvPr>
+        </p:nvSpPr>
+        <p:spPr>
+          <a:xfrm>
+            <a:off x="838200" y="1825625"/>
+            <a:ext cx="10515600" cy="4680000"/>
+          </a:xfrm>
+        </p:spPr>
+        <p:txBody>
+          <a:bodyPr>
+            <a:normAutofit/>
+          </a:bodyPr>
+          <a:lstStyle/>
+          <a:p>
+            <a:r>
+              <a:rPr lang="tr-TR" dirty="0" smtClean="0"/>
+              <a:t>Sistem </a:t>
+            </a:r>
+            <a:r>
+              <a:rPr lang="tr-TR" dirty="0"/>
+              <a:t>çağrıları, işletim sistemi tarafından sağlanan hizmetlere erişmek için kullanılır. Örneğin, dosya işlemleri, bellek yönetimi, zaman hizmetleri, vb.</a:t>
+            </a:r>
+          </a:p>
+          <a:p>
+            <a:r>
+              <a:rPr lang="tr-TR" dirty="0" smtClean="0"/>
+              <a:t>İşletim </a:t>
+            </a:r>
+            <a:r>
+              <a:rPr lang="tr-TR" dirty="0"/>
+              <a:t>sistemi tarafından tanımlanmış bir </a:t>
+            </a:r>
+            <a:r>
+              <a:rPr lang="tr-TR" dirty="0" err="1"/>
+              <a:t>arayüze</a:t>
+            </a:r>
+            <a:r>
+              <a:rPr lang="tr-TR" dirty="0"/>
+              <a:t> göre gerçekleştirilir.</a:t>
+            </a:r>
+          </a:p>
+          <a:p>
+            <a:r>
+              <a:rPr lang="tr-TR" dirty="0"/>
+              <a:t>Sistem çağrıları, uygulama programları tarafından kullanılır ve işletim sistemi tarafından yürütülür.</a:t>
+            </a:r>
+          </a:p>
+          <a:p>
+            <a:endParaRPr lang="tr-TR" dirty="0"/>
+          </a:p>
+          <a:p>
+            <a:endParaRPr lang="tr-TR" dirty="0"/>
+          </a:p>
+        </p:txBody>
+      </p:sp>
+    </p:spTree>
+    <p:extLst>
+      <p:ext uri="{BB962C8B-B14F-4D97-AF65-F5344CB8AC3E}">
+        <p14:creationId xmlns:p14="http://schemas.microsoft.com/office/powerpoint/2010/main" val="3771977438"/>
+      </p:ext>
+    </p:extLst>
+  </p:cSld>
+  <p:clrMapOvr>
+    <a:masterClrMapping/>
+  </p:clrMapOvr>
+  <p:timing>
+    <p:tnLst>
+      <p:par>
+        <p:cTn id="1" dur="indefinite" restart="never" nodeType="tmRoot"/>
+      </p:par>
+    </p:tnLst>
+  </p:timing>
+</p:sld>
+</file>
+
+<file path=ppt/slides/slide37.xml><?xml version="1.0" encoding="utf-8"?>
+<p:sld xmlns:a="http://schemas.openxmlformats.org/drawingml/2006/main" xmlns:r="http://schemas.openxmlformats.org/officeDocument/2006/relationships" xmlns:p="http://schemas.openxmlformats.org/presentationml/2006/main">
+  <p:cSld>
+    <p:spTree>
+      <p:nvGrpSpPr>
+        <p:cNvPr id="1" name=""/>
+        <p:cNvGrpSpPr/>
+        <p:nvPr/>
+      </p:nvGrpSpPr>
+      <p:grpSpPr>
+        <a:xfrm>
+          <a:off x="0" y="0"/>
+          <a:ext cx="0" cy="0"/>
+          <a:chOff x="0" y="0"/>
+          <a:chExt cx="0" cy="0"/>
+        </a:xfrm>
+      </p:grpSpPr>
+      <p:sp>
+        <p:nvSpPr>
+          <p:cNvPr id="2" name="Title 1"/>
+          <p:cNvSpPr>
+            <a:spLocks noGrp="1"/>
+          </p:cNvSpPr>
+          <p:nvPr>
+            <p:ph type="title"/>
+          </p:nvPr>
+        </p:nvSpPr>
+        <p:spPr/>
+        <p:txBody>
+          <a:bodyPr/>
+          <a:lstStyle/>
+          <a:p>
+            <a:r>
+              <a:rPr lang="tr-TR" dirty="0"/>
+              <a:t>Sistem Çağrıları</a:t>
+            </a:r>
+          </a:p>
+        </p:txBody>
+      </p:sp>
+      <p:sp>
+        <p:nvSpPr>
+          <p:cNvPr id="3" name="Content Placeholder 2"/>
+          <p:cNvSpPr>
+            <a:spLocks noGrp="1"/>
+          </p:cNvSpPr>
+          <p:nvPr>
+            <p:ph idx="1"/>
+          </p:nvPr>
+        </p:nvSpPr>
+        <p:spPr>
+          <a:xfrm>
+            <a:off x="838200" y="1825625"/>
+            <a:ext cx="10515600" cy="4680000"/>
+          </a:xfrm>
+        </p:spPr>
+        <p:txBody>
+          <a:bodyPr>
+            <a:normAutofit/>
+          </a:bodyPr>
+          <a:lstStyle/>
+          <a:p>
+            <a:pPr marL="0" indent="0">
+              <a:buNone/>
+            </a:pPr>
+            <a:r>
+              <a:rPr lang="en-US" dirty="0" smtClean="0"/>
+              <a:t>read(</a:t>
+            </a:r>
+            <a:r>
+              <a:rPr lang="en-US" dirty="0" err="1" smtClean="0"/>
+              <a:t>fd</a:t>
+            </a:r>
+            <a:r>
+              <a:rPr lang="en-US" dirty="0"/>
+              <a:t>, buffer, </a:t>
+            </a:r>
+            <a:r>
+              <a:rPr lang="en-US" dirty="0" err="1"/>
+              <a:t>nbytes</a:t>
+            </a:r>
+            <a:r>
+              <a:rPr lang="en-US" dirty="0" smtClean="0"/>
+              <a:t>)</a:t>
+            </a:r>
+            <a:r>
+              <a:rPr lang="tr-TR" dirty="0" smtClean="0"/>
+              <a:t> sistem </a:t>
+            </a:r>
+          </a:p>
+          <a:p>
+            <a:pPr marL="0" indent="0">
+              <a:buNone/>
+            </a:pPr>
+            <a:r>
+              <a:rPr lang="tr-TR" dirty="0" smtClean="0"/>
+              <a:t>çağrısının adım adım gösterimi</a:t>
+            </a:r>
+            <a:endParaRPr lang="tr-TR" dirty="0"/>
+          </a:p>
+          <a:p>
+            <a:endParaRPr lang="tr-TR" dirty="0"/>
+          </a:p>
+          <a:p>
+            <a:endParaRPr lang="tr-TR" dirty="0"/>
+          </a:p>
+          <a:p>
+            <a:endParaRPr lang="tr-TR" dirty="0"/>
+          </a:p>
+        </p:txBody>
+      </p:sp>
+      <p:pic>
+        <p:nvPicPr>
+          <p:cNvPr id="4" name="Picture 2"/>
+          <p:cNvPicPr>
+            <a:picLocks noChangeAspect="1" noChangeArrowheads="1"/>
+          </p:cNvPicPr>
+          <p:nvPr/>
+        </p:nvPicPr>
+        <p:blipFill>
+          <a:blip r:embed="rId2">
+            <a:extLst>
+              <a:ext uri="{28A0092B-C50C-407E-A947-70E740481C1C}">
+                <a14:useLocalDpi xmlns:a14="http://schemas.microsoft.com/office/drawing/2010/main" val="0"/>
+              </a:ext>
+            </a:extLst>
+          </a:blip>
+          <a:srcRect/>
+          <a:stretch>
+            <a:fillRect/>
+          </a:stretch>
+        </p:blipFill>
+        <p:spPr bwMode="auto">
+          <a:xfrm>
+            <a:off x="5564887" y="1690688"/>
+            <a:ext cx="6032900" cy="4814937"/>
+          </a:xfrm>
+          <a:prstGeom prst="rect">
+            <a:avLst/>
+          </a:prstGeom>
+          <a:noFill/>
+          <a:ln>
+            <a:noFill/>
+          </a:ln>
+          <a:extLst>
+            <a:ext uri="{909E8E84-426E-40DD-AFC4-6F175D3DCCD1}">
+              <a14:hiddenFill xmlns:a14="http://schemas.microsoft.com/office/drawing/2010/main">
+                <a:solidFill>
+                  <a:schemeClr val="accent1"/>
+                </a:solidFill>
+              </a14:hiddenFill>
+            </a:ext>
+            <a:ext uri="{91240B29-F687-4F45-9708-019B960494DF}">
+              <a14:hiddenLine xmlns:a14="http://schemas.microsoft.com/office/drawing/2010/main" w="9525">
+                <a:solidFill>
+                  <a:schemeClr val="tx1"/>
+                </a:solidFill>
+                <a:miter lim="800000"/>
+                <a:headEnd/>
+                <a:tailEnd/>
+              </a14:hiddenLine>
+            </a:ext>
+          </a:extLst>
+        </p:spPr>
+      </p:pic>
+    </p:spTree>
+    <p:extLst>
+      <p:ext uri="{BB962C8B-B14F-4D97-AF65-F5344CB8AC3E}">
+        <p14:creationId xmlns:p14="http://schemas.microsoft.com/office/powerpoint/2010/main" val="393534984"/>
+      </p:ext>
+    </p:extLst>
+  </p:cSld>
+  <p:clrMapOvr>
+    <a:masterClrMapping/>
+  </p:clrMapOvr>
+  <p:timing>
+    <p:tnLst>
+      <p:par>
+        <p:cTn id="1" dur="indefinite" restart="never" nodeType="tmRoot"/>
+      </p:par>
+    </p:tnLst>
+  </p:timing>
+</p:sld>
+</file>
+
+<file path=ppt/slides/slide38.xml><?xml version="1.0" encoding="utf-8"?>
+<p:sld xmlns:a="http://schemas.openxmlformats.org/drawingml/2006/main" xmlns:r="http://schemas.openxmlformats.org/officeDocument/2006/relationships" xmlns:p="http://schemas.openxmlformats.org/presentationml/2006/main">
+  <p:cSld>
+    <p:spTree>
+      <p:nvGrpSpPr>
+        <p:cNvPr id="1" name=""/>
+        <p:cNvGrpSpPr/>
+        <p:nvPr/>
+      </p:nvGrpSpPr>
+      <p:grpSpPr>
+        <a:xfrm>
+          <a:off x="0" y="0"/>
+          <a:ext cx="0" cy="0"/>
+          <a:chOff x="0" y="0"/>
+          <a:chExt cx="0" cy="0"/>
+        </a:xfrm>
+      </p:grpSpPr>
+      <p:sp>
+        <p:nvSpPr>
+          <p:cNvPr id="2" name="Title 1"/>
+          <p:cNvSpPr>
+            <a:spLocks noGrp="1"/>
+          </p:cNvSpPr>
+          <p:nvPr>
+            <p:ph type="title"/>
+          </p:nvPr>
+        </p:nvSpPr>
+        <p:spPr/>
+        <p:txBody>
+          <a:bodyPr/>
+          <a:lstStyle/>
+          <a:p>
+            <a:r>
+              <a:rPr lang="tr-TR" dirty="0" smtClean="0"/>
+              <a:t>Sistem Çağrıları</a:t>
+            </a:r>
+            <a:endParaRPr lang="tr-TR" dirty="0"/>
+          </a:p>
+        </p:txBody>
+      </p:sp>
+      <p:sp>
+        <p:nvSpPr>
+          <p:cNvPr id="3" name="Content Placeholder 2"/>
+          <p:cNvSpPr>
+            <a:spLocks noGrp="1"/>
+          </p:cNvSpPr>
+          <p:nvPr>
+            <p:ph idx="1"/>
+          </p:nvPr>
+        </p:nvSpPr>
+        <p:spPr>
+          <a:xfrm>
+            <a:off x="838200" y="1825625"/>
+            <a:ext cx="10515600" cy="4680000"/>
+          </a:xfrm>
+        </p:spPr>
+        <p:txBody>
+          <a:bodyPr>
+            <a:normAutofit/>
+          </a:bodyPr>
+          <a:lstStyle/>
+          <a:p>
+            <a:pPr marL="0" indent="0">
+              <a:buNone/>
+            </a:pPr>
+            <a:r>
+              <a:rPr lang="tr-TR" dirty="0"/>
+              <a:t>Başlıca POSIX sistem </a:t>
+            </a:r>
+            <a:r>
+              <a:rPr lang="tr-TR" dirty="0" smtClean="0"/>
+              <a:t>çağrıları. Hata durumunda -1 döner. </a:t>
+            </a:r>
+          </a:p>
+          <a:p>
+            <a:pPr marL="0" indent="0">
+              <a:buNone/>
+            </a:pPr>
+            <a:r>
+              <a:rPr lang="tr-TR" dirty="0" smtClean="0"/>
+              <a:t>pid: işlem kimliği. </a:t>
+            </a:r>
+          </a:p>
+          <a:p>
+            <a:pPr marL="0" indent="0">
+              <a:buNone/>
+            </a:pPr>
+            <a:r>
+              <a:rPr lang="tr-TR" dirty="0" smtClean="0"/>
+              <a:t>s: geri dönüş kodu</a:t>
+            </a:r>
+            <a:endParaRPr lang="tr-TR" dirty="0"/>
+          </a:p>
+          <a:p>
+            <a:endParaRPr lang="tr-TR" dirty="0"/>
+          </a:p>
+          <a:p>
+            <a:endParaRPr lang="tr-TR" dirty="0"/>
+          </a:p>
+        </p:txBody>
+      </p:sp>
+      <p:pic>
+        <p:nvPicPr>
+          <p:cNvPr id="4" name="Picture 2"/>
+          <p:cNvPicPr>
+            <a:picLocks noChangeAspect="1" noChangeArrowheads="1"/>
+          </p:cNvPicPr>
+          <p:nvPr/>
+        </p:nvPicPr>
+        <p:blipFill>
+          <a:blip r:embed="rId2">
+            <a:extLst>
+              <a:ext uri="{28A0092B-C50C-407E-A947-70E740481C1C}">
+                <a14:useLocalDpi xmlns:a14="http://schemas.microsoft.com/office/drawing/2010/main" val="0"/>
+              </a:ext>
+            </a:extLst>
+          </a:blip>
+          <a:srcRect/>
+          <a:stretch>
+            <a:fillRect/>
+          </a:stretch>
+        </p:blipFill>
+        <p:spPr bwMode="auto">
+          <a:xfrm>
+            <a:off x="720000" y="3600000"/>
+            <a:ext cx="10800000" cy="2735558"/>
+          </a:xfrm>
+          <a:prstGeom prst="rect">
+            <a:avLst/>
+          </a:prstGeom>
+          <a:noFill/>
+          <a:ln>
+            <a:noFill/>
+          </a:ln>
+          <a:extLst>
+            <a:ext uri="{909E8E84-426E-40DD-AFC4-6F175D3DCCD1}">
+              <a14:hiddenFill xmlns:a14="http://schemas.microsoft.com/office/drawing/2010/main">
+                <a:solidFill>
+                  <a:schemeClr val="accent1"/>
+                </a:solidFill>
+              </a14:hiddenFill>
+            </a:ext>
+            <a:ext uri="{91240B29-F687-4F45-9708-019B960494DF}">
+              <a14:hiddenLine xmlns:a14="http://schemas.microsoft.com/office/drawing/2010/main" w="9525">
+                <a:solidFill>
+                  <a:schemeClr val="tx1"/>
+                </a:solidFill>
+                <a:miter lim="800000"/>
+                <a:headEnd/>
+                <a:tailEnd/>
+              </a14:hiddenLine>
+            </a:ext>
+          </a:extLst>
+        </p:spPr>
+      </p:pic>
+    </p:spTree>
+    <p:extLst>
+      <p:ext uri="{BB962C8B-B14F-4D97-AF65-F5344CB8AC3E}">
+        <p14:creationId xmlns:p14="http://schemas.microsoft.com/office/powerpoint/2010/main" val="1540707410"/>
+      </p:ext>
+    </p:extLst>
+  </p:cSld>
+  <p:clrMapOvr>
+    <a:masterClrMapping/>
+  </p:clrMapOvr>
+  <p:timing>
+    <p:tnLst>
+      <p:par>
+        <p:cTn id="1" dur="indefinite" restart="never" nodeType="tmRoot"/>
+      </p:par>
+    </p:tnLst>
+  </p:timing>
+</p:sld>
+</file>
+
+<file path=ppt/slides/slide39.xml><?xml version="1.0" encoding="utf-8"?>
+<p:sld xmlns:a="http://schemas.openxmlformats.org/drawingml/2006/main" xmlns:r="http://schemas.openxmlformats.org/officeDocument/2006/relationships" xmlns:p="http://schemas.openxmlformats.org/presentationml/2006/main">
+  <p:cSld>
+    <p:spTree>
+      <p:nvGrpSpPr>
+        <p:cNvPr id="1" name=""/>
+        <p:cNvGrpSpPr/>
+        <p:nvPr/>
+      </p:nvGrpSpPr>
+      <p:grpSpPr>
+        <a:xfrm>
+          <a:off x="0" y="0"/>
+          <a:ext cx="0" cy="0"/>
+          <a:chOff x="0" y="0"/>
+          <a:chExt cx="0" cy="0"/>
+        </a:xfrm>
+      </p:grpSpPr>
+      <p:sp>
+        <p:nvSpPr>
+          <p:cNvPr id="2" name="Title 1"/>
+          <p:cNvSpPr>
+            <a:spLocks noGrp="1"/>
+          </p:cNvSpPr>
+          <p:nvPr>
+            <p:ph type="title"/>
+          </p:nvPr>
+        </p:nvSpPr>
+        <p:spPr/>
+        <p:txBody>
+          <a:bodyPr/>
+          <a:lstStyle/>
+          <a:p>
+            <a:r>
+              <a:rPr lang="tr-TR" dirty="0"/>
+              <a:t>Sistem Çağrıları</a:t>
+            </a:r>
+          </a:p>
+        </p:txBody>
+      </p:sp>
+      <p:sp>
+        <p:nvSpPr>
+          <p:cNvPr id="3" name="Content Placeholder 2"/>
+          <p:cNvSpPr>
+            <a:spLocks noGrp="1"/>
+          </p:cNvSpPr>
+          <p:nvPr>
+            <p:ph idx="1"/>
+          </p:nvPr>
+        </p:nvSpPr>
+        <p:spPr>
+          <a:xfrm>
+            <a:off x="838200" y="1825625"/>
+            <a:ext cx="10515600" cy="4680000"/>
+          </a:xfrm>
+        </p:spPr>
+        <p:txBody>
+          <a:bodyPr>
+            <a:normAutofit/>
+          </a:bodyPr>
+          <a:lstStyle/>
+          <a:p>
+            <a:r>
+              <a:rPr lang="tr-TR" dirty="0" err="1" smtClean="0"/>
+              <a:t>fd</a:t>
+            </a:r>
+            <a:r>
+              <a:rPr lang="tr-TR" dirty="0"/>
+              <a:t>: dosya tanıtıcı, </a:t>
+            </a:r>
+            <a:endParaRPr lang="tr-TR" dirty="0" smtClean="0"/>
+          </a:p>
+          <a:p>
+            <a:r>
+              <a:rPr lang="tr-TR" dirty="0" smtClean="0"/>
+              <a:t>n</a:t>
+            </a:r>
+            <a:r>
+              <a:rPr lang="tr-TR" dirty="0"/>
+              <a:t>: bayt sayısı, </a:t>
+            </a:r>
+            <a:endParaRPr lang="tr-TR" dirty="0" smtClean="0"/>
+          </a:p>
+          <a:p>
+            <a:r>
+              <a:rPr lang="tr-TR" dirty="0" err="1" smtClean="0"/>
+              <a:t>position</a:t>
+            </a:r>
+            <a:r>
+              <a:rPr lang="tr-TR" dirty="0" smtClean="0"/>
+              <a:t>: dosya içinde göreli konum (</a:t>
+            </a:r>
+            <a:r>
+              <a:rPr lang="tr-TR" dirty="0" err="1" smtClean="0"/>
+              <a:t>offset</a:t>
+            </a:r>
+            <a:r>
+              <a:rPr lang="tr-TR" dirty="0" smtClean="0"/>
+              <a:t>).</a:t>
+            </a:r>
+            <a:endParaRPr lang="tr-TR" dirty="0"/>
+          </a:p>
+          <a:p>
+            <a:endParaRPr lang="tr-TR" dirty="0"/>
+          </a:p>
+          <a:p>
+            <a:endParaRPr lang="tr-TR" dirty="0"/>
+          </a:p>
+          <a:p>
+            <a:endParaRPr lang="tr-TR" dirty="0"/>
+          </a:p>
+          <a:p>
+            <a:endParaRPr lang="tr-TR" dirty="0"/>
+          </a:p>
+        </p:txBody>
+      </p:sp>
+      <p:pic>
+        <p:nvPicPr>
+          <p:cNvPr id="4" name="Picture 2"/>
+          <p:cNvPicPr>
+            <a:picLocks noChangeAspect="1" noChangeArrowheads="1"/>
+          </p:cNvPicPr>
+          <p:nvPr/>
+        </p:nvPicPr>
+        <p:blipFill>
+          <a:blip r:embed="rId2">
+            <a:extLst>
+              <a:ext uri="{28A0092B-C50C-407E-A947-70E740481C1C}">
+                <a14:useLocalDpi xmlns:a14="http://schemas.microsoft.com/office/drawing/2010/main" val="0"/>
+              </a:ext>
+            </a:extLst>
+          </a:blip>
+          <a:srcRect/>
+          <a:stretch>
+            <a:fillRect/>
+          </a:stretch>
+        </p:blipFill>
+        <p:spPr bwMode="auto">
+          <a:xfrm>
+            <a:off x="720000" y="3362171"/>
+            <a:ext cx="10800000" cy="3292435"/>
+          </a:xfrm>
+          <a:prstGeom prst="rect">
+            <a:avLst/>
+          </a:prstGeom>
+          <a:noFill/>
+          <a:ln>
+            <a:noFill/>
+          </a:ln>
+          <a:extLst>
+            <a:ext uri="{909E8E84-426E-40DD-AFC4-6F175D3DCCD1}">
+              <a14:hiddenFill xmlns:a14="http://schemas.microsoft.com/office/drawing/2010/main">
+                <a:solidFill>
+                  <a:schemeClr val="accent1"/>
+                </a:solidFill>
+              </a14:hiddenFill>
+            </a:ext>
+            <a:ext uri="{91240B29-F687-4F45-9708-019B960494DF}">
+              <a14:hiddenLine xmlns:a14="http://schemas.microsoft.com/office/drawing/2010/main" w="9525">
+                <a:solidFill>
+                  <a:schemeClr val="tx1"/>
+                </a:solidFill>
+                <a:miter lim="800000"/>
+                <a:headEnd/>
+                <a:tailEnd/>
+              </a14:hiddenLine>
+            </a:ext>
+          </a:extLst>
+        </p:spPr>
+      </p:pic>
+    </p:spTree>
+    <p:extLst>
+      <p:ext uri="{BB962C8B-B14F-4D97-AF65-F5344CB8AC3E}">
+        <p14:creationId xmlns:p14="http://schemas.microsoft.com/office/powerpoint/2010/main" val="3214532772"/>
       </p:ext>
     </p:extLst>
   </p:cSld>
@@ -7139,6 +8681,1580 @@
 </p:sld>
 </file>
 
+<file path=ppt/slides/slide40.xml><?xml version="1.0" encoding="utf-8"?>
+<p:sld xmlns:a="http://schemas.openxmlformats.org/drawingml/2006/main" xmlns:r="http://schemas.openxmlformats.org/officeDocument/2006/relationships" xmlns:p="http://schemas.openxmlformats.org/presentationml/2006/main">
+  <p:cSld>
+    <p:spTree>
+      <p:nvGrpSpPr>
+        <p:cNvPr id="1" name=""/>
+        <p:cNvGrpSpPr/>
+        <p:nvPr/>
+      </p:nvGrpSpPr>
+      <p:grpSpPr>
+        <a:xfrm>
+          <a:off x="0" y="0"/>
+          <a:ext cx="0" cy="0"/>
+          <a:chOff x="0" y="0"/>
+          <a:chExt cx="0" cy="0"/>
+        </a:xfrm>
+      </p:grpSpPr>
+      <p:sp>
+        <p:nvSpPr>
+          <p:cNvPr id="2" name="Title 1"/>
+          <p:cNvSpPr>
+            <a:spLocks noGrp="1"/>
+          </p:cNvSpPr>
+          <p:nvPr>
+            <p:ph type="title"/>
+          </p:nvPr>
+        </p:nvSpPr>
+        <p:spPr/>
+        <p:txBody>
+          <a:bodyPr/>
+          <a:lstStyle/>
+          <a:p>
+            <a:r>
+              <a:rPr lang="tr-TR" dirty="0"/>
+              <a:t>Sistem Çağrıları</a:t>
+            </a:r>
+          </a:p>
+        </p:txBody>
+      </p:sp>
+      <p:sp>
+        <p:nvSpPr>
+          <p:cNvPr id="3" name="Content Placeholder 2"/>
+          <p:cNvSpPr>
+            <a:spLocks noGrp="1"/>
+          </p:cNvSpPr>
+          <p:nvPr>
+            <p:ph idx="1"/>
+          </p:nvPr>
+        </p:nvSpPr>
+        <p:spPr>
+          <a:xfrm>
+            <a:off x="838200" y="1825625"/>
+            <a:ext cx="10515600" cy="4680000"/>
+          </a:xfrm>
+        </p:spPr>
+        <p:txBody>
+          <a:bodyPr>
+            <a:normAutofit/>
+          </a:bodyPr>
+          <a:lstStyle/>
+          <a:p>
+            <a:endParaRPr lang="tr-TR" dirty="0"/>
+          </a:p>
+          <a:p>
+            <a:endParaRPr lang="tr-TR" dirty="0"/>
+          </a:p>
+          <a:p>
+            <a:endParaRPr lang="tr-TR" dirty="0"/>
+          </a:p>
+          <a:p>
+            <a:endParaRPr lang="tr-TR" dirty="0"/>
+          </a:p>
+        </p:txBody>
+      </p:sp>
+      <p:pic>
+        <p:nvPicPr>
+          <p:cNvPr id="4" name="Picture 2"/>
+          <p:cNvPicPr>
+            <a:picLocks noChangeAspect="1" noChangeArrowheads="1"/>
+          </p:cNvPicPr>
+          <p:nvPr/>
+        </p:nvPicPr>
+        <p:blipFill>
+          <a:blip r:embed="rId2">
+            <a:extLst>
+              <a:ext uri="{28A0092B-C50C-407E-A947-70E740481C1C}">
+                <a14:useLocalDpi xmlns:a14="http://schemas.microsoft.com/office/drawing/2010/main" val="0"/>
+              </a:ext>
+            </a:extLst>
+          </a:blip>
+          <a:srcRect/>
+          <a:stretch>
+            <a:fillRect/>
+          </a:stretch>
+        </p:blipFill>
+        <p:spPr bwMode="auto">
+          <a:xfrm>
+            <a:off x="720000" y="3221575"/>
+            <a:ext cx="10800000" cy="3380857"/>
+          </a:xfrm>
+          <a:prstGeom prst="rect">
+            <a:avLst/>
+          </a:prstGeom>
+          <a:noFill/>
+          <a:ln>
+            <a:noFill/>
+          </a:ln>
+          <a:extLst>
+            <a:ext uri="{909E8E84-426E-40DD-AFC4-6F175D3DCCD1}">
+              <a14:hiddenFill xmlns:a14="http://schemas.microsoft.com/office/drawing/2010/main">
+                <a:solidFill>
+                  <a:schemeClr val="accent1"/>
+                </a:solidFill>
+              </a14:hiddenFill>
+            </a:ext>
+            <a:ext uri="{91240B29-F687-4F45-9708-019B960494DF}">
+              <a14:hiddenLine xmlns:a14="http://schemas.microsoft.com/office/drawing/2010/main" w="9525">
+                <a:solidFill>
+                  <a:schemeClr val="tx1"/>
+                </a:solidFill>
+                <a:miter lim="800000"/>
+                <a:headEnd/>
+                <a:tailEnd/>
+              </a14:hiddenLine>
+            </a:ext>
+          </a:extLst>
+        </p:spPr>
+      </p:pic>
+    </p:spTree>
+    <p:extLst>
+      <p:ext uri="{BB962C8B-B14F-4D97-AF65-F5344CB8AC3E}">
+        <p14:creationId xmlns:p14="http://schemas.microsoft.com/office/powerpoint/2010/main" val="2365344515"/>
+      </p:ext>
+    </p:extLst>
+  </p:cSld>
+  <p:clrMapOvr>
+    <a:masterClrMapping/>
+  </p:clrMapOvr>
+  <p:timing>
+    <p:tnLst>
+      <p:par>
+        <p:cTn id="1" dur="indefinite" restart="never" nodeType="tmRoot"/>
+      </p:par>
+    </p:tnLst>
+  </p:timing>
+</p:sld>
+</file>
+
+<file path=ppt/slides/slide41.xml><?xml version="1.0" encoding="utf-8"?>
+<p:sld xmlns:a="http://schemas.openxmlformats.org/drawingml/2006/main" xmlns:r="http://schemas.openxmlformats.org/officeDocument/2006/relationships" xmlns:p="http://schemas.openxmlformats.org/presentationml/2006/main">
+  <p:cSld>
+    <p:spTree>
+      <p:nvGrpSpPr>
+        <p:cNvPr id="1" name=""/>
+        <p:cNvGrpSpPr/>
+        <p:nvPr/>
+      </p:nvGrpSpPr>
+      <p:grpSpPr>
+        <a:xfrm>
+          <a:off x="0" y="0"/>
+          <a:ext cx="0" cy="0"/>
+          <a:chOff x="0" y="0"/>
+          <a:chExt cx="0" cy="0"/>
+        </a:xfrm>
+      </p:grpSpPr>
+      <p:sp>
+        <p:nvSpPr>
+          <p:cNvPr id="2" name="Title 1"/>
+          <p:cNvSpPr>
+            <a:spLocks noGrp="1"/>
+          </p:cNvSpPr>
+          <p:nvPr>
+            <p:ph type="title"/>
+          </p:nvPr>
+        </p:nvSpPr>
+        <p:spPr/>
+        <p:txBody>
+          <a:bodyPr/>
+          <a:lstStyle/>
+          <a:p>
+            <a:r>
+              <a:rPr lang="tr-TR" dirty="0"/>
+              <a:t>Sistem Çağrıları</a:t>
+            </a:r>
+          </a:p>
+        </p:txBody>
+      </p:sp>
+      <p:sp>
+        <p:nvSpPr>
+          <p:cNvPr id="3" name="Content Placeholder 2"/>
+          <p:cNvSpPr>
+            <a:spLocks noGrp="1"/>
+          </p:cNvSpPr>
+          <p:nvPr>
+            <p:ph idx="1"/>
+          </p:nvPr>
+        </p:nvSpPr>
+        <p:spPr>
+          <a:xfrm>
+            <a:off x="838200" y="1825625"/>
+            <a:ext cx="10515600" cy="4680000"/>
+          </a:xfrm>
+        </p:spPr>
+        <p:txBody>
+          <a:bodyPr>
+            <a:normAutofit/>
+          </a:bodyPr>
+          <a:lstStyle/>
+          <a:p>
+            <a:pPr marL="0" indent="0">
+              <a:buNone/>
+            </a:pPr>
+            <a:r>
+              <a:rPr lang="tr-TR" dirty="0" err="1" smtClean="0"/>
+              <a:t>seconds</a:t>
+            </a:r>
+            <a:r>
+              <a:rPr lang="tr-TR" dirty="0" smtClean="0"/>
+              <a:t>: geçen süre</a:t>
+            </a:r>
+            <a:endParaRPr lang="tr-TR" dirty="0"/>
+          </a:p>
+          <a:p>
+            <a:endParaRPr lang="tr-TR" dirty="0"/>
+          </a:p>
+          <a:p>
+            <a:endParaRPr lang="tr-TR" dirty="0"/>
+          </a:p>
+          <a:p>
+            <a:endParaRPr lang="tr-TR" dirty="0"/>
+          </a:p>
+        </p:txBody>
+      </p:sp>
+      <p:pic>
+        <p:nvPicPr>
+          <p:cNvPr id="4" name="Picture 2"/>
+          <p:cNvPicPr>
+            <a:picLocks noChangeAspect="1" noChangeArrowheads="1"/>
+          </p:cNvPicPr>
+          <p:nvPr/>
+        </p:nvPicPr>
+        <p:blipFill>
+          <a:blip r:embed="rId2">
+            <a:extLst>
+              <a:ext uri="{28A0092B-C50C-407E-A947-70E740481C1C}">
+                <a14:useLocalDpi xmlns:a14="http://schemas.microsoft.com/office/drawing/2010/main" val="0"/>
+              </a:ext>
+            </a:extLst>
+          </a:blip>
+          <a:srcRect/>
+          <a:stretch>
+            <a:fillRect/>
+          </a:stretch>
+        </p:blipFill>
+        <p:spPr bwMode="auto">
+          <a:xfrm>
+            <a:off x="720000" y="3629195"/>
+            <a:ext cx="10800000" cy="2561352"/>
+          </a:xfrm>
+          <a:prstGeom prst="rect">
+            <a:avLst/>
+          </a:prstGeom>
+          <a:noFill/>
+          <a:ln>
+            <a:noFill/>
+          </a:ln>
+          <a:extLst>
+            <a:ext uri="{909E8E84-426E-40DD-AFC4-6F175D3DCCD1}">
+              <a14:hiddenFill xmlns:a14="http://schemas.microsoft.com/office/drawing/2010/main">
+                <a:solidFill>
+                  <a:schemeClr val="accent1"/>
+                </a:solidFill>
+              </a14:hiddenFill>
+            </a:ext>
+            <a:ext uri="{91240B29-F687-4F45-9708-019B960494DF}">
+              <a14:hiddenLine xmlns:a14="http://schemas.microsoft.com/office/drawing/2010/main" w="9525">
+                <a:solidFill>
+                  <a:schemeClr val="tx1"/>
+                </a:solidFill>
+                <a:miter lim="800000"/>
+                <a:headEnd/>
+                <a:tailEnd/>
+              </a14:hiddenLine>
+            </a:ext>
+          </a:extLst>
+        </p:spPr>
+      </p:pic>
+    </p:spTree>
+    <p:extLst>
+      <p:ext uri="{BB962C8B-B14F-4D97-AF65-F5344CB8AC3E}">
+        <p14:creationId xmlns:p14="http://schemas.microsoft.com/office/powerpoint/2010/main" val="2233024136"/>
+      </p:ext>
+    </p:extLst>
+  </p:cSld>
+  <p:clrMapOvr>
+    <a:masterClrMapping/>
+  </p:clrMapOvr>
+  <p:timing>
+    <p:tnLst>
+      <p:par>
+        <p:cTn id="1" dur="indefinite" restart="never" nodeType="tmRoot"/>
+      </p:par>
+    </p:tnLst>
+  </p:timing>
+</p:sld>
+</file>
+
+<file path=ppt/slides/slide42.xml><?xml version="1.0" encoding="utf-8"?>
+<p:sld xmlns:a="http://schemas.openxmlformats.org/drawingml/2006/main" xmlns:r="http://schemas.openxmlformats.org/officeDocument/2006/relationships" xmlns:p="http://schemas.openxmlformats.org/presentationml/2006/main">
+  <p:cSld>
+    <p:spTree>
+      <p:nvGrpSpPr>
+        <p:cNvPr id="1" name=""/>
+        <p:cNvGrpSpPr/>
+        <p:nvPr/>
+      </p:nvGrpSpPr>
+      <p:grpSpPr>
+        <a:xfrm>
+          <a:off x="0" y="0"/>
+          <a:ext cx="0" cy="0"/>
+          <a:chOff x="0" y="0"/>
+          <a:chExt cx="0" cy="0"/>
+        </a:xfrm>
+      </p:grpSpPr>
+      <p:sp>
+        <p:nvSpPr>
+          <p:cNvPr id="2" name="Title 1"/>
+          <p:cNvSpPr>
+            <a:spLocks noGrp="1"/>
+          </p:cNvSpPr>
+          <p:nvPr>
+            <p:ph type="title"/>
+          </p:nvPr>
+        </p:nvSpPr>
+        <p:spPr/>
+        <p:txBody>
+          <a:bodyPr/>
+          <a:lstStyle/>
+          <a:p>
+            <a:r>
+              <a:rPr lang="tr-TR" dirty="0" smtClean="0"/>
+              <a:t>Süreç Yönetimi</a:t>
+            </a:r>
+            <a:endParaRPr lang="tr-TR" dirty="0"/>
+          </a:p>
+        </p:txBody>
+      </p:sp>
+      <p:sp>
+        <p:nvSpPr>
+          <p:cNvPr id="3" name="Content Placeholder 2"/>
+          <p:cNvSpPr>
+            <a:spLocks noGrp="1"/>
+          </p:cNvSpPr>
+          <p:nvPr>
+            <p:ph idx="1"/>
+          </p:nvPr>
+        </p:nvSpPr>
+        <p:spPr>
+          <a:xfrm>
+            <a:off x="838200" y="1825625"/>
+            <a:ext cx="10515600" cy="4680000"/>
+          </a:xfrm>
+        </p:spPr>
+        <p:txBody>
+          <a:bodyPr>
+            <a:normAutofit/>
+          </a:bodyPr>
+          <a:lstStyle/>
+          <a:p>
+            <a:endParaRPr lang="tr-TR" dirty="0"/>
+          </a:p>
+          <a:p>
+            <a:endParaRPr lang="tr-TR" dirty="0"/>
+          </a:p>
+          <a:p>
+            <a:endParaRPr lang="tr-TR" dirty="0"/>
+          </a:p>
+          <a:p>
+            <a:endParaRPr lang="tr-TR" dirty="0"/>
+          </a:p>
+        </p:txBody>
+      </p:sp>
+      <p:pic>
+        <p:nvPicPr>
+          <p:cNvPr id="4" name="Picture 2"/>
+          <p:cNvPicPr>
+            <a:picLocks noChangeAspect="1" noChangeArrowheads="1"/>
+          </p:cNvPicPr>
+          <p:nvPr/>
+        </p:nvPicPr>
+        <p:blipFill>
+          <a:blip r:embed="rId2">
+            <a:extLst>
+              <a:ext uri="{28A0092B-C50C-407E-A947-70E740481C1C}">
+                <a14:useLocalDpi xmlns:a14="http://schemas.microsoft.com/office/drawing/2010/main" val="0"/>
+              </a:ext>
+            </a:extLst>
+          </a:blip>
+          <a:srcRect/>
+          <a:stretch>
+            <a:fillRect/>
+          </a:stretch>
+        </p:blipFill>
+        <p:spPr bwMode="auto">
+          <a:xfrm>
+            <a:off x="720000" y="1825625"/>
+            <a:ext cx="10800000" cy="4640508"/>
+          </a:xfrm>
+          <a:prstGeom prst="rect">
+            <a:avLst/>
+          </a:prstGeom>
+          <a:noFill/>
+          <a:ln>
+            <a:noFill/>
+          </a:ln>
+          <a:extLst>
+            <a:ext uri="{909E8E84-426E-40DD-AFC4-6F175D3DCCD1}">
+              <a14:hiddenFill xmlns:a14="http://schemas.microsoft.com/office/drawing/2010/main">
+                <a:solidFill>
+                  <a:schemeClr val="accent1"/>
+                </a:solidFill>
+              </a14:hiddenFill>
+            </a:ext>
+            <a:ext uri="{91240B29-F687-4F45-9708-019B960494DF}">
+              <a14:hiddenLine xmlns:a14="http://schemas.microsoft.com/office/drawing/2010/main" w="9525">
+                <a:solidFill>
+                  <a:schemeClr val="tx1"/>
+                </a:solidFill>
+                <a:miter lim="800000"/>
+                <a:headEnd/>
+                <a:tailEnd/>
+              </a14:hiddenLine>
+            </a:ext>
+          </a:extLst>
+        </p:spPr>
+      </p:pic>
+    </p:spTree>
+    <p:extLst>
+      <p:ext uri="{BB962C8B-B14F-4D97-AF65-F5344CB8AC3E}">
+        <p14:creationId xmlns:p14="http://schemas.microsoft.com/office/powerpoint/2010/main" val="1933892876"/>
+      </p:ext>
+    </p:extLst>
+  </p:cSld>
+  <p:clrMapOvr>
+    <a:masterClrMapping/>
+  </p:clrMapOvr>
+  <p:timing>
+    <p:tnLst>
+      <p:par>
+        <p:cTn id="1" dur="indefinite" restart="never" nodeType="tmRoot"/>
+      </p:par>
+    </p:tnLst>
+  </p:timing>
+</p:sld>
+</file>
+
+<file path=ppt/slides/slide43.xml><?xml version="1.0" encoding="utf-8"?>
+<p:sld xmlns:a="http://schemas.openxmlformats.org/drawingml/2006/main" xmlns:r="http://schemas.openxmlformats.org/officeDocument/2006/relationships" xmlns:p="http://schemas.openxmlformats.org/presentationml/2006/main">
+  <p:cSld>
+    <p:spTree>
+      <p:nvGrpSpPr>
+        <p:cNvPr id="1" name=""/>
+        <p:cNvGrpSpPr/>
+        <p:nvPr/>
+      </p:nvGrpSpPr>
+      <p:grpSpPr>
+        <a:xfrm>
+          <a:off x="0" y="0"/>
+          <a:ext cx="0" cy="0"/>
+          <a:chOff x="0" y="0"/>
+          <a:chExt cx="0" cy="0"/>
+        </a:xfrm>
+      </p:grpSpPr>
+      <p:sp>
+        <p:nvSpPr>
+          <p:cNvPr id="2" name="Title 1"/>
+          <p:cNvSpPr>
+            <a:spLocks noGrp="1"/>
+          </p:cNvSpPr>
+          <p:nvPr>
+            <p:ph type="title"/>
+          </p:nvPr>
+        </p:nvSpPr>
+        <p:spPr/>
+        <p:txBody>
+          <a:bodyPr/>
+          <a:lstStyle/>
+          <a:p>
+            <a:r>
+              <a:rPr lang="tr-TR" dirty="0" smtClean="0"/>
+              <a:t>Süreçlerin Bellek Yönetimi</a:t>
+            </a:r>
+            <a:endParaRPr lang="tr-TR" dirty="0"/>
+          </a:p>
+        </p:txBody>
+      </p:sp>
+      <p:sp>
+        <p:nvSpPr>
+          <p:cNvPr id="3" name="Content Placeholder 2"/>
+          <p:cNvSpPr>
+            <a:spLocks noGrp="1"/>
+          </p:cNvSpPr>
+          <p:nvPr>
+            <p:ph idx="1"/>
+          </p:nvPr>
+        </p:nvSpPr>
+        <p:spPr>
+          <a:xfrm>
+            <a:off x="838200" y="1825625"/>
+            <a:ext cx="10515600" cy="4680000"/>
+          </a:xfrm>
+        </p:spPr>
+        <p:txBody>
+          <a:bodyPr>
+            <a:normAutofit/>
+          </a:bodyPr>
+          <a:lstStyle/>
+          <a:p>
+            <a:r>
+              <a:rPr lang="tr-TR" dirty="0" smtClean="0"/>
+              <a:t>Süreçler 3 kesime sahiptir. metin, veri, </a:t>
+            </a:r>
+            <a:r>
+              <a:rPr lang="tr-TR" dirty="0" err="1" smtClean="0"/>
+              <a:t>yığıt</a:t>
+            </a:r>
+            <a:endParaRPr lang="tr-TR" dirty="0"/>
+          </a:p>
+          <a:p>
+            <a:endParaRPr lang="tr-TR" dirty="0"/>
+          </a:p>
+          <a:p>
+            <a:endParaRPr lang="tr-TR" dirty="0"/>
+          </a:p>
+        </p:txBody>
+      </p:sp>
+      <p:pic>
+        <p:nvPicPr>
+          <p:cNvPr id="4" name="Picture 2"/>
+          <p:cNvPicPr>
+            <a:picLocks noChangeAspect="1" noChangeArrowheads="1"/>
+          </p:cNvPicPr>
+          <p:nvPr/>
+        </p:nvPicPr>
+        <p:blipFill>
+          <a:blip r:embed="rId2">
+            <a:extLst>
+              <a:ext uri="{28A0092B-C50C-407E-A947-70E740481C1C}">
+                <a14:useLocalDpi xmlns:a14="http://schemas.microsoft.com/office/drawing/2010/main" val="0"/>
+              </a:ext>
+            </a:extLst>
+          </a:blip>
+          <a:srcRect/>
+          <a:stretch>
+            <a:fillRect/>
+          </a:stretch>
+        </p:blipFill>
+        <p:spPr bwMode="auto">
+          <a:xfrm>
+            <a:off x="7439025" y="2570187"/>
+            <a:ext cx="3914775" cy="3190875"/>
+          </a:xfrm>
+          <a:prstGeom prst="rect">
+            <a:avLst/>
+          </a:prstGeom>
+          <a:noFill/>
+          <a:ln>
+            <a:noFill/>
+          </a:ln>
+          <a:extLst>
+            <a:ext uri="{909E8E84-426E-40DD-AFC4-6F175D3DCCD1}">
+              <a14:hiddenFill xmlns:a14="http://schemas.microsoft.com/office/drawing/2010/main">
+                <a:solidFill>
+                  <a:schemeClr val="accent1"/>
+                </a:solidFill>
+              </a14:hiddenFill>
+            </a:ext>
+            <a:ext uri="{91240B29-F687-4F45-9708-019B960494DF}">
+              <a14:hiddenLine xmlns:a14="http://schemas.microsoft.com/office/drawing/2010/main" w="9525">
+                <a:solidFill>
+                  <a:schemeClr val="tx1"/>
+                </a:solidFill>
+                <a:miter lim="800000"/>
+                <a:headEnd/>
+                <a:tailEnd/>
+              </a14:hiddenLine>
+            </a:ext>
+          </a:extLst>
+        </p:spPr>
+      </p:pic>
+    </p:spTree>
+    <p:extLst>
+      <p:ext uri="{BB962C8B-B14F-4D97-AF65-F5344CB8AC3E}">
+        <p14:creationId xmlns:p14="http://schemas.microsoft.com/office/powerpoint/2010/main" val="1246201600"/>
+      </p:ext>
+    </p:extLst>
+  </p:cSld>
+  <p:clrMapOvr>
+    <a:masterClrMapping/>
+  </p:clrMapOvr>
+  <p:timing>
+    <p:tnLst>
+      <p:par>
+        <p:cTn id="1" dur="indefinite" restart="never" nodeType="tmRoot"/>
+      </p:par>
+    </p:tnLst>
+  </p:timing>
+</p:sld>
+</file>
+
+<file path=ppt/slides/slide44.xml><?xml version="1.0" encoding="utf-8"?>
+<p:sld xmlns:a="http://schemas.openxmlformats.org/drawingml/2006/main" xmlns:r="http://schemas.openxmlformats.org/officeDocument/2006/relationships" xmlns:p="http://schemas.openxmlformats.org/presentationml/2006/main">
+  <p:cSld>
+    <p:spTree>
+      <p:nvGrpSpPr>
+        <p:cNvPr id="1" name=""/>
+        <p:cNvGrpSpPr/>
+        <p:nvPr/>
+      </p:nvGrpSpPr>
+      <p:grpSpPr>
+        <a:xfrm>
+          <a:off x="0" y="0"/>
+          <a:ext cx="0" cy="0"/>
+          <a:chOff x="0" y="0"/>
+          <a:chExt cx="0" cy="0"/>
+        </a:xfrm>
+      </p:grpSpPr>
+      <p:sp>
+        <p:nvSpPr>
+          <p:cNvPr id="2" name="Title 1"/>
+          <p:cNvSpPr>
+            <a:spLocks noGrp="1"/>
+          </p:cNvSpPr>
+          <p:nvPr>
+            <p:ph type="title"/>
+          </p:nvPr>
+        </p:nvSpPr>
+        <p:spPr/>
+        <p:txBody>
+          <a:bodyPr/>
+          <a:lstStyle/>
+          <a:p>
+            <a:r>
+              <a:rPr lang="tr-TR" dirty="0" smtClean="0"/>
+              <a:t>Dizin Yönetimi</a:t>
+            </a:r>
+            <a:endParaRPr lang="tr-TR" dirty="0"/>
+          </a:p>
+        </p:txBody>
+      </p:sp>
+      <p:sp>
+        <p:nvSpPr>
+          <p:cNvPr id="3" name="Content Placeholder 2"/>
+          <p:cNvSpPr>
+            <a:spLocks noGrp="1"/>
+          </p:cNvSpPr>
+          <p:nvPr>
+            <p:ph idx="1"/>
+          </p:nvPr>
+        </p:nvSpPr>
+        <p:spPr>
+          <a:xfrm>
+            <a:off x="838200" y="1825625"/>
+            <a:ext cx="10515600" cy="4680000"/>
+          </a:xfrm>
+        </p:spPr>
+        <p:txBody>
+          <a:bodyPr>
+            <a:normAutofit/>
+          </a:bodyPr>
+          <a:lstStyle/>
+          <a:p>
+            <a:pPr marL="514350" indent="-514350">
+              <a:buAutoNum type="alphaLcParenBoth"/>
+            </a:pPr>
+            <a:r>
+              <a:rPr lang="tr-TR" dirty="0" err="1" smtClean="0"/>
+              <a:t>usr</a:t>
+            </a:r>
+            <a:r>
+              <a:rPr lang="tr-TR" dirty="0" smtClean="0"/>
+              <a:t>/</a:t>
+            </a:r>
+            <a:r>
+              <a:rPr lang="tr-TR" dirty="0" err="1" smtClean="0"/>
+              <a:t>jim</a:t>
+            </a:r>
+            <a:r>
+              <a:rPr lang="tr-TR" dirty="0" smtClean="0"/>
+              <a:t>/</a:t>
+            </a:r>
+            <a:r>
+              <a:rPr lang="tr-TR" dirty="0" err="1" smtClean="0"/>
+              <a:t>memo'yu</a:t>
+            </a:r>
+            <a:r>
+              <a:rPr lang="tr-TR" dirty="0" smtClean="0"/>
+              <a:t> </a:t>
+            </a:r>
+            <a:r>
+              <a:rPr lang="tr-TR" dirty="0" err="1"/>
+              <a:t>ast'nin</a:t>
+            </a:r>
+            <a:r>
+              <a:rPr lang="tr-TR" dirty="0"/>
+              <a:t> dizinine bağlamadan </a:t>
+            </a:r>
+            <a:r>
+              <a:rPr lang="tr-TR" dirty="0" smtClean="0"/>
+              <a:t>önce. </a:t>
+            </a:r>
+          </a:p>
+          <a:p>
+            <a:pPr marL="514350" indent="-514350">
+              <a:buAutoNum type="alphaLcParenBoth"/>
+            </a:pPr>
+            <a:r>
+              <a:rPr lang="tr-TR" dirty="0" smtClean="0"/>
+              <a:t>bağlandıktan sonra.</a:t>
+            </a:r>
+            <a:endParaRPr lang="tr-TR" dirty="0"/>
+          </a:p>
+          <a:p>
+            <a:endParaRPr lang="tr-TR" dirty="0"/>
+          </a:p>
+          <a:p>
+            <a:endParaRPr lang="tr-TR" dirty="0"/>
+          </a:p>
+          <a:p>
+            <a:endParaRPr lang="tr-TR" dirty="0"/>
+          </a:p>
+        </p:txBody>
+      </p:sp>
+      <p:pic>
+        <p:nvPicPr>
+          <p:cNvPr id="4" name="Picture 2"/>
+          <p:cNvPicPr>
+            <a:picLocks noChangeAspect="1" noChangeArrowheads="1"/>
+          </p:cNvPicPr>
+          <p:nvPr/>
+        </p:nvPicPr>
+        <p:blipFill>
+          <a:blip r:embed="rId2">
+            <a:extLst>
+              <a:ext uri="{28A0092B-C50C-407E-A947-70E740481C1C}">
+                <a14:useLocalDpi xmlns:a14="http://schemas.microsoft.com/office/drawing/2010/main" val="0"/>
+              </a:ext>
+            </a:extLst>
+          </a:blip>
+          <a:srcRect/>
+          <a:stretch>
+            <a:fillRect/>
+          </a:stretch>
+        </p:blipFill>
+        <p:spPr bwMode="auto">
+          <a:xfrm>
+            <a:off x="720000" y="2878968"/>
+            <a:ext cx="10440000" cy="3368131"/>
+          </a:xfrm>
+          <a:prstGeom prst="rect">
+            <a:avLst/>
+          </a:prstGeom>
+          <a:noFill/>
+          <a:ln>
+            <a:noFill/>
+          </a:ln>
+          <a:extLst>
+            <a:ext uri="{909E8E84-426E-40DD-AFC4-6F175D3DCCD1}">
+              <a14:hiddenFill xmlns:a14="http://schemas.microsoft.com/office/drawing/2010/main">
+                <a:solidFill>
+                  <a:schemeClr val="accent1"/>
+                </a:solidFill>
+              </a14:hiddenFill>
+            </a:ext>
+            <a:ext uri="{91240B29-F687-4F45-9708-019B960494DF}">
+              <a14:hiddenLine xmlns:a14="http://schemas.microsoft.com/office/drawing/2010/main" w="9525">
+                <a:solidFill>
+                  <a:schemeClr val="tx1"/>
+                </a:solidFill>
+                <a:miter lim="800000"/>
+                <a:headEnd/>
+                <a:tailEnd/>
+              </a14:hiddenLine>
+            </a:ext>
+          </a:extLst>
+        </p:spPr>
+      </p:pic>
+    </p:spTree>
+    <p:extLst>
+      <p:ext uri="{BB962C8B-B14F-4D97-AF65-F5344CB8AC3E}">
+        <p14:creationId xmlns:p14="http://schemas.microsoft.com/office/powerpoint/2010/main" val="1399998449"/>
+      </p:ext>
+    </p:extLst>
+  </p:cSld>
+  <p:clrMapOvr>
+    <a:masterClrMapping/>
+  </p:clrMapOvr>
+  <p:timing>
+    <p:tnLst>
+      <p:par>
+        <p:cTn id="1" dur="indefinite" restart="never" nodeType="tmRoot"/>
+      </p:par>
+    </p:tnLst>
+  </p:timing>
+</p:sld>
+</file>
+
+<file path=ppt/slides/slide45.xml><?xml version="1.0" encoding="utf-8"?>
+<p:sld xmlns:a="http://schemas.openxmlformats.org/drawingml/2006/main" xmlns:r="http://schemas.openxmlformats.org/officeDocument/2006/relationships" xmlns:p="http://schemas.openxmlformats.org/presentationml/2006/main">
+  <p:cSld>
+    <p:spTree>
+      <p:nvGrpSpPr>
+        <p:cNvPr id="1" name=""/>
+        <p:cNvGrpSpPr/>
+        <p:nvPr/>
+      </p:nvGrpSpPr>
+      <p:grpSpPr>
+        <a:xfrm>
+          <a:off x="0" y="0"/>
+          <a:ext cx="0" cy="0"/>
+          <a:chOff x="0" y="0"/>
+          <a:chExt cx="0" cy="0"/>
+        </a:xfrm>
+      </p:grpSpPr>
+      <p:sp>
+        <p:nvSpPr>
+          <p:cNvPr id="2" name="Title 1"/>
+          <p:cNvSpPr>
+            <a:spLocks noGrp="1"/>
+          </p:cNvSpPr>
+          <p:nvPr>
+            <p:ph type="title"/>
+          </p:nvPr>
+        </p:nvSpPr>
+        <p:spPr/>
+        <p:txBody>
+          <a:bodyPr/>
+          <a:lstStyle/>
+          <a:p>
+            <a:r>
+              <a:rPr lang="tr-TR" dirty="0"/>
+              <a:t>Dizin Yönetimi</a:t>
+            </a:r>
+          </a:p>
+        </p:txBody>
+      </p:sp>
+      <p:sp>
+        <p:nvSpPr>
+          <p:cNvPr id="3" name="Content Placeholder 2"/>
+          <p:cNvSpPr>
+            <a:spLocks noGrp="1"/>
+          </p:cNvSpPr>
+          <p:nvPr>
+            <p:ph idx="1"/>
+          </p:nvPr>
+        </p:nvSpPr>
+        <p:spPr>
+          <a:xfrm>
+            <a:off x="838200" y="1825625"/>
+            <a:ext cx="10515600" cy="4680000"/>
+          </a:xfrm>
+        </p:spPr>
+        <p:txBody>
+          <a:bodyPr>
+            <a:normAutofit/>
+          </a:bodyPr>
+          <a:lstStyle/>
+          <a:p>
+            <a:pPr marL="514350" indent="-514350">
+              <a:buAutoNum type="alphaLcParenBoth"/>
+            </a:pPr>
+            <a:r>
+              <a:rPr lang="tr-TR" dirty="0" smtClean="0"/>
+              <a:t>Bağlamadan önce dosya sistemi</a:t>
+            </a:r>
+          </a:p>
+          <a:p>
+            <a:pPr marL="514350" indent="-514350">
+              <a:buAutoNum type="alphaLcParenBoth"/>
+            </a:pPr>
+            <a:r>
+              <a:rPr lang="tr-TR" dirty="0" smtClean="0"/>
+              <a:t>Bağlamadan sonra </a:t>
+            </a:r>
+            <a:endParaRPr lang="tr-TR" dirty="0"/>
+          </a:p>
+          <a:p>
+            <a:endParaRPr lang="tr-TR" dirty="0"/>
+          </a:p>
+          <a:p>
+            <a:endParaRPr lang="tr-TR" dirty="0"/>
+          </a:p>
+          <a:p>
+            <a:endParaRPr lang="tr-TR" dirty="0"/>
+          </a:p>
+        </p:txBody>
+      </p:sp>
+      <p:pic>
+        <p:nvPicPr>
+          <p:cNvPr id="4" name="Picture 2"/>
+          <p:cNvPicPr>
+            <a:picLocks noChangeAspect="1" noChangeArrowheads="1"/>
+          </p:cNvPicPr>
+          <p:nvPr/>
+        </p:nvPicPr>
+        <p:blipFill>
+          <a:blip r:embed="rId2">
+            <a:extLst>
+              <a:ext uri="{28A0092B-C50C-407E-A947-70E740481C1C}">
+                <a14:useLocalDpi xmlns:a14="http://schemas.microsoft.com/office/drawing/2010/main" val="0"/>
+              </a:ext>
+            </a:extLst>
+          </a:blip>
+          <a:srcRect/>
+          <a:stretch>
+            <a:fillRect/>
+          </a:stretch>
+        </p:blipFill>
+        <p:spPr bwMode="auto">
+          <a:xfrm>
+            <a:off x="720000" y="3164155"/>
+            <a:ext cx="9720000" cy="3121785"/>
+          </a:xfrm>
+          <a:prstGeom prst="rect">
+            <a:avLst/>
+          </a:prstGeom>
+          <a:noFill/>
+          <a:ln>
+            <a:noFill/>
+          </a:ln>
+          <a:extLst>
+            <a:ext uri="{909E8E84-426E-40DD-AFC4-6F175D3DCCD1}">
+              <a14:hiddenFill xmlns:a14="http://schemas.microsoft.com/office/drawing/2010/main">
+                <a:solidFill>
+                  <a:schemeClr val="accent1"/>
+                </a:solidFill>
+              </a14:hiddenFill>
+            </a:ext>
+            <a:ext uri="{91240B29-F687-4F45-9708-019B960494DF}">
+              <a14:hiddenLine xmlns:a14="http://schemas.microsoft.com/office/drawing/2010/main" w="9525">
+                <a:solidFill>
+                  <a:schemeClr val="tx1"/>
+                </a:solidFill>
+                <a:miter lim="800000"/>
+                <a:headEnd/>
+                <a:tailEnd/>
+              </a14:hiddenLine>
+            </a:ext>
+          </a:extLst>
+        </p:spPr>
+      </p:pic>
+    </p:spTree>
+    <p:extLst>
+      <p:ext uri="{BB962C8B-B14F-4D97-AF65-F5344CB8AC3E}">
+        <p14:creationId xmlns:p14="http://schemas.microsoft.com/office/powerpoint/2010/main" val="419640373"/>
+      </p:ext>
+    </p:extLst>
+  </p:cSld>
+  <p:clrMapOvr>
+    <a:masterClrMapping/>
+  </p:clrMapOvr>
+  <p:timing>
+    <p:tnLst>
+      <p:par>
+        <p:cTn id="1" dur="indefinite" restart="never" nodeType="tmRoot"/>
+      </p:par>
+    </p:tnLst>
+  </p:timing>
+</p:sld>
+</file>
+
+<file path=ppt/slides/slide46.xml><?xml version="1.0" encoding="utf-8"?>
+<p:sld xmlns:a="http://schemas.openxmlformats.org/drawingml/2006/main" xmlns:r="http://schemas.openxmlformats.org/officeDocument/2006/relationships" xmlns:p="http://schemas.openxmlformats.org/presentationml/2006/main">
+  <p:cSld>
+    <p:spTree>
+      <p:nvGrpSpPr>
+        <p:cNvPr id="1" name=""/>
+        <p:cNvGrpSpPr/>
+        <p:nvPr/>
+      </p:nvGrpSpPr>
+      <p:grpSpPr>
+        <a:xfrm>
+          <a:off x="0" y="0"/>
+          <a:ext cx="0" cy="0"/>
+          <a:chOff x="0" y="0"/>
+          <a:chExt cx="0" cy="0"/>
+        </a:xfrm>
+      </p:grpSpPr>
+      <p:sp>
+        <p:nvSpPr>
+          <p:cNvPr id="2" name="Title 1"/>
+          <p:cNvSpPr>
+            <a:spLocks noGrp="1"/>
+          </p:cNvSpPr>
+          <p:nvPr>
+            <p:ph type="title"/>
+          </p:nvPr>
+        </p:nvSpPr>
+        <p:spPr/>
+        <p:txBody>
+          <a:bodyPr/>
+          <a:lstStyle/>
+          <a:p>
+            <a:r>
+              <a:rPr lang="tr-TR" dirty="0" err="1"/>
+              <a:t>The</a:t>
+            </a:r>
+            <a:r>
+              <a:rPr lang="tr-TR" dirty="0"/>
+              <a:t> Windows Win32 API </a:t>
+            </a:r>
+          </a:p>
+        </p:txBody>
+      </p:sp>
+      <p:sp>
+        <p:nvSpPr>
+          <p:cNvPr id="3" name="Content Placeholder 2"/>
+          <p:cNvSpPr>
+            <a:spLocks noGrp="1"/>
+          </p:cNvSpPr>
+          <p:nvPr>
+            <p:ph idx="1"/>
+          </p:nvPr>
+        </p:nvSpPr>
+        <p:spPr>
+          <a:xfrm>
+            <a:off x="838200" y="1825625"/>
+            <a:ext cx="10515600" cy="4680000"/>
+          </a:xfrm>
+        </p:spPr>
+        <p:txBody>
+          <a:bodyPr>
+            <a:normAutofit/>
+          </a:bodyPr>
+          <a:lstStyle/>
+          <a:p>
+            <a:endParaRPr lang="tr-TR" dirty="0"/>
+          </a:p>
+          <a:p>
+            <a:endParaRPr lang="tr-TR" dirty="0"/>
+          </a:p>
+          <a:p>
+            <a:endParaRPr lang="tr-TR" dirty="0"/>
+          </a:p>
+          <a:p>
+            <a:endParaRPr lang="tr-TR" dirty="0"/>
+          </a:p>
+        </p:txBody>
+      </p:sp>
+      <p:pic>
+        <p:nvPicPr>
+          <p:cNvPr id="4" name="Picture 2"/>
+          <p:cNvPicPr>
+            <a:picLocks noChangeAspect="1" noChangeArrowheads="1"/>
+          </p:cNvPicPr>
+          <p:nvPr/>
+        </p:nvPicPr>
+        <p:blipFill>
+          <a:blip r:embed="rId2">
+            <a:extLst>
+              <a:ext uri="{28A0092B-C50C-407E-A947-70E740481C1C}">
+                <a14:useLocalDpi xmlns:a14="http://schemas.microsoft.com/office/drawing/2010/main" val="0"/>
+              </a:ext>
+            </a:extLst>
+          </a:blip>
+          <a:srcRect/>
+          <a:stretch>
+            <a:fillRect/>
+          </a:stretch>
+        </p:blipFill>
+        <p:spPr bwMode="auto">
+          <a:xfrm>
+            <a:off x="720000" y="1512888"/>
+            <a:ext cx="10440000" cy="5066233"/>
+          </a:xfrm>
+          <a:prstGeom prst="rect">
+            <a:avLst/>
+          </a:prstGeom>
+          <a:noFill/>
+          <a:ln>
+            <a:noFill/>
+          </a:ln>
+          <a:extLst>
+            <a:ext uri="{909E8E84-426E-40DD-AFC4-6F175D3DCCD1}">
+              <a14:hiddenFill xmlns:a14="http://schemas.microsoft.com/office/drawing/2010/main">
+                <a:solidFill>
+                  <a:schemeClr val="accent1"/>
+                </a:solidFill>
+              </a14:hiddenFill>
+            </a:ext>
+            <a:ext uri="{91240B29-F687-4F45-9708-019B960494DF}">
+              <a14:hiddenLine xmlns:a14="http://schemas.microsoft.com/office/drawing/2010/main" w="9525">
+                <a:solidFill>
+                  <a:schemeClr val="tx1"/>
+                </a:solidFill>
+                <a:miter lim="800000"/>
+                <a:headEnd/>
+                <a:tailEnd/>
+              </a14:hiddenLine>
+            </a:ext>
+          </a:extLst>
+        </p:spPr>
+      </p:pic>
+    </p:spTree>
+    <p:extLst>
+      <p:ext uri="{BB962C8B-B14F-4D97-AF65-F5344CB8AC3E}">
+        <p14:creationId xmlns:p14="http://schemas.microsoft.com/office/powerpoint/2010/main" val="1617903210"/>
+      </p:ext>
+    </p:extLst>
+  </p:cSld>
+  <p:clrMapOvr>
+    <a:masterClrMapping/>
+  </p:clrMapOvr>
+  <p:timing>
+    <p:tnLst>
+      <p:par>
+        <p:cTn id="1" dur="indefinite" restart="never" nodeType="tmRoot"/>
+      </p:par>
+    </p:tnLst>
+  </p:timing>
+</p:sld>
+</file>
+
+<file path=ppt/slides/slide47.xml><?xml version="1.0" encoding="utf-8"?>
+<p:sld xmlns:a="http://schemas.openxmlformats.org/drawingml/2006/main" xmlns:r="http://schemas.openxmlformats.org/officeDocument/2006/relationships" xmlns:p="http://schemas.openxmlformats.org/presentationml/2006/main">
+  <p:cSld>
+    <p:spTree>
+      <p:nvGrpSpPr>
+        <p:cNvPr id="1" name=""/>
+        <p:cNvGrpSpPr/>
+        <p:nvPr/>
+      </p:nvGrpSpPr>
+      <p:grpSpPr>
+        <a:xfrm>
+          <a:off x="0" y="0"/>
+          <a:ext cx="0" cy="0"/>
+          <a:chOff x="0" y="0"/>
+          <a:chExt cx="0" cy="0"/>
+        </a:xfrm>
+      </p:grpSpPr>
+      <p:sp>
+        <p:nvSpPr>
+          <p:cNvPr id="2" name="Title 1"/>
+          <p:cNvSpPr>
+            <a:spLocks noGrp="1"/>
+          </p:cNvSpPr>
+          <p:nvPr>
+            <p:ph type="title"/>
+          </p:nvPr>
+        </p:nvSpPr>
+        <p:spPr/>
+        <p:txBody>
+          <a:bodyPr/>
+          <a:lstStyle/>
+          <a:p>
+            <a:r>
+              <a:rPr lang="tr-TR" dirty="0" err="1"/>
+              <a:t>The</a:t>
+            </a:r>
+            <a:r>
+              <a:rPr lang="tr-TR" dirty="0"/>
+              <a:t> Windows Win32 API </a:t>
+            </a:r>
+          </a:p>
+        </p:txBody>
+      </p:sp>
+      <p:sp>
+        <p:nvSpPr>
+          <p:cNvPr id="3" name="Content Placeholder 2"/>
+          <p:cNvSpPr>
+            <a:spLocks noGrp="1"/>
+          </p:cNvSpPr>
+          <p:nvPr>
+            <p:ph idx="1"/>
+          </p:nvPr>
+        </p:nvSpPr>
+        <p:spPr>
+          <a:xfrm>
+            <a:off x="838200" y="1825625"/>
+            <a:ext cx="10515600" cy="4680000"/>
+          </a:xfrm>
+        </p:spPr>
+        <p:txBody>
+          <a:bodyPr>
+            <a:normAutofit/>
+          </a:bodyPr>
+          <a:lstStyle/>
+          <a:p>
+            <a:endParaRPr lang="tr-TR" dirty="0"/>
+          </a:p>
+          <a:p>
+            <a:endParaRPr lang="tr-TR" dirty="0"/>
+          </a:p>
+          <a:p>
+            <a:endParaRPr lang="tr-TR" dirty="0"/>
+          </a:p>
+          <a:p>
+            <a:endParaRPr lang="tr-TR" dirty="0"/>
+          </a:p>
+        </p:txBody>
+      </p:sp>
+      <p:pic>
+        <p:nvPicPr>
+          <p:cNvPr id="4" name="Picture 2"/>
+          <p:cNvPicPr>
+            <a:picLocks noChangeAspect="1" noChangeArrowheads="1"/>
+          </p:cNvPicPr>
+          <p:nvPr/>
+        </p:nvPicPr>
+        <p:blipFill>
+          <a:blip r:embed="rId2">
+            <a:extLst>
+              <a:ext uri="{28A0092B-C50C-407E-A947-70E740481C1C}">
+                <a14:useLocalDpi xmlns:a14="http://schemas.microsoft.com/office/drawing/2010/main" val="0"/>
+              </a:ext>
+            </a:extLst>
+          </a:blip>
+          <a:srcRect l="3790" r="1932"/>
+          <a:stretch>
+            <a:fillRect/>
+          </a:stretch>
+        </p:blipFill>
+        <p:spPr bwMode="auto">
+          <a:xfrm>
+            <a:off x="748136" y="1511702"/>
+            <a:ext cx="10080000" cy="5195980"/>
+          </a:xfrm>
+          <a:prstGeom prst="rect">
+            <a:avLst/>
+          </a:prstGeom>
+          <a:noFill/>
+          <a:ln>
+            <a:noFill/>
+          </a:ln>
+          <a:extLst>
+            <a:ext uri="{909E8E84-426E-40DD-AFC4-6F175D3DCCD1}">
+              <a14:hiddenFill xmlns:a14="http://schemas.microsoft.com/office/drawing/2010/main">
+                <a:solidFill>
+                  <a:schemeClr val="accent1"/>
+                </a:solidFill>
+              </a14:hiddenFill>
+            </a:ext>
+            <a:ext uri="{91240B29-F687-4F45-9708-019B960494DF}">
+              <a14:hiddenLine xmlns:a14="http://schemas.microsoft.com/office/drawing/2010/main" w="9525">
+                <a:solidFill>
+                  <a:schemeClr val="tx1"/>
+                </a:solidFill>
+                <a:miter lim="800000"/>
+                <a:headEnd/>
+                <a:tailEnd/>
+              </a14:hiddenLine>
+            </a:ext>
+          </a:extLst>
+        </p:spPr>
+      </p:pic>
+    </p:spTree>
+    <p:extLst>
+      <p:ext uri="{BB962C8B-B14F-4D97-AF65-F5344CB8AC3E}">
+        <p14:creationId xmlns:p14="http://schemas.microsoft.com/office/powerpoint/2010/main" val="1301752966"/>
+      </p:ext>
+    </p:extLst>
+  </p:cSld>
+  <p:clrMapOvr>
+    <a:masterClrMapping/>
+  </p:clrMapOvr>
+  <p:timing>
+    <p:tnLst>
+      <p:par>
+        <p:cTn id="1" dur="indefinite" restart="never" nodeType="tmRoot"/>
+      </p:par>
+    </p:tnLst>
+  </p:timing>
+</p:sld>
+</file>
+
+<file path=ppt/slides/slide48.xml><?xml version="1.0" encoding="utf-8"?>
+<p:sld xmlns:a="http://schemas.openxmlformats.org/drawingml/2006/main" xmlns:r="http://schemas.openxmlformats.org/officeDocument/2006/relationships" xmlns:p="http://schemas.openxmlformats.org/presentationml/2006/main">
+  <p:cSld>
+    <p:spTree>
+      <p:nvGrpSpPr>
+        <p:cNvPr id="1" name=""/>
+        <p:cNvGrpSpPr/>
+        <p:nvPr/>
+      </p:nvGrpSpPr>
+      <p:grpSpPr>
+        <a:xfrm>
+          <a:off x="0" y="0"/>
+          <a:ext cx="0" cy="0"/>
+          <a:chOff x="0" y="0"/>
+          <a:chExt cx="0" cy="0"/>
+        </a:xfrm>
+      </p:grpSpPr>
+      <p:sp>
+        <p:nvSpPr>
+          <p:cNvPr id="2" name="Title 1"/>
+          <p:cNvSpPr>
+            <a:spLocks noGrp="1"/>
+          </p:cNvSpPr>
+          <p:nvPr>
+            <p:ph type="title"/>
+          </p:nvPr>
+        </p:nvSpPr>
+        <p:spPr/>
+        <p:txBody>
+          <a:bodyPr/>
+          <a:lstStyle/>
+          <a:p>
+            <a:r>
+              <a:rPr lang="tr-TR" dirty="0" err="1" smtClean="0"/>
+              <a:t>Monolitik</a:t>
+            </a:r>
+            <a:r>
+              <a:rPr lang="tr-TR" dirty="0" smtClean="0"/>
+              <a:t> Sistem</a:t>
+            </a:r>
+            <a:endParaRPr lang="tr-TR" dirty="0"/>
+          </a:p>
+        </p:txBody>
+      </p:sp>
+      <p:sp>
+        <p:nvSpPr>
+          <p:cNvPr id="3" name="Content Placeholder 2"/>
+          <p:cNvSpPr>
+            <a:spLocks noGrp="1"/>
+          </p:cNvSpPr>
+          <p:nvPr>
+            <p:ph idx="1"/>
+          </p:nvPr>
+        </p:nvSpPr>
+        <p:spPr>
+          <a:xfrm>
+            <a:off x="838200" y="1825625"/>
+            <a:ext cx="10515600" cy="4680000"/>
+          </a:xfrm>
+        </p:spPr>
+        <p:txBody>
+          <a:bodyPr>
+            <a:normAutofit/>
+          </a:bodyPr>
+          <a:lstStyle/>
+          <a:p>
+            <a:pPr marL="0" indent="0">
+              <a:buNone/>
+            </a:pPr>
+            <a:r>
+              <a:rPr lang="tr-TR" dirty="0"/>
+              <a:t>İşletim sisteminin temel </a:t>
+            </a:r>
+            <a:r>
+              <a:rPr lang="tr-TR" dirty="0" smtClean="0"/>
+              <a:t>yapısı</a:t>
+            </a:r>
+          </a:p>
+          <a:p>
+            <a:endParaRPr lang="tr-TR" dirty="0" smtClean="0"/>
+          </a:p>
+          <a:p>
+            <a:r>
+              <a:rPr lang="tr-TR" dirty="0"/>
+              <a:t>İstenen hizmet prosedürünü başlatan bir ana program</a:t>
+            </a:r>
+            <a:r>
+              <a:rPr lang="tr-TR" dirty="0" smtClean="0"/>
+              <a:t>.</a:t>
+            </a:r>
+          </a:p>
+          <a:p>
+            <a:r>
+              <a:rPr lang="tr-TR" dirty="0" smtClean="0"/>
+              <a:t>Sistem </a:t>
+            </a:r>
+            <a:r>
+              <a:rPr lang="tr-TR" dirty="0"/>
+              <a:t>çağrılarını gerçekleştiren bir dizi hizmet prosedürü</a:t>
+            </a:r>
+            <a:r>
+              <a:rPr lang="tr-TR" dirty="0" smtClean="0"/>
+              <a:t>.</a:t>
+            </a:r>
+          </a:p>
+          <a:p>
+            <a:r>
+              <a:rPr lang="tr-TR" dirty="0" smtClean="0"/>
+              <a:t>Hizmet </a:t>
+            </a:r>
+            <a:r>
+              <a:rPr lang="tr-TR" dirty="0"/>
+              <a:t>prosedürlerine yardımcı olan bir dizi yardımcı prosedür.</a:t>
+            </a:r>
+          </a:p>
+          <a:p>
+            <a:endParaRPr lang="tr-TR" dirty="0"/>
+          </a:p>
+          <a:p>
+            <a:endParaRPr lang="tr-TR" dirty="0"/>
+          </a:p>
+          <a:p>
+            <a:endParaRPr lang="tr-TR" dirty="0"/>
+          </a:p>
+        </p:txBody>
+      </p:sp>
+    </p:spTree>
+    <p:extLst>
+      <p:ext uri="{BB962C8B-B14F-4D97-AF65-F5344CB8AC3E}">
+        <p14:creationId xmlns:p14="http://schemas.microsoft.com/office/powerpoint/2010/main" val="108921113"/>
+      </p:ext>
+    </p:extLst>
+  </p:cSld>
+  <p:clrMapOvr>
+    <a:masterClrMapping/>
+  </p:clrMapOvr>
+  <p:timing>
+    <p:tnLst>
+      <p:par>
+        <p:cTn id="1" dur="indefinite" restart="never" nodeType="tmRoot"/>
+      </p:par>
+    </p:tnLst>
+  </p:timing>
+</p:sld>
+</file>
+
+<file path=ppt/slides/slide49.xml><?xml version="1.0" encoding="utf-8"?>
+<p:sld xmlns:a="http://schemas.openxmlformats.org/drawingml/2006/main" xmlns:r="http://schemas.openxmlformats.org/officeDocument/2006/relationships" xmlns:p="http://schemas.openxmlformats.org/presentationml/2006/main">
+  <p:cSld>
+    <p:spTree>
+      <p:nvGrpSpPr>
+        <p:cNvPr id="1" name=""/>
+        <p:cNvGrpSpPr/>
+        <p:nvPr/>
+      </p:nvGrpSpPr>
+      <p:grpSpPr>
+        <a:xfrm>
+          <a:off x="0" y="0"/>
+          <a:ext cx="0" cy="0"/>
+          <a:chOff x="0" y="0"/>
+          <a:chExt cx="0" cy="0"/>
+        </a:xfrm>
+      </p:grpSpPr>
+      <p:sp>
+        <p:nvSpPr>
+          <p:cNvPr id="2" name="Title 1"/>
+          <p:cNvSpPr>
+            <a:spLocks noGrp="1"/>
+          </p:cNvSpPr>
+          <p:nvPr>
+            <p:ph type="title"/>
+          </p:nvPr>
+        </p:nvSpPr>
+        <p:spPr/>
+        <p:txBody>
+          <a:bodyPr/>
+          <a:lstStyle/>
+          <a:p>
+            <a:r>
+              <a:rPr lang="tr-TR" dirty="0" err="1" smtClean="0"/>
+              <a:t>Monolitik</a:t>
+            </a:r>
+            <a:r>
+              <a:rPr lang="tr-TR" dirty="0" smtClean="0"/>
+              <a:t> Sistem Yapısı</a:t>
+            </a:r>
+            <a:endParaRPr lang="tr-TR" dirty="0"/>
+          </a:p>
+        </p:txBody>
+      </p:sp>
+      <p:sp>
+        <p:nvSpPr>
+          <p:cNvPr id="3" name="Content Placeholder 2"/>
+          <p:cNvSpPr>
+            <a:spLocks noGrp="1"/>
+          </p:cNvSpPr>
+          <p:nvPr>
+            <p:ph idx="1"/>
+          </p:nvPr>
+        </p:nvSpPr>
+        <p:spPr>
+          <a:xfrm>
+            <a:off x="838200" y="1825625"/>
+            <a:ext cx="10515600" cy="4680000"/>
+          </a:xfrm>
+        </p:spPr>
+        <p:txBody>
+          <a:bodyPr>
+            <a:normAutofit/>
+          </a:bodyPr>
+          <a:lstStyle/>
+          <a:p>
+            <a:endParaRPr lang="tr-TR" dirty="0"/>
+          </a:p>
+          <a:p>
+            <a:endParaRPr lang="tr-TR" dirty="0"/>
+          </a:p>
+          <a:p>
+            <a:endParaRPr lang="tr-TR" dirty="0"/>
+          </a:p>
+          <a:p>
+            <a:endParaRPr lang="tr-TR" dirty="0"/>
+          </a:p>
+        </p:txBody>
+      </p:sp>
+      <p:pic>
+        <p:nvPicPr>
+          <p:cNvPr id="4" name="Picture 2"/>
+          <p:cNvPicPr>
+            <a:picLocks noChangeAspect="1" noChangeArrowheads="1"/>
+          </p:cNvPicPr>
+          <p:nvPr/>
+        </p:nvPicPr>
+        <p:blipFill>
+          <a:blip r:embed="rId2">
+            <a:extLst>
+              <a:ext uri="{28A0092B-C50C-407E-A947-70E740481C1C}">
+                <a14:useLocalDpi xmlns:a14="http://schemas.microsoft.com/office/drawing/2010/main" val="0"/>
+              </a:ext>
+            </a:extLst>
+          </a:blip>
+          <a:srcRect/>
+          <a:stretch>
+            <a:fillRect/>
+          </a:stretch>
+        </p:blipFill>
+        <p:spPr bwMode="auto">
+          <a:xfrm>
+            <a:off x="1760257" y="1993509"/>
+            <a:ext cx="8671486" cy="3955838"/>
+          </a:xfrm>
+          <a:prstGeom prst="rect">
+            <a:avLst/>
+          </a:prstGeom>
+          <a:noFill/>
+          <a:ln>
+            <a:noFill/>
+          </a:ln>
+          <a:extLst>
+            <a:ext uri="{909E8E84-426E-40DD-AFC4-6F175D3DCCD1}">
+              <a14:hiddenFill xmlns:a14="http://schemas.microsoft.com/office/drawing/2010/main">
+                <a:solidFill>
+                  <a:schemeClr val="accent1"/>
+                </a:solidFill>
+              </a14:hiddenFill>
+            </a:ext>
+            <a:ext uri="{91240B29-F687-4F45-9708-019B960494DF}">
+              <a14:hiddenLine xmlns:a14="http://schemas.microsoft.com/office/drawing/2010/main" w="9525">
+                <a:solidFill>
+                  <a:schemeClr val="tx1"/>
+                </a:solidFill>
+                <a:miter lim="800000"/>
+                <a:headEnd/>
+                <a:tailEnd/>
+              </a14:hiddenLine>
+            </a:ext>
+          </a:extLst>
+        </p:spPr>
+      </p:pic>
+    </p:spTree>
+    <p:extLst>
+      <p:ext uri="{BB962C8B-B14F-4D97-AF65-F5344CB8AC3E}">
+        <p14:creationId xmlns:p14="http://schemas.microsoft.com/office/powerpoint/2010/main" val="89052170"/>
+      </p:ext>
+    </p:extLst>
+  </p:cSld>
+  <p:clrMapOvr>
+    <a:masterClrMapping/>
+  </p:clrMapOvr>
+  <p:timing>
+    <p:tnLst>
+      <p:par>
+        <p:cTn id="1" dur="indefinite" restart="never" nodeType="tmRoot"/>
+      </p:par>
+    </p:tnLst>
+  </p:timing>
+</p:sld>
+</file>
+
 <file path=ppt/slides/slide5.xml><?xml version="1.0" encoding="utf-8"?>
 <p:sld xmlns:a="http://schemas.openxmlformats.org/drawingml/2006/main" xmlns:r="http://schemas.openxmlformats.org/officeDocument/2006/relationships" xmlns:p="http://schemas.openxmlformats.org/presentationml/2006/main">
   <p:cSld>
@@ -7172,16 +10288,12 @@
           <a:lstStyle/>
           <a:p>
             <a:r>
+              <a:rPr lang="tr-TR" dirty="0" smtClean="0"/>
+              <a:t>Genişletilmiş </a:t>
+            </a:r>
+            <a:r>
               <a:rPr lang="nn-NO" dirty="0" smtClean="0"/>
-              <a:t>Uzatılmış </a:t>
-            </a:r>
-            <a:r>
-              <a:rPr lang="nn-NO" dirty="0"/>
-              <a:t>Makine </a:t>
-            </a:r>
-            <a:r>
-              <a:rPr lang="nn-NO" dirty="0" smtClean="0"/>
-              <a:t>Olarak</a:t>
+              <a:t>Makine Olarak</a:t>
             </a:r>
             <a:r>
               <a:rPr lang="tr-TR" dirty="0" smtClean="0"/>
@@ -7322,6 +10434,1209 @@
     <p:extLst>
       <p:ext uri="{BB962C8B-B14F-4D97-AF65-F5344CB8AC3E}">
         <p14:creationId xmlns:p14="http://schemas.microsoft.com/office/powerpoint/2010/main" val="659976593"/>
+      </p:ext>
+    </p:extLst>
+  </p:cSld>
+  <p:clrMapOvr>
+    <a:masterClrMapping/>
+  </p:clrMapOvr>
+  <p:timing>
+    <p:tnLst>
+      <p:par>
+        <p:cTn id="1" dur="indefinite" restart="never" nodeType="tmRoot"/>
+      </p:par>
+    </p:tnLst>
+  </p:timing>
+</p:sld>
+</file>
+
+<file path=ppt/slides/slide50.xml><?xml version="1.0" encoding="utf-8"?>
+<p:sld xmlns:a="http://schemas.openxmlformats.org/drawingml/2006/main" xmlns:r="http://schemas.openxmlformats.org/officeDocument/2006/relationships" xmlns:p="http://schemas.openxmlformats.org/presentationml/2006/main">
+  <p:cSld>
+    <p:spTree>
+      <p:nvGrpSpPr>
+        <p:cNvPr id="1" name=""/>
+        <p:cNvGrpSpPr/>
+        <p:nvPr/>
+      </p:nvGrpSpPr>
+      <p:grpSpPr>
+        <a:xfrm>
+          <a:off x="0" y="0"/>
+          <a:ext cx="0" cy="0"/>
+          <a:chOff x="0" y="0"/>
+          <a:chExt cx="0" cy="0"/>
+        </a:xfrm>
+      </p:grpSpPr>
+      <p:sp>
+        <p:nvSpPr>
+          <p:cNvPr id="2" name="Title 1"/>
+          <p:cNvSpPr>
+            <a:spLocks noGrp="1"/>
+          </p:cNvSpPr>
+          <p:nvPr>
+            <p:ph type="title"/>
+          </p:nvPr>
+        </p:nvSpPr>
+        <p:spPr/>
+        <p:txBody>
+          <a:bodyPr/>
+          <a:lstStyle/>
+          <a:p>
+            <a:r>
+              <a:rPr lang="tr-TR" dirty="0" smtClean="0"/>
+              <a:t>Katmanlı Sistem Yapısı</a:t>
+            </a:r>
+            <a:endParaRPr lang="tr-TR" dirty="0"/>
+          </a:p>
+        </p:txBody>
+      </p:sp>
+      <p:sp>
+        <p:nvSpPr>
+          <p:cNvPr id="3" name="Content Placeholder 2"/>
+          <p:cNvSpPr>
+            <a:spLocks noGrp="1"/>
+          </p:cNvSpPr>
+          <p:nvPr>
+            <p:ph idx="1"/>
+          </p:nvPr>
+        </p:nvSpPr>
+        <p:spPr>
+          <a:xfrm>
+            <a:off x="838200" y="1825625"/>
+            <a:ext cx="10515600" cy="4680000"/>
+          </a:xfrm>
+        </p:spPr>
+        <p:txBody>
+          <a:bodyPr>
+            <a:normAutofit/>
+          </a:bodyPr>
+          <a:lstStyle/>
+          <a:p>
+            <a:endParaRPr lang="tr-TR" dirty="0"/>
+          </a:p>
+          <a:p>
+            <a:endParaRPr lang="tr-TR" dirty="0"/>
+          </a:p>
+          <a:p>
+            <a:endParaRPr lang="tr-TR" dirty="0"/>
+          </a:p>
+          <a:p>
+            <a:endParaRPr lang="tr-TR" dirty="0"/>
+          </a:p>
+        </p:txBody>
+      </p:sp>
+      <p:pic>
+        <p:nvPicPr>
+          <p:cNvPr id="4" name="Picture 2"/>
+          <p:cNvPicPr>
+            <a:picLocks noChangeAspect="1" noChangeArrowheads="1"/>
+          </p:cNvPicPr>
+          <p:nvPr/>
+        </p:nvPicPr>
+        <p:blipFill>
+          <a:blip r:embed="rId2">
+            <a:extLst>
+              <a:ext uri="{28A0092B-C50C-407E-A947-70E740481C1C}">
+                <a14:useLocalDpi xmlns:a14="http://schemas.microsoft.com/office/drawing/2010/main" val="0"/>
+              </a:ext>
+            </a:extLst>
+          </a:blip>
+          <a:srcRect/>
+          <a:stretch>
+            <a:fillRect/>
+          </a:stretch>
+        </p:blipFill>
+        <p:spPr bwMode="auto">
+          <a:xfrm>
+            <a:off x="1893680" y="2141904"/>
+            <a:ext cx="8404640" cy="3817742"/>
+          </a:xfrm>
+          <a:prstGeom prst="rect">
+            <a:avLst/>
+          </a:prstGeom>
+          <a:noFill/>
+          <a:ln>
+            <a:noFill/>
+          </a:ln>
+          <a:extLst>
+            <a:ext uri="{909E8E84-426E-40DD-AFC4-6F175D3DCCD1}">
+              <a14:hiddenFill xmlns:a14="http://schemas.microsoft.com/office/drawing/2010/main">
+                <a:solidFill>
+                  <a:schemeClr val="accent1"/>
+                </a:solidFill>
+              </a14:hiddenFill>
+            </a:ext>
+            <a:ext uri="{91240B29-F687-4F45-9708-019B960494DF}">
+              <a14:hiddenLine xmlns:a14="http://schemas.microsoft.com/office/drawing/2010/main" w="9525">
+                <a:solidFill>
+                  <a:schemeClr val="tx1"/>
+                </a:solidFill>
+                <a:miter lim="800000"/>
+                <a:headEnd/>
+                <a:tailEnd/>
+              </a14:hiddenLine>
+            </a:ext>
+          </a:extLst>
+        </p:spPr>
+      </p:pic>
+    </p:spTree>
+    <p:extLst>
+      <p:ext uri="{BB962C8B-B14F-4D97-AF65-F5344CB8AC3E}">
+        <p14:creationId xmlns:p14="http://schemas.microsoft.com/office/powerpoint/2010/main" val="292992984"/>
+      </p:ext>
+    </p:extLst>
+  </p:cSld>
+  <p:clrMapOvr>
+    <a:masterClrMapping/>
+  </p:clrMapOvr>
+  <p:timing>
+    <p:tnLst>
+      <p:par>
+        <p:cTn id="1" dur="indefinite" restart="never" nodeType="tmRoot"/>
+      </p:par>
+    </p:tnLst>
+  </p:timing>
+</p:sld>
+</file>
+
+<file path=ppt/slides/slide51.xml><?xml version="1.0" encoding="utf-8"?>
+<p:sld xmlns:a="http://schemas.openxmlformats.org/drawingml/2006/main" xmlns:r="http://schemas.openxmlformats.org/officeDocument/2006/relationships" xmlns:p="http://schemas.openxmlformats.org/presentationml/2006/main">
+  <p:cSld>
+    <p:spTree>
+      <p:nvGrpSpPr>
+        <p:cNvPr id="1" name=""/>
+        <p:cNvGrpSpPr/>
+        <p:nvPr/>
+      </p:nvGrpSpPr>
+      <p:grpSpPr>
+        <a:xfrm>
+          <a:off x="0" y="0"/>
+          <a:ext cx="0" cy="0"/>
+          <a:chOff x="0" y="0"/>
+          <a:chExt cx="0" cy="0"/>
+        </a:xfrm>
+      </p:grpSpPr>
+      <p:sp>
+        <p:nvSpPr>
+          <p:cNvPr id="2" name="Title 1"/>
+          <p:cNvSpPr>
+            <a:spLocks noGrp="1"/>
+          </p:cNvSpPr>
+          <p:nvPr>
+            <p:ph type="title"/>
+          </p:nvPr>
+        </p:nvSpPr>
+        <p:spPr/>
+        <p:txBody>
+          <a:bodyPr/>
+          <a:lstStyle/>
+          <a:p>
+            <a:r>
+              <a:rPr lang="tr-TR" dirty="0" err="1"/>
+              <a:t>Mikrokernel</a:t>
+            </a:r>
+            <a:r>
+              <a:rPr lang="tr-TR" dirty="0"/>
+              <a:t> </a:t>
+            </a:r>
+            <a:r>
+              <a:rPr lang="tr-TR" dirty="0" smtClean="0"/>
+              <a:t>Sistem Yapısı</a:t>
+            </a:r>
+            <a:endParaRPr lang="tr-TR" dirty="0"/>
+          </a:p>
+        </p:txBody>
+      </p:sp>
+      <p:sp>
+        <p:nvSpPr>
+          <p:cNvPr id="3" name="Content Placeholder 2"/>
+          <p:cNvSpPr>
+            <a:spLocks noGrp="1"/>
+          </p:cNvSpPr>
+          <p:nvPr>
+            <p:ph idx="1"/>
+          </p:nvPr>
+        </p:nvSpPr>
+        <p:spPr>
+          <a:xfrm>
+            <a:off x="838200" y="1825625"/>
+            <a:ext cx="10515600" cy="4680000"/>
+          </a:xfrm>
+        </p:spPr>
+        <p:txBody>
+          <a:bodyPr>
+            <a:normAutofit/>
+          </a:bodyPr>
+          <a:lstStyle/>
+          <a:p>
+            <a:endParaRPr lang="tr-TR" dirty="0"/>
+          </a:p>
+          <a:p>
+            <a:endParaRPr lang="tr-TR" dirty="0"/>
+          </a:p>
+          <a:p>
+            <a:endParaRPr lang="tr-TR" dirty="0"/>
+          </a:p>
+          <a:p>
+            <a:endParaRPr lang="tr-TR" dirty="0"/>
+          </a:p>
+        </p:txBody>
+      </p:sp>
+      <p:pic>
+        <p:nvPicPr>
+          <p:cNvPr id="4" name="Picture 2"/>
+          <p:cNvPicPr>
+            <a:picLocks noChangeAspect="1" noChangeArrowheads="1"/>
+          </p:cNvPicPr>
+          <p:nvPr/>
+        </p:nvPicPr>
+        <p:blipFill>
+          <a:blip r:embed="rId2">
+            <a:extLst>
+              <a:ext uri="{28A0092B-C50C-407E-A947-70E740481C1C}">
+                <a14:useLocalDpi xmlns:a14="http://schemas.microsoft.com/office/drawing/2010/main" val="0"/>
+              </a:ext>
+            </a:extLst>
+          </a:blip>
+          <a:srcRect/>
+          <a:stretch>
+            <a:fillRect/>
+          </a:stretch>
+        </p:blipFill>
+        <p:spPr bwMode="auto">
+          <a:xfrm>
+            <a:off x="2122349" y="1825625"/>
+            <a:ext cx="7947302" cy="4109549"/>
+          </a:xfrm>
+          <a:prstGeom prst="rect">
+            <a:avLst/>
+          </a:prstGeom>
+          <a:noFill/>
+          <a:ln>
+            <a:noFill/>
+          </a:ln>
+          <a:extLst>
+            <a:ext uri="{909E8E84-426E-40DD-AFC4-6F175D3DCCD1}">
+              <a14:hiddenFill xmlns:a14="http://schemas.microsoft.com/office/drawing/2010/main">
+                <a:solidFill>
+                  <a:schemeClr val="accent1"/>
+                </a:solidFill>
+              </a14:hiddenFill>
+            </a:ext>
+            <a:ext uri="{91240B29-F687-4F45-9708-019B960494DF}">
+              <a14:hiddenLine xmlns:a14="http://schemas.microsoft.com/office/drawing/2010/main" w="9525">
+                <a:solidFill>
+                  <a:schemeClr val="tx1"/>
+                </a:solidFill>
+                <a:miter lim="800000"/>
+                <a:headEnd/>
+                <a:tailEnd/>
+              </a14:hiddenLine>
+            </a:ext>
+          </a:extLst>
+        </p:spPr>
+      </p:pic>
+    </p:spTree>
+    <p:extLst>
+      <p:ext uri="{BB962C8B-B14F-4D97-AF65-F5344CB8AC3E}">
+        <p14:creationId xmlns:p14="http://schemas.microsoft.com/office/powerpoint/2010/main" val="1637187763"/>
+      </p:ext>
+    </p:extLst>
+  </p:cSld>
+  <p:clrMapOvr>
+    <a:masterClrMapping/>
+  </p:clrMapOvr>
+  <p:timing>
+    <p:tnLst>
+      <p:par>
+        <p:cTn id="1" dur="indefinite" restart="never" nodeType="tmRoot"/>
+      </p:par>
+    </p:tnLst>
+  </p:timing>
+</p:sld>
+</file>
+
+<file path=ppt/slides/slide52.xml><?xml version="1.0" encoding="utf-8"?>
+<p:sld xmlns:a="http://schemas.openxmlformats.org/drawingml/2006/main" xmlns:r="http://schemas.openxmlformats.org/officeDocument/2006/relationships" xmlns:p="http://schemas.openxmlformats.org/presentationml/2006/main">
+  <p:cSld>
+    <p:spTree>
+      <p:nvGrpSpPr>
+        <p:cNvPr id="1" name=""/>
+        <p:cNvGrpSpPr/>
+        <p:nvPr/>
+      </p:nvGrpSpPr>
+      <p:grpSpPr>
+        <a:xfrm>
+          <a:off x="0" y="0"/>
+          <a:ext cx="0" cy="0"/>
+          <a:chOff x="0" y="0"/>
+          <a:chExt cx="0" cy="0"/>
+        </a:xfrm>
+      </p:grpSpPr>
+      <p:sp>
+        <p:nvSpPr>
+          <p:cNvPr id="2" name="Title 1"/>
+          <p:cNvSpPr>
+            <a:spLocks noGrp="1"/>
+          </p:cNvSpPr>
+          <p:nvPr>
+            <p:ph type="title"/>
+          </p:nvPr>
+        </p:nvSpPr>
+        <p:spPr/>
+        <p:txBody>
+          <a:bodyPr/>
+          <a:lstStyle/>
+          <a:p>
+            <a:r>
+              <a:rPr lang="tr-TR" dirty="0" smtClean="0"/>
+              <a:t>İstemci Sunucu Modeli</a:t>
+            </a:r>
+            <a:endParaRPr lang="tr-TR" dirty="0"/>
+          </a:p>
+        </p:txBody>
+      </p:sp>
+      <p:sp>
+        <p:nvSpPr>
+          <p:cNvPr id="3" name="Content Placeholder 2"/>
+          <p:cNvSpPr>
+            <a:spLocks noGrp="1"/>
+          </p:cNvSpPr>
+          <p:nvPr>
+            <p:ph idx="1"/>
+          </p:nvPr>
+        </p:nvSpPr>
+        <p:spPr>
+          <a:xfrm>
+            <a:off x="838200" y="1825625"/>
+            <a:ext cx="10515600" cy="4680000"/>
+          </a:xfrm>
+        </p:spPr>
+        <p:txBody>
+          <a:bodyPr>
+            <a:normAutofit/>
+          </a:bodyPr>
+          <a:lstStyle/>
+          <a:p>
+            <a:endParaRPr lang="tr-TR" dirty="0"/>
+          </a:p>
+          <a:p>
+            <a:endParaRPr lang="tr-TR" dirty="0"/>
+          </a:p>
+          <a:p>
+            <a:endParaRPr lang="tr-TR" dirty="0"/>
+          </a:p>
+          <a:p>
+            <a:endParaRPr lang="tr-TR" dirty="0"/>
+          </a:p>
+        </p:txBody>
+      </p:sp>
+      <p:pic>
+        <p:nvPicPr>
+          <p:cNvPr id="4" name="Picture 2"/>
+          <p:cNvPicPr>
+            <a:picLocks noChangeAspect="1" noChangeArrowheads="1"/>
+          </p:cNvPicPr>
+          <p:nvPr/>
+        </p:nvPicPr>
+        <p:blipFill>
+          <a:blip r:embed="rId2">
+            <a:extLst>
+              <a:ext uri="{28A0092B-C50C-407E-A947-70E740481C1C}">
+                <a14:useLocalDpi xmlns:a14="http://schemas.microsoft.com/office/drawing/2010/main" val="0"/>
+              </a:ext>
+            </a:extLst>
+          </a:blip>
+          <a:srcRect/>
+          <a:stretch>
+            <a:fillRect/>
+          </a:stretch>
+        </p:blipFill>
+        <p:spPr bwMode="auto">
+          <a:xfrm>
+            <a:off x="720000" y="2650662"/>
+            <a:ext cx="10080000" cy="3039733"/>
+          </a:xfrm>
+          <a:prstGeom prst="rect">
+            <a:avLst/>
+          </a:prstGeom>
+          <a:noFill/>
+          <a:ln>
+            <a:noFill/>
+          </a:ln>
+          <a:extLst>
+            <a:ext uri="{909E8E84-426E-40DD-AFC4-6F175D3DCCD1}">
+              <a14:hiddenFill xmlns:a14="http://schemas.microsoft.com/office/drawing/2010/main">
+                <a:solidFill>
+                  <a:schemeClr val="accent1"/>
+                </a:solidFill>
+              </a14:hiddenFill>
+            </a:ext>
+            <a:ext uri="{91240B29-F687-4F45-9708-019B960494DF}">
+              <a14:hiddenLine xmlns:a14="http://schemas.microsoft.com/office/drawing/2010/main" w="9525">
+                <a:solidFill>
+                  <a:schemeClr val="tx1"/>
+                </a:solidFill>
+                <a:miter lim="800000"/>
+                <a:headEnd/>
+                <a:tailEnd/>
+              </a14:hiddenLine>
+            </a:ext>
+          </a:extLst>
+        </p:spPr>
+      </p:pic>
+    </p:spTree>
+    <p:extLst>
+      <p:ext uri="{BB962C8B-B14F-4D97-AF65-F5344CB8AC3E}">
+        <p14:creationId xmlns:p14="http://schemas.microsoft.com/office/powerpoint/2010/main" val="3653779693"/>
+      </p:ext>
+    </p:extLst>
+  </p:cSld>
+  <p:clrMapOvr>
+    <a:masterClrMapping/>
+  </p:clrMapOvr>
+  <p:timing>
+    <p:tnLst>
+      <p:par>
+        <p:cTn id="1" dur="indefinite" restart="never" nodeType="tmRoot"/>
+      </p:par>
+    </p:tnLst>
+  </p:timing>
+</p:sld>
+</file>
+
+<file path=ppt/slides/slide53.xml><?xml version="1.0" encoding="utf-8"?>
+<p:sld xmlns:a="http://schemas.openxmlformats.org/drawingml/2006/main" xmlns:r="http://schemas.openxmlformats.org/officeDocument/2006/relationships" xmlns:p="http://schemas.openxmlformats.org/presentationml/2006/main">
+  <p:cSld>
+    <p:spTree>
+      <p:nvGrpSpPr>
+        <p:cNvPr id="1" name=""/>
+        <p:cNvGrpSpPr/>
+        <p:nvPr/>
+      </p:nvGrpSpPr>
+      <p:grpSpPr>
+        <a:xfrm>
+          <a:off x="0" y="0"/>
+          <a:ext cx="0" cy="0"/>
+          <a:chOff x="0" y="0"/>
+          <a:chExt cx="0" cy="0"/>
+        </a:xfrm>
+      </p:grpSpPr>
+      <p:sp>
+        <p:nvSpPr>
+          <p:cNvPr id="2" name="Title 1"/>
+          <p:cNvSpPr>
+            <a:spLocks noGrp="1"/>
+          </p:cNvSpPr>
+          <p:nvPr>
+            <p:ph type="title"/>
+          </p:nvPr>
+        </p:nvSpPr>
+        <p:spPr/>
+        <p:txBody>
+          <a:bodyPr/>
+          <a:lstStyle/>
+          <a:p>
+            <a:r>
+              <a:rPr lang="tr-TR" dirty="0" smtClean="0"/>
+              <a:t>Sanal Makine Yapısı</a:t>
+            </a:r>
+            <a:endParaRPr lang="tr-TR" dirty="0"/>
+          </a:p>
+        </p:txBody>
+      </p:sp>
+      <p:sp>
+        <p:nvSpPr>
+          <p:cNvPr id="3" name="Content Placeholder 2"/>
+          <p:cNvSpPr>
+            <a:spLocks noGrp="1"/>
+          </p:cNvSpPr>
+          <p:nvPr>
+            <p:ph idx="1"/>
+          </p:nvPr>
+        </p:nvSpPr>
+        <p:spPr>
+          <a:xfrm>
+            <a:off x="838200" y="1825625"/>
+            <a:ext cx="10515600" cy="4680000"/>
+          </a:xfrm>
+        </p:spPr>
+        <p:txBody>
+          <a:bodyPr>
+            <a:normAutofit/>
+          </a:bodyPr>
+          <a:lstStyle/>
+          <a:p>
+            <a:endParaRPr lang="tr-TR" dirty="0"/>
+          </a:p>
+          <a:p>
+            <a:endParaRPr lang="tr-TR" dirty="0"/>
+          </a:p>
+          <a:p>
+            <a:endParaRPr lang="tr-TR" dirty="0"/>
+          </a:p>
+          <a:p>
+            <a:endParaRPr lang="tr-TR" dirty="0"/>
+          </a:p>
+        </p:txBody>
+      </p:sp>
+      <p:pic>
+        <p:nvPicPr>
+          <p:cNvPr id="4" name="Picture 3"/>
+          <p:cNvPicPr>
+            <a:picLocks noChangeAspect="1" noChangeArrowheads="1"/>
+          </p:cNvPicPr>
+          <p:nvPr/>
+        </p:nvPicPr>
+        <p:blipFill>
+          <a:blip r:embed="rId2">
+            <a:extLst>
+              <a:ext uri="{28A0092B-C50C-407E-A947-70E740481C1C}">
+                <a14:useLocalDpi xmlns:a14="http://schemas.microsoft.com/office/drawing/2010/main" val="0"/>
+              </a:ext>
+            </a:extLst>
+          </a:blip>
+          <a:srcRect/>
+          <a:stretch>
+            <a:fillRect/>
+          </a:stretch>
+        </p:blipFill>
+        <p:spPr bwMode="auto">
+          <a:xfrm>
+            <a:off x="720000" y="2703131"/>
+            <a:ext cx="9720000" cy="2671736"/>
+          </a:xfrm>
+          <a:prstGeom prst="rect">
+            <a:avLst/>
+          </a:prstGeom>
+          <a:noFill/>
+          <a:ln>
+            <a:noFill/>
+          </a:ln>
+          <a:extLst>
+            <a:ext uri="{909E8E84-426E-40DD-AFC4-6F175D3DCCD1}">
+              <a14:hiddenFill xmlns:a14="http://schemas.microsoft.com/office/drawing/2010/main">
+                <a:solidFill>
+                  <a:schemeClr val="accent1"/>
+                </a:solidFill>
+              </a14:hiddenFill>
+            </a:ext>
+            <a:ext uri="{91240B29-F687-4F45-9708-019B960494DF}">
+              <a14:hiddenLine xmlns:a14="http://schemas.microsoft.com/office/drawing/2010/main" w="9525">
+                <a:solidFill>
+                  <a:schemeClr val="tx1"/>
+                </a:solidFill>
+                <a:miter lim="800000"/>
+                <a:headEnd/>
+                <a:tailEnd/>
+              </a14:hiddenLine>
+            </a:ext>
+          </a:extLst>
+        </p:spPr>
+      </p:pic>
+    </p:spTree>
+    <p:extLst>
+      <p:ext uri="{BB962C8B-B14F-4D97-AF65-F5344CB8AC3E}">
+        <p14:creationId xmlns:p14="http://schemas.microsoft.com/office/powerpoint/2010/main" val="92978013"/>
+      </p:ext>
+    </p:extLst>
+  </p:cSld>
+  <p:clrMapOvr>
+    <a:masterClrMapping/>
+  </p:clrMapOvr>
+  <p:timing>
+    <p:tnLst>
+      <p:par>
+        <p:cTn id="1" dur="indefinite" restart="never" nodeType="tmRoot"/>
+      </p:par>
+    </p:tnLst>
+  </p:timing>
+</p:sld>
+</file>
+
+<file path=ppt/slides/slide54.xml><?xml version="1.0" encoding="utf-8"?>
+<p:sld xmlns:a="http://schemas.openxmlformats.org/drawingml/2006/main" xmlns:r="http://schemas.openxmlformats.org/officeDocument/2006/relationships" xmlns:p="http://schemas.openxmlformats.org/presentationml/2006/main">
+  <p:cSld>
+    <p:spTree>
+      <p:nvGrpSpPr>
+        <p:cNvPr id="1" name=""/>
+        <p:cNvGrpSpPr/>
+        <p:nvPr/>
+      </p:nvGrpSpPr>
+      <p:grpSpPr>
+        <a:xfrm>
+          <a:off x="0" y="0"/>
+          <a:ext cx="0" cy="0"/>
+          <a:chOff x="0" y="0"/>
+          <a:chExt cx="0" cy="0"/>
+        </a:xfrm>
+      </p:grpSpPr>
+      <p:sp>
+        <p:nvSpPr>
+          <p:cNvPr id="2" name="Title 1"/>
+          <p:cNvSpPr>
+            <a:spLocks noGrp="1"/>
+          </p:cNvSpPr>
+          <p:nvPr>
+            <p:ph type="title"/>
+          </p:nvPr>
+        </p:nvSpPr>
+        <p:spPr/>
+        <p:txBody>
+          <a:bodyPr/>
+          <a:lstStyle/>
+          <a:p>
+            <a:r>
+              <a:rPr lang="tr-TR" dirty="0"/>
+              <a:t>Sanal Makine Yapısı</a:t>
+            </a:r>
+          </a:p>
+        </p:txBody>
+      </p:sp>
+      <p:sp>
+        <p:nvSpPr>
+          <p:cNvPr id="3" name="Content Placeholder 2"/>
+          <p:cNvSpPr>
+            <a:spLocks noGrp="1"/>
+          </p:cNvSpPr>
+          <p:nvPr>
+            <p:ph idx="1"/>
+          </p:nvPr>
+        </p:nvSpPr>
+        <p:spPr>
+          <a:xfrm>
+            <a:off x="838200" y="1825625"/>
+            <a:ext cx="10515600" cy="4680000"/>
+          </a:xfrm>
+        </p:spPr>
+        <p:txBody>
+          <a:bodyPr>
+            <a:normAutofit/>
+          </a:bodyPr>
+          <a:lstStyle/>
+          <a:p>
+            <a:pPr marL="0" indent="0">
+              <a:buNone/>
+            </a:pPr>
+            <a:r>
+              <a:rPr lang="tr-TR" dirty="0"/>
+              <a:t>(a) Tip 1 </a:t>
+            </a:r>
+            <a:r>
+              <a:rPr lang="tr-TR" dirty="0" err="1"/>
+              <a:t>hipervizör</a:t>
+            </a:r>
+            <a:r>
+              <a:rPr lang="tr-TR" dirty="0"/>
+              <a:t>. (b) </a:t>
+            </a:r>
+            <a:r>
+              <a:rPr lang="tr-TR" dirty="0" smtClean="0"/>
+              <a:t>Yalın tip </a:t>
+            </a:r>
+            <a:r>
+              <a:rPr lang="tr-TR" dirty="0"/>
+              <a:t>2 </a:t>
+            </a:r>
+            <a:r>
+              <a:rPr lang="tr-TR" dirty="0" err="1"/>
+              <a:t>hipervizör</a:t>
+            </a:r>
+            <a:r>
+              <a:rPr lang="tr-TR" dirty="0"/>
+              <a:t>. (c) Pratik </a:t>
+            </a:r>
+            <a:r>
+              <a:rPr lang="tr-TR" dirty="0" smtClean="0"/>
+              <a:t>tip </a:t>
+            </a:r>
+            <a:r>
+              <a:rPr lang="tr-TR" dirty="0"/>
+              <a:t>2 </a:t>
+            </a:r>
+            <a:r>
+              <a:rPr lang="tr-TR" dirty="0" err="1"/>
+              <a:t>hipervizör</a:t>
+            </a:r>
+            <a:r>
+              <a:rPr lang="tr-TR" dirty="0"/>
+              <a:t>.</a:t>
+            </a:r>
+          </a:p>
+          <a:p>
+            <a:endParaRPr lang="tr-TR" dirty="0"/>
+          </a:p>
+          <a:p>
+            <a:endParaRPr lang="tr-TR" dirty="0"/>
+          </a:p>
+          <a:p>
+            <a:endParaRPr lang="tr-TR" dirty="0"/>
+          </a:p>
+        </p:txBody>
+      </p:sp>
+      <p:pic>
+        <p:nvPicPr>
+          <p:cNvPr id="4" name="Picture 6"/>
+          <p:cNvPicPr>
+            <a:picLocks noChangeAspect="1" noChangeArrowheads="1"/>
+          </p:cNvPicPr>
+          <p:nvPr/>
+        </p:nvPicPr>
+        <p:blipFill>
+          <a:blip r:embed="rId2">
+            <a:extLst>
+              <a:ext uri="{28A0092B-C50C-407E-A947-70E740481C1C}">
+                <a14:useLocalDpi xmlns:a14="http://schemas.microsoft.com/office/drawing/2010/main" val="0"/>
+              </a:ext>
+            </a:extLst>
+          </a:blip>
+          <a:srcRect/>
+          <a:stretch>
+            <a:fillRect/>
+          </a:stretch>
+        </p:blipFill>
+        <p:spPr bwMode="auto">
+          <a:xfrm>
+            <a:off x="719999" y="3103441"/>
+            <a:ext cx="10080000" cy="3211563"/>
+          </a:xfrm>
+          <a:prstGeom prst="rect">
+            <a:avLst/>
+          </a:prstGeom>
+          <a:noFill/>
+          <a:ln>
+            <a:noFill/>
+          </a:ln>
+          <a:extLst>
+            <a:ext uri="{909E8E84-426E-40DD-AFC4-6F175D3DCCD1}">
+              <a14:hiddenFill xmlns:a14="http://schemas.microsoft.com/office/drawing/2010/main">
+                <a:solidFill>
+                  <a:schemeClr val="accent1"/>
+                </a:solidFill>
+              </a14:hiddenFill>
+            </a:ext>
+            <a:ext uri="{91240B29-F687-4F45-9708-019B960494DF}">
+              <a14:hiddenLine xmlns:a14="http://schemas.microsoft.com/office/drawing/2010/main" w="9525">
+                <a:solidFill>
+                  <a:schemeClr val="tx1"/>
+                </a:solidFill>
+                <a:miter lim="800000"/>
+                <a:headEnd/>
+                <a:tailEnd/>
+              </a14:hiddenLine>
+            </a:ext>
+          </a:extLst>
+        </p:spPr>
+      </p:pic>
+    </p:spTree>
+    <p:extLst>
+      <p:ext uri="{BB962C8B-B14F-4D97-AF65-F5344CB8AC3E}">
+        <p14:creationId xmlns:p14="http://schemas.microsoft.com/office/powerpoint/2010/main" val="2459427548"/>
+      </p:ext>
+    </p:extLst>
+  </p:cSld>
+  <p:clrMapOvr>
+    <a:masterClrMapping/>
+  </p:clrMapOvr>
+  <p:timing>
+    <p:tnLst>
+      <p:par>
+        <p:cTn id="1" dur="indefinite" restart="never" nodeType="tmRoot"/>
+      </p:par>
+    </p:tnLst>
+  </p:timing>
+</p:sld>
+</file>
+
+<file path=ppt/slides/slide55.xml><?xml version="1.0" encoding="utf-8"?>
+<p:sld xmlns:a="http://schemas.openxmlformats.org/drawingml/2006/main" xmlns:r="http://schemas.openxmlformats.org/officeDocument/2006/relationships" xmlns:p="http://schemas.openxmlformats.org/presentationml/2006/main">
+  <p:cSld>
+    <p:spTree>
+      <p:nvGrpSpPr>
+        <p:cNvPr id="1" name=""/>
+        <p:cNvGrpSpPr/>
+        <p:nvPr/>
+      </p:nvGrpSpPr>
+      <p:grpSpPr>
+        <a:xfrm>
+          <a:off x="0" y="0"/>
+          <a:ext cx="0" cy="0"/>
+          <a:chOff x="0" y="0"/>
+          <a:chExt cx="0" cy="0"/>
+        </a:xfrm>
+      </p:grpSpPr>
+      <p:sp>
+        <p:nvSpPr>
+          <p:cNvPr id="2" name="Title 1"/>
+          <p:cNvSpPr>
+            <a:spLocks noGrp="1"/>
+          </p:cNvSpPr>
+          <p:nvPr>
+            <p:ph type="title"/>
+          </p:nvPr>
+        </p:nvSpPr>
+        <p:spPr/>
+        <p:txBody>
+          <a:bodyPr/>
+          <a:lstStyle/>
+          <a:p>
+            <a:r>
+              <a:rPr lang="tr-TR" dirty="0" smtClean="0"/>
+              <a:t>Çalıştırılabilir Dosya Oluşturma</a:t>
+            </a:r>
+            <a:endParaRPr lang="tr-TR" dirty="0"/>
+          </a:p>
+        </p:txBody>
+      </p:sp>
+      <p:sp>
+        <p:nvSpPr>
+          <p:cNvPr id="3" name="Content Placeholder 2"/>
+          <p:cNvSpPr>
+            <a:spLocks noGrp="1"/>
+          </p:cNvSpPr>
+          <p:nvPr>
+            <p:ph idx="1"/>
+          </p:nvPr>
+        </p:nvSpPr>
+        <p:spPr>
+          <a:xfrm>
+            <a:off x="838200" y="1825625"/>
+            <a:ext cx="10515600" cy="4680000"/>
+          </a:xfrm>
+        </p:spPr>
+        <p:txBody>
+          <a:bodyPr>
+            <a:normAutofit/>
+          </a:bodyPr>
+          <a:lstStyle/>
+          <a:p>
+            <a:endParaRPr lang="tr-TR" dirty="0"/>
+          </a:p>
+          <a:p>
+            <a:endParaRPr lang="tr-TR" dirty="0"/>
+          </a:p>
+          <a:p>
+            <a:endParaRPr lang="tr-TR" dirty="0"/>
+          </a:p>
+          <a:p>
+            <a:endParaRPr lang="tr-TR" dirty="0"/>
+          </a:p>
+        </p:txBody>
+      </p:sp>
+      <p:pic>
+        <p:nvPicPr>
+          <p:cNvPr id="4" name="Picture 2"/>
+          <p:cNvPicPr>
+            <a:picLocks noChangeAspect="1" noChangeArrowheads="1"/>
+          </p:cNvPicPr>
+          <p:nvPr/>
+        </p:nvPicPr>
+        <p:blipFill>
+          <a:blip r:embed="rId2">
+            <a:extLst>
+              <a:ext uri="{28A0092B-C50C-407E-A947-70E740481C1C}">
+                <a14:useLocalDpi xmlns:a14="http://schemas.microsoft.com/office/drawing/2010/main" val="0"/>
+              </a:ext>
+            </a:extLst>
+          </a:blip>
+          <a:srcRect/>
+          <a:stretch>
+            <a:fillRect/>
+          </a:stretch>
+        </p:blipFill>
+        <p:spPr bwMode="auto">
+          <a:xfrm>
+            <a:off x="3751312" y="1690688"/>
+            <a:ext cx="4074177" cy="4814937"/>
+          </a:xfrm>
+          <a:prstGeom prst="rect">
+            <a:avLst/>
+          </a:prstGeom>
+          <a:noFill/>
+          <a:ln>
+            <a:noFill/>
+          </a:ln>
+          <a:extLst>
+            <a:ext uri="{909E8E84-426E-40DD-AFC4-6F175D3DCCD1}">
+              <a14:hiddenFill xmlns:a14="http://schemas.microsoft.com/office/drawing/2010/main">
+                <a:solidFill>
+                  <a:schemeClr val="accent1"/>
+                </a:solidFill>
+              </a14:hiddenFill>
+            </a:ext>
+            <a:ext uri="{91240B29-F687-4F45-9708-019B960494DF}">
+              <a14:hiddenLine xmlns:a14="http://schemas.microsoft.com/office/drawing/2010/main" w="9525">
+                <a:solidFill>
+                  <a:schemeClr val="tx1"/>
+                </a:solidFill>
+                <a:miter lim="800000"/>
+                <a:headEnd/>
+                <a:tailEnd/>
+              </a14:hiddenLine>
+            </a:ext>
+          </a:extLst>
+        </p:spPr>
+      </p:pic>
+    </p:spTree>
+    <p:extLst>
+      <p:ext uri="{BB962C8B-B14F-4D97-AF65-F5344CB8AC3E}">
+        <p14:creationId xmlns:p14="http://schemas.microsoft.com/office/powerpoint/2010/main" val="3631058631"/>
+      </p:ext>
+    </p:extLst>
+  </p:cSld>
+  <p:clrMapOvr>
+    <a:masterClrMapping/>
+  </p:clrMapOvr>
+  <p:timing>
+    <p:tnLst>
+      <p:par>
+        <p:cTn id="1" dur="indefinite" restart="never" nodeType="tmRoot"/>
+      </p:par>
+    </p:tnLst>
+  </p:timing>
+</p:sld>
+</file>
+
+<file path=ppt/slides/slide56.xml><?xml version="1.0" encoding="utf-8"?>
+<p:sld xmlns:a="http://schemas.openxmlformats.org/drawingml/2006/main" xmlns:r="http://schemas.openxmlformats.org/officeDocument/2006/relationships" xmlns:p="http://schemas.openxmlformats.org/presentationml/2006/main">
+  <p:cSld>
+    <p:spTree>
+      <p:nvGrpSpPr>
+        <p:cNvPr id="1" name=""/>
+        <p:cNvGrpSpPr/>
+        <p:nvPr/>
+      </p:nvGrpSpPr>
+      <p:grpSpPr>
+        <a:xfrm>
+          <a:off x="0" y="0"/>
+          <a:ext cx="0" cy="0"/>
+          <a:chOff x="0" y="0"/>
+          <a:chExt cx="0" cy="0"/>
+        </a:xfrm>
+      </p:grpSpPr>
+      <p:sp>
+        <p:nvSpPr>
+          <p:cNvPr id="2" name="Title 1"/>
+          <p:cNvSpPr>
+            <a:spLocks noGrp="1"/>
+          </p:cNvSpPr>
+          <p:nvPr>
+            <p:ph type="title"/>
+          </p:nvPr>
+        </p:nvSpPr>
+        <p:spPr/>
+        <p:txBody>
+          <a:bodyPr/>
+          <a:lstStyle/>
+          <a:p>
+            <a:r>
+              <a:rPr lang="tr-TR" dirty="0" smtClean="0"/>
+              <a:t>Metrik ve Birimleri</a:t>
+            </a:r>
+            <a:endParaRPr lang="tr-TR" dirty="0"/>
+          </a:p>
+        </p:txBody>
+      </p:sp>
+      <p:sp>
+        <p:nvSpPr>
+          <p:cNvPr id="3" name="Content Placeholder 2"/>
+          <p:cNvSpPr>
+            <a:spLocks noGrp="1"/>
+          </p:cNvSpPr>
+          <p:nvPr>
+            <p:ph idx="1"/>
+          </p:nvPr>
+        </p:nvSpPr>
+        <p:spPr>
+          <a:xfrm>
+            <a:off x="838200" y="1825625"/>
+            <a:ext cx="10515600" cy="4680000"/>
+          </a:xfrm>
+        </p:spPr>
+        <p:txBody>
+          <a:bodyPr>
+            <a:normAutofit/>
+          </a:bodyPr>
+          <a:lstStyle/>
+          <a:p>
+            <a:endParaRPr lang="tr-TR" dirty="0"/>
+          </a:p>
+          <a:p>
+            <a:endParaRPr lang="tr-TR" dirty="0"/>
+          </a:p>
+          <a:p>
+            <a:endParaRPr lang="tr-TR" dirty="0"/>
+          </a:p>
+          <a:p>
+            <a:endParaRPr lang="tr-TR" dirty="0"/>
+          </a:p>
+        </p:txBody>
+      </p:sp>
+      <p:pic>
+        <p:nvPicPr>
+          <p:cNvPr id="4" name="Picture 2"/>
+          <p:cNvPicPr>
+            <a:picLocks noChangeAspect="1" noChangeArrowheads="1"/>
+          </p:cNvPicPr>
+          <p:nvPr/>
+        </p:nvPicPr>
+        <p:blipFill>
+          <a:blip r:embed="rId2">
+            <a:extLst>
+              <a:ext uri="{28A0092B-C50C-407E-A947-70E740481C1C}">
+                <a14:useLocalDpi xmlns:a14="http://schemas.microsoft.com/office/drawing/2010/main" val="0"/>
+              </a:ext>
+            </a:extLst>
+          </a:blip>
+          <a:srcRect/>
+          <a:stretch>
+            <a:fillRect/>
+          </a:stretch>
+        </p:blipFill>
+        <p:spPr bwMode="auto">
+          <a:xfrm>
+            <a:off x="720000" y="2368965"/>
+            <a:ext cx="10080000" cy="3178613"/>
+          </a:xfrm>
+          <a:prstGeom prst="rect">
+            <a:avLst/>
+          </a:prstGeom>
+          <a:noFill/>
+          <a:ln>
+            <a:noFill/>
+          </a:ln>
+          <a:extLst>
+            <a:ext uri="{909E8E84-426E-40DD-AFC4-6F175D3DCCD1}">
+              <a14:hiddenFill xmlns:a14="http://schemas.microsoft.com/office/drawing/2010/main">
+                <a:solidFill>
+                  <a:schemeClr val="accent1"/>
+                </a:solidFill>
+              </a14:hiddenFill>
+            </a:ext>
+            <a:ext uri="{91240B29-F687-4F45-9708-019B960494DF}">
+              <a14:hiddenLine xmlns:a14="http://schemas.microsoft.com/office/drawing/2010/main" w="9525">
+                <a:solidFill>
+                  <a:schemeClr val="tx1"/>
+                </a:solidFill>
+                <a:miter lim="800000"/>
+                <a:headEnd/>
+                <a:tailEnd/>
+              </a14:hiddenLine>
+            </a:ext>
+          </a:extLst>
+        </p:spPr>
+      </p:pic>
+    </p:spTree>
+    <p:extLst>
+      <p:ext uri="{BB962C8B-B14F-4D97-AF65-F5344CB8AC3E}">
+        <p14:creationId xmlns:p14="http://schemas.microsoft.com/office/powerpoint/2010/main" val="78581895"/>
+      </p:ext>
+    </p:extLst>
+  </p:cSld>
+  <p:clrMapOvr>
+    <a:masterClrMapping/>
+  </p:clrMapOvr>
+  <p:timing>
+    <p:tnLst>
+      <p:par>
+        <p:cTn id="1" dur="indefinite" restart="never" nodeType="tmRoot"/>
+      </p:par>
+    </p:tnLst>
+  </p:timing>
+</p:sld>
+</file>
+
+<file path=ppt/slides/slide57.xml><?xml version="1.0" encoding="utf-8"?>
+<p:sld xmlns:a="http://schemas.openxmlformats.org/drawingml/2006/main" xmlns:r="http://schemas.openxmlformats.org/officeDocument/2006/relationships" xmlns:p="http://schemas.openxmlformats.org/presentationml/2006/main">
+  <p:cSld>
+    <p:spTree>
+      <p:nvGrpSpPr>
+        <p:cNvPr id="1" name=""/>
+        <p:cNvGrpSpPr/>
+        <p:nvPr/>
+      </p:nvGrpSpPr>
+      <p:grpSpPr>
+        <a:xfrm>
+          <a:off x="0" y="0"/>
+          <a:ext cx="0" cy="0"/>
+          <a:chOff x="0" y="0"/>
+          <a:chExt cx="0" cy="0"/>
+        </a:xfrm>
+      </p:grpSpPr>
+      <p:sp>
+        <p:nvSpPr>
+          <p:cNvPr id="2" name="Title 1"/>
+          <p:cNvSpPr>
+            <a:spLocks noGrp="1"/>
+          </p:cNvSpPr>
+          <p:nvPr>
+            <p:ph type="title"/>
+          </p:nvPr>
+        </p:nvSpPr>
+        <p:spPr/>
+        <p:txBody>
+          <a:bodyPr/>
+          <a:lstStyle/>
+          <a:p>
+            <a:endParaRPr lang="tr-TR" dirty="0"/>
+          </a:p>
+        </p:txBody>
+      </p:sp>
+      <p:sp>
+        <p:nvSpPr>
+          <p:cNvPr id="3" name="Content Placeholder 2"/>
+          <p:cNvSpPr>
+            <a:spLocks noGrp="1"/>
+          </p:cNvSpPr>
+          <p:nvPr>
+            <p:ph idx="1"/>
+          </p:nvPr>
+        </p:nvSpPr>
+        <p:spPr>
+          <a:xfrm>
+            <a:off x="838200" y="1825625"/>
+            <a:ext cx="10515600" cy="4680000"/>
+          </a:xfrm>
+        </p:spPr>
+        <p:txBody>
+          <a:bodyPr>
+            <a:normAutofit/>
+          </a:bodyPr>
+          <a:lstStyle/>
+          <a:p>
+            <a:endParaRPr lang="tr-TR" dirty="0" smtClean="0"/>
+          </a:p>
+          <a:p>
+            <a:endParaRPr lang="tr-TR" dirty="0"/>
+          </a:p>
+          <a:p>
+            <a:endParaRPr lang="tr-TR" dirty="0" smtClean="0"/>
+          </a:p>
+          <a:p>
+            <a:pPr marL="0" indent="0" algn="ctr">
+              <a:buNone/>
+            </a:pPr>
+            <a:r>
+              <a:rPr lang="tr-TR" dirty="0" smtClean="0"/>
+              <a:t>SON</a:t>
+            </a:r>
+            <a:endParaRPr lang="tr-TR" dirty="0"/>
+          </a:p>
+          <a:p>
+            <a:endParaRPr lang="tr-TR" dirty="0"/>
+          </a:p>
+          <a:p>
+            <a:endParaRPr lang="tr-TR" dirty="0"/>
+          </a:p>
+          <a:p>
+            <a:endParaRPr lang="tr-TR" dirty="0"/>
+          </a:p>
+        </p:txBody>
+      </p:sp>
+    </p:spTree>
+    <p:extLst>
+      <p:ext uri="{BB962C8B-B14F-4D97-AF65-F5344CB8AC3E}">
+        <p14:creationId xmlns:p14="http://schemas.microsoft.com/office/powerpoint/2010/main" val="2824592776"/>
       </p:ext>
     </p:extLst>
   </p:cSld>
@@ -7371,8 +11686,16 @@
           <a:lstStyle/>
           <a:p>
             <a:r>
+              <a:rPr lang="tr-TR" dirty="0"/>
+              <a:t>Genişletilmiş </a:t>
+            </a:r>
+            <a:r>
+              <a:rPr lang="nn-NO" dirty="0" smtClean="0"/>
+              <a:t>Makine </a:t>
+            </a:r>
+            <a:r>
               <a:rPr lang="nn-NO" dirty="0"/>
-              <a:t>Uzatılmış Makine Olarak</a:t>
+              <a:t>Olarak</a:t>
             </a:r>
             <a:r>
               <a:rPr lang="tr-TR" dirty="0"/>

--- a/assets/teaching/os/1_Bolum_1_Giris.pptx
+++ b/assets/teaching/os/1_Bolum_1_Giris.pptx
@@ -7,61 +7,89 @@
   <p:sldIdLst>
     <p:sldId id="256" r:id="rId2"/>
     <p:sldId id="257" r:id="rId3"/>
-    <p:sldId id="261" r:id="rId4"/>
-    <p:sldId id="258" r:id="rId5"/>
-    <p:sldId id="259" r:id="rId6"/>
-    <p:sldId id="260" r:id="rId7"/>
-    <p:sldId id="262" r:id="rId8"/>
-    <p:sldId id="263" r:id="rId9"/>
-    <p:sldId id="264" r:id="rId10"/>
-    <p:sldId id="268" r:id="rId11"/>
-    <p:sldId id="269" r:id="rId12"/>
-    <p:sldId id="270" r:id="rId13"/>
-    <p:sldId id="265" r:id="rId14"/>
-    <p:sldId id="271" r:id="rId15"/>
-    <p:sldId id="266" r:id="rId16"/>
-    <p:sldId id="267" r:id="rId17"/>
-    <p:sldId id="272" r:id="rId18"/>
-    <p:sldId id="273" r:id="rId19"/>
-    <p:sldId id="284" r:id="rId20"/>
-    <p:sldId id="285" r:id="rId21"/>
-    <p:sldId id="274" r:id="rId22"/>
-    <p:sldId id="275" r:id="rId23"/>
-    <p:sldId id="286" r:id="rId24"/>
-    <p:sldId id="276" r:id="rId25"/>
-    <p:sldId id="287" r:id="rId26"/>
-    <p:sldId id="288" r:id="rId27"/>
-    <p:sldId id="277" r:id="rId28"/>
-    <p:sldId id="278" r:id="rId29"/>
-    <p:sldId id="279" r:id="rId30"/>
-    <p:sldId id="280" r:id="rId31"/>
-    <p:sldId id="281" r:id="rId32"/>
-    <p:sldId id="282" r:id="rId33"/>
-    <p:sldId id="283" r:id="rId34"/>
-    <p:sldId id="289" r:id="rId35"/>
-    <p:sldId id="290" r:id="rId36"/>
-    <p:sldId id="291" r:id="rId37"/>
-    <p:sldId id="292" r:id="rId38"/>
-    <p:sldId id="293" r:id="rId39"/>
-    <p:sldId id="294" r:id="rId40"/>
-    <p:sldId id="295" r:id="rId41"/>
-    <p:sldId id="296" r:id="rId42"/>
-    <p:sldId id="297" r:id="rId43"/>
-    <p:sldId id="298" r:id="rId44"/>
-    <p:sldId id="299" r:id="rId45"/>
-    <p:sldId id="300" r:id="rId46"/>
-    <p:sldId id="301" r:id="rId47"/>
-    <p:sldId id="302" r:id="rId48"/>
-    <p:sldId id="303" r:id="rId49"/>
-    <p:sldId id="304" r:id="rId50"/>
-    <p:sldId id="305" r:id="rId51"/>
-    <p:sldId id="306" r:id="rId52"/>
-    <p:sldId id="308" r:id="rId53"/>
-    <p:sldId id="309" r:id="rId54"/>
-    <p:sldId id="310" r:id="rId55"/>
-    <p:sldId id="307" r:id="rId56"/>
-    <p:sldId id="311" r:id="rId57"/>
-    <p:sldId id="312" r:id="rId58"/>
+    <p:sldId id="313" r:id="rId4"/>
+    <p:sldId id="261" r:id="rId5"/>
+    <p:sldId id="258" r:id="rId6"/>
+    <p:sldId id="259" r:id="rId7"/>
+    <p:sldId id="314" r:id="rId8"/>
+    <p:sldId id="260" r:id="rId9"/>
+    <p:sldId id="262" r:id="rId10"/>
+    <p:sldId id="315" r:id="rId11"/>
+    <p:sldId id="316" r:id="rId12"/>
+    <p:sldId id="263" r:id="rId13"/>
+    <p:sldId id="317" r:id="rId14"/>
+    <p:sldId id="264" r:id="rId15"/>
+    <p:sldId id="268" r:id="rId16"/>
+    <p:sldId id="269" r:id="rId17"/>
+    <p:sldId id="270" r:id="rId18"/>
+    <p:sldId id="265" r:id="rId19"/>
+    <p:sldId id="271" r:id="rId20"/>
+    <p:sldId id="318" r:id="rId21"/>
+    <p:sldId id="266" r:id="rId22"/>
+    <p:sldId id="267" r:id="rId23"/>
+    <p:sldId id="319" r:id="rId24"/>
+    <p:sldId id="272" r:id="rId25"/>
+    <p:sldId id="320" r:id="rId26"/>
+    <p:sldId id="284" r:id="rId27"/>
+    <p:sldId id="328" r:id="rId28"/>
+    <p:sldId id="285" r:id="rId29"/>
+    <p:sldId id="321" r:id="rId30"/>
+    <p:sldId id="327" r:id="rId31"/>
+    <p:sldId id="274" r:id="rId32"/>
+    <p:sldId id="275" r:id="rId33"/>
+    <p:sldId id="322" r:id="rId34"/>
+    <p:sldId id="286" r:id="rId35"/>
+    <p:sldId id="276" r:id="rId36"/>
+    <p:sldId id="331" r:id="rId37"/>
+    <p:sldId id="329" r:id="rId38"/>
+    <p:sldId id="330" r:id="rId39"/>
+    <p:sldId id="287" r:id="rId40"/>
+    <p:sldId id="288" r:id="rId41"/>
+    <p:sldId id="332" r:id="rId42"/>
+    <p:sldId id="277" r:id="rId43"/>
+    <p:sldId id="278" r:id="rId44"/>
+    <p:sldId id="333" r:id="rId45"/>
+    <p:sldId id="279" r:id="rId46"/>
+    <p:sldId id="342" r:id="rId47"/>
+    <p:sldId id="324" r:id="rId48"/>
+    <p:sldId id="343" r:id="rId49"/>
+    <p:sldId id="344" r:id="rId50"/>
+    <p:sldId id="345" r:id="rId51"/>
+    <p:sldId id="346" r:id="rId52"/>
+    <p:sldId id="347" r:id="rId53"/>
+    <p:sldId id="348" r:id="rId54"/>
+    <p:sldId id="349" r:id="rId55"/>
+    <p:sldId id="350" r:id="rId56"/>
+    <p:sldId id="280" r:id="rId57"/>
+    <p:sldId id="281" r:id="rId58"/>
+    <p:sldId id="325" r:id="rId59"/>
+    <p:sldId id="282" r:id="rId60"/>
+    <p:sldId id="283" r:id="rId61"/>
+    <p:sldId id="289" r:id="rId62"/>
+    <p:sldId id="290" r:id="rId63"/>
+    <p:sldId id="291" r:id="rId64"/>
+    <p:sldId id="292" r:id="rId65"/>
+    <p:sldId id="293" r:id="rId66"/>
+    <p:sldId id="294" r:id="rId67"/>
+    <p:sldId id="295" r:id="rId68"/>
+    <p:sldId id="296" r:id="rId69"/>
+    <p:sldId id="297" r:id="rId70"/>
+    <p:sldId id="298" r:id="rId71"/>
+    <p:sldId id="299" r:id="rId72"/>
+    <p:sldId id="300" r:id="rId73"/>
+    <p:sldId id="301" r:id="rId74"/>
+    <p:sldId id="302" r:id="rId75"/>
+    <p:sldId id="303" r:id="rId76"/>
+    <p:sldId id="304" r:id="rId77"/>
+    <p:sldId id="305" r:id="rId78"/>
+    <p:sldId id="306" r:id="rId79"/>
+    <p:sldId id="308" r:id="rId80"/>
+    <p:sldId id="309" r:id="rId81"/>
+    <p:sldId id="310" r:id="rId82"/>
+    <p:sldId id="307" r:id="rId83"/>
+    <p:sldId id="326" r:id="rId84"/>
+    <p:sldId id="311" r:id="rId85"/>
+    <p:sldId id="312" r:id="rId86"/>
   </p:sldIdLst>
   <p:sldSz cx="12192000" cy="6858000"/>
   <p:notesSz cx="6858000" cy="9144000"/>
@@ -300,7 +328,7 @@
             <a:fld id="{B61BEF0D-F0BB-DE4B-95CE-6DB70DBA9567}" type="datetimeFigureOut">
               <a:rPr lang="en-US" smtClean="0"/>
               <a:pPr/>
-              <a:t>1/12/2023</a:t>
+              <a:t>1/13/2023</a:t>
             </a:fld>
             <a:endParaRPr lang="en-US" dirty="0"/>
           </a:p>
@@ -472,7 +500,7 @@
             <a:fld id="{B61BEF0D-F0BB-DE4B-95CE-6DB70DBA9567}" type="datetimeFigureOut">
               <a:rPr lang="en-US" smtClean="0"/>
               <a:pPr/>
-              <a:t>1/12/2023</a:t>
+              <a:t>1/13/2023</a:t>
             </a:fld>
             <a:endParaRPr lang="en-US" dirty="0"/>
           </a:p>
@@ -654,7 +682,7 @@
             <a:fld id="{B61BEF0D-F0BB-DE4B-95CE-6DB70DBA9567}" type="datetimeFigureOut">
               <a:rPr lang="en-US" smtClean="0"/>
               <a:pPr/>
-              <a:t>1/12/2023</a:t>
+              <a:t>1/13/2023</a:t>
             </a:fld>
             <a:endParaRPr lang="en-US" dirty="0"/>
           </a:p>
@@ -826,7 +854,7 @@
             <a:fld id="{B61BEF0D-F0BB-DE4B-95CE-6DB70DBA9567}" type="datetimeFigureOut">
               <a:rPr lang="en-US" smtClean="0"/>
               <a:pPr/>
-              <a:t>1/12/2023</a:t>
+              <a:t>1/13/2023</a:t>
             </a:fld>
             <a:endParaRPr lang="en-US" dirty="0"/>
           </a:p>
@@ -1074,7 +1102,7 @@
             <a:fld id="{B61BEF0D-F0BB-DE4B-95CE-6DB70DBA9567}" type="datetimeFigureOut">
               <a:rPr lang="en-US" smtClean="0"/>
               <a:pPr/>
-              <a:t>1/12/2023</a:t>
+              <a:t>1/13/2023</a:t>
             </a:fld>
             <a:endParaRPr lang="en-US" dirty="0"/>
           </a:p>
@@ -1308,7 +1336,7 @@
             <a:fld id="{B61BEF0D-F0BB-DE4B-95CE-6DB70DBA9567}" type="datetimeFigureOut">
               <a:rPr lang="en-US" smtClean="0"/>
               <a:pPr/>
-              <a:t>1/12/2023</a:t>
+              <a:t>1/13/2023</a:t>
             </a:fld>
             <a:endParaRPr lang="en-US" dirty="0"/>
           </a:p>
@@ -1677,7 +1705,7 @@
             <a:fld id="{B61BEF0D-F0BB-DE4B-95CE-6DB70DBA9567}" type="datetimeFigureOut">
               <a:rPr lang="en-US" smtClean="0"/>
               <a:pPr/>
-              <a:t>1/12/2023</a:t>
+              <a:t>1/13/2023</a:t>
             </a:fld>
             <a:endParaRPr lang="en-US" dirty="0"/>
           </a:p>
@@ -1797,7 +1825,7 @@
             <a:fld id="{B61BEF0D-F0BB-DE4B-95CE-6DB70DBA9567}" type="datetimeFigureOut">
               <a:rPr lang="en-US" smtClean="0"/>
               <a:pPr/>
-              <a:t>1/12/2023</a:t>
+              <a:t>1/13/2023</a:t>
             </a:fld>
             <a:endParaRPr lang="en-US" dirty="0"/>
           </a:p>
@@ -1894,7 +1922,7 @@
             <a:fld id="{B61BEF0D-F0BB-DE4B-95CE-6DB70DBA9567}" type="datetimeFigureOut">
               <a:rPr lang="en-US" smtClean="0"/>
               <a:pPr/>
-              <a:t>1/12/2023</a:t>
+              <a:t>1/13/2023</a:t>
             </a:fld>
             <a:endParaRPr lang="en-US" dirty="0"/>
           </a:p>
@@ -2173,7 +2201,7 @@
             <a:fld id="{B61BEF0D-F0BB-DE4B-95CE-6DB70DBA9567}" type="datetimeFigureOut">
               <a:rPr lang="en-US" smtClean="0"/>
               <a:pPr/>
-              <a:t>1/12/2023</a:t>
+              <a:t>1/13/2023</a:t>
             </a:fld>
             <a:endParaRPr lang="en-US" dirty="0"/>
           </a:p>
@@ -2432,7 +2460,7 @@
             <a:fld id="{B61BEF0D-F0BB-DE4B-95CE-6DB70DBA9567}" type="datetimeFigureOut">
               <a:rPr lang="en-US" smtClean="0"/>
               <a:pPr/>
-              <a:t>1/12/2023</a:t>
+              <a:t>1/13/2023</a:t>
             </a:fld>
             <a:endParaRPr lang="en-US" dirty="0"/>
           </a:p>
@@ -2647,7 +2675,7 @@
             <a:fld id="{B61BEF0D-F0BB-DE4B-95CE-6DB70DBA9567}" type="datetimeFigureOut">
               <a:rPr lang="en-US" smtClean="0"/>
               <a:pPr/>
-              <a:t>1/12/2023</a:t>
+              <a:t>1/13/2023</a:t>
             </a:fld>
             <a:endParaRPr lang="en-US" dirty="0"/>
           </a:p>
@@ -3152,6 +3180,998 @@
           <a:lstStyle/>
           <a:p>
             <a:r>
+              <a:rPr lang="tr-TR" dirty="0" smtClean="0"/>
+              <a:t>Kaynak Yöneticisi </a:t>
+            </a:r>
+            <a:r>
+              <a:rPr lang="tr-TR" dirty="0"/>
+              <a:t>Olarak </a:t>
+            </a:r>
+            <a:r>
+              <a:rPr lang="tr-TR" dirty="0" smtClean="0"/>
+              <a:t>İşletim </a:t>
+            </a:r>
+            <a:r>
+              <a:rPr lang="tr-TR" dirty="0"/>
+              <a:t>Sistemi </a:t>
+            </a:r>
+          </a:p>
+        </p:txBody>
+      </p:sp>
+      <p:sp>
+        <p:nvSpPr>
+          <p:cNvPr id="3" name="Content Placeholder 2"/>
+          <p:cNvSpPr>
+            <a:spLocks noGrp="1"/>
+          </p:cNvSpPr>
+          <p:nvPr>
+            <p:ph idx="1"/>
+          </p:nvPr>
+        </p:nvSpPr>
+        <p:spPr>
+          <a:xfrm>
+            <a:off x="838200" y="1825625"/>
+            <a:ext cx="10515600" cy="4680000"/>
+          </a:xfrm>
+        </p:spPr>
+        <p:txBody>
+          <a:bodyPr>
+            <a:normAutofit/>
+          </a:bodyPr>
+          <a:lstStyle/>
+          <a:p>
+            <a:r>
+              <a:rPr lang="tr-TR" dirty="0"/>
+              <a:t>İşletim sistemi, bilgisayar donanımının kaynaklarını etkili bir şekilde </a:t>
+            </a:r>
+            <a:r>
+              <a:rPr lang="tr-TR" dirty="0" smtClean="0"/>
+              <a:t>yönetir. Kaynak </a:t>
+            </a:r>
+            <a:r>
+              <a:rPr lang="tr-TR" dirty="0"/>
+              <a:t>kullanımını optimize </a:t>
+            </a:r>
+            <a:r>
+              <a:rPr lang="tr-TR" dirty="0" smtClean="0"/>
+              <a:t>eder. Kaynakların </a:t>
+            </a:r>
+            <a:r>
+              <a:rPr lang="tr-TR" dirty="0"/>
+              <a:t>uygulamalar arasında adil bir şekilde dağıtımını </a:t>
+            </a:r>
+            <a:r>
+              <a:rPr lang="tr-TR" dirty="0" smtClean="0"/>
+              <a:t>sağlar.</a:t>
+            </a:r>
+            <a:endParaRPr lang="tr-TR" dirty="0"/>
+          </a:p>
+          <a:p>
+            <a:r>
+              <a:rPr lang="tr-TR" dirty="0"/>
+              <a:t>Üstten aşağıya bakış açısı:</a:t>
+            </a:r>
+          </a:p>
+          <a:p>
+            <a:pPr lvl="1"/>
+            <a:r>
+              <a:rPr lang="tr-TR" dirty="0"/>
+              <a:t>Uygulama programları için soyutlamalar sağlar</a:t>
+            </a:r>
+          </a:p>
+          <a:p>
+            <a:r>
+              <a:rPr lang="tr-TR" dirty="0"/>
+              <a:t>Aşağıdan yukarıya bakış açısı:</a:t>
+            </a:r>
+          </a:p>
+          <a:p>
+            <a:pPr lvl="1"/>
+            <a:r>
+              <a:rPr lang="tr-TR" dirty="0"/>
+              <a:t>Karmaşık sistemin parçalarını yönetir</a:t>
+            </a:r>
+          </a:p>
+          <a:p>
+            <a:r>
+              <a:rPr lang="tr-TR" dirty="0"/>
+              <a:t>Alternatif bakış açısı:</a:t>
+            </a:r>
+          </a:p>
+          <a:p>
+            <a:pPr lvl="1"/>
+            <a:r>
+              <a:rPr lang="tr-TR" dirty="0"/>
+              <a:t>Kaynakların düzenli ve kontrollü dağıtımını </a:t>
+            </a:r>
+            <a:r>
+              <a:rPr lang="tr-TR" dirty="0" smtClean="0"/>
+              <a:t>sağlar.</a:t>
+            </a:r>
+            <a:endParaRPr lang="tr-TR" dirty="0"/>
+          </a:p>
+          <a:p>
+            <a:endParaRPr lang="tr-TR" dirty="0"/>
+          </a:p>
+          <a:p>
+            <a:endParaRPr lang="tr-TR" dirty="0"/>
+          </a:p>
+        </p:txBody>
+      </p:sp>
+    </p:spTree>
+    <p:extLst>
+      <p:ext uri="{BB962C8B-B14F-4D97-AF65-F5344CB8AC3E}">
+        <p14:creationId xmlns:p14="http://schemas.microsoft.com/office/powerpoint/2010/main" val="476395924"/>
+      </p:ext>
+    </p:extLst>
+  </p:cSld>
+  <p:clrMapOvr>
+    <a:masterClrMapping/>
+  </p:clrMapOvr>
+  <p:timing>
+    <p:tnLst>
+      <p:par>
+        <p:cTn id="1" dur="indefinite" restart="never" nodeType="tmRoot"/>
+      </p:par>
+    </p:tnLst>
+  </p:timing>
+</p:sld>
+</file>
+
+<file path=ppt/slides/slide11.xml><?xml version="1.0" encoding="utf-8"?>
+<p:sld xmlns:a="http://schemas.openxmlformats.org/drawingml/2006/main" xmlns:r="http://schemas.openxmlformats.org/officeDocument/2006/relationships" xmlns:p="http://schemas.openxmlformats.org/presentationml/2006/main">
+  <p:cSld>
+    <p:spTree>
+      <p:nvGrpSpPr>
+        <p:cNvPr id="1" name=""/>
+        <p:cNvGrpSpPr/>
+        <p:nvPr/>
+      </p:nvGrpSpPr>
+      <p:grpSpPr>
+        <a:xfrm>
+          <a:off x="0" y="0"/>
+          <a:ext cx="0" cy="0"/>
+          <a:chOff x="0" y="0"/>
+          <a:chExt cx="0" cy="0"/>
+        </a:xfrm>
+      </p:grpSpPr>
+      <p:sp>
+        <p:nvSpPr>
+          <p:cNvPr id="2" name="Title 1"/>
+          <p:cNvSpPr>
+            <a:spLocks noGrp="1"/>
+          </p:cNvSpPr>
+          <p:nvPr>
+            <p:ph type="title"/>
+          </p:nvPr>
+        </p:nvSpPr>
+        <p:spPr/>
+        <p:txBody>
+          <a:bodyPr/>
+          <a:lstStyle/>
+          <a:p>
+            <a:r>
+              <a:rPr lang="tr-TR" dirty="0" smtClean="0"/>
+              <a:t>Kaynak Yöneticisi </a:t>
+            </a:r>
+            <a:r>
+              <a:rPr lang="tr-TR" dirty="0"/>
+              <a:t>Olarak </a:t>
+            </a:r>
+            <a:r>
+              <a:rPr lang="tr-TR" dirty="0" smtClean="0"/>
+              <a:t>İşletim </a:t>
+            </a:r>
+            <a:r>
+              <a:rPr lang="tr-TR" dirty="0"/>
+              <a:t>Sistemi </a:t>
+            </a:r>
+          </a:p>
+        </p:txBody>
+      </p:sp>
+      <p:sp>
+        <p:nvSpPr>
+          <p:cNvPr id="3" name="Content Placeholder 2"/>
+          <p:cNvSpPr>
+            <a:spLocks noGrp="1"/>
+          </p:cNvSpPr>
+          <p:nvPr>
+            <p:ph idx="1"/>
+          </p:nvPr>
+        </p:nvSpPr>
+        <p:spPr>
+          <a:xfrm>
+            <a:off x="838200" y="1825625"/>
+            <a:ext cx="10515600" cy="4680000"/>
+          </a:xfrm>
+        </p:spPr>
+        <p:txBody>
+          <a:bodyPr>
+            <a:normAutofit/>
+          </a:bodyPr>
+          <a:lstStyle/>
+          <a:p>
+            <a:r>
+              <a:rPr lang="tr-TR" dirty="0"/>
+              <a:t>Birden çok programın aynı anda çalışmasına izin </a:t>
+            </a:r>
+            <a:r>
+              <a:rPr lang="tr-TR" dirty="0" smtClean="0"/>
+              <a:t>verir.</a:t>
+            </a:r>
+          </a:p>
+          <a:p>
+            <a:r>
+              <a:rPr lang="tr-TR" dirty="0" smtClean="0"/>
+              <a:t>Bellek, </a:t>
+            </a:r>
+            <a:r>
+              <a:rPr lang="tr-TR" dirty="0"/>
+              <a:t>G/Ç </a:t>
+            </a:r>
+            <a:r>
+              <a:rPr lang="tr-TR" dirty="0" smtClean="0"/>
+              <a:t>cihazları </a:t>
+            </a:r>
+            <a:r>
+              <a:rPr lang="tr-TR" dirty="0"/>
+              <a:t>ve diğer kaynakları </a:t>
+            </a:r>
+            <a:r>
+              <a:rPr lang="tr-TR" dirty="0" smtClean="0"/>
+              <a:t>yönetir </a:t>
+            </a:r>
+            <a:r>
+              <a:rPr lang="tr-TR" dirty="0"/>
+              <a:t>ve </a:t>
+            </a:r>
+            <a:r>
+              <a:rPr lang="tr-TR" dirty="0" smtClean="0"/>
+              <a:t>korur.</a:t>
+            </a:r>
+          </a:p>
+          <a:p>
+            <a:r>
+              <a:rPr lang="tr-TR" dirty="0" smtClean="0"/>
+              <a:t>Kaynakları </a:t>
+            </a:r>
+            <a:r>
+              <a:rPr lang="tr-TR" dirty="0"/>
+              <a:t>iki farklı şekilde </a:t>
+            </a:r>
+            <a:r>
+              <a:rPr lang="tr-TR" dirty="0" smtClean="0"/>
+              <a:t>paylaşır.</a:t>
+            </a:r>
+          </a:p>
+          <a:p>
+            <a:pPr lvl="1"/>
+            <a:r>
+              <a:rPr lang="tr-TR" dirty="0" smtClean="0"/>
+              <a:t>Zaman</a:t>
+            </a:r>
+          </a:p>
+          <a:p>
+            <a:pPr lvl="1"/>
+            <a:r>
+              <a:rPr lang="tr-TR" dirty="0" smtClean="0"/>
+              <a:t>Boşluk</a:t>
+            </a:r>
+            <a:endParaRPr lang="tr-TR" dirty="0"/>
+          </a:p>
+          <a:p>
+            <a:r>
+              <a:rPr lang="tr-TR" dirty="0" smtClean="0"/>
+              <a:t>Birçok program aynı anda yazdırmak isterse ne olur?</a:t>
+            </a:r>
+          </a:p>
+          <a:p>
+            <a:r>
+              <a:rPr lang="tr-TR" dirty="0"/>
+              <a:t>Her sürecin kaynak </a:t>
+            </a:r>
+            <a:r>
+              <a:rPr lang="tr-TR" dirty="0" smtClean="0"/>
+              <a:t>kullanımı/ihtiyacı </a:t>
+            </a:r>
+            <a:r>
+              <a:rPr lang="tr-TR" dirty="0"/>
+              <a:t>nasıl hesaplanır</a:t>
+            </a:r>
+            <a:r>
+              <a:rPr lang="tr-TR" dirty="0" smtClean="0"/>
+              <a:t>?</a:t>
+            </a:r>
+          </a:p>
+          <a:p>
+            <a:r>
+              <a:rPr lang="tr-TR" dirty="0"/>
+              <a:t>Kaynaklar </a:t>
+            </a:r>
+            <a:r>
+              <a:rPr lang="tr-TR" dirty="0" err="1" smtClean="0"/>
+              <a:t>çoklanırsa</a:t>
+            </a:r>
+            <a:r>
+              <a:rPr lang="tr-TR" dirty="0" smtClean="0"/>
+              <a:t>, adalet </a:t>
+            </a:r>
+            <a:r>
+              <a:rPr lang="tr-TR" dirty="0"/>
+              <a:t>ve verimlilik nasıl sağlanır?</a:t>
+            </a:r>
+          </a:p>
+        </p:txBody>
+      </p:sp>
+    </p:spTree>
+    <p:extLst>
+      <p:ext uri="{BB962C8B-B14F-4D97-AF65-F5344CB8AC3E}">
+        <p14:creationId xmlns:p14="http://schemas.microsoft.com/office/powerpoint/2010/main" val="220582971"/>
+      </p:ext>
+    </p:extLst>
+  </p:cSld>
+  <p:clrMapOvr>
+    <a:masterClrMapping/>
+  </p:clrMapOvr>
+  <p:timing>
+    <p:tnLst>
+      <p:par>
+        <p:cTn id="1" dur="indefinite" restart="never" nodeType="tmRoot"/>
+      </p:par>
+    </p:tnLst>
+  </p:timing>
+</p:sld>
+</file>
+
+<file path=ppt/slides/slide12.xml><?xml version="1.0" encoding="utf-8"?>
+<p:sld xmlns:a="http://schemas.openxmlformats.org/drawingml/2006/main" xmlns:r="http://schemas.openxmlformats.org/officeDocument/2006/relationships" xmlns:p="http://schemas.openxmlformats.org/presentationml/2006/main">
+  <p:cSld>
+    <p:spTree>
+      <p:nvGrpSpPr>
+        <p:cNvPr id="1" name=""/>
+        <p:cNvGrpSpPr/>
+        <p:nvPr/>
+      </p:nvGrpSpPr>
+      <p:grpSpPr>
+        <a:xfrm>
+          <a:off x="0" y="0"/>
+          <a:ext cx="0" cy="0"/>
+          <a:chOff x="0" y="0"/>
+          <a:chExt cx="0" cy="0"/>
+        </a:xfrm>
+      </p:grpSpPr>
+      <p:sp>
+        <p:nvSpPr>
+          <p:cNvPr id="2" name="Title 1"/>
+          <p:cNvSpPr>
+            <a:spLocks noGrp="1"/>
+          </p:cNvSpPr>
+          <p:nvPr>
+            <p:ph type="title"/>
+          </p:nvPr>
+        </p:nvSpPr>
+        <p:spPr/>
+        <p:txBody>
+          <a:bodyPr/>
+          <a:lstStyle/>
+          <a:p>
+            <a:r>
+              <a:rPr lang="tr-TR" dirty="0"/>
+              <a:t>İşletim Sistemlerinin Tarihi</a:t>
+            </a:r>
+          </a:p>
+        </p:txBody>
+      </p:sp>
+      <p:sp>
+        <p:nvSpPr>
+          <p:cNvPr id="3" name="Content Placeholder 2"/>
+          <p:cNvSpPr>
+            <a:spLocks noGrp="1"/>
+          </p:cNvSpPr>
+          <p:nvPr>
+            <p:ph idx="1"/>
+          </p:nvPr>
+        </p:nvSpPr>
+        <p:spPr>
+          <a:xfrm>
+            <a:off x="838200" y="1825625"/>
+            <a:ext cx="10515600" cy="4680000"/>
+          </a:xfrm>
+        </p:spPr>
+        <p:txBody>
+          <a:bodyPr>
+            <a:normAutofit/>
+          </a:bodyPr>
+          <a:lstStyle/>
+          <a:p>
+            <a:r>
+              <a:rPr lang="tr-TR" dirty="0"/>
+              <a:t>İlk jenerasyon (1945-55) </a:t>
+            </a:r>
+            <a:endParaRPr lang="tr-TR" dirty="0" smtClean="0"/>
+          </a:p>
+          <a:p>
+            <a:pPr lvl="1"/>
+            <a:r>
+              <a:rPr lang="tr-TR" dirty="0" smtClean="0"/>
+              <a:t>vakum </a:t>
+            </a:r>
+            <a:r>
+              <a:rPr lang="tr-TR" dirty="0"/>
+              <a:t>tüpleri</a:t>
+            </a:r>
+          </a:p>
+          <a:p>
+            <a:r>
+              <a:rPr lang="tr-TR" dirty="0" smtClean="0"/>
+              <a:t>İkinci </a:t>
+            </a:r>
+            <a:r>
+              <a:rPr lang="tr-TR" dirty="0"/>
+              <a:t>jenerasyon (1955-65) </a:t>
+            </a:r>
+            <a:endParaRPr lang="tr-TR" dirty="0" smtClean="0"/>
+          </a:p>
+          <a:p>
+            <a:pPr lvl="1"/>
+            <a:r>
+              <a:rPr lang="tr-TR" dirty="0" err="1" smtClean="0"/>
+              <a:t>transistörler</a:t>
+            </a:r>
+            <a:r>
+              <a:rPr lang="tr-TR" dirty="0" smtClean="0"/>
+              <a:t> </a:t>
+            </a:r>
+            <a:r>
+              <a:rPr lang="tr-TR" dirty="0"/>
+              <a:t>ve </a:t>
+            </a:r>
+            <a:r>
+              <a:rPr lang="tr-TR" dirty="0" err="1"/>
+              <a:t>batch</a:t>
+            </a:r>
+            <a:r>
+              <a:rPr lang="tr-TR" dirty="0"/>
+              <a:t> sistemleri</a:t>
+            </a:r>
+          </a:p>
+          <a:p>
+            <a:r>
+              <a:rPr lang="tr-TR" dirty="0" smtClean="0"/>
+              <a:t>Üçüncü </a:t>
+            </a:r>
+            <a:r>
+              <a:rPr lang="tr-TR" dirty="0"/>
+              <a:t>jenerasyon (1965-1980) </a:t>
+            </a:r>
+            <a:endParaRPr lang="tr-TR" dirty="0" smtClean="0"/>
+          </a:p>
+          <a:p>
+            <a:pPr lvl="1"/>
+            <a:r>
+              <a:rPr lang="tr-TR" dirty="0" err="1" smtClean="0"/>
+              <a:t>IC'ler</a:t>
+            </a:r>
+            <a:r>
+              <a:rPr lang="tr-TR" dirty="0" smtClean="0"/>
+              <a:t> </a:t>
+            </a:r>
+            <a:r>
+              <a:rPr lang="tr-TR" dirty="0"/>
+              <a:t>ve çoklu programlama</a:t>
+            </a:r>
+          </a:p>
+          <a:p>
+            <a:r>
+              <a:rPr lang="tr-TR" dirty="0" smtClean="0"/>
+              <a:t>Dördüncü </a:t>
+            </a:r>
+            <a:r>
+              <a:rPr lang="tr-TR" dirty="0"/>
+              <a:t>jenerasyon (1980-günümüz) </a:t>
+            </a:r>
+            <a:endParaRPr lang="tr-TR" dirty="0" smtClean="0"/>
+          </a:p>
+          <a:p>
+            <a:pPr lvl="1"/>
+            <a:r>
+              <a:rPr lang="tr-TR" dirty="0" smtClean="0"/>
+              <a:t>kişisel </a:t>
+            </a:r>
+            <a:r>
+              <a:rPr lang="tr-TR" dirty="0"/>
+              <a:t>bilgisayarlar</a:t>
+            </a:r>
+          </a:p>
+          <a:p>
+            <a:r>
+              <a:rPr lang="tr-TR" dirty="0" smtClean="0"/>
+              <a:t>Beşinci </a:t>
+            </a:r>
+            <a:r>
+              <a:rPr lang="tr-TR" dirty="0"/>
+              <a:t>jenerasyon (1990-günümüz) </a:t>
+            </a:r>
+            <a:endParaRPr lang="tr-TR" dirty="0" smtClean="0"/>
+          </a:p>
+          <a:p>
+            <a:pPr lvl="1"/>
+            <a:r>
+              <a:rPr lang="tr-TR" dirty="0" smtClean="0"/>
+              <a:t>mobil </a:t>
+            </a:r>
+            <a:r>
+              <a:rPr lang="tr-TR" dirty="0"/>
+              <a:t>bilgisayarlar</a:t>
+            </a:r>
+          </a:p>
+          <a:p>
+            <a:endParaRPr lang="tr-TR" dirty="0"/>
+          </a:p>
+          <a:p>
+            <a:endParaRPr lang="tr-TR" dirty="0"/>
+          </a:p>
+          <a:p>
+            <a:endParaRPr lang="tr-TR" dirty="0"/>
+          </a:p>
+        </p:txBody>
+      </p:sp>
+    </p:spTree>
+    <p:extLst>
+      <p:ext uri="{BB962C8B-B14F-4D97-AF65-F5344CB8AC3E}">
+        <p14:creationId xmlns:p14="http://schemas.microsoft.com/office/powerpoint/2010/main" val="3041953073"/>
+      </p:ext>
+    </p:extLst>
+  </p:cSld>
+  <p:clrMapOvr>
+    <a:masterClrMapping/>
+  </p:clrMapOvr>
+  <p:timing>
+    <p:tnLst>
+      <p:par>
+        <p:cTn id="1" dur="indefinite" restart="never" nodeType="tmRoot"/>
+      </p:par>
+    </p:tnLst>
+  </p:timing>
+</p:sld>
+</file>
+
+<file path=ppt/slides/slide13.xml><?xml version="1.0" encoding="utf-8"?>
+<p:sld xmlns:a="http://schemas.openxmlformats.org/drawingml/2006/main" xmlns:r="http://schemas.openxmlformats.org/officeDocument/2006/relationships" xmlns:p="http://schemas.openxmlformats.org/presentationml/2006/main">
+  <p:cSld>
+    <p:spTree>
+      <p:nvGrpSpPr>
+        <p:cNvPr id="1" name=""/>
+        <p:cNvGrpSpPr/>
+        <p:nvPr/>
+      </p:nvGrpSpPr>
+      <p:grpSpPr>
+        <a:xfrm>
+          <a:off x="0" y="0"/>
+          <a:ext cx="0" cy="0"/>
+          <a:chOff x="0" y="0"/>
+          <a:chExt cx="0" cy="0"/>
+        </a:xfrm>
+      </p:grpSpPr>
+      <p:sp>
+        <p:nvSpPr>
+          <p:cNvPr id="2" name="Title 1"/>
+          <p:cNvSpPr>
+            <a:spLocks noGrp="1"/>
+          </p:cNvSpPr>
+          <p:nvPr>
+            <p:ph type="title"/>
+          </p:nvPr>
+        </p:nvSpPr>
+        <p:spPr/>
+        <p:txBody>
+          <a:bodyPr/>
+          <a:lstStyle/>
+          <a:p>
+            <a:r>
+              <a:rPr lang="tr-TR" dirty="0" smtClean="0"/>
+              <a:t>Vakum Tüpleri</a:t>
+            </a:r>
+            <a:endParaRPr lang="tr-TR" dirty="0"/>
+          </a:p>
+        </p:txBody>
+      </p:sp>
+      <p:sp>
+        <p:nvSpPr>
+          <p:cNvPr id="3" name="Content Placeholder 2"/>
+          <p:cNvSpPr>
+            <a:spLocks noGrp="1"/>
+          </p:cNvSpPr>
+          <p:nvPr>
+            <p:ph idx="1"/>
+          </p:nvPr>
+        </p:nvSpPr>
+        <p:spPr>
+          <a:xfrm>
+            <a:off x="838200" y="1825625"/>
+            <a:ext cx="10515600" cy="4680000"/>
+          </a:xfrm>
+        </p:spPr>
+        <p:txBody>
+          <a:bodyPr>
+            <a:normAutofit/>
+          </a:bodyPr>
+          <a:lstStyle/>
+          <a:p>
+            <a:r>
+              <a:rPr lang="tr-TR" dirty="0" smtClean="0"/>
+              <a:t>Büyük ve yavaş</a:t>
+            </a:r>
+          </a:p>
+          <a:p>
+            <a:r>
+              <a:rPr lang="tr-TR" dirty="0"/>
+              <a:t>Mühendisler </a:t>
+            </a:r>
+            <a:r>
+              <a:rPr lang="tr-TR" dirty="0" smtClean="0"/>
+              <a:t>tasarlar</a:t>
+            </a:r>
+            <a:r>
+              <a:rPr lang="tr-TR" dirty="0"/>
+              <a:t>, inşa eder, çalıştırır ve bakımını </a:t>
+            </a:r>
+            <a:r>
+              <a:rPr lang="tr-TR" dirty="0" smtClean="0"/>
+              <a:t>yapar</a:t>
+            </a:r>
+          </a:p>
+          <a:p>
+            <a:r>
+              <a:rPr lang="tr-TR" dirty="0" smtClean="0"/>
+              <a:t>Makine </a:t>
+            </a:r>
+            <a:r>
+              <a:rPr lang="tr-TR" dirty="0"/>
+              <a:t>diliyle veya kablolar kullanılarak </a:t>
+            </a:r>
+            <a:r>
+              <a:rPr lang="tr-TR" dirty="0" smtClean="0"/>
+              <a:t>programlanır</a:t>
+            </a:r>
+          </a:p>
+          <a:p>
+            <a:r>
+              <a:rPr lang="tr-TR" dirty="0" smtClean="0"/>
+              <a:t>Takılabilir kartlar ile çalışır</a:t>
+            </a:r>
+          </a:p>
+          <a:p>
+            <a:r>
+              <a:rPr lang="tr-TR" dirty="0" smtClean="0"/>
+              <a:t>Ağırlıklı </a:t>
+            </a:r>
+            <a:r>
+              <a:rPr lang="tr-TR" dirty="0"/>
+              <a:t>olarak sayısal </a:t>
+            </a:r>
+            <a:r>
+              <a:rPr lang="tr-TR" dirty="0" smtClean="0"/>
+              <a:t>hesaplamalar yapar</a:t>
+            </a:r>
+            <a:endParaRPr lang="tr-TR" dirty="0"/>
+          </a:p>
+          <a:p>
+            <a:endParaRPr lang="tr-TR" dirty="0"/>
+          </a:p>
+          <a:p>
+            <a:endParaRPr lang="tr-TR" dirty="0"/>
+          </a:p>
+          <a:p>
+            <a:endParaRPr lang="tr-TR" dirty="0"/>
+          </a:p>
+        </p:txBody>
+      </p:sp>
+    </p:spTree>
+    <p:extLst>
+      <p:ext uri="{BB962C8B-B14F-4D97-AF65-F5344CB8AC3E}">
+        <p14:creationId xmlns:p14="http://schemas.microsoft.com/office/powerpoint/2010/main" val="2491609616"/>
+      </p:ext>
+    </p:extLst>
+  </p:cSld>
+  <p:clrMapOvr>
+    <a:masterClrMapping/>
+  </p:clrMapOvr>
+  <p:timing>
+    <p:tnLst>
+      <p:par>
+        <p:cTn id="1" dur="indefinite" restart="never" nodeType="tmRoot"/>
+      </p:par>
+    </p:tnLst>
+  </p:timing>
+</p:sld>
+</file>
+
+<file path=ppt/slides/slide14.xml><?xml version="1.0" encoding="utf-8"?>
+<p:sld xmlns:a="http://schemas.openxmlformats.org/drawingml/2006/main" xmlns:r="http://schemas.openxmlformats.org/officeDocument/2006/relationships" xmlns:p="http://schemas.openxmlformats.org/presentationml/2006/main">
+  <p:cSld>
+    <p:spTree>
+      <p:nvGrpSpPr>
+        <p:cNvPr id="1" name=""/>
+        <p:cNvGrpSpPr/>
+        <p:nvPr/>
+      </p:nvGrpSpPr>
+      <p:grpSpPr>
+        <a:xfrm>
+          <a:off x="0" y="0"/>
+          <a:ext cx="0" cy="0"/>
+          <a:chOff x="0" y="0"/>
+          <a:chExt cx="0" cy="0"/>
+        </a:xfrm>
+      </p:grpSpPr>
+      <p:sp>
+        <p:nvSpPr>
+          <p:cNvPr id="2" name="Title 1"/>
+          <p:cNvSpPr>
+            <a:spLocks noGrp="1"/>
+          </p:cNvSpPr>
+          <p:nvPr>
+            <p:ph type="title"/>
+          </p:nvPr>
+        </p:nvSpPr>
+        <p:spPr/>
+        <p:txBody>
+          <a:bodyPr/>
+          <a:lstStyle/>
+          <a:p>
+            <a:r>
+              <a:rPr lang="tr-TR" dirty="0" err="1"/>
+              <a:t>Transistörler</a:t>
+            </a:r>
+            <a:r>
+              <a:rPr lang="tr-TR" dirty="0"/>
+              <a:t> ve </a:t>
+            </a:r>
+            <a:r>
+              <a:rPr lang="tr-TR" dirty="0" err="1"/>
+              <a:t>Batch</a:t>
+            </a:r>
+            <a:r>
+              <a:rPr lang="tr-TR" dirty="0"/>
+              <a:t> Sistemleri</a:t>
+            </a:r>
+          </a:p>
+        </p:txBody>
+      </p:sp>
+      <p:sp>
+        <p:nvSpPr>
+          <p:cNvPr id="3" name="Content Placeholder 2"/>
+          <p:cNvSpPr>
+            <a:spLocks noGrp="1"/>
+          </p:cNvSpPr>
+          <p:nvPr>
+            <p:ph idx="1"/>
+          </p:nvPr>
+        </p:nvSpPr>
+        <p:spPr>
+          <a:xfrm>
+            <a:off x="838200" y="1825625"/>
+            <a:ext cx="10515600" cy="4680000"/>
+          </a:xfrm>
+        </p:spPr>
+        <p:txBody>
+          <a:bodyPr>
+            <a:normAutofit/>
+          </a:bodyPr>
+          <a:lstStyle/>
+          <a:p>
+            <a:r>
+              <a:rPr lang="tr-TR" dirty="0" err="1" smtClean="0"/>
+              <a:t>Transistörlerin</a:t>
+            </a:r>
+            <a:r>
+              <a:rPr lang="tr-TR" dirty="0" smtClean="0"/>
+              <a:t> </a:t>
+            </a:r>
+            <a:r>
+              <a:rPr lang="tr-TR" dirty="0"/>
+              <a:t>icadı ile birlikte </a:t>
+            </a:r>
+            <a:r>
+              <a:rPr lang="tr-TR" dirty="0" smtClean="0"/>
+              <a:t>ikinci </a:t>
+            </a:r>
+            <a:r>
+              <a:rPr lang="tr-TR" dirty="0"/>
+              <a:t>jenerasyon işletim sistemleri </a:t>
+            </a:r>
+            <a:r>
+              <a:rPr lang="tr-TR" dirty="0" smtClean="0"/>
+              <a:t>ortaya </a:t>
+            </a:r>
+            <a:r>
+              <a:rPr lang="tr-TR" dirty="0"/>
+              <a:t>çıktı</a:t>
+            </a:r>
+            <a:r>
+              <a:rPr lang="tr-TR" dirty="0" smtClean="0"/>
+              <a:t>. </a:t>
+            </a:r>
+            <a:r>
+              <a:rPr lang="tr-TR" dirty="0" err="1" smtClean="0"/>
+              <a:t>Transistörler</a:t>
+            </a:r>
+            <a:r>
+              <a:rPr lang="tr-TR" dirty="0"/>
+              <a:t>, vakum tüplerin </a:t>
+            </a:r>
+            <a:r>
+              <a:rPr lang="tr-TR" dirty="0" smtClean="0"/>
+              <a:t>yerini aldılar</a:t>
+            </a:r>
+          </a:p>
+          <a:p>
+            <a:pPr lvl="1"/>
+            <a:r>
+              <a:rPr lang="tr-TR" dirty="0" smtClean="0"/>
+              <a:t>daha </a:t>
+            </a:r>
+            <a:r>
+              <a:rPr lang="tr-TR" dirty="0"/>
+              <a:t>küçük, daha güvenilir ve daha enerji </a:t>
+            </a:r>
+            <a:r>
+              <a:rPr lang="tr-TR" dirty="0" smtClean="0"/>
+              <a:t>verimli</a:t>
+            </a:r>
+            <a:endParaRPr lang="tr-TR" dirty="0"/>
+          </a:p>
+          <a:p>
+            <a:r>
+              <a:rPr lang="tr-TR" dirty="0" err="1"/>
+              <a:t>Batch</a:t>
+            </a:r>
+            <a:r>
+              <a:rPr lang="tr-TR" dirty="0"/>
+              <a:t> sistemler, işlemlerin toplu olarak yürütülmesini sağlar. </a:t>
+            </a:r>
+            <a:r>
+              <a:rPr lang="tr-TR" dirty="0" smtClean="0"/>
+              <a:t>İşlemler işlem </a:t>
+            </a:r>
+            <a:r>
+              <a:rPr lang="tr-TR" dirty="0"/>
+              <a:t>kuyruğuna </a:t>
+            </a:r>
+            <a:r>
+              <a:rPr lang="tr-TR" dirty="0" smtClean="0"/>
+              <a:t>eklenir </a:t>
+            </a:r>
+            <a:r>
+              <a:rPr lang="tr-TR" dirty="0"/>
+              <a:t>ve işletim sistemi </a:t>
+            </a:r>
+            <a:r>
+              <a:rPr lang="tr-TR" dirty="0" smtClean="0"/>
+              <a:t>sırayla </a:t>
+            </a:r>
+            <a:r>
+              <a:rPr lang="tr-TR" dirty="0"/>
+              <a:t>yürütür.</a:t>
+            </a:r>
+          </a:p>
+          <a:p>
+            <a:pPr lvl="1"/>
+            <a:r>
+              <a:rPr lang="tr-TR" dirty="0" smtClean="0"/>
+              <a:t>İşlemlerin </a:t>
+            </a:r>
+            <a:r>
+              <a:rPr lang="tr-TR" dirty="0"/>
+              <a:t>paralel olarak yürütülmesini engeller.</a:t>
+            </a:r>
+          </a:p>
+          <a:p>
+            <a:pPr lvl="1"/>
+            <a:r>
+              <a:rPr lang="tr-TR" dirty="0" smtClean="0"/>
+              <a:t>İşlemlerin </a:t>
+            </a:r>
+            <a:r>
+              <a:rPr lang="tr-TR" dirty="0"/>
+              <a:t>manuel olarak yürütülmesini </a:t>
+            </a:r>
+            <a:r>
+              <a:rPr lang="tr-TR" dirty="0" smtClean="0"/>
+              <a:t>gerektirir.</a:t>
+            </a:r>
+            <a:endParaRPr lang="tr-TR" dirty="0"/>
+          </a:p>
+          <a:p>
+            <a:pPr lvl="1"/>
+            <a:r>
+              <a:rPr lang="tr-TR" dirty="0" smtClean="0"/>
+              <a:t>Veri </a:t>
+            </a:r>
+            <a:r>
+              <a:rPr lang="tr-TR" dirty="0"/>
+              <a:t>işleme, hesaplama ve raporlama gibi işlemler için </a:t>
+            </a:r>
+            <a:r>
+              <a:rPr lang="tr-TR" dirty="0" smtClean="0"/>
+              <a:t>kullanılır</a:t>
+            </a:r>
+          </a:p>
+          <a:p>
+            <a:pPr lvl="1"/>
+            <a:r>
+              <a:rPr lang="tr-TR" dirty="0" smtClean="0"/>
+              <a:t>Gerçek </a:t>
+            </a:r>
+            <a:r>
+              <a:rPr lang="tr-TR" dirty="0"/>
+              <a:t>zamanlı işlemler için uygun değildir.</a:t>
+            </a:r>
+          </a:p>
+          <a:p>
+            <a:endParaRPr lang="tr-TR" dirty="0"/>
+          </a:p>
+          <a:p>
+            <a:endParaRPr lang="tr-TR" dirty="0"/>
+          </a:p>
+          <a:p>
+            <a:endParaRPr lang="tr-TR" dirty="0"/>
+          </a:p>
+        </p:txBody>
+      </p:sp>
+    </p:spTree>
+    <p:extLst>
+      <p:ext uri="{BB962C8B-B14F-4D97-AF65-F5344CB8AC3E}">
+        <p14:creationId xmlns:p14="http://schemas.microsoft.com/office/powerpoint/2010/main" val="248623430"/>
+      </p:ext>
+    </p:extLst>
+  </p:cSld>
+  <p:clrMapOvr>
+    <a:masterClrMapping/>
+  </p:clrMapOvr>
+  <p:timing>
+    <p:tnLst>
+      <p:par>
+        <p:cTn id="1" dur="indefinite" restart="never" nodeType="tmRoot"/>
+      </p:par>
+    </p:tnLst>
+  </p:timing>
+</p:sld>
+</file>
+
+<file path=ppt/slides/slide15.xml><?xml version="1.0" encoding="utf-8"?>
+<p:sld xmlns:a="http://schemas.openxmlformats.org/drawingml/2006/main" xmlns:r="http://schemas.openxmlformats.org/officeDocument/2006/relationships" xmlns:p="http://schemas.openxmlformats.org/presentationml/2006/main">
+  <p:cSld>
+    <p:spTree>
+      <p:nvGrpSpPr>
+        <p:cNvPr id="1" name=""/>
+        <p:cNvGrpSpPr/>
+        <p:nvPr/>
+      </p:nvGrpSpPr>
+      <p:grpSpPr>
+        <a:xfrm>
+          <a:off x="0" y="0"/>
+          <a:ext cx="0" cy="0"/>
+          <a:chOff x="0" y="0"/>
+          <a:chExt cx="0" cy="0"/>
+        </a:xfrm>
+      </p:grpSpPr>
+      <p:sp>
+        <p:nvSpPr>
+          <p:cNvPr id="2" name="Title 1"/>
+          <p:cNvSpPr>
+            <a:spLocks noGrp="1"/>
+          </p:cNvSpPr>
+          <p:nvPr>
+            <p:ph type="title"/>
+          </p:nvPr>
+        </p:nvSpPr>
+        <p:spPr/>
+        <p:txBody>
+          <a:bodyPr/>
+          <a:lstStyle/>
+          <a:p>
+            <a:r>
               <a:rPr lang="tr-TR" dirty="0" err="1"/>
               <a:t>Transistörler</a:t>
             </a:r>
@@ -3323,7 +4343,7 @@
 </p:sld>
 </file>
 
-<file path=ppt/slides/slide11.xml><?xml version="1.0" encoding="utf-8"?>
+<file path=ppt/slides/slide16.xml><?xml version="1.0" encoding="utf-8"?>
 <p:sld xmlns:a="http://schemas.openxmlformats.org/drawingml/2006/main" xmlns:r="http://schemas.openxmlformats.org/officeDocument/2006/relationships" xmlns:p="http://schemas.openxmlformats.org/presentationml/2006/main">
   <p:cSld>
     <p:spTree>
@@ -3564,7 +4584,7 @@
 </p:sld>
 </file>
 
-<file path=ppt/slides/slide12.xml><?xml version="1.0" encoding="utf-8"?>
+<file path=ppt/slides/slide17.xml><?xml version="1.0" encoding="utf-8"?>
 <p:sld xmlns:a="http://schemas.openxmlformats.org/drawingml/2006/main" xmlns:r="http://schemas.openxmlformats.org/officeDocument/2006/relationships" xmlns:p="http://schemas.openxmlformats.org/presentationml/2006/main">
   <p:cSld>
     <p:spTree>
@@ -3747,7 +4767,7 @@
 </p:sld>
 </file>
 
-<file path=ppt/slides/slide13.xml><?xml version="1.0" encoding="utf-8"?>
+<file path=ppt/slides/slide18.xml><?xml version="1.0" encoding="utf-8"?>
 <p:sld xmlns:a="http://schemas.openxmlformats.org/drawingml/2006/main" xmlns:r="http://schemas.openxmlformats.org/officeDocument/2006/relationships" xmlns:p="http://schemas.openxmlformats.org/presentationml/2006/main">
   <p:cSld>
     <p:spTree>
@@ -3949,7 +4969,7 @@
 </p:sld>
 </file>
 
-<file path=ppt/slides/slide14.xml><?xml version="1.0" encoding="utf-8"?>
+<file path=ppt/slides/slide19.xml><?xml version="1.0" encoding="utf-8"?>
 <p:sld xmlns:a="http://schemas.openxmlformats.org/drawingml/2006/main" xmlns:r="http://schemas.openxmlformats.org/officeDocument/2006/relationships" xmlns:p="http://schemas.openxmlformats.org/presentationml/2006/main">
   <p:cSld>
     <p:spTree>
@@ -4112,7 +5132,315 @@
 </p:sld>
 </file>
 
-<file path=ppt/slides/slide15.xml><?xml version="1.0" encoding="utf-8"?>
+<file path=ppt/slides/slide2.xml><?xml version="1.0" encoding="utf-8"?>
+<p:sld xmlns:a="http://schemas.openxmlformats.org/drawingml/2006/main" xmlns:r="http://schemas.openxmlformats.org/officeDocument/2006/relationships" xmlns:p="http://schemas.openxmlformats.org/presentationml/2006/main">
+  <p:cSld>
+    <p:spTree>
+      <p:nvGrpSpPr>
+        <p:cNvPr id="1" name=""/>
+        <p:cNvGrpSpPr/>
+        <p:nvPr/>
+      </p:nvGrpSpPr>
+      <p:grpSpPr>
+        <a:xfrm>
+          <a:off x="0" y="0"/>
+          <a:ext cx="0" cy="0"/>
+          <a:chOff x="0" y="0"/>
+          <a:chExt cx="0" cy="0"/>
+        </a:xfrm>
+      </p:grpSpPr>
+      <p:sp>
+        <p:nvSpPr>
+          <p:cNvPr id="2" name="Title 1"/>
+          <p:cNvSpPr>
+            <a:spLocks noGrp="1"/>
+          </p:cNvSpPr>
+          <p:nvPr>
+            <p:ph type="title"/>
+          </p:nvPr>
+        </p:nvSpPr>
+        <p:spPr/>
+        <p:txBody>
+          <a:bodyPr/>
+          <a:lstStyle/>
+          <a:p>
+            <a:r>
+              <a:rPr lang="tr-TR" dirty="0"/>
+              <a:t>Modern Bilgisayarın Bileşenleri:</a:t>
+            </a:r>
+          </a:p>
+        </p:txBody>
+      </p:sp>
+      <p:sp>
+        <p:nvSpPr>
+          <p:cNvPr id="3" name="Content Placeholder 2"/>
+          <p:cNvSpPr>
+            <a:spLocks noGrp="1"/>
+          </p:cNvSpPr>
+          <p:nvPr>
+            <p:ph idx="1"/>
+          </p:nvPr>
+        </p:nvSpPr>
+        <p:spPr>
+          <a:xfrm>
+            <a:off x="838200" y="1825625"/>
+            <a:ext cx="10515600" cy="4680000"/>
+          </a:xfrm>
+        </p:spPr>
+        <p:txBody>
+          <a:bodyPr>
+            <a:normAutofit/>
+          </a:bodyPr>
+          <a:lstStyle/>
+          <a:p>
+            <a:r>
+              <a:rPr lang="tr-TR" dirty="0"/>
+              <a:t>Bir veya daha fazla işlemci</a:t>
+            </a:r>
+          </a:p>
+          <a:p>
+            <a:r>
+              <a:rPr lang="tr-TR" dirty="0"/>
+              <a:t>Ana bellek</a:t>
+            </a:r>
+          </a:p>
+          <a:p>
+            <a:r>
+              <a:rPr lang="tr-TR" dirty="0"/>
+              <a:t>Diskler</a:t>
+            </a:r>
+          </a:p>
+          <a:p>
+            <a:r>
+              <a:rPr lang="tr-TR" dirty="0"/>
+              <a:t>Yazıcılar</a:t>
+            </a:r>
+          </a:p>
+          <a:p>
+            <a:r>
+              <a:rPr lang="tr-TR" dirty="0"/>
+              <a:t>Klavye</a:t>
+            </a:r>
+          </a:p>
+          <a:p>
+            <a:r>
+              <a:rPr lang="tr-TR" dirty="0"/>
+              <a:t>Fare</a:t>
+            </a:r>
+          </a:p>
+          <a:p>
+            <a:r>
+              <a:rPr lang="tr-TR" dirty="0"/>
+              <a:t>Ekran</a:t>
+            </a:r>
+          </a:p>
+          <a:p>
+            <a:r>
+              <a:rPr lang="tr-TR" dirty="0"/>
+              <a:t>Ağ arayüzleri</a:t>
+            </a:r>
+          </a:p>
+          <a:p>
+            <a:r>
+              <a:rPr lang="tr-TR" dirty="0"/>
+              <a:t>G/Ç cihazları</a:t>
+            </a:r>
+          </a:p>
+        </p:txBody>
+      </p:sp>
+    </p:spTree>
+    <p:extLst>
+      <p:ext uri="{BB962C8B-B14F-4D97-AF65-F5344CB8AC3E}">
+        <p14:creationId xmlns:p14="http://schemas.microsoft.com/office/powerpoint/2010/main" val="4188232905"/>
+      </p:ext>
+    </p:extLst>
+  </p:cSld>
+  <p:clrMapOvr>
+    <a:masterClrMapping/>
+  </p:clrMapOvr>
+  <p:timing>
+    <p:tnLst>
+      <p:par>
+        <p:cTn id="1" dur="indefinite" restart="never" nodeType="tmRoot"/>
+      </p:par>
+    </p:tnLst>
+  </p:timing>
+</p:sld>
+</file>
+
+<file path=ppt/slides/slide20.xml><?xml version="1.0" encoding="utf-8"?>
+<p:sld xmlns:a="http://schemas.openxmlformats.org/drawingml/2006/main" xmlns:r="http://schemas.openxmlformats.org/officeDocument/2006/relationships" xmlns:p="http://schemas.openxmlformats.org/presentationml/2006/main">
+  <p:cSld>
+    <p:spTree>
+      <p:nvGrpSpPr>
+        <p:cNvPr id="1" name=""/>
+        <p:cNvGrpSpPr/>
+        <p:nvPr/>
+      </p:nvGrpSpPr>
+      <p:grpSpPr>
+        <a:xfrm>
+          <a:off x="0" y="0"/>
+          <a:ext cx="0" cy="0"/>
+          <a:chOff x="0" y="0"/>
+          <a:chExt cx="0" cy="0"/>
+        </a:xfrm>
+      </p:grpSpPr>
+      <p:sp>
+        <p:nvSpPr>
+          <p:cNvPr id="2" name="Title 1"/>
+          <p:cNvSpPr>
+            <a:spLocks noGrp="1"/>
+          </p:cNvSpPr>
+          <p:nvPr>
+            <p:ph type="title"/>
+          </p:nvPr>
+        </p:nvSpPr>
+        <p:spPr/>
+        <p:txBody>
+          <a:bodyPr/>
+          <a:lstStyle/>
+          <a:p>
+            <a:r>
+              <a:rPr lang="tr-TR" dirty="0" smtClean="0"/>
+              <a:t>Kişisel Bilgisayarlar</a:t>
+            </a:r>
+            <a:endParaRPr lang="tr-TR" dirty="0"/>
+          </a:p>
+        </p:txBody>
+      </p:sp>
+      <p:sp>
+        <p:nvSpPr>
+          <p:cNvPr id="3" name="Content Placeholder 2"/>
+          <p:cNvSpPr>
+            <a:spLocks noGrp="1"/>
+          </p:cNvSpPr>
+          <p:nvPr>
+            <p:ph idx="1"/>
+          </p:nvPr>
+        </p:nvSpPr>
+        <p:spPr>
+          <a:xfrm>
+            <a:off x="838200" y="1825625"/>
+            <a:ext cx="10515600" cy="4680000"/>
+          </a:xfrm>
+        </p:spPr>
+        <p:txBody>
+          <a:bodyPr>
+            <a:normAutofit/>
+          </a:bodyPr>
+          <a:lstStyle/>
+          <a:p>
+            <a:r>
+              <a:rPr lang="tr-TR" dirty="0"/>
+              <a:t>Bilgisayarlar 3. nesle benzer performansa sahiptir, ancak fiyatları büyük ölçüde </a:t>
+            </a:r>
+            <a:r>
+              <a:rPr lang="tr-TR" dirty="0" smtClean="0"/>
+              <a:t>düşmüştür</a:t>
+            </a:r>
+          </a:p>
+          <a:p>
+            <a:r>
+              <a:rPr lang="tr-TR" dirty="0" smtClean="0"/>
+              <a:t>CP/M: İlk </a:t>
+            </a:r>
+            <a:r>
+              <a:rPr lang="tr-TR" dirty="0"/>
+              <a:t>disk tabanlı işletim </a:t>
+            </a:r>
+            <a:r>
+              <a:rPr lang="tr-TR" dirty="0" smtClean="0"/>
+              <a:t>sistemi</a:t>
+            </a:r>
+          </a:p>
+          <a:p>
+            <a:r>
+              <a:rPr lang="tr-TR" dirty="0" smtClean="0"/>
+              <a:t>1980</a:t>
+            </a:r>
+            <a:r>
+              <a:rPr lang="tr-TR" dirty="0"/>
+              <a:t>, IBM PC, </a:t>
+            </a:r>
+            <a:r>
+              <a:rPr lang="tr-TR" dirty="0" smtClean="0"/>
+              <a:t>Basic Interpreter, </a:t>
+            </a:r>
+            <a:r>
+              <a:rPr lang="tr-TR" dirty="0"/>
+              <a:t>DOS, </a:t>
+            </a:r>
+            <a:r>
+              <a:rPr lang="tr-TR" dirty="0" smtClean="0"/>
+              <a:t>MS-DOS</a:t>
+            </a:r>
+          </a:p>
+          <a:p>
+            <a:r>
+              <a:rPr lang="tr-TR" dirty="0" smtClean="0"/>
+              <a:t>GUI, Lisa, Apple</a:t>
+            </a:r>
+            <a:r>
+              <a:rPr lang="tr-TR" dirty="0"/>
+              <a:t>: kullanıcı </a:t>
+            </a:r>
+            <a:r>
+              <a:rPr lang="tr-TR" dirty="0" smtClean="0"/>
+              <a:t>dostu</a:t>
+            </a:r>
+          </a:p>
+          <a:p>
+            <a:r>
+              <a:rPr lang="tr-TR" dirty="0" smtClean="0"/>
+              <a:t>Grafik </a:t>
+            </a:r>
+            <a:r>
+              <a:rPr lang="tr-TR" dirty="0" err="1" smtClean="0"/>
+              <a:t>arayüzlü</a:t>
+            </a:r>
+            <a:r>
+              <a:rPr lang="tr-TR" dirty="0" smtClean="0"/>
+              <a:t> MS-DOS, Win95/98/ME, </a:t>
+            </a:r>
+            <a:r>
+              <a:rPr lang="tr-TR" dirty="0" err="1" smtClean="0"/>
+              <a:t>winNT</a:t>
+            </a:r>
+            <a:r>
+              <a:rPr lang="tr-TR" dirty="0" smtClean="0"/>
+              <a:t>/XP</a:t>
+            </a:r>
+            <a:endParaRPr lang="tr-TR" dirty="0"/>
+          </a:p>
+          <a:p>
+            <a:endParaRPr lang="tr-TR" dirty="0"/>
+          </a:p>
+          <a:p>
+            <a:endParaRPr lang="tr-TR" dirty="0"/>
+          </a:p>
+        </p:txBody>
+      </p:sp>
+    </p:spTree>
+    <p:extLst>
+      <p:ext uri="{BB962C8B-B14F-4D97-AF65-F5344CB8AC3E}">
+        <p14:creationId xmlns:p14="http://schemas.microsoft.com/office/powerpoint/2010/main" val="2326408931"/>
+      </p:ext>
+    </p:extLst>
+  </p:cSld>
+  <p:clrMapOvr>
+    <a:masterClrMapping/>
+  </p:clrMapOvr>
+  <p:timing>
+    <p:tnLst>
+      <p:par>
+        <p:cTn id="1" dur="indefinite" restart="never" nodeType="tmRoot"/>
+      </p:par>
+    </p:tnLst>
+  </p:timing>
+</p:sld>
+</file>
+
+<file path=ppt/slides/slide21.xml><?xml version="1.0" encoding="utf-8"?>
 <p:sld xmlns:a="http://schemas.openxmlformats.org/drawingml/2006/main" xmlns:r="http://schemas.openxmlformats.org/officeDocument/2006/relationships" xmlns:p="http://schemas.openxmlformats.org/presentationml/2006/main">
   <p:cSld>
     <p:spTree>
@@ -4258,7 +5586,7 @@
 </p:sld>
 </file>
 
-<file path=ppt/slides/slide16.xml><?xml version="1.0" encoding="utf-8"?>
+<file path=ppt/slides/slide22.xml><?xml version="1.0" encoding="utf-8"?>
 <p:sld xmlns:a="http://schemas.openxmlformats.org/drawingml/2006/main" xmlns:r="http://schemas.openxmlformats.org/officeDocument/2006/relationships" xmlns:p="http://schemas.openxmlformats.org/presentationml/2006/main">
   <p:cSld>
     <p:spTree>
@@ -4426,7 +5754,265 @@
 </p:sld>
 </file>
 
-<file path=ppt/slides/slide17.xml><?xml version="1.0" encoding="utf-8"?>
+<file path=ppt/slides/slide23.xml><?xml version="1.0" encoding="utf-8"?>
+<p:sld xmlns:a="http://schemas.openxmlformats.org/drawingml/2006/main" xmlns:r="http://schemas.openxmlformats.org/officeDocument/2006/relationships" xmlns:p="http://schemas.openxmlformats.org/presentationml/2006/main">
+  <p:cSld>
+    <p:spTree>
+      <p:nvGrpSpPr>
+        <p:cNvPr id="1" name=""/>
+        <p:cNvGrpSpPr/>
+        <p:nvPr/>
+      </p:nvGrpSpPr>
+      <p:grpSpPr>
+        <a:xfrm>
+          <a:off x="0" y="0"/>
+          <a:ext cx="0" cy="0"/>
+          <a:chOff x="0" y="0"/>
+          <a:chExt cx="0" cy="0"/>
+        </a:xfrm>
+      </p:grpSpPr>
+      <p:sp>
+        <p:nvSpPr>
+          <p:cNvPr id="2" name="Title 1"/>
+          <p:cNvSpPr>
+            <a:spLocks noGrp="1"/>
+          </p:cNvSpPr>
+          <p:nvPr>
+            <p:ph type="title"/>
+          </p:nvPr>
+        </p:nvSpPr>
+        <p:spPr/>
+        <p:txBody>
+          <a:bodyPr/>
+          <a:lstStyle/>
+          <a:p>
+            <a:r>
+              <a:rPr lang="tr-TR" dirty="0" smtClean="0"/>
+              <a:t>İşlemciler</a:t>
+            </a:r>
+            <a:endParaRPr lang="tr-TR" dirty="0"/>
+          </a:p>
+        </p:txBody>
+      </p:sp>
+      <p:sp>
+        <p:nvSpPr>
+          <p:cNvPr id="3" name="Content Placeholder 2"/>
+          <p:cNvSpPr>
+            <a:spLocks noGrp="1"/>
+          </p:cNvSpPr>
+          <p:nvPr>
+            <p:ph idx="1"/>
+          </p:nvPr>
+        </p:nvSpPr>
+        <p:spPr>
+          <a:xfrm>
+            <a:off x="838200" y="1825625"/>
+            <a:ext cx="10515600" cy="4680000"/>
+          </a:xfrm>
+        </p:spPr>
+        <p:txBody>
+          <a:bodyPr>
+            <a:normAutofit lnSpcReduction="10000"/>
+          </a:bodyPr>
+          <a:lstStyle/>
+          <a:p>
+            <a:r>
+              <a:rPr lang="tr-TR" dirty="0" smtClean="0"/>
+              <a:t>Bilgisayarın beyni</a:t>
+            </a:r>
+          </a:p>
+          <a:p>
+            <a:r>
+              <a:rPr lang="tr-TR" dirty="0" smtClean="0"/>
+              <a:t>Komutu </a:t>
+            </a:r>
+            <a:r>
+              <a:rPr lang="tr-TR" dirty="0"/>
+              <a:t>bellekten alır ve </a:t>
+            </a:r>
+            <a:r>
+              <a:rPr lang="tr-TR" dirty="0" smtClean="0"/>
+              <a:t>yürütür</a:t>
+            </a:r>
+          </a:p>
+          <a:p>
+            <a:r>
+              <a:rPr lang="tr-TR" dirty="0" smtClean="0"/>
+              <a:t>CPU </a:t>
+            </a:r>
+            <a:r>
+              <a:rPr lang="tr-TR" dirty="0"/>
+              <a:t>Döngüsü</a:t>
+            </a:r>
+            <a:r>
+              <a:rPr lang="tr-TR" dirty="0" smtClean="0"/>
+              <a:t>:</a:t>
+            </a:r>
+          </a:p>
+          <a:p>
+            <a:pPr lvl="1"/>
+            <a:r>
+              <a:rPr lang="tr-TR" dirty="0" smtClean="0"/>
+              <a:t>Getir (</a:t>
+            </a:r>
+            <a:r>
+              <a:rPr lang="tr-TR" dirty="0" err="1" smtClean="0"/>
+              <a:t>fetch</a:t>
+            </a:r>
+            <a:r>
+              <a:rPr lang="tr-TR" dirty="0" smtClean="0"/>
+              <a:t>), </a:t>
+            </a:r>
+            <a:r>
+              <a:rPr lang="tr-TR" dirty="0"/>
+              <a:t>kodunu </a:t>
+            </a:r>
+            <a:r>
+              <a:rPr lang="tr-TR" dirty="0" smtClean="0"/>
+              <a:t>çöz (</a:t>
+            </a:r>
+            <a:r>
+              <a:rPr lang="tr-TR" dirty="0" err="1" smtClean="0"/>
+              <a:t>decode</a:t>
+            </a:r>
+            <a:r>
+              <a:rPr lang="tr-TR" dirty="0" smtClean="0"/>
+              <a:t>), yürüt (</a:t>
+            </a:r>
+            <a:r>
+              <a:rPr lang="tr-TR" dirty="0" err="1" smtClean="0"/>
+              <a:t>execute</a:t>
+            </a:r>
+            <a:r>
+              <a:rPr lang="tr-TR" dirty="0" smtClean="0"/>
+              <a:t>)</a:t>
+            </a:r>
+          </a:p>
+          <a:p>
+            <a:r>
+              <a:rPr lang="tr-TR" dirty="0" smtClean="0"/>
+              <a:t>CPU</a:t>
+            </a:r>
+            <a:r>
+              <a:rPr lang="tr-TR" dirty="0"/>
+              <a:t>, </a:t>
+            </a:r>
+            <a:r>
+              <a:rPr lang="tr-TR" dirty="0" smtClean="0"/>
+              <a:t>değişken </a:t>
+            </a:r>
+            <a:r>
+              <a:rPr lang="tr-TR" dirty="0"/>
+              <a:t>ve geçici </a:t>
+            </a:r>
+            <a:r>
+              <a:rPr lang="tr-TR" dirty="0" smtClean="0"/>
+              <a:t>sonuçları saklamak için yazmaçlara sahiptir:</a:t>
+            </a:r>
+          </a:p>
+          <a:p>
+            <a:pPr lvl="1"/>
+            <a:r>
+              <a:rPr lang="tr-TR" dirty="0" smtClean="0"/>
+              <a:t>Bellekten yazmaca yükle</a:t>
+            </a:r>
+          </a:p>
+          <a:p>
+            <a:pPr lvl="1"/>
+            <a:r>
+              <a:rPr lang="tr-TR" dirty="0" smtClean="0"/>
+              <a:t>Yazmaçtan belleğe sakla</a:t>
+            </a:r>
+          </a:p>
+          <a:p>
+            <a:r>
+              <a:rPr lang="tr-TR" dirty="0" smtClean="0"/>
+              <a:t>Program </a:t>
+            </a:r>
+            <a:r>
+              <a:rPr lang="tr-TR" dirty="0"/>
+              <a:t>sayacı: </a:t>
+            </a:r>
+            <a:r>
+              <a:rPr lang="tr-TR" dirty="0" smtClean="0"/>
+              <a:t>işletilecek bir </a:t>
+            </a:r>
+            <a:r>
+              <a:rPr lang="tr-TR" dirty="0"/>
+              <a:t>sonraki </a:t>
+            </a:r>
+            <a:r>
+              <a:rPr lang="tr-TR" dirty="0" smtClean="0"/>
+              <a:t>komut</a:t>
+            </a:r>
+          </a:p>
+          <a:p>
+            <a:r>
+              <a:rPr lang="tr-TR" dirty="0" err="1" smtClean="0"/>
+              <a:t>Yığıt</a:t>
+            </a:r>
+            <a:r>
+              <a:rPr lang="tr-TR" dirty="0" smtClean="0"/>
+              <a:t> </a:t>
+            </a:r>
+            <a:r>
+              <a:rPr lang="tr-TR" dirty="0"/>
+              <a:t>işaretçisi: geçerli </a:t>
+            </a:r>
+            <a:r>
+              <a:rPr lang="tr-TR" dirty="0" err="1" smtClean="0"/>
+              <a:t>yığıtın</a:t>
+            </a:r>
+            <a:r>
+              <a:rPr lang="tr-TR" dirty="0" smtClean="0"/>
+              <a:t> en üstü</a:t>
+            </a:r>
+          </a:p>
+          <a:p>
+            <a:r>
+              <a:rPr lang="tr-TR" dirty="0" smtClean="0"/>
+              <a:t>PSW</a:t>
+            </a:r>
+            <a:r>
+              <a:rPr lang="tr-TR" dirty="0"/>
+              <a:t>: program durum sözcüğü, öncelik, </a:t>
+            </a:r>
+            <a:r>
+              <a:rPr lang="tr-TR" dirty="0" err="1" smtClean="0"/>
+              <a:t>mod</a:t>
+            </a:r>
+            <a:r>
+              <a:rPr lang="tr-TR" dirty="0" smtClean="0"/>
+              <a:t>, …</a:t>
+            </a:r>
+            <a:endParaRPr lang="tr-TR" dirty="0"/>
+          </a:p>
+          <a:p>
+            <a:endParaRPr lang="tr-TR" dirty="0"/>
+          </a:p>
+        </p:txBody>
+      </p:sp>
+    </p:spTree>
+    <p:extLst>
+      <p:ext uri="{BB962C8B-B14F-4D97-AF65-F5344CB8AC3E}">
+        <p14:creationId xmlns:p14="http://schemas.microsoft.com/office/powerpoint/2010/main" val="2399869209"/>
+      </p:ext>
+    </p:extLst>
+  </p:cSld>
+  <p:clrMapOvr>
+    <a:masterClrMapping/>
+  </p:clrMapOvr>
+  <p:timing>
+    <p:tnLst>
+      <p:par>
+        <p:cTn id="1" dur="indefinite" restart="never" nodeType="tmRoot"/>
+      </p:par>
+    </p:tnLst>
+  </p:timing>
+</p:sld>
+</file>
+
+<file path=ppt/slides/slide24.xml><?xml version="1.0" encoding="utf-8"?>
 <p:sld xmlns:a="http://schemas.openxmlformats.org/drawingml/2006/main" xmlns:r="http://schemas.openxmlformats.org/officeDocument/2006/relationships" xmlns:p="http://schemas.openxmlformats.org/presentationml/2006/main">
   <p:cSld>
     <p:spTree>
@@ -4613,7 +6199,7 @@
 </p:sld>
 </file>
 
-<file path=ppt/slides/slide18.xml><?xml version="1.0" encoding="utf-8"?>
+<file path=ppt/slides/slide25.xml><?xml version="1.0" encoding="utf-8"?>
 <p:sld xmlns:a="http://schemas.openxmlformats.org/drawingml/2006/main" xmlns:r="http://schemas.openxmlformats.org/officeDocument/2006/relationships" xmlns:p="http://schemas.openxmlformats.org/presentationml/2006/main">
   <p:cSld>
     <p:spTree>
@@ -4753,7 +6339,7 @@
     </p:spTree>
     <p:extLst>
       <p:ext uri="{BB962C8B-B14F-4D97-AF65-F5344CB8AC3E}">
-        <p14:creationId xmlns:p14="http://schemas.microsoft.com/office/powerpoint/2010/main" val="1357874047"/>
+        <p14:creationId xmlns:p14="http://schemas.microsoft.com/office/powerpoint/2010/main" val="2217197026"/>
       </p:ext>
     </p:extLst>
   </p:cSld>
@@ -4770,7 +6356,7 @@
 </p:sld>
 </file>
 
-<file path=ppt/slides/slide19.xml><?xml version="1.0" encoding="utf-8"?>
+<file path=ppt/slides/slide26.xml><?xml version="1.0" encoding="utf-8"?>
 <p:sld xmlns:a="http://schemas.openxmlformats.org/drawingml/2006/main" xmlns:r="http://schemas.openxmlformats.org/officeDocument/2006/relationships" xmlns:p="http://schemas.openxmlformats.org/presentationml/2006/main">
   <p:cSld>
     <p:spTree>
@@ -4963,7 +6549,7 @@
 </p:sld>
 </file>
 
-<file path=ppt/slides/slide2.xml><?xml version="1.0" encoding="utf-8"?>
+<file path=ppt/slides/slide27.xml><?xml version="1.0" encoding="utf-8"?>
 <p:sld xmlns:a="http://schemas.openxmlformats.org/drawingml/2006/main" xmlns:r="http://schemas.openxmlformats.org/officeDocument/2006/relationships" xmlns:p="http://schemas.openxmlformats.org/presentationml/2006/main">
   <p:cSld>
     <p:spTree>
@@ -4996,8 +6582,8 @@
           <a:lstStyle/>
           <a:p>
             <a:r>
-              <a:rPr lang="tr-TR" dirty="0"/>
-              <a:t>Modern Bilgisayarın Bileşenleri:</a:t>
+              <a:rPr lang="tr-TR" dirty="0" smtClean="0"/>
+              <a:t>Ana Bellek</a:t>
             </a:r>
             <a:endParaRPr lang="tr-TR" dirty="0"/>
           </a:p>
@@ -5026,57 +6612,143 @@
           <a:lstStyle/>
           <a:p>
             <a:r>
-              <a:rPr lang="tr-TR" dirty="0"/>
-              <a:t>Bir veya daha fazla işlemci</a:t>
-            </a:r>
-          </a:p>
-          <a:p>
-            <a:r>
-              <a:rPr lang="tr-TR" dirty="0"/>
-              <a:t>Ana bellek</a:t>
-            </a:r>
-          </a:p>
-          <a:p>
-            <a:r>
-              <a:rPr lang="tr-TR" dirty="0"/>
-              <a:t>Diskler</a:t>
-            </a:r>
-          </a:p>
-          <a:p>
-            <a:r>
-              <a:rPr lang="tr-TR" dirty="0"/>
-              <a:t>Yazıcılar</a:t>
-            </a:r>
-          </a:p>
-          <a:p>
-            <a:r>
-              <a:rPr lang="tr-TR" dirty="0"/>
-              <a:t>Klavye</a:t>
-            </a:r>
-          </a:p>
-          <a:p>
-            <a:r>
-              <a:rPr lang="tr-TR" dirty="0"/>
-              <a:t>Fare</a:t>
-            </a:r>
-          </a:p>
-          <a:p>
-            <a:r>
-              <a:rPr lang="tr-TR" dirty="0"/>
-              <a:t>Ekran</a:t>
-            </a:r>
-          </a:p>
-          <a:p>
-            <a:r>
-              <a:rPr lang="tr-TR" dirty="0"/>
-              <a:t>Ağ arayüzleri</a:t>
-            </a:r>
-          </a:p>
-          <a:p>
-            <a:r>
-              <a:rPr lang="tr-TR" dirty="0"/>
-              <a:t>G/Ç cihazları</a:t>
-            </a:r>
+              <a:rPr lang="tr-TR" dirty="0" smtClean="0"/>
+              <a:t>RAM, (</a:t>
+            </a:r>
+            <a:r>
+              <a:rPr lang="tr-TR" dirty="0" err="1" smtClean="0"/>
+              <a:t>random</a:t>
+            </a:r>
+            <a:r>
+              <a:rPr lang="tr-TR" dirty="0" smtClean="0"/>
+              <a:t> </a:t>
+            </a:r>
+            <a:r>
+              <a:rPr lang="tr-TR" dirty="0" err="1" smtClean="0"/>
+              <a:t>access</a:t>
+            </a:r>
+            <a:r>
+              <a:rPr lang="tr-TR" dirty="0" smtClean="0"/>
+              <a:t> </a:t>
+            </a:r>
+            <a:r>
+              <a:rPr lang="tr-TR" dirty="0" err="1" smtClean="0"/>
+              <a:t>memory</a:t>
+            </a:r>
+            <a:r>
+              <a:rPr lang="tr-TR" dirty="0" smtClean="0"/>
+              <a:t>)</a:t>
+            </a:r>
+          </a:p>
+          <a:p>
+            <a:pPr lvl="1"/>
+            <a:r>
+              <a:rPr lang="tr-TR" dirty="0" smtClean="0"/>
+              <a:t>değiştirilebilir, hızlı, pahalı</a:t>
+            </a:r>
+            <a:endParaRPr lang="tr-TR" dirty="0"/>
+          </a:p>
+          <a:p>
+            <a:r>
+              <a:rPr lang="tr-TR" dirty="0" smtClean="0"/>
+              <a:t>ROM, (</a:t>
+            </a:r>
+            <a:r>
+              <a:rPr lang="tr-TR" dirty="0" err="1" smtClean="0"/>
+              <a:t>read</a:t>
+            </a:r>
+            <a:r>
+              <a:rPr lang="tr-TR" dirty="0" smtClean="0"/>
+              <a:t> </a:t>
+            </a:r>
+            <a:r>
+              <a:rPr lang="tr-TR" dirty="0" err="1" smtClean="0"/>
+              <a:t>only</a:t>
+            </a:r>
+            <a:r>
+              <a:rPr lang="tr-TR" dirty="0" smtClean="0"/>
+              <a:t> </a:t>
+            </a:r>
+            <a:r>
+              <a:rPr lang="tr-TR" dirty="0" err="1" smtClean="0"/>
+              <a:t>memory</a:t>
+            </a:r>
+            <a:r>
+              <a:rPr lang="tr-TR" dirty="0" smtClean="0"/>
+              <a:t>)</a:t>
+            </a:r>
+          </a:p>
+          <a:p>
+            <a:pPr lvl="1"/>
+            <a:r>
+              <a:rPr lang="tr-TR" dirty="0" smtClean="0"/>
+              <a:t>değiştirilemez, hızlı, ucuz</a:t>
+            </a:r>
+            <a:endParaRPr lang="tr-TR" dirty="0"/>
+          </a:p>
+          <a:p>
+            <a:pPr lvl="1"/>
+            <a:r>
+              <a:rPr lang="tr-TR" dirty="0" smtClean="0"/>
+              <a:t>BIOS, İşletim sistemi yükleyici ..</a:t>
+            </a:r>
+            <a:endParaRPr lang="tr-TR" dirty="0"/>
+          </a:p>
+          <a:p>
+            <a:r>
+              <a:rPr lang="tr-TR" dirty="0"/>
+              <a:t>EEPROM (</a:t>
+            </a:r>
+            <a:r>
+              <a:rPr lang="tr-TR" dirty="0" err="1"/>
+              <a:t>Electrically</a:t>
+            </a:r>
+            <a:r>
+              <a:rPr lang="tr-TR" dirty="0"/>
+              <a:t> </a:t>
+            </a:r>
+            <a:r>
+              <a:rPr lang="tr-TR" dirty="0" err="1"/>
+              <a:t>Erasable</a:t>
+            </a:r>
+            <a:r>
+              <a:rPr lang="tr-TR" dirty="0"/>
+              <a:t> </a:t>
+            </a:r>
+            <a:r>
+              <a:rPr lang="tr-TR" dirty="0" err="1" smtClean="0"/>
+              <a:t>Programmable</a:t>
+            </a:r>
+            <a:r>
+              <a:rPr lang="tr-TR" dirty="0" smtClean="0"/>
+              <a:t> ROM</a:t>
+            </a:r>
+            <a:r>
+              <a:rPr lang="tr-TR" dirty="0"/>
+              <a:t>) </a:t>
+            </a:r>
+            <a:endParaRPr lang="tr-TR" dirty="0" smtClean="0"/>
+          </a:p>
+          <a:p>
+            <a:pPr lvl="1"/>
+            <a:r>
+              <a:rPr lang="tr-TR" dirty="0" smtClean="0"/>
+              <a:t>Yeniden yazılabilir, yavaş</a:t>
+            </a:r>
+            <a:endParaRPr lang="tr-TR" dirty="0"/>
+          </a:p>
+          <a:p>
+            <a:pPr lvl="1"/>
+            <a:r>
+              <a:rPr lang="tr-TR" dirty="0" smtClean="0"/>
+              <a:t>Taşınabilir müzik oynatıcılarındaki diskler ..</a:t>
+            </a:r>
+            <a:endParaRPr lang="tr-TR" dirty="0"/>
+          </a:p>
+          <a:p>
+            <a:endParaRPr lang="tr-TR" dirty="0" smtClean="0"/>
+          </a:p>
+          <a:p>
             <a:endParaRPr lang="tr-TR" dirty="0"/>
           </a:p>
         </p:txBody>
@@ -5084,7 +6756,7 @@
     </p:spTree>
     <p:extLst>
       <p:ext uri="{BB962C8B-B14F-4D97-AF65-F5344CB8AC3E}">
-        <p14:creationId xmlns:p14="http://schemas.microsoft.com/office/powerpoint/2010/main" val="4188232905"/>
+        <p14:creationId xmlns:p14="http://schemas.microsoft.com/office/powerpoint/2010/main" val="583322204"/>
       </p:ext>
     </p:extLst>
   </p:cSld>
@@ -5101,7 +6773,7 @@
 </p:sld>
 </file>
 
-<file path=ppt/slides/slide20.xml><?xml version="1.0" encoding="utf-8"?>
+<file path=ppt/slides/slide28.xml><?xml version="1.0" encoding="utf-8"?>
 <p:sld xmlns:a="http://schemas.openxmlformats.org/drawingml/2006/main" xmlns:r="http://schemas.openxmlformats.org/officeDocument/2006/relationships" xmlns:p="http://schemas.openxmlformats.org/presentationml/2006/main">
   <p:cSld>
     <p:spTree>
@@ -5260,7 +6932,591 @@
 </p:sld>
 </file>
 
-<file path=ppt/slides/slide21.xml><?xml version="1.0" encoding="utf-8"?>
+<file path=ppt/slides/slide29.xml><?xml version="1.0" encoding="utf-8"?>
+<p:sld xmlns:a="http://schemas.openxmlformats.org/drawingml/2006/main" xmlns:r="http://schemas.openxmlformats.org/officeDocument/2006/relationships" xmlns:p="http://schemas.openxmlformats.org/presentationml/2006/main">
+  <p:cSld>
+    <p:spTree>
+      <p:nvGrpSpPr>
+        <p:cNvPr id="1" name=""/>
+        <p:cNvGrpSpPr/>
+        <p:nvPr/>
+      </p:nvGrpSpPr>
+      <p:grpSpPr>
+        <a:xfrm>
+          <a:off x="0" y="0"/>
+          <a:ext cx="0" cy="0"/>
+          <a:chOff x="0" y="0"/>
+          <a:chExt cx="0" cy="0"/>
+        </a:xfrm>
+      </p:grpSpPr>
+      <p:sp>
+        <p:nvSpPr>
+          <p:cNvPr id="2" name="Title 1"/>
+          <p:cNvSpPr>
+            <a:spLocks noGrp="1"/>
+          </p:cNvSpPr>
+          <p:nvPr>
+            <p:ph type="title"/>
+          </p:nvPr>
+        </p:nvSpPr>
+        <p:spPr/>
+        <p:txBody>
+          <a:bodyPr/>
+          <a:lstStyle/>
+          <a:p>
+            <a:r>
+              <a:rPr lang="tr-TR" dirty="0" smtClean="0"/>
+              <a:t>Bellek</a:t>
+            </a:r>
+            <a:endParaRPr lang="tr-TR" dirty="0"/>
+          </a:p>
+        </p:txBody>
+      </p:sp>
+      <p:sp>
+        <p:nvSpPr>
+          <p:cNvPr id="3" name="Content Placeholder 2"/>
+          <p:cNvSpPr>
+            <a:spLocks noGrp="1"/>
+          </p:cNvSpPr>
+          <p:nvPr>
+            <p:ph idx="1"/>
+          </p:nvPr>
+        </p:nvSpPr>
+        <p:spPr>
+          <a:xfrm>
+            <a:off x="838200" y="1825625"/>
+            <a:ext cx="10515600" cy="4680000"/>
+          </a:xfrm>
+        </p:spPr>
+        <p:txBody>
+          <a:bodyPr>
+            <a:normAutofit/>
+          </a:bodyPr>
+          <a:lstStyle/>
+          <a:p>
+            <a:r>
+              <a:rPr lang="tr-TR" dirty="0"/>
+              <a:t>Bellek, bilgisayarın verileri alıp depoladığı </a:t>
+            </a:r>
+            <a:r>
+              <a:rPr lang="tr-TR" dirty="0" smtClean="0"/>
+              <a:t>yerdir</a:t>
+            </a:r>
+          </a:p>
+          <a:p>
+            <a:r>
+              <a:rPr lang="tr-TR" dirty="0" smtClean="0"/>
+              <a:t>İdeal </a:t>
+            </a:r>
+            <a:r>
+              <a:rPr lang="tr-TR" dirty="0"/>
+              <a:t>olarak, </a:t>
+            </a:r>
+            <a:r>
+              <a:rPr lang="tr-TR" dirty="0" smtClean="0"/>
+              <a:t>çip şeklinde ve büyük olmalıdır</a:t>
+            </a:r>
+          </a:p>
+          <a:p>
+            <a:r>
+              <a:rPr lang="tr-TR" dirty="0" smtClean="0"/>
+              <a:t>Bellek hiyerarşisi göz önünde bulundurulmalıdır</a:t>
+            </a:r>
+          </a:p>
+          <a:p>
+            <a:r>
+              <a:rPr lang="tr-TR" dirty="0" smtClean="0"/>
+              <a:t>Önbellek </a:t>
+            </a:r>
+            <a:r>
+              <a:rPr lang="tr-TR" dirty="0"/>
+              <a:t>satırları</a:t>
+            </a:r>
+            <a:r>
+              <a:rPr lang="tr-TR" dirty="0" smtClean="0"/>
+              <a:t>:</a:t>
+            </a:r>
+          </a:p>
+          <a:p>
+            <a:pPr lvl="1"/>
+            <a:r>
+              <a:rPr lang="tr-TR" dirty="0" smtClean="0"/>
+              <a:t>Bellek, önbellek </a:t>
+            </a:r>
+            <a:r>
+              <a:rPr lang="tr-TR" dirty="0"/>
+              <a:t>satırlarına </a:t>
+            </a:r>
+            <a:r>
+              <a:rPr lang="tr-TR" dirty="0" smtClean="0"/>
+              <a:t>bölünür; </a:t>
+            </a:r>
+            <a:r>
+              <a:rPr lang="tr-TR" dirty="0"/>
+              <a:t>en çok kullanılanlar </a:t>
+            </a:r>
+            <a:r>
+              <a:rPr lang="tr-TR" dirty="0" smtClean="0"/>
+              <a:t>önbellekte saklanır</a:t>
+            </a:r>
+          </a:p>
+          <a:p>
+            <a:pPr lvl="1"/>
+            <a:r>
+              <a:rPr lang="tr-TR" dirty="0" err="1" smtClean="0"/>
+              <a:t>Cache</a:t>
+            </a:r>
+            <a:r>
+              <a:rPr lang="tr-TR" dirty="0" smtClean="0"/>
+              <a:t> hit/</a:t>
+            </a:r>
+            <a:r>
+              <a:rPr lang="tr-TR" dirty="0" err="1" smtClean="0"/>
+              <a:t>miss</a:t>
+            </a:r>
+            <a:r>
+              <a:rPr lang="tr-TR" dirty="0" smtClean="0"/>
+              <a:t>, aranan verinin önbellekte olup/olmaması</a:t>
+            </a:r>
+          </a:p>
+          <a:p>
+            <a:pPr lvl="1"/>
+            <a:r>
+              <a:rPr lang="tr-TR" dirty="0" smtClean="0"/>
+              <a:t>Performansı </a:t>
+            </a:r>
+            <a:r>
+              <a:rPr lang="tr-TR" dirty="0"/>
+              <a:t>artırmak için kullanılır</a:t>
+            </a:r>
+          </a:p>
+          <a:p>
+            <a:endParaRPr lang="tr-TR" dirty="0"/>
+          </a:p>
+          <a:p>
+            <a:endParaRPr lang="tr-TR" dirty="0"/>
+          </a:p>
+        </p:txBody>
+      </p:sp>
+    </p:spTree>
+    <p:extLst>
+      <p:ext uri="{BB962C8B-B14F-4D97-AF65-F5344CB8AC3E}">
+        <p14:creationId xmlns:p14="http://schemas.microsoft.com/office/powerpoint/2010/main" val="280212725"/>
+      </p:ext>
+    </p:extLst>
+  </p:cSld>
+  <p:clrMapOvr>
+    <a:masterClrMapping/>
+  </p:clrMapOvr>
+  <p:timing>
+    <p:tnLst>
+      <p:par>
+        <p:cTn id="1" dur="indefinite" restart="never" nodeType="tmRoot"/>
+      </p:par>
+    </p:tnLst>
+  </p:timing>
+</p:sld>
+</file>
+
+<file path=ppt/slides/slide3.xml><?xml version="1.0" encoding="utf-8"?>
+<p:sld xmlns:a="http://schemas.openxmlformats.org/drawingml/2006/main" xmlns:r="http://schemas.openxmlformats.org/officeDocument/2006/relationships" xmlns:p="http://schemas.openxmlformats.org/presentationml/2006/main">
+  <p:cSld>
+    <p:spTree>
+      <p:nvGrpSpPr>
+        <p:cNvPr id="1" name=""/>
+        <p:cNvGrpSpPr/>
+        <p:nvPr/>
+      </p:nvGrpSpPr>
+      <p:grpSpPr>
+        <a:xfrm>
+          <a:off x="0" y="0"/>
+          <a:ext cx="0" cy="0"/>
+          <a:chOff x="0" y="0"/>
+          <a:chExt cx="0" cy="0"/>
+        </a:xfrm>
+      </p:grpSpPr>
+      <p:sp>
+        <p:nvSpPr>
+          <p:cNvPr id="2" name="Title 1"/>
+          <p:cNvSpPr>
+            <a:spLocks noGrp="1"/>
+          </p:cNvSpPr>
+          <p:nvPr>
+            <p:ph type="title"/>
+          </p:nvPr>
+        </p:nvSpPr>
+        <p:spPr/>
+        <p:txBody>
+          <a:bodyPr/>
+          <a:lstStyle/>
+          <a:p>
+            <a:r>
+              <a:rPr lang="tr-TR" dirty="0" smtClean="0"/>
+              <a:t>İşletim Sistemi</a:t>
+            </a:r>
+            <a:endParaRPr lang="tr-TR" dirty="0"/>
+          </a:p>
+        </p:txBody>
+      </p:sp>
+      <p:sp>
+        <p:nvSpPr>
+          <p:cNvPr id="3" name="Content Placeholder 2"/>
+          <p:cNvSpPr>
+            <a:spLocks noGrp="1"/>
+          </p:cNvSpPr>
+          <p:nvPr>
+            <p:ph idx="1"/>
+          </p:nvPr>
+        </p:nvSpPr>
+        <p:spPr>
+          <a:xfrm>
+            <a:off x="838200" y="1825625"/>
+            <a:ext cx="10515600" cy="4680000"/>
+          </a:xfrm>
+        </p:spPr>
+        <p:txBody>
+          <a:bodyPr>
+            <a:normAutofit/>
+          </a:bodyPr>
+          <a:lstStyle/>
+          <a:p>
+            <a:r>
+              <a:rPr lang="tr-TR" dirty="0"/>
+              <a:t>Modern </a:t>
+            </a:r>
+            <a:r>
+              <a:rPr lang="tr-TR" dirty="0" smtClean="0"/>
+              <a:t>bilgisayar </a:t>
+            </a:r>
+            <a:r>
+              <a:rPr lang="tr-TR" dirty="0"/>
+              <a:t>çok karmaşıktır</a:t>
+            </a:r>
+            <a:r>
+              <a:rPr lang="tr-TR" dirty="0" smtClean="0"/>
+              <a:t>.</a:t>
+            </a:r>
+          </a:p>
+          <a:p>
+            <a:r>
+              <a:rPr lang="tr-TR" dirty="0" smtClean="0"/>
+              <a:t>Uygulama </a:t>
+            </a:r>
+            <a:r>
+              <a:rPr lang="tr-TR" dirty="0"/>
+              <a:t>programcısının her detayı </a:t>
+            </a:r>
+            <a:r>
+              <a:rPr lang="tr-TR" dirty="0" smtClean="0"/>
+              <a:t>bilmesi </a:t>
+            </a:r>
+            <a:r>
+              <a:rPr lang="tr-TR" dirty="0"/>
+              <a:t>imkansızdır</a:t>
+            </a:r>
+            <a:r>
+              <a:rPr lang="tr-TR" dirty="0" smtClean="0"/>
+              <a:t>.</a:t>
+            </a:r>
+          </a:p>
+          <a:p>
+            <a:r>
+              <a:rPr lang="tr-TR" dirty="0" smtClean="0"/>
+              <a:t>Kaynakları daha </a:t>
+            </a:r>
+            <a:r>
+              <a:rPr lang="tr-TR" dirty="0"/>
+              <a:t>iyi, daha basit, </a:t>
+            </a:r>
+            <a:r>
+              <a:rPr lang="tr-TR" dirty="0" smtClean="0"/>
+              <a:t>ve daha sade yönetebilmek </a:t>
+            </a:r>
+            <a:r>
+              <a:rPr lang="tr-TR" dirty="0"/>
+              <a:t>için bir bilgisayar yazılımı katmanı </a:t>
+            </a:r>
+            <a:r>
+              <a:rPr lang="tr-TR" dirty="0" smtClean="0"/>
+              <a:t>gereklidir.</a:t>
+            </a:r>
+          </a:p>
+          <a:p>
+            <a:r>
+              <a:rPr lang="tr-TR" dirty="0" smtClean="0"/>
+              <a:t>Çeşitli işletim sistemleri; Windows, Linux, </a:t>
+            </a:r>
+            <a:r>
+              <a:rPr lang="tr-TR" dirty="0" err="1" smtClean="0"/>
+              <a:t>MacOS</a:t>
+            </a:r>
+            <a:endParaRPr lang="tr-TR" dirty="0" smtClean="0"/>
+          </a:p>
+          <a:p>
+            <a:r>
+              <a:rPr lang="tr-TR" dirty="0"/>
+              <a:t>Kullanıcı, kabuk veya </a:t>
+            </a:r>
+            <a:r>
+              <a:rPr lang="tr-TR" dirty="0" smtClean="0"/>
+              <a:t>GKA </a:t>
+            </a:r>
+            <a:r>
+              <a:rPr lang="tr-TR" dirty="0"/>
+              <a:t>ile etkileşime </a:t>
+            </a:r>
+            <a:r>
+              <a:rPr lang="tr-TR" dirty="0" smtClean="0"/>
+              <a:t>girer.</a:t>
+            </a:r>
+          </a:p>
+          <a:p>
+            <a:r>
+              <a:rPr lang="tr-TR" dirty="0" smtClean="0"/>
+              <a:t>Kabuk ve GKA </a:t>
+            </a:r>
+            <a:r>
+              <a:rPr lang="tr-TR" dirty="0"/>
+              <a:t>işletim sisteminin bir parçası mı?</a:t>
+            </a:r>
+            <a:endParaRPr lang="tr-TR" dirty="0" smtClean="0"/>
+          </a:p>
+          <a:p>
+            <a:r>
+              <a:rPr lang="tr-TR" dirty="0"/>
+              <a:t>Aygıt sürücüsü işletim sisteminin bir parçası mı?</a:t>
+            </a:r>
+          </a:p>
+        </p:txBody>
+      </p:sp>
+    </p:spTree>
+    <p:extLst>
+      <p:ext uri="{BB962C8B-B14F-4D97-AF65-F5344CB8AC3E}">
+        <p14:creationId xmlns:p14="http://schemas.microsoft.com/office/powerpoint/2010/main" val="3374191152"/>
+      </p:ext>
+    </p:extLst>
+  </p:cSld>
+  <p:clrMapOvr>
+    <a:masterClrMapping/>
+  </p:clrMapOvr>
+  <p:timing>
+    <p:tnLst>
+      <p:par>
+        <p:cTn id="1" dur="indefinite" restart="never" nodeType="tmRoot"/>
+      </p:par>
+    </p:tnLst>
+  </p:timing>
+</p:sld>
+</file>
+
+<file path=ppt/slides/slide30.xml><?xml version="1.0" encoding="utf-8"?>
+<p:sld xmlns:a="http://schemas.openxmlformats.org/drawingml/2006/main" xmlns:r="http://schemas.openxmlformats.org/officeDocument/2006/relationships" xmlns:p="http://schemas.openxmlformats.org/presentationml/2006/main">
+  <p:cSld>
+    <p:spTree>
+      <p:nvGrpSpPr>
+        <p:cNvPr id="1" name=""/>
+        <p:cNvGrpSpPr/>
+        <p:nvPr/>
+      </p:nvGrpSpPr>
+      <p:grpSpPr>
+        <a:xfrm>
+          <a:off x="0" y="0"/>
+          <a:ext cx="0" cy="0"/>
+          <a:chOff x="0" y="0"/>
+          <a:chExt cx="0" cy="0"/>
+        </a:xfrm>
+      </p:grpSpPr>
+      <p:sp>
+        <p:nvSpPr>
+          <p:cNvPr id="2" name="Title 1"/>
+          <p:cNvSpPr>
+            <a:spLocks noGrp="1"/>
+          </p:cNvSpPr>
+          <p:nvPr>
+            <p:ph type="title"/>
+          </p:nvPr>
+        </p:nvSpPr>
+        <p:spPr/>
+        <p:txBody>
+          <a:bodyPr/>
+          <a:lstStyle/>
+          <a:p>
+            <a:r>
+              <a:rPr lang="tr-TR" dirty="0" smtClean="0"/>
+              <a:t>Önbellek</a:t>
+            </a:r>
+            <a:endParaRPr lang="tr-TR" dirty="0"/>
+          </a:p>
+        </p:txBody>
+      </p:sp>
+      <p:sp>
+        <p:nvSpPr>
+          <p:cNvPr id="3" name="Content Placeholder 2"/>
+          <p:cNvSpPr>
+            <a:spLocks noGrp="1"/>
+          </p:cNvSpPr>
+          <p:nvPr>
+            <p:ph idx="1"/>
+          </p:nvPr>
+        </p:nvSpPr>
+        <p:spPr>
+          <a:xfrm>
+            <a:off x="838200" y="1825625"/>
+            <a:ext cx="10515600" cy="4680000"/>
+          </a:xfrm>
+        </p:spPr>
+        <p:txBody>
+          <a:bodyPr>
+            <a:normAutofit/>
+          </a:bodyPr>
+          <a:lstStyle/>
+          <a:p>
+            <a:r>
+              <a:rPr lang="tr-TR" dirty="0"/>
+              <a:t>Ana bellek, önbellek satırlarına bölünmüştür (64 bayt</a:t>
+            </a:r>
+            <a:r>
+              <a:rPr lang="tr-TR" dirty="0" smtClean="0"/>
+              <a:t>)</a:t>
+            </a:r>
+          </a:p>
+          <a:p>
+            <a:pPr lvl="1"/>
+            <a:r>
+              <a:rPr lang="tr-TR" dirty="0" smtClean="0"/>
+              <a:t>1</a:t>
+            </a:r>
+            <a:r>
+              <a:rPr lang="tr-TR" dirty="0"/>
+              <a:t>. satırda 0-63, 2. satırda </a:t>
+            </a:r>
+            <a:r>
+              <a:rPr lang="tr-TR" dirty="0" smtClean="0"/>
+              <a:t>64-127</a:t>
+            </a:r>
+          </a:p>
+          <a:p>
+            <a:r>
+              <a:rPr lang="tr-TR" dirty="0" smtClean="0"/>
+              <a:t>Program </a:t>
+            </a:r>
+            <a:r>
+              <a:rPr lang="tr-TR" dirty="0"/>
+              <a:t>bir </a:t>
+            </a:r>
+            <a:r>
+              <a:rPr lang="tr-TR" dirty="0" smtClean="0"/>
+              <a:t>sözcük (</a:t>
+            </a:r>
+            <a:r>
+              <a:rPr lang="tr-TR" dirty="0" err="1" smtClean="0"/>
+              <a:t>word</a:t>
+            </a:r>
+            <a:r>
+              <a:rPr lang="tr-TR" dirty="0" smtClean="0"/>
+              <a:t>) </a:t>
+            </a:r>
+            <a:r>
+              <a:rPr lang="tr-TR" dirty="0"/>
+              <a:t>okuduğunda, </a:t>
+            </a:r>
+            <a:r>
+              <a:rPr lang="tr-TR" dirty="0" smtClean="0"/>
+              <a:t>donanım önbellekte </a:t>
+            </a:r>
+            <a:r>
+              <a:rPr lang="tr-TR" dirty="0"/>
+              <a:t>olup olmadığını kontrol eder</a:t>
+            </a:r>
+            <a:r>
+              <a:rPr lang="tr-TR" dirty="0" smtClean="0"/>
+              <a:t>.</a:t>
+            </a:r>
+          </a:p>
+          <a:p>
+            <a:pPr lvl="1"/>
+            <a:r>
+              <a:rPr lang="tr-TR" dirty="0" smtClean="0"/>
+              <a:t>Önbellekte ise, </a:t>
+            </a:r>
+            <a:r>
+              <a:rPr lang="tr-TR" dirty="0" err="1" smtClean="0"/>
+              <a:t>cache</a:t>
+            </a:r>
+            <a:r>
+              <a:rPr lang="tr-TR" dirty="0" smtClean="0"/>
+              <a:t> hit olur </a:t>
+            </a:r>
+            <a:r>
+              <a:rPr lang="tr-TR" dirty="0"/>
+              <a:t>(2 </a:t>
+            </a:r>
+            <a:r>
+              <a:rPr lang="tr-TR" dirty="0" smtClean="0"/>
+              <a:t>döngü </a:t>
+            </a:r>
+            <a:r>
+              <a:rPr lang="tr-TR" dirty="0" err="1" smtClean="0"/>
+              <a:t>cycle</a:t>
+            </a:r>
+            <a:r>
+              <a:rPr lang="tr-TR" dirty="0" smtClean="0"/>
+              <a:t>)</a:t>
+            </a:r>
+          </a:p>
+          <a:p>
+            <a:pPr lvl="1"/>
+            <a:r>
+              <a:rPr lang="tr-TR" dirty="0" smtClean="0"/>
+              <a:t>Değilse, veri yolu üzerinden ana bellekten talep et (maliyetli)</a:t>
+            </a:r>
+          </a:p>
+          <a:p>
+            <a:r>
+              <a:rPr lang="tr-TR" dirty="0" smtClean="0"/>
+              <a:t>Önbellek pahalı olduğundan boyutu sınırlıdır</a:t>
+            </a:r>
+          </a:p>
+          <a:p>
+            <a:r>
+              <a:rPr lang="tr-TR" dirty="0" smtClean="0"/>
+              <a:t>Önbellek hiyerarşilere </a:t>
+            </a:r>
+            <a:r>
+              <a:rPr lang="tr-TR" dirty="0"/>
+              <a:t>sahip </a:t>
+            </a:r>
+            <a:r>
+              <a:rPr lang="tr-TR" dirty="0" smtClean="0"/>
+              <a:t>olabilir</a:t>
+            </a:r>
+          </a:p>
+          <a:p>
+            <a:endParaRPr lang="tr-TR" dirty="0"/>
+          </a:p>
+        </p:txBody>
+      </p:sp>
+    </p:spTree>
+    <p:extLst>
+      <p:ext uri="{BB962C8B-B14F-4D97-AF65-F5344CB8AC3E}">
+        <p14:creationId xmlns:p14="http://schemas.microsoft.com/office/powerpoint/2010/main" val="3281197395"/>
+      </p:ext>
+    </p:extLst>
+  </p:cSld>
+  <p:clrMapOvr>
+    <a:masterClrMapping/>
+  </p:clrMapOvr>
+  <p:timing>
+    <p:tnLst>
+      <p:par>
+        <p:cTn id="1" dur="indefinite" restart="never" nodeType="tmRoot"/>
+      </p:par>
+    </p:tnLst>
+  </p:timing>
+</p:sld>
+</file>
+
+<file path=ppt/slides/slide31.xml><?xml version="1.0" encoding="utf-8"?>
 <p:sld xmlns:a="http://schemas.openxmlformats.org/drawingml/2006/main" xmlns:r="http://schemas.openxmlformats.org/officeDocument/2006/relationships" xmlns:p="http://schemas.openxmlformats.org/presentationml/2006/main">
   <p:cSld>
     <p:spTree>
@@ -5411,7 +7667,7 @@
 </p:sld>
 </file>
 
-<file path=ppt/slides/slide22.xml><?xml version="1.0" encoding="utf-8"?>
+<file path=ppt/slides/slide32.xml><?xml version="1.0" encoding="utf-8"?>
 <p:sld xmlns:a="http://schemas.openxmlformats.org/drawingml/2006/main" xmlns:r="http://schemas.openxmlformats.org/officeDocument/2006/relationships" xmlns:p="http://schemas.openxmlformats.org/presentationml/2006/main">
   <p:cSld>
     <p:spTree>
@@ -5606,7 +7862,7 @@
 </p:sld>
 </file>
 
-<file path=ppt/slides/slide23.xml><?xml version="1.0" encoding="utf-8"?>
+<file path=ppt/slides/slide33.xml><?xml version="1.0" encoding="utf-8"?>
 <p:sld xmlns:a="http://schemas.openxmlformats.org/drawingml/2006/main" xmlns:r="http://schemas.openxmlformats.org/officeDocument/2006/relationships" xmlns:p="http://schemas.openxmlformats.org/presentationml/2006/main">
   <p:cSld>
     <p:spTree>
@@ -5639,10 +7895,256 @@
           <a:lstStyle/>
           <a:p>
             <a:r>
+              <a:rPr lang="tr-TR" dirty="0" smtClean="0"/>
+              <a:t>Disk</a:t>
+            </a:r>
+            <a:endParaRPr lang="tr-TR" dirty="0"/>
+          </a:p>
+        </p:txBody>
+      </p:sp>
+      <p:sp>
+        <p:nvSpPr>
+          <p:cNvPr id="3" name="Content Placeholder 2"/>
+          <p:cNvSpPr>
+            <a:spLocks noGrp="1"/>
+          </p:cNvSpPr>
+          <p:nvPr>
+            <p:ph idx="1"/>
+          </p:nvPr>
+        </p:nvSpPr>
+        <p:spPr>
+          <a:xfrm>
+            <a:off x="838200" y="1825625"/>
+            <a:ext cx="10515600" cy="4680000"/>
+          </a:xfrm>
+        </p:spPr>
+        <p:txBody>
+          <a:bodyPr>
+            <a:normAutofit lnSpcReduction="10000"/>
+          </a:bodyPr>
+          <a:lstStyle/>
+          <a:p>
+            <a:r>
+              <a:rPr lang="tr-TR" dirty="0" smtClean="0"/>
+              <a:t>Ucuz, büyük, Yavaş</a:t>
+            </a:r>
+            <a:endParaRPr lang="tr-TR" dirty="0" smtClean="0"/>
+          </a:p>
+          <a:p>
+            <a:r>
+              <a:rPr lang="tr-TR" dirty="0" smtClean="0"/>
+              <a:t>Mekanik hareketlere ihtiyaç</a:t>
+            </a:r>
+          </a:p>
+          <a:p>
+            <a:r>
+              <a:rPr lang="tr-TR" dirty="0" smtClean="0"/>
+              <a:t>Bir </a:t>
+            </a:r>
+            <a:r>
+              <a:rPr lang="tr-TR" dirty="0"/>
+              <a:t>veya daha fazla </a:t>
+            </a:r>
+            <a:r>
+              <a:rPr lang="tr-TR" dirty="0" smtClean="0"/>
+              <a:t>kez tabla </a:t>
+            </a:r>
+            <a:r>
+              <a:rPr lang="tr-TR" dirty="0" smtClean="0"/>
+              <a:t>döndürme</a:t>
+            </a:r>
+          </a:p>
+          <a:p>
+            <a:r>
+              <a:rPr lang="tr-TR" dirty="0" err="1" smtClean="0"/>
+              <a:t>Arm</a:t>
+            </a:r>
+            <a:r>
+              <a:rPr lang="tr-TR" dirty="0" smtClean="0"/>
+              <a:t>, </a:t>
+            </a:r>
+            <a:r>
+              <a:rPr lang="tr-TR" dirty="0" err="1" smtClean="0"/>
+              <a:t>track</a:t>
+            </a:r>
+            <a:r>
+              <a:rPr lang="tr-TR" dirty="0" smtClean="0"/>
+              <a:t>, </a:t>
+            </a:r>
+            <a:r>
+              <a:rPr lang="tr-TR" dirty="0" err="1" smtClean="0"/>
+              <a:t>cylinder</a:t>
+            </a:r>
+            <a:r>
+              <a:rPr lang="tr-TR" dirty="0"/>
+              <a:t>,</a:t>
+            </a:r>
+            <a:r>
+              <a:rPr lang="tr-TR" dirty="0" smtClean="0"/>
+              <a:t> </a:t>
+            </a:r>
+            <a:r>
+              <a:rPr lang="tr-TR" dirty="0" err="1" smtClean="0"/>
+              <a:t>sector</a:t>
+            </a:r>
+            <a:r>
+              <a:rPr lang="tr-TR" dirty="0" smtClean="0"/>
+              <a:t>, </a:t>
+            </a:r>
+            <a:r>
+              <a:rPr lang="tr-TR" dirty="0" err="1" smtClean="0"/>
+              <a:t>head</a:t>
+            </a:r>
+            <a:r>
+              <a:rPr lang="tr-TR" dirty="0" smtClean="0"/>
+              <a:t>, </a:t>
+            </a:r>
+            <a:r>
+              <a:rPr lang="tr-TR" dirty="0" err="1" smtClean="0"/>
+              <a:t>checksum</a:t>
+            </a:r>
+            <a:endParaRPr lang="tr-TR" dirty="0" smtClean="0"/>
+          </a:p>
+          <a:p>
+            <a:pPr lvl="1"/>
+            <a:r>
+              <a:rPr lang="tr-TR" dirty="0"/>
+              <a:t>y</a:t>
+            </a:r>
+            <a:r>
+              <a:rPr lang="tr-TR" dirty="0" smtClean="0"/>
+              <a:t> diskinde x sektörünü oku komutunu alır. x ve y bilgisini [</a:t>
+            </a:r>
+            <a:r>
+              <a:rPr lang="en-US" dirty="0" smtClean="0"/>
+              <a:t>cylinder</a:t>
+            </a:r>
+            <a:r>
+              <a:rPr lang="en-US" dirty="0"/>
+              <a:t>, sector, </a:t>
+            </a:r>
+            <a:r>
+              <a:rPr lang="en-US" dirty="0" smtClean="0"/>
+              <a:t>head</a:t>
+            </a:r>
+            <a:r>
+              <a:rPr lang="tr-TR" dirty="0" smtClean="0"/>
+              <a:t>]</a:t>
+            </a:r>
+            <a:r>
+              <a:rPr lang="en-US" dirty="0" smtClean="0"/>
+              <a:t> </a:t>
+            </a:r>
+            <a:r>
+              <a:rPr lang="tr-TR" dirty="0" smtClean="0"/>
+              <a:t>adres şekline çevirir. Kolu doğru silindire hareket ettirir. Kafanın doğru sektör üzerine gelmesini bekler. Sürücüden gelen bitleri okur ve saklar. Sağlama yapar. Okunan bitleri sözcük olarak bellekte saklar. </a:t>
+            </a:r>
+            <a:endParaRPr lang="en-US" dirty="0"/>
+          </a:p>
+          <a:p>
+            <a:pPr lvl="1"/>
+            <a:endParaRPr lang="tr-TR" dirty="0" smtClean="0"/>
+          </a:p>
+          <a:p>
+            <a:r>
+              <a:rPr lang="tr-TR" dirty="0" smtClean="0"/>
+              <a:t>Disk</a:t>
+            </a:r>
+            <a:r>
+              <a:rPr lang="tr-TR" dirty="0"/>
+              <a:t>, Sanal Belleğin uygulanmasına yardımcı </a:t>
+            </a:r>
+            <a:r>
+              <a:rPr lang="tr-TR" dirty="0" smtClean="0"/>
+              <a:t>olur</a:t>
+            </a:r>
+          </a:p>
+          <a:p>
+            <a:pPr lvl="1"/>
+            <a:r>
+              <a:rPr lang="tr-TR" dirty="0" smtClean="0"/>
+              <a:t>Yeterli </a:t>
+            </a:r>
+            <a:r>
+              <a:rPr lang="tr-TR" dirty="0"/>
+              <a:t>bellek olmadığında, depolama alanı olarak diskler </a:t>
+            </a:r>
+            <a:r>
+              <a:rPr lang="tr-TR" dirty="0" smtClean="0"/>
+              <a:t>kullanılır</a:t>
+            </a:r>
+            <a:r>
+              <a:rPr lang="tr-TR" dirty="0"/>
+              <a:t>.</a:t>
+            </a:r>
+          </a:p>
+          <a:p>
+            <a:endParaRPr lang="tr-TR" dirty="0"/>
+          </a:p>
+          <a:p>
+            <a:endParaRPr lang="tr-TR" dirty="0"/>
+          </a:p>
+          <a:p>
+            <a:endParaRPr lang="tr-TR" dirty="0"/>
+          </a:p>
+        </p:txBody>
+      </p:sp>
+    </p:spTree>
+    <p:extLst>
+      <p:ext uri="{BB962C8B-B14F-4D97-AF65-F5344CB8AC3E}">
+        <p14:creationId xmlns:p14="http://schemas.microsoft.com/office/powerpoint/2010/main" val="1162134807"/>
+      </p:ext>
+    </p:extLst>
+  </p:cSld>
+  <p:clrMapOvr>
+    <a:masterClrMapping/>
+  </p:clrMapOvr>
+  <p:timing>
+    <p:tnLst>
+      <p:par>
+        <p:cTn id="1" dur="indefinite" restart="never" nodeType="tmRoot"/>
+      </p:par>
+    </p:tnLst>
+  </p:timing>
+</p:sld>
+</file>
+
+<file path=ppt/slides/slide34.xml><?xml version="1.0" encoding="utf-8"?>
+<p:sld xmlns:a="http://schemas.openxmlformats.org/drawingml/2006/main" xmlns:r="http://schemas.openxmlformats.org/officeDocument/2006/relationships" xmlns:p="http://schemas.openxmlformats.org/presentationml/2006/main">
+  <p:cSld>
+    <p:spTree>
+      <p:nvGrpSpPr>
+        <p:cNvPr id="1" name=""/>
+        <p:cNvGrpSpPr/>
+        <p:nvPr/>
+      </p:nvGrpSpPr>
+      <p:grpSpPr>
+        <a:xfrm>
+          <a:off x="0" y="0"/>
+          <a:ext cx="0" cy="0"/>
+          <a:chOff x="0" y="0"/>
+          <a:chExt cx="0" cy="0"/>
+        </a:xfrm>
+      </p:grpSpPr>
+      <p:sp>
+        <p:nvSpPr>
+          <p:cNvPr id="2" name="Title 1"/>
+          <p:cNvSpPr>
+            <a:spLocks noGrp="1"/>
+          </p:cNvSpPr>
+          <p:nvPr>
+            <p:ph type="title"/>
+          </p:nvPr>
+        </p:nvSpPr>
+        <p:spPr/>
+        <p:txBody>
+          <a:bodyPr/>
+          <a:lstStyle/>
+          <a:p>
+            <a:r>
               <a:rPr lang="tr-TR" dirty="0"/>
               <a:t>Disk Sürücüsünün Yapısı</a:t>
             </a:r>
-            <a:endParaRPr lang="tr-TR" dirty="0"/>
           </a:p>
         </p:txBody>
       </p:sp>
@@ -5755,7 +8257,7 @@
 </p:sld>
 </file>
 
-<file path=ppt/slides/slide24.xml><?xml version="1.0" encoding="utf-8"?>
+<file path=ppt/slides/slide35.xml><?xml version="1.0" encoding="utf-8"?>
 <p:sld xmlns:a="http://schemas.openxmlformats.org/drawingml/2006/main" xmlns:r="http://schemas.openxmlformats.org/officeDocument/2006/relationships" xmlns:p="http://schemas.openxmlformats.org/presentationml/2006/main">
   <p:cSld>
     <p:spTree>
@@ -5897,7 +8399,7 @@
 </p:sld>
 </file>
 
-<file path=ppt/slides/slide25.xml><?xml version="1.0" encoding="utf-8"?>
+<file path=ppt/slides/slide36.xml><?xml version="1.0" encoding="utf-8"?>
 <p:sld xmlns:a="http://schemas.openxmlformats.org/drawingml/2006/main" xmlns:r="http://schemas.openxmlformats.org/officeDocument/2006/relationships" xmlns:p="http://schemas.openxmlformats.org/presentationml/2006/main">
   <p:cSld>
     <p:spTree>
@@ -5933,6 +8435,508 @@
               <a:rPr lang="tr-TR" dirty="0"/>
               <a:t>G/Ç Cihazları</a:t>
             </a:r>
+          </a:p>
+        </p:txBody>
+      </p:sp>
+      <p:sp>
+        <p:nvSpPr>
+          <p:cNvPr id="3" name="Content Placeholder 2"/>
+          <p:cNvSpPr>
+            <a:spLocks noGrp="1"/>
+          </p:cNvSpPr>
+          <p:nvPr>
+            <p:ph idx="1"/>
+          </p:nvPr>
+        </p:nvSpPr>
+        <p:spPr>
+          <a:xfrm>
+            <a:off x="838200" y="1825625"/>
+            <a:ext cx="10515600" cy="4680000"/>
+          </a:xfrm>
+        </p:spPr>
+        <p:txBody>
+          <a:bodyPr>
+            <a:normAutofit/>
+          </a:bodyPr>
+          <a:lstStyle/>
+          <a:p>
+            <a:r>
+              <a:rPr lang="tr-TR" dirty="0"/>
+              <a:t>İki parça: bir denetleyici ve bir </a:t>
+            </a:r>
+            <a:r>
+              <a:rPr lang="tr-TR" dirty="0" smtClean="0"/>
+              <a:t>aygıt</a:t>
+            </a:r>
+          </a:p>
+          <a:p>
+            <a:r>
+              <a:rPr lang="tr-TR" dirty="0" smtClean="0"/>
+              <a:t>Denetleyici</a:t>
+            </a:r>
+            <a:r>
+              <a:rPr lang="tr-TR" dirty="0"/>
+              <a:t>: işletim sistemine daha basit bir </a:t>
+            </a:r>
+            <a:r>
+              <a:rPr lang="tr-TR" dirty="0" smtClean="0"/>
+              <a:t>arayüz sağlar</a:t>
+            </a:r>
+          </a:p>
+          <a:p>
+            <a:r>
+              <a:rPr lang="tr-TR" dirty="0" smtClean="0"/>
+              <a:t>Aygıt </a:t>
+            </a:r>
+            <a:r>
+              <a:rPr lang="tr-TR" dirty="0"/>
+              <a:t>sürücüsü: denetleyiciyle konuşur, komut verir ve </a:t>
+            </a:r>
+            <a:r>
+              <a:rPr lang="tr-TR" dirty="0" smtClean="0"/>
+              <a:t>yanıt alır</a:t>
+            </a:r>
+          </a:p>
+          <a:p>
+            <a:r>
+              <a:rPr lang="tr-TR" dirty="0" smtClean="0"/>
+              <a:t>Meşgul </a:t>
+            </a:r>
+            <a:r>
+              <a:rPr lang="tr-TR" dirty="0"/>
+              <a:t>bekleme/kesme/DMA</a:t>
+            </a:r>
+          </a:p>
+        </p:txBody>
+      </p:sp>
+    </p:spTree>
+    <p:extLst>
+      <p:ext uri="{BB962C8B-B14F-4D97-AF65-F5344CB8AC3E}">
+        <p14:creationId xmlns:p14="http://schemas.microsoft.com/office/powerpoint/2010/main" val="2952992972"/>
+      </p:ext>
+    </p:extLst>
+  </p:cSld>
+  <p:clrMapOvr>
+    <a:masterClrMapping/>
+  </p:clrMapOvr>
+  <p:timing>
+    <p:tnLst>
+      <p:par>
+        <p:cTn id="1" dur="indefinite" restart="never" nodeType="tmRoot"/>
+      </p:par>
+    </p:tnLst>
+  </p:timing>
+</p:sld>
+</file>
+
+<file path=ppt/slides/slide37.xml><?xml version="1.0" encoding="utf-8"?>
+<p:sld xmlns:a="http://schemas.openxmlformats.org/drawingml/2006/main" xmlns:r="http://schemas.openxmlformats.org/officeDocument/2006/relationships" xmlns:p="http://schemas.openxmlformats.org/presentationml/2006/main">
+  <p:cSld>
+    <p:spTree>
+      <p:nvGrpSpPr>
+        <p:cNvPr id="1" name=""/>
+        <p:cNvGrpSpPr/>
+        <p:nvPr/>
+      </p:nvGrpSpPr>
+      <p:grpSpPr>
+        <a:xfrm>
+          <a:off x="0" y="0"/>
+          <a:ext cx="0" cy="0"/>
+          <a:chOff x="0" y="0"/>
+          <a:chExt cx="0" cy="0"/>
+        </a:xfrm>
+      </p:grpSpPr>
+      <p:sp>
+        <p:nvSpPr>
+          <p:cNvPr id="2" name="Title 1"/>
+          <p:cNvSpPr>
+            <a:spLocks noGrp="1"/>
+          </p:cNvSpPr>
+          <p:nvPr>
+            <p:ph type="title"/>
+          </p:nvPr>
+        </p:nvSpPr>
+        <p:spPr/>
+        <p:txBody>
+          <a:bodyPr/>
+          <a:lstStyle/>
+          <a:p>
+            <a:r>
+              <a:rPr lang="tr-TR" dirty="0" smtClean="0"/>
+              <a:t>Aygıt Sürücüsü</a:t>
+            </a:r>
+            <a:endParaRPr lang="tr-TR" dirty="0"/>
+          </a:p>
+        </p:txBody>
+      </p:sp>
+      <p:sp>
+        <p:nvSpPr>
+          <p:cNvPr id="3" name="Content Placeholder 2"/>
+          <p:cNvSpPr>
+            <a:spLocks noGrp="1"/>
+          </p:cNvSpPr>
+          <p:nvPr>
+            <p:ph idx="1"/>
+          </p:nvPr>
+        </p:nvSpPr>
+        <p:spPr>
+          <a:xfrm>
+            <a:off x="838200" y="1825625"/>
+            <a:ext cx="10515600" cy="4680000"/>
+          </a:xfrm>
+        </p:spPr>
+        <p:txBody>
+          <a:bodyPr>
+            <a:normAutofit/>
+          </a:bodyPr>
+          <a:lstStyle/>
+          <a:p>
+            <a:r>
+              <a:rPr lang="tr-TR" dirty="0" smtClean="0"/>
+              <a:t>İşletim sistemi denetleyiciyle konuşur. (komut verir, yanıt alır)</a:t>
+            </a:r>
+          </a:p>
+          <a:p>
+            <a:r>
+              <a:rPr lang="tr-TR" dirty="0" smtClean="0"/>
+              <a:t>Denetleyici üreticileri, </a:t>
+            </a:r>
+            <a:r>
+              <a:rPr lang="tr-TR" dirty="0"/>
+              <a:t>her işletim sistemi için bir sürücü </a:t>
+            </a:r>
+            <a:r>
+              <a:rPr lang="tr-TR" dirty="0" smtClean="0"/>
+              <a:t>sağlar</a:t>
+            </a:r>
+          </a:p>
+          <a:p>
+            <a:r>
+              <a:rPr lang="tr-TR" dirty="0" smtClean="0"/>
+              <a:t>Sürücü, </a:t>
+            </a:r>
+            <a:r>
+              <a:rPr lang="tr-TR" dirty="0"/>
+              <a:t>çekirdek </a:t>
+            </a:r>
+            <a:r>
+              <a:rPr lang="tr-TR" dirty="0" err="1"/>
+              <a:t>modunda</a:t>
+            </a:r>
+            <a:r>
+              <a:rPr lang="tr-TR" dirty="0"/>
+              <a:t> </a:t>
+            </a:r>
+            <a:r>
+              <a:rPr lang="tr-TR" dirty="0" smtClean="0"/>
+              <a:t>çalışır</a:t>
+            </a:r>
+          </a:p>
+          <a:p>
+            <a:r>
+              <a:rPr lang="tr-TR" dirty="0" smtClean="0"/>
+              <a:t>Denetleyici</a:t>
+            </a:r>
+            <a:r>
+              <a:rPr lang="tr-TR" dirty="0"/>
+              <a:t>, sürücüyle iletişim kurmak için </a:t>
+            </a:r>
+            <a:r>
+              <a:rPr lang="tr-TR" dirty="0" smtClean="0"/>
+              <a:t>yazmaçlar kullanır.</a:t>
+            </a:r>
+          </a:p>
+          <a:p>
+            <a:r>
+              <a:rPr lang="tr-TR" dirty="0" smtClean="0"/>
+              <a:t>Üç </a:t>
+            </a:r>
+            <a:r>
+              <a:rPr lang="tr-TR" dirty="0"/>
+              <a:t>iletişim </a:t>
+            </a:r>
+            <a:r>
+              <a:rPr lang="tr-TR" dirty="0" err="1" smtClean="0"/>
+              <a:t>modu</a:t>
+            </a:r>
+            <a:endParaRPr lang="tr-TR" dirty="0" smtClean="0"/>
+          </a:p>
+          <a:p>
+            <a:pPr lvl="1"/>
+            <a:r>
+              <a:rPr lang="tr-TR" dirty="0" smtClean="0"/>
+              <a:t>Sorgulama (</a:t>
+            </a:r>
+            <a:r>
+              <a:rPr lang="tr-TR" dirty="0" err="1" smtClean="0"/>
+              <a:t>polling</a:t>
+            </a:r>
+            <a:r>
+              <a:rPr lang="tr-TR" dirty="0" smtClean="0"/>
+              <a:t>)</a:t>
+            </a:r>
+          </a:p>
+          <a:p>
+            <a:pPr lvl="1"/>
+            <a:r>
+              <a:rPr lang="tr-TR" dirty="0" smtClean="0"/>
+              <a:t>Kesmeler (</a:t>
+            </a:r>
+            <a:r>
+              <a:rPr lang="tr-TR" dirty="0" err="1" smtClean="0"/>
+              <a:t>interrupt</a:t>
+            </a:r>
+            <a:r>
+              <a:rPr lang="tr-TR" dirty="0" smtClean="0"/>
+              <a:t>)</a:t>
+            </a:r>
+          </a:p>
+          <a:p>
+            <a:pPr lvl="1"/>
+            <a:r>
+              <a:rPr lang="tr-TR" dirty="0" smtClean="0"/>
+              <a:t>DMA</a:t>
+            </a:r>
+            <a:endParaRPr lang="tr-TR" dirty="0"/>
+          </a:p>
+          <a:p>
+            <a:endParaRPr lang="tr-TR" dirty="0"/>
+          </a:p>
+        </p:txBody>
+      </p:sp>
+    </p:spTree>
+    <p:extLst>
+      <p:ext uri="{BB962C8B-B14F-4D97-AF65-F5344CB8AC3E}">
+        <p14:creationId xmlns:p14="http://schemas.microsoft.com/office/powerpoint/2010/main" val="3411501325"/>
+      </p:ext>
+    </p:extLst>
+  </p:cSld>
+  <p:clrMapOvr>
+    <a:masterClrMapping/>
+  </p:clrMapOvr>
+  <p:timing>
+    <p:tnLst>
+      <p:par>
+        <p:cTn id="1" dur="indefinite" restart="never" nodeType="tmRoot"/>
+      </p:par>
+    </p:tnLst>
+  </p:timing>
+</p:sld>
+</file>
+
+<file path=ppt/slides/slide38.xml><?xml version="1.0" encoding="utf-8"?>
+<p:sld xmlns:a="http://schemas.openxmlformats.org/drawingml/2006/main" xmlns:r="http://schemas.openxmlformats.org/officeDocument/2006/relationships" xmlns:p="http://schemas.openxmlformats.org/presentationml/2006/main">
+  <p:cSld>
+    <p:spTree>
+      <p:nvGrpSpPr>
+        <p:cNvPr id="1" name=""/>
+        <p:cNvGrpSpPr/>
+        <p:nvPr/>
+      </p:nvGrpSpPr>
+      <p:grpSpPr>
+        <a:xfrm>
+          <a:off x="0" y="0"/>
+          <a:ext cx="0" cy="0"/>
+          <a:chOff x="0" y="0"/>
+          <a:chExt cx="0" cy="0"/>
+        </a:xfrm>
+      </p:grpSpPr>
+      <p:sp>
+        <p:nvSpPr>
+          <p:cNvPr id="2" name="Title 1"/>
+          <p:cNvSpPr>
+            <a:spLocks noGrp="1"/>
+          </p:cNvSpPr>
+          <p:nvPr>
+            <p:ph type="title"/>
+          </p:nvPr>
+        </p:nvSpPr>
+        <p:spPr/>
+        <p:txBody>
+          <a:bodyPr/>
+          <a:lstStyle/>
+          <a:p>
+            <a:r>
+              <a:rPr lang="tr-TR" dirty="0"/>
+              <a:t>G/Ç Cihazları - </a:t>
+            </a:r>
+            <a:r>
+              <a:rPr lang="tr-TR" dirty="0" smtClean="0"/>
+              <a:t>Sorgulama</a:t>
+            </a:r>
+            <a:endParaRPr lang="tr-TR" dirty="0"/>
+          </a:p>
+        </p:txBody>
+      </p:sp>
+      <p:sp>
+        <p:nvSpPr>
+          <p:cNvPr id="3" name="Content Placeholder 2"/>
+          <p:cNvSpPr>
+            <a:spLocks noGrp="1"/>
+          </p:cNvSpPr>
+          <p:nvPr>
+            <p:ph idx="1"/>
+          </p:nvPr>
+        </p:nvSpPr>
+        <p:spPr>
+          <a:xfrm>
+            <a:off x="838200" y="1825625"/>
+            <a:ext cx="10515600" cy="4680000"/>
+          </a:xfrm>
+        </p:spPr>
+        <p:txBody>
+          <a:bodyPr>
+            <a:normAutofit/>
+          </a:bodyPr>
+          <a:lstStyle/>
+          <a:p>
+            <a:r>
+              <a:rPr lang="tr-TR" dirty="0"/>
+              <a:t>Sürücü, denetleyiciye komut </a:t>
+            </a:r>
+            <a:r>
+              <a:rPr lang="tr-TR" dirty="0" smtClean="0"/>
+              <a:t>verir</a:t>
+            </a:r>
+          </a:p>
+          <a:p>
+            <a:r>
+              <a:rPr lang="tr-TR" dirty="0" smtClean="0"/>
+              <a:t>Sürücü</a:t>
+            </a:r>
+            <a:r>
+              <a:rPr lang="tr-TR" dirty="0"/>
+              <a:t>, </a:t>
+            </a:r>
+            <a:r>
+              <a:rPr lang="tr-TR" dirty="0" smtClean="0"/>
+              <a:t>aygıt hazır </a:t>
+            </a:r>
+            <a:r>
+              <a:rPr lang="tr-TR" dirty="0"/>
+              <a:t>olana kadar </a:t>
+            </a:r>
+            <a:r>
+              <a:rPr lang="tr-TR" dirty="0" smtClean="0"/>
+              <a:t>sorgular</a:t>
+            </a:r>
+          </a:p>
+          <a:p>
+            <a:pPr lvl="1"/>
+            <a:r>
+              <a:rPr lang="tr-TR" dirty="0" smtClean="0"/>
+              <a:t>Örneğin</a:t>
+            </a:r>
+            <a:r>
+              <a:rPr lang="tr-TR" dirty="0"/>
+              <a:t>, bir sonraki karakteri kabul etmeye hazır olana kadar yazıcı denetleyicisine karakter </a:t>
+            </a:r>
+            <a:r>
+              <a:rPr lang="tr-TR" dirty="0" smtClean="0"/>
+              <a:t>gönder </a:t>
+            </a:r>
+            <a:r>
+              <a:rPr lang="tr-TR" dirty="0"/>
+              <a:t>ve </a:t>
+            </a:r>
+            <a:r>
+              <a:rPr lang="tr-TR" dirty="0" smtClean="0"/>
+              <a:t>sorgula</a:t>
+            </a:r>
+          </a:p>
+          <a:p>
+            <a:r>
+              <a:rPr lang="tr-TR" dirty="0" smtClean="0"/>
+              <a:t>Büyük </a:t>
+            </a:r>
+            <a:r>
+              <a:rPr lang="tr-TR" dirty="0"/>
+              <a:t>CPU </a:t>
+            </a:r>
+            <a:r>
+              <a:rPr lang="tr-TR" dirty="0" smtClean="0"/>
+              <a:t>kullanımı</a:t>
+            </a:r>
+          </a:p>
+          <a:p>
+            <a:pPr lvl="1"/>
+            <a:r>
+              <a:rPr lang="tr-TR" dirty="0" smtClean="0"/>
+              <a:t>Programlanmış </a:t>
+            </a:r>
+            <a:r>
+              <a:rPr lang="tr-TR" dirty="0"/>
+              <a:t>G/Ç olarak </a:t>
+            </a:r>
+            <a:r>
+              <a:rPr lang="tr-TR" dirty="0" smtClean="0"/>
+              <a:t>adlandırılır, artık kullanılmıyor</a:t>
+            </a:r>
+            <a:endParaRPr lang="tr-TR" dirty="0"/>
+          </a:p>
+        </p:txBody>
+      </p:sp>
+    </p:spTree>
+    <p:extLst>
+      <p:ext uri="{BB962C8B-B14F-4D97-AF65-F5344CB8AC3E}">
+        <p14:creationId xmlns:p14="http://schemas.microsoft.com/office/powerpoint/2010/main" val="511433795"/>
+      </p:ext>
+    </p:extLst>
+  </p:cSld>
+  <p:clrMapOvr>
+    <a:masterClrMapping/>
+  </p:clrMapOvr>
+  <p:timing>
+    <p:tnLst>
+      <p:par>
+        <p:cTn id="1" dur="indefinite" restart="never" nodeType="tmRoot"/>
+      </p:par>
+    </p:tnLst>
+  </p:timing>
+</p:sld>
+</file>
+
+<file path=ppt/slides/slide39.xml><?xml version="1.0" encoding="utf-8"?>
+<p:sld xmlns:a="http://schemas.openxmlformats.org/drawingml/2006/main" xmlns:r="http://schemas.openxmlformats.org/officeDocument/2006/relationships" xmlns:p="http://schemas.openxmlformats.org/presentationml/2006/main">
+  <p:cSld>
+    <p:spTree>
+      <p:nvGrpSpPr>
+        <p:cNvPr id="1" name=""/>
+        <p:cNvGrpSpPr/>
+        <p:nvPr/>
+      </p:nvGrpSpPr>
+      <p:grpSpPr>
+        <a:xfrm>
+          <a:off x="0" y="0"/>
+          <a:ext cx="0" cy="0"/>
+          <a:chOff x="0" y="0"/>
+          <a:chExt cx="0" cy="0"/>
+        </a:xfrm>
+      </p:grpSpPr>
+      <p:sp>
+        <p:nvSpPr>
+          <p:cNvPr id="2" name="Title 1"/>
+          <p:cNvSpPr>
+            <a:spLocks noGrp="1"/>
+          </p:cNvSpPr>
+          <p:nvPr>
+            <p:ph type="title"/>
+          </p:nvPr>
+        </p:nvSpPr>
+        <p:spPr/>
+        <p:txBody>
+          <a:bodyPr/>
+          <a:lstStyle/>
+          <a:p>
+            <a:r>
+              <a:rPr lang="tr-TR" dirty="0"/>
+              <a:t>G/Ç </a:t>
+            </a:r>
+            <a:r>
+              <a:rPr lang="tr-TR" dirty="0" smtClean="0"/>
+              <a:t>Cihazları - Kesme</a:t>
+            </a:r>
+            <a:endParaRPr lang="tr-TR" dirty="0"/>
           </a:p>
         </p:txBody>
       </p:sp>
@@ -6045,7 +9049,7 @@
 </p:sld>
 </file>
 
-<file path=ppt/slides/slide26.xml><?xml version="1.0" encoding="utf-8"?>
+<file path=ppt/slides/slide4.xml><?xml version="1.0" encoding="utf-8"?>
 <p:sld xmlns:a="http://schemas.openxmlformats.org/drawingml/2006/main" xmlns:r="http://schemas.openxmlformats.org/officeDocument/2006/relationships" xmlns:p="http://schemas.openxmlformats.org/presentationml/2006/main">
   <p:cSld>
     <p:spTree>
@@ -6079,7 +9083,7 @@
           <a:p>
             <a:r>
               <a:rPr lang="tr-TR" dirty="0"/>
-              <a:t>G/Ç Cihazları</a:t>
+              <a:t>İşletim Sistemi Nerede Yer Alır</a:t>
             </a:r>
           </a:p>
         </p:txBody>
@@ -6108,6 +9112,143 @@
           <a:p>
             <a:r>
               <a:rPr lang="tr-TR" dirty="0" smtClean="0"/>
+              <a:t>Bilgisayar </a:t>
+            </a:r>
+            <a:r>
+              <a:rPr lang="tr-TR" dirty="0"/>
+              <a:t>donanımı ve yazılım arasında bir </a:t>
+            </a:r>
+            <a:r>
+              <a:rPr lang="tr-TR" dirty="0" err="1"/>
+              <a:t>arayüzdür</a:t>
+            </a:r>
+            <a:r>
+              <a:rPr lang="tr-TR" dirty="0"/>
+              <a:t>.</a:t>
+            </a:r>
+          </a:p>
+          <a:p>
+            <a:r>
+              <a:rPr lang="tr-TR" dirty="0"/>
+              <a:t>Donanım, fiziksel olarak mevcut olan bileşenleri (örneğin CPU, RAM, diskler) temsil eder.</a:t>
+            </a:r>
+          </a:p>
+          <a:p>
+            <a:r>
+              <a:rPr lang="tr-TR" dirty="0"/>
+              <a:t>Yazılım ise, bilgisayarın yapabileceği işlemleri yürütmek için yazılmış kodları içerir.</a:t>
+            </a:r>
+          </a:p>
+          <a:p>
+            <a:r>
+              <a:rPr lang="tr-TR" dirty="0" smtClean="0"/>
+              <a:t>Donanımın </a:t>
+            </a:r>
+            <a:r>
+              <a:rPr lang="tr-TR" dirty="0"/>
+              <a:t>yazılım tarafından nasıl kullanılacağını yönetir.</a:t>
+            </a:r>
+          </a:p>
+          <a:p>
+            <a:r>
+              <a:rPr lang="tr-TR" dirty="0" smtClean="0"/>
+              <a:t>İşletim </a:t>
+            </a:r>
+            <a:r>
+              <a:rPr lang="tr-TR" dirty="0"/>
+              <a:t>sistemi, yazılımın donanımı kullanmasını kontrol ederken, aynı zamanda donanımın kullanımını optimize eder ve sistemin güvenliğini sağlar.</a:t>
+            </a:r>
+          </a:p>
+        </p:txBody>
+      </p:sp>
+    </p:spTree>
+    <p:extLst>
+      <p:ext uri="{BB962C8B-B14F-4D97-AF65-F5344CB8AC3E}">
+        <p14:creationId xmlns:p14="http://schemas.microsoft.com/office/powerpoint/2010/main" val="654963759"/>
+      </p:ext>
+    </p:extLst>
+  </p:cSld>
+  <p:clrMapOvr>
+    <a:masterClrMapping/>
+  </p:clrMapOvr>
+  <p:timing>
+    <p:tnLst>
+      <p:par>
+        <p:cTn id="1" dur="indefinite" restart="never" nodeType="tmRoot"/>
+      </p:par>
+    </p:tnLst>
+  </p:timing>
+</p:sld>
+</file>
+
+<file path=ppt/slides/slide40.xml><?xml version="1.0" encoding="utf-8"?>
+<p:sld xmlns:a="http://schemas.openxmlformats.org/drawingml/2006/main" xmlns:r="http://schemas.openxmlformats.org/officeDocument/2006/relationships" xmlns:p="http://schemas.openxmlformats.org/presentationml/2006/main">
+  <p:cSld>
+    <p:spTree>
+      <p:nvGrpSpPr>
+        <p:cNvPr id="1" name=""/>
+        <p:cNvGrpSpPr/>
+        <p:nvPr/>
+      </p:nvGrpSpPr>
+      <p:grpSpPr>
+        <a:xfrm>
+          <a:off x="0" y="0"/>
+          <a:ext cx="0" cy="0"/>
+          <a:chOff x="0" y="0"/>
+          <a:chExt cx="0" cy="0"/>
+        </a:xfrm>
+      </p:grpSpPr>
+      <p:sp>
+        <p:nvSpPr>
+          <p:cNvPr id="2" name="Title 1"/>
+          <p:cNvSpPr>
+            <a:spLocks noGrp="1"/>
+          </p:cNvSpPr>
+          <p:nvPr>
+            <p:ph type="title"/>
+          </p:nvPr>
+        </p:nvSpPr>
+        <p:spPr/>
+        <p:txBody>
+          <a:bodyPr/>
+          <a:lstStyle/>
+          <a:p>
+            <a:r>
+              <a:rPr lang="tr-TR" dirty="0"/>
+              <a:t>G/Ç </a:t>
+            </a:r>
+            <a:r>
+              <a:rPr lang="tr-TR" dirty="0" smtClean="0"/>
+              <a:t>Cihazları - Kesme</a:t>
+            </a:r>
+            <a:endParaRPr lang="tr-TR" dirty="0"/>
+          </a:p>
+        </p:txBody>
+      </p:sp>
+      <p:sp>
+        <p:nvSpPr>
+          <p:cNvPr id="3" name="Content Placeholder 2"/>
+          <p:cNvSpPr>
+            <a:spLocks noGrp="1"/>
+          </p:cNvSpPr>
+          <p:nvPr>
+            <p:ph idx="1"/>
+          </p:nvPr>
+        </p:nvSpPr>
+        <p:spPr>
+          <a:xfrm>
+            <a:off x="838200" y="1825625"/>
+            <a:ext cx="10515600" cy="4680000"/>
+          </a:xfrm>
+        </p:spPr>
+        <p:txBody>
+          <a:bodyPr>
+            <a:normAutofit/>
+          </a:bodyPr>
+          <a:lstStyle/>
+          <a:p>
+            <a:r>
+              <a:rPr lang="tr-TR" dirty="0" smtClean="0"/>
               <a:t>Kesme </a:t>
             </a:r>
             <a:r>
@@ -6151,6 +9292,27 @@
             <a:r>
               <a:rPr lang="tr-TR" dirty="0" smtClean="0"/>
               <a:t>dönme</a:t>
+            </a:r>
+          </a:p>
+          <a:p>
+            <a:r>
+              <a:rPr lang="tr-TR" dirty="0" smtClean="0"/>
+              <a:t>G/Ç işlemi bittiğinde kesme üret</a:t>
+            </a:r>
+          </a:p>
+          <a:p>
+            <a:r>
+              <a:rPr lang="tr-TR" dirty="0" smtClean="0"/>
+              <a:t>İşlem yapılırken işlemcinin başka işler </a:t>
+            </a:r>
+          </a:p>
+          <a:p>
+            <a:pPr marL="0" indent="0">
+              <a:buNone/>
+            </a:pPr>
+            <a:r>
+              <a:rPr lang="tr-TR" dirty="0" smtClean="0"/>
+              <a:t>yapmasına izin ver.</a:t>
             </a:r>
             <a:endParaRPr lang="tr-TR" dirty="0"/>
           </a:p>
@@ -6233,7 +9395,7 @@
 </p:sld>
 </file>
 
-<file path=ppt/slides/slide27.xml><?xml version="1.0" encoding="utf-8"?>
+<file path=ppt/slides/slide41.xml><?xml version="1.0" encoding="utf-8"?>
 <p:sld xmlns:a="http://schemas.openxmlformats.org/drawingml/2006/main" xmlns:r="http://schemas.openxmlformats.org/officeDocument/2006/relationships" xmlns:p="http://schemas.openxmlformats.org/presentationml/2006/main">
   <p:cSld>
     <p:spTree>
@@ -6266,8 +9428,12 @@
           <a:lstStyle/>
           <a:p>
             <a:r>
-              <a:rPr lang="tr-TR" dirty="0" smtClean="0"/>
-              <a:t>Veriyolları</a:t>
+              <a:rPr lang="tr-TR" dirty="0"/>
+              <a:t>G/Ç </a:t>
+            </a:r>
+            <a:r>
+              <a:rPr lang="tr-TR" dirty="0" smtClean="0"/>
+              <a:t>Cihazları - DMA</a:t>
             </a:r>
             <a:endParaRPr lang="tr-TR" dirty="0"/>
           </a:p>
@@ -6296,6 +9462,117 @@
           <a:lstStyle/>
           <a:p>
             <a:r>
+              <a:rPr lang="tr-TR" dirty="0"/>
+              <a:t>Özel (denetleyici) yonga</a:t>
+            </a:r>
+          </a:p>
+          <a:p>
+            <a:r>
+              <a:rPr lang="tr-TR" dirty="0"/>
+              <a:t>Bellek ile veri transferinde işlemci kullanmaktan kaçınır</a:t>
+            </a:r>
+          </a:p>
+          <a:p>
+            <a:r>
+              <a:rPr lang="tr-TR" dirty="0" smtClean="0"/>
+              <a:t>İşlemci, yongaya aktarım hakkında gerekli bilgileri verir</a:t>
+            </a:r>
+          </a:p>
+          <a:p>
+            <a:r>
+              <a:rPr lang="tr-TR" dirty="0" smtClean="0"/>
+              <a:t>Yonga işlem bittiğinde kesme üretir.</a:t>
+            </a:r>
+            <a:endParaRPr lang="tr-TR" dirty="0"/>
+          </a:p>
+          <a:p>
+            <a:endParaRPr lang="tr-TR" dirty="0"/>
+          </a:p>
+        </p:txBody>
+      </p:sp>
+    </p:spTree>
+    <p:extLst>
+      <p:ext uri="{BB962C8B-B14F-4D97-AF65-F5344CB8AC3E}">
+        <p14:creationId xmlns:p14="http://schemas.microsoft.com/office/powerpoint/2010/main" val="3687450218"/>
+      </p:ext>
+    </p:extLst>
+  </p:cSld>
+  <p:clrMapOvr>
+    <a:masterClrMapping/>
+  </p:clrMapOvr>
+  <p:timing>
+    <p:tnLst>
+      <p:par>
+        <p:cTn id="1" dur="indefinite" restart="never" nodeType="tmRoot"/>
+      </p:par>
+    </p:tnLst>
+  </p:timing>
+</p:sld>
+</file>
+
+<file path=ppt/slides/slide42.xml><?xml version="1.0" encoding="utf-8"?>
+<p:sld xmlns:a="http://schemas.openxmlformats.org/drawingml/2006/main" xmlns:r="http://schemas.openxmlformats.org/officeDocument/2006/relationships" xmlns:p="http://schemas.openxmlformats.org/presentationml/2006/main">
+  <p:cSld>
+    <p:spTree>
+      <p:nvGrpSpPr>
+        <p:cNvPr id="1" name=""/>
+        <p:cNvGrpSpPr/>
+        <p:nvPr/>
+      </p:nvGrpSpPr>
+      <p:grpSpPr>
+        <a:xfrm>
+          <a:off x="0" y="0"/>
+          <a:ext cx="0" cy="0"/>
+          <a:chOff x="0" y="0"/>
+          <a:chExt cx="0" cy="0"/>
+        </a:xfrm>
+      </p:grpSpPr>
+      <p:sp>
+        <p:nvSpPr>
+          <p:cNvPr id="2" name="Title 1"/>
+          <p:cNvSpPr>
+            <a:spLocks noGrp="1"/>
+          </p:cNvSpPr>
+          <p:nvPr>
+            <p:ph type="title"/>
+          </p:nvPr>
+        </p:nvSpPr>
+        <p:spPr/>
+        <p:txBody>
+          <a:bodyPr/>
+          <a:lstStyle/>
+          <a:p>
+            <a:r>
+              <a:rPr lang="tr-TR" dirty="0" smtClean="0"/>
+              <a:t>Veriyolları</a:t>
+            </a:r>
+            <a:endParaRPr lang="tr-TR" dirty="0"/>
+          </a:p>
+        </p:txBody>
+      </p:sp>
+      <p:sp>
+        <p:nvSpPr>
+          <p:cNvPr id="3" name="Content Placeholder 2"/>
+          <p:cNvSpPr>
+            <a:spLocks noGrp="1"/>
+          </p:cNvSpPr>
+          <p:nvPr>
+            <p:ph idx="1"/>
+          </p:nvPr>
+        </p:nvSpPr>
+        <p:spPr>
+          <a:xfrm>
+            <a:off x="838200" y="1825625"/>
+            <a:ext cx="10515600" cy="4680000"/>
+          </a:xfrm>
+        </p:spPr>
+        <p:txBody>
+          <a:bodyPr>
+            <a:normAutofit/>
+          </a:bodyPr>
+          <a:lstStyle/>
+          <a:p>
+            <a:r>
               <a:rPr lang="tr-TR" dirty="0" smtClean="0"/>
               <a:t>Veriyolları, </a:t>
             </a:r>
@@ -6352,8 +9629,21 @@
             </a:r>
             <a:r>
               <a:rPr lang="tr-TR" dirty="0"/>
-              <a:t>performansını ve kullanılabilirliğini etkiler.</a:t>
-            </a:r>
+              <a:t>performansını ve kullanılabilirliğini etkiler</a:t>
+            </a:r>
+            <a:r>
+              <a:rPr lang="tr-TR" dirty="0" smtClean="0"/>
+              <a:t>.</a:t>
+            </a:r>
+          </a:p>
+          <a:p>
+            <a:r>
+              <a:rPr lang="tr-TR" dirty="0" smtClean="0"/>
+              <a:t>Eskiden bir veri yolu vardı, yetmeyince daha hızlı (PCI), özelleştirilmiş (SCSI, USB) veri yolları çıktı.</a:t>
+            </a:r>
+          </a:p>
+          <a:p>
+            <a:endParaRPr lang="tr-TR" dirty="0"/>
           </a:p>
           <a:p>
             <a:endParaRPr lang="tr-TR" dirty="0"/>
@@ -6386,7 +9676,7 @@
 </p:sld>
 </file>
 
-<file path=ppt/slides/slide28.xml><?xml version="1.0" encoding="utf-8"?>
+<file path=ppt/slides/slide43.xml><?xml version="1.0" encoding="utf-8"?>
 <p:sld xmlns:a="http://schemas.openxmlformats.org/drawingml/2006/main" xmlns:r="http://schemas.openxmlformats.org/officeDocument/2006/relationships" xmlns:p="http://schemas.openxmlformats.org/presentationml/2006/main">
   <p:cSld>
     <p:spTree>
@@ -6535,7 +9825,7 @@
 </p:sld>
 </file>
 
-<file path=ppt/slides/slide29.xml><?xml version="1.0" encoding="utf-8"?>
+<file path=ppt/slides/slide44.xml><?xml version="1.0" encoding="utf-8"?>
 <p:sld xmlns:a="http://schemas.openxmlformats.org/drawingml/2006/main" xmlns:r="http://schemas.openxmlformats.org/officeDocument/2006/relationships" xmlns:p="http://schemas.openxmlformats.org/presentationml/2006/main">
   <p:cSld>
     <p:spTree>
@@ -6569,7 +9859,7 @@
           <a:p>
             <a:r>
               <a:rPr lang="tr-TR" dirty="0" smtClean="0"/>
-              <a:t>İşletim Sistemi Çeşitleri</a:t>
+              <a:t>Pentium Sistem Veriyolları</a:t>
             </a:r>
             <a:endParaRPr lang="tr-TR" dirty="0"/>
           </a:p>
@@ -6597,142 +9887,281 @@
           </a:bodyPr>
           <a:lstStyle/>
           <a:p>
-            <a:r>
-              <a:rPr lang="tr-TR" dirty="0" err="1" smtClean="0"/>
-              <a:t>Anaçatı</a:t>
-            </a:r>
-            <a:r>
-              <a:rPr lang="tr-TR" dirty="0" smtClean="0"/>
-              <a:t> (</a:t>
-            </a:r>
-            <a:r>
-              <a:rPr lang="tr-TR" dirty="0" err="1" smtClean="0"/>
-              <a:t>mainframe</a:t>
-            </a:r>
-            <a:r>
-              <a:rPr lang="tr-TR" dirty="0" smtClean="0"/>
-              <a:t>)</a:t>
-            </a:r>
-          </a:p>
-          <a:p>
-            <a:r>
-              <a:rPr lang="tr-TR" dirty="0" smtClean="0"/>
-              <a:t>Sunucu (server)</a:t>
-            </a:r>
-          </a:p>
-          <a:p>
-            <a:r>
-              <a:rPr lang="tr-TR" dirty="0" err="1" smtClean="0"/>
-              <a:t>Çokişlemcili</a:t>
-            </a:r>
-            <a:r>
-              <a:rPr lang="tr-TR" dirty="0" smtClean="0"/>
-              <a:t> (</a:t>
-            </a:r>
-            <a:r>
-              <a:rPr lang="tr-TR" dirty="0" err="1" smtClean="0"/>
-              <a:t>multiprocessor</a:t>
-            </a:r>
-            <a:r>
-              <a:rPr lang="tr-TR" dirty="0" smtClean="0"/>
-              <a:t>)</a:t>
-            </a:r>
-          </a:p>
-          <a:p>
-            <a:r>
-              <a:rPr lang="tr-TR" dirty="0" smtClean="0"/>
-              <a:t>Kişisel (</a:t>
-            </a:r>
-            <a:r>
-              <a:rPr lang="tr-TR" dirty="0" err="1" smtClean="0"/>
-              <a:t>personal</a:t>
-            </a:r>
-            <a:r>
-              <a:rPr lang="tr-TR" dirty="0" smtClean="0"/>
-              <a:t>)</a:t>
-            </a:r>
-          </a:p>
-          <a:p>
-            <a:r>
-              <a:rPr lang="tr-TR" dirty="0" smtClean="0"/>
-              <a:t>Mobil (</a:t>
-            </a:r>
-            <a:r>
-              <a:rPr lang="tr-TR" dirty="0" err="1" smtClean="0"/>
-              <a:t>handheld</a:t>
-            </a:r>
-            <a:r>
-              <a:rPr lang="tr-TR" dirty="0" smtClean="0"/>
-              <a:t>)</a:t>
-            </a:r>
-          </a:p>
-          <a:p>
-            <a:r>
-              <a:rPr lang="tr-TR" dirty="0" smtClean="0"/>
-              <a:t>Gömülü (</a:t>
-            </a:r>
-            <a:r>
-              <a:rPr lang="tr-TR" dirty="0" err="1" smtClean="0"/>
-              <a:t>embedded</a:t>
-            </a:r>
-            <a:r>
-              <a:rPr lang="tr-TR" dirty="0" smtClean="0"/>
-              <a:t>)</a:t>
-            </a:r>
-          </a:p>
-          <a:p>
-            <a:r>
-              <a:rPr lang="tr-TR" dirty="0" smtClean="0"/>
-              <a:t>Algılayıcı düğüm (sensor </a:t>
-            </a:r>
-            <a:r>
-              <a:rPr lang="tr-TR" dirty="0" err="1" smtClean="0"/>
-              <a:t>node</a:t>
-            </a:r>
-            <a:r>
-              <a:rPr lang="tr-TR" dirty="0" smtClean="0"/>
-              <a:t>)</a:t>
-            </a:r>
-          </a:p>
-          <a:p>
-            <a:r>
-              <a:rPr lang="tr-TR" dirty="0" smtClean="0"/>
-              <a:t>Gerçek zamanlı (</a:t>
-            </a:r>
-            <a:r>
-              <a:rPr lang="tr-TR" dirty="0" err="1" smtClean="0"/>
-              <a:t>real</a:t>
-            </a:r>
-            <a:r>
-              <a:rPr lang="tr-TR" dirty="0" smtClean="0"/>
-              <a:t>-time)</a:t>
-            </a:r>
-          </a:p>
-          <a:p>
-            <a:r>
-              <a:rPr lang="tr-TR" dirty="0" smtClean="0"/>
-              <a:t>Akıllı kart (</a:t>
-            </a:r>
-            <a:r>
-              <a:rPr lang="tr-TR" dirty="0" err="1" smtClean="0"/>
-              <a:t>smart</a:t>
-            </a:r>
-            <a:r>
-              <a:rPr lang="tr-TR" dirty="0" smtClean="0"/>
-              <a:t> </a:t>
-            </a:r>
-            <a:r>
-              <a:rPr lang="tr-TR" dirty="0" err="1" smtClean="0"/>
-              <a:t>card</a:t>
-            </a:r>
-            <a:r>
-              <a:rPr lang="tr-TR" dirty="0" smtClean="0"/>
-              <a:t>)</a:t>
-            </a:r>
-            <a:endParaRPr lang="tr-TR" dirty="0"/>
-          </a:p>
-          <a:p>
-            <a:endParaRPr lang="tr-TR" dirty="0"/>
+            <a:endParaRPr lang="tr-TR" dirty="0"/>
+          </a:p>
+          <a:p>
+            <a:endParaRPr lang="tr-TR" dirty="0"/>
+          </a:p>
+          <a:p>
+            <a:endParaRPr lang="tr-TR" dirty="0"/>
+          </a:p>
+          <a:p>
+            <a:endParaRPr lang="tr-TR" dirty="0"/>
+          </a:p>
+        </p:txBody>
+      </p:sp>
+      <p:pic>
+        <p:nvPicPr>
+          <p:cNvPr id="5" name="Picture 1029" descr="D:\b\b4\IBM\01-12.jpg"/>
+          <p:cNvPicPr>
+            <a:picLocks noChangeAspect="1" noChangeArrowheads="1"/>
+          </p:cNvPicPr>
+          <p:nvPr/>
+        </p:nvPicPr>
+        <p:blipFill>
+          <a:blip r:embed="rId2">
+            <a:extLst>
+              <a:ext uri="{28A0092B-C50C-407E-A947-70E740481C1C}">
+                <a14:useLocalDpi xmlns:a14="http://schemas.microsoft.com/office/drawing/2010/main" val="0"/>
+              </a:ext>
+            </a:extLst>
+          </a:blip>
+          <a:srcRect/>
+          <a:stretch>
+            <a:fillRect/>
+          </a:stretch>
+        </p:blipFill>
+        <p:spPr bwMode="auto">
+          <a:xfrm>
+            <a:off x="3116262" y="1690688"/>
+            <a:ext cx="5959475" cy="4298950"/>
+          </a:xfrm>
+          <a:prstGeom prst="rect">
+            <a:avLst/>
+          </a:prstGeom>
+          <a:noFill/>
+          <a:ln>
+            <a:noFill/>
+          </a:ln>
+          <a:extLst>
+            <a:ext uri="{909E8E84-426E-40DD-AFC4-6F175D3DCCD1}">
+              <a14:hiddenFill xmlns:a14="http://schemas.microsoft.com/office/drawing/2010/main">
+                <a:solidFill>
+                  <a:srgbClr val="FFFFFF"/>
+                </a:solidFill>
+              </a14:hiddenFill>
+            </a:ext>
+            <a:ext uri="{91240B29-F687-4F45-9708-019B960494DF}">
+              <a14:hiddenLine xmlns:a14="http://schemas.microsoft.com/office/drawing/2010/main" w="9525">
+                <a:solidFill>
+                  <a:srgbClr val="000000"/>
+                </a:solidFill>
+                <a:miter lim="800000"/>
+                <a:headEnd/>
+                <a:tailEnd/>
+              </a14:hiddenLine>
+            </a:ext>
+          </a:extLst>
+        </p:spPr>
+      </p:pic>
+    </p:spTree>
+    <p:extLst>
+      <p:ext uri="{BB962C8B-B14F-4D97-AF65-F5344CB8AC3E}">
+        <p14:creationId xmlns:p14="http://schemas.microsoft.com/office/powerpoint/2010/main" val="1424294879"/>
+      </p:ext>
+    </p:extLst>
+  </p:cSld>
+  <p:clrMapOvr>
+    <a:masterClrMapping/>
+  </p:clrMapOvr>
+  <p:timing>
+    <p:tnLst>
+      <p:par>
+        <p:cTn id="1" dur="indefinite" restart="never" nodeType="tmRoot"/>
+      </p:par>
+    </p:tnLst>
+  </p:timing>
+</p:sld>
+</file>
+
+<file path=ppt/slides/slide45.xml><?xml version="1.0" encoding="utf-8"?>
+<p:sld xmlns:a="http://schemas.openxmlformats.org/drawingml/2006/main" xmlns:r="http://schemas.openxmlformats.org/officeDocument/2006/relationships" xmlns:p="http://schemas.openxmlformats.org/presentationml/2006/main">
+  <p:cSld>
+    <p:spTree>
+      <p:nvGrpSpPr>
+        <p:cNvPr id="1" name=""/>
+        <p:cNvGrpSpPr/>
+        <p:nvPr/>
+      </p:nvGrpSpPr>
+      <p:grpSpPr>
+        <a:xfrm>
+          <a:off x="0" y="0"/>
+          <a:ext cx="0" cy="0"/>
+          <a:chOff x="0" y="0"/>
+          <a:chExt cx="0" cy="0"/>
+        </a:xfrm>
+      </p:grpSpPr>
+      <p:sp>
+        <p:nvSpPr>
+          <p:cNvPr id="2" name="Title 1"/>
+          <p:cNvSpPr>
+            <a:spLocks noGrp="1"/>
+          </p:cNvSpPr>
+          <p:nvPr>
+            <p:ph type="title"/>
+          </p:nvPr>
+        </p:nvSpPr>
+        <p:spPr/>
+        <p:txBody>
+          <a:bodyPr/>
+          <a:lstStyle/>
+          <a:p>
+            <a:r>
+              <a:rPr lang="tr-TR" dirty="0" smtClean="0"/>
+              <a:t>Bilgisayarın Ayağa Kalkması</a:t>
+            </a:r>
+            <a:endParaRPr lang="tr-TR" dirty="0"/>
+          </a:p>
+        </p:txBody>
+      </p:sp>
+      <p:sp>
+        <p:nvSpPr>
+          <p:cNvPr id="3" name="Content Placeholder 2"/>
+          <p:cNvSpPr>
+            <a:spLocks noGrp="1"/>
+          </p:cNvSpPr>
+          <p:nvPr>
+            <p:ph idx="1"/>
+          </p:nvPr>
+        </p:nvSpPr>
+        <p:spPr>
+          <a:xfrm>
+            <a:off x="838200" y="1825625"/>
+            <a:ext cx="10515600" cy="4680000"/>
+          </a:xfrm>
+        </p:spPr>
+        <p:txBody>
+          <a:bodyPr>
+            <a:normAutofit/>
+          </a:bodyPr>
+          <a:lstStyle/>
+          <a:p>
+            <a:r>
+              <a:rPr lang="tr-TR" dirty="0" smtClean="0"/>
+              <a:t>BIOS: temel </a:t>
+            </a:r>
+            <a:r>
+              <a:rPr lang="tr-TR" dirty="0"/>
+              <a:t>giriş/çıkış </a:t>
+            </a:r>
+            <a:r>
+              <a:rPr lang="tr-TR" dirty="0" smtClean="0"/>
+              <a:t>sistemi</a:t>
+            </a:r>
+          </a:p>
+          <a:p>
+            <a:r>
+              <a:rPr lang="tr-TR" dirty="0" smtClean="0"/>
+              <a:t>Ana kartta yer alır, </a:t>
+            </a:r>
+            <a:r>
+              <a:rPr lang="tr-TR" dirty="0"/>
+              <a:t>düşük seviye </a:t>
+            </a:r>
+            <a:r>
+              <a:rPr lang="tr-TR" dirty="0" smtClean="0"/>
+              <a:t>G/Ç yazılımı</a:t>
+            </a:r>
+          </a:p>
+          <a:p>
+            <a:r>
+              <a:rPr lang="tr-TR" dirty="0" smtClean="0"/>
+              <a:t>Bellek, </a:t>
+            </a:r>
+            <a:r>
+              <a:rPr lang="tr-TR" dirty="0"/>
+              <a:t>klavye ve diğer temel cihazları kontrol </a:t>
+            </a:r>
+            <a:r>
+              <a:rPr lang="tr-TR" dirty="0" smtClean="0"/>
+              <a:t>eder</a:t>
+            </a:r>
+          </a:p>
+          <a:p>
+            <a:r>
+              <a:rPr lang="tr-TR" dirty="0" smtClean="0"/>
+              <a:t>Önyükleme </a:t>
+            </a:r>
+            <a:r>
+              <a:rPr lang="tr-TR" dirty="0"/>
+              <a:t>aygıtını </a:t>
+            </a:r>
+            <a:r>
+              <a:rPr lang="tr-TR" dirty="0" smtClean="0"/>
+              <a:t>belirler (disket</a:t>
+            </a:r>
+            <a:r>
+              <a:rPr lang="tr-TR" dirty="0"/>
+              <a:t>, CD-ROM, </a:t>
+            </a:r>
+            <a:r>
+              <a:rPr lang="tr-TR" dirty="0" smtClean="0"/>
+              <a:t>disk)</a:t>
+            </a:r>
+          </a:p>
+          <a:p>
+            <a:r>
+              <a:rPr lang="tr-TR" dirty="0" smtClean="0"/>
+              <a:t>Önyükleme </a:t>
+            </a:r>
+            <a:r>
+              <a:rPr lang="tr-TR" dirty="0"/>
+              <a:t>aygıtının ilk sektörü belleğe </a:t>
+            </a:r>
+            <a:r>
+              <a:rPr lang="tr-TR" dirty="0" smtClean="0"/>
+              <a:t>okunur</a:t>
+            </a:r>
+          </a:p>
+          <a:p>
+            <a:r>
+              <a:rPr lang="tr-TR" dirty="0" smtClean="0"/>
+              <a:t>Sektör</a:t>
+            </a:r>
+            <a:r>
+              <a:rPr lang="tr-TR" dirty="0"/>
+              <a:t>, hangi bölümün aktif olduğunu kontrol etmek için program </a:t>
+            </a:r>
+            <a:r>
+              <a:rPr lang="tr-TR" dirty="0" smtClean="0"/>
+              <a:t>içerir</a:t>
+            </a:r>
+          </a:p>
+          <a:p>
+            <a:r>
+              <a:rPr lang="tr-TR" dirty="0" smtClean="0"/>
+              <a:t>Ardından</a:t>
+            </a:r>
+            <a:r>
+              <a:rPr lang="tr-TR" dirty="0"/>
+              <a:t>, ikincil bir önyükleyici belleğe </a:t>
+            </a:r>
+            <a:r>
+              <a:rPr lang="tr-TR" dirty="0" smtClean="0"/>
+              <a:t>okunur</a:t>
+            </a:r>
+          </a:p>
+          <a:p>
+            <a:r>
+              <a:rPr lang="tr-TR" dirty="0"/>
+              <a:t>İ</a:t>
+            </a:r>
+            <a:r>
+              <a:rPr lang="tr-TR" dirty="0" smtClean="0"/>
+              <a:t>şletim sistemi </a:t>
+            </a:r>
+            <a:r>
+              <a:rPr lang="tr-TR" dirty="0"/>
+              <a:t>aktif bölümden </a:t>
+            </a:r>
+            <a:r>
+              <a:rPr lang="tr-TR" dirty="0" smtClean="0"/>
+              <a:t>okunur</a:t>
+            </a:r>
+            <a:r>
+              <a:rPr lang="tr-TR" dirty="0"/>
+              <a:t>.</a:t>
+            </a:r>
           </a:p>
           <a:p>
             <a:endParaRPr lang="tr-TR" dirty="0"/>
@@ -6762,7 +10191,7 @@
 </p:sld>
 </file>
 
-<file path=ppt/slides/slide3.xml><?xml version="1.0" encoding="utf-8"?>
+<file path=ppt/slides/slide46.xml><?xml version="1.0" encoding="utf-8"?>
 <p:sld xmlns:a="http://schemas.openxmlformats.org/drawingml/2006/main" xmlns:r="http://schemas.openxmlformats.org/officeDocument/2006/relationships" xmlns:p="http://schemas.openxmlformats.org/presentationml/2006/main">
   <p:cSld>
     <p:spTree>
@@ -6795,8 +10224,8 @@
           <a:lstStyle/>
           <a:p>
             <a:r>
-              <a:rPr lang="tr-TR" dirty="0"/>
-              <a:t>İşletim Sistemi Nerede Yer Alır</a:t>
+              <a:rPr lang="tr-TR" dirty="0" smtClean="0"/>
+              <a:t>İşletim Sistemi Çeşitleri</a:t>
             </a:r>
             <a:endParaRPr lang="tr-TR" dirty="0"/>
           </a:p>
@@ -6826,52 +10255,145 @@
           <a:p>
             <a:r>
               <a:rPr lang="tr-TR" dirty="0" smtClean="0"/>
-              <a:t>Bilgisayar </a:t>
-            </a:r>
-            <a:r>
-              <a:rPr lang="tr-TR" dirty="0"/>
-              <a:t>donanımı ve yazılım arasında bir </a:t>
-            </a:r>
-            <a:r>
-              <a:rPr lang="tr-TR" dirty="0" err="1"/>
-              <a:t>arayüzdür</a:t>
-            </a:r>
-            <a:r>
-              <a:rPr lang="tr-TR" dirty="0"/>
-              <a:t>.</a:t>
-            </a:r>
-          </a:p>
-          <a:p>
-            <a:r>
-              <a:rPr lang="tr-TR" dirty="0"/>
-              <a:t>Donanım, fiziksel olarak mevcut olan bileşenleri (örneğin CPU, RAM, diskler) temsil eder.</a:t>
-            </a:r>
-          </a:p>
-          <a:p>
-            <a:r>
-              <a:rPr lang="tr-TR" dirty="0"/>
-              <a:t>Yazılım ise, bilgisayarın yapabileceği işlemleri yürütmek için yazılmış kodları içerir.</a:t>
-            </a:r>
-          </a:p>
-          <a:p>
-            <a:r>
-              <a:rPr lang="tr-TR" dirty="0" smtClean="0"/>
-              <a:t>Donanımın </a:t>
-            </a:r>
-            <a:r>
-              <a:rPr lang="tr-TR" dirty="0"/>
-              <a:t>yazılım tarafından nasıl kullanılacağını yönetir.</a:t>
-            </a:r>
-          </a:p>
-          <a:p>
-            <a:r>
-              <a:rPr lang="tr-TR" dirty="0" smtClean="0"/>
-              <a:t>İşletim </a:t>
-            </a:r>
-            <a:r>
-              <a:rPr lang="tr-TR" dirty="0"/>
-              <a:t>sistemi, yazılımın donanımı kullanmasını kontrol ederken, aynı zamanda donanımın kullanımını optimize eder ve sistemin güvenliğini sağlar.</a:t>
-            </a:r>
+              <a:t>Anabilgisayar </a:t>
+            </a:r>
+            <a:r>
+              <a:rPr lang="tr-TR" dirty="0" smtClean="0"/>
+              <a:t>(</a:t>
+            </a:r>
+            <a:r>
+              <a:rPr lang="tr-TR" dirty="0" err="1" smtClean="0"/>
+              <a:t>mainframe</a:t>
+            </a:r>
+            <a:r>
+              <a:rPr lang="tr-TR" dirty="0" smtClean="0"/>
+              <a:t>)</a:t>
+            </a:r>
+          </a:p>
+          <a:p>
+            <a:r>
+              <a:rPr lang="tr-TR" dirty="0" smtClean="0"/>
+              <a:t>Sunucu (server)</a:t>
+            </a:r>
+          </a:p>
+          <a:p>
+            <a:r>
+              <a:rPr lang="tr-TR" dirty="0" smtClean="0"/>
+              <a:t>Çoklu işlemci </a:t>
+            </a:r>
+            <a:r>
+              <a:rPr lang="tr-TR" dirty="0" smtClean="0"/>
+              <a:t>(</a:t>
+            </a:r>
+            <a:r>
+              <a:rPr lang="tr-TR" dirty="0" err="1" smtClean="0"/>
+              <a:t>multiprocessor</a:t>
+            </a:r>
+            <a:r>
+              <a:rPr lang="tr-TR" dirty="0" smtClean="0"/>
+              <a:t>)</a:t>
+            </a:r>
+          </a:p>
+          <a:p>
+            <a:r>
+              <a:rPr lang="tr-TR" dirty="0" smtClean="0"/>
+              <a:t>Kişisel (</a:t>
+            </a:r>
+            <a:r>
+              <a:rPr lang="tr-TR" dirty="0" err="1" smtClean="0"/>
+              <a:t>personal</a:t>
+            </a:r>
+            <a:r>
+              <a:rPr lang="tr-TR" dirty="0" smtClean="0"/>
+              <a:t>)</a:t>
+            </a:r>
+          </a:p>
+          <a:p>
+            <a:r>
+              <a:rPr lang="tr-TR" dirty="0" smtClean="0"/>
+              <a:t>Mobil (</a:t>
+            </a:r>
+            <a:r>
+              <a:rPr lang="tr-TR" dirty="0" err="1" smtClean="0"/>
+              <a:t>handheld</a:t>
+            </a:r>
+            <a:r>
+              <a:rPr lang="tr-TR" dirty="0" smtClean="0"/>
+              <a:t>)</a:t>
+            </a:r>
+          </a:p>
+          <a:p>
+            <a:r>
+              <a:rPr lang="tr-TR" dirty="0" smtClean="0"/>
+              <a:t>Gömülü (</a:t>
+            </a:r>
+            <a:r>
+              <a:rPr lang="tr-TR" dirty="0" err="1" smtClean="0"/>
+              <a:t>embedded</a:t>
+            </a:r>
+            <a:r>
+              <a:rPr lang="tr-TR" dirty="0" smtClean="0"/>
+              <a:t>)</a:t>
+            </a:r>
+          </a:p>
+          <a:p>
+            <a:r>
+              <a:rPr lang="tr-TR" dirty="0" smtClean="0"/>
+              <a:t>Algılayıcı düğüm (sensor </a:t>
+            </a:r>
+            <a:r>
+              <a:rPr lang="tr-TR" dirty="0" err="1" smtClean="0"/>
+              <a:t>node</a:t>
+            </a:r>
+            <a:r>
+              <a:rPr lang="tr-TR" dirty="0" smtClean="0"/>
+              <a:t>)</a:t>
+            </a:r>
+          </a:p>
+          <a:p>
+            <a:r>
+              <a:rPr lang="tr-TR" dirty="0" smtClean="0"/>
+              <a:t>Gerçek zamanlı (</a:t>
+            </a:r>
+            <a:r>
+              <a:rPr lang="tr-TR" dirty="0" err="1" smtClean="0"/>
+              <a:t>real</a:t>
+            </a:r>
+            <a:r>
+              <a:rPr lang="tr-TR" dirty="0" smtClean="0"/>
+              <a:t>-time)</a:t>
+            </a:r>
+          </a:p>
+          <a:p>
+            <a:r>
+              <a:rPr lang="tr-TR" dirty="0" smtClean="0"/>
+              <a:t>Akıllı kart (</a:t>
+            </a:r>
+            <a:r>
+              <a:rPr lang="tr-TR" dirty="0" err="1" smtClean="0"/>
+              <a:t>smart</a:t>
+            </a:r>
+            <a:r>
+              <a:rPr lang="tr-TR" dirty="0" smtClean="0"/>
+              <a:t> </a:t>
+            </a:r>
+            <a:r>
+              <a:rPr lang="tr-TR" dirty="0" err="1" smtClean="0"/>
+              <a:t>card</a:t>
+            </a:r>
+            <a:r>
+              <a:rPr lang="tr-TR" dirty="0" smtClean="0"/>
+              <a:t>)</a:t>
+            </a:r>
+            <a:endParaRPr lang="tr-TR" dirty="0"/>
+          </a:p>
+          <a:p>
+            <a:endParaRPr lang="tr-TR" dirty="0"/>
+          </a:p>
+          <a:p>
+            <a:endParaRPr lang="tr-TR" dirty="0"/>
+          </a:p>
+          <a:p>
             <a:endParaRPr lang="tr-TR" dirty="0"/>
           </a:p>
         </p:txBody>
@@ -6879,7 +10401,7 @@
     </p:spTree>
     <p:extLst>
       <p:ext uri="{BB962C8B-B14F-4D97-AF65-F5344CB8AC3E}">
-        <p14:creationId xmlns:p14="http://schemas.microsoft.com/office/powerpoint/2010/main" val="654963759"/>
+        <p14:creationId xmlns:p14="http://schemas.microsoft.com/office/powerpoint/2010/main" val="4254770606"/>
       </p:ext>
     </p:extLst>
   </p:cSld>
@@ -6896,7 +10418,7 @@
 </p:sld>
 </file>
 
-<file path=ppt/slides/slide30.xml><?xml version="1.0" encoding="utf-8"?>
+<file path=ppt/slides/slide47.xml><?xml version="1.0" encoding="utf-8"?>
 <p:sld xmlns:a="http://schemas.openxmlformats.org/drawingml/2006/main" xmlns:r="http://schemas.openxmlformats.org/officeDocument/2006/relationships" xmlns:p="http://schemas.openxmlformats.org/presentationml/2006/main">
   <p:cSld>
     <p:spTree>
@@ -6929,8 +10451,20 @@
           <a:lstStyle/>
           <a:p>
             <a:r>
-              <a:rPr lang="tr-TR" dirty="0" smtClean="0"/>
-              <a:t>Süreçler </a:t>
+              <a:rPr lang="tr-TR" dirty="0"/>
+              <a:t>Anabilgisayar (</a:t>
+            </a:r>
+            <a:r>
+              <a:rPr lang="tr-TR" dirty="0" err="1"/>
+              <a:t>mainframe</a:t>
+            </a:r>
+            <a:r>
+              <a:rPr lang="tr-TR" dirty="0" smtClean="0"/>
+              <a:t>) İşletim </a:t>
+            </a:r>
+            <a:r>
+              <a:rPr lang="tr-TR" dirty="0" smtClean="0"/>
+              <a:t>Sistemi</a:t>
             </a:r>
             <a:endParaRPr lang="tr-TR" dirty="0"/>
           </a:p>
@@ -6960,6 +10494,1518 @@
           <a:p>
             <a:r>
               <a:rPr lang="tr-TR" dirty="0" smtClean="0"/>
+              <a:t>Büyük </a:t>
+            </a:r>
+            <a:r>
+              <a:rPr lang="tr-TR" dirty="0"/>
+              <a:t>ve karmaşık bilgisayar sistemleri için tasarlanmıştır.</a:t>
+            </a:r>
+          </a:p>
+          <a:p>
+            <a:r>
+              <a:rPr lang="tr-TR" dirty="0" smtClean="0"/>
+              <a:t>Çoklu </a:t>
+            </a:r>
+            <a:r>
+              <a:rPr lang="tr-TR" dirty="0"/>
+              <a:t>kullanıcı ve çoklu işlem desteği sunar.</a:t>
+            </a:r>
+          </a:p>
+          <a:p>
+            <a:r>
+              <a:rPr lang="tr-TR" dirty="0" smtClean="0"/>
+              <a:t>Yüksek </a:t>
+            </a:r>
+            <a:r>
+              <a:rPr lang="tr-TR" dirty="0"/>
+              <a:t>performans, yüksek güvenilirlik ve yüksek kullanılabilirlik için tasarlanmıştır.</a:t>
+            </a:r>
+          </a:p>
+          <a:p>
+            <a:r>
+              <a:rPr lang="tr-TR" dirty="0" smtClean="0"/>
+              <a:t>Büyük </a:t>
+            </a:r>
+            <a:r>
+              <a:rPr lang="tr-TR" dirty="0"/>
+              <a:t>veri setleri ve yüksek trafikli işlemler için kullanılır.</a:t>
+            </a:r>
+          </a:p>
+          <a:p>
+            <a:r>
+              <a:rPr lang="tr-TR" dirty="0" smtClean="0"/>
+              <a:t>Endüstriyel </a:t>
+            </a:r>
+            <a:r>
+              <a:rPr lang="tr-TR" dirty="0"/>
+              <a:t>ve kurumsal uygulamalar için kullanılır.</a:t>
+            </a:r>
+          </a:p>
+          <a:p>
+            <a:r>
+              <a:rPr lang="tr-TR" dirty="0" smtClean="0"/>
+              <a:t>IBM </a:t>
+            </a:r>
+            <a:r>
+              <a:rPr lang="tr-TR" dirty="0"/>
+              <a:t>z/OS, </a:t>
+            </a:r>
+            <a:r>
+              <a:rPr lang="tr-TR" dirty="0" err="1"/>
+              <a:t>Unisys</a:t>
+            </a:r>
+            <a:r>
+              <a:rPr lang="tr-TR" dirty="0"/>
+              <a:t> MCP, </a:t>
+            </a:r>
+            <a:r>
+              <a:rPr lang="tr-TR" dirty="0" err="1"/>
+              <a:t>Fujitsu</a:t>
+            </a:r>
+            <a:r>
+              <a:rPr lang="tr-TR" dirty="0"/>
+              <a:t> BS2000/OSD </a:t>
+            </a:r>
+            <a:r>
+              <a:rPr lang="tr-TR" dirty="0" smtClean="0"/>
+              <a:t>...</a:t>
+            </a:r>
+            <a:endParaRPr lang="tr-TR" dirty="0"/>
+          </a:p>
+          <a:p>
+            <a:endParaRPr lang="tr-TR" dirty="0"/>
+          </a:p>
+          <a:p>
+            <a:endParaRPr lang="tr-TR" dirty="0"/>
+          </a:p>
+        </p:txBody>
+      </p:sp>
+    </p:spTree>
+    <p:extLst>
+      <p:ext uri="{BB962C8B-B14F-4D97-AF65-F5344CB8AC3E}">
+        <p14:creationId xmlns:p14="http://schemas.microsoft.com/office/powerpoint/2010/main" val="685812579"/>
+      </p:ext>
+    </p:extLst>
+  </p:cSld>
+  <p:clrMapOvr>
+    <a:masterClrMapping/>
+  </p:clrMapOvr>
+  <p:timing>
+    <p:tnLst>
+      <p:par>
+        <p:cTn id="1" dur="indefinite" restart="never" nodeType="tmRoot"/>
+      </p:par>
+    </p:tnLst>
+  </p:timing>
+</p:sld>
+</file>
+
+<file path=ppt/slides/slide48.xml><?xml version="1.0" encoding="utf-8"?>
+<p:sld xmlns:a="http://schemas.openxmlformats.org/drawingml/2006/main" xmlns:r="http://schemas.openxmlformats.org/officeDocument/2006/relationships" xmlns:p="http://schemas.openxmlformats.org/presentationml/2006/main">
+  <p:cSld>
+    <p:spTree>
+      <p:nvGrpSpPr>
+        <p:cNvPr id="1" name=""/>
+        <p:cNvGrpSpPr/>
+        <p:nvPr/>
+      </p:nvGrpSpPr>
+      <p:grpSpPr>
+        <a:xfrm>
+          <a:off x="0" y="0"/>
+          <a:ext cx="0" cy="0"/>
+          <a:chOff x="0" y="0"/>
+          <a:chExt cx="0" cy="0"/>
+        </a:xfrm>
+      </p:grpSpPr>
+      <p:sp>
+        <p:nvSpPr>
+          <p:cNvPr id="2" name="Title 1"/>
+          <p:cNvSpPr>
+            <a:spLocks noGrp="1"/>
+          </p:cNvSpPr>
+          <p:nvPr>
+            <p:ph type="title"/>
+          </p:nvPr>
+        </p:nvSpPr>
+        <p:spPr/>
+        <p:txBody>
+          <a:bodyPr/>
+          <a:lstStyle/>
+          <a:p>
+            <a:r>
+              <a:rPr lang="tr-TR" dirty="0"/>
+              <a:t>Sunucu (server</a:t>
+            </a:r>
+            <a:r>
+              <a:rPr lang="tr-TR" dirty="0" smtClean="0"/>
+              <a:t>) İşletim </a:t>
+            </a:r>
+            <a:r>
+              <a:rPr lang="tr-TR" dirty="0" smtClean="0"/>
+              <a:t>Sistemi</a:t>
+            </a:r>
+            <a:endParaRPr lang="tr-TR" dirty="0"/>
+          </a:p>
+        </p:txBody>
+      </p:sp>
+      <p:sp>
+        <p:nvSpPr>
+          <p:cNvPr id="3" name="Content Placeholder 2"/>
+          <p:cNvSpPr>
+            <a:spLocks noGrp="1"/>
+          </p:cNvSpPr>
+          <p:nvPr>
+            <p:ph idx="1"/>
+          </p:nvPr>
+        </p:nvSpPr>
+        <p:spPr>
+          <a:xfrm>
+            <a:off x="838200" y="1825625"/>
+            <a:ext cx="10515600" cy="4680000"/>
+          </a:xfrm>
+        </p:spPr>
+        <p:txBody>
+          <a:bodyPr>
+            <a:normAutofit/>
+          </a:bodyPr>
+          <a:lstStyle/>
+          <a:p>
+            <a:r>
+              <a:rPr lang="tr-TR" dirty="0" smtClean="0"/>
+              <a:t>Çoklu </a:t>
+            </a:r>
+            <a:r>
+              <a:rPr lang="tr-TR" dirty="0"/>
+              <a:t>kullanıcı, çoklu işlem ve yüksek kullanılabilirlik için optimize edilmiştir.</a:t>
+            </a:r>
+          </a:p>
+          <a:p>
+            <a:r>
+              <a:rPr lang="tr-TR" dirty="0" smtClean="0"/>
+              <a:t>Sunucu </a:t>
+            </a:r>
+            <a:r>
+              <a:rPr lang="tr-TR" dirty="0"/>
+              <a:t>cihazlarında veri depolama, dosya paylaşımı, veritabanı işlemleri, web sunucusu hizmetleri ve diğer hizmetleri sağlar.</a:t>
+            </a:r>
+          </a:p>
+          <a:p>
+            <a:r>
+              <a:rPr lang="tr-TR" dirty="0" smtClean="0"/>
+              <a:t>Sunucu </a:t>
+            </a:r>
+            <a:r>
+              <a:rPr lang="tr-TR" dirty="0"/>
+              <a:t>işletim sistemleri, kurumsal ve endüstriyel ortamlarda yaygın olarak kullanılır.</a:t>
+            </a:r>
+          </a:p>
+          <a:p>
+            <a:r>
+              <a:rPr lang="tr-TR" dirty="0" smtClean="0"/>
+              <a:t>Kuruluşların </a:t>
+            </a:r>
+            <a:r>
+              <a:rPr lang="tr-TR" dirty="0"/>
+              <a:t>veri merkezleri, bulut bilişim ve diğer hizmetleri sağlamak için kullanılır.</a:t>
+            </a:r>
+            <a:endParaRPr lang="tr-TR" dirty="0"/>
+          </a:p>
+          <a:p>
+            <a:r>
+              <a:rPr lang="tr-TR" dirty="0"/>
+              <a:t>Windows Server, Linux, UNIX </a:t>
+            </a:r>
+            <a:r>
+              <a:rPr lang="tr-TR" dirty="0" smtClean="0"/>
+              <a:t>...</a:t>
+            </a:r>
+            <a:endParaRPr lang="tr-TR" dirty="0"/>
+          </a:p>
+          <a:p>
+            <a:endParaRPr lang="tr-TR" dirty="0"/>
+          </a:p>
+          <a:p>
+            <a:endParaRPr lang="tr-TR" dirty="0"/>
+          </a:p>
+        </p:txBody>
+      </p:sp>
+    </p:spTree>
+    <p:extLst>
+      <p:ext uri="{BB962C8B-B14F-4D97-AF65-F5344CB8AC3E}">
+        <p14:creationId xmlns:p14="http://schemas.microsoft.com/office/powerpoint/2010/main" val="1925710848"/>
+      </p:ext>
+    </p:extLst>
+  </p:cSld>
+  <p:clrMapOvr>
+    <a:masterClrMapping/>
+  </p:clrMapOvr>
+  <p:timing>
+    <p:tnLst>
+      <p:par>
+        <p:cTn id="1" dur="indefinite" restart="never" nodeType="tmRoot"/>
+      </p:par>
+    </p:tnLst>
+  </p:timing>
+</p:sld>
+</file>
+
+<file path=ppt/slides/slide49.xml><?xml version="1.0" encoding="utf-8"?>
+<p:sld xmlns:a="http://schemas.openxmlformats.org/drawingml/2006/main" xmlns:r="http://schemas.openxmlformats.org/officeDocument/2006/relationships" xmlns:p="http://schemas.openxmlformats.org/presentationml/2006/main">
+  <p:cSld>
+    <p:spTree>
+      <p:nvGrpSpPr>
+        <p:cNvPr id="1" name=""/>
+        <p:cNvGrpSpPr/>
+        <p:nvPr/>
+      </p:nvGrpSpPr>
+      <p:grpSpPr>
+        <a:xfrm>
+          <a:off x="0" y="0"/>
+          <a:ext cx="0" cy="0"/>
+          <a:chOff x="0" y="0"/>
+          <a:chExt cx="0" cy="0"/>
+        </a:xfrm>
+      </p:grpSpPr>
+      <p:sp>
+        <p:nvSpPr>
+          <p:cNvPr id="2" name="Title 1"/>
+          <p:cNvSpPr>
+            <a:spLocks noGrp="1"/>
+          </p:cNvSpPr>
+          <p:nvPr>
+            <p:ph type="title"/>
+          </p:nvPr>
+        </p:nvSpPr>
+        <p:spPr/>
+        <p:txBody>
+          <a:bodyPr/>
+          <a:lstStyle/>
+          <a:p>
+            <a:r>
+              <a:rPr lang="tr-TR" dirty="0" smtClean="0"/>
+              <a:t>Çoklu işlemci </a:t>
+            </a:r>
+            <a:r>
+              <a:rPr lang="tr-TR" dirty="0"/>
+              <a:t>(</a:t>
+            </a:r>
+            <a:r>
+              <a:rPr lang="tr-TR" dirty="0" err="1" smtClean="0"/>
+              <a:t>multiprocessor</a:t>
+            </a:r>
+            <a:r>
+              <a:rPr lang="tr-TR" dirty="0" smtClean="0"/>
+              <a:t>) İşletim </a:t>
+            </a:r>
+            <a:r>
+              <a:rPr lang="tr-TR" dirty="0" smtClean="0"/>
+              <a:t>Sistemi</a:t>
+            </a:r>
+            <a:endParaRPr lang="tr-TR" dirty="0"/>
+          </a:p>
+        </p:txBody>
+      </p:sp>
+      <p:sp>
+        <p:nvSpPr>
+          <p:cNvPr id="3" name="Content Placeholder 2"/>
+          <p:cNvSpPr>
+            <a:spLocks noGrp="1"/>
+          </p:cNvSpPr>
+          <p:nvPr>
+            <p:ph idx="1"/>
+          </p:nvPr>
+        </p:nvSpPr>
+        <p:spPr>
+          <a:xfrm>
+            <a:off x="838200" y="1825625"/>
+            <a:ext cx="10515600" cy="4680000"/>
+          </a:xfrm>
+        </p:spPr>
+        <p:txBody>
+          <a:bodyPr>
+            <a:normAutofit/>
+          </a:bodyPr>
+          <a:lstStyle/>
+          <a:p>
+            <a:r>
+              <a:rPr lang="tr-TR" dirty="0" smtClean="0"/>
+              <a:t>Birden </a:t>
+            </a:r>
+            <a:r>
+              <a:rPr lang="tr-TR" dirty="0"/>
+              <a:t>fazla işlemciye sahip bilgisayarlarda paralel işlemleri gerçekleştirmek için kullanılır.</a:t>
+            </a:r>
+          </a:p>
+          <a:p>
+            <a:r>
+              <a:rPr lang="tr-TR" dirty="0" smtClean="0"/>
+              <a:t>İşlemlerin </a:t>
+            </a:r>
+            <a:r>
+              <a:rPr lang="tr-TR" dirty="0"/>
+              <a:t>işlemci üzerinde aynı anda çalışmasını sağlar ve bu sayede işlemlerin hızını arttırır.</a:t>
+            </a:r>
+          </a:p>
+          <a:p>
+            <a:r>
+              <a:rPr lang="tr-TR" dirty="0" smtClean="0"/>
+              <a:t>Linux</a:t>
+            </a:r>
+            <a:r>
+              <a:rPr lang="tr-TR" dirty="0"/>
+              <a:t>, UNIX, Windows </a:t>
+            </a:r>
+            <a:r>
+              <a:rPr lang="tr-TR" dirty="0" smtClean="0"/>
+              <a:t>...</a:t>
+            </a:r>
+            <a:endParaRPr lang="tr-TR" dirty="0"/>
+          </a:p>
+          <a:p>
+            <a:endParaRPr lang="tr-TR" dirty="0"/>
+          </a:p>
+          <a:p>
+            <a:endParaRPr lang="tr-TR" dirty="0"/>
+          </a:p>
+        </p:txBody>
+      </p:sp>
+    </p:spTree>
+    <p:extLst>
+      <p:ext uri="{BB962C8B-B14F-4D97-AF65-F5344CB8AC3E}">
+        <p14:creationId xmlns:p14="http://schemas.microsoft.com/office/powerpoint/2010/main" val="77457783"/>
+      </p:ext>
+    </p:extLst>
+  </p:cSld>
+  <p:clrMapOvr>
+    <a:masterClrMapping/>
+  </p:clrMapOvr>
+  <p:timing>
+    <p:tnLst>
+      <p:par>
+        <p:cTn id="1" dur="indefinite" restart="never" nodeType="tmRoot"/>
+      </p:par>
+    </p:tnLst>
+  </p:timing>
+</p:sld>
+</file>
+
+<file path=ppt/slides/slide5.xml><?xml version="1.0" encoding="utf-8"?>
+<p:sld xmlns:a="http://schemas.openxmlformats.org/drawingml/2006/main" xmlns:r="http://schemas.openxmlformats.org/officeDocument/2006/relationships" xmlns:p="http://schemas.openxmlformats.org/presentationml/2006/main">
+  <p:cSld>
+    <p:spTree>
+      <p:nvGrpSpPr>
+        <p:cNvPr id="1" name=""/>
+        <p:cNvGrpSpPr/>
+        <p:nvPr/>
+      </p:nvGrpSpPr>
+      <p:grpSpPr>
+        <a:xfrm>
+          <a:off x="0" y="0"/>
+          <a:ext cx="0" cy="0"/>
+          <a:chOff x="0" y="0"/>
+          <a:chExt cx="0" cy="0"/>
+        </a:xfrm>
+      </p:grpSpPr>
+      <p:sp>
+        <p:nvSpPr>
+          <p:cNvPr id="2" name="Title 1"/>
+          <p:cNvSpPr>
+            <a:spLocks noGrp="1"/>
+          </p:cNvSpPr>
+          <p:nvPr>
+            <p:ph type="title"/>
+          </p:nvPr>
+        </p:nvSpPr>
+        <p:spPr/>
+        <p:txBody>
+          <a:bodyPr/>
+          <a:lstStyle/>
+          <a:p>
+            <a:r>
+              <a:rPr lang="tr-TR" dirty="0"/>
+              <a:t>İşletim Sistemi Nerede Yer Alır</a:t>
+            </a:r>
+          </a:p>
+        </p:txBody>
+      </p:sp>
+      <p:sp>
+        <p:nvSpPr>
+          <p:cNvPr id="3" name="Content Placeholder 2"/>
+          <p:cNvSpPr>
+            <a:spLocks noGrp="1"/>
+          </p:cNvSpPr>
+          <p:nvPr>
+            <p:ph idx="1"/>
+          </p:nvPr>
+        </p:nvSpPr>
+        <p:spPr>
+          <a:xfrm>
+            <a:off x="838200" y="1825625"/>
+            <a:ext cx="10515600" cy="4680000"/>
+          </a:xfrm>
+        </p:spPr>
+        <p:txBody>
+          <a:bodyPr/>
+          <a:lstStyle/>
+          <a:p>
+            <a:endParaRPr lang="tr-TR" dirty="0" smtClean="0"/>
+          </a:p>
+          <a:p>
+            <a:endParaRPr lang="tr-TR" dirty="0"/>
+          </a:p>
+          <a:p>
+            <a:endParaRPr lang="tr-TR" dirty="0" smtClean="0"/>
+          </a:p>
+          <a:p>
+            <a:endParaRPr lang="tr-TR" dirty="0"/>
+          </a:p>
+          <a:p>
+            <a:endParaRPr lang="tr-TR" dirty="0" smtClean="0"/>
+          </a:p>
+          <a:p>
+            <a:endParaRPr lang="tr-TR" dirty="0"/>
+          </a:p>
+          <a:p>
+            <a:endParaRPr lang="tr-TR" dirty="0" smtClean="0"/>
+          </a:p>
+          <a:p>
+            <a:endParaRPr lang="tr-TR" dirty="0"/>
+          </a:p>
+        </p:txBody>
+      </p:sp>
+      <p:pic>
+        <p:nvPicPr>
+          <p:cNvPr id="4" name="Picture 2"/>
+          <p:cNvPicPr>
+            <a:picLocks noChangeAspect="1" noChangeArrowheads="1"/>
+          </p:cNvPicPr>
+          <p:nvPr/>
+        </p:nvPicPr>
+        <p:blipFill>
+          <a:blip r:embed="rId2">
+            <a:extLst>
+              <a:ext uri="{28A0092B-C50C-407E-A947-70E740481C1C}">
+                <a14:useLocalDpi xmlns:a14="http://schemas.microsoft.com/office/drawing/2010/main" val="0"/>
+              </a:ext>
+            </a:extLst>
+          </a:blip>
+          <a:srcRect/>
+          <a:stretch>
+            <a:fillRect/>
+          </a:stretch>
+        </p:blipFill>
+        <p:spPr bwMode="auto">
+          <a:xfrm>
+            <a:off x="2356099" y="1831386"/>
+            <a:ext cx="7083323" cy="4115233"/>
+          </a:xfrm>
+          <a:prstGeom prst="rect">
+            <a:avLst/>
+          </a:prstGeom>
+          <a:noFill/>
+          <a:ln>
+            <a:noFill/>
+          </a:ln>
+          <a:extLst>
+            <a:ext uri="{909E8E84-426E-40DD-AFC4-6F175D3DCCD1}">
+              <a14:hiddenFill xmlns:a14="http://schemas.microsoft.com/office/drawing/2010/main">
+                <a:solidFill>
+                  <a:schemeClr val="accent1"/>
+                </a:solidFill>
+              </a14:hiddenFill>
+            </a:ext>
+            <a:ext uri="{91240B29-F687-4F45-9708-019B960494DF}">
+              <a14:hiddenLine xmlns:a14="http://schemas.microsoft.com/office/drawing/2010/main" w="9525">
+                <a:solidFill>
+                  <a:schemeClr val="tx1"/>
+                </a:solidFill>
+                <a:miter lim="800000"/>
+                <a:headEnd/>
+                <a:tailEnd/>
+              </a14:hiddenLine>
+            </a:ext>
+          </a:extLst>
+        </p:spPr>
+      </p:pic>
+    </p:spTree>
+    <p:extLst>
+      <p:ext uri="{BB962C8B-B14F-4D97-AF65-F5344CB8AC3E}">
+        <p14:creationId xmlns:p14="http://schemas.microsoft.com/office/powerpoint/2010/main" val="3016106892"/>
+      </p:ext>
+    </p:extLst>
+  </p:cSld>
+  <p:clrMapOvr>
+    <a:masterClrMapping/>
+  </p:clrMapOvr>
+  <p:timing>
+    <p:tnLst>
+      <p:par>
+        <p:cTn id="1" dur="indefinite" restart="never" nodeType="tmRoot"/>
+      </p:par>
+    </p:tnLst>
+  </p:timing>
+</p:sld>
+</file>
+
+<file path=ppt/slides/slide50.xml><?xml version="1.0" encoding="utf-8"?>
+<p:sld xmlns:a="http://schemas.openxmlformats.org/drawingml/2006/main" xmlns:r="http://schemas.openxmlformats.org/officeDocument/2006/relationships" xmlns:p="http://schemas.openxmlformats.org/presentationml/2006/main">
+  <p:cSld>
+    <p:spTree>
+      <p:nvGrpSpPr>
+        <p:cNvPr id="1" name=""/>
+        <p:cNvGrpSpPr/>
+        <p:nvPr/>
+      </p:nvGrpSpPr>
+      <p:grpSpPr>
+        <a:xfrm>
+          <a:off x="0" y="0"/>
+          <a:ext cx="0" cy="0"/>
+          <a:chOff x="0" y="0"/>
+          <a:chExt cx="0" cy="0"/>
+        </a:xfrm>
+      </p:grpSpPr>
+      <p:sp>
+        <p:nvSpPr>
+          <p:cNvPr id="2" name="Title 1"/>
+          <p:cNvSpPr>
+            <a:spLocks noGrp="1"/>
+          </p:cNvSpPr>
+          <p:nvPr>
+            <p:ph type="title"/>
+          </p:nvPr>
+        </p:nvSpPr>
+        <p:spPr/>
+        <p:txBody>
+          <a:bodyPr/>
+          <a:lstStyle/>
+          <a:p>
+            <a:r>
+              <a:rPr lang="tr-TR" dirty="0"/>
+              <a:t>Kişisel (</a:t>
+            </a:r>
+            <a:r>
+              <a:rPr lang="tr-TR" dirty="0" err="1" smtClean="0"/>
+              <a:t>personal</a:t>
+            </a:r>
+            <a:r>
+              <a:rPr lang="tr-TR" dirty="0" smtClean="0"/>
+              <a:t>) İşletim </a:t>
+            </a:r>
+            <a:r>
+              <a:rPr lang="tr-TR" dirty="0" smtClean="0"/>
+              <a:t>Sistemi</a:t>
+            </a:r>
+            <a:endParaRPr lang="tr-TR" dirty="0"/>
+          </a:p>
+        </p:txBody>
+      </p:sp>
+      <p:sp>
+        <p:nvSpPr>
+          <p:cNvPr id="3" name="Content Placeholder 2"/>
+          <p:cNvSpPr>
+            <a:spLocks noGrp="1"/>
+          </p:cNvSpPr>
+          <p:nvPr>
+            <p:ph idx="1"/>
+          </p:nvPr>
+        </p:nvSpPr>
+        <p:spPr>
+          <a:xfrm>
+            <a:off x="838200" y="1825625"/>
+            <a:ext cx="10515600" cy="4680000"/>
+          </a:xfrm>
+        </p:spPr>
+        <p:txBody>
+          <a:bodyPr>
+            <a:normAutofit/>
+          </a:bodyPr>
+          <a:lstStyle/>
+          <a:p>
+            <a:r>
+              <a:rPr lang="tr-TR" dirty="0" smtClean="0"/>
+              <a:t>Ev </a:t>
+            </a:r>
+            <a:r>
+              <a:rPr lang="tr-TR" dirty="0"/>
+              <a:t>kullanıcıları, öğrenciler ve küçük işletmeler </a:t>
+            </a:r>
+            <a:r>
+              <a:rPr lang="tr-TR" dirty="0" smtClean="0"/>
+              <a:t>için </a:t>
+            </a:r>
+            <a:r>
+              <a:rPr lang="tr-TR" dirty="0"/>
+              <a:t>tasarlanmıştır.</a:t>
+            </a:r>
+          </a:p>
+          <a:p>
+            <a:r>
+              <a:rPr lang="tr-TR" dirty="0" smtClean="0"/>
+              <a:t>Kullanıcıların çeşitli </a:t>
+            </a:r>
+            <a:r>
+              <a:rPr lang="tr-TR" dirty="0"/>
+              <a:t>uygulamaları ve yazılımları yüklemek, internette gezinmek ve dosyaları yönetmek gibi işlemleri gerçekleştirmek için kullanılır. </a:t>
+            </a:r>
+            <a:endParaRPr lang="tr-TR" dirty="0" smtClean="0"/>
+          </a:p>
+          <a:p>
+            <a:r>
+              <a:rPr lang="tr-TR" dirty="0" smtClean="0"/>
+              <a:t>Kullanıcı </a:t>
+            </a:r>
+            <a:r>
+              <a:rPr lang="tr-TR" dirty="0"/>
+              <a:t>dostu </a:t>
+            </a:r>
+            <a:r>
+              <a:rPr lang="tr-TR" dirty="0" err="1" smtClean="0"/>
+              <a:t>arayüzler</a:t>
+            </a:r>
+            <a:r>
+              <a:rPr lang="tr-TR" dirty="0" smtClean="0"/>
+              <a:t> </a:t>
+            </a:r>
+            <a:r>
+              <a:rPr lang="tr-TR" dirty="0"/>
+              <a:t>ve kolay kullanımı </a:t>
+            </a:r>
+            <a:r>
+              <a:rPr lang="tr-TR" dirty="0" smtClean="0"/>
+              <a:t>sunar.</a:t>
+            </a:r>
+            <a:endParaRPr lang="tr-TR" dirty="0"/>
+          </a:p>
+          <a:p>
+            <a:r>
+              <a:rPr lang="tr-TR" dirty="0"/>
+              <a:t>Windows, </a:t>
+            </a:r>
+            <a:r>
+              <a:rPr lang="tr-TR" dirty="0" err="1"/>
+              <a:t>MacOS</a:t>
+            </a:r>
+            <a:r>
+              <a:rPr lang="tr-TR" dirty="0"/>
+              <a:t>, Linux ...</a:t>
+            </a:r>
+          </a:p>
+          <a:p>
+            <a:endParaRPr lang="tr-TR" dirty="0"/>
+          </a:p>
+          <a:p>
+            <a:endParaRPr lang="tr-TR" dirty="0"/>
+          </a:p>
+        </p:txBody>
+      </p:sp>
+    </p:spTree>
+    <p:extLst>
+      <p:ext uri="{BB962C8B-B14F-4D97-AF65-F5344CB8AC3E}">
+        <p14:creationId xmlns:p14="http://schemas.microsoft.com/office/powerpoint/2010/main" val="224721210"/>
+      </p:ext>
+    </p:extLst>
+  </p:cSld>
+  <p:clrMapOvr>
+    <a:masterClrMapping/>
+  </p:clrMapOvr>
+  <p:timing>
+    <p:tnLst>
+      <p:par>
+        <p:cTn id="1" dur="indefinite" restart="never" nodeType="tmRoot"/>
+      </p:par>
+    </p:tnLst>
+  </p:timing>
+</p:sld>
+</file>
+
+<file path=ppt/slides/slide51.xml><?xml version="1.0" encoding="utf-8"?>
+<p:sld xmlns:a="http://schemas.openxmlformats.org/drawingml/2006/main" xmlns:r="http://schemas.openxmlformats.org/officeDocument/2006/relationships" xmlns:p="http://schemas.openxmlformats.org/presentationml/2006/main">
+  <p:cSld>
+    <p:spTree>
+      <p:nvGrpSpPr>
+        <p:cNvPr id="1" name=""/>
+        <p:cNvGrpSpPr/>
+        <p:nvPr/>
+      </p:nvGrpSpPr>
+      <p:grpSpPr>
+        <a:xfrm>
+          <a:off x="0" y="0"/>
+          <a:ext cx="0" cy="0"/>
+          <a:chOff x="0" y="0"/>
+          <a:chExt cx="0" cy="0"/>
+        </a:xfrm>
+      </p:grpSpPr>
+      <p:sp>
+        <p:nvSpPr>
+          <p:cNvPr id="2" name="Title 1"/>
+          <p:cNvSpPr>
+            <a:spLocks noGrp="1"/>
+          </p:cNvSpPr>
+          <p:nvPr>
+            <p:ph type="title"/>
+          </p:nvPr>
+        </p:nvSpPr>
+        <p:spPr/>
+        <p:txBody>
+          <a:bodyPr/>
+          <a:lstStyle/>
+          <a:p>
+            <a:r>
+              <a:rPr lang="tr-TR" dirty="0"/>
+              <a:t>Mobil (</a:t>
+            </a:r>
+            <a:r>
+              <a:rPr lang="tr-TR" dirty="0" err="1" smtClean="0"/>
+              <a:t>handheld</a:t>
+            </a:r>
+            <a:r>
+              <a:rPr lang="tr-TR" dirty="0" smtClean="0"/>
+              <a:t>) İşletim </a:t>
+            </a:r>
+            <a:r>
+              <a:rPr lang="tr-TR" dirty="0" smtClean="0"/>
+              <a:t>Sistemi</a:t>
+            </a:r>
+            <a:endParaRPr lang="tr-TR" dirty="0"/>
+          </a:p>
+        </p:txBody>
+      </p:sp>
+      <p:sp>
+        <p:nvSpPr>
+          <p:cNvPr id="3" name="Content Placeholder 2"/>
+          <p:cNvSpPr>
+            <a:spLocks noGrp="1"/>
+          </p:cNvSpPr>
+          <p:nvPr>
+            <p:ph idx="1"/>
+          </p:nvPr>
+        </p:nvSpPr>
+        <p:spPr>
+          <a:xfrm>
+            <a:off x="838200" y="1825625"/>
+            <a:ext cx="10515600" cy="4680000"/>
+          </a:xfrm>
+        </p:spPr>
+        <p:txBody>
+          <a:bodyPr>
+            <a:normAutofit/>
+          </a:bodyPr>
+          <a:lstStyle/>
+          <a:p>
+            <a:r>
+              <a:rPr lang="tr-TR" dirty="0" smtClean="0"/>
+              <a:t>Gömülü </a:t>
+            </a:r>
+            <a:r>
+              <a:rPr lang="tr-TR" dirty="0" smtClean="0"/>
+              <a:t>(</a:t>
+            </a:r>
+            <a:r>
+              <a:rPr lang="tr-TR" dirty="0" err="1" smtClean="0"/>
+              <a:t>embedded</a:t>
+            </a:r>
+            <a:r>
+              <a:rPr lang="tr-TR" dirty="0" smtClean="0"/>
+              <a:t>)</a:t>
+            </a:r>
+          </a:p>
+          <a:p>
+            <a:r>
+              <a:rPr lang="tr-TR" dirty="0" smtClean="0"/>
+              <a:t>Algılayıcı düğüm (sensor </a:t>
+            </a:r>
+            <a:r>
+              <a:rPr lang="tr-TR" dirty="0" err="1" smtClean="0"/>
+              <a:t>node</a:t>
+            </a:r>
+            <a:r>
+              <a:rPr lang="tr-TR" dirty="0" smtClean="0"/>
+              <a:t>)</a:t>
+            </a:r>
+          </a:p>
+          <a:p>
+            <a:r>
+              <a:rPr lang="tr-TR" dirty="0" smtClean="0"/>
+              <a:t>Gerçek zamanlı (</a:t>
+            </a:r>
+            <a:r>
+              <a:rPr lang="tr-TR" dirty="0" err="1" smtClean="0"/>
+              <a:t>real</a:t>
+            </a:r>
+            <a:r>
+              <a:rPr lang="tr-TR" dirty="0" smtClean="0"/>
+              <a:t>-time)</a:t>
+            </a:r>
+          </a:p>
+          <a:p>
+            <a:r>
+              <a:rPr lang="tr-TR" dirty="0" smtClean="0"/>
+              <a:t>Akıllı kart (</a:t>
+            </a:r>
+            <a:r>
+              <a:rPr lang="tr-TR" dirty="0" err="1" smtClean="0"/>
+              <a:t>smart</a:t>
+            </a:r>
+            <a:r>
+              <a:rPr lang="tr-TR" dirty="0" smtClean="0"/>
+              <a:t> </a:t>
+            </a:r>
+            <a:r>
+              <a:rPr lang="tr-TR" dirty="0" err="1" smtClean="0"/>
+              <a:t>card</a:t>
+            </a:r>
+            <a:r>
+              <a:rPr lang="tr-TR" dirty="0" smtClean="0"/>
+              <a:t>)</a:t>
+            </a:r>
+            <a:endParaRPr lang="tr-TR" dirty="0"/>
+          </a:p>
+          <a:p>
+            <a:endParaRPr lang="tr-TR" dirty="0"/>
+          </a:p>
+          <a:p>
+            <a:endParaRPr lang="tr-TR" dirty="0"/>
+          </a:p>
+          <a:p>
+            <a:endParaRPr lang="tr-TR" dirty="0"/>
+          </a:p>
+        </p:txBody>
+      </p:sp>
+    </p:spTree>
+    <p:extLst>
+      <p:ext uri="{BB962C8B-B14F-4D97-AF65-F5344CB8AC3E}">
+        <p14:creationId xmlns:p14="http://schemas.microsoft.com/office/powerpoint/2010/main" val="1111462748"/>
+      </p:ext>
+    </p:extLst>
+  </p:cSld>
+  <p:clrMapOvr>
+    <a:masterClrMapping/>
+  </p:clrMapOvr>
+  <p:timing>
+    <p:tnLst>
+      <p:par>
+        <p:cTn id="1" dur="indefinite" restart="never" nodeType="tmRoot"/>
+      </p:par>
+    </p:tnLst>
+  </p:timing>
+</p:sld>
+</file>
+
+<file path=ppt/slides/slide52.xml><?xml version="1.0" encoding="utf-8"?>
+<p:sld xmlns:a="http://schemas.openxmlformats.org/drawingml/2006/main" xmlns:r="http://schemas.openxmlformats.org/officeDocument/2006/relationships" xmlns:p="http://schemas.openxmlformats.org/presentationml/2006/main">
+  <p:cSld>
+    <p:spTree>
+      <p:nvGrpSpPr>
+        <p:cNvPr id="1" name=""/>
+        <p:cNvGrpSpPr/>
+        <p:nvPr/>
+      </p:nvGrpSpPr>
+      <p:grpSpPr>
+        <a:xfrm>
+          <a:off x="0" y="0"/>
+          <a:ext cx="0" cy="0"/>
+          <a:chOff x="0" y="0"/>
+          <a:chExt cx="0" cy="0"/>
+        </a:xfrm>
+      </p:grpSpPr>
+      <p:sp>
+        <p:nvSpPr>
+          <p:cNvPr id="2" name="Title 1"/>
+          <p:cNvSpPr>
+            <a:spLocks noGrp="1"/>
+          </p:cNvSpPr>
+          <p:nvPr>
+            <p:ph type="title"/>
+          </p:nvPr>
+        </p:nvSpPr>
+        <p:spPr/>
+        <p:txBody>
+          <a:bodyPr/>
+          <a:lstStyle/>
+          <a:p>
+            <a:r>
+              <a:rPr lang="tr-TR" dirty="0"/>
+              <a:t>Gömülü (</a:t>
+            </a:r>
+            <a:r>
+              <a:rPr lang="tr-TR" dirty="0" err="1" smtClean="0"/>
+              <a:t>embedded</a:t>
+            </a:r>
+            <a:r>
+              <a:rPr lang="tr-TR" dirty="0" smtClean="0"/>
+              <a:t>) İşletim </a:t>
+            </a:r>
+            <a:r>
+              <a:rPr lang="tr-TR" dirty="0" smtClean="0"/>
+              <a:t>Sistemi</a:t>
+            </a:r>
+            <a:endParaRPr lang="tr-TR" dirty="0"/>
+          </a:p>
+        </p:txBody>
+      </p:sp>
+      <p:sp>
+        <p:nvSpPr>
+          <p:cNvPr id="3" name="Content Placeholder 2"/>
+          <p:cNvSpPr>
+            <a:spLocks noGrp="1"/>
+          </p:cNvSpPr>
+          <p:nvPr>
+            <p:ph idx="1"/>
+          </p:nvPr>
+        </p:nvSpPr>
+        <p:spPr>
+          <a:xfrm>
+            <a:off x="838200" y="1825625"/>
+            <a:ext cx="10515600" cy="4680000"/>
+          </a:xfrm>
+        </p:spPr>
+        <p:txBody>
+          <a:bodyPr>
+            <a:normAutofit/>
+          </a:bodyPr>
+          <a:lstStyle/>
+          <a:p>
+            <a:r>
+              <a:rPr lang="tr-TR" dirty="0" smtClean="0"/>
+              <a:t>Algılayıcı </a:t>
+            </a:r>
+            <a:r>
+              <a:rPr lang="tr-TR" dirty="0" smtClean="0"/>
+              <a:t>düğüm (sensor </a:t>
+            </a:r>
+            <a:r>
+              <a:rPr lang="tr-TR" dirty="0" err="1" smtClean="0"/>
+              <a:t>node</a:t>
+            </a:r>
+            <a:r>
+              <a:rPr lang="tr-TR" dirty="0" smtClean="0"/>
+              <a:t>)</a:t>
+            </a:r>
+          </a:p>
+          <a:p>
+            <a:r>
+              <a:rPr lang="tr-TR" dirty="0" smtClean="0"/>
+              <a:t>Gerçek zamanlı (</a:t>
+            </a:r>
+            <a:r>
+              <a:rPr lang="tr-TR" dirty="0" err="1" smtClean="0"/>
+              <a:t>real</a:t>
+            </a:r>
+            <a:r>
+              <a:rPr lang="tr-TR" dirty="0" smtClean="0"/>
+              <a:t>-time)</a:t>
+            </a:r>
+          </a:p>
+          <a:p>
+            <a:r>
+              <a:rPr lang="tr-TR" dirty="0" smtClean="0"/>
+              <a:t>Akıllı kart (</a:t>
+            </a:r>
+            <a:r>
+              <a:rPr lang="tr-TR" dirty="0" err="1" smtClean="0"/>
+              <a:t>smart</a:t>
+            </a:r>
+            <a:r>
+              <a:rPr lang="tr-TR" dirty="0" smtClean="0"/>
+              <a:t> </a:t>
+            </a:r>
+            <a:r>
+              <a:rPr lang="tr-TR" dirty="0" err="1" smtClean="0"/>
+              <a:t>card</a:t>
+            </a:r>
+            <a:r>
+              <a:rPr lang="tr-TR" dirty="0" smtClean="0"/>
+              <a:t>)</a:t>
+            </a:r>
+            <a:endParaRPr lang="tr-TR" dirty="0"/>
+          </a:p>
+          <a:p>
+            <a:endParaRPr lang="tr-TR" dirty="0"/>
+          </a:p>
+          <a:p>
+            <a:endParaRPr lang="tr-TR" dirty="0"/>
+          </a:p>
+          <a:p>
+            <a:endParaRPr lang="tr-TR" dirty="0"/>
+          </a:p>
+        </p:txBody>
+      </p:sp>
+    </p:spTree>
+    <p:extLst>
+      <p:ext uri="{BB962C8B-B14F-4D97-AF65-F5344CB8AC3E}">
+        <p14:creationId xmlns:p14="http://schemas.microsoft.com/office/powerpoint/2010/main" val="143273698"/>
+      </p:ext>
+    </p:extLst>
+  </p:cSld>
+  <p:clrMapOvr>
+    <a:masterClrMapping/>
+  </p:clrMapOvr>
+  <p:timing>
+    <p:tnLst>
+      <p:par>
+        <p:cTn id="1" dur="indefinite" restart="never" nodeType="tmRoot"/>
+      </p:par>
+    </p:tnLst>
+  </p:timing>
+</p:sld>
+</file>
+
+<file path=ppt/slides/slide53.xml><?xml version="1.0" encoding="utf-8"?>
+<p:sld xmlns:a="http://schemas.openxmlformats.org/drawingml/2006/main" xmlns:r="http://schemas.openxmlformats.org/officeDocument/2006/relationships" xmlns:p="http://schemas.openxmlformats.org/presentationml/2006/main">
+  <p:cSld>
+    <p:spTree>
+      <p:nvGrpSpPr>
+        <p:cNvPr id="1" name=""/>
+        <p:cNvGrpSpPr/>
+        <p:nvPr/>
+      </p:nvGrpSpPr>
+      <p:grpSpPr>
+        <a:xfrm>
+          <a:off x="0" y="0"/>
+          <a:ext cx="0" cy="0"/>
+          <a:chOff x="0" y="0"/>
+          <a:chExt cx="0" cy="0"/>
+        </a:xfrm>
+      </p:grpSpPr>
+      <p:sp>
+        <p:nvSpPr>
+          <p:cNvPr id="2" name="Title 1"/>
+          <p:cNvSpPr>
+            <a:spLocks noGrp="1"/>
+          </p:cNvSpPr>
+          <p:nvPr>
+            <p:ph type="title"/>
+          </p:nvPr>
+        </p:nvSpPr>
+        <p:spPr/>
+        <p:txBody>
+          <a:bodyPr/>
+          <a:lstStyle/>
+          <a:p>
+            <a:r>
+              <a:rPr lang="tr-TR" dirty="0"/>
+              <a:t>Algılayıcı düğüm (sensor </a:t>
+            </a:r>
+            <a:r>
+              <a:rPr lang="tr-TR" dirty="0" err="1" smtClean="0"/>
+              <a:t>node</a:t>
+            </a:r>
+            <a:r>
+              <a:rPr lang="tr-TR" dirty="0" smtClean="0"/>
+              <a:t>) İşletim </a:t>
+            </a:r>
+            <a:r>
+              <a:rPr lang="tr-TR" dirty="0" smtClean="0"/>
+              <a:t>Sistemi</a:t>
+            </a:r>
+            <a:endParaRPr lang="tr-TR" dirty="0"/>
+          </a:p>
+        </p:txBody>
+      </p:sp>
+      <p:sp>
+        <p:nvSpPr>
+          <p:cNvPr id="3" name="Content Placeholder 2"/>
+          <p:cNvSpPr>
+            <a:spLocks noGrp="1"/>
+          </p:cNvSpPr>
+          <p:nvPr>
+            <p:ph idx="1"/>
+          </p:nvPr>
+        </p:nvSpPr>
+        <p:spPr>
+          <a:xfrm>
+            <a:off x="838200" y="1825625"/>
+            <a:ext cx="10515600" cy="4680000"/>
+          </a:xfrm>
+        </p:spPr>
+        <p:txBody>
+          <a:bodyPr>
+            <a:normAutofit/>
+          </a:bodyPr>
+          <a:lstStyle/>
+          <a:p>
+            <a:r>
+              <a:rPr lang="tr-TR" dirty="0" smtClean="0"/>
+              <a:t>Gerçek </a:t>
+            </a:r>
+            <a:r>
+              <a:rPr lang="tr-TR" dirty="0" smtClean="0"/>
+              <a:t>zamanlı (</a:t>
+            </a:r>
+            <a:r>
+              <a:rPr lang="tr-TR" dirty="0" err="1" smtClean="0"/>
+              <a:t>real</a:t>
+            </a:r>
+            <a:r>
+              <a:rPr lang="tr-TR" dirty="0" smtClean="0"/>
+              <a:t>-time)</a:t>
+            </a:r>
+          </a:p>
+          <a:p>
+            <a:r>
+              <a:rPr lang="tr-TR" dirty="0" smtClean="0"/>
+              <a:t>Akıllı kart (</a:t>
+            </a:r>
+            <a:r>
+              <a:rPr lang="tr-TR" dirty="0" err="1" smtClean="0"/>
+              <a:t>smart</a:t>
+            </a:r>
+            <a:r>
+              <a:rPr lang="tr-TR" dirty="0" smtClean="0"/>
+              <a:t> </a:t>
+            </a:r>
+            <a:r>
+              <a:rPr lang="tr-TR" dirty="0" err="1" smtClean="0"/>
+              <a:t>card</a:t>
+            </a:r>
+            <a:r>
+              <a:rPr lang="tr-TR" dirty="0" smtClean="0"/>
+              <a:t>)</a:t>
+            </a:r>
+            <a:endParaRPr lang="tr-TR" dirty="0"/>
+          </a:p>
+          <a:p>
+            <a:endParaRPr lang="tr-TR" dirty="0"/>
+          </a:p>
+          <a:p>
+            <a:endParaRPr lang="tr-TR" dirty="0"/>
+          </a:p>
+          <a:p>
+            <a:endParaRPr lang="tr-TR" dirty="0"/>
+          </a:p>
+        </p:txBody>
+      </p:sp>
+    </p:spTree>
+    <p:extLst>
+      <p:ext uri="{BB962C8B-B14F-4D97-AF65-F5344CB8AC3E}">
+        <p14:creationId xmlns:p14="http://schemas.microsoft.com/office/powerpoint/2010/main" val="2297613188"/>
+      </p:ext>
+    </p:extLst>
+  </p:cSld>
+  <p:clrMapOvr>
+    <a:masterClrMapping/>
+  </p:clrMapOvr>
+  <p:timing>
+    <p:tnLst>
+      <p:par>
+        <p:cTn id="1" dur="indefinite" restart="never" nodeType="tmRoot"/>
+      </p:par>
+    </p:tnLst>
+  </p:timing>
+</p:sld>
+</file>
+
+<file path=ppt/slides/slide54.xml><?xml version="1.0" encoding="utf-8"?>
+<p:sld xmlns:a="http://schemas.openxmlformats.org/drawingml/2006/main" xmlns:r="http://schemas.openxmlformats.org/officeDocument/2006/relationships" xmlns:p="http://schemas.openxmlformats.org/presentationml/2006/main">
+  <p:cSld>
+    <p:spTree>
+      <p:nvGrpSpPr>
+        <p:cNvPr id="1" name=""/>
+        <p:cNvGrpSpPr/>
+        <p:nvPr/>
+      </p:nvGrpSpPr>
+      <p:grpSpPr>
+        <a:xfrm>
+          <a:off x="0" y="0"/>
+          <a:ext cx="0" cy="0"/>
+          <a:chOff x="0" y="0"/>
+          <a:chExt cx="0" cy="0"/>
+        </a:xfrm>
+      </p:grpSpPr>
+      <p:sp>
+        <p:nvSpPr>
+          <p:cNvPr id="2" name="Title 1"/>
+          <p:cNvSpPr>
+            <a:spLocks noGrp="1"/>
+          </p:cNvSpPr>
+          <p:nvPr>
+            <p:ph type="title"/>
+          </p:nvPr>
+        </p:nvSpPr>
+        <p:spPr/>
+        <p:txBody>
+          <a:bodyPr/>
+          <a:lstStyle/>
+          <a:p>
+            <a:r>
+              <a:rPr lang="tr-TR" dirty="0"/>
+              <a:t>Gerçek zamanlı (</a:t>
+            </a:r>
+            <a:r>
+              <a:rPr lang="tr-TR" dirty="0" err="1" smtClean="0"/>
+              <a:t>real</a:t>
+            </a:r>
+            <a:r>
+              <a:rPr lang="tr-TR" dirty="0" smtClean="0"/>
+              <a:t>-time) İşletim </a:t>
+            </a:r>
+            <a:r>
+              <a:rPr lang="tr-TR" dirty="0" smtClean="0"/>
+              <a:t>Sistemi</a:t>
+            </a:r>
+            <a:endParaRPr lang="tr-TR" dirty="0"/>
+          </a:p>
+        </p:txBody>
+      </p:sp>
+      <p:sp>
+        <p:nvSpPr>
+          <p:cNvPr id="3" name="Content Placeholder 2"/>
+          <p:cNvSpPr>
+            <a:spLocks noGrp="1"/>
+          </p:cNvSpPr>
+          <p:nvPr>
+            <p:ph idx="1"/>
+          </p:nvPr>
+        </p:nvSpPr>
+        <p:spPr>
+          <a:xfrm>
+            <a:off x="838200" y="1825625"/>
+            <a:ext cx="10515600" cy="4680000"/>
+          </a:xfrm>
+        </p:spPr>
+        <p:txBody>
+          <a:bodyPr>
+            <a:normAutofit/>
+          </a:bodyPr>
+          <a:lstStyle/>
+          <a:p>
+            <a:r>
+              <a:rPr lang="tr-TR" dirty="0" smtClean="0"/>
+              <a:t>Akıllı </a:t>
+            </a:r>
+            <a:r>
+              <a:rPr lang="tr-TR" dirty="0" smtClean="0"/>
+              <a:t>kart (</a:t>
+            </a:r>
+            <a:r>
+              <a:rPr lang="tr-TR" dirty="0" err="1" smtClean="0"/>
+              <a:t>smart</a:t>
+            </a:r>
+            <a:r>
+              <a:rPr lang="tr-TR" dirty="0" smtClean="0"/>
+              <a:t> </a:t>
+            </a:r>
+            <a:r>
+              <a:rPr lang="tr-TR" dirty="0" err="1" smtClean="0"/>
+              <a:t>card</a:t>
+            </a:r>
+            <a:r>
+              <a:rPr lang="tr-TR" dirty="0" smtClean="0"/>
+              <a:t>)</a:t>
+            </a:r>
+            <a:endParaRPr lang="tr-TR" dirty="0"/>
+          </a:p>
+          <a:p>
+            <a:endParaRPr lang="tr-TR" dirty="0"/>
+          </a:p>
+          <a:p>
+            <a:endParaRPr lang="tr-TR" dirty="0"/>
+          </a:p>
+          <a:p>
+            <a:endParaRPr lang="tr-TR" dirty="0"/>
+          </a:p>
+        </p:txBody>
+      </p:sp>
+    </p:spTree>
+    <p:extLst>
+      <p:ext uri="{BB962C8B-B14F-4D97-AF65-F5344CB8AC3E}">
+        <p14:creationId xmlns:p14="http://schemas.microsoft.com/office/powerpoint/2010/main" val="3091077942"/>
+      </p:ext>
+    </p:extLst>
+  </p:cSld>
+  <p:clrMapOvr>
+    <a:masterClrMapping/>
+  </p:clrMapOvr>
+  <p:timing>
+    <p:tnLst>
+      <p:par>
+        <p:cTn id="1" dur="indefinite" restart="never" nodeType="tmRoot"/>
+      </p:par>
+    </p:tnLst>
+  </p:timing>
+</p:sld>
+</file>
+
+<file path=ppt/slides/slide55.xml><?xml version="1.0" encoding="utf-8"?>
+<p:sld xmlns:a="http://schemas.openxmlformats.org/drawingml/2006/main" xmlns:r="http://schemas.openxmlformats.org/officeDocument/2006/relationships" xmlns:p="http://schemas.openxmlformats.org/presentationml/2006/main">
+  <p:cSld>
+    <p:spTree>
+      <p:nvGrpSpPr>
+        <p:cNvPr id="1" name=""/>
+        <p:cNvGrpSpPr/>
+        <p:nvPr/>
+      </p:nvGrpSpPr>
+      <p:grpSpPr>
+        <a:xfrm>
+          <a:off x="0" y="0"/>
+          <a:ext cx="0" cy="0"/>
+          <a:chOff x="0" y="0"/>
+          <a:chExt cx="0" cy="0"/>
+        </a:xfrm>
+      </p:grpSpPr>
+      <p:sp>
+        <p:nvSpPr>
+          <p:cNvPr id="2" name="Title 1"/>
+          <p:cNvSpPr>
+            <a:spLocks noGrp="1"/>
+          </p:cNvSpPr>
+          <p:nvPr>
+            <p:ph type="title"/>
+          </p:nvPr>
+        </p:nvSpPr>
+        <p:spPr/>
+        <p:txBody>
+          <a:bodyPr/>
+          <a:lstStyle/>
+          <a:p>
+            <a:r>
+              <a:rPr lang="tr-TR" dirty="0"/>
+              <a:t>Akıllı kart (</a:t>
+            </a:r>
+            <a:r>
+              <a:rPr lang="tr-TR" dirty="0" err="1"/>
+              <a:t>smart</a:t>
+            </a:r>
+            <a:r>
+              <a:rPr lang="tr-TR" dirty="0"/>
+              <a:t> </a:t>
+            </a:r>
+            <a:r>
+              <a:rPr lang="tr-TR" dirty="0" err="1" smtClean="0"/>
+              <a:t>card</a:t>
+            </a:r>
+            <a:r>
+              <a:rPr lang="tr-TR" dirty="0" smtClean="0"/>
+              <a:t>) İşletim </a:t>
+            </a:r>
+            <a:r>
+              <a:rPr lang="tr-TR" dirty="0" smtClean="0"/>
+              <a:t>Sistemi</a:t>
+            </a:r>
+            <a:endParaRPr lang="tr-TR" dirty="0"/>
+          </a:p>
+        </p:txBody>
+      </p:sp>
+      <p:sp>
+        <p:nvSpPr>
+          <p:cNvPr id="3" name="Content Placeholder 2"/>
+          <p:cNvSpPr>
+            <a:spLocks noGrp="1"/>
+          </p:cNvSpPr>
+          <p:nvPr>
+            <p:ph idx="1"/>
+          </p:nvPr>
+        </p:nvSpPr>
+        <p:spPr>
+          <a:xfrm>
+            <a:off x="838200" y="1825625"/>
+            <a:ext cx="10515600" cy="4680000"/>
+          </a:xfrm>
+        </p:spPr>
+        <p:txBody>
+          <a:bodyPr>
+            <a:normAutofit/>
+          </a:bodyPr>
+          <a:lstStyle/>
+          <a:p>
+            <a:r>
+              <a:rPr lang="tr-TR" dirty="0" smtClean="0"/>
+              <a:t>a</a:t>
+            </a:r>
+            <a:endParaRPr lang="tr-TR" dirty="0"/>
+          </a:p>
+          <a:p>
+            <a:endParaRPr lang="tr-TR" dirty="0"/>
+          </a:p>
+          <a:p>
+            <a:endParaRPr lang="tr-TR" dirty="0"/>
+          </a:p>
+        </p:txBody>
+      </p:sp>
+    </p:spTree>
+    <p:extLst>
+      <p:ext uri="{BB962C8B-B14F-4D97-AF65-F5344CB8AC3E}">
+        <p14:creationId xmlns:p14="http://schemas.microsoft.com/office/powerpoint/2010/main" val="701588533"/>
+      </p:ext>
+    </p:extLst>
+  </p:cSld>
+  <p:clrMapOvr>
+    <a:masterClrMapping/>
+  </p:clrMapOvr>
+  <p:timing>
+    <p:tnLst>
+      <p:par>
+        <p:cTn id="1" dur="indefinite" restart="never" nodeType="tmRoot"/>
+      </p:par>
+    </p:tnLst>
+  </p:timing>
+</p:sld>
+</file>
+
+<file path=ppt/slides/slide56.xml><?xml version="1.0" encoding="utf-8"?>
+<p:sld xmlns:a="http://schemas.openxmlformats.org/drawingml/2006/main" xmlns:r="http://schemas.openxmlformats.org/officeDocument/2006/relationships" xmlns:p="http://schemas.openxmlformats.org/presentationml/2006/main">
+  <p:cSld>
+    <p:spTree>
+      <p:nvGrpSpPr>
+        <p:cNvPr id="1" name=""/>
+        <p:cNvGrpSpPr/>
+        <p:nvPr/>
+      </p:nvGrpSpPr>
+      <p:grpSpPr>
+        <a:xfrm>
+          <a:off x="0" y="0"/>
+          <a:ext cx="0" cy="0"/>
+          <a:chOff x="0" y="0"/>
+          <a:chExt cx="0" cy="0"/>
+        </a:xfrm>
+      </p:grpSpPr>
+      <p:sp>
+        <p:nvSpPr>
+          <p:cNvPr id="2" name="Title 1"/>
+          <p:cNvSpPr>
+            <a:spLocks noGrp="1"/>
+          </p:cNvSpPr>
+          <p:nvPr>
+            <p:ph type="title"/>
+          </p:nvPr>
+        </p:nvSpPr>
+        <p:spPr/>
+        <p:txBody>
+          <a:bodyPr/>
+          <a:lstStyle/>
+          <a:p>
+            <a:r>
+              <a:rPr lang="tr-TR" dirty="0" smtClean="0"/>
+              <a:t>Süreçler </a:t>
+            </a:r>
+            <a:endParaRPr lang="tr-TR" dirty="0"/>
+          </a:p>
+        </p:txBody>
+      </p:sp>
+      <p:sp>
+        <p:nvSpPr>
+          <p:cNvPr id="3" name="Content Placeholder 2"/>
+          <p:cNvSpPr>
+            <a:spLocks noGrp="1"/>
+          </p:cNvSpPr>
+          <p:nvPr>
+            <p:ph idx="1"/>
+          </p:nvPr>
+        </p:nvSpPr>
+        <p:spPr>
+          <a:xfrm>
+            <a:off x="838200" y="1825625"/>
+            <a:ext cx="10515600" cy="4680000"/>
+          </a:xfrm>
+        </p:spPr>
+        <p:txBody>
+          <a:bodyPr>
+            <a:normAutofit/>
+          </a:bodyPr>
+          <a:lstStyle/>
+          <a:p>
+            <a:r>
+              <a:rPr lang="tr-TR" dirty="0" smtClean="0"/>
               <a:t>İşletim </a:t>
             </a:r>
             <a:r>
@@ -7018,8 +12064,37 @@
               <a:t>Adres uzayı ile ilişkilidir</a:t>
             </a:r>
             <a:r>
-              <a:rPr lang="tr-TR" dirty="0" smtClean="0"/>
-              <a:t>.</a:t>
+              <a:rPr lang="tr-TR" dirty="0"/>
+              <a:t>. </a:t>
+            </a:r>
+            <a:endParaRPr lang="tr-TR" dirty="0" smtClean="0"/>
+          </a:p>
+          <a:p>
+            <a:r>
+              <a:rPr lang="tr-TR" dirty="0" smtClean="0"/>
+              <a:t>Adres uzayı: 0-4G, </a:t>
+            </a:r>
+            <a:r>
+              <a:rPr lang="tr-TR" dirty="0"/>
+              <a:t>yürütülebilir program, programın verileri ve </a:t>
+            </a:r>
+            <a:r>
+              <a:rPr lang="tr-TR" dirty="0" smtClean="0"/>
+              <a:t>yığını</a:t>
+            </a:r>
+          </a:p>
+          <a:p>
+            <a:r>
+              <a:rPr lang="tr-TR" dirty="0" smtClean="0"/>
+              <a:t>Yazmaçlar, </a:t>
+            </a:r>
+            <a:r>
+              <a:rPr lang="tr-TR" dirty="0"/>
+              <a:t>dosyalar, alarmlar, ilgili </a:t>
+            </a:r>
+            <a:r>
+              <a:rPr lang="tr-TR" dirty="0" smtClean="0"/>
+              <a:t>süreçler…</a:t>
             </a:r>
             <a:endParaRPr lang="tr-TR" dirty="0"/>
           </a:p>
@@ -7054,7 +12129,7 @@
 </p:sld>
 </file>
 
-<file path=ppt/slides/slide31.xml><?xml version="1.0" encoding="utf-8"?>
+<file path=ppt/slides/slide57.xml><?xml version="1.0" encoding="utf-8"?>
 <p:sld xmlns:a="http://schemas.openxmlformats.org/drawingml/2006/main" xmlns:r="http://schemas.openxmlformats.org/officeDocument/2006/relationships" xmlns:p="http://schemas.openxmlformats.org/presentationml/2006/main">
   <p:cSld>
     <p:spTree>
@@ -7213,7 +12288,154 @@
 </p:sld>
 </file>
 
-<file path=ppt/slides/slide32.xml><?xml version="1.0" encoding="utf-8"?>
+<file path=ppt/slides/slide58.xml><?xml version="1.0" encoding="utf-8"?>
+<p:sld xmlns:a="http://schemas.openxmlformats.org/drawingml/2006/main" xmlns:r="http://schemas.openxmlformats.org/officeDocument/2006/relationships" xmlns:p="http://schemas.openxmlformats.org/presentationml/2006/main">
+  <p:cSld>
+    <p:spTree>
+      <p:nvGrpSpPr>
+        <p:cNvPr id="1" name=""/>
+        <p:cNvGrpSpPr/>
+        <p:nvPr/>
+      </p:nvGrpSpPr>
+      <p:grpSpPr>
+        <a:xfrm>
+          <a:off x="0" y="0"/>
+          <a:ext cx="0" cy="0"/>
+          <a:chOff x="0" y="0"/>
+          <a:chExt cx="0" cy="0"/>
+        </a:xfrm>
+      </p:grpSpPr>
+      <p:sp>
+        <p:nvSpPr>
+          <p:cNvPr id="2" name="Title 1"/>
+          <p:cNvSpPr>
+            <a:spLocks noGrp="1"/>
+          </p:cNvSpPr>
+          <p:nvPr>
+            <p:ph type="title"/>
+          </p:nvPr>
+        </p:nvSpPr>
+        <p:spPr/>
+        <p:txBody>
+          <a:bodyPr/>
+          <a:lstStyle/>
+          <a:p>
+            <a:r>
+              <a:rPr lang="tr-TR" dirty="0" smtClean="0"/>
+              <a:t>Adres Uzayı</a:t>
+            </a:r>
+            <a:endParaRPr lang="tr-TR" dirty="0"/>
+          </a:p>
+        </p:txBody>
+      </p:sp>
+      <p:sp>
+        <p:nvSpPr>
+          <p:cNvPr id="3" name="Content Placeholder 2"/>
+          <p:cNvSpPr>
+            <a:spLocks noGrp="1"/>
+          </p:cNvSpPr>
+          <p:nvPr>
+            <p:ph idx="1"/>
+          </p:nvPr>
+        </p:nvSpPr>
+        <p:spPr>
+          <a:xfrm>
+            <a:off x="838200" y="1825625"/>
+            <a:ext cx="10515600" cy="4680000"/>
+          </a:xfrm>
+        </p:spPr>
+        <p:txBody>
+          <a:bodyPr>
+            <a:normAutofit/>
+          </a:bodyPr>
+          <a:lstStyle/>
+          <a:p>
+            <a:r>
+              <a:rPr lang="tr-TR" dirty="0"/>
+              <a:t>Kavram olarak bir </a:t>
+            </a:r>
+            <a:r>
+              <a:rPr lang="tr-TR" dirty="0" smtClean="0"/>
+              <a:t>süreç tarafından </a:t>
+            </a:r>
+            <a:r>
+              <a:rPr lang="tr-TR" dirty="0"/>
+              <a:t>kullanılan </a:t>
+            </a:r>
+            <a:r>
+              <a:rPr lang="tr-TR" dirty="0" smtClean="0"/>
+              <a:t>bellek</a:t>
+            </a:r>
+          </a:p>
+          <a:p>
+            <a:r>
+              <a:rPr lang="tr-TR" dirty="0" smtClean="0"/>
+              <a:t>İşletim sistemi, </a:t>
+            </a:r>
+            <a:r>
+              <a:rPr lang="tr-TR" dirty="0"/>
+              <a:t>bellekte aynı anda birden çok </a:t>
+            </a:r>
+            <a:r>
+              <a:rPr lang="tr-TR" dirty="0" smtClean="0"/>
+              <a:t>sürece izin verir</a:t>
+            </a:r>
+          </a:p>
+          <a:p>
+            <a:r>
+              <a:rPr lang="tr-TR" dirty="0" smtClean="0"/>
+              <a:t>Bazı </a:t>
+            </a:r>
+            <a:r>
+              <a:rPr lang="tr-TR" dirty="0"/>
+              <a:t>işlemler, fiziksel olarak mevcut olandan daha fazla belleğe ihtiyaç </a:t>
+            </a:r>
+            <a:r>
+              <a:rPr lang="tr-TR" dirty="0" smtClean="0"/>
+              <a:t>duyar, bu durumda </a:t>
+            </a:r>
+            <a:r>
+              <a:rPr lang="tr-TR" dirty="0"/>
+              <a:t>sanal </a:t>
+            </a:r>
+            <a:r>
+              <a:rPr lang="tr-TR" dirty="0" smtClean="0"/>
+              <a:t>bellek devreye girer.</a:t>
+            </a:r>
+            <a:endParaRPr lang="tr-TR" dirty="0" smtClean="0"/>
+          </a:p>
+          <a:p>
+            <a:endParaRPr lang="tr-TR" dirty="0"/>
+          </a:p>
+          <a:p>
+            <a:endParaRPr lang="tr-TR" dirty="0"/>
+          </a:p>
+          <a:p>
+            <a:endParaRPr lang="tr-TR" dirty="0"/>
+          </a:p>
+        </p:txBody>
+      </p:sp>
+    </p:spTree>
+    <p:extLst>
+      <p:ext uri="{BB962C8B-B14F-4D97-AF65-F5344CB8AC3E}">
+        <p14:creationId xmlns:p14="http://schemas.microsoft.com/office/powerpoint/2010/main" val="2811356476"/>
+      </p:ext>
+    </p:extLst>
+  </p:cSld>
+  <p:clrMapOvr>
+    <a:masterClrMapping/>
+  </p:clrMapOvr>
+  <p:timing>
+    <p:tnLst>
+      <p:par>
+        <p:cTn id="1" dur="indefinite" restart="never" nodeType="tmRoot"/>
+      </p:par>
+    </p:tnLst>
+  </p:timing>
+</p:sld>
+</file>
+
+<file path=ppt/slides/slide59.xml><?xml version="1.0" encoding="utf-8"?>
 <p:sld xmlns:a="http://schemas.openxmlformats.org/drawingml/2006/main" xmlns:r="http://schemas.openxmlformats.org/officeDocument/2006/relationships" xmlns:p="http://schemas.openxmlformats.org/presentationml/2006/main">
   <p:cSld>
     <p:spTree>
@@ -7356,7 +12578,207 @@
 </p:sld>
 </file>
 
-<file path=ppt/slides/slide33.xml><?xml version="1.0" encoding="utf-8"?>
+<file path=ppt/slides/slide6.xml><?xml version="1.0" encoding="utf-8"?>
+<p:sld xmlns:a="http://schemas.openxmlformats.org/drawingml/2006/main" xmlns:r="http://schemas.openxmlformats.org/officeDocument/2006/relationships" xmlns:p="http://schemas.openxmlformats.org/presentationml/2006/main">
+  <p:cSld>
+    <p:spTree>
+      <p:nvGrpSpPr>
+        <p:cNvPr id="1" name=""/>
+        <p:cNvGrpSpPr/>
+        <p:nvPr/>
+      </p:nvGrpSpPr>
+      <p:grpSpPr>
+        <a:xfrm>
+          <a:off x="0" y="0"/>
+          <a:ext cx="0" cy="0"/>
+          <a:chOff x="0" y="0"/>
+          <a:chExt cx="0" cy="0"/>
+        </a:xfrm>
+      </p:grpSpPr>
+      <p:sp>
+        <p:nvSpPr>
+          <p:cNvPr id="2" name="Title 1"/>
+          <p:cNvSpPr>
+            <a:spLocks noGrp="1"/>
+          </p:cNvSpPr>
+          <p:nvPr>
+            <p:ph type="title"/>
+          </p:nvPr>
+        </p:nvSpPr>
+        <p:spPr/>
+        <p:txBody>
+          <a:bodyPr/>
+          <a:lstStyle/>
+          <a:p>
+            <a:r>
+              <a:rPr lang="tr-TR" dirty="0" smtClean="0"/>
+              <a:t>Çekirdek </a:t>
+            </a:r>
+            <a:r>
+              <a:rPr lang="tr-TR" dirty="0" err="1" smtClean="0"/>
+              <a:t>Modu</a:t>
+            </a:r>
+            <a:r>
+              <a:rPr lang="tr-TR" dirty="0" smtClean="0"/>
+              <a:t> ve Kullanıcı </a:t>
+            </a:r>
+            <a:r>
+              <a:rPr lang="tr-TR" dirty="0" err="1" smtClean="0"/>
+              <a:t>Modu</a:t>
+            </a:r>
+            <a:r>
+              <a:rPr lang="nn-NO" dirty="0" smtClean="0"/>
+              <a:t> </a:t>
+            </a:r>
+            <a:endParaRPr lang="tr-TR" dirty="0"/>
+          </a:p>
+        </p:txBody>
+      </p:sp>
+      <p:sp>
+        <p:nvSpPr>
+          <p:cNvPr id="3" name="Content Placeholder 2"/>
+          <p:cNvSpPr>
+            <a:spLocks noGrp="1"/>
+          </p:cNvSpPr>
+          <p:nvPr>
+            <p:ph idx="1"/>
+          </p:nvPr>
+        </p:nvSpPr>
+        <p:spPr>
+          <a:xfrm>
+            <a:off x="838200" y="1825625"/>
+            <a:ext cx="10515600" cy="4680000"/>
+          </a:xfrm>
+        </p:spPr>
+        <p:txBody>
+          <a:bodyPr>
+            <a:normAutofit/>
+          </a:bodyPr>
+          <a:lstStyle/>
+          <a:p>
+            <a:r>
+              <a:rPr lang="tr-TR" dirty="0"/>
+              <a:t>Çoğu bilgisayarın iki çalışma </a:t>
+            </a:r>
+            <a:r>
+              <a:rPr lang="tr-TR" dirty="0" err="1"/>
+              <a:t>modu</a:t>
+            </a:r>
+            <a:r>
+              <a:rPr lang="tr-TR" dirty="0"/>
+              <a:t> vardır</a:t>
+            </a:r>
+            <a:r>
+              <a:rPr lang="tr-TR" dirty="0" smtClean="0"/>
+              <a:t>:</a:t>
+            </a:r>
+          </a:p>
+          <a:p>
+            <a:endParaRPr lang="tr-TR" dirty="0"/>
+          </a:p>
+          <a:p>
+            <a:r>
+              <a:rPr lang="tr-TR" dirty="0"/>
+              <a:t>İşletim sistemi, tüm donanıma tam erişime sahip olan ve herhangi bir talimatı yürütebilen çekirdek </a:t>
+            </a:r>
+            <a:r>
+              <a:rPr lang="tr-TR" dirty="0" err="1"/>
+              <a:t>modunda</a:t>
+            </a:r>
+            <a:r>
+              <a:rPr lang="tr-TR" dirty="0"/>
+              <a:t> çalışır</a:t>
+            </a:r>
+            <a:r>
+              <a:rPr lang="tr-TR" dirty="0" smtClean="0"/>
+              <a:t>.</a:t>
+            </a:r>
+          </a:p>
+          <a:p>
+            <a:r>
+              <a:rPr lang="tr-TR" dirty="0" smtClean="0"/>
+              <a:t>Yazılımın </a:t>
+            </a:r>
+            <a:r>
+              <a:rPr lang="tr-TR" dirty="0"/>
+              <a:t>geri kalanı, sınırlı kapasiteye sahip kullanıcı </a:t>
+            </a:r>
+            <a:r>
+              <a:rPr lang="tr-TR" dirty="0" err="1"/>
+              <a:t>modunda</a:t>
+            </a:r>
+            <a:r>
+              <a:rPr lang="tr-TR" dirty="0"/>
+              <a:t> çalışır</a:t>
+            </a:r>
+            <a:r>
+              <a:rPr lang="tr-TR" dirty="0" smtClean="0"/>
+              <a:t>.</a:t>
+            </a:r>
+          </a:p>
+          <a:p>
+            <a:r>
+              <a:rPr lang="tr-TR" dirty="0" smtClean="0"/>
+              <a:t>Kabuk </a:t>
+            </a:r>
+            <a:r>
+              <a:rPr lang="tr-TR" dirty="0"/>
+              <a:t>veya </a:t>
+            </a:r>
+            <a:r>
+              <a:rPr lang="tr-TR" dirty="0" smtClean="0"/>
+              <a:t>GKA, </a:t>
+            </a:r>
+            <a:r>
+              <a:rPr lang="tr-TR" dirty="0"/>
+              <a:t>kullanıcı </a:t>
+            </a:r>
+            <a:r>
+              <a:rPr lang="tr-TR" dirty="0" err="1"/>
+              <a:t>modu</a:t>
+            </a:r>
+            <a:r>
+              <a:rPr lang="tr-TR" dirty="0"/>
+              <a:t> yazılımının en düşük </a:t>
+            </a:r>
+            <a:r>
+              <a:rPr lang="tr-TR" dirty="0" smtClean="0"/>
+              <a:t>seviyesidir.</a:t>
+            </a:r>
+            <a:endParaRPr lang="tr-TR" dirty="0"/>
+          </a:p>
+          <a:p>
+            <a:endParaRPr lang="tr-TR" dirty="0"/>
+          </a:p>
+          <a:p>
+            <a:endParaRPr lang="tr-TR" dirty="0"/>
+          </a:p>
+          <a:p>
+            <a:endParaRPr lang="tr-TR" dirty="0"/>
+          </a:p>
+        </p:txBody>
+      </p:sp>
+    </p:spTree>
+    <p:extLst>
+      <p:ext uri="{BB962C8B-B14F-4D97-AF65-F5344CB8AC3E}">
+        <p14:creationId xmlns:p14="http://schemas.microsoft.com/office/powerpoint/2010/main" val="659976593"/>
+      </p:ext>
+    </p:extLst>
+  </p:cSld>
+  <p:clrMapOvr>
+    <a:masterClrMapping/>
+  </p:clrMapOvr>
+  <p:timing>
+    <p:tnLst>
+      <p:par>
+        <p:cTn id="1" dur="indefinite" restart="never" nodeType="tmRoot"/>
+      </p:par>
+    </p:tnLst>
+  </p:timing>
+</p:sld>
+</file>
+
+<file path=ppt/slides/slide60.xml><?xml version="1.0" encoding="utf-8"?>
 <p:sld xmlns:a="http://schemas.openxmlformats.org/drawingml/2006/main" xmlns:r="http://schemas.openxmlformats.org/officeDocument/2006/relationships" xmlns:p="http://schemas.openxmlformats.org/presentationml/2006/main">
   <p:cSld>
     <p:spTree>
@@ -7509,7 +12931,7 @@
 </p:sld>
 </file>
 
-<file path=ppt/slides/slide34.xml><?xml version="1.0" encoding="utf-8"?>
+<file path=ppt/slides/slide61.xml><?xml version="1.0" encoding="utf-8"?>
 <p:sld xmlns:a="http://schemas.openxmlformats.org/drawingml/2006/main" xmlns:r="http://schemas.openxmlformats.org/officeDocument/2006/relationships" xmlns:p="http://schemas.openxmlformats.org/presentationml/2006/main">
   <p:cSld>
     <p:spTree>
@@ -7690,7 +13112,7 @@
 </p:sld>
 </file>
 
-<file path=ppt/slides/slide35.xml><?xml version="1.0" encoding="utf-8"?>
+<file path=ppt/slides/slide62.xml><?xml version="1.0" encoding="utf-8"?>
 <p:sld xmlns:a="http://schemas.openxmlformats.org/drawingml/2006/main" xmlns:r="http://schemas.openxmlformats.org/officeDocument/2006/relationships" xmlns:p="http://schemas.openxmlformats.org/presentationml/2006/main">
   <p:cSld>
     <p:spTree>
@@ -7851,7 +13273,7 @@
 </p:sld>
 </file>
 
-<file path=ppt/slides/slide36.xml><?xml version="1.0" encoding="utf-8"?>
+<file path=ppt/slides/slide63.xml><?xml version="1.0" encoding="utf-8"?>
 <p:sld xmlns:a="http://schemas.openxmlformats.org/drawingml/2006/main" xmlns:r="http://schemas.openxmlformats.org/officeDocument/2006/relationships" xmlns:p="http://schemas.openxmlformats.org/presentationml/2006/main">
   <p:cSld>
     <p:spTree>
@@ -7943,8 +13365,19 @@
           <a:p>
             <a:r>
               <a:rPr lang="tr-TR" dirty="0"/>
-              <a:t>Sistem çağrıları, uygulama programları tarafından kullanılır ve işletim sistemi tarafından yürütülür.</a:t>
-            </a:r>
+              <a:t>Sistem çağrıları, uygulama programları tarafından kullanılır ve işletim sistemi tarafından yürütülür</a:t>
+            </a:r>
+            <a:r>
+              <a:rPr lang="tr-TR" dirty="0" smtClean="0"/>
+              <a:t>.</a:t>
+            </a:r>
+          </a:p>
+          <a:p>
+            <a:r>
+              <a:rPr lang="tr-TR" dirty="0"/>
+              <a:t>Sistem çağrıları sistemden sisteme değişir, ancak temel kavramlar benzerdir.</a:t>
+            </a:r>
+            <a:endParaRPr lang="tr-TR" dirty="0"/>
           </a:p>
           <a:p>
             <a:endParaRPr lang="tr-TR" dirty="0"/>
@@ -7974,7 +13407,7 @@
 </p:sld>
 </file>
 
-<file path=ppt/slides/slide37.xml><?xml version="1.0" encoding="utf-8"?>
+<file path=ppt/slides/slide64.xml><?xml version="1.0" encoding="utf-8"?>
 <p:sld xmlns:a="http://schemas.openxmlformats.org/drawingml/2006/main" xmlns:r="http://schemas.openxmlformats.org/officeDocument/2006/relationships" xmlns:p="http://schemas.openxmlformats.org/presentationml/2006/main">
   <p:cSld>
     <p:spTree>
@@ -8158,7 +13591,7 @@
 </p:sld>
 </file>
 
-<file path=ppt/slides/slide38.xml><?xml version="1.0" encoding="utf-8"?>
+<file path=ppt/slides/slide65.xml><?xml version="1.0" encoding="utf-8"?>
 <p:sld xmlns:a="http://schemas.openxmlformats.org/drawingml/2006/main" xmlns:r="http://schemas.openxmlformats.org/officeDocument/2006/relationships" xmlns:p="http://schemas.openxmlformats.org/presentationml/2006/main">
   <p:cSld>
     <p:spTree>
@@ -8333,7 +13766,7 @@
 </p:sld>
 </file>
 
-<file path=ppt/slides/slide39.xml><?xml version="1.0" encoding="utf-8"?>
+<file path=ppt/slides/slide66.xml><?xml version="1.0" encoding="utf-8"?>
 <p:sld xmlns:a="http://schemas.openxmlformats.org/drawingml/2006/main" xmlns:r="http://schemas.openxmlformats.org/officeDocument/2006/relationships" xmlns:p="http://schemas.openxmlformats.org/presentationml/2006/main">
   <p:cSld>
     <p:spTree>
@@ -8522,166 +13955,7 @@
 </p:sld>
 </file>
 
-<file path=ppt/slides/slide4.xml><?xml version="1.0" encoding="utf-8"?>
-<p:sld xmlns:a="http://schemas.openxmlformats.org/drawingml/2006/main" xmlns:r="http://schemas.openxmlformats.org/officeDocument/2006/relationships" xmlns:p="http://schemas.openxmlformats.org/presentationml/2006/main">
-  <p:cSld>
-    <p:spTree>
-      <p:nvGrpSpPr>
-        <p:cNvPr id="1" name=""/>
-        <p:cNvGrpSpPr/>
-        <p:nvPr/>
-      </p:nvGrpSpPr>
-      <p:grpSpPr>
-        <a:xfrm>
-          <a:off x="0" y="0"/>
-          <a:ext cx="0" cy="0"/>
-          <a:chOff x="0" y="0"/>
-          <a:chExt cx="0" cy="0"/>
-        </a:xfrm>
-      </p:grpSpPr>
-      <p:sp>
-        <p:nvSpPr>
-          <p:cNvPr id="2" name="Title 1"/>
-          <p:cNvSpPr>
-            <a:spLocks noGrp="1"/>
-          </p:cNvSpPr>
-          <p:nvPr>
-            <p:ph type="title"/>
-          </p:nvPr>
-        </p:nvSpPr>
-        <p:spPr/>
-        <p:txBody>
-          <a:bodyPr/>
-          <a:lstStyle/>
-          <a:p>
-            <a:r>
-              <a:rPr lang="tr-TR" dirty="0"/>
-              <a:t>İşletim Sistemi Nerede Yer Alır</a:t>
-            </a:r>
-            <a:endParaRPr lang="tr-TR" dirty="0"/>
-          </a:p>
-        </p:txBody>
-      </p:sp>
-      <p:sp>
-        <p:nvSpPr>
-          <p:cNvPr id="3" name="Content Placeholder 2"/>
-          <p:cNvSpPr>
-            <a:spLocks noGrp="1"/>
-          </p:cNvSpPr>
-          <p:nvPr>
-            <p:ph idx="1"/>
-          </p:nvPr>
-        </p:nvSpPr>
-        <p:spPr>
-          <a:xfrm>
-            <a:off x="838200" y="1825625"/>
-            <a:ext cx="10515600" cy="4680000"/>
-          </a:xfrm>
-        </p:spPr>
-        <p:txBody>
-          <a:bodyPr/>
-          <a:lstStyle/>
-          <a:p>
-            <a:endParaRPr lang="tr-TR" dirty="0" smtClean="0"/>
-          </a:p>
-          <a:p>
-            <a:endParaRPr lang="tr-TR" dirty="0"/>
-          </a:p>
-          <a:p>
-            <a:endParaRPr lang="tr-TR" dirty="0" smtClean="0"/>
-          </a:p>
-          <a:p>
-            <a:endParaRPr lang="tr-TR" dirty="0"/>
-          </a:p>
-          <a:p>
-            <a:endParaRPr lang="tr-TR" dirty="0" smtClean="0"/>
-          </a:p>
-          <a:p>
-            <a:endParaRPr lang="tr-TR" dirty="0"/>
-          </a:p>
-          <a:p>
-            <a:endParaRPr lang="tr-TR" dirty="0" smtClean="0"/>
-          </a:p>
-          <a:p>
-            <a:endParaRPr lang="tr-TR" dirty="0"/>
-          </a:p>
-        </p:txBody>
-      </p:sp>
-      <p:pic>
-        <p:nvPicPr>
-          <p:cNvPr id="4" name="Picture 2"/>
-          <p:cNvPicPr>
-            <a:picLocks noChangeAspect="1" noChangeArrowheads="1"/>
-          </p:cNvPicPr>
-          <p:nvPr/>
-        </p:nvPicPr>
-        <p:blipFill>
-          <a:blip r:embed="rId2">
-            <a:extLst>
-              <a:ext uri="{28A0092B-C50C-407E-A947-70E740481C1C}">
-                <a14:useLocalDpi xmlns:a14="http://schemas.microsoft.com/office/drawing/2010/main" val="0"/>
-              </a:ext>
-            </a:extLst>
-          </a:blip>
-          <a:srcRect/>
-          <a:stretch>
-            <a:fillRect/>
-          </a:stretch>
-        </p:blipFill>
-        <p:spPr bwMode="auto">
-          <a:xfrm>
-            <a:off x="2356099" y="1831386"/>
-            <a:ext cx="7083323" cy="4115233"/>
-          </a:xfrm>
-          <a:prstGeom prst="rect">
-            <a:avLst/>
-          </a:prstGeom>
-          <a:noFill/>
-          <a:ln>
-            <a:noFill/>
-          </a:ln>
-          <a:extLst>
-            <a:ext uri="{909E8E84-426E-40DD-AFC4-6F175D3DCCD1}">
-              <a14:hiddenFill xmlns:a14="http://schemas.microsoft.com/office/drawing/2010/main">
-                <a:solidFill>
-                  <a:schemeClr val="accent1"/>
-                </a:solidFill>
-              </a14:hiddenFill>
-            </a:ext>
-            <a:ext uri="{91240B29-F687-4F45-9708-019B960494DF}">
-              <a14:hiddenLine xmlns:a14="http://schemas.microsoft.com/office/drawing/2010/main" w="9525">
-                <a:solidFill>
-                  <a:schemeClr val="tx1"/>
-                </a:solidFill>
-                <a:miter lim="800000"/>
-                <a:headEnd/>
-                <a:tailEnd/>
-              </a14:hiddenLine>
-            </a:ext>
-          </a:extLst>
-        </p:spPr>
-      </p:pic>
-    </p:spTree>
-    <p:extLst>
-      <p:ext uri="{BB962C8B-B14F-4D97-AF65-F5344CB8AC3E}">
-        <p14:creationId xmlns:p14="http://schemas.microsoft.com/office/powerpoint/2010/main" val="3016106892"/>
-      </p:ext>
-    </p:extLst>
-  </p:cSld>
-  <p:clrMapOvr>
-    <a:masterClrMapping/>
-  </p:clrMapOvr>
-  <p:timing>
-    <p:tnLst>
-      <p:par>
-        <p:cTn id="1" dur="indefinite" restart="never" nodeType="tmRoot"/>
-      </p:par>
-    </p:tnLst>
-  </p:timing>
-</p:sld>
-</file>
-
-<file path=ppt/slides/slide40.xml><?xml version="1.0" encoding="utf-8"?>
+<file path=ppt/slides/slide67.xml><?xml version="1.0" encoding="utf-8"?>
 <p:sld xmlns:a="http://schemas.openxmlformats.org/drawingml/2006/main" xmlns:r="http://schemas.openxmlformats.org/officeDocument/2006/relationships" xmlns:p="http://schemas.openxmlformats.org/presentationml/2006/main">
   <p:cSld>
     <p:spTree>
@@ -8829,7 +14103,7 @@
 </p:sld>
 </file>
 
-<file path=ppt/slides/slide41.xml><?xml version="1.0" encoding="utf-8"?>
+<file path=ppt/slides/slide68.xml><?xml version="1.0" encoding="utf-8"?>
 <p:sld xmlns:a="http://schemas.openxmlformats.org/drawingml/2006/main" xmlns:r="http://schemas.openxmlformats.org/officeDocument/2006/relationships" xmlns:p="http://schemas.openxmlformats.org/presentationml/2006/main">
   <p:cSld>
     <p:spTree>
@@ -8988,7 +14262,7 @@
 </p:sld>
 </file>
 
-<file path=ppt/slides/slide42.xml><?xml version="1.0" encoding="utf-8"?>
+<file path=ppt/slides/slide69.xml><?xml version="1.0" encoding="utf-8"?>
 <p:sld xmlns:a="http://schemas.openxmlformats.org/drawingml/2006/main" xmlns:r="http://schemas.openxmlformats.org/officeDocument/2006/relationships" xmlns:p="http://schemas.openxmlformats.org/presentationml/2006/main">
   <p:cSld>
     <p:spTree>
@@ -9137,7 +14411,7 @@
 </p:sld>
 </file>
 
-<file path=ppt/slides/slide43.xml><?xml version="1.0" encoding="utf-8"?>
+<file path=ppt/slides/slide7.xml><?xml version="1.0" encoding="utf-8"?>
 <p:sld xmlns:a="http://schemas.openxmlformats.org/drawingml/2006/main" xmlns:r="http://schemas.openxmlformats.org/officeDocument/2006/relationships" xmlns:p="http://schemas.openxmlformats.org/presentationml/2006/main">
   <p:cSld>
     <p:spTree>
@@ -9171,7 +14445,19 @@
           <a:p>
             <a:r>
               <a:rPr lang="tr-TR" dirty="0" smtClean="0"/>
-              <a:t>Süreçlerin Bellek Yönetimi</a:t>
+              <a:t>Genişletilmiş </a:t>
+            </a:r>
+            <a:r>
+              <a:rPr lang="nn-NO" dirty="0" smtClean="0"/>
+              <a:t>Makine Olarak</a:t>
+            </a:r>
+            <a:r>
+              <a:rPr lang="tr-TR" dirty="0" smtClean="0"/>
+              <a:t> </a:t>
+            </a:r>
+            <a:r>
+              <a:rPr lang="nn-NO" dirty="0"/>
+              <a:t>İşletim Sistemi </a:t>
             </a:r>
             <a:endParaRPr lang="tr-TR" dirty="0"/>
           </a:p>
@@ -9201,11 +14487,194 @@
           <a:p>
             <a:r>
               <a:rPr lang="tr-TR" dirty="0" smtClean="0"/>
+              <a:t>Donanımın </a:t>
+            </a:r>
+            <a:r>
+              <a:rPr lang="tr-TR" dirty="0"/>
+              <a:t>üstüne inşa edilmiş bir yazılımdır.</a:t>
+            </a:r>
+          </a:p>
+          <a:p>
+            <a:r>
+              <a:rPr lang="tr-TR" dirty="0" smtClean="0"/>
+              <a:t>Bilgisayar </a:t>
+            </a:r>
+            <a:r>
+              <a:rPr lang="tr-TR" dirty="0"/>
+              <a:t>donanımını kullanmayı kolaylaştırır.</a:t>
+            </a:r>
+          </a:p>
+          <a:p>
+            <a:r>
+              <a:rPr lang="tr-TR" dirty="0" smtClean="0"/>
+              <a:t>Donanımın </a:t>
+            </a:r>
+            <a:r>
+              <a:rPr lang="tr-TR" dirty="0"/>
+              <a:t>özelliklerini ve yeteneklerini </a:t>
+            </a:r>
+            <a:r>
+              <a:rPr lang="tr-TR" dirty="0" smtClean="0"/>
+              <a:t>kullanılabilir </a:t>
+            </a:r>
+            <a:r>
+              <a:rPr lang="tr-TR" dirty="0"/>
+              <a:t>hale getirir.</a:t>
+            </a:r>
+          </a:p>
+          <a:p>
+            <a:r>
+              <a:rPr lang="tr-TR" dirty="0" smtClean="0"/>
+              <a:t>Donanımın </a:t>
+            </a:r>
+            <a:r>
+              <a:rPr lang="tr-TR" dirty="0"/>
+              <a:t>özelliklerini gizler ve </a:t>
+            </a:r>
+            <a:r>
+              <a:rPr lang="tr-TR" dirty="0" smtClean="0"/>
+              <a:t>direk </a:t>
+            </a:r>
+            <a:r>
+              <a:rPr lang="tr-TR" dirty="0"/>
+              <a:t>kullanmasını </a:t>
+            </a:r>
+            <a:r>
+              <a:rPr lang="tr-TR" dirty="0" smtClean="0"/>
+              <a:t>engeller.</a:t>
+            </a:r>
+          </a:p>
+          <a:p>
+            <a:r>
+              <a:rPr lang="tr-TR" dirty="0" smtClean="0"/>
+              <a:t>İşletim </a:t>
+            </a:r>
+            <a:r>
+              <a:rPr lang="tr-TR" dirty="0"/>
+              <a:t>sistemi </a:t>
+            </a:r>
+            <a:r>
+              <a:rPr lang="tr-TR" dirty="0" err="1"/>
+              <a:t>arayüzünü</a:t>
+            </a:r>
+            <a:r>
+              <a:rPr lang="tr-TR" dirty="0"/>
+              <a:t> kullanmak daha kolaydır</a:t>
+            </a:r>
+            <a:r>
+              <a:rPr lang="tr-TR" dirty="0" smtClean="0"/>
+              <a:t>.</a:t>
+            </a:r>
+          </a:p>
+          <a:p>
+            <a:r>
+              <a:rPr lang="tr-TR" dirty="0"/>
+              <a:t>İşletim sistemleri çirkin donanımları güzel soyutlamalara dönüştürür.</a:t>
+            </a:r>
+          </a:p>
+          <a:p>
+            <a:endParaRPr lang="tr-TR" dirty="0"/>
+          </a:p>
+          <a:p>
+            <a:endParaRPr lang="tr-TR" dirty="0"/>
+          </a:p>
+          <a:p>
+            <a:endParaRPr lang="tr-TR" dirty="0"/>
+          </a:p>
+          <a:p>
+            <a:endParaRPr lang="tr-TR" dirty="0"/>
+          </a:p>
+        </p:txBody>
+      </p:sp>
+    </p:spTree>
+    <p:extLst>
+      <p:ext uri="{BB962C8B-B14F-4D97-AF65-F5344CB8AC3E}">
+        <p14:creationId xmlns:p14="http://schemas.microsoft.com/office/powerpoint/2010/main" val="3165780487"/>
+      </p:ext>
+    </p:extLst>
+  </p:cSld>
+  <p:clrMapOvr>
+    <a:masterClrMapping/>
+  </p:clrMapOvr>
+  <p:timing>
+    <p:tnLst>
+      <p:par>
+        <p:cTn id="1" dur="indefinite" restart="never" nodeType="tmRoot"/>
+      </p:par>
+    </p:tnLst>
+  </p:timing>
+</p:sld>
+</file>
+
+<file path=ppt/slides/slide70.xml><?xml version="1.0" encoding="utf-8"?>
+<p:sld xmlns:a="http://schemas.openxmlformats.org/drawingml/2006/main" xmlns:r="http://schemas.openxmlformats.org/officeDocument/2006/relationships" xmlns:p="http://schemas.openxmlformats.org/presentationml/2006/main">
+  <p:cSld>
+    <p:spTree>
+      <p:nvGrpSpPr>
+        <p:cNvPr id="1" name=""/>
+        <p:cNvGrpSpPr/>
+        <p:nvPr/>
+      </p:nvGrpSpPr>
+      <p:grpSpPr>
+        <a:xfrm>
+          <a:off x="0" y="0"/>
+          <a:ext cx="0" cy="0"/>
+          <a:chOff x="0" y="0"/>
+          <a:chExt cx="0" cy="0"/>
+        </a:xfrm>
+      </p:grpSpPr>
+      <p:sp>
+        <p:nvSpPr>
+          <p:cNvPr id="2" name="Title 1"/>
+          <p:cNvSpPr>
+            <a:spLocks noGrp="1"/>
+          </p:cNvSpPr>
+          <p:nvPr>
+            <p:ph type="title"/>
+          </p:nvPr>
+        </p:nvSpPr>
+        <p:spPr/>
+        <p:txBody>
+          <a:bodyPr/>
+          <a:lstStyle/>
+          <a:p>
+            <a:r>
+              <a:rPr lang="tr-TR" dirty="0" smtClean="0"/>
+              <a:t>Süreçlerin Bellek Yönetimi</a:t>
+            </a:r>
+            <a:endParaRPr lang="tr-TR" dirty="0"/>
+          </a:p>
+        </p:txBody>
+      </p:sp>
+      <p:sp>
+        <p:nvSpPr>
+          <p:cNvPr id="3" name="Content Placeholder 2"/>
+          <p:cNvSpPr>
+            <a:spLocks noGrp="1"/>
+          </p:cNvSpPr>
+          <p:nvPr>
+            <p:ph idx="1"/>
+          </p:nvPr>
+        </p:nvSpPr>
+        <p:spPr>
+          <a:xfrm>
+            <a:off x="838200" y="1825625"/>
+            <a:ext cx="10515600" cy="4680000"/>
+          </a:xfrm>
+        </p:spPr>
+        <p:txBody>
+          <a:bodyPr>
+            <a:normAutofit/>
+          </a:bodyPr>
+          <a:lstStyle/>
+          <a:p>
+            <a:r>
+              <a:rPr lang="tr-TR" dirty="0" smtClean="0"/>
               <a:t>Süreçler 3 kesime sahiptir. metin, veri, </a:t>
             </a:r>
             <a:r>
-              <a:rPr lang="tr-TR" dirty="0" err="1" smtClean="0"/>
-              <a:t>yığıt</a:t>
+              <a:rPr lang="tr-TR" dirty="0" smtClean="0"/>
+              <a:t>yığın</a:t>
             </a:r>
             <a:endParaRPr lang="tr-TR" dirty="0"/>
           </a:p>
@@ -9291,7 +14760,7 @@
 </p:sld>
 </file>
 
-<file path=ppt/slides/slide44.xml><?xml version="1.0" encoding="utf-8"?>
+<file path=ppt/slides/slide71.xml><?xml version="1.0" encoding="utf-8"?>
 <p:sld xmlns:a="http://schemas.openxmlformats.org/drawingml/2006/main" xmlns:r="http://schemas.openxmlformats.org/officeDocument/2006/relationships" xmlns:p="http://schemas.openxmlformats.org/presentationml/2006/main">
   <p:cSld>
     <p:spTree>
@@ -9488,7 +14957,7 @@
 </p:sld>
 </file>
 
-<file path=ppt/slides/slide45.xml><?xml version="1.0" encoding="utf-8"?>
+<file path=ppt/slides/slide72.xml><?xml version="1.0" encoding="utf-8"?>
 <p:sld xmlns:a="http://schemas.openxmlformats.org/drawingml/2006/main" xmlns:r="http://schemas.openxmlformats.org/officeDocument/2006/relationships" xmlns:p="http://schemas.openxmlformats.org/presentationml/2006/main">
   <p:cSld>
     <p:spTree>
@@ -9652,7 +15121,7 @@
 </p:sld>
 </file>
 
-<file path=ppt/slides/slide46.xml><?xml version="1.0" encoding="utf-8"?>
+<file path=ppt/slides/slide73.xml><?xml version="1.0" encoding="utf-8"?>
 <p:sld xmlns:a="http://schemas.openxmlformats.org/drawingml/2006/main" xmlns:r="http://schemas.openxmlformats.org/officeDocument/2006/relationships" xmlns:p="http://schemas.openxmlformats.org/presentationml/2006/main">
   <p:cSld>
     <p:spTree>
@@ -9804,7 +15273,7 @@
 </p:sld>
 </file>
 
-<file path=ppt/slides/slide47.xml><?xml version="1.0" encoding="utf-8"?>
+<file path=ppt/slides/slide74.xml><?xml version="1.0" encoding="utf-8"?>
 <p:sld xmlns:a="http://schemas.openxmlformats.org/drawingml/2006/main" xmlns:r="http://schemas.openxmlformats.org/officeDocument/2006/relationships" xmlns:p="http://schemas.openxmlformats.org/presentationml/2006/main">
   <p:cSld>
     <p:spTree>
@@ -9956,7 +15425,7 @@
 </p:sld>
 </file>
 
-<file path=ppt/slides/slide48.xml><?xml version="1.0" encoding="utf-8"?>
+<file path=ppt/slides/slide75.xml><?xml version="1.0" encoding="utf-8"?>
 <p:sld xmlns:a="http://schemas.openxmlformats.org/drawingml/2006/main" xmlns:r="http://schemas.openxmlformats.org/officeDocument/2006/relationships" xmlns:p="http://schemas.openxmlformats.org/presentationml/2006/main">
   <p:cSld>
     <p:spTree>
@@ -10102,7 +15571,7 @@
 </p:sld>
 </file>
 
-<file path=ppt/slides/slide49.xml><?xml version="1.0" encoding="utf-8"?>
+<file path=ppt/slides/slide76.xml><?xml version="1.0" encoding="utf-8"?>
 <p:sld xmlns:a="http://schemas.openxmlformats.org/drawingml/2006/main" xmlns:r="http://schemas.openxmlformats.org/officeDocument/2006/relationships" xmlns:p="http://schemas.openxmlformats.org/presentationml/2006/main">
   <p:cSld>
     <p:spTree>
@@ -10255,202 +15724,7 @@
 </p:sld>
 </file>
 
-<file path=ppt/slides/slide5.xml><?xml version="1.0" encoding="utf-8"?>
-<p:sld xmlns:a="http://schemas.openxmlformats.org/drawingml/2006/main" xmlns:r="http://schemas.openxmlformats.org/officeDocument/2006/relationships" xmlns:p="http://schemas.openxmlformats.org/presentationml/2006/main">
-  <p:cSld>
-    <p:spTree>
-      <p:nvGrpSpPr>
-        <p:cNvPr id="1" name=""/>
-        <p:cNvGrpSpPr/>
-        <p:nvPr/>
-      </p:nvGrpSpPr>
-      <p:grpSpPr>
-        <a:xfrm>
-          <a:off x="0" y="0"/>
-          <a:ext cx="0" cy="0"/>
-          <a:chOff x="0" y="0"/>
-          <a:chExt cx="0" cy="0"/>
-        </a:xfrm>
-      </p:grpSpPr>
-      <p:sp>
-        <p:nvSpPr>
-          <p:cNvPr id="2" name="Title 1"/>
-          <p:cNvSpPr>
-            <a:spLocks noGrp="1"/>
-          </p:cNvSpPr>
-          <p:nvPr>
-            <p:ph type="title"/>
-          </p:nvPr>
-        </p:nvSpPr>
-        <p:spPr/>
-        <p:txBody>
-          <a:bodyPr/>
-          <a:lstStyle/>
-          <a:p>
-            <a:r>
-              <a:rPr lang="tr-TR" dirty="0" smtClean="0"/>
-              <a:t>Genişletilmiş </a:t>
-            </a:r>
-            <a:r>
-              <a:rPr lang="nn-NO" dirty="0" smtClean="0"/>
-              <a:t>Makine Olarak</a:t>
-            </a:r>
-            <a:r>
-              <a:rPr lang="tr-TR" dirty="0" smtClean="0"/>
-              <a:t> </a:t>
-            </a:r>
-            <a:r>
-              <a:rPr lang="nn-NO" dirty="0"/>
-              <a:t>İşletim Sistemi </a:t>
-            </a:r>
-            <a:endParaRPr lang="tr-TR" dirty="0"/>
-          </a:p>
-        </p:txBody>
-      </p:sp>
-      <p:sp>
-        <p:nvSpPr>
-          <p:cNvPr id="3" name="Content Placeholder 2"/>
-          <p:cNvSpPr>
-            <a:spLocks noGrp="1"/>
-          </p:cNvSpPr>
-          <p:nvPr>
-            <p:ph idx="1"/>
-          </p:nvPr>
-        </p:nvSpPr>
-        <p:spPr>
-          <a:xfrm>
-            <a:off x="838200" y="1825625"/>
-            <a:ext cx="10515600" cy="4680000"/>
-          </a:xfrm>
-        </p:spPr>
-        <p:txBody>
-          <a:bodyPr>
-            <a:normAutofit/>
-          </a:bodyPr>
-          <a:lstStyle/>
-          <a:p>
-            <a:r>
-              <a:rPr lang="tr-TR" dirty="0" smtClean="0"/>
-              <a:t>Donanımın </a:t>
-            </a:r>
-            <a:r>
-              <a:rPr lang="tr-TR" dirty="0"/>
-              <a:t>üstüne inşa edilmiş bir yazılımdır.</a:t>
-            </a:r>
-          </a:p>
-          <a:p>
-            <a:r>
-              <a:rPr lang="tr-TR" dirty="0" smtClean="0"/>
-              <a:t>Bilgisayar </a:t>
-            </a:r>
-            <a:r>
-              <a:rPr lang="tr-TR" dirty="0"/>
-              <a:t>donanımını kullanmayı kolaylaştırır.</a:t>
-            </a:r>
-          </a:p>
-          <a:p>
-            <a:r>
-              <a:rPr lang="tr-TR" dirty="0" smtClean="0"/>
-              <a:t>Donanımın </a:t>
-            </a:r>
-            <a:r>
-              <a:rPr lang="tr-TR" dirty="0"/>
-              <a:t>özelliklerini ve yeteneklerini </a:t>
-            </a:r>
-            <a:r>
-              <a:rPr lang="tr-TR" dirty="0" smtClean="0"/>
-              <a:t>kullanılabilir </a:t>
-            </a:r>
-            <a:r>
-              <a:rPr lang="tr-TR" dirty="0"/>
-              <a:t>hale getirir.</a:t>
-            </a:r>
-          </a:p>
-          <a:p>
-            <a:r>
-              <a:rPr lang="tr-TR" dirty="0" smtClean="0"/>
-              <a:t>Donanımın </a:t>
-            </a:r>
-            <a:r>
-              <a:rPr lang="tr-TR" dirty="0"/>
-              <a:t>özelliklerini gizler ve </a:t>
-            </a:r>
-            <a:r>
-              <a:rPr lang="tr-TR" dirty="0" smtClean="0"/>
-              <a:t>direk </a:t>
-            </a:r>
-            <a:r>
-              <a:rPr lang="tr-TR" dirty="0"/>
-              <a:t>kullanmasını </a:t>
-            </a:r>
-            <a:r>
-              <a:rPr lang="tr-TR" dirty="0" smtClean="0"/>
-              <a:t>engeller.</a:t>
-            </a:r>
-          </a:p>
-          <a:p>
-            <a:r>
-              <a:rPr lang="tr-TR" dirty="0" smtClean="0"/>
-              <a:t>İşletim </a:t>
-            </a:r>
-            <a:r>
-              <a:rPr lang="tr-TR" dirty="0"/>
-              <a:t>sistemi </a:t>
-            </a:r>
-            <a:r>
-              <a:rPr lang="tr-TR" dirty="0" err="1"/>
-              <a:t>arayüzünü</a:t>
-            </a:r>
-            <a:r>
-              <a:rPr lang="tr-TR" dirty="0"/>
-              <a:t> kullanmak daha kolaydır</a:t>
-            </a:r>
-            <a:r>
-              <a:rPr lang="tr-TR" dirty="0" smtClean="0"/>
-              <a:t>.</a:t>
-            </a:r>
-          </a:p>
-          <a:p>
-            <a:r>
-              <a:rPr lang="tr-TR" dirty="0"/>
-              <a:t>İşletim sistemleri çirkin donanımları güzel soyutlamalara dönüştürür.</a:t>
-            </a:r>
-          </a:p>
-          <a:p>
-            <a:endParaRPr lang="tr-TR" dirty="0"/>
-          </a:p>
-          <a:p>
-            <a:endParaRPr lang="tr-TR" dirty="0"/>
-          </a:p>
-          <a:p>
-            <a:endParaRPr lang="tr-TR" dirty="0"/>
-          </a:p>
-          <a:p>
-            <a:endParaRPr lang="tr-TR" dirty="0"/>
-          </a:p>
-        </p:txBody>
-      </p:sp>
-    </p:spTree>
-    <p:extLst>
-      <p:ext uri="{BB962C8B-B14F-4D97-AF65-F5344CB8AC3E}">
-        <p14:creationId xmlns:p14="http://schemas.microsoft.com/office/powerpoint/2010/main" val="659976593"/>
-      </p:ext>
-    </p:extLst>
-  </p:cSld>
-  <p:clrMapOvr>
-    <a:masterClrMapping/>
-  </p:clrMapOvr>
-  <p:timing>
-    <p:tnLst>
-      <p:par>
-        <p:cTn id="1" dur="indefinite" restart="never" nodeType="tmRoot"/>
-      </p:par>
-    </p:tnLst>
-  </p:timing>
-</p:sld>
-</file>
-
-<file path=ppt/slides/slide50.xml><?xml version="1.0" encoding="utf-8"?>
+<file path=ppt/slides/slide77.xml><?xml version="1.0" encoding="utf-8"?>
 <p:sld xmlns:a="http://schemas.openxmlformats.org/drawingml/2006/main" xmlns:r="http://schemas.openxmlformats.org/officeDocument/2006/relationships" xmlns:p="http://schemas.openxmlformats.org/presentationml/2006/main">
   <p:cSld>
     <p:spTree>
@@ -10599,7 +15873,7 @@
 </p:sld>
 </file>
 
-<file path=ppt/slides/slide51.xml><?xml version="1.0" encoding="utf-8"?>
+<file path=ppt/slides/slide78.xml><?xml version="1.0" encoding="utf-8"?>
 <p:sld xmlns:a="http://schemas.openxmlformats.org/drawingml/2006/main" xmlns:r="http://schemas.openxmlformats.org/officeDocument/2006/relationships" xmlns:p="http://schemas.openxmlformats.org/presentationml/2006/main">
   <p:cSld>
     <p:spTree>
@@ -10756,7 +16030,7 @@
 </p:sld>
 </file>
 
-<file path=ppt/slides/slide52.xml><?xml version="1.0" encoding="utf-8"?>
+<file path=ppt/slides/slide79.xml><?xml version="1.0" encoding="utf-8"?>
 <p:sld xmlns:a="http://schemas.openxmlformats.org/drawingml/2006/main" xmlns:r="http://schemas.openxmlformats.org/officeDocument/2006/relationships" xmlns:p="http://schemas.openxmlformats.org/presentationml/2006/main">
   <p:cSld>
     <p:spTree>
@@ -10905,7 +16179,172 @@
 </p:sld>
 </file>
 
-<file path=ppt/slides/slide53.xml><?xml version="1.0" encoding="utf-8"?>
+<file path=ppt/slides/slide8.xml><?xml version="1.0" encoding="utf-8"?>
+<p:sld xmlns:a="http://schemas.openxmlformats.org/drawingml/2006/main" xmlns:r="http://schemas.openxmlformats.org/officeDocument/2006/relationships" xmlns:p="http://schemas.openxmlformats.org/presentationml/2006/main">
+  <p:cSld>
+    <p:spTree>
+      <p:nvGrpSpPr>
+        <p:cNvPr id="1" name=""/>
+        <p:cNvGrpSpPr/>
+        <p:nvPr/>
+      </p:nvGrpSpPr>
+      <p:grpSpPr>
+        <a:xfrm>
+          <a:off x="0" y="0"/>
+          <a:ext cx="0" cy="0"/>
+          <a:chOff x="0" y="0"/>
+          <a:chExt cx="0" cy="0"/>
+        </a:xfrm>
+      </p:grpSpPr>
+      <p:sp>
+        <p:nvSpPr>
+          <p:cNvPr id="2" name="Title 1"/>
+          <p:cNvSpPr>
+            <a:spLocks noGrp="1"/>
+          </p:cNvSpPr>
+          <p:nvPr>
+            <p:ph type="title"/>
+          </p:nvPr>
+        </p:nvSpPr>
+        <p:spPr/>
+        <p:txBody>
+          <a:bodyPr/>
+          <a:lstStyle/>
+          <a:p>
+            <a:r>
+              <a:rPr lang="tr-TR" dirty="0"/>
+              <a:t>Genişletilmiş </a:t>
+            </a:r>
+            <a:r>
+              <a:rPr lang="nn-NO" dirty="0" smtClean="0"/>
+              <a:t>Makine </a:t>
+            </a:r>
+            <a:r>
+              <a:rPr lang="nn-NO" dirty="0"/>
+              <a:t>Olarak</a:t>
+            </a:r>
+            <a:r>
+              <a:rPr lang="tr-TR" dirty="0"/>
+              <a:t> </a:t>
+            </a:r>
+            <a:r>
+              <a:rPr lang="nn-NO" dirty="0"/>
+              <a:t>İşletim Sistemi </a:t>
+            </a:r>
+            <a:endParaRPr lang="tr-TR" dirty="0"/>
+          </a:p>
+        </p:txBody>
+      </p:sp>
+      <p:sp>
+        <p:nvSpPr>
+          <p:cNvPr id="3" name="Content Placeholder 2"/>
+          <p:cNvSpPr>
+            <a:spLocks noGrp="1"/>
+          </p:cNvSpPr>
+          <p:nvPr>
+            <p:ph idx="1"/>
+          </p:nvPr>
+        </p:nvSpPr>
+        <p:spPr>
+          <a:xfrm>
+            <a:off x="838200" y="1825625"/>
+            <a:ext cx="10515600" cy="4680000"/>
+          </a:xfrm>
+        </p:spPr>
+        <p:txBody>
+          <a:bodyPr>
+            <a:normAutofit/>
+          </a:bodyPr>
+          <a:lstStyle/>
+          <a:p>
+            <a:endParaRPr lang="tr-TR" dirty="0"/>
+          </a:p>
+          <a:p>
+            <a:endParaRPr lang="tr-TR" dirty="0"/>
+          </a:p>
+          <a:p>
+            <a:endParaRPr lang="tr-TR" dirty="0"/>
+          </a:p>
+          <a:p>
+            <a:endParaRPr lang="tr-TR" dirty="0"/>
+          </a:p>
+        </p:txBody>
+      </p:sp>
+      <p:pic>
+        <p:nvPicPr>
+          <p:cNvPr id="4" name="Picture 2"/>
+          <p:cNvPicPr>
+            <a:picLocks noChangeAspect="1" noChangeArrowheads="1"/>
+          </p:cNvPicPr>
+          <p:nvPr/>
+        </p:nvPicPr>
+        <p:blipFill>
+          <a:blip r:embed="rId2">
+            <a:extLst>
+              <a:ext uri="{28A0092B-C50C-407E-A947-70E740481C1C}">
+                <a14:useLocalDpi xmlns:a14="http://schemas.microsoft.com/office/drawing/2010/main" val="0"/>
+              </a:ext>
+            </a:extLst>
+          </a:blip>
+          <a:srcRect/>
+          <a:stretch>
+            <a:fillRect/>
+          </a:stretch>
+        </p:blipFill>
+        <p:spPr bwMode="auto">
+          <a:xfrm>
+            <a:off x="3429000" y="2283509"/>
+            <a:ext cx="5334000" cy="3219450"/>
+          </a:xfrm>
+          <a:prstGeom prst="rect">
+            <a:avLst/>
+          </a:prstGeom>
+          <a:noFill/>
+          <a:ln>
+            <a:noFill/>
+          </a:ln>
+          <a:extLst>
+            <a:ext uri="{909E8E84-426E-40DD-AFC4-6F175D3DCCD1}">
+              <a14:hiddenFill xmlns:a14="http://schemas.microsoft.com/office/drawing/2010/main">
+                <a:solidFill>
+                  <a:schemeClr val="accent1"/>
+                </a:solidFill>
+              </a14:hiddenFill>
+            </a:ext>
+            <a:ext uri="{91240B29-F687-4F45-9708-019B960494DF}">
+              <a14:hiddenLine xmlns:a14="http://schemas.microsoft.com/office/drawing/2010/main" w="9525">
+                <a:solidFill>
+                  <a:schemeClr val="tx1"/>
+                </a:solidFill>
+                <a:miter lim="800000"/>
+                <a:headEnd/>
+                <a:tailEnd/>
+              </a14:hiddenLine>
+            </a:ext>
+          </a:extLst>
+        </p:spPr>
+      </p:pic>
+    </p:spTree>
+    <p:extLst>
+      <p:ext uri="{BB962C8B-B14F-4D97-AF65-F5344CB8AC3E}">
+        <p14:creationId xmlns:p14="http://schemas.microsoft.com/office/powerpoint/2010/main" val="3293547908"/>
+      </p:ext>
+    </p:extLst>
+  </p:cSld>
+  <p:clrMapOvr>
+    <a:masterClrMapping/>
+  </p:clrMapOvr>
+  <p:timing>
+    <p:tnLst>
+      <p:par>
+        <p:cTn id="1" dur="indefinite" restart="never" nodeType="tmRoot"/>
+      </p:par>
+    </p:tnLst>
+  </p:timing>
+</p:sld>
+</file>
+
+<file path=ppt/slides/slide80.xml><?xml version="1.0" encoding="utf-8"?>
 <p:sld xmlns:a="http://schemas.openxmlformats.org/drawingml/2006/main" xmlns:r="http://schemas.openxmlformats.org/officeDocument/2006/relationships" xmlns:p="http://schemas.openxmlformats.org/presentationml/2006/main">
   <p:cSld>
     <p:spTree>
@@ -11054,7 +16493,7 @@
 </p:sld>
 </file>
 
-<file path=ppt/slides/slide54.xml><?xml version="1.0" encoding="utf-8"?>
+<file path=ppt/slides/slide81.xml><?xml version="1.0" encoding="utf-8"?>
 <p:sld xmlns:a="http://schemas.openxmlformats.org/drawingml/2006/main" xmlns:r="http://schemas.openxmlformats.org/officeDocument/2006/relationships" xmlns:p="http://schemas.openxmlformats.org/presentationml/2006/main">
   <p:cSld>
     <p:spTree>
@@ -11248,7 +16687,7 @@
 </p:sld>
 </file>
 
-<file path=ppt/slides/slide55.xml><?xml version="1.0" encoding="utf-8"?>
+<file path=ppt/slides/slide82.xml><?xml version="1.0" encoding="utf-8"?>
 <p:sld xmlns:a="http://schemas.openxmlformats.org/drawingml/2006/main" xmlns:r="http://schemas.openxmlformats.org/officeDocument/2006/relationships" xmlns:p="http://schemas.openxmlformats.org/presentationml/2006/main">
   <p:cSld>
     <p:spTree>
@@ -11282,7 +16721,11 @@
           <a:p>
             <a:r>
               <a:rPr lang="tr-TR" dirty="0" smtClean="0"/>
-              <a:t>Çalıştırılabilir Dosya Oluşturma</a:t>
+              <a:t>Yürütülebilir Dosya </a:t>
+            </a:r>
+            <a:r>
+              <a:rPr lang="tr-TR" dirty="0" smtClean="0"/>
+              <a:t>Oluşturma</a:t>
             </a:r>
             <a:endParaRPr lang="tr-TR" dirty="0"/>
           </a:p>
@@ -11397,7 +16840,230 @@
 </p:sld>
 </file>
 
-<file path=ppt/slides/slide56.xml><?xml version="1.0" encoding="utf-8"?>
+<file path=ppt/slides/slide83.xml><?xml version="1.0" encoding="utf-8"?>
+<p:sld xmlns:a="http://schemas.openxmlformats.org/drawingml/2006/main" xmlns:r="http://schemas.openxmlformats.org/officeDocument/2006/relationships" xmlns:p="http://schemas.openxmlformats.org/presentationml/2006/main">
+  <p:cSld>
+    <p:spTree>
+      <p:nvGrpSpPr>
+        <p:cNvPr id="1" name=""/>
+        <p:cNvGrpSpPr/>
+        <p:nvPr/>
+      </p:nvGrpSpPr>
+      <p:grpSpPr>
+        <a:xfrm>
+          <a:off x="0" y="0"/>
+          <a:ext cx="0" cy="0"/>
+          <a:chOff x="0" y="0"/>
+          <a:chExt cx="0" cy="0"/>
+        </a:xfrm>
+      </p:grpSpPr>
+      <p:sp>
+        <p:nvSpPr>
+          <p:cNvPr id="2" name="Title 1"/>
+          <p:cNvSpPr>
+            <a:spLocks noGrp="1"/>
+          </p:cNvSpPr>
+          <p:nvPr>
+            <p:ph type="title"/>
+          </p:nvPr>
+        </p:nvSpPr>
+        <p:spPr/>
+        <p:txBody>
+          <a:bodyPr/>
+          <a:lstStyle/>
+          <a:p>
+            <a:r>
+              <a:rPr lang="tr-TR" dirty="0" smtClean="0"/>
+              <a:t>Yürütülebilir Dosya </a:t>
+            </a:r>
+            <a:r>
+              <a:rPr lang="tr-TR" dirty="0" smtClean="0"/>
+              <a:t>Oluşturma</a:t>
+            </a:r>
+            <a:endParaRPr lang="tr-TR" dirty="0"/>
+          </a:p>
+        </p:txBody>
+      </p:sp>
+      <p:sp>
+        <p:nvSpPr>
+          <p:cNvPr id="3" name="Content Placeholder 2"/>
+          <p:cNvSpPr>
+            <a:spLocks noGrp="1"/>
+          </p:cNvSpPr>
+          <p:nvPr>
+            <p:ph idx="1"/>
+          </p:nvPr>
+        </p:nvSpPr>
+        <p:spPr>
+          <a:xfrm>
+            <a:off x="838200" y="1825625"/>
+            <a:ext cx="10515600" cy="4680000"/>
+          </a:xfrm>
+        </p:spPr>
+        <p:txBody>
+          <a:bodyPr>
+            <a:normAutofit/>
+          </a:bodyPr>
+          <a:lstStyle/>
+          <a:p>
+            <a:r>
+              <a:rPr lang="en-US" dirty="0"/>
+              <a:t>C </a:t>
+            </a:r>
+            <a:r>
+              <a:rPr lang="en-US" dirty="0" smtClean="0"/>
+              <a:t>preprocessor</a:t>
+            </a:r>
+            <a:r>
+              <a:rPr lang="tr-TR" dirty="0" smtClean="0"/>
+              <a:t> (</a:t>
+            </a:r>
+            <a:r>
+              <a:rPr lang="tr-TR" dirty="0" err="1" smtClean="0"/>
+              <a:t>önişlemci</a:t>
+            </a:r>
+            <a:r>
+              <a:rPr lang="tr-TR" dirty="0" smtClean="0"/>
+              <a:t>)</a:t>
+            </a:r>
+            <a:r>
+              <a:rPr lang="en-US" dirty="0" smtClean="0"/>
+              <a:t>:</a:t>
+            </a:r>
+            <a:endParaRPr lang="en-US" dirty="0"/>
+          </a:p>
+          <a:p>
+            <a:pPr lvl="1"/>
+            <a:r>
+              <a:rPr lang="en-US" dirty="0" err="1"/>
+              <a:t>Başlığı</a:t>
+            </a:r>
+            <a:r>
+              <a:rPr lang="en-US" dirty="0"/>
+              <a:t> </a:t>
+            </a:r>
+            <a:r>
+              <a:rPr lang="en-US" dirty="0" err="1"/>
+              <a:t>alır</a:t>
+            </a:r>
+            <a:r>
+              <a:rPr lang="en-US" dirty="0"/>
+              <a:t>, </a:t>
+            </a:r>
+            <a:r>
+              <a:rPr lang="en-US" dirty="0" err="1"/>
+              <a:t>makroları</a:t>
+            </a:r>
+            <a:r>
+              <a:rPr lang="en-US" dirty="0"/>
+              <a:t> </a:t>
+            </a:r>
+            <a:r>
+              <a:rPr lang="en-US" dirty="0" err="1"/>
+              <a:t>genişletir</a:t>
+            </a:r>
+            <a:r>
+              <a:rPr lang="en-US" dirty="0"/>
+              <a:t>, </a:t>
+            </a:r>
+            <a:r>
+              <a:rPr lang="en-US" dirty="0" err="1"/>
+              <a:t>koşullu</a:t>
+            </a:r>
+            <a:r>
+              <a:rPr lang="en-US" dirty="0"/>
+              <a:t> </a:t>
+            </a:r>
+            <a:r>
+              <a:rPr lang="en-US" dirty="0" err="1"/>
+              <a:t>derlemeyi</a:t>
+            </a:r>
+            <a:r>
+              <a:rPr lang="en-US" dirty="0"/>
+              <a:t> </a:t>
+            </a:r>
+            <a:r>
+              <a:rPr lang="tr-TR" dirty="0" smtClean="0"/>
+              <a:t>ele alır.</a:t>
+            </a:r>
+          </a:p>
+          <a:p>
+            <a:r>
+              <a:rPr lang="en-US" dirty="0" smtClean="0"/>
+              <a:t>Compiler</a:t>
+            </a:r>
+            <a:r>
+              <a:rPr lang="tr-TR" dirty="0" smtClean="0"/>
+              <a:t> (derleyici)</a:t>
+            </a:r>
+            <a:endParaRPr lang="en-US" dirty="0"/>
+          </a:p>
+          <a:p>
+            <a:pPr lvl="1"/>
+            <a:r>
+              <a:rPr lang="en-US" dirty="0"/>
+              <a:t>.c -.o </a:t>
+            </a:r>
+            <a:r>
+              <a:rPr lang="tr-TR" dirty="0" smtClean="0"/>
+              <a:t>, kaynak koda göre nesne dosyalarını oluşturur.</a:t>
+            </a:r>
+            <a:endParaRPr lang="en-US" dirty="0"/>
+          </a:p>
+          <a:p>
+            <a:r>
+              <a:rPr lang="en-US" dirty="0" smtClean="0"/>
+              <a:t>Linker</a:t>
+            </a:r>
+            <a:r>
+              <a:rPr lang="tr-TR" dirty="0" smtClean="0"/>
+              <a:t> (bağlayıcı)</a:t>
+            </a:r>
+            <a:endParaRPr lang="en-US" dirty="0"/>
+          </a:p>
+          <a:p>
+            <a:pPr lvl="1"/>
+            <a:r>
+              <a:rPr lang="tr-TR" dirty="0" smtClean="0"/>
+              <a:t>.o uzantılı nesne dosyalarını birleştirerek yürütülebilir dosyayı oluşturur.</a:t>
+            </a:r>
+            <a:endParaRPr lang="en-US" dirty="0"/>
+          </a:p>
+          <a:p>
+            <a:endParaRPr lang="tr-TR" dirty="0"/>
+          </a:p>
+          <a:p>
+            <a:endParaRPr lang="tr-TR" dirty="0"/>
+          </a:p>
+          <a:p>
+            <a:endParaRPr lang="tr-TR" dirty="0"/>
+          </a:p>
+          <a:p>
+            <a:endParaRPr lang="tr-TR" dirty="0"/>
+          </a:p>
+        </p:txBody>
+      </p:sp>
+    </p:spTree>
+    <p:extLst>
+      <p:ext uri="{BB962C8B-B14F-4D97-AF65-F5344CB8AC3E}">
+        <p14:creationId xmlns:p14="http://schemas.microsoft.com/office/powerpoint/2010/main" val="425488215"/>
+      </p:ext>
+    </p:extLst>
+  </p:cSld>
+  <p:clrMapOvr>
+    <a:masterClrMapping/>
+  </p:clrMapOvr>
+  <p:timing>
+    <p:tnLst>
+      <p:par>
+        <p:cTn id="1" dur="indefinite" restart="never" nodeType="tmRoot"/>
+      </p:par>
+    </p:tnLst>
+  </p:timing>
+</p:sld>
+</file>
+
+<file path=ppt/slides/slide84.xml><?xml version="1.0" encoding="utf-8"?>
 <p:sld xmlns:a="http://schemas.openxmlformats.org/drawingml/2006/main" xmlns:r="http://schemas.openxmlformats.org/officeDocument/2006/relationships" xmlns:p="http://schemas.openxmlformats.org/presentationml/2006/main">
   <p:cSld>
     <p:spTree>
@@ -11546,7 +17212,7 @@
 </p:sld>
 </file>
 
-<file path=ppt/slides/slide57.xml><?xml version="1.0" encoding="utf-8"?>
+<file path=ppt/slides/slide85.xml><?xml version="1.0" encoding="utf-8"?>
 <p:sld xmlns:a="http://schemas.openxmlformats.org/drawingml/2006/main" xmlns:r="http://schemas.openxmlformats.org/officeDocument/2006/relationships" xmlns:p="http://schemas.openxmlformats.org/presentationml/2006/main">
   <p:cSld>
     <p:spTree>
@@ -11637,555 +17303,6 @@
     <p:extLst>
       <p:ext uri="{BB962C8B-B14F-4D97-AF65-F5344CB8AC3E}">
         <p14:creationId xmlns:p14="http://schemas.microsoft.com/office/powerpoint/2010/main" val="2824592776"/>
-      </p:ext>
-    </p:extLst>
-  </p:cSld>
-  <p:clrMapOvr>
-    <a:masterClrMapping/>
-  </p:clrMapOvr>
-  <p:timing>
-    <p:tnLst>
-      <p:par>
-        <p:cTn id="1" dur="indefinite" restart="never" nodeType="tmRoot"/>
-      </p:par>
-    </p:tnLst>
-  </p:timing>
-</p:sld>
-</file>
-
-<file path=ppt/slides/slide6.xml><?xml version="1.0" encoding="utf-8"?>
-<p:sld xmlns:a="http://schemas.openxmlformats.org/drawingml/2006/main" xmlns:r="http://schemas.openxmlformats.org/officeDocument/2006/relationships" xmlns:p="http://schemas.openxmlformats.org/presentationml/2006/main">
-  <p:cSld>
-    <p:spTree>
-      <p:nvGrpSpPr>
-        <p:cNvPr id="1" name=""/>
-        <p:cNvGrpSpPr/>
-        <p:nvPr/>
-      </p:nvGrpSpPr>
-      <p:grpSpPr>
-        <a:xfrm>
-          <a:off x="0" y="0"/>
-          <a:ext cx="0" cy="0"/>
-          <a:chOff x="0" y="0"/>
-          <a:chExt cx="0" cy="0"/>
-        </a:xfrm>
-      </p:grpSpPr>
-      <p:sp>
-        <p:nvSpPr>
-          <p:cNvPr id="2" name="Title 1"/>
-          <p:cNvSpPr>
-            <a:spLocks noGrp="1"/>
-          </p:cNvSpPr>
-          <p:nvPr>
-            <p:ph type="title"/>
-          </p:nvPr>
-        </p:nvSpPr>
-        <p:spPr/>
-        <p:txBody>
-          <a:bodyPr/>
-          <a:lstStyle/>
-          <a:p>
-            <a:r>
-              <a:rPr lang="tr-TR" dirty="0"/>
-              <a:t>Genişletilmiş </a:t>
-            </a:r>
-            <a:r>
-              <a:rPr lang="nn-NO" dirty="0" smtClean="0"/>
-              <a:t>Makine </a:t>
-            </a:r>
-            <a:r>
-              <a:rPr lang="nn-NO" dirty="0"/>
-              <a:t>Olarak</a:t>
-            </a:r>
-            <a:r>
-              <a:rPr lang="tr-TR" dirty="0"/>
-              <a:t> </a:t>
-            </a:r>
-            <a:r>
-              <a:rPr lang="nn-NO" dirty="0"/>
-              <a:t>İşletim Sistemi </a:t>
-            </a:r>
-            <a:endParaRPr lang="tr-TR" dirty="0"/>
-          </a:p>
-        </p:txBody>
-      </p:sp>
-      <p:sp>
-        <p:nvSpPr>
-          <p:cNvPr id="3" name="Content Placeholder 2"/>
-          <p:cNvSpPr>
-            <a:spLocks noGrp="1"/>
-          </p:cNvSpPr>
-          <p:nvPr>
-            <p:ph idx="1"/>
-          </p:nvPr>
-        </p:nvSpPr>
-        <p:spPr>
-          <a:xfrm>
-            <a:off x="838200" y="1825625"/>
-            <a:ext cx="10515600" cy="4680000"/>
-          </a:xfrm>
-        </p:spPr>
-        <p:txBody>
-          <a:bodyPr>
-            <a:normAutofit/>
-          </a:bodyPr>
-          <a:lstStyle/>
-          <a:p>
-            <a:endParaRPr lang="tr-TR" dirty="0"/>
-          </a:p>
-          <a:p>
-            <a:endParaRPr lang="tr-TR" dirty="0"/>
-          </a:p>
-          <a:p>
-            <a:endParaRPr lang="tr-TR" dirty="0"/>
-          </a:p>
-          <a:p>
-            <a:endParaRPr lang="tr-TR" dirty="0"/>
-          </a:p>
-        </p:txBody>
-      </p:sp>
-      <p:pic>
-        <p:nvPicPr>
-          <p:cNvPr id="4" name="Picture 2"/>
-          <p:cNvPicPr>
-            <a:picLocks noChangeAspect="1" noChangeArrowheads="1"/>
-          </p:cNvPicPr>
-          <p:nvPr/>
-        </p:nvPicPr>
-        <p:blipFill>
-          <a:blip r:embed="rId2">
-            <a:extLst>
-              <a:ext uri="{28A0092B-C50C-407E-A947-70E740481C1C}">
-                <a14:useLocalDpi xmlns:a14="http://schemas.microsoft.com/office/drawing/2010/main" val="0"/>
-              </a:ext>
-            </a:extLst>
-          </a:blip>
-          <a:srcRect/>
-          <a:stretch>
-            <a:fillRect/>
-          </a:stretch>
-        </p:blipFill>
-        <p:spPr bwMode="auto">
-          <a:xfrm>
-            <a:off x="3429000" y="2283509"/>
-            <a:ext cx="5334000" cy="3219450"/>
-          </a:xfrm>
-          <a:prstGeom prst="rect">
-            <a:avLst/>
-          </a:prstGeom>
-          <a:noFill/>
-          <a:ln>
-            <a:noFill/>
-          </a:ln>
-          <a:extLst>
-            <a:ext uri="{909E8E84-426E-40DD-AFC4-6F175D3DCCD1}">
-              <a14:hiddenFill xmlns:a14="http://schemas.microsoft.com/office/drawing/2010/main">
-                <a:solidFill>
-                  <a:schemeClr val="accent1"/>
-                </a:solidFill>
-              </a14:hiddenFill>
-            </a:ext>
-            <a:ext uri="{91240B29-F687-4F45-9708-019B960494DF}">
-              <a14:hiddenLine xmlns:a14="http://schemas.microsoft.com/office/drawing/2010/main" w="9525">
-                <a:solidFill>
-                  <a:schemeClr val="tx1"/>
-                </a:solidFill>
-                <a:miter lim="800000"/>
-                <a:headEnd/>
-                <a:tailEnd/>
-              </a14:hiddenLine>
-            </a:ext>
-          </a:extLst>
-        </p:spPr>
-      </p:pic>
-    </p:spTree>
-    <p:extLst>
-      <p:ext uri="{BB962C8B-B14F-4D97-AF65-F5344CB8AC3E}">
-        <p14:creationId xmlns:p14="http://schemas.microsoft.com/office/powerpoint/2010/main" val="3293547908"/>
-      </p:ext>
-    </p:extLst>
-  </p:cSld>
-  <p:clrMapOvr>
-    <a:masterClrMapping/>
-  </p:clrMapOvr>
-  <p:timing>
-    <p:tnLst>
-      <p:par>
-        <p:cTn id="1" dur="indefinite" restart="never" nodeType="tmRoot"/>
-      </p:par>
-    </p:tnLst>
-  </p:timing>
-</p:sld>
-</file>
-
-<file path=ppt/slides/slide7.xml><?xml version="1.0" encoding="utf-8"?>
-<p:sld xmlns:a="http://schemas.openxmlformats.org/drawingml/2006/main" xmlns:r="http://schemas.openxmlformats.org/officeDocument/2006/relationships" xmlns:p="http://schemas.openxmlformats.org/presentationml/2006/main">
-  <p:cSld>
-    <p:spTree>
-      <p:nvGrpSpPr>
-        <p:cNvPr id="1" name=""/>
-        <p:cNvGrpSpPr/>
-        <p:nvPr/>
-      </p:nvGrpSpPr>
-      <p:grpSpPr>
-        <a:xfrm>
-          <a:off x="0" y="0"/>
-          <a:ext cx="0" cy="0"/>
-          <a:chOff x="0" y="0"/>
-          <a:chExt cx="0" cy="0"/>
-        </a:xfrm>
-      </p:grpSpPr>
-      <p:sp>
-        <p:nvSpPr>
-          <p:cNvPr id="2" name="Title 1"/>
-          <p:cNvSpPr>
-            <a:spLocks noGrp="1"/>
-          </p:cNvSpPr>
-          <p:nvPr>
-            <p:ph type="title"/>
-          </p:nvPr>
-        </p:nvSpPr>
-        <p:spPr/>
-        <p:txBody>
-          <a:bodyPr/>
-          <a:lstStyle/>
-          <a:p>
-            <a:r>
-              <a:rPr lang="tr-TR" dirty="0" smtClean="0"/>
-              <a:t>Kaynak Yöneticisi </a:t>
-            </a:r>
-            <a:r>
-              <a:rPr lang="tr-TR" dirty="0"/>
-              <a:t>Olarak </a:t>
-            </a:r>
-            <a:r>
-              <a:rPr lang="tr-TR" dirty="0" smtClean="0"/>
-              <a:t>İşletim </a:t>
-            </a:r>
-            <a:r>
-              <a:rPr lang="tr-TR" dirty="0"/>
-              <a:t>Sistemi </a:t>
-            </a:r>
-          </a:p>
-        </p:txBody>
-      </p:sp>
-      <p:sp>
-        <p:nvSpPr>
-          <p:cNvPr id="3" name="Content Placeholder 2"/>
-          <p:cNvSpPr>
-            <a:spLocks noGrp="1"/>
-          </p:cNvSpPr>
-          <p:nvPr>
-            <p:ph idx="1"/>
-          </p:nvPr>
-        </p:nvSpPr>
-        <p:spPr>
-          <a:xfrm>
-            <a:off x="838200" y="1825625"/>
-            <a:ext cx="10515600" cy="4680000"/>
-          </a:xfrm>
-        </p:spPr>
-        <p:txBody>
-          <a:bodyPr>
-            <a:normAutofit/>
-          </a:bodyPr>
-          <a:lstStyle/>
-          <a:p>
-            <a:r>
-              <a:rPr lang="tr-TR" dirty="0"/>
-              <a:t>İşletim sistemi, bilgisayar donanımının kaynaklarını etkili bir şekilde </a:t>
-            </a:r>
-            <a:r>
-              <a:rPr lang="tr-TR" dirty="0" smtClean="0"/>
-              <a:t>yönetir. Kaynak </a:t>
-            </a:r>
-            <a:r>
-              <a:rPr lang="tr-TR" dirty="0"/>
-              <a:t>kullanımını optimize </a:t>
-            </a:r>
-            <a:r>
-              <a:rPr lang="tr-TR" dirty="0" smtClean="0"/>
-              <a:t>eder. Kaynakların </a:t>
-            </a:r>
-            <a:r>
-              <a:rPr lang="tr-TR" dirty="0"/>
-              <a:t>uygulamalar arasında adil bir şekilde dağıtımını </a:t>
-            </a:r>
-            <a:r>
-              <a:rPr lang="tr-TR" dirty="0" smtClean="0"/>
-              <a:t>sağlar.</a:t>
-            </a:r>
-            <a:endParaRPr lang="tr-TR" dirty="0"/>
-          </a:p>
-          <a:p>
-            <a:r>
-              <a:rPr lang="tr-TR" dirty="0"/>
-              <a:t>Üstten aşağıya bakış açısı:</a:t>
-            </a:r>
-          </a:p>
-          <a:p>
-            <a:pPr lvl="1"/>
-            <a:r>
-              <a:rPr lang="tr-TR" dirty="0"/>
-              <a:t>Uygulama programları için soyutlamalar sağlar</a:t>
-            </a:r>
-          </a:p>
-          <a:p>
-            <a:r>
-              <a:rPr lang="tr-TR" dirty="0"/>
-              <a:t>Aşağıdan yukarıya bakış açısı:</a:t>
-            </a:r>
-          </a:p>
-          <a:p>
-            <a:pPr lvl="1"/>
-            <a:r>
-              <a:rPr lang="tr-TR" dirty="0"/>
-              <a:t>Karmaşık sistemin parçalarını yönetir</a:t>
-            </a:r>
-          </a:p>
-          <a:p>
-            <a:r>
-              <a:rPr lang="tr-TR" dirty="0"/>
-              <a:t>Alternatif bakış açısı:</a:t>
-            </a:r>
-          </a:p>
-          <a:p>
-            <a:pPr lvl="1"/>
-            <a:r>
-              <a:rPr lang="tr-TR" dirty="0"/>
-              <a:t>Kaynakların düzenli ve kontrollü dağıtımını </a:t>
-            </a:r>
-            <a:r>
-              <a:rPr lang="tr-TR" dirty="0" smtClean="0"/>
-              <a:t>sağlar.</a:t>
-            </a:r>
-            <a:endParaRPr lang="tr-TR" dirty="0"/>
-          </a:p>
-          <a:p>
-            <a:endParaRPr lang="tr-TR" dirty="0"/>
-          </a:p>
-          <a:p>
-            <a:endParaRPr lang="tr-TR" dirty="0"/>
-          </a:p>
-        </p:txBody>
-      </p:sp>
-    </p:spTree>
-    <p:extLst>
-      <p:ext uri="{BB962C8B-B14F-4D97-AF65-F5344CB8AC3E}">
-        <p14:creationId xmlns:p14="http://schemas.microsoft.com/office/powerpoint/2010/main" val="2562011555"/>
-      </p:ext>
-    </p:extLst>
-  </p:cSld>
-  <p:clrMapOvr>
-    <a:masterClrMapping/>
-  </p:clrMapOvr>
-  <p:timing>
-    <p:tnLst>
-      <p:par>
-        <p:cTn id="1" dur="indefinite" restart="never" nodeType="tmRoot"/>
-      </p:par>
-    </p:tnLst>
-  </p:timing>
-</p:sld>
-</file>
-
-<file path=ppt/slides/slide8.xml><?xml version="1.0" encoding="utf-8"?>
-<p:sld xmlns:a="http://schemas.openxmlformats.org/drawingml/2006/main" xmlns:r="http://schemas.openxmlformats.org/officeDocument/2006/relationships" xmlns:p="http://schemas.openxmlformats.org/presentationml/2006/main">
-  <p:cSld>
-    <p:spTree>
-      <p:nvGrpSpPr>
-        <p:cNvPr id="1" name=""/>
-        <p:cNvGrpSpPr/>
-        <p:nvPr/>
-      </p:nvGrpSpPr>
-      <p:grpSpPr>
-        <a:xfrm>
-          <a:off x="0" y="0"/>
-          <a:ext cx="0" cy="0"/>
-          <a:chOff x="0" y="0"/>
-          <a:chExt cx="0" cy="0"/>
-        </a:xfrm>
-      </p:grpSpPr>
-      <p:sp>
-        <p:nvSpPr>
-          <p:cNvPr id="2" name="Title 1"/>
-          <p:cNvSpPr>
-            <a:spLocks noGrp="1"/>
-          </p:cNvSpPr>
-          <p:nvPr>
-            <p:ph type="title"/>
-          </p:nvPr>
-        </p:nvSpPr>
-        <p:spPr/>
-        <p:txBody>
-          <a:bodyPr/>
-          <a:lstStyle/>
-          <a:p>
-            <a:r>
-              <a:rPr lang="tr-TR" dirty="0"/>
-              <a:t>İşletim Sistemlerinin Tarihi</a:t>
-            </a:r>
-          </a:p>
-        </p:txBody>
-      </p:sp>
-      <p:sp>
-        <p:nvSpPr>
-          <p:cNvPr id="3" name="Content Placeholder 2"/>
-          <p:cNvSpPr>
-            <a:spLocks noGrp="1"/>
-          </p:cNvSpPr>
-          <p:nvPr>
-            <p:ph idx="1"/>
-          </p:nvPr>
-        </p:nvSpPr>
-        <p:spPr>
-          <a:xfrm>
-            <a:off x="838200" y="1825625"/>
-            <a:ext cx="10515600" cy="4680000"/>
-          </a:xfrm>
-        </p:spPr>
-        <p:txBody>
-          <a:bodyPr>
-            <a:normAutofit/>
-          </a:bodyPr>
-          <a:lstStyle/>
-          <a:p>
-            <a:r>
-              <a:rPr lang="tr-TR" dirty="0"/>
-              <a:t>İlk jenerasyon (1945-55) </a:t>
-            </a:r>
-            <a:endParaRPr lang="tr-TR" dirty="0" smtClean="0"/>
-          </a:p>
-          <a:p>
-            <a:pPr lvl="1"/>
-            <a:r>
-              <a:rPr lang="tr-TR" dirty="0" smtClean="0"/>
-              <a:t>vakum </a:t>
-            </a:r>
-            <a:r>
-              <a:rPr lang="tr-TR" dirty="0"/>
-              <a:t>tüpleri</a:t>
-            </a:r>
-          </a:p>
-          <a:p>
-            <a:r>
-              <a:rPr lang="tr-TR" dirty="0" smtClean="0"/>
-              <a:t>İkinci </a:t>
-            </a:r>
-            <a:r>
-              <a:rPr lang="tr-TR" dirty="0"/>
-              <a:t>jenerasyon (1955-65) </a:t>
-            </a:r>
-            <a:endParaRPr lang="tr-TR" dirty="0" smtClean="0"/>
-          </a:p>
-          <a:p>
-            <a:pPr lvl="1"/>
-            <a:r>
-              <a:rPr lang="tr-TR" dirty="0" err="1" smtClean="0"/>
-              <a:t>transistörler</a:t>
-            </a:r>
-            <a:r>
-              <a:rPr lang="tr-TR" dirty="0" smtClean="0"/>
-              <a:t> </a:t>
-            </a:r>
-            <a:r>
-              <a:rPr lang="tr-TR" dirty="0"/>
-              <a:t>ve </a:t>
-            </a:r>
-            <a:r>
-              <a:rPr lang="tr-TR" dirty="0" err="1"/>
-              <a:t>batch</a:t>
-            </a:r>
-            <a:r>
-              <a:rPr lang="tr-TR" dirty="0"/>
-              <a:t> sistemleri</a:t>
-            </a:r>
-          </a:p>
-          <a:p>
-            <a:r>
-              <a:rPr lang="tr-TR" dirty="0" smtClean="0"/>
-              <a:t>Üçüncü </a:t>
-            </a:r>
-            <a:r>
-              <a:rPr lang="tr-TR" dirty="0"/>
-              <a:t>jenerasyon (1965-1980) </a:t>
-            </a:r>
-            <a:endParaRPr lang="tr-TR" dirty="0" smtClean="0"/>
-          </a:p>
-          <a:p>
-            <a:pPr lvl="1"/>
-            <a:r>
-              <a:rPr lang="tr-TR" dirty="0" err="1" smtClean="0"/>
-              <a:t>IC'ler</a:t>
-            </a:r>
-            <a:r>
-              <a:rPr lang="tr-TR" dirty="0" smtClean="0"/>
-              <a:t> </a:t>
-            </a:r>
-            <a:r>
-              <a:rPr lang="tr-TR" dirty="0"/>
-              <a:t>ve çoklu programlama</a:t>
-            </a:r>
-          </a:p>
-          <a:p>
-            <a:r>
-              <a:rPr lang="tr-TR" dirty="0" smtClean="0"/>
-              <a:t>Dördüncü </a:t>
-            </a:r>
-            <a:r>
-              <a:rPr lang="tr-TR" dirty="0"/>
-              <a:t>jenerasyon (1980-günümüz) </a:t>
-            </a:r>
-            <a:endParaRPr lang="tr-TR" dirty="0" smtClean="0"/>
-          </a:p>
-          <a:p>
-            <a:pPr lvl="1"/>
-            <a:r>
-              <a:rPr lang="tr-TR" dirty="0" smtClean="0"/>
-              <a:t>kişisel </a:t>
-            </a:r>
-            <a:r>
-              <a:rPr lang="tr-TR" dirty="0"/>
-              <a:t>bilgisayarlar</a:t>
-            </a:r>
-          </a:p>
-          <a:p>
-            <a:r>
-              <a:rPr lang="tr-TR" dirty="0" smtClean="0"/>
-              <a:t>Beşinci </a:t>
-            </a:r>
-            <a:r>
-              <a:rPr lang="tr-TR" dirty="0"/>
-              <a:t>jenerasyon (1990-günümüz) </a:t>
-            </a:r>
-            <a:endParaRPr lang="tr-TR" dirty="0" smtClean="0"/>
-          </a:p>
-          <a:p>
-            <a:pPr lvl="1"/>
-            <a:r>
-              <a:rPr lang="tr-TR" dirty="0" smtClean="0"/>
-              <a:t>mobil </a:t>
-            </a:r>
-            <a:r>
-              <a:rPr lang="tr-TR" dirty="0"/>
-              <a:t>bilgisayarlar</a:t>
-            </a:r>
-          </a:p>
-          <a:p>
-            <a:endParaRPr lang="tr-TR" dirty="0"/>
-          </a:p>
-          <a:p>
-            <a:endParaRPr lang="tr-TR" dirty="0"/>
-          </a:p>
-          <a:p>
-            <a:endParaRPr lang="tr-TR" dirty="0"/>
-          </a:p>
-        </p:txBody>
-      </p:sp>
-    </p:spTree>
-    <p:extLst>
-      <p:ext uri="{BB962C8B-B14F-4D97-AF65-F5344CB8AC3E}">
-        <p14:creationId xmlns:p14="http://schemas.microsoft.com/office/powerpoint/2010/main" val="3041953073"/>
       </p:ext>
     </p:extLst>
   </p:cSld>
@@ -12235,21 +17352,22 @@
           <a:lstStyle/>
           <a:p>
             <a:r>
-              <a:rPr lang="tr-TR" dirty="0" err="1"/>
-              <a:t>Transistörler</a:t>
-            </a:r>
-            <a:r>
-              <a:rPr lang="tr-TR" dirty="0"/>
-              <a:t> ve </a:t>
-            </a:r>
-            <a:r>
-              <a:rPr lang="tr-TR" dirty="0" err="1"/>
-              <a:t>Batch</a:t>
-            </a:r>
-            <a:r>
-              <a:rPr lang="tr-TR" dirty="0"/>
-              <a:t> Sistemleri</a:t>
-            </a:r>
+              <a:rPr lang="tr-TR" dirty="0"/>
+              <a:t>Genişletilmiş </a:t>
+            </a:r>
+            <a:r>
+              <a:rPr lang="nn-NO" dirty="0"/>
+              <a:t>Makine Olarak</a:t>
+            </a:r>
+            <a:r>
+              <a:rPr lang="tr-TR" dirty="0"/>
+              <a:t> </a:t>
+            </a:r>
+            <a:r>
+              <a:rPr lang="nn-NO" dirty="0"/>
+              <a:t>İşletim Sistemi </a:t>
+            </a:r>
+            <a:endParaRPr lang="tr-TR" dirty="0"/>
           </a:p>
         </p:txBody>
       </p:sp>
@@ -12276,154 +17394,68 @@
           <a:lstStyle/>
           <a:p>
             <a:r>
-              <a:rPr lang="tr-TR" dirty="0" err="1" smtClean="0"/>
-              <a:t>Transistörlerin</a:t>
-            </a:r>
-            <a:r>
-              <a:rPr lang="tr-TR" dirty="0" smtClean="0"/>
-              <a:t> </a:t>
-            </a:r>
-            <a:r>
-              <a:rPr lang="tr-TR" dirty="0"/>
-              <a:t>icadı ile birlikte </a:t>
-            </a:r>
-            <a:r>
-              <a:rPr lang="tr-TR" dirty="0" smtClean="0"/>
-              <a:t>ikinci </a:t>
-            </a:r>
-            <a:r>
-              <a:rPr lang="tr-TR" dirty="0"/>
-              <a:t>jenerasyon işletim sistemleri </a:t>
-            </a:r>
-            <a:r>
-              <a:rPr lang="tr-TR" dirty="0" smtClean="0"/>
-              <a:t>ortaya </a:t>
-            </a:r>
-            <a:r>
-              <a:rPr lang="tr-TR" dirty="0"/>
-              <a:t>çıktı</a:t>
-            </a:r>
-            <a:r>
-              <a:rPr lang="tr-TR" dirty="0" smtClean="0"/>
-              <a:t>. </a:t>
-            </a:r>
-            <a:r>
-              <a:rPr lang="tr-TR" dirty="0" err="1" smtClean="0"/>
-              <a:t>Transistörler</a:t>
-            </a:r>
-            <a:r>
-              <a:rPr lang="tr-TR" dirty="0"/>
-              <a:t>, vakum tüplerin </a:t>
-            </a:r>
-            <a:r>
-              <a:rPr lang="tr-TR" dirty="0" smtClean="0"/>
-              <a:t>yerini aldılar</a:t>
+              <a:rPr lang="tr-TR" dirty="0" smtClean="0"/>
+              <a:t>Soyutlama:</a:t>
             </a:r>
           </a:p>
           <a:p>
             <a:pPr lvl="1"/>
             <a:r>
               <a:rPr lang="tr-TR" dirty="0" smtClean="0"/>
-              <a:t>daha </a:t>
-            </a:r>
-            <a:r>
-              <a:rPr lang="tr-TR" dirty="0"/>
-              <a:t>küçük, daha güvenilir ve daha enerji </a:t>
-            </a:r>
-            <a:r>
-              <a:rPr lang="tr-TR" dirty="0" smtClean="0"/>
-              <a:t>verimli</a:t>
-            </a:r>
-            <a:endParaRPr lang="tr-TR" dirty="0"/>
-          </a:p>
-          <a:p>
-            <a:r>
-              <a:rPr lang="tr-TR" dirty="0" err="1"/>
-              <a:t>Batch</a:t>
-            </a:r>
-            <a:r>
-              <a:rPr lang="tr-TR" dirty="0"/>
-              <a:t> sistemler, işlemlerin toplu olarak yürütülmesini sağlar. </a:t>
-            </a:r>
-            <a:r>
-              <a:rPr lang="tr-TR" dirty="0" smtClean="0"/>
-              <a:t>İşlemler işlem </a:t>
-            </a:r>
-            <a:r>
-              <a:rPr lang="tr-TR" dirty="0"/>
-              <a:t>kuyruğuna </a:t>
-            </a:r>
-            <a:r>
-              <a:rPr lang="tr-TR" dirty="0" smtClean="0"/>
-              <a:t>eklenir </a:t>
-            </a:r>
-            <a:r>
-              <a:rPr lang="tr-TR" dirty="0"/>
-              <a:t>ve işletim sistemi </a:t>
-            </a:r>
-            <a:r>
-              <a:rPr lang="tr-TR" dirty="0" smtClean="0"/>
-              <a:t>sırayla </a:t>
-            </a:r>
-            <a:r>
-              <a:rPr lang="tr-TR" dirty="0"/>
-              <a:t>yürütür.</a:t>
+              <a:t>İşlemci – süreç</a:t>
             </a:r>
           </a:p>
           <a:p>
             <a:pPr lvl="1"/>
             <a:r>
               <a:rPr lang="tr-TR" dirty="0" smtClean="0"/>
-              <a:t>İşlemlerin </a:t>
-            </a:r>
-            <a:r>
-              <a:rPr lang="tr-TR" dirty="0"/>
-              <a:t>paralel olarak yürütülmesini engeller.</a:t>
+              <a:t>Depolama – dosya</a:t>
             </a:r>
           </a:p>
           <a:p>
             <a:pPr lvl="1"/>
             <a:r>
               <a:rPr lang="tr-TR" dirty="0" smtClean="0"/>
-              <a:t>İşlemlerin </a:t>
-            </a:r>
-            <a:r>
-              <a:rPr lang="tr-TR" dirty="0"/>
-              <a:t>manuel olarak yürütülmesini </a:t>
-            </a:r>
-            <a:r>
-              <a:rPr lang="tr-TR" dirty="0" smtClean="0"/>
-              <a:t>gerektirir.</a:t>
-            </a:r>
-            <a:endParaRPr lang="tr-TR" dirty="0"/>
+              <a:t>Bellek – adres uzayı</a:t>
+            </a:r>
           </a:p>
           <a:p>
             <a:pPr lvl="1"/>
-            <a:r>
-              <a:rPr lang="tr-TR" dirty="0" smtClean="0"/>
-              <a:t>Veri </a:t>
-            </a:r>
-            <a:r>
-              <a:rPr lang="tr-TR" dirty="0"/>
-              <a:t>işleme, hesaplama ve raporlama gibi işlemler için </a:t>
-            </a:r>
-            <a:r>
-              <a:rPr lang="tr-TR" dirty="0" smtClean="0"/>
-              <a:t>kullanılır</a:t>
+            <a:endParaRPr lang="tr-TR" dirty="0"/>
+          </a:p>
+          <a:p>
+            <a:r>
+              <a:rPr lang="tr-TR" dirty="0" smtClean="0"/>
+              <a:t>4 tip çalışan:</a:t>
             </a:r>
           </a:p>
           <a:p>
             <a:pPr lvl="1"/>
             <a:r>
               <a:rPr lang="tr-TR" dirty="0" smtClean="0"/>
-              <a:t>Gerçek </a:t>
-            </a:r>
-            <a:r>
-              <a:rPr lang="tr-TR" dirty="0"/>
-              <a:t>zamanlı işlemler için uygun değildir.</a:t>
-            </a:r>
-          </a:p>
-          <a:p>
+              <a:t>Donanım tasarımcısı</a:t>
+            </a:r>
+          </a:p>
+          <a:p>
+            <a:pPr lvl="1"/>
+            <a:r>
+              <a:rPr lang="tr-TR" dirty="0" smtClean="0"/>
+              <a:t>Çekirdek tasarımcısı</a:t>
+            </a:r>
+          </a:p>
+          <a:p>
+            <a:pPr lvl="1"/>
+            <a:r>
+              <a:rPr lang="tr-TR" dirty="0" smtClean="0"/>
+              <a:t>Uygulama geliştirici</a:t>
+            </a:r>
+          </a:p>
+          <a:p>
+            <a:pPr lvl="1"/>
+            <a:r>
+              <a:rPr lang="tr-TR" dirty="0" smtClean="0"/>
+              <a:t>Son kullanıcı</a:t>
+            </a:r>
             <a:endParaRPr lang="tr-TR" dirty="0"/>
           </a:p>
           <a:p>
@@ -12437,7 +17469,7 @@
     </p:spTree>
     <p:extLst>
       <p:ext uri="{BB962C8B-B14F-4D97-AF65-F5344CB8AC3E}">
-        <p14:creationId xmlns:p14="http://schemas.microsoft.com/office/powerpoint/2010/main" val="248623430"/>
+        <p14:creationId xmlns:p14="http://schemas.microsoft.com/office/powerpoint/2010/main" val="2562011555"/>
       </p:ext>
     </p:extLst>
   </p:cSld>

--- a/assets/teaching/os/1_Bolum_1_Giris.pptx
+++ b/assets/teaching/os/1_Bolum_1_Giris.pptx
@@ -10,86 +10,89 @@
     <p:sldId id="313" r:id="rId4"/>
     <p:sldId id="261" r:id="rId5"/>
     <p:sldId id="258" r:id="rId6"/>
-    <p:sldId id="259" r:id="rId7"/>
-    <p:sldId id="314" r:id="rId8"/>
-    <p:sldId id="260" r:id="rId9"/>
-    <p:sldId id="262" r:id="rId10"/>
-    <p:sldId id="315" r:id="rId11"/>
-    <p:sldId id="316" r:id="rId12"/>
-    <p:sldId id="263" r:id="rId13"/>
-    <p:sldId id="317" r:id="rId14"/>
-    <p:sldId id="264" r:id="rId15"/>
-    <p:sldId id="268" r:id="rId16"/>
-    <p:sldId id="269" r:id="rId17"/>
-    <p:sldId id="270" r:id="rId18"/>
-    <p:sldId id="265" r:id="rId19"/>
-    <p:sldId id="271" r:id="rId20"/>
-    <p:sldId id="318" r:id="rId21"/>
-    <p:sldId id="266" r:id="rId22"/>
-    <p:sldId id="267" r:id="rId23"/>
-    <p:sldId id="319" r:id="rId24"/>
-    <p:sldId id="272" r:id="rId25"/>
-    <p:sldId id="320" r:id="rId26"/>
-    <p:sldId id="284" r:id="rId27"/>
-    <p:sldId id="328" r:id="rId28"/>
-    <p:sldId id="285" r:id="rId29"/>
-    <p:sldId id="321" r:id="rId30"/>
-    <p:sldId id="327" r:id="rId31"/>
-    <p:sldId id="274" r:id="rId32"/>
-    <p:sldId id="275" r:id="rId33"/>
-    <p:sldId id="322" r:id="rId34"/>
-    <p:sldId id="286" r:id="rId35"/>
-    <p:sldId id="276" r:id="rId36"/>
-    <p:sldId id="331" r:id="rId37"/>
-    <p:sldId id="329" r:id="rId38"/>
-    <p:sldId id="330" r:id="rId39"/>
-    <p:sldId id="287" r:id="rId40"/>
-    <p:sldId id="288" r:id="rId41"/>
-    <p:sldId id="332" r:id="rId42"/>
-    <p:sldId id="277" r:id="rId43"/>
-    <p:sldId id="278" r:id="rId44"/>
-    <p:sldId id="333" r:id="rId45"/>
-    <p:sldId id="279" r:id="rId46"/>
-    <p:sldId id="342" r:id="rId47"/>
-    <p:sldId id="324" r:id="rId48"/>
-    <p:sldId id="343" r:id="rId49"/>
-    <p:sldId id="344" r:id="rId50"/>
-    <p:sldId id="345" r:id="rId51"/>
-    <p:sldId id="346" r:id="rId52"/>
-    <p:sldId id="347" r:id="rId53"/>
-    <p:sldId id="348" r:id="rId54"/>
-    <p:sldId id="349" r:id="rId55"/>
-    <p:sldId id="350" r:id="rId56"/>
-    <p:sldId id="280" r:id="rId57"/>
-    <p:sldId id="281" r:id="rId58"/>
-    <p:sldId id="325" r:id="rId59"/>
-    <p:sldId id="282" r:id="rId60"/>
-    <p:sldId id="283" r:id="rId61"/>
-    <p:sldId id="289" r:id="rId62"/>
-    <p:sldId id="290" r:id="rId63"/>
-    <p:sldId id="291" r:id="rId64"/>
-    <p:sldId id="292" r:id="rId65"/>
-    <p:sldId id="293" r:id="rId66"/>
-    <p:sldId id="294" r:id="rId67"/>
-    <p:sldId id="295" r:id="rId68"/>
-    <p:sldId id="296" r:id="rId69"/>
-    <p:sldId id="297" r:id="rId70"/>
-    <p:sldId id="298" r:id="rId71"/>
-    <p:sldId id="299" r:id="rId72"/>
-    <p:sldId id="300" r:id="rId73"/>
-    <p:sldId id="301" r:id="rId74"/>
-    <p:sldId id="302" r:id="rId75"/>
-    <p:sldId id="303" r:id="rId76"/>
-    <p:sldId id="304" r:id="rId77"/>
-    <p:sldId id="305" r:id="rId78"/>
-    <p:sldId id="306" r:id="rId79"/>
-    <p:sldId id="308" r:id="rId80"/>
-    <p:sldId id="309" r:id="rId81"/>
-    <p:sldId id="310" r:id="rId82"/>
-    <p:sldId id="307" r:id="rId83"/>
-    <p:sldId id="326" r:id="rId84"/>
-    <p:sldId id="311" r:id="rId85"/>
-    <p:sldId id="312" r:id="rId86"/>
+    <p:sldId id="352" r:id="rId7"/>
+    <p:sldId id="259" r:id="rId8"/>
+    <p:sldId id="314" r:id="rId9"/>
+    <p:sldId id="260" r:id="rId10"/>
+    <p:sldId id="262" r:id="rId11"/>
+    <p:sldId id="315" r:id="rId12"/>
+    <p:sldId id="316" r:id="rId13"/>
+    <p:sldId id="263" r:id="rId14"/>
+    <p:sldId id="317" r:id="rId15"/>
+    <p:sldId id="264" r:id="rId16"/>
+    <p:sldId id="268" r:id="rId17"/>
+    <p:sldId id="269" r:id="rId18"/>
+    <p:sldId id="270" r:id="rId19"/>
+    <p:sldId id="265" r:id="rId20"/>
+    <p:sldId id="271" r:id="rId21"/>
+    <p:sldId id="318" r:id="rId22"/>
+    <p:sldId id="266" r:id="rId23"/>
+    <p:sldId id="267" r:id="rId24"/>
+    <p:sldId id="319" r:id="rId25"/>
+    <p:sldId id="272" r:id="rId26"/>
+    <p:sldId id="320" r:id="rId27"/>
+    <p:sldId id="284" r:id="rId28"/>
+    <p:sldId id="328" r:id="rId29"/>
+    <p:sldId id="285" r:id="rId30"/>
+    <p:sldId id="321" r:id="rId31"/>
+    <p:sldId id="327" r:id="rId32"/>
+    <p:sldId id="274" r:id="rId33"/>
+    <p:sldId id="275" r:id="rId34"/>
+    <p:sldId id="322" r:id="rId35"/>
+    <p:sldId id="286" r:id="rId36"/>
+    <p:sldId id="276" r:id="rId37"/>
+    <p:sldId id="331" r:id="rId38"/>
+    <p:sldId id="329" r:id="rId39"/>
+    <p:sldId id="330" r:id="rId40"/>
+    <p:sldId id="287" r:id="rId41"/>
+    <p:sldId id="288" r:id="rId42"/>
+    <p:sldId id="332" r:id="rId43"/>
+    <p:sldId id="277" r:id="rId44"/>
+    <p:sldId id="278" r:id="rId45"/>
+    <p:sldId id="333" r:id="rId46"/>
+    <p:sldId id="279" r:id="rId47"/>
+    <p:sldId id="342" r:id="rId48"/>
+    <p:sldId id="324" r:id="rId49"/>
+    <p:sldId id="343" r:id="rId50"/>
+    <p:sldId id="344" r:id="rId51"/>
+    <p:sldId id="345" r:id="rId52"/>
+    <p:sldId id="346" r:id="rId53"/>
+    <p:sldId id="347" r:id="rId54"/>
+    <p:sldId id="348" r:id="rId55"/>
+    <p:sldId id="349" r:id="rId56"/>
+    <p:sldId id="350" r:id="rId57"/>
+    <p:sldId id="280" r:id="rId58"/>
+    <p:sldId id="281" r:id="rId59"/>
+    <p:sldId id="325" r:id="rId60"/>
+    <p:sldId id="282" r:id="rId61"/>
+    <p:sldId id="283" r:id="rId62"/>
+    <p:sldId id="289" r:id="rId63"/>
+    <p:sldId id="290" r:id="rId64"/>
+    <p:sldId id="291" r:id="rId65"/>
+    <p:sldId id="292" r:id="rId66"/>
+    <p:sldId id="293" r:id="rId67"/>
+    <p:sldId id="294" r:id="rId68"/>
+    <p:sldId id="295" r:id="rId69"/>
+    <p:sldId id="296" r:id="rId70"/>
+    <p:sldId id="297" r:id="rId71"/>
+    <p:sldId id="298" r:id="rId72"/>
+    <p:sldId id="299" r:id="rId73"/>
+    <p:sldId id="300" r:id="rId74"/>
+    <p:sldId id="353" r:id="rId75"/>
+    <p:sldId id="301" r:id="rId76"/>
+    <p:sldId id="302" r:id="rId77"/>
+    <p:sldId id="303" r:id="rId78"/>
+    <p:sldId id="304" r:id="rId79"/>
+    <p:sldId id="305" r:id="rId80"/>
+    <p:sldId id="306" r:id="rId81"/>
+    <p:sldId id="351" r:id="rId82"/>
+    <p:sldId id="308" r:id="rId83"/>
+    <p:sldId id="309" r:id="rId84"/>
+    <p:sldId id="310" r:id="rId85"/>
+    <p:sldId id="307" r:id="rId86"/>
+    <p:sldId id="326" r:id="rId87"/>
+    <p:sldId id="311" r:id="rId88"/>
+    <p:sldId id="312" r:id="rId89"/>
   </p:sldIdLst>
   <p:sldSz cx="12192000" cy="6858000"/>
   <p:notesSz cx="6858000" cy="9144000"/>
@@ -3180,21 +3183,22 @@
           <a:lstStyle/>
           <a:p>
             <a:r>
-              <a:rPr lang="tr-TR" dirty="0" smtClean="0"/>
-              <a:t>Kaynak Yöneticisi </a:t>
-            </a:r>
-            <a:r>
-              <a:rPr lang="tr-TR" dirty="0"/>
-              <a:t>Olarak </a:t>
-            </a:r>
-            <a:r>
-              <a:rPr lang="tr-TR" dirty="0" smtClean="0"/>
-              <a:t>İşletim </a:t>
-            </a:r>
-            <a:r>
-              <a:rPr lang="tr-TR" dirty="0"/>
-              <a:t>Sistemi </a:t>
-            </a:r>
+              <a:rPr lang="tr-TR" dirty="0"/>
+              <a:t>Genişletilmiş </a:t>
+            </a:r>
+            <a:r>
+              <a:rPr lang="nn-NO" dirty="0"/>
+              <a:t>Makine Olarak</a:t>
+            </a:r>
+            <a:r>
+              <a:rPr lang="tr-TR" dirty="0"/>
+              <a:t> </a:t>
+            </a:r>
+            <a:r>
+              <a:rPr lang="nn-NO" dirty="0"/>
+              <a:t>İşletim Sistemi </a:t>
+            </a:r>
+            <a:endParaRPr lang="tr-TR" dirty="0"/>
           </a:p>
         </p:txBody>
       </p:sp>
@@ -3221,72 +3225,67 @@
           <a:lstStyle/>
           <a:p>
             <a:r>
-              <a:rPr lang="tr-TR" dirty="0"/>
-              <a:t>İşletim sistemi, bilgisayar donanımının kaynaklarını etkili bir şekilde </a:t>
-            </a:r>
-            <a:r>
-              <a:rPr lang="tr-TR" dirty="0" smtClean="0"/>
-              <a:t>yönetir. Kaynak </a:t>
-            </a:r>
-            <a:r>
-              <a:rPr lang="tr-TR" dirty="0"/>
-              <a:t>kullanımını optimize </a:t>
-            </a:r>
-            <a:r>
-              <a:rPr lang="tr-TR" dirty="0" smtClean="0"/>
-              <a:t>eder. Kaynakların </a:t>
-            </a:r>
-            <a:r>
-              <a:rPr lang="tr-TR" dirty="0"/>
-              <a:t>uygulamalar arasında adil bir şekilde dağıtımını </a:t>
-            </a:r>
-            <a:r>
-              <a:rPr lang="tr-TR" dirty="0" smtClean="0"/>
-              <a:t>sağlar.</a:t>
-            </a:r>
-            <a:endParaRPr lang="tr-TR" dirty="0"/>
-          </a:p>
-          <a:p>
-            <a:r>
-              <a:rPr lang="tr-TR" dirty="0"/>
-              <a:t>Üstten aşağıya bakış açısı:</a:t>
+              <a:rPr lang="tr-TR" dirty="0" smtClean="0"/>
+              <a:t>Soyutlama:</a:t>
             </a:r>
           </a:p>
           <a:p>
             <a:pPr lvl="1"/>
             <a:r>
-              <a:rPr lang="tr-TR" dirty="0"/>
-              <a:t>Uygulama programları için soyutlamalar sağlar</a:t>
-            </a:r>
-          </a:p>
-          <a:p>
-            <a:r>
-              <a:rPr lang="tr-TR" dirty="0"/>
-              <a:t>Aşağıdan yukarıya bakış açısı:</a:t>
+              <a:rPr lang="tr-TR" dirty="0" smtClean="0"/>
+              <a:t>İşlemci – süreç</a:t>
             </a:r>
           </a:p>
           <a:p>
             <a:pPr lvl="1"/>
             <a:r>
-              <a:rPr lang="tr-TR" dirty="0"/>
-              <a:t>Karmaşık sistemin parçalarını yönetir</a:t>
-            </a:r>
-          </a:p>
-          <a:p>
-            <a:r>
-              <a:rPr lang="tr-TR" dirty="0"/>
-              <a:t>Alternatif bakış açısı:</a:t>
+              <a:rPr lang="tr-TR" dirty="0" smtClean="0"/>
+              <a:t>Depolama – dosya</a:t>
             </a:r>
           </a:p>
           <a:p>
             <a:pPr lvl="1"/>
             <a:r>
-              <a:rPr lang="tr-TR" dirty="0"/>
-              <a:t>Kaynakların düzenli ve kontrollü dağıtımını </a:t>
-            </a:r>
-            <a:r>
-              <a:rPr lang="tr-TR" dirty="0" smtClean="0"/>
-              <a:t>sağlar.</a:t>
+              <a:rPr lang="tr-TR" dirty="0" smtClean="0"/>
+              <a:t>Bellek – adres uzayı</a:t>
+            </a:r>
+          </a:p>
+          <a:p>
+            <a:pPr lvl="1"/>
+            <a:endParaRPr lang="tr-TR" dirty="0"/>
+          </a:p>
+          <a:p>
+            <a:r>
+              <a:rPr lang="tr-TR" dirty="0" smtClean="0"/>
+              <a:t>4 tip çalışan:</a:t>
+            </a:r>
+          </a:p>
+          <a:p>
+            <a:pPr lvl="1"/>
+            <a:r>
+              <a:rPr lang="tr-TR" dirty="0" smtClean="0"/>
+              <a:t>Donanım tasarımcısı</a:t>
+            </a:r>
+          </a:p>
+          <a:p>
+            <a:pPr lvl="1"/>
+            <a:r>
+              <a:rPr lang="tr-TR" dirty="0" smtClean="0"/>
+              <a:t>Çekirdek tasarımcısı</a:t>
+            </a:r>
+          </a:p>
+          <a:p>
+            <a:pPr lvl="1"/>
+            <a:r>
+              <a:rPr lang="tr-TR" dirty="0" smtClean="0"/>
+              <a:t>Uygulama geliştirici</a:t>
+            </a:r>
+          </a:p>
+          <a:p>
+            <a:pPr lvl="1"/>
+            <a:r>
+              <a:rPr lang="tr-TR" dirty="0" smtClean="0"/>
+              <a:t>Son kullanıcı</a:t>
             </a:r>
             <a:endParaRPr lang="tr-TR" dirty="0"/>
           </a:p>
@@ -3301,7 +3300,7 @@
     </p:spTree>
     <p:extLst>
       <p:ext uri="{BB962C8B-B14F-4D97-AF65-F5344CB8AC3E}">
-        <p14:creationId xmlns:p14="http://schemas.microsoft.com/office/powerpoint/2010/main" val="476395924"/>
+        <p14:creationId xmlns:p14="http://schemas.microsoft.com/office/powerpoint/2010/main" val="2562011555"/>
       </p:ext>
     </p:extLst>
   </p:cSld>
@@ -3393,120 +3392,86 @@
           <a:p>
             <a:r>
               <a:rPr lang="tr-TR" dirty="0"/>
-              <a:t>Birden çok programın aynı anda çalışmasına izin </a:t>
-            </a:r>
-            <a:r>
-              <a:rPr lang="tr-TR" dirty="0" smtClean="0"/>
-              <a:t>verir.</a:t>
-            </a:r>
-          </a:p>
-          <a:p>
-            <a:r>
-              <a:rPr lang="tr-TR" dirty="0" smtClean="0"/>
-              <a:t>Bellek, </a:t>
-            </a:r>
-            <a:r>
-              <a:rPr lang="tr-TR" dirty="0"/>
-              <a:t>G/Ç </a:t>
-            </a:r>
-            <a:r>
-              <a:rPr lang="tr-TR" dirty="0" smtClean="0"/>
-              <a:t>cihazları </a:t>
-            </a:r>
-            <a:r>
-              <a:rPr lang="tr-TR" dirty="0"/>
-              <a:t>ve diğer kaynakları </a:t>
-            </a:r>
-            <a:r>
-              <a:rPr lang="tr-TR" dirty="0" smtClean="0"/>
-              <a:t>yönetir </a:t>
-            </a:r>
-            <a:r>
-              <a:rPr lang="tr-TR" dirty="0"/>
-              <a:t>ve </a:t>
-            </a:r>
-            <a:r>
-              <a:rPr lang="tr-TR" dirty="0" smtClean="0"/>
-              <a:t>korur.</a:t>
-            </a:r>
-          </a:p>
-          <a:p>
-            <a:r>
-              <a:rPr lang="tr-TR" dirty="0" smtClean="0"/>
-              <a:t>Kaynakları </a:t>
-            </a:r>
-            <a:r>
-              <a:rPr lang="tr-TR" dirty="0"/>
-              <a:t>iki farklı şekilde </a:t>
-            </a:r>
-            <a:r>
-              <a:rPr lang="tr-TR" dirty="0" smtClean="0"/>
-              <a:t>paylaşır.</a:t>
+              <a:t>İşletim sistemi, bilgisayar donanımının kaynaklarını etkili bir şekilde </a:t>
+            </a:r>
+            <a:r>
+              <a:rPr lang="tr-TR" dirty="0" smtClean="0"/>
+              <a:t>yönetir. Kaynak </a:t>
+            </a:r>
+            <a:r>
+              <a:rPr lang="tr-TR" dirty="0"/>
+              <a:t>kullanımını optimize </a:t>
+            </a:r>
+            <a:r>
+              <a:rPr lang="tr-TR" dirty="0" smtClean="0"/>
+              <a:t>eder. Kaynakların </a:t>
+            </a:r>
+            <a:r>
+              <a:rPr lang="tr-TR" dirty="0"/>
+              <a:t>uygulamalar arasında adil bir şekilde dağıtımını </a:t>
+            </a:r>
+            <a:r>
+              <a:rPr lang="tr-TR" dirty="0" smtClean="0"/>
+              <a:t>sağlar.</a:t>
+            </a:r>
+            <a:endParaRPr lang="tr-TR" dirty="0"/>
+          </a:p>
+          <a:p>
+            <a:r>
+              <a:rPr lang="tr-TR" dirty="0"/>
+              <a:t>Üstten aşağıya bakış açısı:</a:t>
             </a:r>
           </a:p>
           <a:p>
             <a:pPr lvl="1"/>
             <a:r>
-              <a:rPr lang="tr-TR" dirty="0" smtClean="0"/>
-              <a:t>Zaman</a:t>
+              <a:rPr lang="tr-TR" dirty="0"/>
+              <a:t>Uygulama programları için soyutlamalar sağlar</a:t>
+            </a:r>
+          </a:p>
+          <a:p>
+            <a:r>
+              <a:rPr lang="tr-TR" dirty="0"/>
+              <a:t>Aşağıdan yukarıya bakış açısı:</a:t>
             </a:r>
           </a:p>
           <a:p>
             <a:pPr lvl="1"/>
             <a:r>
-              <a:rPr lang="tr-TR" dirty="0" smtClean="0"/>
-              <a:t>Boşluk</a:t>
-            </a:r>
-            <a:endParaRPr lang="tr-TR" dirty="0"/>
-          </a:p>
-          <a:p>
-            <a:r>
-              <a:rPr lang="tr-TR" dirty="0" smtClean="0"/>
-              <a:t>Birçok program aynı anda yazdırmak isterse ne olur?</a:t>
-            </a:r>
-          </a:p>
-          <a:p>
-            <a:r>
-              <a:rPr lang="tr-TR" dirty="0"/>
-              <a:t>Her sürecin kaynak </a:t>
-            </a:r>
-            <a:r>
-              <a:rPr lang="tr-TR" dirty="0" smtClean="0"/>
-              <a:t>kullanımı/ihtiyacı </a:t>
-            </a:r>
-            <a:r>
-              <a:rPr lang="tr-TR" dirty="0"/>
-              <a:t>nasıl hesaplanır</a:t>
-            </a:r>
-            <a:r>
-              <a:rPr lang="tr-TR" dirty="0" smtClean="0"/>
-              <a:t>?</a:t>
-            </a:r>
-          </a:p>
-          <a:p>
-            <a:r>
-              <a:rPr lang="tr-TR" dirty="0"/>
-              <a:t>Kaynaklar </a:t>
-            </a:r>
-            <a:r>
-              <a:rPr lang="tr-TR" dirty="0" err="1" smtClean="0"/>
-              <a:t>çoklanırsa</a:t>
-            </a:r>
-            <a:r>
-              <a:rPr lang="tr-TR" dirty="0" smtClean="0"/>
-              <a:t>, adalet </a:t>
-            </a:r>
-            <a:r>
-              <a:rPr lang="tr-TR" dirty="0"/>
-              <a:t>ve verimlilik nasıl sağlanır?</a:t>
-            </a:r>
+              <a:rPr lang="tr-TR" dirty="0"/>
+              <a:t>Karmaşık sistemin parçalarını yönetir</a:t>
+            </a:r>
+          </a:p>
+          <a:p>
+            <a:r>
+              <a:rPr lang="tr-TR" dirty="0"/>
+              <a:t>Alternatif bakış açısı:</a:t>
+            </a:r>
+          </a:p>
+          <a:p>
+            <a:pPr lvl="1"/>
+            <a:r>
+              <a:rPr lang="tr-TR" dirty="0"/>
+              <a:t>Kaynakların düzenli ve kontrollü dağıtımını </a:t>
+            </a:r>
+            <a:r>
+              <a:rPr lang="tr-TR" dirty="0" smtClean="0"/>
+              <a:t>sağlar.</a:t>
+            </a:r>
+            <a:endParaRPr lang="tr-TR" dirty="0"/>
+          </a:p>
+          <a:p>
+            <a:endParaRPr lang="tr-TR" dirty="0"/>
+          </a:p>
+          <a:p>
+            <a:endParaRPr lang="tr-TR" dirty="0"/>
           </a:p>
         </p:txBody>
       </p:sp>
     </p:spTree>
     <p:extLst>
       <p:ext uri="{BB962C8B-B14F-4D97-AF65-F5344CB8AC3E}">
-        <p14:creationId xmlns:p14="http://schemas.microsoft.com/office/powerpoint/2010/main" val="220582971"/>
+        <p14:creationId xmlns:p14="http://schemas.microsoft.com/office/powerpoint/2010/main" val="476395924"/>
       </p:ext>
     </p:extLst>
   </p:cSld>
@@ -3556,8 +3521,20 @@
           <a:lstStyle/>
           <a:p>
             <a:r>
-              <a:rPr lang="tr-TR" dirty="0"/>
-              <a:t>İşletim Sistemlerinin Tarihi</a:t>
+              <a:rPr lang="tr-TR" dirty="0" smtClean="0"/>
+              <a:t>Kaynak Yöneticisi </a:t>
+            </a:r>
+            <a:r>
+              <a:rPr lang="tr-TR" dirty="0"/>
+              <a:t>Olarak </a:t>
+            </a:r>
+            <a:r>
+              <a:rPr lang="tr-TR" dirty="0" smtClean="0"/>
+              <a:t>İşletim </a:t>
+            </a:r>
+            <a:r>
+              <a:rPr lang="tr-TR" dirty="0"/>
+              <a:t>Sistemi </a:t>
             </a:r>
           </a:p>
         </p:txBody>
@@ -3586,140 +3563,120 @@
           <a:p>
             <a:r>
               <a:rPr lang="tr-TR" dirty="0"/>
-              <a:t>İlk jenerasyon (1945-55) </a:t>
-            </a:r>
-            <a:endParaRPr lang="tr-TR" dirty="0" smtClean="0"/>
+              <a:t>Birden çok programın aynı anda çalışmasına izin </a:t>
+            </a:r>
+            <a:r>
+              <a:rPr lang="tr-TR" dirty="0" smtClean="0"/>
+              <a:t>verir.</a:t>
+            </a:r>
+          </a:p>
+          <a:p>
+            <a:r>
+              <a:rPr lang="tr-TR" dirty="0" smtClean="0"/>
+              <a:t>Bellek, </a:t>
+            </a:r>
+            <a:r>
+              <a:rPr lang="tr-TR" dirty="0"/>
+              <a:t>G/Ç </a:t>
+            </a:r>
+            <a:r>
+              <a:rPr lang="tr-TR" dirty="0" smtClean="0"/>
+              <a:t>cihazları </a:t>
+            </a:r>
+            <a:r>
+              <a:rPr lang="tr-TR" dirty="0"/>
+              <a:t>ve diğer kaynakları </a:t>
+            </a:r>
+            <a:r>
+              <a:rPr lang="tr-TR" dirty="0" smtClean="0"/>
+              <a:t>yönetir </a:t>
+            </a:r>
+            <a:r>
+              <a:rPr lang="tr-TR" dirty="0"/>
+              <a:t>ve </a:t>
+            </a:r>
+            <a:r>
+              <a:rPr lang="tr-TR" dirty="0" smtClean="0"/>
+              <a:t>korur.</a:t>
+            </a:r>
+          </a:p>
+          <a:p>
+            <a:r>
+              <a:rPr lang="tr-TR" dirty="0" smtClean="0"/>
+              <a:t>Kaynakları </a:t>
+            </a:r>
+            <a:r>
+              <a:rPr lang="tr-TR" dirty="0"/>
+              <a:t>iki farklı şekilde </a:t>
+            </a:r>
+            <a:r>
+              <a:rPr lang="tr-TR" dirty="0" smtClean="0"/>
+              <a:t>paylaşır.</a:t>
+            </a:r>
           </a:p>
           <a:p>
             <a:pPr lvl="1"/>
             <a:r>
               <a:rPr lang="tr-TR" dirty="0" smtClean="0"/>
-              <a:t>vakum </a:t>
-            </a:r>
-            <a:r>
-              <a:rPr lang="tr-TR" dirty="0"/>
-              <a:t>tüpleri</a:t>
-            </a:r>
-          </a:p>
-          <a:p>
-            <a:r>
-              <a:rPr lang="tr-TR" dirty="0" smtClean="0"/>
-              <a:t>İkinci </a:t>
-            </a:r>
-            <a:r>
-              <a:rPr lang="tr-TR" dirty="0"/>
-              <a:t>jenerasyon (1955-65) </a:t>
-            </a:r>
-            <a:endParaRPr lang="tr-TR" dirty="0" smtClean="0"/>
+              <a:t>Zaman</a:t>
+            </a:r>
           </a:p>
           <a:p>
             <a:pPr lvl="1"/>
             <a:r>
+              <a:rPr lang="tr-TR" dirty="0" smtClean="0"/>
+              <a:t>Boşluk</a:t>
+            </a:r>
+            <a:endParaRPr lang="tr-TR" dirty="0"/>
+          </a:p>
+          <a:p>
+            <a:r>
+              <a:rPr lang="tr-TR" dirty="0" smtClean="0"/>
+              <a:t>Birçok program aynı anda yazdırmak isterse ne olur?</a:t>
+            </a:r>
+          </a:p>
+          <a:p>
+            <a:r>
+              <a:rPr lang="tr-TR" dirty="0"/>
+              <a:t>Her sürecin kaynak </a:t>
+            </a:r>
+            <a:r>
+              <a:rPr lang="tr-TR" dirty="0" smtClean="0"/>
+              <a:t>kullanımı/ihtiyacı </a:t>
+            </a:r>
+            <a:r>
+              <a:rPr lang="tr-TR" dirty="0"/>
+              <a:t>nasıl hesaplanır</a:t>
+            </a:r>
+            <a:r>
+              <a:rPr lang="tr-TR" dirty="0" smtClean="0"/>
+              <a:t>?</a:t>
+            </a:r>
+          </a:p>
+          <a:p>
+            <a:r>
+              <a:rPr lang="tr-TR" dirty="0"/>
+              <a:t>Kaynaklar </a:t>
+            </a:r>
+            <a:r>
               <a:rPr lang="tr-TR" dirty="0" err="1" smtClean="0"/>
-              <a:t>transistörler</a:t>
-            </a:r>
-            <a:r>
-              <a:rPr lang="tr-TR" dirty="0" smtClean="0"/>
-              <a:t> </a:t>
-            </a:r>
-            <a:r>
-              <a:rPr lang="tr-TR" dirty="0"/>
-              <a:t>ve </a:t>
-            </a:r>
-            <a:r>
-              <a:rPr lang="tr-TR" dirty="0" err="1"/>
-              <a:t>batch</a:t>
-            </a:r>
-            <a:r>
-              <a:rPr lang="tr-TR" dirty="0"/>
-              <a:t> sistemleri</a:t>
-            </a:r>
-          </a:p>
-          <a:p>
-            <a:r>
-              <a:rPr lang="tr-TR" dirty="0" smtClean="0"/>
-              <a:t>Üçüncü </a:t>
-            </a:r>
-            <a:r>
-              <a:rPr lang="tr-TR" dirty="0"/>
-              <a:t>jenerasyon (1965-1980) </a:t>
-            </a:r>
-            <a:endParaRPr lang="tr-TR" dirty="0" smtClean="0"/>
-          </a:p>
-          <a:p>
-            <a:pPr lvl="1"/>
-            <a:r>
-              <a:rPr lang="tr-TR" dirty="0" err="1" smtClean="0"/>
-              <a:t>IC'ler</a:t>
-            </a:r>
-            <a:r>
-              <a:rPr lang="tr-TR" dirty="0" smtClean="0"/>
-              <a:t> </a:t>
-            </a:r>
-            <a:r>
-              <a:rPr lang="tr-TR" dirty="0"/>
-              <a:t>ve çoklu programlama</a:t>
-            </a:r>
-          </a:p>
-          <a:p>
-            <a:r>
-              <a:rPr lang="tr-TR" dirty="0" smtClean="0"/>
-              <a:t>Dördüncü </a:t>
-            </a:r>
-            <a:r>
-              <a:rPr lang="tr-TR" dirty="0"/>
-              <a:t>jenerasyon (1980-günümüz) </a:t>
-            </a:r>
-            <a:endParaRPr lang="tr-TR" dirty="0" smtClean="0"/>
-          </a:p>
-          <a:p>
-            <a:pPr lvl="1"/>
-            <a:r>
-              <a:rPr lang="tr-TR" dirty="0" smtClean="0"/>
-              <a:t>kişisel </a:t>
-            </a:r>
-            <a:r>
-              <a:rPr lang="tr-TR" dirty="0"/>
-              <a:t>bilgisayarlar</a:t>
-            </a:r>
-          </a:p>
-          <a:p>
-            <a:r>
-              <a:rPr lang="tr-TR" dirty="0" smtClean="0"/>
-              <a:t>Beşinci </a:t>
-            </a:r>
-            <a:r>
-              <a:rPr lang="tr-TR" dirty="0"/>
-              <a:t>jenerasyon (1990-günümüz) </a:t>
-            </a:r>
-            <a:endParaRPr lang="tr-TR" dirty="0" smtClean="0"/>
-          </a:p>
-          <a:p>
-            <a:pPr lvl="1"/>
-            <a:r>
-              <a:rPr lang="tr-TR" dirty="0" smtClean="0"/>
-              <a:t>mobil </a:t>
-            </a:r>
-            <a:r>
-              <a:rPr lang="tr-TR" dirty="0"/>
-              <a:t>bilgisayarlar</a:t>
-            </a:r>
-          </a:p>
-          <a:p>
-            <a:endParaRPr lang="tr-TR" dirty="0"/>
-          </a:p>
-          <a:p>
-            <a:endParaRPr lang="tr-TR" dirty="0"/>
-          </a:p>
-          <a:p>
-            <a:endParaRPr lang="tr-TR" dirty="0"/>
+              <a:t>çoklanırsa</a:t>
+            </a:r>
+            <a:r>
+              <a:rPr lang="tr-TR" dirty="0" smtClean="0"/>
+              <a:t>, adalet </a:t>
+            </a:r>
+            <a:r>
+              <a:rPr lang="tr-TR" dirty="0"/>
+              <a:t>ve verimlilik nasıl sağlanır?</a:t>
+            </a:r>
           </a:p>
         </p:txBody>
       </p:sp>
     </p:spTree>
     <p:extLst>
       <p:ext uri="{BB962C8B-B14F-4D97-AF65-F5344CB8AC3E}">
-        <p14:creationId xmlns:p14="http://schemas.microsoft.com/office/powerpoint/2010/main" val="3041953073"/>
+        <p14:creationId xmlns:p14="http://schemas.microsoft.com/office/powerpoint/2010/main" val="220582971"/>
       </p:ext>
     </p:extLst>
   </p:cSld>
@@ -3769,10 +3726,9 @@
           <a:lstStyle/>
           <a:p>
             <a:r>
-              <a:rPr lang="tr-TR" dirty="0" smtClean="0"/>
-              <a:t>Vakum Tüpleri</a:t>
-            </a:r>
-            <a:endParaRPr lang="tr-TR" dirty="0"/>
+              <a:rPr lang="tr-TR" dirty="0"/>
+              <a:t>İşletim Sistemlerinin Tarihi</a:t>
+            </a:r>
           </a:p>
         </p:txBody>
       </p:sp>
@@ -3799,62 +3755,125 @@
           <a:lstStyle/>
           <a:p>
             <a:r>
-              <a:rPr lang="tr-TR" dirty="0" smtClean="0"/>
-              <a:t>Büyük ve yavaş</a:t>
-            </a:r>
-          </a:p>
-          <a:p>
-            <a:r>
-              <a:rPr lang="tr-TR" dirty="0"/>
-              <a:t>Mühendisler </a:t>
-            </a:r>
-            <a:r>
-              <a:rPr lang="tr-TR" dirty="0" smtClean="0"/>
-              <a:t>tasarlar</a:t>
-            </a:r>
-            <a:r>
-              <a:rPr lang="tr-TR" dirty="0"/>
-              <a:t>, inşa eder, çalıştırır ve bakımını </a:t>
-            </a:r>
-            <a:r>
-              <a:rPr lang="tr-TR" dirty="0" smtClean="0"/>
-              <a:t>yapar</a:t>
-            </a:r>
-          </a:p>
-          <a:p>
-            <a:r>
-              <a:rPr lang="tr-TR" dirty="0" smtClean="0"/>
-              <a:t>Makine </a:t>
-            </a:r>
-            <a:r>
-              <a:rPr lang="tr-TR" dirty="0"/>
-              <a:t>diliyle veya kablolar kullanılarak </a:t>
-            </a:r>
-            <a:r>
-              <a:rPr lang="tr-TR" dirty="0" smtClean="0"/>
-              <a:t>programlanır</a:t>
-            </a:r>
-          </a:p>
-          <a:p>
-            <a:r>
-              <a:rPr lang="tr-TR" dirty="0" smtClean="0"/>
-              <a:t>Takılabilir kartlar ile çalışır</a:t>
-            </a:r>
-          </a:p>
-          <a:p>
-            <a:r>
-              <a:rPr lang="tr-TR" dirty="0" smtClean="0"/>
-              <a:t>Ağırlıklı </a:t>
-            </a:r>
-            <a:r>
-              <a:rPr lang="tr-TR" dirty="0"/>
-              <a:t>olarak sayısal </a:t>
-            </a:r>
-            <a:r>
-              <a:rPr lang="tr-TR" dirty="0" smtClean="0"/>
-              <a:t>hesaplamalar yapar</a:t>
-            </a:r>
-            <a:endParaRPr lang="tr-TR" dirty="0"/>
+              <a:rPr lang="tr-TR" dirty="0"/>
+              <a:t>İlk jenerasyon (1945-55) </a:t>
+            </a:r>
+            <a:endParaRPr lang="tr-TR" dirty="0" smtClean="0"/>
+          </a:p>
+          <a:p>
+            <a:pPr lvl="1"/>
+            <a:r>
+              <a:rPr lang="tr-TR" dirty="0" smtClean="0"/>
+              <a:t>vakum </a:t>
+            </a:r>
+            <a:r>
+              <a:rPr lang="tr-TR" dirty="0"/>
+              <a:t>tüpleri</a:t>
+            </a:r>
+          </a:p>
+          <a:p>
+            <a:r>
+              <a:rPr lang="tr-TR" dirty="0" smtClean="0"/>
+              <a:t>İkinci </a:t>
+            </a:r>
+            <a:r>
+              <a:rPr lang="tr-TR" dirty="0"/>
+              <a:t>jenerasyon (1955-65) </a:t>
+            </a:r>
+            <a:endParaRPr lang="tr-TR" dirty="0" smtClean="0"/>
+          </a:p>
+          <a:p>
+            <a:pPr lvl="1"/>
+            <a:r>
+              <a:rPr lang="tr-TR" dirty="0" err="1" smtClean="0"/>
+              <a:t>transistörler</a:t>
+            </a:r>
+            <a:r>
+              <a:rPr lang="tr-TR" dirty="0" smtClean="0"/>
+              <a:t> </a:t>
+            </a:r>
+            <a:r>
+              <a:rPr lang="tr-TR" dirty="0"/>
+              <a:t>ve </a:t>
+            </a:r>
+            <a:r>
+              <a:rPr lang="tr-TR" dirty="0" err="1"/>
+              <a:t>batch</a:t>
+            </a:r>
+            <a:r>
+              <a:rPr lang="tr-TR" dirty="0"/>
+              <a:t> sistemleri</a:t>
+            </a:r>
+          </a:p>
+          <a:p>
+            <a:r>
+              <a:rPr lang="tr-TR" dirty="0" smtClean="0"/>
+              <a:t>Üçüncü </a:t>
+            </a:r>
+            <a:r>
+              <a:rPr lang="tr-TR" dirty="0"/>
+              <a:t>jenerasyon (1965-1980) </a:t>
+            </a:r>
+            <a:endParaRPr lang="tr-TR" dirty="0" smtClean="0"/>
+          </a:p>
+          <a:p>
+            <a:pPr lvl="1"/>
+            <a:r>
+              <a:rPr lang="tr-TR" dirty="0" err="1" smtClean="0"/>
+              <a:t>IC'ler</a:t>
+            </a:r>
+            <a:r>
+              <a:rPr lang="tr-TR" dirty="0" smtClean="0"/>
+              <a:t> </a:t>
+            </a:r>
+            <a:r>
+              <a:rPr lang="tr-TR" dirty="0"/>
+              <a:t>ve çoklu programlama</a:t>
+            </a:r>
+          </a:p>
+          <a:p>
+            <a:r>
+              <a:rPr lang="tr-TR" dirty="0" smtClean="0"/>
+              <a:t>Dördüncü </a:t>
+            </a:r>
+            <a:r>
+              <a:rPr lang="tr-TR" dirty="0"/>
+              <a:t>jenerasyon (1980-günümüz) </a:t>
+            </a:r>
+            <a:endParaRPr lang="tr-TR" dirty="0" smtClean="0"/>
+          </a:p>
+          <a:p>
+            <a:pPr lvl="1"/>
+            <a:r>
+              <a:rPr lang="tr-TR" dirty="0" smtClean="0"/>
+              <a:t>kişisel </a:t>
+            </a:r>
+            <a:r>
+              <a:rPr lang="tr-TR" dirty="0"/>
+              <a:t>bilgisayarlar</a:t>
+            </a:r>
+          </a:p>
+          <a:p>
+            <a:r>
+              <a:rPr lang="tr-TR" dirty="0" smtClean="0"/>
+              <a:t>Beşinci </a:t>
+            </a:r>
+            <a:r>
+              <a:rPr lang="tr-TR" dirty="0"/>
+              <a:t>jenerasyon (1990-günümüz) </a:t>
+            </a:r>
+            <a:endParaRPr lang="tr-TR" dirty="0" smtClean="0"/>
+          </a:p>
+          <a:p>
+            <a:pPr lvl="1"/>
+            <a:r>
+              <a:rPr lang="tr-TR" dirty="0" smtClean="0"/>
+              <a:t>mobil </a:t>
+            </a:r>
+            <a:r>
+              <a:rPr lang="tr-TR" dirty="0"/>
+              <a:t>bilgisayarlar</a:t>
+            </a:r>
           </a:p>
           <a:p>
             <a:endParaRPr lang="tr-TR" dirty="0"/>
@@ -3870,7 +3889,7 @@
     </p:spTree>
     <p:extLst>
       <p:ext uri="{BB962C8B-B14F-4D97-AF65-F5344CB8AC3E}">
-        <p14:creationId xmlns:p14="http://schemas.microsoft.com/office/powerpoint/2010/main" val="2491609616"/>
+        <p14:creationId xmlns:p14="http://schemas.microsoft.com/office/powerpoint/2010/main" val="3041953073"/>
       </p:ext>
     </p:extLst>
   </p:cSld>
@@ -3920,6 +3939,157 @@
           <a:lstStyle/>
           <a:p>
             <a:r>
+              <a:rPr lang="tr-TR" dirty="0" smtClean="0"/>
+              <a:t>Vakum Tüpleri</a:t>
+            </a:r>
+            <a:endParaRPr lang="tr-TR" dirty="0"/>
+          </a:p>
+        </p:txBody>
+      </p:sp>
+      <p:sp>
+        <p:nvSpPr>
+          <p:cNvPr id="3" name="Content Placeholder 2"/>
+          <p:cNvSpPr>
+            <a:spLocks noGrp="1"/>
+          </p:cNvSpPr>
+          <p:nvPr>
+            <p:ph idx="1"/>
+          </p:nvPr>
+        </p:nvSpPr>
+        <p:spPr>
+          <a:xfrm>
+            <a:off x="838200" y="1825625"/>
+            <a:ext cx="10515600" cy="4680000"/>
+          </a:xfrm>
+        </p:spPr>
+        <p:txBody>
+          <a:bodyPr>
+            <a:normAutofit/>
+          </a:bodyPr>
+          <a:lstStyle/>
+          <a:p>
+            <a:r>
+              <a:rPr lang="tr-TR" dirty="0" smtClean="0"/>
+              <a:t>Büyük ve yavaş</a:t>
+            </a:r>
+          </a:p>
+          <a:p>
+            <a:r>
+              <a:rPr lang="tr-TR" dirty="0"/>
+              <a:t>Mühendisler </a:t>
+            </a:r>
+            <a:r>
+              <a:rPr lang="tr-TR" dirty="0" smtClean="0"/>
+              <a:t>tasarlar</a:t>
+            </a:r>
+            <a:r>
+              <a:rPr lang="tr-TR" dirty="0"/>
+              <a:t>, inşa eder, çalıştırır ve bakımını </a:t>
+            </a:r>
+            <a:r>
+              <a:rPr lang="tr-TR" dirty="0" smtClean="0"/>
+              <a:t>yapar</a:t>
+            </a:r>
+          </a:p>
+          <a:p>
+            <a:r>
+              <a:rPr lang="tr-TR" dirty="0" smtClean="0"/>
+              <a:t>Makine </a:t>
+            </a:r>
+            <a:r>
+              <a:rPr lang="tr-TR" dirty="0"/>
+              <a:t>diliyle veya kablolar kullanılarak </a:t>
+            </a:r>
+            <a:r>
+              <a:rPr lang="tr-TR" dirty="0" smtClean="0"/>
+              <a:t>programlanır</a:t>
+            </a:r>
+          </a:p>
+          <a:p>
+            <a:r>
+              <a:rPr lang="tr-TR" dirty="0" smtClean="0"/>
+              <a:t>Takılabilir kartlar ile çalışır</a:t>
+            </a:r>
+          </a:p>
+          <a:p>
+            <a:r>
+              <a:rPr lang="tr-TR" dirty="0" smtClean="0"/>
+              <a:t>Ağırlıklı </a:t>
+            </a:r>
+            <a:r>
+              <a:rPr lang="tr-TR" dirty="0"/>
+              <a:t>olarak sayısal </a:t>
+            </a:r>
+            <a:r>
+              <a:rPr lang="tr-TR" dirty="0" smtClean="0"/>
+              <a:t>hesaplamalar yapar</a:t>
+            </a:r>
+            <a:endParaRPr lang="tr-TR" dirty="0"/>
+          </a:p>
+          <a:p>
+            <a:endParaRPr lang="tr-TR" dirty="0"/>
+          </a:p>
+          <a:p>
+            <a:endParaRPr lang="tr-TR" dirty="0"/>
+          </a:p>
+          <a:p>
+            <a:endParaRPr lang="tr-TR" dirty="0"/>
+          </a:p>
+        </p:txBody>
+      </p:sp>
+    </p:spTree>
+    <p:extLst>
+      <p:ext uri="{BB962C8B-B14F-4D97-AF65-F5344CB8AC3E}">
+        <p14:creationId xmlns:p14="http://schemas.microsoft.com/office/powerpoint/2010/main" val="2491609616"/>
+      </p:ext>
+    </p:extLst>
+  </p:cSld>
+  <p:clrMapOvr>
+    <a:masterClrMapping/>
+  </p:clrMapOvr>
+  <p:timing>
+    <p:tnLst>
+      <p:par>
+        <p:cTn id="1" dur="indefinite" restart="never" nodeType="tmRoot"/>
+      </p:par>
+    </p:tnLst>
+  </p:timing>
+</p:sld>
+</file>
+
+<file path=ppt/slides/slide15.xml><?xml version="1.0" encoding="utf-8"?>
+<p:sld xmlns:a="http://schemas.openxmlformats.org/drawingml/2006/main" xmlns:r="http://schemas.openxmlformats.org/officeDocument/2006/relationships" xmlns:p="http://schemas.openxmlformats.org/presentationml/2006/main">
+  <p:cSld>
+    <p:spTree>
+      <p:nvGrpSpPr>
+        <p:cNvPr id="1" name=""/>
+        <p:cNvGrpSpPr/>
+        <p:nvPr/>
+      </p:nvGrpSpPr>
+      <p:grpSpPr>
+        <a:xfrm>
+          <a:off x="0" y="0"/>
+          <a:ext cx="0" cy="0"/>
+          <a:chOff x="0" y="0"/>
+          <a:chExt cx="0" cy="0"/>
+        </a:xfrm>
+      </p:grpSpPr>
+      <p:sp>
+        <p:nvSpPr>
+          <p:cNvPr id="2" name="Title 1"/>
+          <p:cNvSpPr>
+            <a:spLocks noGrp="1"/>
+          </p:cNvSpPr>
+          <p:nvPr>
+            <p:ph type="title"/>
+          </p:nvPr>
+        </p:nvSpPr>
+        <p:spPr/>
+        <p:txBody>
+          <a:bodyPr/>
+          <a:lstStyle/>
+          <a:p>
+            <a:r>
               <a:rPr lang="tr-TR" dirty="0" err="1"/>
               <a:t>Transistörler</a:t>
             </a:r>
@@ -4139,7 +4309,7 @@
 </p:sld>
 </file>
 
-<file path=ppt/slides/slide15.xml><?xml version="1.0" encoding="utf-8"?>
+<file path=ppt/slides/slide16.xml><?xml version="1.0" encoding="utf-8"?>
 <p:sld xmlns:a="http://schemas.openxmlformats.org/drawingml/2006/main" xmlns:r="http://schemas.openxmlformats.org/officeDocument/2006/relationships" xmlns:p="http://schemas.openxmlformats.org/presentationml/2006/main">
   <p:cSld>
     <p:spTree>
@@ -4343,7 +4513,7 @@
 </p:sld>
 </file>
 
-<file path=ppt/slides/slide16.xml><?xml version="1.0" encoding="utf-8"?>
+<file path=ppt/slides/slide17.xml><?xml version="1.0" encoding="utf-8"?>
 <p:sld xmlns:a="http://schemas.openxmlformats.org/drawingml/2006/main" xmlns:r="http://schemas.openxmlformats.org/officeDocument/2006/relationships" xmlns:p="http://schemas.openxmlformats.org/presentationml/2006/main">
   <p:cSld>
     <p:spTree>
@@ -4584,7 +4754,7 @@
 </p:sld>
 </file>
 
-<file path=ppt/slides/slide17.xml><?xml version="1.0" encoding="utf-8"?>
+<file path=ppt/slides/slide18.xml><?xml version="1.0" encoding="utf-8"?>
 <p:sld xmlns:a="http://schemas.openxmlformats.org/drawingml/2006/main" xmlns:r="http://schemas.openxmlformats.org/officeDocument/2006/relationships" xmlns:p="http://schemas.openxmlformats.org/presentationml/2006/main">
   <p:cSld>
     <p:spTree>
@@ -4767,7 +4937,7 @@
 </p:sld>
 </file>
 
-<file path=ppt/slides/slide18.xml><?xml version="1.0" encoding="utf-8"?>
+<file path=ppt/slides/slide19.xml><?xml version="1.0" encoding="utf-8"?>
 <p:sld xmlns:a="http://schemas.openxmlformats.org/drawingml/2006/main" xmlns:r="http://schemas.openxmlformats.org/officeDocument/2006/relationships" xmlns:p="http://schemas.openxmlformats.org/presentationml/2006/main">
   <p:cSld>
     <p:spTree>
@@ -4969,7 +5139,143 @@
 </p:sld>
 </file>
 
-<file path=ppt/slides/slide19.xml><?xml version="1.0" encoding="utf-8"?>
+<file path=ppt/slides/slide2.xml><?xml version="1.0" encoding="utf-8"?>
+<p:sld xmlns:a="http://schemas.openxmlformats.org/drawingml/2006/main" xmlns:r="http://schemas.openxmlformats.org/officeDocument/2006/relationships" xmlns:p="http://schemas.openxmlformats.org/presentationml/2006/main">
+  <p:cSld>
+    <p:spTree>
+      <p:nvGrpSpPr>
+        <p:cNvPr id="1" name=""/>
+        <p:cNvGrpSpPr/>
+        <p:nvPr/>
+      </p:nvGrpSpPr>
+      <p:grpSpPr>
+        <a:xfrm>
+          <a:off x="0" y="0"/>
+          <a:ext cx="0" cy="0"/>
+          <a:chOff x="0" y="0"/>
+          <a:chExt cx="0" cy="0"/>
+        </a:xfrm>
+      </p:grpSpPr>
+      <p:sp>
+        <p:nvSpPr>
+          <p:cNvPr id="2" name="Title 1"/>
+          <p:cNvSpPr>
+            <a:spLocks noGrp="1"/>
+          </p:cNvSpPr>
+          <p:nvPr>
+            <p:ph type="title"/>
+          </p:nvPr>
+        </p:nvSpPr>
+        <p:spPr/>
+        <p:txBody>
+          <a:bodyPr/>
+          <a:lstStyle/>
+          <a:p>
+            <a:r>
+              <a:rPr lang="tr-TR" dirty="0"/>
+              <a:t>Modern Bilgisayarın Bileşenleri:</a:t>
+            </a:r>
+          </a:p>
+        </p:txBody>
+      </p:sp>
+      <p:sp>
+        <p:nvSpPr>
+          <p:cNvPr id="3" name="Content Placeholder 2"/>
+          <p:cNvSpPr>
+            <a:spLocks noGrp="1"/>
+          </p:cNvSpPr>
+          <p:nvPr>
+            <p:ph idx="1"/>
+          </p:nvPr>
+        </p:nvSpPr>
+        <p:spPr>
+          <a:xfrm>
+            <a:off x="838200" y="1825625"/>
+            <a:ext cx="10515600" cy="4680000"/>
+          </a:xfrm>
+        </p:spPr>
+        <p:txBody>
+          <a:bodyPr>
+            <a:normAutofit/>
+          </a:bodyPr>
+          <a:lstStyle/>
+          <a:p>
+            <a:r>
+              <a:rPr lang="tr-TR" dirty="0"/>
+              <a:t>Bir veya daha fazla işlemci</a:t>
+            </a:r>
+          </a:p>
+          <a:p>
+            <a:r>
+              <a:rPr lang="tr-TR" dirty="0"/>
+              <a:t>Ana bellek</a:t>
+            </a:r>
+          </a:p>
+          <a:p>
+            <a:r>
+              <a:rPr lang="tr-TR" dirty="0"/>
+              <a:t>Diskler</a:t>
+            </a:r>
+          </a:p>
+          <a:p>
+            <a:r>
+              <a:rPr lang="tr-TR" dirty="0"/>
+              <a:t>Yazıcılar</a:t>
+            </a:r>
+          </a:p>
+          <a:p>
+            <a:r>
+              <a:rPr lang="tr-TR" dirty="0"/>
+              <a:t>Klavye</a:t>
+            </a:r>
+          </a:p>
+          <a:p>
+            <a:r>
+              <a:rPr lang="tr-TR" dirty="0"/>
+              <a:t>Fare</a:t>
+            </a:r>
+          </a:p>
+          <a:p>
+            <a:r>
+              <a:rPr lang="tr-TR" dirty="0"/>
+              <a:t>Ekran</a:t>
+            </a:r>
+          </a:p>
+          <a:p>
+            <a:r>
+              <a:rPr lang="tr-TR" dirty="0"/>
+              <a:t>Ağ arayüzleri</a:t>
+            </a:r>
+          </a:p>
+          <a:p>
+            <a:r>
+              <a:rPr lang="tr-TR" dirty="0"/>
+              <a:t>G/Ç cihazları</a:t>
+            </a:r>
+          </a:p>
+        </p:txBody>
+      </p:sp>
+    </p:spTree>
+    <p:extLst>
+      <p:ext uri="{BB962C8B-B14F-4D97-AF65-F5344CB8AC3E}">
+        <p14:creationId xmlns:p14="http://schemas.microsoft.com/office/powerpoint/2010/main" val="4188232905"/>
+      </p:ext>
+    </p:extLst>
+  </p:cSld>
+  <p:clrMapOvr>
+    <a:masterClrMapping/>
+  </p:clrMapOvr>
+  <p:timing>
+    <p:tnLst>
+      <p:par>
+        <p:cTn id="1" dur="indefinite" restart="never" nodeType="tmRoot"/>
+      </p:par>
+    </p:tnLst>
+  </p:timing>
+</p:sld>
+</file>
+
+<file path=ppt/slides/slide20.xml><?xml version="1.0" encoding="utf-8"?>
 <p:sld xmlns:a="http://schemas.openxmlformats.org/drawingml/2006/main" xmlns:r="http://schemas.openxmlformats.org/officeDocument/2006/relationships" xmlns:p="http://schemas.openxmlformats.org/presentationml/2006/main">
   <p:cSld>
     <p:spTree>
@@ -5132,143 +5438,7 @@
 </p:sld>
 </file>
 
-<file path=ppt/slides/slide2.xml><?xml version="1.0" encoding="utf-8"?>
-<p:sld xmlns:a="http://schemas.openxmlformats.org/drawingml/2006/main" xmlns:r="http://schemas.openxmlformats.org/officeDocument/2006/relationships" xmlns:p="http://schemas.openxmlformats.org/presentationml/2006/main">
-  <p:cSld>
-    <p:spTree>
-      <p:nvGrpSpPr>
-        <p:cNvPr id="1" name=""/>
-        <p:cNvGrpSpPr/>
-        <p:nvPr/>
-      </p:nvGrpSpPr>
-      <p:grpSpPr>
-        <a:xfrm>
-          <a:off x="0" y="0"/>
-          <a:ext cx="0" cy="0"/>
-          <a:chOff x="0" y="0"/>
-          <a:chExt cx="0" cy="0"/>
-        </a:xfrm>
-      </p:grpSpPr>
-      <p:sp>
-        <p:nvSpPr>
-          <p:cNvPr id="2" name="Title 1"/>
-          <p:cNvSpPr>
-            <a:spLocks noGrp="1"/>
-          </p:cNvSpPr>
-          <p:nvPr>
-            <p:ph type="title"/>
-          </p:nvPr>
-        </p:nvSpPr>
-        <p:spPr/>
-        <p:txBody>
-          <a:bodyPr/>
-          <a:lstStyle/>
-          <a:p>
-            <a:r>
-              <a:rPr lang="tr-TR" dirty="0"/>
-              <a:t>Modern Bilgisayarın Bileşenleri:</a:t>
-            </a:r>
-          </a:p>
-        </p:txBody>
-      </p:sp>
-      <p:sp>
-        <p:nvSpPr>
-          <p:cNvPr id="3" name="Content Placeholder 2"/>
-          <p:cNvSpPr>
-            <a:spLocks noGrp="1"/>
-          </p:cNvSpPr>
-          <p:nvPr>
-            <p:ph idx="1"/>
-          </p:nvPr>
-        </p:nvSpPr>
-        <p:spPr>
-          <a:xfrm>
-            <a:off x="838200" y="1825625"/>
-            <a:ext cx="10515600" cy="4680000"/>
-          </a:xfrm>
-        </p:spPr>
-        <p:txBody>
-          <a:bodyPr>
-            <a:normAutofit/>
-          </a:bodyPr>
-          <a:lstStyle/>
-          <a:p>
-            <a:r>
-              <a:rPr lang="tr-TR" dirty="0"/>
-              <a:t>Bir veya daha fazla işlemci</a:t>
-            </a:r>
-          </a:p>
-          <a:p>
-            <a:r>
-              <a:rPr lang="tr-TR" dirty="0"/>
-              <a:t>Ana bellek</a:t>
-            </a:r>
-          </a:p>
-          <a:p>
-            <a:r>
-              <a:rPr lang="tr-TR" dirty="0"/>
-              <a:t>Diskler</a:t>
-            </a:r>
-          </a:p>
-          <a:p>
-            <a:r>
-              <a:rPr lang="tr-TR" dirty="0"/>
-              <a:t>Yazıcılar</a:t>
-            </a:r>
-          </a:p>
-          <a:p>
-            <a:r>
-              <a:rPr lang="tr-TR" dirty="0"/>
-              <a:t>Klavye</a:t>
-            </a:r>
-          </a:p>
-          <a:p>
-            <a:r>
-              <a:rPr lang="tr-TR" dirty="0"/>
-              <a:t>Fare</a:t>
-            </a:r>
-          </a:p>
-          <a:p>
-            <a:r>
-              <a:rPr lang="tr-TR" dirty="0"/>
-              <a:t>Ekran</a:t>
-            </a:r>
-          </a:p>
-          <a:p>
-            <a:r>
-              <a:rPr lang="tr-TR" dirty="0"/>
-              <a:t>Ağ arayüzleri</a:t>
-            </a:r>
-          </a:p>
-          <a:p>
-            <a:r>
-              <a:rPr lang="tr-TR" dirty="0"/>
-              <a:t>G/Ç cihazları</a:t>
-            </a:r>
-          </a:p>
-        </p:txBody>
-      </p:sp>
-    </p:spTree>
-    <p:extLst>
-      <p:ext uri="{BB962C8B-B14F-4D97-AF65-F5344CB8AC3E}">
-        <p14:creationId xmlns:p14="http://schemas.microsoft.com/office/powerpoint/2010/main" val="4188232905"/>
-      </p:ext>
-    </p:extLst>
-  </p:cSld>
-  <p:clrMapOvr>
-    <a:masterClrMapping/>
-  </p:clrMapOvr>
-  <p:timing>
-    <p:tnLst>
-      <p:par>
-        <p:cTn id="1" dur="indefinite" restart="never" nodeType="tmRoot"/>
-      </p:par>
-    </p:tnLst>
-  </p:timing>
-</p:sld>
-</file>
-
-<file path=ppt/slides/slide20.xml><?xml version="1.0" encoding="utf-8"?>
+<file path=ppt/slides/slide21.xml><?xml version="1.0" encoding="utf-8"?>
 <p:sld xmlns:a="http://schemas.openxmlformats.org/drawingml/2006/main" xmlns:r="http://schemas.openxmlformats.org/officeDocument/2006/relationships" xmlns:p="http://schemas.openxmlformats.org/presentationml/2006/main">
   <p:cSld>
     <p:spTree>
@@ -5440,7 +5610,7 @@
 </p:sld>
 </file>
 
-<file path=ppt/slides/slide21.xml><?xml version="1.0" encoding="utf-8"?>
+<file path=ppt/slides/slide22.xml><?xml version="1.0" encoding="utf-8"?>
 <p:sld xmlns:a="http://schemas.openxmlformats.org/drawingml/2006/main" xmlns:r="http://schemas.openxmlformats.org/officeDocument/2006/relationships" xmlns:p="http://schemas.openxmlformats.org/presentationml/2006/main">
   <p:cSld>
     <p:spTree>
@@ -5586,7 +5756,7 @@
 </p:sld>
 </file>
 
-<file path=ppt/slides/slide22.xml><?xml version="1.0" encoding="utf-8"?>
+<file path=ppt/slides/slide23.xml><?xml version="1.0" encoding="utf-8"?>
 <p:sld xmlns:a="http://schemas.openxmlformats.org/drawingml/2006/main" xmlns:r="http://schemas.openxmlformats.org/officeDocument/2006/relationships" xmlns:p="http://schemas.openxmlformats.org/presentationml/2006/main">
   <p:cSld>
     <p:spTree>
@@ -5754,7 +5924,7 @@
 </p:sld>
 </file>
 
-<file path=ppt/slides/slide23.xml><?xml version="1.0" encoding="utf-8"?>
+<file path=ppt/slides/slide24.xml><?xml version="1.0" encoding="utf-8"?>
 <p:sld xmlns:a="http://schemas.openxmlformats.org/drawingml/2006/main" xmlns:r="http://schemas.openxmlformats.org/officeDocument/2006/relationships" xmlns:p="http://schemas.openxmlformats.org/presentationml/2006/main">
   <p:cSld>
     <p:spTree>
@@ -6012,7 +6182,7 @@
 </p:sld>
 </file>
 
-<file path=ppt/slides/slide24.xml><?xml version="1.0" encoding="utf-8"?>
+<file path=ppt/slides/slide25.xml><?xml version="1.0" encoding="utf-8"?>
 <p:sld xmlns:a="http://schemas.openxmlformats.org/drawingml/2006/main" xmlns:r="http://schemas.openxmlformats.org/officeDocument/2006/relationships" xmlns:p="http://schemas.openxmlformats.org/presentationml/2006/main">
   <p:cSld>
     <p:spTree>
@@ -6199,7 +6369,7 @@
 </p:sld>
 </file>
 
-<file path=ppt/slides/slide25.xml><?xml version="1.0" encoding="utf-8"?>
+<file path=ppt/slides/slide26.xml><?xml version="1.0" encoding="utf-8"?>
 <p:sld xmlns:a="http://schemas.openxmlformats.org/drawingml/2006/main" xmlns:r="http://schemas.openxmlformats.org/officeDocument/2006/relationships" xmlns:p="http://schemas.openxmlformats.org/presentationml/2006/main">
   <p:cSld>
     <p:spTree>
@@ -6356,7 +6526,7 @@
 </p:sld>
 </file>
 
-<file path=ppt/slides/slide26.xml><?xml version="1.0" encoding="utf-8"?>
+<file path=ppt/slides/slide27.xml><?xml version="1.0" encoding="utf-8"?>
 <p:sld xmlns:a="http://schemas.openxmlformats.org/drawingml/2006/main" xmlns:r="http://schemas.openxmlformats.org/officeDocument/2006/relationships" xmlns:p="http://schemas.openxmlformats.org/presentationml/2006/main">
   <p:cSld>
     <p:spTree>
@@ -6549,7 +6719,7 @@
 </p:sld>
 </file>
 
-<file path=ppt/slides/slide27.xml><?xml version="1.0" encoding="utf-8"?>
+<file path=ppt/slides/slide28.xml><?xml version="1.0" encoding="utf-8"?>
 <p:sld xmlns:a="http://schemas.openxmlformats.org/drawingml/2006/main" xmlns:r="http://schemas.openxmlformats.org/officeDocument/2006/relationships" xmlns:p="http://schemas.openxmlformats.org/presentationml/2006/main">
   <p:cSld>
     <p:spTree>
@@ -6773,7 +6943,7 @@
 </p:sld>
 </file>
 
-<file path=ppt/slides/slide28.xml><?xml version="1.0" encoding="utf-8"?>
+<file path=ppt/slides/slide29.xml><?xml version="1.0" encoding="utf-8"?>
 <p:sld xmlns:a="http://schemas.openxmlformats.org/drawingml/2006/main" xmlns:r="http://schemas.openxmlformats.org/officeDocument/2006/relationships" xmlns:p="http://schemas.openxmlformats.org/presentationml/2006/main">
   <p:cSld>
     <p:spTree>
@@ -6932,192 +7102,6 @@
 </p:sld>
 </file>
 
-<file path=ppt/slides/slide29.xml><?xml version="1.0" encoding="utf-8"?>
-<p:sld xmlns:a="http://schemas.openxmlformats.org/drawingml/2006/main" xmlns:r="http://schemas.openxmlformats.org/officeDocument/2006/relationships" xmlns:p="http://schemas.openxmlformats.org/presentationml/2006/main">
-  <p:cSld>
-    <p:spTree>
-      <p:nvGrpSpPr>
-        <p:cNvPr id="1" name=""/>
-        <p:cNvGrpSpPr/>
-        <p:nvPr/>
-      </p:nvGrpSpPr>
-      <p:grpSpPr>
-        <a:xfrm>
-          <a:off x="0" y="0"/>
-          <a:ext cx="0" cy="0"/>
-          <a:chOff x="0" y="0"/>
-          <a:chExt cx="0" cy="0"/>
-        </a:xfrm>
-      </p:grpSpPr>
-      <p:sp>
-        <p:nvSpPr>
-          <p:cNvPr id="2" name="Title 1"/>
-          <p:cNvSpPr>
-            <a:spLocks noGrp="1"/>
-          </p:cNvSpPr>
-          <p:nvPr>
-            <p:ph type="title"/>
-          </p:nvPr>
-        </p:nvSpPr>
-        <p:spPr/>
-        <p:txBody>
-          <a:bodyPr/>
-          <a:lstStyle/>
-          <a:p>
-            <a:r>
-              <a:rPr lang="tr-TR" dirty="0" smtClean="0"/>
-              <a:t>Bellek</a:t>
-            </a:r>
-            <a:endParaRPr lang="tr-TR" dirty="0"/>
-          </a:p>
-        </p:txBody>
-      </p:sp>
-      <p:sp>
-        <p:nvSpPr>
-          <p:cNvPr id="3" name="Content Placeholder 2"/>
-          <p:cNvSpPr>
-            <a:spLocks noGrp="1"/>
-          </p:cNvSpPr>
-          <p:nvPr>
-            <p:ph idx="1"/>
-          </p:nvPr>
-        </p:nvSpPr>
-        <p:spPr>
-          <a:xfrm>
-            <a:off x="838200" y="1825625"/>
-            <a:ext cx="10515600" cy="4680000"/>
-          </a:xfrm>
-        </p:spPr>
-        <p:txBody>
-          <a:bodyPr>
-            <a:normAutofit/>
-          </a:bodyPr>
-          <a:lstStyle/>
-          <a:p>
-            <a:r>
-              <a:rPr lang="tr-TR" dirty="0"/>
-              <a:t>Bellek, bilgisayarın verileri alıp depoladığı </a:t>
-            </a:r>
-            <a:r>
-              <a:rPr lang="tr-TR" dirty="0" smtClean="0"/>
-              <a:t>yerdir</a:t>
-            </a:r>
-          </a:p>
-          <a:p>
-            <a:r>
-              <a:rPr lang="tr-TR" dirty="0" smtClean="0"/>
-              <a:t>İdeal </a:t>
-            </a:r>
-            <a:r>
-              <a:rPr lang="tr-TR" dirty="0"/>
-              <a:t>olarak, </a:t>
-            </a:r>
-            <a:r>
-              <a:rPr lang="tr-TR" dirty="0" smtClean="0"/>
-              <a:t>çip şeklinde ve büyük olmalıdır</a:t>
-            </a:r>
-          </a:p>
-          <a:p>
-            <a:r>
-              <a:rPr lang="tr-TR" dirty="0" smtClean="0"/>
-              <a:t>Bellek hiyerarşisi göz önünde bulundurulmalıdır</a:t>
-            </a:r>
-          </a:p>
-          <a:p>
-            <a:r>
-              <a:rPr lang="tr-TR" dirty="0" smtClean="0"/>
-              <a:t>Önbellek </a:t>
-            </a:r>
-            <a:r>
-              <a:rPr lang="tr-TR" dirty="0"/>
-              <a:t>satırları</a:t>
-            </a:r>
-            <a:r>
-              <a:rPr lang="tr-TR" dirty="0" smtClean="0"/>
-              <a:t>:</a:t>
-            </a:r>
-          </a:p>
-          <a:p>
-            <a:pPr lvl="1"/>
-            <a:r>
-              <a:rPr lang="tr-TR" dirty="0" smtClean="0"/>
-              <a:t>Bellek, önbellek </a:t>
-            </a:r>
-            <a:r>
-              <a:rPr lang="tr-TR" dirty="0"/>
-              <a:t>satırlarına </a:t>
-            </a:r>
-            <a:r>
-              <a:rPr lang="tr-TR" dirty="0" smtClean="0"/>
-              <a:t>bölünür; </a:t>
-            </a:r>
-            <a:r>
-              <a:rPr lang="tr-TR" dirty="0"/>
-              <a:t>en çok kullanılanlar </a:t>
-            </a:r>
-            <a:r>
-              <a:rPr lang="tr-TR" dirty="0" smtClean="0"/>
-              <a:t>önbellekte saklanır</a:t>
-            </a:r>
-          </a:p>
-          <a:p>
-            <a:pPr lvl="1"/>
-            <a:r>
-              <a:rPr lang="tr-TR" dirty="0" err="1" smtClean="0"/>
-              <a:t>Cache</a:t>
-            </a:r>
-            <a:r>
-              <a:rPr lang="tr-TR" dirty="0" smtClean="0"/>
-              <a:t> hit/</a:t>
-            </a:r>
-            <a:r>
-              <a:rPr lang="tr-TR" dirty="0" err="1" smtClean="0"/>
-              <a:t>miss</a:t>
-            </a:r>
-            <a:r>
-              <a:rPr lang="tr-TR" dirty="0" smtClean="0"/>
-              <a:t>, aranan verinin önbellekte olup/olmaması</a:t>
-            </a:r>
-          </a:p>
-          <a:p>
-            <a:pPr lvl="1"/>
-            <a:r>
-              <a:rPr lang="tr-TR" dirty="0" smtClean="0"/>
-              <a:t>Performansı </a:t>
-            </a:r>
-            <a:r>
-              <a:rPr lang="tr-TR" dirty="0"/>
-              <a:t>artırmak için kullanılır</a:t>
-            </a:r>
-          </a:p>
-          <a:p>
-            <a:endParaRPr lang="tr-TR" dirty="0"/>
-          </a:p>
-          <a:p>
-            <a:endParaRPr lang="tr-TR" dirty="0"/>
-          </a:p>
-        </p:txBody>
-      </p:sp>
-    </p:spTree>
-    <p:extLst>
-      <p:ext uri="{BB962C8B-B14F-4D97-AF65-F5344CB8AC3E}">
-        <p14:creationId xmlns:p14="http://schemas.microsoft.com/office/powerpoint/2010/main" val="280212725"/>
-      </p:ext>
-    </p:extLst>
-  </p:cSld>
-  <p:clrMapOvr>
-    <a:masterClrMapping/>
-  </p:clrMapOvr>
-  <p:timing>
-    <p:tnLst>
-      <p:par>
-        <p:cTn id="1" dur="indefinite" restart="never" nodeType="tmRoot"/>
-      </p:par>
-    </p:tnLst>
-  </p:timing>
-</p:sld>
-</file>
-
 <file path=ppt/slides/slide3.xml><?xml version="1.0" encoding="utf-8"?>
 <p:sld xmlns:a="http://schemas.openxmlformats.org/drawingml/2006/main" xmlns:r="http://schemas.openxmlformats.org/officeDocument/2006/relationships" xmlns:p="http://schemas.openxmlformats.org/presentationml/2006/main">
   <p:cSld>
@@ -7343,7 +7327,7 @@
           <a:p>
             <a:r>
               <a:rPr lang="tr-TR" dirty="0" smtClean="0"/>
-              <a:t>Önbellek</a:t>
+              <a:t>Bellek</a:t>
             </a:r>
             <a:endParaRPr lang="tr-TR" dirty="0"/>
           </a:p>
@@ -7373,123 +7357,102 @@
           <a:p>
             <a:r>
               <a:rPr lang="tr-TR" dirty="0"/>
-              <a:t>Ana bellek, önbellek satırlarına bölünmüştür (64 bayt</a:t>
-            </a:r>
-            <a:r>
-              <a:rPr lang="tr-TR" dirty="0" smtClean="0"/>
-              <a:t>)</a:t>
+              <a:t>Bellek, bilgisayarın verileri alıp depoladığı </a:t>
+            </a:r>
+            <a:r>
+              <a:rPr lang="tr-TR" dirty="0" smtClean="0"/>
+              <a:t>yerdir</a:t>
+            </a:r>
+          </a:p>
+          <a:p>
+            <a:r>
+              <a:rPr lang="tr-TR" dirty="0" smtClean="0"/>
+              <a:t>İdeal </a:t>
+            </a:r>
+            <a:r>
+              <a:rPr lang="tr-TR" dirty="0"/>
+              <a:t>olarak, </a:t>
+            </a:r>
+            <a:r>
+              <a:rPr lang="tr-TR" dirty="0" smtClean="0"/>
+              <a:t>çip şeklinde ve büyük olmalıdır</a:t>
+            </a:r>
+          </a:p>
+          <a:p>
+            <a:r>
+              <a:rPr lang="tr-TR" dirty="0" smtClean="0"/>
+              <a:t>Bellek hiyerarşisi göz önünde bulundurulmalıdır</a:t>
+            </a:r>
+          </a:p>
+          <a:p>
+            <a:r>
+              <a:rPr lang="tr-TR" dirty="0" smtClean="0"/>
+              <a:t>Önbellek </a:t>
+            </a:r>
+            <a:r>
+              <a:rPr lang="tr-TR" dirty="0"/>
+              <a:t>satırları</a:t>
+            </a:r>
+            <a:r>
+              <a:rPr lang="tr-TR" dirty="0" smtClean="0"/>
+              <a:t>:</a:t>
             </a:r>
           </a:p>
           <a:p>
             <a:pPr lvl="1"/>
             <a:r>
               <a:rPr lang="tr-TR" dirty="0" smtClean="0"/>
-              <a:t>1</a:t>
-            </a:r>
-            <a:r>
-              <a:rPr lang="tr-TR" dirty="0"/>
-              <a:t>. satırda 0-63, 2. satırda </a:t>
-            </a:r>
-            <a:r>
-              <a:rPr lang="tr-TR" dirty="0" smtClean="0"/>
-              <a:t>64-127</a:t>
-            </a:r>
-          </a:p>
-          <a:p>
-            <a:r>
-              <a:rPr lang="tr-TR" dirty="0" smtClean="0"/>
-              <a:t>Program </a:t>
-            </a:r>
-            <a:r>
-              <a:rPr lang="tr-TR" dirty="0"/>
-              <a:t>bir </a:t>
-            </a:r>
-            <a:r>
-              <a:rPr lang="tr-TR" dirty="0" smtClean="0"/>
-              <a:t>sözcük (</a:t>
-            </a:r>
+              <a:t>Bellek, önbellek </a:t>
+            </a:r>
+            <a:r>
+              <a:rPr lang="tr-TR" dirty="0"/>
+              <a:t>satırlarına </a:t>
+            </a:r>
+            <a:r>
+              <a:rPr lang="tr-TR" dirty="0" smtClean="0"/>
+              <a:t>bölünür; </a:t>
+            </a:r>
+            <a:r>
+              <a:rPr lang="tr-TR" dirty="0"/>
+              <a:t>en çok kullanılanlar </a:t>
+            </a:r>
+            <a:r>
+              <a:rPr lang="tr-TR" dirty="0" smtClean="0"/>
+              <a:t>önbellekte saklanır</a:t>
+            </a:r>
+          </a:p>
+          <a:p>
+            <a:pPr lvl="1"/>
             <a:r>
               <a:rPr lang="tr-TR" dirty="0" err="1" smtClean="0"/>
-              <a:t>word</a:t>
-            </a:r>
-            <a:r>
-              <a:rPr lang="tr-TR" dirty="0" smtClean="0"/>
-              <a:t>) </a:t>
-            </a:r>
-            <a:r>
-              <a:rPr lang="tr-TR" dirty="0"/>
-              <a:t>okuduğunda, </a:t>
-            </a:r>
-            <a:r>
-              <a:rPr lang="tr-TR" dirty="0" smtClean="0"/>
-              <a:t>donanım önbellekte </a:t>
-            </a:r>
-            <a:r>
-              <a:rPr lang="tr-TR" dirty="0"/>
-              <a:t>olup olmadığını kontrol eder</a:t>
-            </a:r>
-            <a:r>
-              <a:rPr lang="tr-TR" dirty="0" smtClean="0"/>
-              <a:t>.</a:t>
+              <a:t>Cache</a:t>
+            </a:r>
+            <a:r>
+              <a:rPr lang="tr-TR" dirty="0" smtClean="0"/>
+              <a:t> hit/</a:t>
+            </a:r>
+            <a:r>
+              <a:rPr lang="tr-TR" dirty="0" err="1" smtClean="0"/>
+              <a:t>miss</a:t>
+            </a:r>
+            <a:r>
+              <a:rPr lang="tr-TR" dirty="0" smtClean="0"/>
+              <a:t>, aranan verinin önbellekte olup/olmaması</a:t>
             </a:r>
           </a:p>
           <a:p>
             <a:pPr lvl="1"/>
             <a:r>
               <a:rPr lang="tr-TR" dirty="0" smtClean="0"/>
-              <a:t>Önbellekte ise, </a:t>
-            </a:r>
-            <a:r>
-              <a:rPr lang="tr-TR" dirty="0" err="1" smtClean="0"/>
-              <a:t>cache</a:t>
-            </a:r>
-            <a:r>
-              <a:rPr lang="tr-TR" dirty="0" smtClean="0"/>
-              <a:t> hit olur </a:t>
-            </a:r>
-            <a:r>
-              <a:rPr lang="tr-TR" dirty="0"/>
-              <a:t>(2 </a:t>
-            </a:r>
-            <a:r>
-              <a:rPr lang="tr-TR" dirty="0" smtClean="0"/>
-              <a:t>döngü </a:t>
-            </a:r>
-            <a:r>
-              <a:rPr lang="tr-TR" dirty="0" err="1" smtClean="0"/>
-              <a:t>cycle</a:t>
-            </a:r>
-            <a:r>
-              <a:rPr lang="tr-TR" dirty="0" smtClean="0"/>
-              <a:t>)</a:t>
-            </a:r>
-          </a:p>
-          <a:p>
-            <a:pPr lvl="1"/>
-            <a:r>
-              <a:rPr lang="tr-TR" dirty="0" smtClean="0"/>
-              <a:t>Değilse, veri yolu üzerinden ana bellekten talep et (maliyetli)</a:t>
-            </a:r>
-          </a:p>
-          <a:p>
-            <a:r>
-              <a:rPr lang="tr-TR" dirty="0" smtClean="0"/>
-              <a:t>Önbellek pahalı olduğundan boyutu sınırlıdır</a:t>
-            </a:r>
-          </a:p>
-          <a:p>
-            <a:r>
-              <a:rPr lang="tr-TR" dirty="0" smtClean="0"/>
-              <a:t>Önbellek hiyerarşilere </a:t>
-            </a:r>
-            <a:r>
-              <a:rPr lang="tr-TR" dirty="0"/>
-              <a:t>sahip </a:t>
-            </a:r>
-            <a:r>
-              <a:rPr lang="tr-TR" dirty="0" smtClean="0"/>
-              <a:t>olabilir</a:t>
-            </a:r>
+              <a:t>Performansı </a:t>
+            </a:r>
+            <a:r>
+              <a:rPr lang="tr-TR" dirty="0"/>
+              <a:t>artırmak için kullanılır</a:t>
+            </a:r>
+          </a:p>
+          <a:p>
+            <a:endParaRPr lang="tr-TR" dirty="0"/>
           </a:p>
           <a:p>
             <a:endParaRPr lang="tr-TR" dirty="0"/>
@@ -7499,7 +7462,7 @@
     </p:spTree>
     <p:extLst>
       <p:ext uri="{BB962C8B-B14F-4D97-AF65-F5344CB8AC3E}">
-        <p14:creationId xmlns:p14="http://schemas.microsoft.com/office/powerpoint/2010/main" val="3281197395"/>
+        <p14:creationId xmlns:p14="http://schemas.microsoft.com/office/powerpoint/2010/main" val="280212725"/>
       </p:ext>
     </p:extLst>
   </p:cSld>
@@ -7549,13 +7512,10 @@
           <a:lstStyle/>
           <a:p>
             <a:r>
-              <a:rPr lang="tr-TR" dirty="0" err="1"/>
-              <a:t>Önbellekleme</a:t>
-            </a:r>
-            <a:r>
-              <a:rPr lang="tr-TR" dirty="0"/>
-              <a:t> sistemi sorunları</a:t>
-            </a:r>
+              <a:rPr lang="tr-TR" dirty="0" smtClean="0"/>
+              <a:t>Önbellek</a:t>
+            </a:r>
+            <a:endParaRPr lang="tr-TR" dirty="0"/>
           </a:p>
         </p:txBody>
       </p:sp>
@@ -7582,8 +7542,33 @@
           <a:lstStyle/>
           <a:p>
             <a:r>
-              <a:rPr lang="tr-TR" dirty="0" smtClean="0"/>
-              <a:t>Yeni </a:t>
+              <a:rPr lang="tr-TR" dirty="0"/>
+              <a:t>Ana bellek, önbellek satırlarına bölünmüştür (64 bayt</a:t>
+            </a:r>
+            <a:r>
+              <a:rPr lang="tr-TR" dirty="0" smtClean="0"/>
+              <a:t>)</a:t>
+            </a:r>
+          </a:p>
+          <a:p>
+            <a:pPr lvl="1"/>
+            <a:r>
+              <a:rPr lang="tr-TR" dirty="0" smtClean="0"/>
+              <a:t>1</a:t>
+            </a:r>
+            <a:r>
+              <a:rPr lang="tr-TR" dirty="0"/>
+              <a:t>. satırda 0-63, 2. satırda </a:t>
+            </a:r>
+            <a:r>
+              <a:rPr lang="tr-TR" dirty="0" smtClean="0"/>
+              <a:t>64-127</a:t>
+            </a:r>
+          </a:p>
+          <a:p>
+            <a:r>
+              <a:rPr lang="tr-TR" dirty="0" smtClean="0"/>
+              <a:t>Program </a:t>
             </a:r>
             <a:r>
               <a:rPr lang="tr-TR" dirty="0"/>
@@ -7591,56 +7576,90 @@
             </a:r>
             <a:r>
               <a:rPr lang="tr-TR" dirty="0" smtClean="0"/>
-              <a:t>öğe önbelleğe ne zaman yerleştirilmeli?</a:t>
-            </a:r>
-            <a:endParaRPr lang="tr-TR" dirty="0"/>
-          </a:p>
-          <a:p>
-            <a:r>
-              <a:rPr lang="tr-TR" dirty="0"/>
-              <a:t>Yeni </a:t>
-            </a:r>
-            <a:r>
-              <a:rPr lang="tr-TR" dirty="0" smtClean="0"/>
-              <a:t>öğe </a:t>
-            </a:r>
-            <a:r>
-              <a:rPr lang="tr-TR" dirty="0"/>
-              <a:t>hangi önbellek satırına </a:t>
-            </a:r>
-            <a:r>
-              <a:rPr lang="tr-TR" dirty="0" smtClean="0"/>
-              <a:t>koyulmalı?</a:t>
-            </a:r>
-            <a:endParaRPr lang="tr-TR" dirty="0"/>
-          </a:p>
-          <a:p>
-            <a:r>
-              <a:rPr lang="tr-TR" dirty="0" smtClean="0"/>
-              <a:t>Yer </a:t>
-            </a:r>
-            <a:r>
-              <a:rPr lang="tr-TR" dirty="0"/>
-              <a:t>açmak için önbellekten hangi </a:t>
-            </a:r>
-            <a:r>
-              <a:rPr lang="tr-TR" dirty="0" smtClean="0"/>
-              <a:t>öğe çıkarılmalı?</a:t>
-            </a:r>
-            <a:endParaRPr lang="tr-TR" dirty="0"/>
-          </a:p>
-          <a:p>
-            <a:r>
-              <a:rPr lang="tr-TR" dirty="0" smtClean="0"/>
-              <a:t>Çıkarılan öğe bellekte nereye yerleştirilmeli?</a:t>
-            </a:r>
-            <a:endParaRPr lang="tr-TR" dirty="0"/>
-          </a:p>
-          <a:p>
-            <a:endParaRPr lang="tr-TR" dirty="0"/>
-          </a:p>
-          <a:p>
-            <a:endParaRPr lang="tr-TR" dirty="0"/>
+              <a:t>sözcük (</a:t>
+            </a:r>
+            <a:r>
+              <a:rPr lang="tr-TR" dirty="0" err="1" smtClean="0"/>
+              <a:t>word</a:t>
+            </a:r>
+            <a:r>
+              <a:rPr lang="tr-TR" dirty="0" smtClean="0"/>
+              <a:t>) </a:t>
+            </a:r>
+            <a:r>
+              <a:rPr lang="tr-TR" dirty="0"/>
+              <a:t>okuduğunda, </a:t>
+            </a:r>
+            <a:r>
+              <a:rPr lang="tr-TR" dirty="0" smtClean="0"/>
+              <a:t>donanım önbellekte </a:t>
+            </a:r>
+            <a:r>
+              <a:rPr lang="tr-TR" dirty="0"/>
+              <a:t>olup olmadığını kontrol eder</a:t>
+            </a:r>
+            <a:r>
+              <a:rPr lang="tr-TR" dirty="0" smtClean="0"/>
+              <a:t>.</a:t>
+            </a:r>
+          </a:p>
+          <a:p>
+            <a:pPr lvl="1"/>
+            <a:r>
+              <a:rPr lang="tr-TR" dirty="0" smtClean="0"/>
+              <a:t>Önbellekte ise, </a:t>
+            </a:r>
+            <a:r>
+              <a:rPr lang="tr-TR" dirty="0" err="1" smtClean="0"/>
+              <a:t>cache</a:t>
+            </a:r>
+            <a:r>
+              <a:rPr lang="tr-TR" dirty="0" smtClean="0"/>
+              <a:t> hit olur </a:t>
+            </a:r>
+            <a:r>
+              <a:rPr lang="tr-TR" dirty="0"/>
+              <a:t>(2 </a:t>
+            </a:r>
+            <a:r>
+              <a:rPr lang="tr-TR" dirty="0" smtClean="0"/>
+              <a:t>döngü </a:t>
+            </a:r>
+            <a:r>
+              <a:rPr lang="tr-TR" dirty="0" err="1" smtClean="0"/>
+              <a:t>cycle</a:t>
+            </a:r>
+            <a:r>
+              <a:rPr lang="tr-TR" dirty="0" smtClean="0"/>
+              <a:t>)</a:t>
+            </a:r>
+          </a:p>
+          <a:p>
+            <a:pPr lvl="1"/>
+            <a:r>
+              <a:rPr lang="tr-TR" dirty="0" smtClean="0"/>
+              <a:t>Değilse, veri yolu üzerinden ana bellekten talep et (maliyetli)</a:t>
+            </a:r>
+          </a:p>
+          <a:p>
+            <a:r>
+              <a:rPr lang="tr-TR" dirty="0" smtClean="0"/>
+              <a:t>Önbellek pahalı olduğundan boyutu sınırlıdır</a:t>
+            </a:r>
+          </a:p>
+          <a:p>
+            <a:r>
+              <a:rPr lang="tr-TR" dirty="0" smtClean="0"/>
+              <a:t>Önbellek hiyerarşilere </a:t>
+            </a:r>
+            <a:r>
+              <a:rPr lang="tr-TR" dirty="0"/>
+              <a:t>sahip </a:t>
+            </a:r>
+            <a:r>
+              <a:rPr lang="tr-TR" dirty="0" smtClean="0"/>
+              <a:t>olabilir</a:t>
+            </a:r>
           </a:p>
           <a:p>
             <a:endParaRPr lang="tr-TR" dirty="0"/>
@@ -7650,7 +7669,7 @@
     </p:spTree>
     <p:extLst>
       <p:ext uri="{BB962C8B-B14F-4D97-AF65-F5344CB8AC3E}">
-        <p14:creationId xmlns:p14="http://schemas.microsoft.com/office/powerpoint/2010/main" val="4021714717"/>
+        <p14:creationId xmlns:p14="http://schemas.microsoft.com/office/powerpoint/2010/main" val="3281197395"/>
       </p:ext>
     </p:extLst>
   </p:cSld>
@@ -7700,10 +7719,13 @@
           <a:lstStyle/>
           <a:p>
             <a:r>
-              <a:rPr lang="tr-TR" dirty="0" smtClean="0"/>
-              <a:t>Disk</a:t>
-            </a:r>
-            <a:endParaRPr lang="tr-TR" dirty="0"/>
+              <a:rPr lang="tr-TR" dirty="0" err="1"/>
+              <a:t>Önbellekleme</a:t>
+            </a:r>
+            <a:r>
+              <a:rPr lang="tr-TR" dirty="0"/>
+              <a:t> sistemi sorunları</a:t>
+            </a:r>
           </a:p>
         </p:txBody>
       </p:sp>
@@ -7731,104 +7753,57 @@
           <a:p>
             <a:r>
               <a:rPr lang="tr-TR" dirty="0" smtClean="0"/>
-              <a:t>Verileri </a:t>
-            </a:r>
-            <a:r>
-              <a:rPr lang="tr-TR" dirty="0"/>
-              <a:t>uzun vadeli </a:t>
-            </a:r>
-            <a:r>
-              <a:rPr lang="tr-TR" dirty="0" smtClean="0"/>
-              <a:t>saklamak </a:t>
-            </a:r>
-            <a:r>
-              <a:rPr lang="tr-TR" dirty="0"/>
-              <a:t>için </a:t>
-            </a:r>
-            <a:r>
-              <a:rPr lang="tr-TR" dirty="0" smtClean="0"/>
-              <a:t>kullanılan </a:t>
-            </a:r>
-            <a:r>
-              <a:rPr lang="tr-TR" dirty="0"/>
-              <a:t>cihazlardır.</a:t>
-            </a:r>
-          </a:p>
-          <a:p>
-            <a:r>
-              <a:rPr lang="tr-TR" dirty="0" smtClean="0"/>
-              <a:t>Okuma </a:t>
-            </a:r>
-            <a:r>
-              <a:rPr lang="tr-TR" dirty="0"/>
-              <a:t>ve yazma işlemleri için </a:t>
-            </a:r>
-            <a:r>
-              <a:rPr lang="tr-TR" dirty="0" smtClean="0"/>
-              <a:t>veriler disk </a:t>
-            </a:r>
-            <a:r>
-              <a:rPr lang="tr-TR" dirty="0"/>
-              <a:t>plakaları </a:t>
-            </a:r>
-            <a:r>
-              <a:rPr lang="tr-TR" dirty="0" smtClean="0"/>
-              <a:t>üzerinde saklanır</a:t>
-            </a:r>
-            <a:r>
-              <a:rPr lang="tr-TR" dirty="0"/>
-              <a:t>.</a:t>
-            </a:r>
-          </a:p>
-          <a:p>
-            <a:r>
-              <a:rPr lang="tr-TR" dirty="0"/>
-              <a:t>Disk sürücüleri, </a:t>
-            </a:r>
-            <a:r>
-              <a:rPr lang="tr-TR" dirty="0" smtClean="0"/>
-              <a:t>farklı boyutlarda </a:t>
-            </a:r>
-            <a:r>
-              <a:rPr lang="tr-TR" dirty="0"/>
-              <a:t>ve kapasitelerde olabilir.</a:t>
-            </a:r>
-          </a:p>
-          <a:p>
-            <a:r>
-              <a:rPr lang="tr-TR" dirty="0"/>
-              <a:t>Disk sürücüsü yapısı, disk plakası, okuyucu/yazıcı kafası, motor ve kontrol elemanlarından oluşur.</a:t>
-            </a:r>
-          </a:p>
-          <a:p>
-            <a:pPr lvl="1"/>
-            <a:r>
-              <a:rPr lang="tr-TR" dirty="0"/>
-              <a:t>Disk plakası, verileri saklamak için kullanılan alandır.</a:t>
-            </a:r>
-          </a:p>
-          <a:p>
-            <a:pPr lvl="1"/>
-            <a:r>
-              <a:rPr lang="tr-TR" dirty="0"/>
-              <a:t>Okuyucu/yazıcı kafası, verileri okuma ve yazma işlemleri için kullanılır.</a:t>
-            </a:r>
-          </a:p>
-          <a:p>
-            <a:pPr lvl="1"/>
-            <a:r>
-              <a:rPr lang="tr-TR" dirty="0"/>
-              <a:t>Motor, disk plakasını döndürür ve okuyucu/yazıcı kafasını hareket ettirir.</a:t>
-            </a:r>
-          </a:p>
-          <a:p>
-            <a:pPr lvl="1"/>
-            <a:r>
-              <a:rPr lang="tr-TR" dirty="0"/>
-              <a:t>Kontrol elemanları, disk sürücüsünün işlemlerini yönetir.</a:t>
-            </a:r>
-          </a:p>
-          <a:p>
+              <a:t>Yeni </a:t>
+            </a:r>
+            <a:r>
+              <a:rPr lang="tr-TR" dirty="0"/>
+              <a:t>bir </a:t>
+            </a:r>
+            <a:r>
+              <a:rPr lang="tr-TR" dirty="0" smtClean="0"/>
+              <a:t>öğe önbelleğe ne zaman yerleştirilmeli?</a:t>
+            </a:r>
+            <a:endParaRPr lang="tr-TR" dirty="0"/>
+          </a:p>
+          <a:p>
+            <a:r>
+              <a:rPr lang="tr-TR" dirty="0"/>
+              <a:t>Yeni </a:t>
+            </a:r>
+            <a:r>
+              <a:rPr lang="tr-TR" dirty="0" smtClean="0"/>
+              <a:t>öğe </a:t>
+            </a:r>
+            <a:r>
+              <a:rPr lang="tr-TR" dirty="0"/>
+              <a:t>hangi önbellek satırına </a:t>
+            </a:r>
+            <a:r>
+              <a:rPr lang="tr-TR" dirty="0" smtClean="0"/>
+              <a:t>koyulmalı?</a:t>
+            </a:r>
+            <a:endParaRPr lang="tr-TR" dirty="0"/>
+          </a:p>
+          <a:p>
+            <a:r>
+              <a:rPr lang="tr-TR" dirty="0" smtClean="0"/>
+              <a:t>Yer </a:t>
+            </a:r>
+            <a:r>
+              <a:rPr lang="tr-TR" dirty="0"/>
+              <a:t>açmak için önbellekten hangi </a:t>
+            </a:r>
+            <a:r>
+              <a:rPr lang="tr-TR" dirty="0" smtClean="0"/>
+              <a:t>öğe çıkarılmalı?</a:t>
+            </a:r>
+            <a:endParaRPr lang="tr-TR" dirty="0"/>
+          </a:p>
+          <a:p>
+            <a:r>
+              <a:rPr lang="tr-TR" dirty="0" smtClean="0"/>
+              <a:t>Çıkarılan öğe bellekte nereye yerleştirilmeli?</a:t>
+            </a:r>
             <a:endParaRPr lang="tr-TR" dirty="0"/>
           </a:p>
           <a:p>
@@ -7845,7 +7820,7 @@
     </p:spTree>
     <p:extLst>
       <p:ext uri="{BB962C8B-B14F-4D97-AF65-F5344CB8AC3E}">
-        <p14:creationId xmlns:p14="http://schemas.microsoft.com/office/powerpoint/2010/main" val="1232325226"/>
+        <p14:creationId xmlns:p14="http://schemas.microsoft.com/office/powerpoint/2010/main" val="4021714717"/>
       </p:ext>
     </p:extLst>
   </p:cSld>
@@ -7920,6 +7895,201 @@
         </p:spPr>
         <p:txBody>
           <a:bodyPr>
+            <a:normAutofit/>
+          </a:bodyPr>
+          <a:lstStyle/>
+          <a:p>
+            <a:r>
+              <a:rPr lang="tr-TR" dirty="0" smtClean="0"/>
+              <a:t>Verileri </a:t>
+            </a:r>
+            <a:r>
+              <a:rPr lang="tr-TR" dirty="0"/>
+              <a:t>uzun vadeli </a:t>
+            </a:r>
+            <a:r>
+              <a:rPr lang="tr-TR" dirty="0" smtClean="0"/>
+              <a:t>saklamak </a:t>
+            </a:r>
+            <a:r>
+              <a:rPr lang="tr-TR" dirty="0"/>
+              <a:t>için </a:t>
+            </a:r>
+            <a:r>
+              <a:rPr lang="tr-TR" dirty="0" smtClean="0"/>
+              <a:t>kullanılan </a:t>
+            </a:r>
+            <a:r>
+              <a:rPr lang="tr-TR" dirty="0"/>
+              <a:t>cihazlardır.</a:t>
+            </a:r>
+          </a:p>
+          <a:p>
+            <a:r>
+              <a:rPr lang="tr-TR" dirty="0" smtClean="0"/>
+              <a:t>Okuma </a:t>
+            </a:r>
+            <a:r>
+              <a:rPr lang="tr-TR" dirty="0"/>
+              <a:t>ve yazma işlemleri için </a:t>
+            </a:r>
+            <a:r>
+              <a:rPr lang="tr-TR" dirty="0" smtClean="0"/>
+              <a:t>veriler disk </a:t>
+            </a:r>
+            <a:r>
+              <a:rPr lang="tr-TR" dirty="0"/>
+              <a:t>plakaları </a:t>
+            </a:r>
+            <a:r>
+              <a:rPr lang="tr-TR" dirty="0" smtClean="0"/>
+              <a:t>üzerinde saklanır</a:t>
+            </a:r>
+            <a:r>
+              <a:rPr lang="tr-TR" dirty="0"/>
+              <a:t>.</a:t>
+            </a:r>
+          </a:p>
+          <a:p>
+            <a:r>
+              <a:rPr lang="tr-TR" dirty="0"/>
+              <a:t>Disk sürücüleri, </a:t>
+            </a:r>
+            <a:r>
+              <a:rPr lang="tr-TR" dirty="0" smtClean="0"/>
+              <a:t>farklı boyutlarda </a:t>
+            </a:r>
+            <a:r>
+              <a:rPr lang="tr-TR" dirty="0"/>
+              <a:t>ve kapasitelerde olabilir.</a:t>
+            </a:r>
+          </a:p>
+          <a:p>
+            <a:r>
+              <a:rPr lang="tr-TR" dirty="0"/>
+              <a:t>Disk sürücüsü yapısı, disk plakası, okuyucu/yazıcı kafası, motor ve kontrol elemanlarından oluşur.</a:t>
+            </a:r>
+          </a:p>
+          <a:p>
+            <a:pPr lvl="1"/>
+            <a:r>
+              <a:rPr lang="tr-TR" dirty="0"/>
+              <a:t>Disk plakası, verileri saklamak için kullanılan alandır.</a:t>
+            </a:r>
+          </a:p>
+          <a:p>
+            <a:pPr lvl="1"/>
+            <a:r>
+              <a:rPr lang="tr-TR" dirty="0"/>
+              <a:t>Okuyucu/yazıcı kafası, verileri okuma ve yazma işlemleri için kullanılır.</a:t>
+            </a:r>
+          </a:p>
+          <a:p>
+            <a:pPr lvl="1"/>
+            <a:r>
+              <a:rPr lang="tr-TR" dirty="0"/>
+              <a:t>Motor, disk plakasını döndürür ve okuyucu/yazıcı kafasını hareket ettirir.</a:t>
+            </a:r>
+          </a:p>
+          <a:p>
+            <a:pPr lvl="1"/>
+            <a:r>
+              <a:rPr lang="tr-TR" dirty="0"/>
+              <a:t>Kontrol elemanları, disk sürücüsünün işlemlerini yönetir.</a:t>
+            </a:r>
+          </a:p>
+          <a:p>
+            <a:endParaRPr lang="tr-TR" dirty="0"/>
+          </a:p>
+          <a:p>
+            <a:endParaRPr lang="tr-TR" dirty="0"/>
+          </a:p>
+          <a:p>
+            <a:endParaRPr lang="tr-TR" dirty="0"/>
+          </a:p>
+          <a:p>
+            <a:endParaRPr lang="tr-TR" dirty="0"/>
+          </a:p>
+        </p:txBody>
+      </p:sp>
+    </p:spTree>
+    <p:extLst>
+      <p:ext uri="{BB962C8B-B14F-4D97-AF65-F5344CB8AC3E}">
+        <p14:creationId xmlns:p14="http://schemas.microsoft.com/office/powerpoint/2010/main" val="1232325226"/>
+      </p:ext>
+    </p:extLst>
+  </p:cSld>
+  <p:clrMapOvr>
+    <a:masterClrMapping/>
+  </p:clrMapOvr>
+  <p:timing>
+    <p:tnLst>
+      <p:par>
+        <p:cTn id="1" dur="indefinite" restart="never" nodeType="tmRoot"/>
+      </p:par>
+    </p:tnLst>
+  </p:timing>
+</p:sld>
+</file>
+
+<file path=ppt/slides/slide34.xml><?xml version="1.0" encoding="utf-8"?>
+<p:sld xmlns:a="http://schemas.openxmlformats.org/drawingml/2006/main" xmlns:r="http://schemas.openxmlformats.org/officeDocument/2006/relationships" xmlns:p="http://schemas.openxmlformats.org/presentationml/2006/main">
+  <p:cSld>
+    <p:spTree>
+      <p:nvGrpSpPr>
+        <p:cNvPr id="1" name=""/>
+        <p:cNvGrpSpPr/>
+        <p:nvPr/>
+      </p:nvGrpSpPr>
+      <p:grpSpPr>
+        <a:xfrm>
+          <a:off x="0" y="0"/>
+          <a:ext cx="0" cy="0"/>
+          <a:chOff x="0" y="0"/>
+          <a:chExt cx="0" cy="0"/>
+        </a:xfrm>
+      </p:grpSpPr>
+      <p:sp>
+        <p:nvSpPr>
+          <p:cNvPr id="2" name="Title 1"/>
+          <p:cNvSpPr>
+            <a:spLocks noGrp="1"/>
+          </p:cNvSpPr>
+          <p:nvPr>
+            <p:ph type="title"/>
+          </p:nvPr>
+        </p:nvSpPr>
+        <p:spPr/>
+        <p:txBody>
+          <a:bodyPr/>
+          <a:lstStyle/>
+          <a:p>
+            <a:r>
+              <a:rPr lang="tr-TR" dirty="0" smtClean="0"/>
+              <a:t>Disk</a:t>
+            </a:r>
+            <a:endParaRPr lang="tr-TR" dirty="0"/>
+          </a:p>
+        </p:txBody>
+      </p:sp>
+      <p:sp>
+        <p:nvSpPr>
+          <p:cNvPr id="3" name="Content Placeholder 2"/>
+          <p:cNvSpPr>
+            <a:spLocks noGrp="1"/>
+          </p:cNvSpPr>
+          <p:nvPr>
+            <p:ph idx="1"/>
+          </p:nvPr>
+        </p:nvSpPr>
+        <p:spPr>
+          <a:xfrm>
+            <a:off x="838200" y="1825625"/>
+            <a:ext cx="10515600" cy="4680000"/>
+          </a:xfrm>
+        </p:spPr>
+        <p:txBody>
+          <a:bodyPr>
             <a:normAutofit lnSpcReduction="10000"/>
           </a:bodyPr>
           <a:lstStyle/>
@@ -8109,7 +8279,7 @@
 </p:sld>
 </file>
 
-<file path=ppt/slides/slide34.xml><?xml version="1.0" encoding="utf-8"?>
+<file path=ppt/slides/slide35.xml><?xml version="1.0" encoding="utf-8"?>
 <p:sld xmlns:a="http://schemas.openxmlformats.org/drawingml/2006/main" xmlns:r="http://schemas.openxmlformats.org/officeDocument/2006/relationships" xmlns:p="http://schemas.openxmlformats.org/presentationml/2006/main">
   <p:cSld>
     <p:spTree>
@@ -8257,148 +8427,6 @@
 </p:sld>
 </file>
 
-<file path=ppt/slides/slide35.xml><?xml version="1.0" encoding="utf-8"?>
-<p:sld xmlns:a="http://schemas.openxmlformats.org/drawingml/2006/main" xmlns:r="http://schemas.openxmlformats.org/officeDocument/2006/relationships" xmlns:p="http://schemas.openxmlformats.org/presentationml/2006/main">
-  <p:cSld>
-    <p:spTree>
-      <p:nvGrpSpPr>
-        <p:cNvPr id="1" name=""/>
-        <p:cNvGrpSpPr/>
-        <p:nvPr/>
-      </p:nvGrpSpPr>
-      <p:grpSpPr>
-        <a:xfrm>
-          <a:off x="0" y="0"/>
-          <a:ext cx="0" cy="0"/>
-          <a:chOff x="0" y="0"/>
-          <a:chExt cx="0" cy="0"/>
-        </a:xfrm>
-      </p:grpSpPr>
-      <p:sp>
-        <p:nvSpPr>
-          <p:cNvPr id="2" name="Title 1"/>
-          <p:cNvSpPr>
-            <a:spLocks noGrp="1"/>
-          </p:cNvSpPr>
-          <p:nvPr>
-            <p:ph type="title"/>
-          </p:nvPr>
-        </p:nvSpPr>
-        <p:spPr/>
-        <p:txBody>
-          <a:bodyPr/>
-          <a:lstStyle/>
-          <a:p>
-            <a:r>
-              <a:rPr lang="tr-TR" dirty="0"/>
-              <a:t>G/Ç Cihazları</a:t>
-            </a:r>
-          </a:p>
-        </p:txBody>
-      </p:sp>
-      <p:sp>
-        <p:nvSpPr>
-          <p:cNvPr id="3" name="Content Placeholder 2"/>
-          <p:cNvSpPr>
-            <a:spLocks noGrp="1"/>
-          </p:cNvSpPr>
-          <p:nvPr>
-            <p:ph idx="1"/>
-          </p:nvPr>
-        </p:nvSpPr>
-        <p:spPr>
-          <a:xfrm>
-            <a:off x="838200" y="1825625"/>
-            <a:ext cx="10515600" cy="4680000"/>
-          </a:xfrm>
-        </p:spPr>
-        <p:txBody>
-          <a:bodyPr>
-            <a:normAutofit/>
-          </a:bodyPr>
-          <a:lstStyle/>
-          <a:p>
-            <a:r>
-              <a:rPr lang="tr-TR" dirty="0" smtClean="0"/>
-              <a:t>Bilgisayarın </a:t>
-            </a:r>
-            <a:r>
-              <a:rPr lang="tr-TR" dirty="0"/>
-              <a:t>veri alma ve veri gönderme işlemlerini gerçekleştirmek için kullandığı cihazlardır.</a:t>
-            </a:r>
-          </a:p>
-          <a:p>
-            <a:r>
-              <a:rPr lang="tr-TR" dirty="0" smtClean="0"/>
-              <a:t>Dış </a:t>
-            </a:r>
-            <a:r>
-              <a:rPr lang="tr-TR" dirty="0"/>
-              <a:t>dünya </a:t>
-            </a:r>
-            <a:r>
-              <a:rPr lang="tr-TR" dirty="0" smtClean="0"/>
-              <a:t>ile bilgisayar arasındaki </a:t>
-            </a:r>
-            <a:r>
-              <a:rPr lang="tr-TR" dirty="0"/>
-              <a:t>veri transferini sağlar.</a:t>
-            </a:r>
-          </a:p>
-          <a:p>
-            <a:r>
-              <a:rPr lang="tr-TR" dirty="0" smtClean="0"/>
-              <a:t>Çeşitli </a:t>
-            </a:r>
-            <a:r>
-              <a:rPr lang="tr-TR" dirty="0"/>
-              <a:t>tipte olabilir: Klavye, fare, ekran, yazıcı, tarayıcı, ses kartı, kameralar, vb.</a:t>
-            </a:r>
-          </a:p>
-          <a:p>
-            <a:r>
-              <a:rPr lang="tr-TR" dirty="0" smtClean="0"/>
-              <a:t>İşletim </a:t>
-            </a:r>
-            <a:r>
-              <a:rPr lang="tr-TR" dirty="0"/>
-              <a:t>sistemi tarafından yönetilir ve kullanıcının cihazları kullanmasına izin verir.</a:t>
-            </a:r>
-          </a:p>
-          <a:p>
-            <a:r>
-              <a:rPr lang="tr-TR" dirty="0" smtClean="0"/>
-              <a:t>Bilgisayarın performansını ve kullanılabilirliğini etkiler.</a:t>
-            </a:r>
-          </a:p>
-          <a:p>
-            <a:endParaRPr lang="tr-TR" dirty="0"/>
-          </a:p>
-          <a:p>
-            <a:endParaRPr lang="tr-TR" dirty="0"/>
-          </a:p>
-        </p:txBody>
-      </p:sp>
-    </p:spTree>
-    <p:extLst>
-      <p:ext uri="{BB962C8B-B14F-4D97-AF65-F5344CB8AC3E}">
-        <p14:creationId xmlns:p14="http://schemas.microsoft.com/office/powerpoint/2010/main" val="1720225426"/>
-      </p:ext>
-    </p:extLst>
-  </p:cSld>
-  <p:clrMapOvr>
-    <a:masterClrMapping/>
-  </p:clrMapOvr>
-  <p:timing>
-    <p:tnLst>
-      <p:par>
-        <p:cTn id="1" dur="indefinite" restart="never" nodeType="tmRoot"/>
-      </p:par>
-    </p:tnLst>
-  </p:timing>
-</p:sld>
-</file>
-
 <file path=ppt/slides/slide36.xml><?xml version="1.0" encoding="utf-8"?>
 <p:sld xmlns:a="http://schemas.openxmlformats.org/drawingml/2006/main" xmlns:r="http://schemas.openxmlformats.org/officeDocument/2006/relationships" xmlns:p="http://schemas.openxmlformats.org/presentationml/2006/main">
   <p:cSld>
@@ -8461,58 +8489,70 @@
           <a:lstStyle/>
           <a:p>
             <a:r>
-              <a:rPr lang="tr-TR" dirty="0"/>
-              <a:t>İki parça: bir denetleyici ve bir </a:t>
-            </a:r>
-            <a:r>
-              <a:rPr lang="tr-TR" dirty="0" smtClean="0"/>
-              <a:t>aygıt</a:t>
-            </a:r>
-          </a:p>
-          <a:p>
-            <a:r>
-              <a:rPr lang="tr-TR" dirty="0" smtClean="0"/>
-              <a:t>Denetleyici</a:t>
-            </a:r>
-            <a:r>
-              <a:rPr lang="tr-TR" dirty="0"/>
-              <a:t>: işletim sistemine daha basit bir </a:t>
-            </a:r>
-            <a:r>
-              <a:rPr lang="tr-TR" dirty="0" smtClean="0"/>
-              <a:t>arayüz sağlar</a:t>
-            </a:r>
-          </a:p>
-          <a:p>
-            <a:r>
-              <a:rPr lang="tr-TR" dirty="0" smtClean="0"/>
-              <a:t>Aygıt </a:t>
-            </a:r>
-            <a:r>
-              <a:rPr lang="tr-TR" dirty="0"/>
-              <a:t>sürücüsü: denetleyiciyle konuşur, komut verir ve </a:t>
-            </a:r>
-            <a:r>
-              <a:rPr lang="tr-TR" dirty="0" smtClean="0"/>
-              <a:t>yanıt alır</a:t>
-            </a:r>
-          </a:p>
-          <a:p>
-            <a:r>
-              <a:rPr lang="tr-TR" dirty="0" smtClean="0"/>
-              <a:t>Meşgul </a:t>
-            </a:r>
-            <a:r>
-              <a:rPr lang="tr-TR" dirty="0"/>
-              <a:t>bekleme/kesme/DMA</a:t>
-            </a:r>
+              <a:rPr lang="tr-TR" dirty="0" smtClean="0"/>
+              <a:t>Bilgisayarın </a:t>
+            </a:r>
+            <a:r>
+              <a:rPr lang="tr-TR" dirty="0"/>
+              <a:t>veri alma ve veri gönderme işlemlerini gerçekleştirmek için kullandığı cihazlardır.</a:t>
+            </a:r>
+          </a:p>
+          <a:p>
+            <a:r>
+              <a:rPr lang="tr-TR" dirty="0" smtClean="0"/>
+              <a:t>Dış </a:t>
+            </a:r>
+            <a:r>
+              <a:rPr lang="tr-TR" dirty="0"/>
+              <a:t>dünya </a:t>
+            </a:r>
+            <a:r>
+              <a:rPr lang="tr-TR" dirty="0" smtClean="0"/>
+              <a:t>ile bilgisayar arasındaki </a:t>
+            </a:r>
+            <a:r>
+              <a:rPr lang="tr-TR" dirty="0"/>
+              <a:t>veri transferini sağlar.</a:t>
+            </a:r>
+          </a:p>
+          <a:p>
+            <a:r>
+              <a:rPr lang="tr-TR" dirty="0" smtClean="0"/>
+              <a:t>Çeşitli </a:t>
+            </a:r>
+            <a:r>
+              <a:rPr lang="tr-TR" dirty="0"/>
+              <a:t>tipte olabilir: Klavye, fare, ekran, yazıcı, tarayıcı, ses kartı, kameralar, vb.</a:t>
+            </a:r>
+          </a:p>
+          <a:p>
+            <a:r>
+              <a:rPr lang="tr-TR" dirty="0" smtClean="0"/>
+              <a:t>İşletim </a:t>
+            </a:r>
+            <a:r>
+              <a:rPr lang="tr-TR" dirty="0"/>
+              <a:t>sistemi tarafından yönetilir ve kullanıcının cihazları kullanmasına izin verir.</a:t>
+            </a:r>
+          </a:p>
+          <a:p>
+            <a:r>
+              <a:rPr lang="tr-TR" dirty="0" smtClean="0"/>
+              <a:t>Bilgisayarın performansını ve kullanılabilirliğini etkiler.</a:t>
+            </a:r>
+          </a:p>
+          <a:p>
+            <a:endParaRPr lang="tr-TR" dirty="0"/>
+          </a:p>
+          <a:p>
+            <a:endParaRPr lang="tr-TR" dirty="0"/>
           </a:p>
         </p:txBody>
       </p:sp>
     </p:spTree>
     <p:extLst>
       <p:ext uri="{BB962C8B-B14F-4D97-AF65-F5344CB8AC3E}">
-        <p14:creationId xmlns:p14="http://schemas.microsoft.com/office/powerpoint/2010/main" val="2952992972"/>
+        <p14:creationId xmlns:p14="http://schemas.microsoft.com/office/powerpoint/2010/main" val="1720225426"/>
       </p:ext>
     </p:extLst>
   </p:cSld>
@@ -8562,10 +8602,9 @@
           <a:lstStyle/>
           <a:p>
             <a:r>
-              <a:rPr lang="tr-TR" dirty="0" smtClean="0"/>
-              <a:t>Aygıt Sürücüsü</a:t>
-            </a:r>
-            <a:endParaRPr lang="tr-TR" dirty="0"/>
+              <a:rPr lang="tr-TR" dirty="0"/>
+              <a:t>G/Ç Cihazları</a:t>
+            </a:r>
           </a:p>
         </p:txBody>
       </p:sp>
@@ -8592,44 +8631,12 @@
           <a:lstStyle/>
           <a:p>
             <a:r>
-              <a:rPr lang="tr-TR" dirty="0" smtClean="0"/>
-              <a:t>İşletim sistemi denetleyiciyle konuşur. (komut verir, yanıt alır)</a:t>
-            </a:r>
-          </a:p>
-          <a:p>
-            <a:r>
-              <a:rPr lang="tr-TR" dirty="0" smtClean="0"/>
-              <a:t>Denetleyici üreticileri, </a:t>
-            </a:r>
-            <a:r>
-              <a:rPr lang="tr-TR" dirty="0"/>
-              <a:t>her işletim sistemi için bir sürücü </a:t>
-            </a:r>
-            <a:r>
-              <a:rPr lang="tr-TR" dirty="0" smtClean="0"/>
-              <a:t>sağlar</a:t>
-            </a:r>
-          </a:p>
-          <a:p>
-            <a:r>
-              <a:rPr lang="tr-TR" dirty="0" smtClean="0"/>
-              <a:t>Sürücü, </a:t>
-            </a:r>
-            <a:r>
-              <a:rPr lang="tr-TR" dirty="0"/>
-              <a:t>çekirdek </a:t>
-            </a:r>
-            <a:r>
-              <a:rPr lang="tr-TR" dirty="0" err="1"/>
-              <a:t>modunda</a:t>
-            </a:r>
-            <a:r>
-              <a:rPr lang="tr-TR" dirty="0"/>
-              <a:t> </a:t>
-            </a:r>
-            <a:r>
-              <a:rPr lang="tr-TR" dirty="0" smtClean="0"/>
-              <a:t>çalışır</a:t>
+              <a:rPr lang="tr-TR" dirty="0"/>
+              <a:t>İki parça: bir denetleyici ve bir </a:t>
+            </a:r>
+            <a:r>
+              <a:rPr lang="tr-TR" dirty="0" smtClean="0"/>
+              <a:t>aygıt</a:t>
             </a:r>
           </a:p>
           <a:p>
@@ -8639,75 +8646,43 @@
             </a:r>
             <a:r>
               <a:rPr lang="tr-TR" dirty="0"/>
-              <a:t>, sürücüyle iletişim kurmak için </a:t>
-            </a:r>
-            <a:r>
-              <a:rPr lang="tr-TR" dirty="0" smtClean="0"/>
-              <a:t>yazmaçlar kullanır.</a:t>
-            </a:r>
-          </a:p>
-          <a:p>
-            <a:r>
-              <a:rPr lang="tr-TR" dirty="0" smtClean="0"/>
-              <a:t>Üç </a:t>
-            </a:r>
-            <a:r>
-              <a:rPr lang="tr-TR" dirty="0"/>
-              <a:t>iletişim </a:t>
-            </a:r>
-            <a:r>
-              <a:rPr lang="tr-TR" dirty="0" err="1" smtClean="0"/>
-              <a:t>modu</a:t>
-            </a:r>
-            <a:endParaRPr lang="tr-TR" dirty="0" smtClean="0"/>
-          </a:p>
-          <a:p>
-            <a:pPr lvl="1"/>
-            <a:r>
-              <a:rPr lang="tr-TR" dirty="0" smtClean="0"/>
-              <a:t>Sorgulama (</a:t>
-            </a:r>
-            <a:r>
-              <a:rPr lang="tr-TR" dirty="0" err="1" smtClean="0"/>
-              <a:t>polling</a:t>
-            </a:r>
-            <a:r>
-              <a:rPr lang="tr-TR" dirty="0" smtClean="0"/>
-              <a:t>)</a:t>
-            </a:r>
-          </a:p>
-          <a:p>
-            <a:pPr lvl="1"/>
-            <a:r>
-              <a:rPr lang="tr-TR" dirty="0" smtClean="0"/>
-              <a:t>Kesmeler (</a:t>
-            </a:r>
-            <a:r>
-              <a:rPr lang="tr-TR" dirty="0" err="1" smtClean="0"/>
-              <a:t>interrupt</a:t>
-            </a:r>
-            <a:r>
-              <a:rPr lang="tr-TR" dirty="0" smtClean="0"/>
-              <a:t>)</a:t>
-            </a:r>
-          </a:p>
-          <a:p>
-            <a:pPr lvl="1"/>
-            <a:r>
-              <a:rPr lang="tr-TR" dirty="0" smtClean="0"/>
-              <a:t>DMA</a:t>
-            </a:r>
-            <a:endParaRPr lang="tr-TR" dirty="0"/>
-          </a:p>
-          <a:p>
-            <a:endParaRPr lang="tr-TR" dirty="0"/>
+              <a:t>: işletim sistemine daha basit bir </a:t>
+            </a:r>
+            <a:r>
+              <a:rPr lang="tr-TR" dirty="0" smtClean="0"/>
+              <a:t>arayüz sağlar</a:t>
+            </a:r>
+          </a:p>
+          <a:p>
+            <a:r>
+              <a:rPr lang="tr-TR" dirty="0" smtClean="0"/>
+              <a:t>Aygıt </a:t>
+            </a:r>
+            <a:r>
+              <a:rPr lang="tr-TR" dirty="0"/>
+              <a:t>sürücüsü: denetleyiciyle konuşur, komut verir ve </a:t>
+            </a:r>
+            <a:r>
+              <a:rPr lang="tr-TR" dirty="0" smtClean="0"/>
+              <a:t>yanıt alır</a:t>
+            </a:r>
+          </a:p>
+          <a:p>
+            <a:r>
+              <a:rPr lang="tr-TR" dirty="0" smtClean="0"/>
+              <a:t>Meşgul </a:t>
+            </a:r>
+            <a:r>
+              <a:rPr lang="tr-TR" dirty="0"/>
+              <a:t>bekleme/kesme/DMA</a:t>
+            </a:r>
           </a:p>
         </p:txBody>
       </p:sp>
     </p:spTree>
     <p:extLst>
       <p:ext uri="{BB962C8B-B14F-4D97-AF65-F5344CB8AC3E}">
-        <p14:creationId xmlns:p14="http://schemas.microsoft.com/office/powerpoint/2010/main" val="3411501325"/>
+        <p14:creationId xmlns:p14="http://schemas.microsoft.com/office/powerpoint/2010/main" val="2952992972"/>
       </p:ext>
     </p:extLst>
   </p:cSld>
@@ -8757,6 +8732,201 @@
           <a:lstStyle/>
           <a:p>
             <a:r>
+              <a:rPr lang="tr-TR" dirty="0" smtClean="0"/>
+              <a:t>Aygıt Sürücüsü</a:t>
+            </a:r>
+            <a:endParaRPr lang="tr-TR" dirty="0"/>
+          </a:p>
+        </p:txBody>
+      </p:sp>
+      <p:sp>
+        <p:nvSpPr>
+          <p:cNvPr id="3" name="Content Placeholder 2"/>
+          <p:cNvSpPr>
+            <a:spLocks noGrp="1"/>
+          </p:cNvSpPr>
+          <p:nvPr>
+            <p:ph idx="1"/>
+          </p:nvPr>
+        </p:nvSpPr>
+        <p:spPr>
+          <a:xfrm>
+            <a:off x="838200" y="1825625"/>
+            <a:ext cx="10515600" cy="4680000"/>
+          </a:xfrm>
+        </p:spPr>
+        <p:txBody>
+          <a:bodyPr>
+            <a:normAutofit/>
+          </a:bodyPr>
+          <a:lstStyle/>
+          <a:p>
+            <a:r>
+              <a:rPr lang="tr-TR" dirty="0" smtClean="0"/>
+              <a:t>İşletim sistemi denetleyiciyle konuşur. (komut verir, yanıt alır)</a:t>
+            </a:r>
+          </a:p>
+          <a:p>
+            <a:r>
+              <a:rPr lang="tr-TR" dirty="0" smtClean="0"/>
+              <a:t>Denetleyici üreticileri, </a:t>
+            </a:r>
+            <a:r>
+              <a:rPr lang="tr-TR" dirty="0"/>
+              <a:t>her işletim sistemi için bir sürücü </a:t>
+            </a:r>
+            <a:r>
+              <a:rPr lang="tr-TR" dirty="0" smtClean="0"/>
+              <a:t>sağlar</a:t>
+            </a:r>
+          </a:p>
+          <a:p>
+            <a:r>
+              <a:rPr lang="tr-TR" dirty="0" smtClean="0"/>
+              <a:t>Sürücü, </a:t>
+            </a:r>
+            <a:r>
+              <a:rPr lang="tr-TR" dirty="0"/>
+              <a:t>çekirdek </a:t>
+            </a:r>
+            <a:r>
+              <a:rPr lang="tr-TR" dirty="0" err="1"/>
+              <a:t>modunda</a:t>
+            </a:r>
+            <a:r>
+              <a:rPr lang="tr-TR" dirty="0"/>
+              <a:t> </a:t>
+            </a:r>
+            <a:r>
+              <a:rPr lang="tr-TR" dirty="0" smtClean="0"/>
+              <a:t>çalışır</a:t>
+            </a:r>
+          </a:p>
+          <a:p>
+            <a:r>
+              <a:rPr lang="tr-TR" dirty="0" smtClean="0"/>
+              <a:t>Denetleyici</a:t>
+            </a:r>
+            <a:r>
+              <a:rPr lang="tr-TR" dirty="0"/>
+              <a:t>, sürücüyle iletişim kurmak için </a:t>
+            </a:r>
+            <a:r>
+              <a:rPr lang="tr-TR" dirty="0" smtClean="0"/>
+              <a:t>yazmaçlar kullanır.</a:t>
+            </a:r>
+          </a:p>
+          <a:p>
+            <a:r>
+              <a:rPr lang="tr-TR" dirty="0" smtClean="0"/>
+              <a:t>Üç </a:t>
+            </a:r>
+            <a:r>
+              <a:rPr lang="tr-TR" dirty="0"/>
+              <a:t>iletişim </a:t>
+            </a:r>
+            <a:r>
+              <a:rPr lang="tr-TR" dirty="0" err="1" smtClean="0"/>
+              <a:t>modu</a:t>
+            </a:r>
+            <a:endParaRPr lang="tr-TR" dirty="0" smtClean="0"/>
+          </a:p>
+          <a:p>
+            <a:pPr lvl="1"/>
+            <a:r>
+              <a:rPr lang="tr-TR" dirty="0" smtClean="0"/>
+              <a:t>Sorgulama (</a:t>
+            </a:r>
+            <a:r>
+              <a:rPr lang="tr-TR" dirty="0" err="1" smtClean="0"/>
+              <a:t>polling</a:t>
+            </a:r>
+            <a:r>
+              <a:rPr lang="tr-TR" dirty="0" smtClean="0"/>
+              <a:t>)</a:t>
+            </a:r>
+          </a:p>
+          <a:p>
+            <a:pPr lvl="1"/>
+            <a:r>
+              <a:rPr lang="tr-TR" dirty="0" smtClean="0"/>
+              <a:t>Kesmeler (</a:t>
+            </a:r>
+            <a:r>
+              <a:rPr lang="tr-TR" dirty="0" err="1" smtClean="0"/>
+              <a:t>interrupt</a:t>
+            </a:r>
+            <a:r>
+              <a:rPr lang="tr-TR" dirty="0" smtClean="0"/>
+              <a:t>)</a:t>
+            </a:r>
+          </a:p>
+          <a:p>
+            <a:pPr lvl="1"/>
+            <a:r>
+              <a:rPr lang="tr-TR" dirty="0" smtClean="0"/>
+              <a:t>DMA</a:t>
+            </a:r>
+            <a:endParaRPr lang="tr-TR" dirty="0"/>
+          </a:p>
+          <a:p>
+            <a:endParaRPr lang="tr-TR" dirty="0"/>
+          </a:p>
+        </p:txBody>
+      </p:sp>
+    </p:spTree>
+    <p:extLst>
+      <p:ext uri="{BB962C8B-B14F-4D97-AF65-F5344CB8AC3E}">
+        <p14:creationId xmlns:p14="http://schemas.microsoft.com/office/powerpoint/2010/main" val="3411501325"/>
+      </p:ext>
+    </p:extLst>
+  </p:cSld>
+  <p:clrMapOvr>
+    <a:masterClrMapping/>
+  </p:clrMapOvr>
+  <p:timing>
+    <p:tnLst>
+      <p:par>
+        <p:cTn id="1" dur="indefinite" restart="never" nodeType="tmRoot"/>
+      </p:par>
+    </p:tnLst>
+  </p:timing>
+</p:sld>
+</file>
+
+<file path=ppt/slides/slide39.xml><?xml version="1.0" encoding="utf-8"?>
+<p:sld xmlns:a="http://schemas.openxmlformats.org/drawingml/2006/main" xmlns:r="http://schemas.openxmlformats.org/officeDocument/2006/relationships" xmlns:p="http://schemas.openxmlformats.org/presentationml/2006/main">
+  <p:cSld>
+    <p:spTree>
+      <p:nvGrpSpPr>
+        <p:cNvPr id="1" name=""/>
+        <p:cNvGrpSpPr/>
+        <p:nvPr/>
+      </p:nvGrpSpPr>
+      <p:grpSpPr>
+        <a:xfrm>
+          <a:off x="0" y="0"/>
+          <a:ext cx="0" cy="0"/>
+          <a:chOff x="0" y="0"/>
+          <a:chExt cx="0" cy="0"/>
+        </a:xfrm>
+      </p:grpSpPr>
+      <p:sp>
+        <p:nvSpPr>
+          <p:cNvPr id="2" name="Title 1"/>
+          <p:cNvSpPr>
+            <a:spLocks noGrp="1"/>
+          </p:cNvSpPr>
+          <p:nvPr>
+            <p:ph type="title"/>
+          </p:nvPr>
+        </p:nvSpPr>
+        <p:spPr/>
+        <p:txBody>
+          <a:bodyPr/>
+          <a:lstStyle/>
+          <a:p>
+            <a:r>
               <a:rPr lang="tr-TR" dirty="0"/>
               <a:t>G/Ç Cihazları - </a:t>
             </a:r>
@@ -8896,7 +9066,139 @@
 </p:sld>
 </file>
 
-<file path=ppt/slides/slide39.xml><?xml version="1.0" encoding="utf-8"?>
+<file path=ppt/slides/slide4.xml><?xml version="1.0" encoding="utf-8"?>
+<p:sld xmlns:a="http://schemas.openxmlformats.org/drawingml/2006/main" xmlns:r="http://schemas.openxmlformats.org/officeDocument/2006/relationships" xmlns:p="http://schemas.openxmlformats.org/presentationml/2006/main">
+  <p:cSld>
+    <p:spTree>
+      <p:nvGrpSpPr>
+        <p:cNvPr id="1" name=""/>
+        <p:cNvGrpSpPr/>
+        <p:nvPr/>
+      </p:nvGrpSpPr>
+      <p:grpSpPr>
+        <a:xfrm>
+          <a:off x="0" y="0"/>
+          <a:ext cx="0" cy="0"/>
+          <a:chOff x="0" y="0"/>
+          <a:chExt cx="0" cy="0"/>
+        </a:xfrm>
+      </p:grpSpPr>
+      <p:sp>
+        <p:nvSpPr>
+          <p:cNvPr id="2" name="Title 1"/>
+          <p:cNvSpPr>
+            <a:spLocks noGrp="1"/>
+          </p:cNvSpPr>
+          <p:nvPr>
+            <p:ph type="title"/>
+          </p:nvPr>
+        </p:nvSpPr>
+        <p:spPr/>
+        <p:txBody>
+          <a:bodyPr/>
+          <a:lstStyle/>
+          <a:p>
+            <a:r>
+              <a:rPr lang="tr-TR" dirty="0"/>
+              <a:t>İşletim Sistemi Nerede Yer Alır</a:t>
+            </a:r>
+          </a:p>
+        </p:txBody>
+      </p:sp>
+      <p:sp>
+        <p:nvSpPr>
+          <p:cNvPr id="3" name="Content Placeholder 2"/>
+          <p:cNvSpPr>
+            <a:spLocks noGrp="1"/>
+          </p:cNvSpPr>
+          <p:nvPr>
+            <p:ph idx="1"/>
+          </p:nvPr>
+        </p:nvSpPr>
+        <p:spPr>
+          <a:xfrm>
+            <a:off x="838200" y="1825625"/>
+            <a:ext cx="10515600" cy="4680000"/>
+          </a:xfrm>
+        </p:spPr>
+        <p:txBody>
+          <a:bodyPr>
+            <a:normAutofit/>
+          </a:bodyPr>
+          <a:lstStyle/>
+          <a:p>
+            <a:r>
+              <a:rPr lang="tr-TR" dirty="0" smtClean="0"/>
+              <a:t>Bilgisayar </a:t>
+            </a:r>
+            <a:r>
+              <a:rPr lang="tr-TR" dirty="0"/>
+              <a:t>donanımı ve yazılım arasında bir </a:t>
+            </a:r>
+            <a:r>
+              <a:rPr lang="tr-TR" dirty="0" err="1"/>
+              <a:t>arayüzdür</a:t>
+            </a:r>
+            <a:r>
+              <a:rPr lang="tr-TR" dirty="0"/>
+              <a:t>.</a:t>
+            </a:r>
+          </a:p>
+          <a:p>
+            <a:r>
+              <a:rPr lang="tr-TR" dirty="0"/>
+              <a:t>Donanım, fiziksel olarak mevcut olan bileşenleri (örneğin CPU, RAM, diskler) temsil eder.</a:t>
+            </a:r>
+          </a:p>
+          <a:p>
+            <a:r>
+              <a:rPr lang="tr-TR" dirty="0"/>
+              <a:t>Yazılım ise, bilgisayarın yapabileceği işlemleri yürütmek için yazılmış kodları içerir.</a:t>
+            </a:r>
+          </a:p>
+          <a:p>
+            <a:r>
+              <a:rPr lang="tr-TR" dirty="0" smtClean="0"/>
+              <a:t>Donanımın </a:t>
+            </a:r>
+            <a:r>
+              <a:rPr lang="tr-TR" dirty="0"/>
+              <a:t>yazılım tarafından nasıl kullanılacağını yönetir.</a:t>
+            </a:r>
+          </a:p>
+          <a:p>
+            <a:r>
+              <a:rPr lang="tr-TR" dirty="0" smtClean="0"/>
+              <a:t>İşletim </a:t>
+            </a:r>
+            <a:r>
+              <a:rPr lang="tr-TR" dirty="0"/>
+              <a:t>sistemi, yazılımın donanımı kullanmasını kontrol ederken, aynı zamanda donanımın kullanımını optimize eder ve sistemin güvenliğini sağlar.</a:t>
+            </a:r>
+          </a:p>
+        </p:txBody>
+      </p:sp>
+    </p:spTree>
+    <p:extLst>
+      <p:ext uri="{BB962C8B-B14F-4D97-AF65-F5344CB8AC3E}">
+        <p14:creationId xmlns:p14="http://schemas.microsoft.com/office/powerpoint/2010/main" val="654963759"/>
+      </p:ext>
+    </p:extLst>
+  </p:cSld>
+  <p:clrMapOvr>
+    <a:masterClrMapping/>
+  </p:clrMapOvr>
+  <p:timing>
+    <p:tnLst>
+      <p:par>
+        <p:cTn id="1" dur="indefinite" restart="never" nodeType="tmRoot"/>
+      </p:par>
+    </p:tnLst>
+  </p:timing>
+</p:sld>
+</file>
+
+<file path=ppt/slides/slide40.xml><?xml version="1.0" encoding="utf-8"?>
 <p:sld xmlns:a="http://schemas.openxmlformats.org/drawingml/2006/main" xmlns:r="http://schemas.openxmlformats.org/officeDocument/2006/relationships" xmlns:p="http://schemas.openxmlformats.org/presentationml/2006/main">
   <p:cSld>
     <p:spTree>
@@ -9049,139 +9351,7 @@
 </p:sld>
 </file>
 
-<file path=ppt/slides/slide4.xml><?xml version="1.0" encoding="utf-8"?>
-<p:sld xmlns:a="http://schemas.openxmlformats.org/drawingml/2006/main" xmlns:r="http://schemas.openxmlformats.org/officeDocument/2006/relationships" xmlns:p="http://schemas.openxmlformats.org/presentationml/2006/main">
-  <p:cSld>
-    <p:spTree>
-      <p:nvGrpSpPr>
-        <p:cNvPr id="1" name=""/>
-        <p:cNvGrpSpPr/>
-        <p:nvPr/>
-      </p:nvGrpSpPr>
-      <p:grpSpPr>
-        <a:xfrm>
-          <a:off x="0" y="0"/>
-          <a:ext cx="0" cy="0"/>
-          <a:chOff x="0" y="0"/>
-          <a:chExt cx="0" cy="0"/>
-        </a:xfrm>
-      </p:grpSpPr>
-      <p:sp>
-        <p:nvSpPr>
-          <p:cNvPr id="2" name="Title 1"/>
-          <p:cNvSpPr>
-            <a:spLocks noGrp="1"/>
-          </p:cNvSpPr>
-          <p:nvPr>
-            <p:ph type="title"/>
-          </p:nvPr>
-        </p:nvSpPr>
-        <p:spPr/>
-        <p:txBody>
-          <a:bodyPr/>
-          <a:lstStyle/>
-          <a:p>
-            <a:r>
-              <a:rPr lang="tr-TR" dirty="0"/>
-              <a:t>İşletim Sistemi Nerede Yer Alır</a:t>
-            </a:r>
-          </a:p>
-        </p:txBody>
-      </p:sp>
-      <p:sp>
-        <p:nvSpPr>
-          <p:cNvPr id="3" name="Content Placeholder 2"/>
-          <p:cNvSpPr>
-            <a:spLocks noGrp="1"/>
-          </p:cNvSpPr>
-          <p:nvPr>
-            <p:ph idx="1"/>
-          </p:nvPr>
-        </p:nvSpPr>
-        <p:spPr>
-          <a:xfrm>
-            <a:off x="838200" y="1825625"/>
-            <a:ext cx="10515600" cy="4680000"/>
-          </a:xfrm>
-        </p:spPr>
-        <p:txBody>
-          <a:bodyPr>
-            <a:normAutofit/>
-          </a:bodyPr>
-          <a:lstStyle/>
-          <a:p>
-            <a:r>
-              <a:rPr lang="tr-TR" dirty="0" smtClean="0"/>
-              <a:t>Bilgisayar </a:t>
-            </a:r>
-            <a:r>
-              <a:rPr lang="tr-TR" dirty="0"/>
-              <a:t>donanımı ve yazılım arasında bir </a:t>
-            </a:r>
-            <a:r>
-              <a:rPr lang="tr-TR" dirty="0" err="1"/>
-              <a:t>arayüzdür</a:t>
-            </a:r>
-            <a:r>
-              <a:rPr lang="tr-TR" dirty="0"/>
-              <a:t>.</a:t>
-            </a:r>
-          </a:p>
-          <a:p>
-            <a:r>
-              <a:rPr lang="tr-TR" dirty="0"/>
-              <a:t>Donanım, fiziksel olarak mevcut olan bileşenleri (örneğin CPU, RAM, diskler) temsil eder.</a:t>
-            </a:r>
-          </a:p>
-          <a:p>
-            <a:r>
-              <a:rPr lang="tr-TR" dirty="0"/>
-              <a:t>Yazılım ise, bilgisayarın yapabileceği işlemleri yürütmek için yazılmış kodları içerir.</a:t>
-            </a:r>
-          </a:p>
-          <a:p>
-            <a:r>
-              <a:rPr lang="tr-TR" dirty="0" smtClean="0"/>
-              <a:t>Donanımın </a:t>
-            </a:r>
-            <a:r>
-              <a:rPr lang="tr-TR" dirty="0"/>
-              <a:t>yazılım tarafından nasıl kullanılacağını yönetir.</a:t>
-            </a:r>
-          </a:p>
-          <a:p>
-            <a:r>
-              <a:rPr lang="tr-TR" dirty="0" smtClean="0"/>
-              <a:t>İşletim </a:t>
-            </a:r>
-            <a:r>
-              <a:rPr lang="tr-TR" dirty="0"/>
-              <a:t>sistemi, yazılımın donanımı kullanmasını kontrol ederken, aynı zamanda donanımın kullanımını optimize eder ve sistemin güvenliğini sağlar.</a:t>
-            </a:r>
-          </a:p>
-        </p:txBody>
-      </p:sp>
-    </p:spTree>
-    <p:extLst>
-      <p:ext uri="{BB962C8B-B14F-4D97-AF65-F5344CB8AC3E}">
-        <p14:creationId xmlns:p14="http://schemas.microsoft.com/office/powerpoint/2010/main" val="654963759"/>
-      </p:ext>
-    </p:extLst>
-  </p:cSld>
-  <p:clrMapOvr>
-    <a:masterClrMapping/>
-  </p:clrMapOvr>
-  <p:timing>
-    <p:tnLst>
-      <p:par>
-        <p:cTn id="1" dur="indefinite" restart="never" nodeType="tmRoot"/>
-      </p:par>
-    </p:tnLst>
-  </p:timing>
-</p:sld>
-</file>
-
-<file path=ppt/slides/slide40.xml><?xml version="1.0" encoding="utf-8"?>
+<file path=ppt/slides/slide41.xml><?xml version="1.0" encoding="utf-8"?>
 <p:sld xmlns:a="http://schemas.openxmlformats.org/drawingml/2006/main" xmlns:r="http://schemas.openxmlformats.org/officeDocument/2006/relationships" xmlns:p="http://schemas.openxmlformats.org/presentationml/2006/main">
   <p:cSld>
     <p:spTree>
@@ -9395,7 +9565,7 @@
 </p:sld>
 </file>
 
-<file path=ppt/slides/slide41.xml><?xml version="1.0" encoding="utf-8"?>
+<file path=ppt/slides/slide42.xml><?xml version="1.0" encoding="utf-8"?>
 <p:sld xmlns:a="http://schemas.openxmlformats.org/drawingml/2006/main" xmlns:r="http://schemas.openxmlformats.org/officeDocument/2006/relationships" xmlns:p="http://schemas.openxmlformats.org/presentationml/2006/main">
   <p:cSld>
     <p:spTree>
@@ -9510,7 +9680,7 @@
 </p:sld>
 </file>
 
-<file path=ppt/slides/slide42.xml><?xml version="1.0" encoding="utf-8"?>
+<file path=ppt/slides/slide43.xml><?xml version="1.0" encoding="utf-8"?>
 <p:sld xmlns:a="http://schemas.openxmlformats.org/drawingml/2006/main" xmlns:r="http://schemas.openxmlformats.org/officeDocument/2006/relationships" xmlns:p="http://schemas.openxmlformats.org/presentationml/2006/main">
   <p:cSld>
     <p:spTree>
@@ -9676,7 +9846,7 @@
 </p:sld>
 </file>
 
-<file path=ppt/slides/slide43.xml><?xml version="1.0" encoding="utf-8"?>
+<file path=ppt/slides/slide44.xml><?xml version="1.0" encoding="utf-8"?>
 <p:sld xmlns:a="http://schemas.openxmlformats.org/drawingml/2006/main" xmlns:r="http://schemas.openxmlformats.org/officeDocument/2006/relationships" xmlns:p="http://schemas.openxmlformats.org/presentationml/2006/main">
   <p:cSld>
     <p:spTree>
@@ -9825,7 +9995,7 @@
 </p:sld>
 </file>
 
-<file path=ppt/slides/slide44.xml><?xml version="1.0" encoding="utf-8"?>
+<file path=ppt/slides/slide45.xml><?xml version="1.0" encoding="utf-8"?>
 <p:sld xmlns:a="http://schemas.openxmlformats.org/drawingml/2006/main" xmlns:r="http://schemas.openxmlformats.org/officeDocument/2006/relationships" xmlns:p="http://schemas.openxmlformats.org/presentationml/2006/main">
   <p:cSld>
     <p:spTree>
@@ -9974,223 +10144,6 @@
 </p:sld>
 </file>
 
-<file path=ppt/slides/slide45.xml><?xml version="1.0" encoding="utf-8"?>
-<p:sld xmlns:a="http://schemas.openxmlformats.org/drawingml/2006/main" xmlns:r="http://schemas.openxmlformats.org/officeDocument/2006/relationships" xmlns:p="http://schemas.openxmlformats.org/presentationml/2006/main">
-  <p:cSld>
-    <p:spTree>
-      <p:nvGrpSpPr>
-        <p:cNvPr id="1" name=""/>
-        <p:cNvGrpSpPr/>
-        <p:nvPr/>
-      </p:nvGrpSpPr>
-      <p:grpSpPr>
-        <a:xfrm>
-          <a:off x="0" y="0"/>
-          <a:ext cx="0" cy="0"/>
-          <a:chOff x="0" y="0"/>
-          <a:chExt cx="0" cy="0"/>
-        </a:xfrm>
-      </p:grpSpPr>
-      <p:sp>
-        <p:nvSpPr>
-          <p:cNvPr id="2" name="Title 1"/>
-          <p:cNvSpPr>
-            <a:spLocks noGrp="1"/>
-          </p:cNvSpPr>
-          <p:nvPr>
-            <p:ph type="title"/>
-          </p:nvPr>
-        </p:nvSpPr>
-        <p:spPr/>
-        <p:txBody>
-          <a:bodyPr/>
-          <a:lstStyle/>
-          <a:p>
-            <a:r>
-              <a:rPr lang="tr-TR" dirty="0" smtClean="0"/>
-              <a:t>Bilgisayarın Ayağa Kalkması</a:t>
-            </a:r>
-            <a:endParaRPr lang="tr-TR" dirty="0"/>
-          </a:p>
-        </p:txBody>
-      </p:sp>
-      <p:sp>
-        <p:nvSpPr>
-          <p:cNvPr id="3" name="Content Placeholder 2"/>
-          <p:cNvSpPr>
-            <a:spLocks noGrp="1"/>
-          </p:cNvSpPr>
-          <p:nvPr>
-            <p:ph idx="1"/>
-          </p:nvPr>
-        </p:nvSpPr>
-        <p:spPr>
-          <a:xfrm>
-            <a:off x="838200" y="1825625"/>
-            <a:ext cx="10515600" cy="4680000"/>
-          </a:xfrm>
-        </p:spPr>
-        <p:txBody>
-          <a:bodyPr>
-            <a:normAutofit/>
-          </a:bodyPr>
-          <a:lstStyle/>
-          <a:p>
-            <a:r>
-              <a:rPr lang="tr-TR" dirty="0" smtClean="0"/>
-              <a:t>BIOS: temel </a:t>
-            </a:r>
-            <a:r>
-              <a:rPr lang="tr-TR" dirty="0"/>
-              <a:t>giriş/çıkış </a:t>
-            </a:r>
-            <a:r>
-              <a:rPr lang="tr-TR" dirty="0" smtClean="0"/>
-              <a:t>sistemi</a:t>
-            </a:r>
-          </a:p>
-          <a:p>
-            <a:r>
-              <a:rPr lang="tr-TR" dirty="0" smtClean="0"/>
-              <a:t>Ana kartta yer alır, </a:t>
-            </a:r>
-            <a:r>
-              <a:rPr lang="tr-TR" dirty="0"/>
-              <a:t>düşük seviye </a:t>
-            </a:r>
-            <a:r>
-              <a:rPr lang="tr-TR" dirty="0" smtClean="0"/>
-              <a:t>G/Ç yazılımı</a:t>
-            </a:r>
-          </a:p>
-          <a:p>
-            <a:r>
-              <a:rPr lang="tr-TR" dirty="0" smtClean="0"/>
-              <a:t>Bellek, </a:t>
-            </a:r>
-            <a:r>
-              <a:rPr lang="tr-TR" dirty="0"/>
-              <a:t>klavye ve diğer temel cihazları kontrol </a:t>
-            </a:r>
-            <a:r>
-              <a:rPr lang="tr-TR" dirty="0" smtClean="0"/>
-              <a:t>eder</a:t>
-            </a:r>
-          </a:p>
-          <a:p>
-            <a:r>
-              <a:rPr lang="tr-TR" dirty="0" smtClean="0"/>
-              <a:t>Önyükleme </a:t>
-            </a:r>
-            <a:r>
-              <a:rPr lang="tr-TR" dirty="0"/>
-              <a:t>aygıtını </a:t>
-            </a:r>
-            <a:r>
-              <a:rPr lang="tr-TR" dirty="0" smtClean="0"/>
-              <a:t>belirler (disket</a:t>
-            </a:r>
-            <a:r>
-              <a:rPr lang="tr-TR" dirty="0"/>
-              <a:t>, CD-ROM, </a:t>
-            </a:r>
-            <a:r>
-              <a:rPr lang="tr-TR" dirty="0" smtClean="0"/>
-              <a:t>disk)</a:t>
-            </a:r>
-          </a:p>
-          <a:p>
-            <a:r>
-              <a:rPr lang="tr-TR" dirty="0" smtClean="0"/>
-              <a:t>Önyükleme </a:t>
-            </a:r>
-            <a:r>
-              <a:rPr lang="tr-TR" dirty="0"/>
-              <a:t>aygıtının ilk sektörü belleğe </a:t>
-            </a:r>
-            <a:r>
-              <a:rPr lang="tr-TR" dirty="0" smtClean="0"/>
-              <a:t>okunur</a:t>
-            </a:r>
-          </a:p>
-          <a:p>
-            <a:r>
-              <a:rPr lang="tr-TR" dirty="0" smtClean="0"/>
-              <a:t>Sektör</a:t>
-            </a:r>
-            <a:r>
-              <a:rPr lang="tr-TR" dirty="0"/>
-              <a:t>, hangi bölümün aktif olduğunu kontrol etmek için program </a:t>
-            </a:r>
-            <a:r>
-              <a:rPr lang="tr-TR" dirty="0" smtClean="0"/>
-              <a:t>içerir</a:t>
-            </a:r>
-          </a:p>
-          <a:p>
-            <a:r>
-              <a:rPr lang="tr-TR" dirty="0" smtClean="0"/>
-              <a:t>Ardından</a:t>
-            </a:r>
-            <a:r>
-              <a:rPr lang="tr-TR" dirty="0"/>
-              <a:t>, ikincil bir önyükleyici belleğe </a:t>
-            </a:r>
-            <a:r>
-              <a:rPr lang="tr-TR" dirty="0" smtClean="0"/>
-              <a:t>okunur</a:t>
-            </a:r>
-          </a:p>
-          <a:p>
-            <a:r>
-              <a:rPr lang="tr-TR" dirty="0"/>
-              <a:t>İ</a:t>
-            </a:r>
-            <a:r>
-              <a:rPr lang="tr-TR" dirty="0" smtClean="0"/>
-              <a:t>şletim sistemi </a:t>
-            </a:r>
-            <a:r>
-              <a:rPr lang="tr-TR" dirty="0"/>
-              <a:t>aktif bölümden </a:t>
-            </a:r>
-            <a:r>
-              <a:rPr lang="tr-TR" dirty="0" smtClean="0"/>
-              <a:t>okunur</a:t>
-            </a:r>
-            <a:r>
-              <a:rPr lang="tr-TR" dirty="0"/>
-              <a:t>.</a:t>
-            </a:r>
-          </a:p>
-          <a:p>
-            <a:endParaRPr lang="tr-TR" dirty="0"/>
-          </a:p>
-          <a:p>
-            <a:endParaRPr lang="tr-TR" dirty="0"/>
-          </a:p>
-        </p:txBody>
-      </p:sp>
-    </p:spTree>
-    <p:extLst>
-      <p:ext uri="{BB962C8B-B14F-4D97-AF65-F5344CB8AC3E}">
-        <p14:creationId xmlns:p14="http://schemas.microsoft.com/office/powerpoint/2010/main" val="503499729"/>
-      </p:ext>
-    </p:extLst>
-  </p:cSld>
-  <p:clrMapOvr>
-    <a:masterClrMapping/>
-  </p:clrMapOvr>
-  <p:timing>
-    <p:tnLst>
-      <p:par>
-        <p:cTn id="1" dur="indefinite" restart="never" nodeType="tmRoot"/>
-      </p:par>
-    </p:tnLst>
-  </p:timing>
-</p:sld>
-</file>
-
 <file path=ppt/slides/slide46.xml><?xml version="1.0" encoding="utf-8"?>
 <p:sld xmlns:a="http://schemas.openxmlformats.org/drawingml/2006/main" xmlns:r="http://schemas.openxmlformats.org/officeDocument/2006/relationships" xmlns:p="http://schemas.openxmlformats.org/presentationml/2006/main">
   <p:cSld>
@@ -10225,7 +10178,7 @@
           <a:p>
             <a:r>
               <a:rPr lang="tr-TR" dirty="0" smtClean="0"/>
-              <a:t>İşletim Sistemi Çeşitleri</a:t>
+              <a:t>Bilgisayarın Ayağa Kalkması</a:t>
             </a:r>
             <a:endParaRPr lang="tr-TR" dirty="0"/>
           </a:p>
@@ -10255,140 +10208,130 @@
           <a:p>
             <a:r>
               <a:rPr lang="tr-TR" dirty="0" smtClean="0"/>
-              <a:t>Anabilgisayar </a:t>
-            </a:r>
-            <a:r>
-              <a:rPr lang="tr-TR" dirty="0" smtClean="0"/>
-              <a:t>(</a:t>
-            </a:r>
-            <a:r>
-              <a:rPr lang="tr-TR" dirty="0" err="1" smtClean="0"/>
-              <a:t>mainframe</a:t>
-            </a:r>
-            <a:r>
-              <a:rPr lang="tr-TR" dirty="0" smtClean="0"/>
-              <a:t>)</a:t>
-            </a:r>
-          </a:p>
-          <a:p>
-            <a:r>
-              <a:rPr lang="tr-TR" dirty="0" smtClean="0"/>
-              <a:t>Sunucu (server)</a:t>
-            </a:r>
-          </a:p>
-          <a:p>
-            <a:r>
-              <a:rPr lang="tr-TR" dirty="0" smtClean="0"/>
-              <a:t>Çoklu işlemci </a:t>
-            </a:r>
-            <a:r>
-              <a:rPr lang="tr-TR" dirty="0" smtClean="0"/>
-              <a:t>(</a:t>
-            </a:r>
-            <a:r>
-              <a:rPr lang="tr-TR" dirty="0" err="1" smtClean="0"/>
-              <a:t>multiprocessor</a:t>
-            </a:r>
-            <a:r>
-              <a:rPr lang="tr-TR" dirty="0" smtClean="0"/>
-              <a:t>)</a:t>
-            </a:r>
-          </a:p>
-          <a:p>
-            <a:r>
-              <a:rPr lang="tr-TR" dirty="0" smtClean="0"/>
-              <a:t>Kişisel (</a:t>
-            </a:r>
-            <a:r>
-              <a:rPr lang="tr-TR" dirty="0" err="1" smtClean="0"/>
-              <a:t>personal</a:t>
-            </a:r>
-            <a:r>
-              <a:rPr lang="tr-TR" dirty="0" smtClean="0"/>
-              <a:t>)</a:t>
-            </a:r>
-          </a:p>
-          <a:p>
-            <a:r>
-              <a:rPr lang="tr-TR" dirty="0" smtClean="0"/>
-              <a:t>Mobil (</a:t>
-            </a:r>
-            <a:r>
-              <a:rPr lang="tr-TR" dirty="0" err="1" smtClean="0"/>
-              <a:t>handheld</a:t>
-            </a:r>
-            <a:r>
-              <a:rPr lang="tr-TR" dirty="0" smtClean="0"/>
-              <a:t>)</a:t>
-            </a:r>
-          </a:p>
-          <a:p>
-            <a:r>
-              <a:rPr lang="tr-TR" dirty="0" smtClean="0"/>
-              <a:t>Gömülü (</a:t>
-            </a:r>
-            <a:r>
-              <a:rPr lang="tr-TR" dirty="0" err="1" smtClean="0"/>
-              <a:t>embedded</a:t>
-            </a:r>
-            <a:r>
-              <a:rPr lang="tr-TR" dirty="0" smtClean="0"/>
-              <a:t>)</a:t>
-            </a:r>
-          </a:p>
-          <a:p>
-            <a:r>
-              <a:rPr lang="tr-TR" dirty="0" smtClean="0"/>
-              <a:t>Algılayıcı düğüm (sensor </a:t>
-            </a:r>
-            <a:r>
-              <a:rPr lang="tr-TR" dirty="0" err="1" smtClean="0"/>
-              <a:t>node</a:t>
-            </a:r>
-            <a:r>
-              <a:rPr lang="tr-TR" dirty="0" smtClean="0"/>
-              <a:t>)</a:t>
-            </a:r>
-          </a:p>
-          <a:p>
-            <a:r>
-              <a:rPr lang="tr-TR" dirty="0" smtClean="0"/>
-              <a:t>Gerçek zamanlı (</a:t>
-            </a:r>
-            <a:r>
-              <a:rPr lang="tr-TR" dirty="0" err="1" smtClean="0"/>
-              <a:t>real</a:t>
-            </a:r>
-            <a:r>
-              <a:rPr lang="tr-TR" dirty="0" smtClean="0"/>
-              <a:t>-time)</a:t>
-            </a:r>
-          </a:p>
-          <a:p>
-            <a:r>
-              <a:rPr lang="tr-TR" dirty="0" smtClean="0"/>
-              <a:t>Akıllı kart (</a:t>
-            </a:r>
-            <a:r>
-              <a:rPr lang="tr-TR" dirty="0" err="1" smtClean="0"/>
-              <a:t>smart</a:t>
-            </a:r>
-            <a:r>
-              <a:rPr lang="tr-TR" dirty="0" smtClean="0"/>
-              <a:t> </a:t>
-            </a:r>
-            <a:r>
-              <a:rPr lang="tr-TR" dirty="0" err="1" smtClean="0"/>
-              <a:t>card</a:t>
-            </a:r>
-            <a:r>
-              <a:rPr lang="tr-TR" dirty="0" smtClean="0"/>
-              <a:t>)</a:t>
-            </a:r>
-            <a:endParaRPr lang="tr-TR" dirty="0"/>
-          </a:p>
-          <a:p>
-            <a:endParaRPr lang="tr-TR" dirty="0"/>
+              <a:t>BIOS: temel </a:t>
+            </a:r>
+            <a:r>
+              <a:rPr lang="tr-TR" dirty="0"/>
+              <a:t>giriş/çıkış </a:t>
+            </a:r>
+            <a:r>
+              <a:rPr lang="tr-TR" dirty="0" smtClean="0"/>
+              <a:t>sistemi</a:t>
+            </a:r>
+          </a:p>
+          <a:p>
+            <a:r>
+              <a:rPr lang="tr-TR" dirty="0" smtClean="0"/>
+              <a:t>Ana kartta yer alır, </a:t>
+            </a:r>
+            <a:r>
+              <a:rPr lang="tr-TR" dirty="0"/>
+              <a:t>düşük seviye </a:t>
+            </a:r>
+            <a:r>
+              <a:rPr lang="tr-TR" dirty="0" smtClean="0"/>
+              <a:t>G/Ç yazılımı</a:t>
+            </a:r>
+          </a:p>
+          <a:p>
+            <a:r>
+              <a:rPr lang="tr-TR" dirty="0" smtClean="0"/>
+              <a:t>Bellek, </a:t>
+            </a:r>
+            <a:r>
+              <a:rPr lang="tr-TR" dirty="0"/>
+              <a:t>klavye ve diğer temel cihazları kontrol </a:t>
+            </a:r>
+            <a:r>
+              <a:rPr lang="tr-TR" dirty="0" smtClean="0"/>
+              <a:t>eder</a:t>
+            </a:r>
+          </a:p>
+          <a:p>
+            <a:r>
+              <a:rPr lang="tr-TR" dirty="0" smtClean="0"/>
+              <a:t>Önyükleme </a:t>
+            </a:r>
+            <a:r>
+              <a:rPr lang="tr-TR" dirty="0"/>
+              <a:t>aygıtını </a:t>
+            </a:r>
+            <a:r>
+              <a:rPr lang="tr-TR" dirty="0" smtClean="0"/>
+              <a:t>belirler (disket</a:t>
+            </a:r>
+            <a:r>
+              <a:rPr lang="tr-TR" dirty="0"/>
+              <a:t>, CD-ROM, </a:t>
+            </a:r>
+            <a:r>
+              <a:rPr lang="tr-TR" dirty="0" smtClean="0"/>
+              <a:t>disk)</a:t>
+            </a:r>
+          </a:p>
+          <a:p>
+            <a:r>
+              <a:rPr lang="tr-TR" dirty="0" smtClean="0"/>
+              <a:t>Önyükleme </a:t>
+            </a:r>
+            <a:r>
+              <a:rPr lang="tr-TR" dirty="0"/>
+              <a:t>aygıtının ilk sektörü belleğe </a:t>
+            </a:r>
+            <a:r>
+              <a:rPr lang="tr-TR" dirty="0" smtClean="0"/>
+              <a:t>okunur</a:t>
+            </a:r>
+          </a:p>
+          <a:p>
+            <a:r>
+              <a:rPr lang="tr-TR" dirty="0" smtClean="0"/>
+              <a:t>Sektör</a:t>
+            </a:r>
+            <a:r>
+              <a:rPr lang="tr-TR" dirty="0"/>
+              <a:t>, hangi bölümün aktif olduğunu kontrol etmek için program </a:t>
+            </a:r>
+            <a:r>
+              <a:rPr lang="tr-TR" dirty="0" smtClean="0"/>
+              <a:t>içerir</a:t>
+            </a:r>
+          </a:p>
+          <a:p>
+            <a:r>
+              <a:rPr lang="tr-TR" dirty="0" smtClean="0"/>
+              <a:t>Ardından</a:t>
+            </a:r>
+            <a:r>
+              <a:rPr lang="tr-TR" dirty="0"/>
+              <a:t>, ikincil bir önyükleyici belleğe </a:t>
+            </a:r>
+            <a:r>
+              <a:rPr lang="tr-TR" dirty="0" smtClean="0"/>
+              <a:t>okunur</a:t>
+            </a:r>
+          </a:p>
+          <a:p>
+            <a:r>
+              <a:rPr lang="tr-TR" dirty="0"/>
+              <a:t>İ</a:t>
+            </a:r>
+            <a:r>
+              <a:rPr lang="tr-TR" dirty="0" smtClean="0"/>
+              <a:t>şletim sistemi </a:t>
+            </a:r>
+            <a:r>
+              <a:rPr lang="tr-TR" dirty="0"/>
+              <a:t>aktif bölümden </a:t>
+            </a:r>
+            <a:r>
+              <a:rPr lang="tr-TR" dirty="0" smtClean="0"/>
+              <a:t>okunur</a:t>
+            </a:r>
+            <a:r>
+              <a:rPr lang="tr-TR" dirty="0"/>
+              <a:t>.</a:t>
+            </a:r>
           </a:p>
           <a:p>
             <a:endParaRPr lang="tr-TR" dirty="0"/>
@@ -10401,7 +10344,7 @@
     </p:spTree>
     <p:extLst>
       <p:ext uri="{BB962C8B-B14F-4D97-AF65-F5344CB8AC3E}">
-        <p14:creationId xmlns:p14="http://schemas.microsoft.com/office/powerpoint/2010/main" val="4254770606"/>
+        <p14:creationId xmlns:p14="http://schemas.microsoft.com/office/powerpoint/2010/main" val="503499729"/>
       </p:ext>
     </p:extLst>
   </p:cSld>
@@ -10451,20 +10394,8 @@
           <a:lstStyle/>
           <a:p>
             <a:r>
-              <a:rPr lang="tr-TR" dirty="0"/>
-              <a:t>Anabilgisayar (</a:t>
-            </a:r>
-            <a:r>
-              <a:rPr lang="tr-TR" dirty="0" err="1"/>
-              <a:t>mainframe</a:t>
-            </a:r>
-            <a:r>
-              <a:rPr lang="tr-TR" dirty="0" smtClean="0"/>
-              <a:t>) İşletim </a:t>
-            </a:r>
-            <a:r>
-              <a:rPr lang="tr-TR" dirty="0" smtClean="0"/>
-              <a:t>Sistemi</a:t>
+              <a:rPr lang="tr-TR" dirty="0" smtClean="0"/>
+              <a:t>İşletim Sistemi Çeşitleri</a:t>
             </a:r>
             <a:endParaRPr lang="tr-TR" dirty="0"/>
           </a:p>
@@ -10494,82 +10425,139 @@
           <a:p>
             <a:r>
               <a:rPr lang="tr-TR" dirty="0" smtClean="0"/>
-              <a:t>Büyük </a:t>
-            </a:r>
-            <a:r>
-              <a:rPr lang="tr-TR" dirty="0"/>
-              <a:t>ve karmaşık bilgisayar sistemleri için tasarlanmıştır.</a:t>
-            </a:r>
-          </a:p>
-          <a:p>
-            <a:r>
-              <a:rPr lang="tr-TR" dirty="0" smtClean="0"/>
-              <a:t>Çoklu </a:t>
-            </a:r>
-            <a:r>
-              <a:rPr lang="tr-TR" dirty="0"/>
-              <a:t>kullanıcı ve çoklu işlem desteği sunar.</a:t>
-            </a:r>
-          </a:p>
-          <a:p>
-            <a:r>
-              <a:rPr lang="tr-TR" dirty="0" smtClean="0"/>
-              <a:t>Yüksek </a:t>
-            </a:r>
-            <a:r>
-              <a:rPr lang="tr-TR" dirty="0"/>
-              <a:t>performans, yüksek güvenilirlik ve yüksek kullanılabilirlik için tasarlanmıştır.</a:t>
-            </a:r>
-          </a:p>
-          <a:p>
-            <a:r>
-              <a:rPr lang="tr-TR" dirty="0" smtClean="0"/>
-              <a:t>Büyük </a:t>
-            </a:r>
-            <a:r>
-              <a:rPr lang="tr-TR" dirty="0"/>
-              <a:t>veri setleri ve yüksek trafikli işlemler için kullanılır.</a:t>
-            </a:r>
-          </a:p>
-          <a:p>
-            <a:r>
-              <a:rPr lang="tr-TR" dirty="0" smtClean="0"/>
-              <a:t>Endüstriyel </a:t>
-            </a:r>
-            <a:r>
-              <a:rPr lang="tr-TR" dirty="0"/>
-              <a:t>ve kurumsal uygulamalar için kullanılır.</a:t>
-            </a:r>
-          </a:p>
-          <a:p>
-            <a:r>
-              <a:rPr lang="tr-TR" dirty="0" smtClean="0"/>
-              <a:t>IBM </a:t>
-            </a:r>
-            <a:r>
-              <a:rPr lang="tr-TR" dirty="0"/>
-              <a:t>z/OS, </a:t>
-            </a:r>
-            <a:r>
-              <a:rPr lang="tr-TR" dirty="0" err="1"/>
-              <a:t>Unisys</a:t>
-            </a:r>
-            <a:r>
-              <a:rPr lang="tr-TR" dirty="0"/>
-              <a:t> MCP, </a:t>
-            </a:r>
-            <a:r>
-              <a:rPr lang="tr-TR" dirty="0" err="1"/>
-              <a:t>Fujitsu</a:t>
-            </a:r>
-            <a:r>
-              <a:rPr lang="tr-TR" dirty="0"/>
-              <a:t> BS2000/OSD </a:t>
-            </a:r>
-            <a:r>
-              <a:rPr lang="tr-TR" dirty="0" smtClean="0"/>
-              <a:t>...</a:t>
-            </a:r>
+              <a:t>Anabilgisayar </a:t>
+            </a:r>
+            <a:r>
+              <a:rPr lang="tr-TR" dirty="0" smtClean="0"/>
+              <a:t>(</a:t>
+            </a:r>
+            <a:r>
+              <a:rPr lang="tr-TR" dirty="0" err="1" smtClean="0"/>
+              <a:t>mainframe</a:t>
+            </a:r>
+            <a:r>
+              <a:rPr lang="tr-TR" dirty="0" smtClean="0"/>
+              <a:t>)</a:t>
+            </a:r>
+          </a:p>
+          <a:p>
+            <a:r>
+              <a:rPr lang="tr-TR" dirty="0" smtClean="0"/>
+              <a:t>Sunucu (server)</a:t>
+            </a:r>
+          </a:p>
+          <a:p>
+            <a:r>
+              <a:rPr lang="tr-TR" dirty="0" smtClean="0"/>
+              <a:t>Çoklu işlemci </a:t>
+            </a:r>
+            <a:r>
+              <a:rPr lang="tr-TR" dirty="0" smtClean="0"/>
+              <a:t>(</a:t>
+            </a:r>
+            <a:r>
+              <a:rPr lang="tr-TR" dirty="0" err="1" smtClean="0"/>
+              <a:t>multiprocessor</a:t>
+            </a:r>
+            <a:r>
+              <a:rPr lang="tr-TR" dirty="0" smtClean="0"/>
+              <a:t>)</a:t>
+            </a:r>
+          </a:p>
+          <a:p>
+            <a:r>
+              <a:rPr lang="tr-TR" dirty="0" smtClean="0"/>
+              <a:t>Kişisel (</a:t>
+            </a:r>
+            <a:r>
+              <a:rPr lang="tr-TR" dirty="0" err="1" smtClean="0"/>
+              <a:t>personal</a:t>
+            </a:r>
+            <a:r>
+              <a:rPr lang="tr-TR" dirty="0" smtClean="0"/>
+              <a:t>)</a:t>
+            </a:r>
+          </a:p>
+          <a:p>
+            <a:r>
+              <a:rPr lang="tr-TR" dirty="0" smtClean="0"/>
+              <a:t>Mobil (</a:t>
+            </a:r>
+            <a:r>
+              <a:rPr lang="tr-TR" dirty="0" err="1" smtClean="0"/>
+              <a:t>handheld</a:t>
+            </a:r>
+            <a:r>
+              <a:rPr lang="tr-TR" dirty="0" smtClean="0"/>
+              <a:t>)</a:t>
+            </a:r>
+          </a:p>
+          <a:p>
+            <a:r>
+              <a:rPr lang="tr-TR" dirty="0" smtClean="0"/>
+              <a:t>Gömülü (</a:t>
+            </a:r>
+            <a:r>
+              <a:rPr lang="tr-TR" dirty="0" err="1" smtClean="0"/>
+              <a:t>embedded</a:t>
+            </a:r>
+            <a:r>
+              <a:rPr lang="tr-TR" dirty="0" smtClean="0"/>
+              <a:t>)</a:t>
+            </a:r>
+          </a:p>
+          <a:p>
+            <a:r>
+              <a:rPr lang="tr-TR" dirty="0" smtClean="0"/>
+              <a:t>Algılayıcı düğüm (sensor </a:t>
+            </a:r>
+            <a:r>
+              <a:rPr lang="tr-TR" dirty="0" err="1" smtClean="0"/>
+              <a:t>node</a:t>
+            </a:r>
+            <a:r>
+              <a:rPr lang="tr-TR" dirty="0" smtClean="0"/>
+              <a:t>)</a:t>
+            </a:r>
+          </a:p>
+          <a:p>
+            <a:r>
+              <a:rPr lang="tr-TR" dirty="0" smtClean="0"/>
+              <a:t>Gerçek zamanlı (</a:t>
+            </a:r>
+            <a:r>
+              <a:rPr lang="tr-TR" dirty="0" err="1" smtClean="0"/>
+              <a:t>real</a:t>
+            </a:r>
+            <a:r>
+              <a:rPr lang="tr-TR" dirty="0" smtClean="0"/>
+              <a:t>-time)</a:t>
+            </a:r>
+          </a:p>
+          <a:p>
+            <a:r>
+              <a:rPr lang="tr-TR" dirty="0" smtClean="0"/>
+              <a:t>Akıllı kart (</a:t>
+            </a:r>
+            <a:r>
+              <a:rPr lang="tr-TR" dirty="0" err="1" smtClean="0"/>
+              <a:t>smart</a:t>
+            </a:r>
+            <a:r>
+              <a:rPr lang="tr-TR" dirty="0" smtClean="0"/>
+              <a:t> </a:t>
+            </a:r>
+            <a:r>
+              <a:rPr lang="tr-TR" dirty="0" err="1" smtClean="0"/>
+              <a:t>card</a:t>
+            </a:r>
+            <a:r>
+              <a:rPr lang="tr-TR" dirty="0" smtClean="0"/>
+              <a:t>)</a:t>
+            </a:r>
+            <a:endParaRPr lang="tr-TR" dirty="0"/>
+          </a:p>
+          <a:p>
             <a:endParaRPr lang="tr-TR" dirty="0"/>
           </a:p>
           <a:p>
@@ -10583,7 +10571,7 @@
     </p:spTree>
     <p:extLst>
       <p:ext uri="{BB962C8B-B14F-4D97-AF65-F5344CB8AC3E}">
-        <p14:creationId xmlns:p14="http://schemas.microsoft.com/office/powerpoint/2010/main" val="685812579"/>
+        <p14:creationId xmlns:p14="http://schemas.microsoft.com/office/powerpoint/2010/main" val="4254770606"/>
       </p:ext>
     </p:extLst>
   </p:cSld>
@@ -10634,7 +10622,11 @@
           <a:p>
             <a:r>
               <a:rPr lang="tr-TR" dirty="0"/>
-              <a:t>Sunucu (server</a:t>
+              <a:t>Anabilgisayar (</a:t>
+            </a:r>
+            <a:r>
+              <a:rPr lang="tr-TR" dirty="0" err="1"/>
+              <a:t>mainframe</a:t>
             </a:r>
             <a:r>
               <a:rPr lang="tr-TR" dirty="0" smtClean="0"/>
@@ -10672,48 +10664,77 @@
           <a:p>
             <a:r>
               <a:rPr lang="tr-TR" dirty="0" smtClean="0"/>
+              <a:t>Büyük </a:t>
+            </a:r>
+            <a:r>
+              <a:rPr lang="tr-TR" dirty="0"/>
+              <a:t>ve karmaşık bilgisayar sistemleri için tasarlanmıştır.</a:t>
+            </a:r>
+          </a:p>
+          <a:p>
+            <a:r>
+              <a:rPr lang="tr-TR" dirty="0" smtClean="0"/>
               <a:t>Çoklu </a:t>
             </a:r>
             <a:r>
               <a:rPr lang="tr-TR" dirty="0"/>
-              <a:t>kullanıcı, çoklu işlem ve yüksek kullanılabilirlik için optimize edilmiştir.</a:t>
-            </a:r>
-          </a:p>
-          <a:p>
-            <a:r>
-              <a:rPr lang="tr-TR" dirty="0" smtClean="0"/>
-              <a:t>Sunucu </a:t>
-            </a:r>
-            <a:r>
-              <a:rPr lang="tr-TR" dirty="0"/>
-              <a:t>cihazlarında veri depolama, dosya paylaşımı, veritabanı işlemleri, web sunucusu hizmetleri ve diğer hizmetleri sağlar.</a:t>
-            </a:r>
-          </a:p>
-          <a:p>
-            <a:r>
-              <a:rPr lang="tr-TR" dirty="0" smtClean="0"/>
-              <a:t>Sunucu </a:t>
-            </a:r>
-            <a:r>
-              <a:rPr lang="tr-TR" dirty="0"/>
-              <a:t>işletim sistemleri, kurumsal ve endüstriyel ortamlarda yaygın olarak kullanılır.</a:t>
-            </a:r>
-          </a:p>
-          <a:p>
-            <a:r>
-              <a:rPr lang="tr-TR" dirty="0" smtClean="0"/>
-              <a:t>Kuruluşların </a:t>
-            </a:r>
-            <a:r>
-              <a:rPr lang="tr-TR" dirty="0"/>
-              <a:t>veri merkezleri, bulut bilişim ve diğer hizmetleri sağlamak için kullanılır.</a:t>
-            </a:r>
-            <a:endParaRPr lang="tr-TR" dirty="0"/>
-          </a:p>
-          <a:p>
-            <a:r>
-              <a:rPr lang="tr-TR" dirty="0"/>
-              <a:t>Windows Server, Linux, UNIX </a:t>
+              <a:t>kullanıcı ve çoklu işlem desteği sunar.</a:t>
+            </a:r>
+          </a:p>
+          <a:p>
+            <a:r>
+              <a:rPr lang="tr-TR" dirty="0" smtClean="0"/>
+              <a:t>Yüksek </a:t>
+            </a:r>
+            <a:r>
+              <a:rPr lang="tr-TR" dirty="0"/>
+              <a:t>performans, yüksek güvenilirlik ve yüksek kullanılabilirlik için tasarlanmıştır.</a:t>
+            </a:r>
+          </a:p>
+          <a:p>
+            <a:r>
+              <a:rPr lang="tr-TR" dirty="0" smtClean="0"/>
+              <a:t>Büyük </a:t>
+            </a:r>
+            <a:r>
+              <a:rPr lang="tr-TR" dirty="0"/>
+              <a:t>veri setleri ve yüksek trafikli işlemler için kullanılır.</a:t>
+            </a:r>
+          </a:p>
+          <a:p>
+            <a:r>
+              <a:rPr lang="tr-TR" dirty="0" smtClean="0"/>
+              <a:t>Endüstriyel </a:t>
+            </a:r>
+            <a:r>
+              <a:rPr lang="tr-TR" dirty="0"/>
+              <a:t>ve kurumsal uygulamalar için kullanılır.</a:t>
+            </a:r>
+          </a:p>
+          <a:p>
+            <a:r>
+              <a:rPr lang="tr-TR" dirty="0" smtClean="0"/>
+              <a:t>IBM </a:t>
+            </a:r>
+            <a:r>
+              <a:rPr lang="tr-TR" dirty="0"/>
+              <a:t>z/OS, </a:t>
+            </a:r>
+            <a:r>
+              <a:rPr lang="tr-TR" dirty="0" err="1"/>
+              <a:t>Unisys</a:t>
+            </a:r>
+            <a:r>
+              <a:rPr lang="tr-TR" dirty="0"/>
+              <a:t> MCP, </a:t>
+            </a:r>
+            <a:r>
+              <a:rPr lang="tr-TR" dirty="0" err="1"/>
+              <a:t>Fujitsu</a:t>
+            </a:r>
+            <a:r>
+              <a:rPr lang="tr-TR" dirty="0"/>
+              <a:t> BS2000/OSD </a:t>
             </a:r>
             <a:r>
               <a:rPr lang="tr-TR" dirty="0" smtClean="0"/>
@@ -10732,7 +10753,7 @@
     </p:spTree>
     <p:extLst>
       <p:ext uri="{BB962C8B-B14F-4D97-AF65-F5344CB8AC3E}">
-        <p14:creationId xmlns:p14="http://schemas.microsoft.com/office/powerpoint/2010/main" val="1925710848"/>
+        <p14:creationId xmlns:p14="http://schemas.microsoft.com/office/powerpoint/2010/main" val="685812579"/>
       </p:ext>
     </p:extLst>
   </p:cSld>
@@ -10782,16 +10803,8 @@
           <a:lstStyle/>
           <a:p>
             <a:r>
-              <a:rPr lang="tr-TR" dirty="0" smtClean="0"/>
-              <a:t>Çoklu işlemci </a:t>
-            </a:r>
-            <a:r>
-              <a:rPr lang="tr-TR" dirty="0"/>
-              <a:t>(</a:t>
-            </a:r>
-            <a:r>
-              <a:rPr lang="tr-TR" dirty="0" err="1" smtClean="0"/>
-              <a:t>multiprocessor</a:t>
+              <a:rPr lang="tr-TR" dirty="0"/>
+              <a:t>Sunucu (server</a:t>
             </a:r>
             <a:r>
               <a:rPr lang="tr-TR" dirty="0" smtClean="0"/>
@@ -10829,31 +10842,48 @@
           <a:p>
             <a:r>
               <a:rPr lang="tr-TR" dirty="0" smtClean="0"/>
-              <a:t>Birden </a:t>
-            </a:r>
-            <a:r>
-              <a:rPr lang="tr-TR" dirty="0"/>
-              <a:t>fazla işlemciye sahip bilgisayarlarda paralel işlemleri gerçekleştirmek için kullanılır.</a:t>
-            </a:r>
-          </a:p>
-          <a:p>
-            <a:r>
-              <a:rPr lang="tr-TR" dirty="0" smtClean="0"/>
-              <a:t>İşlemlerin </a:t>
-            </a:r>
-            <a:r>
-              <a:rPr lang="tr-TR" dirty="0"/>
-              <a:t>işlemci üzerinde aynı anda çalışmasını sağlar ve bu sayede işlemlerin hızını arttırır.</a:t>
-            </a:r>
-          </a:p>
-          <a:p>
-            <a:r>
-              <a:rPr lang="tr-TR" dirty="0" smtClean="0"/>
-              <a:t>Linux</a:t>
-            </a:r>
-            <a:r>
-              <a:rPr lang="tr-TR" dirty="0"/>
-              <a:t>, UNIX, Windows </a:t>
+              <a:t>Çoklu </a:t>
+            </a:r>
+            <a:r>
+              <a:rPr lang="tr-TR" dirty="0"/>
+              <a:t>kullanıcı, çoklu işlem ve yüksek kullanılabilirlik için optimize edilmiştir.</a:t>
+            </a:r>
+          </a:p>
+          <a:p>
+            <a:r>
+              <a:rPr lang="tr-TR" dirty="0" smtClean="0"/>
+              <a:t>Sunucu </a:t>
+            </a:r>
+            <a:r>
+              <a:rPr lang="tr-TR" dirty="0"/>
+              <a:t>cihazlarında veri depolama, dosya paylaşımı, veritabanı işlemleri, web sunucusu hizmetleri ve diğer hizmetleri sağlar.</a:t>
+            </a:r>
+          </a:p>
+          <a:p>
+            <a:r>
+              <a:rPr lang="tr-TR" dirty="0" smtClean="0"/>
+              <a:t>Sunucu </a:t>
+            </a:r>
+            <a:r>
+              <a:rPr lang="tr-TR" dirty="0"/>
+              <a:t>işletim sistemleri, kurumsal ve endüstriyel ortamlarda yaygın olarak kullanılır.</a:t>
+            </a:r>
+          </a:p>
+          <a:p>
+            <a:r>
+              <a:rPr lang="tr-TR" dirty="0" smtClean="0"/>
+              <a:t>Kuruluşların </a:t>
+            </a:r>
+            <a:r>
+              <a:rPr lang="tr-TR" dirty="0"/>
+              <a:t>veri merkezleri, bulut bilişim ve diğer hizmetleri sağlamak için kullanılır.</a:t>
+            </a:r>
+            <a:endParaRPr lang="tr-TR" dirty="0"/>
+          </a:p>
+          <a:p>
+            <a:r>
+              <a:rPr lang="tr-TR" dirty="0"/>
+              <a:t>Windows Server, Linux, UNIX </a:t>
             </a:r>
             <a:r>
               <a:rPr lang="tr-TR" dirty="0" smtClean="0"/>
@@ -10872,7 +10902,7 @@
     </p:spTree>
     <p:extLst>
       <p:ext uri="{BB962C8B-B14F-4D97-AF65-F5344CB8AC3E}">
-        <p14:creationId xmlns:p14="http://schemas.microsoft.com/office/powerpoint/2010/main" val="77457783"/>
+        <p14:creationId xmlns:p14="http://schemas.microsoft.com/office/powerpoint/2010/main" val="1925710848"/>
       </p:ext>
     </p:extLst>
   </p:cSld>
@@ -11080,12 +11110,16 @@
           <a:lstStyle/>
           <a:p>
             <a:r>
-              <a:rPr lang="tr-TR" dirty="0"/>
-              <a:t>Kişisel (</a:t>
+              <a:rPr lang="tr-TR" dirty="0" smtClean="0"/>
+              <a:t>Çoklu işlemci </a:t>
+            </a:r>
+            <a:r>
+              <a:rPr lang="tr-TR" dirty="0"/>
+              <a:t>(</a:t>
             </a:r>
             <a:r>
               <a:rPr lang="tr-TR" dirty="0" err="1" smtClean="0"/>
-              <a:t>personal</a:t>
+              <a:t>multiprocessor</a:t>
             </a:r>
             <a:r>
               <a:rPr lang="tr-TR" dirty="0" smtClean="0"/>
@@ -11123,72 +11157,37 @@
           <a:p>
             <a:r>
               <a:rPr lang="tr-TR" dirty="0" smtClean="0"/>
-              <a:t>Ev </a:t>
-            </a:r>
-            <a:r>
-              <a:rPr lang="tr-TR" dirty="0"/>
-              <a:t>kullanıcıları, öğrenciler ve küçük işletmeler </a:t>
-            </a:r>
-            <a:r>
-              <a:rPr lang="tr-TR" dirty="0" smtClean="0"/>
-              <a:t>için </a:t>
-            </a:r>
-            <a:r>
-              <a:rPr lang="tr-TR" dirty="0"/>
-              <a:t>tasarlanmıştır.</a:t>
-            </a:r>
-          </a:p>
-          <a:p>
-            <a:r>
-              <a:rPr lang="tr-TR" dirty="0" smtClean="0"/>
-              <a:t>Kullanıcıların çeşitli </a:t>
-            </a:r>
-            <a:r>
-              <a:rPr lang="tr-TR" dirty="0"/>
-              <a:t>uygulamaları ve yazılımları yüklemek, internette gezinmek ve dosyaları yönetmek gibi işlemleri gerçekleştirmek için kullanılır. </a:t>
-            </a:r>
-            <a:endParaRPr lang="tr-TR" dirty="0" smtClean="0"/>
-          </a:p>
-          <a:p>
-            <a:r>
-              <a:rPr lang="tr-TR" dirty="0" smtClean="0"/>
-              <a:t>Kullanıcı </a:t>
-            </a:r>
-            <a:r>
-              <a:rPr lang="tr-TR" dirty="0"/>
-              <a:t>dostu </a:t>
-            </a:r>
-            <a:r>
-              <a:rPr lang="tr-TR" dirty="0" err="1" smtClean="0"/>
-              <a:t>arayüzler</a:t>
-            </a:r>
-            <a:r>
-              <a:rPr lang="tr-TR" dirty="0" smtClean="0"/>
-              <a:t> </a:t>
-            </a:r>
-            <a:r>
-              <a:rPr lang="tr-TR" dirty="0"/>
-              <a:t>ve kolay kullanımı </a:t>
-            </a:r>
-            <a:r>
-              <a:rPr lang="tr-TR" dirty="0" smtClean="0"/>
-              <a:t>sunar.</a:t>
-            </a:r>
-            <a:endParaRPr lang="tr-TR" dirty="0"/>
-          </a:p>
-          <a:p>
-            <a:r>
-              <a:rPr lang="tr-TR" dirty="0"/>
-              <a:t>Windows, </a:t>
-            </a:r>
-            <a:r>
-              <a:rPr lang="tr-TR" dirty="0" err="1"/>
-              <a:t>MacOS</a:t>
-            </a:r>
-            <a:r>
-              <a:rPr lang="tr-TR" dirty="0"/>
-              <a:t>, Linux ...</a:t>
-            </a:r>
+              <a:t>Birden </a:t>
+            </a:r>
+            <a:r>
+              <a:rPr lang="tr-TR" dirty="0"/>
+              <a:t>fazla işlemciye sahip bilgisayarlarda paralel işlemleri gerçekleştirmek için kullanılır.</a:t>
+            </a:r>
+          </a:p>
+          <a:p>
+            <a:r>
+              <a:rPr lang="tr-TR" dirty="0" smtClean="0"/>
+              <a:t>İşlemlerin </a:t>
+            </a:r>
+            <a:r>
+              <a:rPr lang="tr-TR" dirty="0"/>
+              <a:t>işlemci üzerinde aynı anda çalışmasını sağlar ve bu sayede işlemlerin hızını arttırır.</a:t>
+            </a:r>
+          </a:p>
+          <a:p>
+            <a:r>
+              <a:rPr lang="tr-TR" dirty="0" smtClean="0"/>
+              <a:t>Linux</a:t>
+            </a:r>
+            <a:r>
+              <a:rPr lang="tr-TR" dirty="0"/>
+              <a:t>, UNIX, Windows </a:t>
+            </a:r>
+            <a:r>
+              <a:rPr lang="tr-TR" dirty="0" smtClean="0"/>
+              <a:t>...</a:t>
+            </a:r>
+            <a:endParaRPr lang="tr-TR" dirty="0"/>
           </a:p>
           <a:p>
             <a:endParaRPr lang="tr-TR" dirty="0"/>
@@ -11201,7 +11200,7 @@
     </p:spTree>
     <p:extLst>
       <p:ext uri="{BB962C8B-B14F-4D97-AF65-F5344CB8AC3E}">
-        <p14:creationId xmlns:p14="http://schemas.microsoft.com/office/powerpoint/2010/main" val="224721210"/>
+        <p14:creationId xmlns:p14="http://schemas.microsoft.com/office/powerpoint/2010/main" val="77457783"/>
       </p:ext>
     </p:extLst>
   </p:cSld>
@@ -11252,11 +11251,11 @@
           <a:p>
             <a:r>
               <a:rPr lang="tr-TR" dirty="0"/>
-              <a:t>Mobil (</a:t>
+              <a:t>Kişisel (</a:t>
             </a:r>
             <a:r>
               <a:rPr lang="tr-TR" dirty="0" err="1" smtClean="0"/>
-              <a:t>handheld</a:t>
+              <a:t>personal</a:t>
             </a:r>
             <a:r>
               <a:rPr lang="tr-TR" dirty="0" smtClean="0"/>
@@ -11294,74 +11293,72 @@
           <a:p>
             <a:r>
               <a:rPr lang="tr-TR" dirty="0" smtClean="0"/>
-              <a:t>Gömülü </a:t>
-            </a:r>
-            <a:r>
-              <a:rPr lang="tr-TR" dirty="0" smtClean="0"/>
-              <a:t>(</a:t>
+              <a:t>Ev </a:t>
+            </a:r>
+            <a:r>
+              <a:rPr lang="tr-TR" dirty="0"/>
+              <a:t>kullanıcıları, öğrenciler ve küçük işletmeler </a:t>
+            </a:r>
+            <a:r>
+              <a:rPr lang="tr-TR" dirty="0" smtClean="0"/>
+              <a:t>için </a:t>
+            </a:r>
+            <a:r>
+              <a:rPr lang="tr-TR" dirty="0"/>
+              <a:t>tasarlanmıştır.</a:t>
+            </a:r>
+          </a:p>
+          <a:p>
+            <a:r>
+              <a:rPr lang="tr-TR" dirty="0" smtClean="0"/>
+              <a:t>Kullanıcıların çeşitli </a:t>
+            </a:r>
+            <a:r>
+              <a:rPr lang="tr-TR" dirty="0"/>
+              <a:t>uygulamaları ve yazılımları yüklemek, internette gezinmek ve dosyaları yönetmek gibi işlemleri gerçekleştirmek için kullanılır. </a:t>
+            </a:r>
+            <a:endParaRPr lang="tr-TR" dirty="0" smtClean="0"/>
+          </a:p>
+          <a:p>
+            <a:r>
+              <a:rPr lang="tr-TR" dirty="0" smtClean="0"/>
+              <a:t>Kullanıcı </a:t>
+            </a:r>
+            <a:r>
+              <a:rPr lang="tr-TR" dirty="0"/>
+              <a:t>dostu </a:t>
             </a:r>
             <a:r>
               <a:rPr lang="tr-TR" dirty="0" err="1" smtClean="0"/>
-              <a:t>embedded</a:t>
-            </a:r>
-            <a:r>
-              <a:rPr lang="tr-TR" dirty="0" smtClean="0"/>
-              <a:t>)</a:t>
-            </a:r>
-          </a:p>
-          <a:p>
-            <a:r>
-              <a:rPr lang="tr-TR" dirty="0" smtClean="0"/>
-              <a:t>Algılayıcı düğüm (sensor </a:t>
-            </a:r>
-            <a:r>
-              <a:rPr lang="tr-TR" dirty="0" err="1" smtClean="0"/>
-              <a:t>node</a:t>
-            </a:r>
-            <a:r>
-              <a:rPr lang="tr-TR" dirty="0" smtClean="0"/>
-              <a:t>)</a:t>
-            </a:r>
-          </a:p>
-          <a:p>
-            <a:r>
-              <a:rPr lang="tr-TR" dirty="0" smtClean="0"/>
-              <a:t>Gerçek zamanlı (</a:t>
-            </a:r>
-            <a:r>
-              <a:rPr lang="tr-TR" dirty="0" err="1" smtClean="0"/>
-              <a:t>real</a:t>
-            </a:r>
-            <a:r>
-              <a:rPr lang="tr-TR" dirty="0" smtClean="0"/>
-              <a:t>-time)</a:t>
-            </a:r>
-          </a:p>
-          <a:p>
-            <a:r>
-              <a:rPr lang="tr-TR" dirty="0" smtClean="0"/>
-              <a:t>Akıllı kart (</a:t>
-            </a:r>
-            <a:r>
-              <a:rPr lang="tr-TR" dirty="0" err="1" smtClean="0"/>
-              <a:t>smart</a:t>
+              <a:t>arayüzler</a:t>
             </a:r>
             <a:r>
               <a:rPr lang="tr-TR" dirty="0" smtClean="0"/>
               <a:t> </a:t>
             </a:r>
             <a:r>
-              <a:rPr lang="tr-TR" dirty="0" err="1" smtClean="0"/>
-              <a:t>card</a:t>
-            </a:r>
-            <a:r>
-              <a:rPr lang="tr-TR" dirty="0" smtClean="0"/>
-              <a:t>)</a:t>
-            </a:r>
-            <a:endParaRPr lang="tr-TR" dirty="0"/>
-          </a:p>
-          <a:p>
-            <a:endParaRPr lang="tr-TR" dirty="0"/>
+              <a:rPr lang="tr-TR" dirty="0"/>
+              <a:t>ve kolay kullanımı </a:t>
+            </a:r>
+            <a:r>
+              <a:rPr lang="tr-TR" dirty="0" smtClean="0"/>
+              <a:t>sunar.</a:t>
+            </a:r>
+            <a:endParaRPr lang="tr-TR" dirty="0"/>
+          </a:p>
+          <a:p>
+            <a:r>
+              <a:rPr lang="tr-TR" dirty="0"/>
+              <a:t>Windows, </a:t>
+            </a:r>
+            <a:r>
+              <a:rPr lang="tr-TR" dirty="0" err="1"/>
+              <a:t>MacOS</a:t>
+            </a:r>
+            <a:r>
+              <a:rPr lang="tr-TR" dirty="0"/>
+              <a:t>, Linux ...</a:t>
+            </a:r>
           </a:p>
           <a:p>
             <a:endParaRPr lang="tr-TR" dirty="0"/>
@@ -11374,7 +11371,7 @@
     </p:spTree>
     <p:extLst>
       <p:ext uri="{BB962C8B-B14F-4D97-AF65-F5344CB8AC3E}">
-        <p14:creationId xmlns:p14="http://schemas.microsoft.com/office/powerpoint/2010/main" val="1111462748"/>
+        <p14:creationId xmlns:p14="http://schemas.microsoft.com/office/powerpoint/2010/main" val="224721210"/>
       </p:ext>
     </p:extLst>
   </p:cSld>
@@ -11425,11 +11422,11 @@
           <a:p>
             <a:r>
               <a:rPr lang="tr-TR" dirty="0"/>
-              <a:t>Gömülü (</a:t>
+              <a:t>Mobil (</a:t>
             </a:r>
             <a:r>
               <a:rPr lang="tr-TR" dirty="0" err="1" smtClean="0"/>
-              <a:t>embedded</a:t>
+              <a:t>handheld</a:t>
             </a:r>
             <a:r>
               <a:rPr lang="tr-TR" dirty="0" smtClean="0"/>
@@ -11467,60 +11464,69 @@
           <a:p>
             <a:r>
               <a:rPr lang="tr-TR" dirty="0" smtClean="0"/>
-              <a:t>Algılayıcı </a:t>
-            </a:r>
-            <a:r>
-              <a:rPr lang="tr-TR" dirty="0" smtClean="0"/>
-              <a:t>düğüm (sensor </a:t>
-            </a:r>
+              <a:t>Taşınabilir </a:t>
+            </a:r>
+            <a:r>
+              <a:rPr lang="tr-TR" dirty="0"/>
+              <a:t>cihazlar için tasarlanmıştır</a:t>
+            </a:r>
+            <a:r>
+              <a:rPr lang="tr-TR" dirty="0" smtClean="0"/>
+              <a:t>. (akıllı </a:t>
+            </a:r>
+            <a:r>
+              <a:rPr lang="tr-TR" dirty="0"/>
+              <a:t>telefonlar, </a:t>
+            </a:r>
+            <a:r>
+              <a:rPr lang="tr-TR" dirty="0" smtClean="0"/>
+              <a:t>tabletler)</a:t>
+            </a:r>
+            <a:endParaRPr lang="tr-TR" dirty="0"/>
+          </a:p>
+          <a:p>
+            <a:r>
+              <a:rPr lang="tr-TR" dirty="0" smtClean="0"/>
+              <a:t>İnternet </a:t>
+            </a:r>
+            <a:r>
+              <a:rPr lang="tr-TR" dirty="0"/>
+              <a:t>erişimi, e-posta, sosyal medya, </a:t>
+            </a:r>
+            <a:r>
+              <a:rPr lang="tr-TR" dirty="0" err="1"/>
+              <a:t>navigasyon</a:t>
+            </a:r>
+            <a:r>
+              <a:rPr lang="tr-TR" dirty="0"/>
+              <a:t>, müzik ve video oynatma </a:t>
+            </a:r>
+            <a:r>
+              <a:rPr lang="tr-TR" dirty="0" smtClean="0"/>
+              <a:t>gibi hizmetler </a:t>
+            </a:r>
+            <a:r>
+              <a:rPr lang="tr-TR" dirty="0"/>
+              <a:t>sağlar.</a:t>
+            </a:r>
+          </a:p>
+          <a:p>
             <a:r>
               <a:rPr lang="tr-TR" dirty="0" err="1" smtClean="0"/>
-              <a:t>node</a:t>
-            </a:r>
-            <a:r>
-              <a:rPr lang="tr-TR" dirty="0" smtClean="0"/>
-              <a:t>)</a:t>
-            </a:r>
-          </a:p>
-          <a:p>
-            <a:r>
-              <a:rPr lang="tr-TR" dirty="0" smtClean="0"/>
-              <a:t>Gerçek zamanlı (</a:t>
-            </a:r>
-            <a:r>
-              <a:rPr lang="tr-TR" dirty="0" err="1" smtClean="0"/>
-              <a:t>real</a:t>
-            </a:r>
-            <a:r>
-              <a:rPr lang="tr-TR" dirty="0" smtClean="0"/>
-              <a:t>-time)</a:t>
-            </a:r>
-          </a:p>
-          <a:p>
-            <a:r>
-              <a:rPr lang="tr-TR" dirty="0" smtClean="0"/>
-              <a:t>Akıllı kart (</a:t>
-            </a:r>
-            <a:r>
-              <a:rPr lang="tr-TR" dirty="0" err="1" smtClean="0"/>
-              <a:t>smart</a:t>
-            </a:r>
-            <a:r>
-              <a:rPr lang="tr-TR" dirty="0" smtClean="0"/>
-              <a:t> </a:t>
-            </a:r>
-            <a:r>
-              <a:rPr lang="tr-TR" dirty="0" err="1" smtClean="0"/>
-              <a:t>card</a:t>
-            </a:r>
-            <a:r>
-              <a:rPr lang="tr-TR" dirty="0" smtClean="0"/>
-              <a:t>)</a:t>
-            </a:r>
-            <a:endParaRPr lang="tr-TR" dirty="0"/>
-          </a:p>
-          <a:p>
-            <a:endParaRPr lang="tr-TR" dirty="0"/>
+              <a:t>iOS</a:t>
+            </a:r>
+            <a:r>
+              <a:rPr lang="tr-TR" dirty="0"/>
+              <a:t>, </a:t>
+            </a:r>
+            <a:r>
+              <a:rPr lang="tr-TR" dirty="0" err="1"/>
+              <a:t>Android</a:t>
+            </a:r>
+            <a:r>
+              <a:rPr lang="tr-TR" dirty="0"/>
+              <a:t>, Windows Phone ...</a:t>
+            </a:r>
           </a:p>
           <a:p>
             <a:endParaRPr lang="tr-TR" dirty="0"/>
@@ -11533,7 +11539,7 @@
     </p:spTree>
     <p:extLst>
       <p:ext uri="{BB962C8B-B14F-4D97-AF65-F5344CB8AC3E}">
-        <p14:creationId xmlns:p14="http://schemas.microsoft.com/office/powerpoint/2010/main" val="143273698"/>
+        <p14:creationId xmlns:p14="http://schemas.microsoft.com/office/powerpoint/2010/main" val="1111462748"/>
       </p:ext>
     </p:extLst>
   </p:cSld>
@@ -11584,11 +11590,11 @@
           <a:p>
             <a:r>
               <a:rPr lang="tr-TR" dirty="0"/>
-              <a:t>Algılayıcı düğüm (sensor </a:t>
+              <a:t>Gömülü (</a:t>
             </a:r>
             <a:r>
               <a:rPr lang="tr-TR" dirty="0" err="1" smtClean="0"/>
-              <a:t>node</a:t>
+              <a:t>embedded</a:t>
             </a:r>
             <a:r>
               <a:rPr lang="tr-TR" dirty="0" smtClean="0"/>
@@ -11626,46 +11632,54 @@
           <a:p>
             <a:r>
               <a:rPr lang="tr-TR" dirty="0" smtClean="0"/>
-              <a:t>Gerçek </a:t>
-            </a:r>
-            <a:r>
-              <a:rPr lang="tr-TR" dirty="0" smtClean="0"/>
-              <a:t>zamanlı (</a:t>
-            </a:r>
-            <a:r>
-              <a:rPr lang="tr-TR" dirty="0" err="1" smtClean="0"/>
-              <a:t>real</a:t>
-            </a:r>
-            <a:r>
-              <a:rPr lang="tr-TR" dirty="0" smtClean="0"/>
-              <a:t>-time)</a:t>
-            </a:r>
-          </a:p>
-          <a:p>
-            <a:r>
-              <a:rPr lang="tr-TR" dirty="0" smtClean="0"/>
-              <a:t>Akıllı kart (</a:t>
-            </a:r>
-            <a:r>
-              <a:rPr lang="tr-TR" dirty="0" err="1" smtClean="0"/>
-              <a:t>smart</a:t>
-            </a:r>
-            <a:r>
-              <a:rPr lang="tr-TR" dirty="0" smtClean="0"/>
-              <a:t> </a:t>
-            </a:r>
-            <a:r>
-              <a:rPr lang="tr-TR" dirty="0" err="1" smtClean="0"/>
-              <a:t>card</a:t>
-            </a:r>
-            <a:r>
-              <a:rPr lang="tr-TR" dirty="0" smtClean="0"/>
-              <a:t>)</a:t>
-            </a:r>
-            <a:endParaRPr lang="tr-TR" dirty="0"/>
-          </a:p>
-          <a:p>
-            <a:endParaRPr lang="tr-TR" dirty="0"/>
+              <a:t>Otomatikleştirilmiş </a:t>
+            </a:r>
+            <a:r>
+              <a:rPr lang="tr-TR" dirty="0"/>
+              <a:t>sistemler, cep telefonları, ev otomasyonu, araba sistemleri, hava taşıtları </a:t>
+            </a:r>
+            <a:r>
+              <a:rPr lang="tr-TR" dirty="0" smtClean="0"/>
+              <a:t>gibi </a:t>
+            </a:r>
+            <a:r>
+              <a:rPr lang="tr-TR" dirty="0"/>
+              <a:t>cihazlar için </a:t>
+            </a:r>
+            <a:r>
+              <a:rPr lang="tr-TR" dirty="0" smtClean="0"/>
+              <a:t>tasarlanmıştır.</a:t>
+            </a:r>
+            <a:endParaRPr lang="tr-TR" dirty="0"/>
+          </a:p>
+          <a:p>
+            <a:r>
+              <a:rPr lang="tr-TR" dirty="0" smtClean="0"/>
+              <a:t>Sistem </a:t>
+            </a:r>
+            <a:r>
+              <a:rPr lang="tr-TR" dirty="0"/>
+              <a:t>ve cihazların özelliklerini optimize etmek için tasarlanmıştır</a:t>
+            </a:r>
+            <a:r>
+              <a:rPr lang="tr-TR" dirty="0" smtClean="0"/>
+              <a:t>.</a:t>
+            </a:r>
+            <a:endParaRPr lang="tr-TR" dirty="0"/>
+          </a:p>
+          <a:p>
+            <a:r>
+              <a:rPr lang="tr-TR" dirty="0"/>
+              <a:t>Linux, </a:t>
+            </a:r>
+            <a:r>
+              <a:rPr lang="tr-TR" dirty="0" err="1"/>
+              <a:t>VxWorks</a:t>
+            </a:r>
+            <a:r>
+              <a:rPr lang="tr-TR" dirty="0"/>
+              <a:t>, QNX ...</a:t>
+            </a:r>
           </a:p>
           <a:p>
             <a:endParaRPr lang="tr-TR" dirty="0"/>
@@ -11678,7 +11692,7 @@
     </p:spTree>
     <p:extLst>
       <p:ext uri="{BB962C8B-B14F-4D97-AF65-F5344CB8AC3E}">
-        <p14:creationId xmlns:p14="http://schemas.microsoft.com/office/powerpoint/2010/main" val="2297613188"/>
+        <p14:creationId xmlns:p14="http://schemas.microsoft.com/office/powerpoint/2010/main" val="143273698"/>
       </p:ext>
     </p:extLst>
   </p:cSld>
@@ -11729,15 +11743,15 @@
           <a:p>
             <a:r>
               <a:rPr lang="tr-TR" dirty="0"/>
-              <a:t>Gerçek zamanlı (</a:t>
+              <a:t>Algılayıcı düğüm (sensor </a:t>
             </a:r>
             <a:r>
               <a:rPr lang="tr-TR" dirty="0" err="1" smtClean="0"/>
-              <a:t>real</a:t>
-            </a:r>
-            <a:r>
-              <a:rPr lang="tr-TR" dirty="0" smtClean="0"/>
-              <a:t>-time) İşletim </a:t>
+              <a:t>node</a:t>
+            </a:r>
+            <a:r>
+              <a:rPr lang="tr-TR" dirty="0" smtClean="0"/>
+              <a:t>) İşletim </a:t>
             </a:r>
             <a:r>
               <a:rPr lang="tr-TR" dirty="0" smtClean="0"/>
@@ -11770,33 +11784,80 @@
           <a:lstStyle/>
           <a:p>
             <a:r>
-              <a:rPr lang="tr-TR" dirty="0" smtClean="0"/>
-              <a:t>Akıllı </a:t>
-            </a:r>
-            <a:r>
-              <a:rPr lang="tr-TR" dirty="0" smtClean="0"/>
-              <a:t>kart (</a:t>
-            </a:r>
-            <a:r>
               <a:rPr lang="tr-TR" dirty="0" err="1" smtClean="0"/>
-              <a:t>smart</a:t>
+              <a:t>Sensör</a:t>
+            </a:r>
+            <a:r>
+              <a:rPr lang="tr-TR" dirty="0" smtClean="0"/>
+              <a:t>, </a:t>
+            </a:r>
+            <a:r>
+              <a:rPr lang="tr-TR" dirty="0" err="1" smtClean="0"/>
+              <a:t>IoT</a:t>
+            </a:r>
+            <a:r>
+              <a:rPr lang="tr-TR" dirty="0" smtClean="0"/>
+              <a:t>, M2M </a:t>
+            </a:r>
+            <a:r>
+              <a:rPr lang="tr-TR" dirty="0"/>
+              <a:t>ağları </a:t>
+            </a:r>
+            <a:r>
+              <a:rPr lang="tr-TR" dirty="0" smtClean="0"/>
+              <a:t>için </a:t>
+            </a:r>
+            <a:r>
+              <a:rPr lang="tr-TR" dirty="0"/>
+              <a:t>tasarlanmıştır</a:t>
+            </a:r>
+            <a:r>
+              <a:rPr lang="tr-TR" dirty="0" smtClean="0"/>
+              <a:t>. </a:t>
+            </a:r>
+            <a:endParaRPr lang="tr-TR" dirty="0"/>
+          </a:p>
+          <a:p>
+            <a:r>
+              <a:rPr lang="tr-TR" dirty="0" err="1" smtClean="0"/>
+              <a:t>Sensör</a:t>
             </a:r>
             <a:r>
               <a:rPr lang="tr-TR" dirty="0" smtClean="0"/>
               <a:t> </a:t>
             </a:r>
             <a:r>
+              <a:rPr lang="tr-TR" dirty="0"/>
+              <a:t>verilerini toplamak, işlemek ve iletmek için kullanılır.</a:t>
+            </a:r>
+          </a:p>
+          <a:p>
+            <a:r>
+              <a:rPr lang="tr-TR" dirty="0" smtClean="0"/>
+              <a:t>Enerji </a:t>
+            </a:r>
+            <a:r>
+              <a:rPr lang="tr-TR" dirty="0"/>
+              <a:t>verimliliği ve güç tüketimi için optimize edilmiştir.</a:t>
+            </a:r>
+          </a:p>
+          <a:p>
+            <a:r>
               <a:rPr lang="tr-TR" dirty="0" err="1" smtClean="0"/>
-              <a:t>card</a:t>
-            </a:r>
-            <a:r>
-              <a:rPr lang="tr-TR" dirty="0" smtClean="0"/>
-              <a:t>)</a:t>
-            </a:r>
-            <a:endParaRPr lang="tr-TR" dirty="0"/>
-          </a:p>
-          <a:p>
-            <a:endParaRPr lang="tr-TR" dirty="0"/>
+              <a:t>TinyOS</a:t>
+            </a:r>
+            <a:r>
+              <a:rPr lang="tr-TR" dirty="0"/>
+              <a:t>, </a:t>
+            </a:r>
+            <a:r>
+              <a:rPr lang="tr-TR" dirty="0" err="1"/>
+              <a:t>Contiki</a:t>
+            </a:r>
+            <a:r>
+              <a:rPr lang="tr-TR" dirty="0"/>
+              <a:t>, RIOT ...</a:t>
+            </a:r>
           </a:p>
           <a:p>
             <a:endParaRPr lang="tr-TR" dirty="0"/>
@@ -11809,7 +11870,7 @@
     </p:spTree>
     <p:extLst>
       <p:ext uri="{BB962C8B-B14F-4D97-AF65-F5344CB8AC3E}">
-        <p14:creationId xmlns:p14="http://schemas.microsoft.com/office/powerpoint/2010/main" val="3091077942"/>
+        <p14:creationId xmlns:p14="http://schemas.microsoft.com/office/powerpoint/2010/main" val="2297613188"/>
       </p:ext>
     </p:extLst>
   </p:cSld>
@@ -11860,23 +11921,15 @@
           <a:p>
             <a:r>
               <a:rPr lang="tr-TR" dirty="0"/>
-              <a:t>Akıllı kart (</a:t>
-            </a:r>
-            <a:r>
-              <a:rPr lang="tr-TR" dirty="0" err="1"/>
-              <a:t>smart</a:t>
-            </a:r>
-            <a:r>
-              <a:rPr lang="tr-TR" dirty="0"/>
-              <a:t> </a:t>
+              <a:t>Gerçek zamanlı (</a:t>
             </a:r>
             <a:r>
               <a:rPr lang="tr-TR" dirty="0" err="1" smtClean="0"/>
-              <a:t>card</a:t>
-            </a:r>
-            <a:r>
-              <a:rPr lang="tr-TR" dirty="0" smtClean="0"/>
-              <a:t>) İşletim </a:t>
+              <a:t>real</a:t>
+            </a:r>
+            <a:r>
+              <a:rPr lang="tr-TR" dirty="0" smtClean="0"/>
+              <a:t>-time) İşletim </a:t>
             </a:r>
             <a:r>
               <a:rPr lang="tr-TR" dirty="0" smtClean="0"/>
@@ -11910,9 +11963,79 @@
           <a:p>
             <a:r>
               <a:rPr lang="tr-TR" dirty="0" smtClean="0"/>
-              <a:t>a</a:t>
-            </a:r>
-            <a:endParaRPr lang="tr-TR" dirty="0"/>
+              <a:t>Zaman kritik </a:t>
+            </a:r>
+            <a:r>
+              <a:rPr lang="tr-TR" dirty="0"/>
+              <a:t>işlemlerin zamanında yerine getirilmesi için gerçek zamanlı uygulamalar </a:t>
+            </a:r>
+            <a:r>
+              <a:rPr lang="tr-TR" dirty="0" smtClean="0"/>
+              <a:t>tarafından kullanılır</a:t>
+            </a:r>
+            <a:r>
+              <a:rPr lang="tr-TR" dirty="0"/>
+              <a:t>.</a:t>
+            </a:r>
+          </a:p>
+          <a:p>
+            <a:r>
+              <a:rPr lang="tr-TR" dirty="0" smtClean="0"/>
+              <a:t>Ses</a:t>
+            </a:r>
+            <a:r>
+              <a:rPr lang="tr-TR" dirty="0"/>
+              <a:t>, video, hareket ve diğer </a:t>
+            </a:r>
+            <a:r>
+              <a:rPr lang="tr-TR" dirty="0" err="1"/>
+              <a:t>sensör</a:t>
+            </a:r>
+            <a:r>
+              <a:rPr lang="tr-TR" dirty="0"/>
+              <a:t> verilerini işlemek için kullanılır.</a:t>
+            </a:r>
+          </a:p>
+          <a:p>
+            <a:r>
+              <a:rPr lang="tr-TR" dirty="0" smtClean="0"/>
+              <a:t>Tahmin </a:t>
+            </a:r>
+            <a:r>
+              <a:rPr lang="tr-TR" dirty="0"/>
+              <a:t>ve kontrol uygulamaları, otomatik </a:t>
+            </a:r>
+            <a:r>
+              <a:rPr lang="tr-TR" dirty="0" smtClean="0"/>
+              <a:t>sistemler, </a:t>
+            </a:r>
+            <a:r>
+              <a:rPr lang="tr-TR" dirty="0"/>
+              <a:t>tren kontrol </a:t>
+            </a:r>
+            <a:r>
+              <a:rPr lang="tr-TR" dirty="0" smtClean="0"/>
+              <a:t>sistemleri, askeri araçlar gibi alanlarda kullanılır.</a:t>
+            </a:r>
+            <a:endParaRPr lang="tr-TR" dirty="0"/>
+          </a:p>
+          <a:p>
+            <a:r>
+              <a:rPr lang="tr-TR" dirty="0" err="1" smtClean="0"/>
+              <a:t>VxWorks</a:t>
+            </a:r>
+            <a:r>
+              <a:rPr lang="tr-TR" dirty="0"/>
+              <a:t>, QNX, </a:t>
+            </a:r>
+            <a:r>
+              <a:rPr lang="tr-TR" dirty="0" err="1"/>
+              <a:t>RTLinux</a:t>
+            </a:r>
+            <a:r>
+              <a:rPr lang="tr-TR" dirty="0"/>
+              <a:t> ...</a:t>
+            </a:r>
           </a:p>
           <a:p>
             <a:endParaRPr lang="tr-TR" dirty="0"/>
@@ -11925,7 +12048,7 @@
     </p:spTree>
     <p:extLst>
       <p:ext uri="{BB962C8B-B14F-4D97-AF65-F5344CB8AC3E}">
-        <p14:creationId xmlns:p14="http://schemas.microsoft.com/office/powerpoint/2010/main" val="701588533"/>
+        <p14:creationId xmlns:p14="http://schemas.microsoft.com/office/powerpoint/2010/main" val="3091077942"/>
       </p:ext>
     </p:extLst>
   </p:cSld>
@@ -11975,8 +12098,28 @@
           <a:lstStyle/>
           <a:p>
             <a:r>
-              <a:rPr lang="tr-TR" dirty="0" smtClean="0"/>
-              <a:t>Süreçler </a:t>
+              <a:rPr lang="tr-TR" dirty="0"/>
+              <a:t>Akıllı kart (</a:t>
+            </a:r>
+            <a:r>
+              <a:rPr lang="tr-TR" dirty="0" err="1"/>
+              <a:t>smart</a:t>
+            </a:r>
+            <a:r>
+              <a:rPr lang="tr-TR" dirty="0"/>
+              <a:t> </a:t>
+            </a:r>
+            <a:r>
+              <a:rPr lang="tr-TR" dirty="0" err="1" smtClean="0"/>
+              <a:t>card</a:t>
+            </a:r>
+            <a:r>
+              <a:rPr lang="tr-TR" dirty="0" smtClean="0"/>
+              <a:t>) İşletim </a:t>
+            </a:r>
+            <a:r>
+              <a:rPr lang="tr-TR" dirty="0" smtClean="0"/>
+              <a:t>Sistemi</a:t>
             </a:r>
             <a:endParaRPr lang="tr-TR" dirty="0"/>
           </a:p>
@@ -12006,6 +12149,157 @@
           <a:p>
             <a:r>
               <a:rPr lang="tr-TR" dirty="0" smtClean="0"/>
+              <a:t>Akıllı kartlar, </a:t>
+            </a:r>
+            <a:r>
+              <a:rPr lang="tr-TR" dirty="0"/>
+              <a:t>küçük boyutlu ve güvenli cihazlar için tasarlanmıştır</a:t>
+            </a:r>
+            <a:r>
+              <a:rPr lang="tr-TR" dirty="0" smtClean="0"/>
+              <a:t>.</a:t>
+            </a:r>
+            <a:endParaRPr lang="tr-TR" dirty="0"/>
+          </a:p>
+          <a:p>
+            <a:r>
+              <a:rPr lang="tr-TR" dirty="0" smtClean="0"/>
+              <a:t>Kimlik </a:t>
+            </a:r>
+            <a:r>
+              <a:rPr lang="tr-TR" dirty="0"/>
+              <a:t>doğrulama, para transferi, elektronik </a:t>
+            </a:r>
+            <a:r>
+              <a:rPr lang="tr-TR" dirty="0" smtClean="0"/>
+              <a:t>para, </a:t>
+            </a:r>
+            <a:r>
+              <a:rPr lang="tr-TR" dirty="0" err="1" smtClean="0"/>
+              <a:t>kriptografik</a:t>
+            </a:r>
+            <a:r>
+              <a:rPr lang="tr-TR" dirty="0" smtClean="0"/>
+              <a:t> </a:t>
+            </a:r>
+            <a:r>
+              <a:rPr lang="tr-TR" dirty="0"/>
+              <a:t>işlemler ve güvenli veri depolama için kullanılır.</a:t>
+            </a:r>
+          </a:p>
+          <a:p>
+            <a:r>
+              <a:rPr lang="tr-TR" dirty="0" smtClean="0"/>
+              <a:t>Kredi </a:t>
+            </a:r>
+            <a:r>
+              <a:rPr lang="tr-TR" dirty="0"/>
+              <a:t>kartları, banka kartları, yolcu uçuş kartları, kimlik kartları ve diğer kartlar için kullanılır.</a:t>
+            </a:r>
+            <a:endParaRPr lang="tr-TR" dirty="0"/>
+          </a:p>
+          <a:p>
+            <a:r>
+              <a:rPr lang="tr-TR" dirty="0" err="1"/>
+              <a:t>JavaCard</a:t>
+            </a:r>
+            <a:r>
+              <a:rPr lang="tr-TR" dirty="0"/>
+              <a:t>, MULTOS …</a:t>
+            </a:r>
+          </a:p>
+          <a:p>
+            <a:endParaRPr lang="tr-TR" dirty="0"/>
+          </a:p>
+          <a:p>
+            <a:endParaRPr lang="tr-TR" dirty="0"/>
+          </a:p>
+        </p:txBody>
+      </p:sp>
+    </p:spTree>
+    <p:extLst>
+      <p:ext uri="{BB962C8B-B14F-4D97-AF65-F5344CB8AC3E}">
+        <p14:creationId xmlns:p14="http://schemas.microsoft.com/office/powerpoint/2010/main" val="701588533"/>
+      </p:ext>
+    </p:extLst>
+  </p:cSld>
+  <p:clrMapOvr>
+    <a:masterClrMapping/>
+  </p:clrMapOvr>
+  <p:timing>
+    <p:tnLst>
+      <p:par>
+        <p:cTn id="1" dur="indefinite" restart="never" nodeType="tmRoot"/>
+      </p:par>
+    </p:tnLst>
+  </p:timing>
+</p:sld>
+</file>
+
+<file path=ppt/slides/slide57.xml><?xml version="1.0" encoding="utf-8"?>
+<p:sld xmlns:a="http://schemas.openxmlformats.org/drawingml/2006/main" xmlns:r="http://schemas.openxmlformats.org/officeDocument/2006/relationships" xmlns:p="http://schemas.openxmlformats.org/presentationml/2006/main">
+  <p:cSld>
+    <p:spTree>
+      <p:nvGrpSpPr>
+        <p:cNvPr id="1" name=""/>
+        <p:cNvGrpSpPr/>
+        <p:nvPr/>
+      </p:nvGrpSpPr>
+      <p:grpSpPr>
+        <a:xfrm>
+          <a:off x="0" y="0"/>
+          <a:ext cx="0" cy="0"/>
+          <a:chOff x="0" y="0"/>
+          <a:chExt cx="0" cy="0"/>
+        </a:xfrm>
+      </p:grpSpPr>
+      <p:sp>
+        <p:nvSpPr>
+          <p:cNvPr id="2" name="Title 1"/>
+          <p:cNvSpPr>
+            <a:spLocks noGrp="1"/>
+          </p:cNvSpPr>
+          <p:nvPr>
+            <p:ph type="title"/>
+          </p:nvPr>
+        </p:nvSpPr>
+        <p:spPr/>
+        <p:txBody>
+          <a:bodyPr/>
+          <a:lstStyle/>
+          <a:p>
+            <a:r>
+              <a:rPr lang="tr-TR" dirty="0" smtClean="0"/>
+              <a:t>Süreçler </a:t>
+            </a:r>
+            <a:endParaRPr lang="tr-TR" dirty="0"/>
+          </a:p>
+        </p:txBody>
+      </p:sp>
+      <p:sp>
+        <p:nvSpPr>
+          <p:cNvPr id="3" name="Content Placeholder 2"/>
+          <p:cNvSpPr>
+            <a:spLocks noGrp="1"/>
+          </p:cNvSpPr>
+          <p:nvPr>
+            <p:ph idx="1"/>
+          </p:nvPr>
+        </p:nvSpPr>
+        <p:spPr>
+          <a:xfrm>
+            <a:off x="838200" y="1825625"/>
+            <a:ext cx="10515600" cy="4680000"/>
+          </a:xfrm>
+        </p:spPr>
+        <p:txBody>
+          <a:bodyPr>
+            <a:normAutofit/>
+          </a:bodyPr>
+          <a:lstStyle/>
+          <a:p>
+            <a:r>
+              <a:rPr lang="tr-TR" dirty="0" smtClean="0"/>
               <a:t>İşletim </a:t>
             </a:r>
             <a:r>
@@ -12030,6 +12324,11 @@
               <a:rPr lang="tr-TR" dirty="0" smtClean="0"/>
               <a:t>Bir programın çalıştırılabilmesi için gerekli tüm bilgiyi tutan konteyner olarak düşünülebilir. </a:t>
             </a:r>
+            <a:r>
+              <a:rPr lang="tr-TR" dirty="0" smtClean="0"/>
+              <a:t>Süreç tablosunda tutulurlar.</a:t>
+            </a:r>
+            <a:endParaRPr lang="tr-TR" dirty="0" smtClean="0"/>
           </a:p>
           <a:p>
             <a:r>
@@ -12042,7 +12341,11 @@
             </a:r>
             <a:r>
               <a:rPr lang="tr-TR" dirty="0" smtClean="0"/>
-              <a:t>ile ilişkilidir.</a:t>
+              <a:t>ile ilişkilidir</a:t>
+            </a:r>
+            <a:r>
+              <a:rPr lang="tr-TR" dirty="0" smtClean="0"/>
+              <a:t>. Diğer süreçlerle konuşabilirler (IPC).</a:t>
             </a:r>
             <a:endParaRPr lang="tr-TR" dirty="0"/>
           </a:p>
@@ -12129,7 +12432,7 @@
 </p:sld>
 </file>
 
-<file path=ppt/slides/slide57.xml><?xml version="1.0" encoding="utf-8"?>
+<file path=ppt/slides/slide58.xml><?xml version="1.0" encoding="utf-8"?>
 <p:sld xmlns:a="http://schemas.openxmlformats.org/drawingml/2006/main" xmlns:r="http://schemas.openxmlformats.org/officeDocument/2006/relationships" xmlns:p="http://schemas.openxmlformats.org/presentationml/2006/main">
   <p:cSld>
     <p:spTree>
@@ -12288,153 +12591,6 @@
 </p:sld>
 </file>
 
-<file path=ppt/slides/slide58.xml><?xml version="1.0" encoding="utf-8"?>
-<p:sld xmlns:a="http://schemas.openxmlformats.org/drawingml/2006/main" xmlns:r="http://schemas.openxmlformats.org/officeDocument/2006/relationships" xmlns:p="http://schemas.openxmlformats.org/presentationml/2006/main">
-  <p:cSld>
-    <p:spTree>
-      <p:nvGrpSpPr>
-        <p:cNvPr id="1" name=""/>
-        <p:cNvGrpSpPr/>
-        <p:nvPr/>
-      </p:nvGrpSpPr>
-      <p:grpSpPr>
-        <a:xfrm>
-          <a:off x="0" y="0"/>
-          <a:ext cx="0" cy="0"/>
-          <a:chOff x="0" y="0"/>
-          <a:chExt cx="0" cy="0"/>
-        </a:xfrm>
-      </p:grpSpPr>
-      <p:sp>
-        <p:nvSpPr>
-          <p:cNvPr id="2" name="Title 1"/>
-          <p:cNvSpPr>
-            <a:spLocks noGrp="1"/>
-          </p:cNvSpPr>
-          <p:nvPr>
-            <p:ph type="title"/>
-          </p:nvPr>
-        </p:nvSpPr>
-        <p:spPr/>
-        <p:txBody>
-          <a:bodyPr/>
-          <a:lstStyle/>
-          <a:p>
-            <a:r>
-              <a:rPr lang="tr-TR" dirty="0" smtClean="0"/>
-              <a:t>Adres Uzayı</a:t>
-            </a:r>
-            <a:endParaRPr lang="tr-TR" dirty="0"/>
-          </a:p>
-        </p:txBody>
-      </p:sp>
-      <p:sp>
-        <p:nvSpPr>
-          <p:cNvPr id="3" name="Content Placeholder 2"/>
-          <p:cNvSpPr>
-            <a:spLocks noGrp="1"/>
-          </p:cNvSpPr>
-          <p:nvPr>
-            <p:ph idx="1"/>
-          </p:nvPr>
-        </p:nvSpPr>
-        <p:spPr>
-          <a:xfrm>
-            <a:off x="838200" y="1825625"/>
-            <a:ext cx="10515600" cy="4680000"/>
-          </a:xfrm>
-        </p:spPr>
-        <p:txBody>
-          <a:bodyPr>
-            <a:normAutofit/>
-          </a:bodyPr>
-          <a:lstStyle/>
-          <a:p>
-            <a:r>
-              <a:rPr lang="tr-TR" dirty="0"/>
-              <a:t>Kavram olarak bir </a:t>
-            </a:r>
-            <a:r>
-              <a:rPr lang="tr-TR" dirty="0" smtClean="0"/>
-              <a:t>süreç tarafından </a:t>
-            </a:r>
-            <a:r>
-              <a:rPr lang="tr-TR" dirty="0"/>
-              <a:t>kullanılan </a:t>
-            </a:r>
-            <a:r>
-              <a:rPr lang="tr-TR" dirty="0" smtClean="0"/>
-              <a:t>bellek</a:t>
-            </a:r>
-          </a:p>
-          <a:p>
-            <a:r>
-              <a:rPr lang="tr-TR" dirty="0" smtClean="0"/>
-              <a:t>İşletim sistemi, </a:t>
-            </a:r>
-            <a:r>
-              <a:rPr lang="tr-TR" dirty="0"/>
-              <a:t>bellekte aynı anda birden çok </a:t>
-            </a:r>
-            <a:r>
-              <a:rPr lang="tr-TR" dirty="0" smtClean="0"/>
-              <a:t>sürece izin verir</a:t>
-            </a:r>
-          </a:p>
-          <a:p>
-            <a:r>
-              <a:rPr lang="tr-TR" dirty="0" smtClean="0"/>
-              <a:t>Bazı </a:t>
-            </a:r>
-            <a:r>
-              <a:rPr lang="tr-TR" dirty="0"/>
-              <a:t>işlemler, fiziksel olarak mevcut olandan daha fazla belleğe ihtiyaç </a:t>
-            </a:r>
-            <a:r>
-              <a:rPr lang="tr-TR" dirty="0" smtClean="0"/>
-              <a:t>duyar, bu durumda </a:t>
-            </a:r>
-            <a:r>
-              <a:rPr lang="tr-TR" dirty="0"/>
-              <a:t>sanal </a:t>
-            </a:r>
-            <a:r>
-              <a:rPr lang="tr-TR" dirty="0" smtClean="0"/>
-              <a:t>bellek devreye girer.</a:t>
-            </a:r>
-            <a:endParaRPr lang="tr-TR" dirty="0" smtClean="0"/>
-          </a:p>
-          <a:p>
-            <a:endParaRPr lang="tr-TR" dirty="0"/>
-          </a:p>
-          <a:p>
-            <a:endParaRPr lang="tr-TR" dirty="0"/>
-          </a:p>
-          <a:p>
-            <a:endParaRPr lang="tr-TR" dirty="0"/>
-          </a:p>
-        </p:txBody>
-      </p:sp>
-    </p:spTree>
-    <p:extLst>
-      <p:ext uri="{BB962C8B-B14F-4D97-AF65-F5344CB8AC3E}">
-        <p14:creationId xmlns:p14="http://schemas.microsoft.com/office/powerpoint/2010/main" val="2811356476"/>
-      </p:ext>
-    </p:extLst>
-  </p:cSld>
-  <p:clrMapOvr>
-    <a:masterClrMapping/>
-  </p:clrMapOvr>
-  <p:timing>
-    <p:tnLst>
-      <p:par>
-        <p:cTn id="1" dur="indefinite" restart="never" nodeType="tmRoot"/>
-      </p:par>
-    </p:tnLst>
-  </p:timing>
-</p:sld>
-</file>
-
 <file path=ppt/slides/slide59.xml><?xml version="1.0" encoding="utf-8"?>
 <p:sld xmlns:a="http://schemas.openxmlformats.org/drawingml/2006/main" xmlns:r="http://schemas.openxmlformats.org/officeDocument/2006/relationships" xmlns:p="http://schemas.openxmlformats.org/presentationml/2006/main">
   <p:cSld>
@@ -12469,7 +12625,7 @@
           <a:p>
             <a:r>
               <a:rPr lang="tr-TR" dirty="0" smtClean="0"/>
-              <a:t>Dosyalar</a:t>
+              <a:t>Adres Uzayı</a:t>
             </a:r>
             <a:endParaRPr lang="tr-TR" dirty="0"/>
           </a:p>
@@ -12498,57 +12654,61 @@
           <a:lstStyle/>
           <a:p>
             <a:r>
-              <a:rPr lang="tr-TR" dirty="0" smtClean="0"/>
-              <a:t>Veri </a:t>
-            </a:r>
-            <a:r>
-              <a:rPr lang="tr-TR" dirty="0"/>
-              <a:t>depolama birimleridir.</a:t>
-            </a:r>
-          </a:p>
-          <a:p>
-            <a:r>
-              <a:rPr lang="tr-TR" dirty="0"/>
-              <a:t>Dosyalar, veri, metin, resim, video, ses ve diğer türlerde olabilir.</a:t>
-            </a:r>
-          </a:p>
-          <a:p>
-            <a:r>
-              <a:rPr lang="tr-TR" dirty="0" smtClean="0"/>
-              <a:t>İşletim </a:t>
-            </a:r>
-            <a:r>
-              <a:rPr lang="tr-TR" dirty="0"/>
-              <a:t>sistemi tarafından yönetilir ve veri depolama işlemleri gerçekleştirilir.</a:t>
-            </a:r>
-          </a:p>
-          <a:p>
-            <a:r>
-              <a:rPr lang="tr-TR" dirty="0" smtClean="0"/>
-              <a:t>İşletim </a:t>
-            </a:r>
-            <a:r>
-              <a:rPr lang="tr-TR" dirty="0"/>
-              <a:t>sistemi tarafından belirlenen dizin yapısına göre saklanır.</a:t>
-            </a:r>
-          </a:p>
-          <a:p>
-            <a:r>
-              <a:rPr lang="tr-TR" dirty="0" smtClean="0"/>
-              <a:t>Kullanıcılar </a:t>
-            </a:r>
-            <a:r>
-              <a:rPr lang="tr-TR" dirty="0"/>
-              <a:t>tarafından </a:t>
-            </a:r>
-            <a:r>
-              <a:rPr lang="tr-TR" dirty="0" smtClean="0"/>
-              <a:t>erişilebilir, okunabilir</a:t>
-            </a:r>
-            <a:r>
-              <a:rPr lang="tr-TR" dirty="0"/>
-              <a:t>, yazılabilir veya silinebilir.</a:t>
-            </a:r>
+              <a:rPr lang="tr-TR" dirty="0"/>
+              <a:t>Kavram olarak bir </a:t>
+            </a:r>
+            <a:r>
+              <a:rPr lang="tr-TR" dirty="0" smtClean="0"/>
+              <a:t>süreç tarafından </a:t>
+            </a:r>
+            <a:r>
+              <a:rPr lang="tr-TR" dirty="0"/>
+              <a:t>kullanılan </a:t>
+            </a:r>
+            <a:r>
+              <a:rPr lang="tr-TR" dirty="0" smtClean="0"/>
+              <a:t>bellek</a:t>
+            </a:r>
+          </a:p>
+          <a:p>
+            <a:r>
+              <a:rPr lang="tr-TR" dirty="0" smtClean="0"/>
+              <a:t>İşletim sistemi, </a:t>
+            </a:r>
+            <a:r>
+              <a:rPr lang="tr-TR" dirty="0"/>
+              <a:t>bellekte aynı anda birden çok </a:t>
+            </a:r>
+            <a:r>
+              <a:rPr lang="tr-TR" dirty="0" smtClean="0"/>
+              <a:t>sürece izin verir</a:t>
+            </a:r>
+          </a:p>
+          <a:p>
+            <a:r>
+              <a:rPr lang="tr-TR" dirty="0" smtClean="0"/>
+              <a:t>Bazı </a:t>
+            </a:r>
+            <a:r>
+              <a:rPr lang="tr-TR" dirty="0"/>
+              <a:t>işlemler, fiziksel olarak mevcut olandan daha fazla belleğe ihtiyaç </a:t>
+            </a:r>
+            <a:r>
+              <a:rPr lang="tr-TR" dirty="0" smtClean="0"/>
+              <a:t>duyar, bu durumda </a:t>
+            </a:r>
+            <a:r>
+              <a:rPr lang="tr-TR" dirty="0"/>
+              <a:t>sanal </a:t>
+            </a:r>
+            <a:r>
+              <a:rPr lang="tr-TR" dirty="0" smtClean="0"/>
+              <a:t>bellek devreye girer.</a:t>
+            </a:r>
+            <a:endParaRPr lang="tr-TR" dirty="0" smtClean="0"/>
+          </a:p>
+          <a:p>
+            <a:endParaRPr lang="tr-TR" dirty="0"/>
           </a:p>
           <a:p>
             <a:endParaRPr lang="tr-TR" dirty="0"/>
@@ -12561,7 +12721,7 @@
     </p:spTree>
     <p:extLst>
       <p:ext uri="{BB962C8B-B14F-4D97-AF65-F5344CB8AC3E}">
-        <p14:creationId xmlns:p14="http://schemas.microsoft.com/office/powerpoint/2010/main" val="3125814544"/>
+        <p14:creationId xmlns:p14="http://schemas.microsoft.com/office/powerpoint/2010/main" val="2811356476"/>
       </p:ext>
     </p:extLst>
   </p:cSld>
@@ -12611,26 +12771,9 @@
           <a:lstStyle/>
           <a:p>
             <a:r>
-              <a:rPr lang="tr-TR" dirty="0" smtClean="0"/>
-              <a:t>Çekirdek </a:t>
-            </a:r>
-            <a:r>
-              <a:rPr lang="tr-TR" dirty="0" err="1" smtClean="0"/>
-              <a:t>Modu</a:t>
-            </a:r>
-            <a:r>
-              <a:rPr lang="tr-TR" dirty="0" smtClean="0"/>
-              <a:t> ve Kullanıcı </a:t>
-            </a:r>
-            <a:r>
-              <a:rPr lang="tr-TR" dirty="0" err="1" smtClean="0"/>
-              <a:t>Modu</a:t>
-            </a:r>
-            <a:r>
-              <a:rPr lang="nn-NO" dirty="0" smtClean="0"/>
-              <a:t> </a:t>
-            </a:r>
-            <a:endParaRPr lang="tr-TR" dirty="0"/>
+              <a:rPr lang="tr-TR" dirty="0"/>
+              <a:t>İşletim Sistemi Nerede Yer Alır</a:t>
+            </a:r>
           </a:p>
         </p:txBody>
       </p:sp>
@@ -12651,117 +12794,79 @@
           </a:xfrm>
         </p:spPr>
         <p:txBody>
-          <a:bodyPr>
-            <a:normAutofit/>
-          </a:bodyPr>
-          <a:lstStyle/>
-          <a:p>
-            <a:r>
-              <a:rPr lang="tr-TR" dirty="0"/>
-              <a:t>Çoğu bilgisayarın iki çalışma </a:t>
-            </a:r>
-            <a:r>
-              <a:rPr lang="tr-TR" dirty="0" err="1"/>
-              <a:t>modu</a:t>
-            </a:r>
-            <a:r>
-              <a:rPr lang="tr-TR" dirty="0"/>
-              <a:t> vardır</a:t>
-            </a:r>
-            <a:r>
-              <a:rPr lang="tr-TR" dirty="0" smtClean="0"/>
-              <a:t>:</a:t>
-            </a:r>
-          </a:p>
-          <a:p>
-            <a:endParaRPr lang="tr-TR" dirty="0"/>
-          </a:p>
-          <a:p>
-            <a:r>
-              <a:rPr lang="tr-TR" dirty="0"/>
-              <a:t>İşletim sistemi, tüm donanıma tam erişime sahip olan ve herhangi bir talimatı yürütebilen çekirdek </a:t>
-            </a:r>
-            <a:r>
-              <a:rPr lang="tr-TR" dirty="0" err="1"/>
-              <a:t>modunda</a:t>
-            </a:r>
-            <a:r>
-              <a:rPr lang="tr-TR" dirty="0"/>
-              <a:t> çalışır</a:t>
-            </a:r>
-            <a:r>
-              <a:rPr lang="tr-TR" dirty="0" smtClean="0"/>
-              <a:t>.</a:t>
-            </a:r>
-          </a:p>
-          <a:p>
-            <a:r>
-              <a:rPr lang="tr-TR" dirty="0" smtClean="0"/>
-              <a:t>Yazılımın </a:t>
-            </a:r>
-            <a:r>
-              <a:rPr lang="tr-TR" dirty="0"/>
-              <a:t>geri kalanı, sınırlı kapasiteye sahip kullanıcı </a:t>
-            </a:r>
-            <a:r>
-              <a:rPr lang="tr-TR" dirty="0" err="1"/>
-              <a:t>modunda</a:t>
-            </a:r>
-            <a:r>
-              <a:rPr lang="tr-TR" dirty="0"/>
-              <a:t> çalışır</a:t>
-            </a:r>
-            <a:r>
-              <a:rPr lang="tr-TR" dirty="0" smtClean="0"/>
-              <a:t>.</a:t>
-            </a:r>
-          </a:p>
-          <a:p>
-            <a:r>
-              <a:rPr lang="tr-TR" dirty="0" smtClean="0"/>
-              <a:t>Kabuk </a:t>
-            </a:r>
-            <a:r>
-              <a:rPr lang="tr-TR" dirty="0"/>
-              <a:t>veya </a:t>
-            </a:r>
-            <a:r>
-              <a:rPr lang="tr-TR" dirty="0" smtClean="0"/>
-              <a:t>GKA, </a:t>
-            </a:r>
-            <a:r>
-              <a:rPr lang="tr-TR" dirty="0"/>
-              <a:t>kullanıcı </a:t>
-            </a:r>
-            <a:r>
-              <a:rPr lang="tr-TR" dirty="0" err="1"/>
-              <a:t>modu</a:t>
-            </a:r>
-            <a:r>
-              <a:rPr lang="tr-TR" dirty="0"/>
-              <a:t> yazılımının en düşük </a:t>
-            </a:r>
-            <a:r>
-              <a:rPr lang="tr-TR" dirty="0" smtClean="0"/>
-              <a:t>seviyesidir.</a:t>
-            </a:r>
-            <a:endParaRPr lang="tr-TR" dirty="0"/>
-          </a:p>
-          <a:p>
-            <a:endParaRPr lang="tr-TR" dirty="0"/>
-          </a:p>
-          <a:p>
-            <a:endParaRPr lang="tr-TR" dirty="0"/>
-          </a:p>
-          <a:p>
-            <a:endParaRPr lang="tr-TR" dirty="0"/>
-          </a:p>
-        </p:txBody>
-      </p:sp>
+          <a:bodyPr/>
+          <a:lstStyle/>
+          <a:p>
+            <a:endParaRPr lang="tr-TR" dirty="0" smtClean="0"/>
+          </a:p>
+          <a:p>
+            <a:endParaRPr lang="tr-TR" dirty="0"/>
+          </a:p>
+          <a:p>
+            <a:endParaRPr lang="tr-TR" dirty="0" smtClean="0"/>
+          </a:p>
+          <a:p>
+            <a:endParaRPr lang="tr-TR" dirty="0"/>
+          </a:p>
+          <a:p>
+            <a:endParaRPr lang="tr-TR" dirty="0" smtClean="0"/>
+          </a:p>
+          <a:p>
+            <a:endParaRPr lang="tr-TR" dirty="0"/>
+          </a:p>
+          <a:p>
+            <a:endParaRPr lang="tr-TR" dirty="0" smtClean="0"/>
+          </a:p>
+          <a:p>
+            <a:endParaRPr lang="tr-TR" dirty="0"/>
+          </a:p>
+        </p:txBody>
+      </p:sp>
+      <p:pic>
+        <p:nvPicPr>
+          <p:cNvPr id="5" name="Picture 4" descr="C:\B\b4\JPG\foo\1-1.jpg"/>
+          <p:cNvPicPr>
+            <a:picLocks noChangeAspect="1" noChangeArrowheads="1"/>
+          </p:cNvPicPr>
+          <p:nvPr/>
+        </p:nvPicPr>
+        <p:blipFill>
+          <a:blip r:embed="rId2">
+            <a:extLst>
+              <a:ext uri="{28A0092B-C50C-407E-A947-70E740481C1C}">
+                <a14:useLocalDpi xmlns:a14="http://schemas.microsoft.com/office/drawing/2010/main" val="0"/>
+              </a:ext>
+            </a:extLst>
+          </a:blip>
+          <a:srcRect/>
+          <a:stretch>
+            <a:fillRect/>
+          </a:stretch>
+        </p:blipFill>
+        <p:spPr bwMode="auto">
+          <a:xfrm>
+            <a:off x="2718843" y="1928313"/>
+            <a:ext cx="6754313" cy="3778364"/>
+          </a:xfrm>
+          <a:prstGeom prst="rect">
+            <a:avLst/>
+          </a:prstGeom>
+          <a:noFill/>
+          <a:extLst>
+            <a:ext uri="{909E8E84-426E-40DD-AFC4-6F175D3DCCD1}">
+              <a14:hiddenFill xmlns:a14="http://schemas.microsoft.com/office/drawing/2010/main">
+                <a:solidFill>
+                  <a:srgbClr val="FFFFFF"/>
+                </a:solidFill>
+              </a14:hiddenFill>
+            </a:ext>
+          </a:extLst>
+        </p:spPr>
+      </p:pic>
     </p:spTree>
     <p:extLst>
       <p:ext uri="{BB962C8B-B14F-4D97-AF65-F5344CB8AC3E}">
-        <p14:creationId xmlns:p14="http://schemas.microsoft.com/office/powerpoint/2010/main" val="659976593"/>
+        <p14:creationId xmlns:p14="http://schemas.microsoft.com/office/powerpoint/2010/main" val="466938940"/>
       </p:ext>
     </p:extLst>
   </p:cSld>
@@ -12779,6 +12884,160 @@
 </file>
 
 <file path=ppt/slides/slide60.xml><?xml version="1.0" encoding="utf-8"?>
+<p:sld xmlns:a="http://schemas.openxmlformats.org/drawingml/2006/main" xmlns:r="http://schemas.openxmlformats.org/officeDocument/2006/relationships" xmlns:p="http://schemas.openxmlformats.org/presentationml/2006/main">
+  <p:cSld>
+    <p:spTree>
+      <p:nvGrpSpPr>
+        <p:cNvPr id="1" name=""/>
+        <p:cNvGrpSpPr/>
+        <p:nvPr/>
+      </p:nvGrpSpPr>
+      <p:grpSpPr>
+        <a:xfrm>
+          <a:off x="0" y="0"/>
+          <a:ext cx="0" cy="0"/>
+          <a:chOff x="0" y="0"/>
+          <a:chExt cx="0" cy="0"/>
+        </a:xfrm>
+      </p:grpSpPr>
+      <p:sp>
+        <p:nvSpPr>
+          <p:cNvPr id="2" name="Title 1"/>
+          <p:cNvSpPr>
+            <a:spLocks noGrp="1"/>
+          </p:cNvSpPr>
+          <p:nvPr>
+            <p:ph type="title"/>
+          </p:nvPr>
+        </p:nvSpPr>
+        <p:spPr/>
+        <p:txBody>
+          <a:bodyPr/>
+          <a:lstStyle/>
+          <a:p>
+            <a:r>
+              <a:rPr lang="tr-TR" dirty="0" smtClean="0"/>
+              <a:t>Dosyalar</a:t>
+            </a:r>
+            <a:endParaRPr lang="tr-TR" dirty="0"/>
+          </a:p>
+        </p:txBody>
+      </p:sp>
+      <p:sp>
+        <p:nvSpPr>
+          <p:cNvPr id="3" name="Content Placeholder 2"/>
+          <p:cNvSpPr>
+            <a:spLocks noGrp="1"/>
+          </p:cNvSpPr>
+          <p:nvPr>
+            <p:ph idx="1"/>
+          </p:nvPr>
+        </p:nvSpPr>
+        <p:spPr>
+          <a:xfrm>
+            <a:off x="838200" y="1825625"/>
+            <a:ext cx="10515600" cy="4680000"/>
+          </a:xfrm>
+        </p:spPr>
+        <p:txBody>
+          <a:bodyPr>
+            <a:normAutofit/>
+          </a:bodyPr>
+          <a:lstStyle/>
+          <a:p>
+            <a:r>
+              <a:rPr lang="tr-TR" dirty="0" smtClean="0"/>
+              <a:t>Veri </a:t>
+            </a:r>
+            <a:r>
+              <a:rPr lang="tr-TR" dirty="0"/>
+              <a:t>depolama birimleridir.</a:t>
+            </a:r>
+          </a:p>
+          <a:p>
+            <a:r>
+              <a:rPr lang="tr-TR" dirty="0"/>
+              <a:t>Dosyalar, veri, metin, resim, video, ses ve diğer türlerde olabilir.</a:t>
+            </a:r>
+          </a:p>
+          <a:p>
+            <a:r>
+              <a:rPr lang="tr-TR" dirty="0" smtClean="0"/>
+              <a:t>İşletim </a:t>
+            </a:r>
+            <a:r>
+              <a:rPr lang="tr-TR" dirty="0"/>
+              <a:t>sistemi tarafından yönetilir ve veri depolama işlemleri gerçekleştirilir.</a:t>
+            </a:r>
+          </a:p>
+          <a:p>
+            <a:r>
+              <a:rPr lang="tr-TR" dirty="0" smtClean="0"/>
+              <a:t>İşletim </a:t>
+            </a:r>
+            <a:r>
+              <a:rPr lang="tr-TR" dirty="0"/>
+              <a:t>sistemi tarafından belirlenen dizin yapısına göre saklanır.</a:t>
+            </a:r>
+          </a:p>
+          <a:p>
+            <a:r>
+              <a:rPr lang="tr-TR" dirty="0" smtClean="0"/>
+              <a:t>Kullanıcılar </a:t>
+            </a:r>
+            <a:r>
+              <a:rPr lang="tr-TR" dirty="0"/>
+              <a:t>tarafından </a:t>
+            </a:r>
+            <a:r>
+              <a:rPr lang="tr-TR" dirty="0" smtClean="0"/>
+              <a:t>erişilebilir, okunabilir</a:t>
+            </a:r>
+            <a:r>
+              <a:rPr lang="tr-TR" dirty="0"/>
+              <a:t>, yazılabilir veya silinebilir</a:t>
+            </a:r>
+            <a:r>
+              <a:rPr lang="tr-TR" dirty="0" smtClean="0"/>
+              <a:t>.</a:t>
+            </a:r>
+          </a:p>
+          <a:p>
+            <a:r>
+              <a:rPr lang="tr-TR" dirty="0" smtClean="0"/>
+              <a:t>Blok tabanlı (disk), karakter tabanlı (yazıcı, modem) olabilir.</a:t>
+            </a:r>
+            <a:endParaRPr lang="tr-TR" dirty="0"/>
+          </a:p>
+          <a:p>
+            <a:endParaRPr lang="tr-TR" dirty="0"/>
+          </a:p>
+          <a:p>
+            <a:endParaRPr lang="tr-TR" dirty="0"/>
+          </a:p>
+        </p:txBody>
+      </p:sp>
+    </p:spTree>
+    <p:extLst>
+      <p:ext uri="{BB962C8B-B14F-4D97-AF65-F5344CB8AC3E}">
+        <p14:creationId xmlns:p14="http://schemas.microsoft.com/office/powerpoint/2010/main" val="3125814544"/>
+      </p:ext>
+    </p:extLst>
+  </p:cSld>
+  <p:clrMapOvr>
+    <a:masterClrMapping/>
+  </p:clrMapOvr>
+  <p:timing>
+    <p:tnLst>
+      <p:par>
+        <p:cTn id="1" dur="indefinite" restart="never" nodeType="tmRoot"/>
+      </p:par>
+    </p:tnLst>
+  </p:timing>
+</p:sld>
+</file>
+
+<file path=ppt/slides/slide61.xml><?xml version="1.0" encoding="utf-8"?>
 <p:sld xmlns:a="http://schemas.openxmlformats.org/drawingml/2006/main" xmlns:r="http://schemas.openxmlformats.org/officeDocument/2006/relationships" xmlns:p="http://schemas.openxmlformats.org/presentationml/2006/main">
   <p:cSld>
     <p:spTree>
@@ -12931,7 +13190,7 @@
 </p:sld>
 </file>
 
-<file path=ppt/slides/slide61.xml><?xml version="1.0" encoding="utf-8"?>
+<file path=ppt/slides/slide62.xml><?xml version="1.0" encoding="utf-8"?>
 <p:sld xmlns:a="http://schemas.openxmlformats.org/drawingml/2006/main" xmlns:r="http://schemas.openxmlformats.org/officeDocument/2006/relationships" xmlns:p="http://schemas.openxmlformats.org/presentationml/2006/main">
   <p:cSld>
     <p:spTree>
@@ -13112,7 +13371,7 @@
 </p:sld>
 </file>
 
-<file path=ppt/slides/slide62.xml><?xml version="1.0" encoding="utf-8"?>
+<file path=ppt/slides/slide63.xml><?xml version="1.0" encoding="utf-8"?>
 <p:sld xmlns:a="http://schemas.openxmlformats.org/drawingml/2006/main" xmlns:r="http://schemas.openxmlformats.org/officeDocument/2006/relationships" xmlns:p="http://schemas.openxmlformats.org/presentationml/2006/main">
   <p:cSld>
     <p:spTree>
@@ -13273,7 +13532,7 @@
 </p:sld>
 </file>
 
-<file path=ppt/slides/slide63.xml><?xml version="1.0" encoding="utf-8"?>
+<file path=ppt/slides/slide64.xml><?xml version="1.0" encoding="utf-8"?>
 <p:sld xmlns:a="http://schemas.openxmlformats.org/drawingml/2006/main" xmlns:r="http://schemas.openxmlformats.org/officeDocument/2006/relationships" xmlns:p="http://schemas.openxmlformats.org/presentationml/2006/main">
   <p:cSld>
     <p:spTree>
@@ -13407,7 +13666,7 @@
 </p:sld>
 </file>
 
-<file path=ppt/slides/slide64.xml><?xml version="1.0" encoding="utf-8"?>
+<file path=ppt/slides/slide65.xml><?xml version="1.0" encoding="utf-8"?>
 <p:sld xmlns:a="http://schemas.openxmlformats.org/drawingml/2006/main" xmlns:r="http://schemas.openxmlformats.org/officeDocument/2006/relationships" xmlns:p="http://schemas.openxmlformats.org/presentationml/2006/main">
   <p:cSld>
     <p:spTree>
@@ -13591,7 +13850,7 @@
 </p:sld>
 </file>
 
-<file path=ppt/slides/slide65.xml><?xml version="1.0" encoding="utf-8"?>
+<file path=ppt/slides/slide66.xml><?xml version="1.0" encoding="utf-8"?>
 <p:sld xmlns:a="http://schemas.openxmlformats.org/drawingml/2006/main" xmlns:r="http://schemas.openxmlformats.org/officeDocument/2006/relationships" xmlns:p="http://schemas.openxmlformats.org/presentationml/2006/main">
   <p:cSld>
     <p:spTree>
@@ -13766,7 +14025,7 @@
 </p:sld>
 </file>
 
-<file path=ppt/slides/slide66.xml><?xml version="1.0" encoding="utf-8"?>
+<file path=ppt/slides/slide67.xml><?xml version="1.0" encoding="utf-8"?>
 <p:sld xmlns:a="http://schemas.openxmlformats.org/drawingml/2006/main" xmlns:r="http://schemas.openxmlformats.org/officeDocument/2006/relationships" xmlns:p="http://schemas.openxmlformats.org/presentationml/2006/main">
   <p:cSld>
     <p:spTree>
@@ -13955,7 +14214,7 @@
 </p:sld>
 </file>
 
-<file path=ppt/slides/slide67.xml><?xml version="1.0" encoding="utf-8"?>
+<file path=ppt/slides/slide68.xml><?xml version="1.0" encoding="utf-8"?>
 <p:sld xmlns:a="http://schemas.openxmlformats.org/drawingml/2006/main" xmlns:r="http://schemas.openxmlformats.org/officeDocument/2006/relationships" xmlns:p="http://schemas.openxmlformats.org/presentationml/2006/main">
   <p:cSld>
     <p:spTree>
@@ -14103,7 +14362,7 @@
 </p:sld>
 </file>
 
-<file path=ppt/slides/slide68.xml><?xml version="1.0" encoding="utf-8"?>
+<file path=ppt/slides/slide69.xml><?xml version="1.0" encoding="utf-8"?>
 <p:sld xmlns:a="http://schemas.openxmlformats.org/drawingml/2006/main" xmlns:r="http://schemas.openxmlformats.org/officeDocument/2006/relationships" xmlns:p="http://schemas.openxmlformats.org/presentationml/2006/main">
   <p:cSld>
     <p:spTree>
@@ -14262,7 +14521,207 @@
 </p:sld>
 </file>
 
-<file path=ppt/slides/slide69.xml><?xml version="1.0" encoding="utf-8"?>
+<file path=ppt/slides/slide7.xml><?xml version="1.0" encoding="utf-8"?>
+<p:sld xmlns:a="http://schemas.openxmlformats.org/drawingml/2006/main" xmlns:r="http://schemas.openxmlformats.org/officeDocument/2006/relationships" xmlns:p="http://schemas.openxmlformats.org/presentationml/2006/main">
+  <p:cSld>
+    <p:spTree>
+      <p:nvGrpSpPr>
+        <p:cNvPr id="1" name=""/>
+        <p:cNvGrpSpPr/>
+        <p:nvPr/>
+      </p:nvGrpSpPr>
+      <p:grpSpPr>
+        <a:xfrm>
+          <a:off x="0" y="0"/>
+          <a:ext cx="0" cy="0"/>
+          <a:chOff x="0" y="0"/>
+          <a:chExt cx="0" cy="0"/>
+        </a:xfrm>
+      </p:grpSpPr>
+      <p:sp>
+        <p:nvSpPr>
+          <p:cNvPr id="2" name="Title 1"/>
+          <p:cNvSpPr>
+            <a:spLocks noGrp="1"/>
+          </p:cNvSpPr>
+          <p:nvPr>
+            <p:ph type="title"/>
+          </p:nvPr>
+        </p:nvSpPr>
+        <p:spPr/>
+        <p:txBody>
+          <a:bodyPr/>
+          <a:lstStyle/>
+          <a:p>
+            <a:r>
+              <a:rPr lang="tr-TR" dirty="0" smtClean="0"/>
+              <a:t>Çekirdek </a:t>
+            </a:r>
+            <a:r>
+              <a:rPr lang="tr-TR" dirty="0" err="1" smtClean="0"/>
+              <a:t>Modu</a:t>
+            </a:r>
+            <a:r>
+              <a:rPr lang="tr-TR" dirty="0" smtClean="0"/>
+              <a:t> ve Kullanıcı </a:t>
+            </a:r>
+            <a:r>
+              <a:rPr lang="tr-TR" dirty="0" err="1" smtClean="0"/>
+              <a:t>Modu</a:t>
+            </a:r>
+            <a:r>
+              <a:rPr lang="nn-NO" dirty="0" smtClean="0"/>
+              <a:t> </a:t>
+            </a:r>
+            <a:endParaRPr lang="tr-TR" dirty="0"/>
+          </a:p>
+        </p:txBody>
+      </p:sp>
+      <p:sp>
+        <p:nvSpPr>
+          <p:cNvPr id="3" name="Content Placeholder 2"/>
+          <p:cNvSpPr>
+            <a:spLocks noGrp="1"/>
+          </p:cNvSpPr>
+          <p:nvPr>
+            <p:ph idx="1"/>
+          </p:nvPr>
+        </p:nvSpPr>
+        <p:spPr>
+          <a:xfrm>
+            <a:off x="838200" y="1825625"/>
+            <a:ext cx="10515600" cy="4680000"/>
+          </a:xfrm>
+        </p:spPr>
+        <p:txBody>
+          <a:bodyPr>
+            <a:normAutofit/>
+          </a:bodyPr>
+          <a:lstStyle/>
+          <a:p>
+            <a:r>
+              <a:rPr lang="tr-TR" dirty="0"/>
+              <a:t>Çoğu bilgisayarın iki çalışma </a:t>
+            </a:r>
+            <a:r>
+              <a:rPr lang="tr-TR" dirty="0" err="1"/>
+              <a:t>modu</a:t>
+            </a:r>
+            <a:r>
+              <a:rPr lang="tr-TR" dirty="0"/>
+              <a:t> vardır</a:t>
+            </a:r>
+            <a:r>
+              <a:rPr lang="tr-TR" dirty="0" smtClean="0"/>
+              <a:t>:</a:t>
+            </a:r>
+          </a:p>
+          <a:p>
+            <a:endParaRPr lang="tr-TR" dirty="0"/>
+          </a:p>
+          <a:p>
+            <a:r>
+              <a:rPr lang="tr-TR" dirty="0"/>
+              <a:t>İşletim sistemi, tüm donanıma tam erişime sahip olan ve herhangi bir talimatı yürütebilen çekirdek </a:t>
+            </a:r>
+            <a:r>
+              <a:rPr lang="tr-TR" dirty="0" err="1"/>
+              <a:t>modunda</a:t>
+            </a:r>
+            <a:r>
+              <a:rPr lang="tr-TR" dirty="0"/>
+              <a:t> çalışır</a:t>
+            </a:r>
+            <a:r>
+              <a:rPr lang="tr-TR" dirty="0" smtClean="0"/>
+              <a:t>.</a:t>
+            </a:r>
+          </a:p>
+          <a:p>
+            <a:r>
+              <a:rPr lang="tr-TR" dirty="0" smtClean="0"/>
+              <a:t>Yazılımın </a:t>
+            </a:r>
+            <a:r>
+              <a:rPr lang="tr-TR" dirty="0"/>
+              <a:t>geri kalanı, sınırlı kapasiteye sahip kullanıcı </a:t>
+            </a:r>
+            <a:r>
+              <a:rPr lang="tr-TR" dirty="0" err="1"/>
+              <a:t>modunda</a:t>
+            </a:r>
+            <a:r>
+              <a:rPr lang="tr-TR" dirty="0"/>
+              <a:t> çalışır</a:t>
+            </a:r>
+            <a:r>
+              <a:rPr lang="tr-TR" dirty="0" smtClean="0"/>
+              <a:t>.</a:t>
+            </a:r>
+          </a:p>
+          <a:p>
+            <a:r>
+              <a:rPr lang="tr-TR" dirty="0" smtClean="0"/>
+              <a:t>Kabuk </a:t>
+            </a:r>
+            <a:r>
+              <a:rPr lang="tr-TR" dirty="0"/>
+              <a:t>veya </a:t>
+            </a:r>
+            <a:r>
+              <a:rPr lang="tr-TR" dirty="0" smtClean="0"/>
+              <a:t>GKA, </a:t>
+            </a:r>
+            <a:r>
+              <a:rPr lang="tr-TR" dirty="0"/>
+              <a:t>kullanıcı </a:t>
+            </a:r>
+            <a:r>
+              <a:rPr lang="tr-TR" dirty="0" err="1"/>
+              <a:t>modu</a:t>
+            </a:r>
+            <a:r>
+              <a:rPr lang="tr-TR" dirty="0"/>
+              <a:t> yazılımının en düşük </a:t>
+            </a:r>
+            <a:r>
+              <a:rPr lang="tr-TR" dirty="0" smtClean="0"/>
+              <a:t>seviyesidir.</a:t>
+            </a:r>
+            <a:endParaRPr lang="tr-TR" dirty="0"/>
+          </a:p>
+          <a:p>
+            <a:endParaRPr lang="tr-TR" dirty="0"/>
+          </a:p>
+          <a:p>
+            <a:endParaRPr lang="tr-TR" dirty="0"/>
+          </a:p>
+          <a:p>
+            <a:endParaRPr lang="tr-TR" dirty="0"/>
+          </a:p>
+        </p:txBody>
+      </p:sp>
+    </p:spTree>
+    <p:extLst>
+      <p:ext uri="{BB962C8B-B14F-4D97-AF65-F5344CB8AC3E}">
+        <p14:creationId xmlns:p14="http://schemas.microsoft.com/office/powerpoint/2010/main" val="659976593"/>
+      </p:ext>
+    </p:extLst>
+  </p:cSld>
+  <p:clrMapOvr>
+    <a:masterClrMapping/>
+  </p:clrMapOvr>
+  <p:timing>
+    <p:tnLst>
+      <p:par>
+        <p:cTn id="1" dur="indefinite" restart="never" nodeType="tmRoot"/>
+      </p:par>
+    </p:tnLst>
+  </p:timing>
+</p:sld>
+</file>
+
+<file path=ppt/slides/slide70.xml><?xml version="1.0" encoding="utf-8"?>
 <p:sld xmlns:a="http://schemas.openxmlformats.org/drawingml/2006/main" xmlns:r="http://schemas.openxmlformats.org/officeDocument/2006/relationships" xmlns:p="http://schemas.openxmlformats.org/presentationml/2006/main">
   <p:cSld>
     <p:spTree>
@@ -14411,202 +14870,7 @@
 </p:sld>
 </file>
 
-<file path=ppt/slides/slide7.xml><?xml version="1.0" encoding="utf-8"?>
-<p:sld xmlns:a="http://schemas.openxmlformats.org/drawingml/2006/main" xmlns:r="http://schemas.openxmlformats.org/officeDocument/2006/relationships" xmlns:p="http://schemas.openxmlformats.org/presentationml/2006/main">
-  <p:cSld>
-    <p:spTree>
-      <p:nvGrpSpPr>
-        <p:cNvPr id="1" name=""/>
-        <p:cNvGrpSpPr/>
-        <p:nvPr/>
-      </p:nvGrpSpPr>
-      <p:grpSpPr>
-        <a:xfrm>
-          <a:off x="0" y="0"/>
-          <a:ext cx="0" cy="0"/>
-          <a:chOff x="0" y="0"/>
-          <a:chExt cx="0" cy="0"/>
-        </a:xfrm>
-      </p:grpSpPr>
-      <p:sp>
-        <p:nvSpPr>
-          <p:cNvPr id="2" name="Title 1"/>
-          <p:cNvSpPr>
-            <a:spLocks noGrp="1"/>
-          </p:cNvSpPr>
-          <p:nvPr>
-            <p:ph type="title"/>
-          </p:nvPr>
-        </p:nvSpPr>
-        <p:spPr/>
-        <p:txBody>
-          <a:bodyPr/>
-          <a:lstStyle/>
-          <a:p>
-            <a:r>
-              <a:rPr lang="tr-TR" dirty="0" smtClean="0"/>
-              <a:t>Genişletilmiş </a:t>
-            </a:r>
-            <a:r>
-              <a:rPr lang="nn-NO" dirty="0" smtClean="0"/>
-              <a:t>Makine Olarak</a:t>
-            </a:r>
-            <a:r>
-              <a:rPr lang="tr-TR" dirty="0" smtClean="0"/>
-              <a:t> </a:t>
-            </a:r>
-            <a:r>
-              <a:rPr lang="nn-NO" dirty="0"/>
-              <a:t>İşletim Sistemi </a:t>
-            </a:r>
-            <a:endParaRPr lang="tr-TR" dirty="0"/>
-          </a:p>
-        </p:txBody>
-      </p:sp>
-      <p:sp>
-        <p:nvSpPr>
-          <p:cNvPr id="3" name="Content Placeholder 2"/>
-          <p:cNvSpPr>
-            <a:spLocks noGrp="1"/>
-          </p:cNvSpPr>
-          <p:nvPr>
-            <p:ph idx="1"/>
-          </p:nvPr>
-        </p:nvSpPr>
-        <p:spPr>
-          <a:xfrm>
-            <a:off x="838200" y="1825625"/>
-            <a:ext cx="10515600" cy="4680000"/>
-          </a:xfrm>
-        </p:spPr>
-        <p:txBody>
-          <a:bodyPr>
-            <a:normAutofit/>
-          </a:bodyPr>
-          <a:lstStyle/>
-          <a:p>
-            <a:r>
-              <a:rPr lang="tr-TR" dirty="0" smtClean="0"/>
-              <a:t>Donanımın </a:t>
-            </a:r>
-            <a:r>
-              <a:rPr lang="tr-TR" dirty="0"/>
-              <a:t>üstüne inşa edilmiş bir yazılımdır.</a:t>
-            </a:r>
-          </a:p>
-          <a:p>
-            <a:r>
-              <a:rPr lang="tr-TR" dirty="0" smtClean="0"/>
-              <a:t>Bilgisayar </a:t>
-            </a:r>
-            <a:r>
-              <a:rPr lang="tr-TR" dirty="0"/>
-              <a:t>donanımını kullanmayı kolaylaştırır.</a:t>
-            </a:r>
-          </a:p>
-          <a:p>
-            <a:r>
-              <a:rPr lang="tr-TR" dirty="0" smtClean="0"/>
-              <a:t>Donanımın </a:t>
-            </a:r>
-            <a:r>
-              <a:rPr lang="tr-TR" dirty="0"/>
-              <a:t>özelliklerini ve yeteneklerini </a:t>
-            </a:r>
-            <a:r>
-              <a:rPr lang="tr-TR" dirty="0" smtClean="0"/>
-              <a:t>kullanılabilir </a:t>
-            </a:r>
-            <a:r>
-              <a:rPr lang="tr-TR" dirty="0"/>
-              <a:t>hale getirir.</a:t>
-            </a:r>
-          </a:p>
-          <a:p>
-            <a:r>
-              <a:rPr lang="tr-TR" dirty="0" smtClean="0"/>
-              <a:t>Donanımın </a:t>
-            </a:r>
-            <a:r>
-              <a:rPr lang="tr-TR" dirty="0"/>
-              <a:t>özelliklerini gizler ve </a:t>
-            </a:r>
-            <a:r>
-              <a:rPr lang="tr-TR" dirty="0" smtClean="0"/>
-              <a:t>direk </a:t>
-            </a:r>
-            <a:r>
-              <a:rPr lang="tr-TR" dirty="0"/>
-              <a:t>kullanmasını </a:t>
-            </a:r>
-            <a:r>
-              <a:rPr lang="tr-TR" dirty="0" smtClean="0"/>
-              <a:t>engeller.</a:t>
-            </a:r>
-          </a:p>
-          <a:p>
-            <a:r>
-              <a:rPr lang="tr-TR" dirty="0" smtClean="0"/>
-              <a:t>İşletim </a:t>
-            </a:r>
-            <a:r>
-              <a:rPr lang="tr-TR" dirty="0"/>
-              <a:t>sistemi </a:t>
-            </a:r>
-            <a:r>
-              <a:rPr lang="tr-TR" dirty="0" err="1"/>
-              <a:t>arayüzünü</a:t>
-            </a:r>
-            <a:r>
-              <a:rPr lang="tr-TR" dirty="0"/>
-              <a:t> kullanmak daha kolaydır</a:t>
-            </a:r>
-            <a:r>
-              <a:rPr lang="tr-TR" dirty="0" smtClean="0"/>
-              <a:t>.</a:t>
-            </a:r>
-          </a:p>
-          <a:p>
-            <a:r>
-              <a:rPr lang="tr-TR" dirty="0"/>
-              <a:t>İşletim sistemleri çirkin donanımları güzel soyutlamalara dönüştürür.</a:t>
-            </a:r>
-          </a:p>
-          <a:p>
-            <a:endParaRPr lang="tr-TR" dirty="0"/>
-          </a:p>
-          <a:p>
-            <a:endParaRPr lang="tr-TR" dirty="0"/>
-          </a:p>
-          <a:p>
-            <a:endParaRPr lang="tr-TR" dirty="0"/>
-          </a:p>
-          <a:p>
-            <a:endParaRPr lang="tr-TR" dirty="0"/>
-          </a:p>
-        </p:txBody>
-      </p:sp>
-    </p:spTree>
-    <p:extLst>
-      <p:ext uri="{BB962C8B-B14F-4D97-AF65-F5344CB8AC3E}">
-        <p14:creationId xmlns:p14="http://schemas.microsoft.com/office/powerpoint/2010/main" val="3165780487"/>
-      </p:ext>
-    </p:extLst>
-  </p:cSld>
-  <p:clrMapOvr>
-    <a:masterClrMapping/>
-  </p:clrMapOvr>
-  <p:timing>
-    <p:tnLst>
-      <p:par>
-        <p:cTn id="1" dur="indefinite" restart="never" nodeType="tmRoot"/>
-      </p:par>
-    </p:tnLst>
-  </p:timing>
-</p:sld>
-</file>
-
-<file path=ppt/slides/slide70.xml><?xml version="1.0" encoding="utf-8"?>
+<file path=ppt/slides/slide71.xml><?xml version="1.0" encoding="utf-8"?>
 <p:sld xmlns:a="http://schemas.openxmlformats.org/drawingml/2006/main" xmlns:r="http://schemas.openxmlformats.org/officeDocument/2006/relationships" xmlns:p="http://schemas.openxmlformats.org/presentationml/2006/main">
   <p:cSld>
     <p:spTree>
@@ -14760,7 +15024,7 @@
 </p:sld>
 </file>
 
-<file path=ppt/slides/slide71.xml><?xml version="1.0" encoding="utf-8"?>
+<file path=ppt/slides/slide72.xml><?xml version="1.0" encoding="utf-8"?>
 <p:sld xmlns:a="http://schemas.openxmlformats.org/drawingml/2006/main" xmlns:r="http://schemas.openxmlformats.org/officeDocument/2006/relationships" xmlns:p="http://schemas.openxmlformats.org/presentationml/2006/main">
   <p:cSld>
     <p:spTree>
@@ -14957,7 +15221,7 @@
 </p:sld>
 </file>
 
-<file path=ppt/slides/slide72.xml><?xml version="1.0" encoding="utf-8"?>
+<file path=ppt/slides/slide73.xml><?xml version="1.0" encoding="utf-8"?>
 <p:sld xmlns:a="http://schemas.openxmlformats.org/drawingml/2006/main" xmlns:r="http://schemas.openxmlformats.org/officeDocument/2006/relationships" xmlns:p="http://schemas.openxmlformats.org/presentationml/2006/main">
   <p:cSld>
     <p:spTree>
@@ -15121,7 +15385,191 @@
 </p:sld>
 </file>
 
-<file path=ppt/slides/slide73.xml><?xml version="1.0" encoding="utf-8"?>
+<file path=ppt/slides/slide74.xml><?xml version="1.0" encoding="utf-8"?>
+<p:sld xmlns:a="http://schemas.openxmlformats.org/drawingml/2006/main" xmlns:r="http://schemas.openxmlformats.org/officeDocument/2006/relationships" xmlns:p="http://schemas.openxmlformats.org/presentationml/2006/main">
+  <p:cSld>
+    <p:spTree>
+      <p:nvGrpSpPr>
+        <p:cNvPr id="1" name=""/>
+        <p:cNvGrpSpPr/>
+        <p:nvPr/>
+      </p:nvGrpSpPr>
+      <p:grpSpPr>
+        <a:xfrm>
+          <a:off x="0" y="0"/>
+          <a:ext cx="0" cy="0"/>
+          <a:chOff x="0" y="0"/>
+          <a:chExt cx="0" cy="0"/>
+        </a:xfrm>
+      </p:grpSpPr>
+      <p:sp>
+        <p:nvSpPr>
+          <p:cNvPr id="2" name="Title 1"/>
+          <p:cNvSpPr>
+            <a:spLocks noGrp="1"/>
+          </p:cNvSpPr>
+          <p:nvPr>
+            <p:ph type="title"/>
+          </p:nvPr>
+        </p:nvSpPr>
+        <p:spPr/>
+        <p:txBody>
+          <a:bodyPr/>
+          <a:lstStyle/>
+          <a:p>
+            <a:r>
+              <a:rPr lang="tr-TR" dirty="0" smtClean="0"/>
+              <a:t>Kilitlenme (</a:t>
+            </a:r>
+            <a:r>
+              <a:rPr lang="tr-TR" dirty="0" err="1" smtClean="0"/>
+              <a:t>Deadlock</a:t>
+            </a:r>
+            <a:r>
+              <a:rPr lang="tr-TR" dirty="0" smtClean="0"/>
+              <a:t>)</a:t>
+            </a:r>
+            <a:endParaRPr lang="tr-TR" dirty="0"/>
+          </a:p>
+        </p:txBody>
+      </p:sp>
+      <p:sp>
+        <p:nvSpPr>
+          <p:cNvPr id="3" name="Content Placeholder 2"/>
+          <p:cNvSpPr>
+            <a:spLocks noGrp="1"/>
+          </p:cNvSpPr>
+          <p:nvPr>
+            <p:ph idx="1"/>
+          </p:nvPr>
+        </p:nvSpPr>
+        <p:spPr>
+          <a:xfrm>
+            <a:off x="838200" y="1825625"/>
+            <a:ext cx="10515600" cy="4680000"/>
+          </a:xfrm>
+        </p:spPr>
+        <p:txBody>
+          <a:bodyPr>
+            <a:normAutofit/>
+          </a:bodyPr>
+          <a:lstStyle/>
+          <a:p>
+            <a:pPr marL="514350" indent="-514350">
+              <a:buAutoNum type="alphaLcParenBoth"/>
+            </a:pPr>
+            <a:r>
+              <a:rPr lang="tr-TR" dirty="0" smtClean="0"/>
+              <a:t>Potansiyel kilitlenme</a:t>
+            </a:r>
+            <a:endParaRPr lang="tr-TR" dirty="0" smtClean="0"/>
+          </a:p>
+          <a:p>
+            <a:pPr marL="514350" indent="-514350">
+              <a:buAutoNum type="alphaLcParenBoth"/>
+            </a:pPr>
+            <a:r>
+              <a:rPr lang="tr-TR" dirty="0" smtClean="0"/>
+              <a:t>Gerçekleşmiş kilitlenme </a:t>
+            </a:r>
+            <a:endParaRPr lang="tr-TR" dirty="0"/>
+          </a:p>
+          <a:p>
+            <a:endParaRPr lang="tr-TR" dirty="0"/>
+          </a:p>
+          <a:p>
+            <a:endParaRPr lang="tr-TR" dirty="0"/>
+          </a:p>
+          <a:p>
+            <a:endParaRPr lang="tr-TR" dirty="0"/>
+          </a:p>
+        </p:txBody>
+      </p:sp>
+      <p:pic>
+        <p:nvPicPr>
+          <p:cNvPr id="5" name="Picture 4"/>
+          <p:cNvPicPr>
+            <a:picLocks noChangeAspect="1" noChangeArrowheads="1"/>
+          </p:cNvPicPr>
+          <p:nvPr/>
+        </p:nvPicPr>
+        <p:blipFill>
+          <a:blip r:embed="rId2">
+            <a:extLst>
+              <a:ext uri="{28A0092B-C50C-407E-A947-70E740481C1C}">
+                <a14:useLocalDpi xmlns:a14="http://schemas.microsoft.com/office/drawing/2010/main" val="0"/>
+              </a:ext>
+            </a:extLst>
+          </a:blip>
+          <a:srcRect/>
+          <a:stretch>
+            <a:fillRect/>
+          </a:stretch>
+        </p:blipFill>
+        <p:spPr bwMode="auto">
+          <a:xfrm>
+            <a:off x="1446416" y="3095675"/>
+            <a:ext cx="8228013" cy="3409950"/>
+          </a:xfrm>
+          <a:prstGeom prst="rect">
+            <a:avLst/>
+          </a:prstGeom>
+          <a:noFill/>
+          <a:ln>
+            <a:noFill/>
+          </a:ln>
+          <a:effectLst/>
+          <a:extLst>
+            <a:ext uri="{909E8E84-426E-40DD-AFC4-6F175D3DCCD1}">
+              <a14:hiddenFill xmlns:a14="http://schemas.microsoft.com/office/drawing/2010/main">
+                <a:solidFill>
+                  <a:schemeClr val="accent1"/>
+                </a:solidFill>
+              </a14:hiddenFill>
+            </a:ext>
+            <a:ext uri="{91240B29-F687-4F45-9708-019B960494DF}">
+              <a14:hiddenLine xmlns:a14="http://schemas.microsoft.com/office/drawing/2010/main" w="9525">
+                <a:solidFill>
+                  <a:schemeClr val="tx1"/>
+                </a:solidFill>
+                <a:miter lim="800000"/>
+                <a:headEnd/>
+                <a:tailEnd/>
+              </a14:hiddenLine>
+            </a:ext>
+            <a:ext uri="{AF507438-7753-43E0-B8FC-AC1667EBCBE1}">
+              <a14:hiddenEffects xmlns:a14="http://schemas.microsoft.com/office/drawing/2010/main">
+                <a:effectLst>
+                  <a:outerShdw dist="35921" dir="2700000" algn="ctr" rotWithShape="0">
+                    <a:schemeClr val="bg2"/>
+                  </a:outerShdw>
+                </a:effectLst>
+              </a14:hiddenEffects>
+            </a:ext>
+          </a:extLst>
+        </p:spPr>
+      </p:pic>
+    </p:spTree>
+    <p:extLst>
+      <p:ext uri="{BB962C8B-B14F-4D97-AF65-F5344CB8AC3E}">
+        <p14:creationId xmlns:p14="http://schemas.microsoft.com/office/powerpoint/2010/main" val="349155153"/>
+      </p:ext>
+    </p:extLst>
+  </p:cSld>
+  <p:clrMapOvr>
+    <a:masterClrMapping/>
+  </p:clrMapOvr>
+  <p:timing>
+    <p:tnLst>
+      <p:par>
+        <p:cTn id="1" dur="indefinite" restart="never" nodeType="tmRoot"/>
+      </p:par>
+    </p:tnLst>
+  </p:timing>
+</p:sld>
+</file>
+
+<file path=ppt/slides/slide75.xml><?xml version="1.0" encoding="utf-8"?>
 <p:sld xmlns:a="http://schemas.openxmlformats.org/drawingml/2006/main" xmlns:r="http://schemas.openxmlformats.org/officeDocument/2006/relationships" xmlns:p="http://schemas.openxmlformats.org/presentationml/2006/main">
   <p:cSld>
     <p:spTree>
@@ -15273,7 +15721,7 @@
 </p:sld>
 </file>
 
-<file path=ppt/slides/slide74.xml><?xml version="1.0" encoding="utf-8"?>
+<file path=ppt/slides/slide76.xml><?xml version="1.0" encoding="utf-8"?>
 <p:sld xmlns:a="http://schemas.openxmlformats.org/drawingml/2006/main" xmlns:r="http://schemas.openxmlformats.org/officeDocument/2006/relationships" xmlns:p="http://schemas.openxmlformats.org/presentationml/2006/main">
   <p:cSld>
     <p:spTree>
@@ -15425,7 +15873,7 @@
 </p:sld>
 </file>
 
-<file path=ppt/slides/slide75.xml><?xml version="1.0" encoding="utf-8"?>
+<file path=ppt/slides/slide77.xml><?xml version="1.0" encoding="utf-8"?>
 <p:sld xmlns:a="http://schemas.openxmlformats.org/drawingml/2006/main" xmlns:r="http://schemas.openxmlformats.org/officeDocument/2006/relationships" xmlns:p="http://schemas.openxmlformats.org/presentationml/2006/main">
   <p:cSld>
     <p:spTree>
@@ -15571,7 +16019,7 @@
 </p:sld>
 </file>
 
-<file path=ppt/slides/slide76.xml><?xml version="1.0" encoding="utf-8"?>
+<file path=ppt/slides/slide78.xml><?xml version="1.0" encoding="utf-8"?>
 <p:sld xmlns:a="http://schemas.openxmlformats.org/drawingml/2006/main" xmlns:r="http://schemas.openxmlformats.org/officeDocument/2006/relationships" xmlns:p="http://schemas.openxmlformats.org/presentationml/2006/main">
   <p:cSld>
     <p:spTree>
@@ -15724,7 +16172,7 @@
 </p:sld>
 </file>
 
-<file path=ppt/slides/slide77.xml><?xml version="1.0" encoding="utf-8"?>
+<file path=ppt/slides/slide79.xml><?xml version="1.0" encoding="utf-8"?>
 <p:sld xmlns:a="http://schemas.openxmlformats.org/drawingml/2006/main" xmlns:r="http://schemas.openxmlformats.org/officeDocument/2006/relationships" xmlns:p="http://schemas.openxmlformats.org/presentationml/2006/main">
   <p:cSld>
     <p:spTree>
@@ -15873,7 +16321,391 @@
 </p:sld>
 </file>
 
-<file path=ppt/slides/slide78.xml><?xml version="1.0" encoding="utf-8"?>
+<file path=ppt/slides/slide8.xml><?xml version="1.0" encoding="utf-8"?>
+<p:sld xmlns:a="http://schemas.openxmlformats.org/drawingml/2006/main" xmlns:r="http://schemas.openxmlformats.org/officeDocument/2006/relationships" xmlns:p="http://schemas.openxmlformats.org/presentationml/2006/main">
+  <p:cSld>
+    <p:spTree>
+      <p:nvGrpSpPr>
+        <p:cNvPr id="1" name=""/>
+        <p:cNvGrpSpPr/>
+        <p:nvPr/>
+      </p:nvGrpSpPr>
+      <p:grpSpPr>
+        <a:xfrm>
+          <a:off x="0" y="0"/>
+          <a:ext cx="0" cy="0"/>
+          <a:chOff x="0" y="0"/>
+          <a:chExt cx="0" cy="0"/>
+        </a:xfrm>
+      </p:grpSpPr>
+      <p:sp>
+        <p:nvSpPr>
+          <p:cNvPr id="2" name="Title 1"/>
+          <p:cNvSpPr>
+            <a:spLocks noGrp="1"/>
+          </p:cNvSpPr>
+          <p:nvPr>
+            <p:ph type="title"/>
+          </p:nvPr>
+        </p:nvSpPr>
+        <p:spPr/>
+        <p:txBody>
+          <a:bodyPr/>
+          <a:lstStyle/>
+          <a:p>
+            <a:r>
+              <a:rPr lang="tr-TR" dirty="0" smtClean="0"/>
+              <a:t>Genişletilmiş </a:t>
+            </a:r>
+            <a:r>
+              <a:rPr lang="nn-NO" dirty="0" smtClean="0"/>
+              <a:t>Makine Olarak</a:t>
+            </a:r>
+            <a:r>
+              <a:rPr lang="tr-TR" dirty="0" smtClean="0"/>
+              <a:t> </a:t>
+            </a:r>
+            <a:r>
+              <a:rPr lang="nn-NO" dirty="0"/>
+              <a:t>İşletim Sistemi </a:t>
+            </a:r>
+            <a:endParaRPr lang="tr-TR" dirty="0"/>
+          </a:p>
+        </p:txBody>
+      </p:sp>
+      <p:sp>
+        <p:nvSpPr>
+          <p:cNvPr id="3" name="Content Placeholder 2"/>
+          <p:cNvSpPr>
+            <a:spLocks noGrp="1"/>
+          </p:cNvSpPr>
+          <p:nvPr>
+            <p:ph idx="1"/>
+          </p:nvPr>
+        </p:nvSpPr>
+        <p:spPr>
+          <a:xfrm>
+            <a:off x="838200" y="1825625"/>
+            <a:ext cx="10515600" cy="4680000"/>
+          </a:xfrm>
+        </p:spPr>
+        <p:txBody>
+          <a:bodyPr>
+            <a:normAutofit/>
+          </a:bodyPr>
+          <a:lstStyle/>
+          <a:p>
+            <a:r>
+              <a:rPr lang="tr-TR" dirty="0" smtClean="0"/>
+              <a:t>Donanımın </a:t>
+            </a:r>
+            <a:r>
+              <a:rPr lang="tr-TR" dirty="0"/>
+              <a:t>üstüne inşa edilmiş bir yazılımdır.</a:t>
+            </a:r>
+          </a:p>
+          <a:p>
+            <a:r>
+              <a:rPr lang="tr-TR" dirty="0" smtClean="0"/>
+              <a:t>Bilgisayar </a:t>
+            </a:r>
+            <a:r>
+              <a:rPr lang="tr-TR" dirty="0"/>
+              <a:t>donanımını kullanmayı kolaylaştırır.</a:t>
+            </a:r>
+          </a:p>
+          <a:p>
+            <a:r>
+              <a:rPr lang="tr-TR" dirty="0" smtClean="0"/>
+              <a:t>Donanımın </a:t>
+            </a:r>
+            <a:r>
+              <a:rPr lang="tr-TR" dirty="0"/>
+              <a:t>özelliklerini ve yeteneklerini </a:t>
+            </a:r>
+            <a:r>
+              <a:rPr lang="tr-TR" dirty="0" smtClean="0"/>
+              <a:t>kullanılabilir </a:t>
+            </a:r>
+            <a:r>
+              <a:rPr lang="tr-TR" dirty="0"/>
+              <a:t>hale getirir.</a:t>
+            </a:r>
+          </a:p>
+          <a:p>
+            <a:r>
+              <a:rPr lang="tr-TR" dirty="0" smtClean="0"/>
+              <a:t>Donanımın </a:t>
+            </a:r>
+            <a:r>
+              <a:rPr lang="tr-TR" dirty="0"/>
+              <a:t>özelliklerini gizler ve </a:t>
+            </a:r>
+            <a:r>
+              <a:rPr lang="tr-TR" dirty="0" smtClean="0"/>
+              <a:t>direk </a:t>
+            </a:r>
+            <a:r>
+              <a:rPr lang="tr-TR" dirty="0"/>
+              <a:t>kullanmasını </a:t>
+            </a:r>
+            <a:r>
+              <a:rPr lang="tr-TR" dirty="0" smtClean="0"/>
+              <a:t>engeller.</a:t>
+            </a:r>
+          </a:p>
+          <a:p>
+            <a:r>
+              <a:rPr lang="tr-TR" dirty="0" smtClean="0"/>
+              <a:t>İşletim </a:t>
+            </a:r>
+            <a:r>
+              <a:rPr lang="tr-TR" dirty="0"/>
+              <a:t>sistemi </a:t>
+            </a:r>
+            <a:r>
+              <a:rPr lang="tr-TR" dirty="0" err="1"/>
+              <a:t>arayüzünü</a:t>
+            </a:r>
+            <a:r>
+              <a:rPr lang="tr-TR" dirty="0"/>
+              <a:t> kullanmak daha kolaydır</a:t>
+            </a:r>
+            <a:r>
+              <a:rPr lang="tr-TR" dirty="0" smtClean="0"/>
+              <a:t>.</a:t>
+            </a:r>
+          </a:p>
+          <a:p>
+            <a:r>
+              <a:rPr lang="tr-TR" dirty="0"/>
+              <a:t>İşletim sistemleri çirkin donanımları güzel soyutlamalara dönüştürür.</a:t>
+            </a:r>
+          </a:p>
+          <a:p>
+            <a:endParaRPr lang="tr-TR" dirty="0"/>
+          </a:p>
+          <a:p>
+            <a:endParaRPr lang="tr-TR" dirty="0"/>
+          </a:p>
+          <a:p>
+            <a:endParaRPr lang="tr-TR" dirty="0"/>
+          </a:p>
+          <a:p>
+            <a:endParaRPr lang="tr-TR" dirty="0"/>
+          </a:p>
+        </p:txBody>
+      </p:sp>
+    </p:spTree>
+    <p:extLst>
+      <p:ext uri="{BB962C8B-B14F-4D97-AF65-F5344CB8AC3E}">
+        <p14:creationId xmlns:p14="http://schemas.microsoft.com/office/powerpoint/2010/main" val="3165780487"/>
+      </p:ext>
+    </p:extLst>
+  </p:cSld>
+  <p:clrMapOvr>
+    <a:masterClrMapping/>
+  </p:clrMapOvr>
+  <p:timing>
+    <p:tnLst>
+      <p:par>
+        <p:cTn id="1" dur="indefinite" restart="never" nodeType="tmRoot"/>
+      </p:par>
+    </p:tnLst>
+  </p:timing>
+</p:sld>
+</file>
+
+<file path=ppt/slides/slide80.xml><?xml version="1.0" encoding="utf-8"?>
+<p:sld xmlns:a="http://schemas.openxmlformats.org/drawingml/2006/main" xmlns:r="http://schemas.openxmlformats.org/officeDocument/2006/relationships" xmlns:p="http://schemas.openxmlformats.org/presentationml/2006/main">
+  <p:cSld>
+    <p:spTree>
+      <p:nvGrpSpPr>
+        <p:cNvPr id="1" name=""/>
+        <p:cNvGrpSpPr/>
+        <p:nvPr/>
+      </p:nvGrpSpPr>
+      <p:grpSpPr>
+        <a:xfrm>
+          <a:off x="0" y="0"/>
+          <a:ext cx="0" cy="0"/>
+          <a:chOff x="0" y="0"/>
+          <a:chExt cx="0" cy="0"/>
+        </a:xfrm>
+      </p:grpSpPr>
+      <p:sp>
+        <p:nvSpPr>
+          <p:cNvPr id="2" name="Title 1"/>
+          <p:cNvSpPr>
+            <a:spLocks noGrp="1"/>
+          </p:cNvSpPr>
+          <p:nvPr>
+            <p:ph type="title"/>
+          </p:nvPr>
+        </p:nvSpPr>
+        <p:spPr/>
+        <p:txBody>
+          <a:bodyPr/>
+          <a:lstStyle/>
+          <a:p>
+            <a:r>
+              <a:rPr lang="tr-TR" dirty="0" err="1" smtClean="0"/>
+              <a:t>Mikrokernel</a:t>
+            </a:r>
+            <a:endParaRPr lang="tr-TR" dirty="0"/>
+          </a:p>
+        </p:txBody>
+      </p:sp>
+      <p:sp>
+        <p:nvSpPr>
+          <p:cNvPr id="3" name="Content Placeholder 2"/>
+          <p:cNvSpPr>
+            <a:spLocks noGrp="1"/>
+          </p:cNvSpPr>
+          <p:nvPr>
+            <p:ph idx="1"/>
+          </p:nvPr>
+        </p:nvSpPr>
+        <p:spPr>
+          <a:xfrm>
+            <a:off x="838200" y="1825625"/>
+            <a:ext cx="10515600" cy="4680000"/>
+          </a:xfrm>
+        </p:spPr>
+        <p:txBody>
+          <a:bodyPr>
+            <a:normAutofit/>
+          </a:bodyPr>
+          <a:lstStyle/>
+          <a:p>
+            <a:r>
+              <a:rPr lang="tr-TR" dirty="0"/>
+              <a:t>Çekirdekte az sayıda </a:t>
+            </a:r>
+            <a:r>
+              <a:rPr lang="tr-TR" dirty="0" smtClean="0"/>
+              <a:t>sürecin yürütülmesine izin verilir</a:t>
+            </a:r>
+          </a:p>
+          <a:p>
+            <a:r>
+              <a:rPr lang="tr-TR" dirty="0" smtClean="0"/>
+              <a:t>Hataların </a:t>
+            </a:r>
+            <a:r>
+              <a:rPr lang="tr-TR" dirty="0"/>
+              <a:t>etkilerini en aza indirir </a:t>
+            </a:r>
+            <a:endParaRPr lang="tr-TR" dirty="0" smtClean="0"/>
+          </a:p>
+          <a:p>
+            <a:pPr lvl="1"/>
+            <a:r>
+              <a:rPr lang="tr-TR" dirty="0" smtClean="0"/>
+              <a:t>Sürücüdeki bir hatanın </a:t>
+            </a:r>
+            <a:r>
+              <a:rPr lang="tr-TR" dirty="0"/>
+              <a:t>sistemi </a:t>
+            </a:r>
+            <a:r>
+              <a:rPr lang="tr-TR" dirty="0" smtClean="0"/>
+              <a:t>çökertmesi istenmez</a:t>
+            </a:r>
+          </a:p>
+          <a:p>
+            <a:r>
+              <a:rPr lang="tr-TR" dirty="0" smtClean="0"/>
+              <a:t>Mekanizma çekirdekte, ilke (</a:t>
+            </a:r>
+            <a:r>
+              <a:rPr lang="tr-TR" dirty="0" err="1" smtClean="0"/>
+              <a:t>policy</a:t>
+            </a:r>
+            <a:r>
+              <a:rPr lang="tr-TR" dirty="0" smtClean="0"/>
+              <a:t>) </a:t>
+            </a:r>
+            <a:r>
+              <a:rPr lang="tr-TR" dirty="0"/>
+              <a:t>çekirdeğin </a:t>
+            </a:r>
+            <a:r>
+              <a:rPr lang="tr-TR" dirty="0" smtClean="0"/>
+              <a:t>dışındadır</a:t>
+            </a:r>
+          </a:p>
+          <a:p>
+            <a:pPr lvl="1"/>
+            <a:r>
+              <a:rPr lang="tr-TR" dirty="0" smtClean="0"/>
+              <a:t>Mekanizma, süreçler önceliklerine göre çizelgelenir (</a:t>
+            </a:r>
+            <a:r>
+              <a:rPr lang="tr-TR" dirty="0" err="1" smtClean="0"/>
+              <a:t>kernel</a:t>
+            </a:r>
+            <a:r>
+              <a:rPr lang="tr-TR" dirty="0" smtClean="0"/>
+              <a:t>)</a:t>
+            </a:r>
+          </a:p>
+          <a:p>
+            <a:pPr lvl="1"/>
+            <a:r>
+              <a:rPr lang="tr-TR" dirty="0" smtClean="0"/>
+              <a:t>İlke, süreç öncelikleri kullanıcı </a:t>
+            </a:r>
+            <a:r>
+              <a:rPr lang="tr-TR" dirty="0" err="1" smtClean="0"/>
+              <a:t>modunda</a:t>
+            </a:r>
+            <a:r>
+              <a:rPr lang="tr-TR" dirty="0" smtClean="0"/>
+              <a:t> tanımlanır (</a:t>
+            </a:r>
+            <a:r>
+              <a:rPr lang="tr-TR" dirty="0" err="1" smtClean="0"/>
+              <a:t>user</a:t>
+            </a:r>
+            <a:r>
+              <a:rPr lang="tr-TR" dirty="0" smtClean="0"/>
+              <a:t>)</a:t>
+            </a:r>
+            <a:endParaRPr lang="tr-TR" dirty="0"/>
+          </a:p>
+          <a:p>
+            <a:endParaRPr lang="tr-TR" dirty="0"/>
+          </a:p>
+          <a:p>
+            <a:endParaRPr lang="tr-TR" dirty="0"/>
+          </a:p>
+          <a:p>
+            <a:endParaRPr lang="tr-TR" dirty="0"/>
+          </a:p>
+        </p:txBody>
+      </p:sp>
+    </p:spTree>
+    <p:extLst>
+      <p:ext uri="{BB962C8B-B14F-4D97-AF65-F5344CB8AC3E}">
+        <p14:creationId xmlns:p14="http://schemas.microsoft.com/office/powerpoint/2010/main" val="1637187763"/>
+      </p:ext>
+    </p:extLst>
+  </p:cSld>
+  <p:clrMapOvr>
+    <a:masterClrMapping/>
+  </p:clrMapOvr>
+  <p:timing>
+    <p:tnLst>
+      <p:par>
+        <p:cTn id="1" dur="indefinite" restart="never" nodeType="tmRoot"/>
+      </p:par>
+    </p:tnLst>
+  </p:timing>
+</p:sld>
+</file>
+
+<file path=ppt/slides/slide81.xml><?xml version="1.0" encoding="utf-8"?>
 <p:sld xmlns:a="http://schemas.openxmlformats.org/drawingml/2006/main" xmlns:r="http://schemas.openxmlformats.org/officeDocument/2006/relationships" xmlns:p="http://schemas.openxmlformats.org/presentationml/2006/main">
   <p:cSld>
     <p:spTree>
@@ -16013,7 +16845,7 @@
     </p:spTree>
     <p:extLst>
       <p:ext uri="{BB962C8B-B14F-4D97-AF65-F5344CB8AC3E}">
-        <p14:creationId xmlns:p14="http://schemas.microsoft.com/office/powerpoint/2010/main" val="1637187763"/>
+        <p14:creationId xmlns:p14="http://schemas.microsoft.com/office/powerpoint/2010/main" val="3339847979"/>
       </p:ext>
     </p:extLst>
   </p:cSld>
@@ -16030,7 +16862,7 @@
 </p:sld>
 </file>
 
-<file path=ppt/slides/slide79.xml><?xml version="1.0" encoding="utf-8"?>
+<file path=ppt/slides/slide82.xml><?xml version="1.0" encoding="utf-8"?>
 <p:sld xmlns:a="http://schemas.openxmlformats.org/drawingml/2006/main" xmlns:r="http://schemas.openxmlformats.org/officeDocument/2006/relationships" xmlns:p="http://schemas.openxmlformats.org/presentationml/2006/main">
   <p:cSld>
     <p:spTree>
@@ -16179,172 +17011,7 @@
 </p:sld>
 </file>
 
-<file path=ppt/slides/slide8.xml><?xml version="1.0" encoding="utf-8"?>
-<p:sld xmlns:a="http://schemas.openxmlformats.org/drawingml/2006/main" xmlns:r="http://schemas.openxmlformats.org/officeDocument/2006/relationships" xmlns:p="http://schemas.openxmlformats.org/presentationml/2006/main">
-  <p:cSld>
-    <p:spTree>
-      <p:nvGrpSpPr>
-        <p:cNvPr id="1" name=""/>
-        <p:cNvGrpSpPr/>
-        <p:nvPr/>
-      </p:nvGrpSpPr>
-      <p:grpSpPr>
-        <a:xfrm>
-          <a:off x="0" y="0"/>
-          <a:ext cx="0" cy="0"/>
-          <a:chOff x="0" y="0"/>
-          <a:chExt cx="0" cy="0"/>
-        </a:xfrm>
-      </p:grpSpPr>
-      <p:sp>
-        <p:nvSpPr>
-          <p:cNvPr id="2" name="Title 1"/>
-          <p:cNvSpPr>
-            <a:spLocks noGrp="1"/>
-          </p:cNvSpPr>
-          <p:nvPr>
-            <p:ph type="title"/>
-          </p:nvPr>
-        </p:nvSpPr>
-        <p:spPr/>
-        <p:txBody>
-          <a:bodyPr/>
-          <a:lstStyle/>
-          <a:p>
-            <a:r>
-              <a:rPr lang="tr-TR" dirty="0"/>
-              <a:t>Genişletilmiş </a:t>
-            </a:r>
-            <a:r>
-              <a:rPr lang="nn-NO" dirty="0" smtClean="0"/>
-              <a:t>Makine </a:t>
-            </a:r>
-            <a:r>
-              <a:rPr lang="nn-NO" dirty="0"/>
-              <a:t>Olarak</a:t>
-            </a:r>
-            <a:r>
-              <a:rPr lang="tr-TR" dirty="0"/>
-              <a:t> </a:t>
-            </a:r>
-            <a:r>
-              <a:rPr lang="nn-NO" dirty="0"/>
-              <a:t>İşletim Sistemi </a:t>
-            </a:r>
-            <a:endParaRPr lang="tr-TR" dirty="0"/>
-          </a:p>
-        </p:txBody>
-      </p:sp>
-      <p:sp>
-        <p:nvSpPr>
-          <p:cNvPr id="3" name="Content Placeholder 2"/>
-          <p:cNvSpPr>
-            <a:spLocks noGrp="1"/>
-          </p:cNvSpPr>
-          <p:nvPr>
-            <p:ph idx="1"/>
-          </p:nvPr>
-        </p:nvSpPr>
-        <p:spPr>
-          <a:xfrm>
-            <a:off x="838200" y="1825625"/>
-            <a:ext cx="10515600" cy="4680000"/>
-          </a:xfrm>
-        </p:spPr>
-        <p:txBody>
-          <a:bodyPr>
-            <a:normAutofit/>
-          </a:bodyPr>
-          <a:lstStyle/>
-          <a:p>
-            <a:endParaRPr lang="tr-TR" dirty="0"/>
-          </a:p>
-          <a:p>
-            <a:endParaRPr lang="tr-TR" dirty="0"/>
-          </a:p>
-          <a:p>
-            <a:endParaRPr lang="tr-TR" dirty="0"/>
-          </a:p>
-          <a:p>
-            <a:endParaRPr lang="tr-TR" dirty="0"/>
-          </a:p>
-        </p:txBody>
-      </p:sp>
-      <p:pic>
-        <p:nvPicPr>
-          <p:cNvPr id="4" name="Picture 2"/>
-          <p:cNvPicPr>
-            <a:picLocks noChangeAspect="1" noChangeArrowheads="1"/>
-          </p:cNvPicPr>
-          <p:nvPr/>
-        </p:nvPicPr>
-        <p:blipFill>
-          <a:blip r:embed="rId2">
-            <a:extLst>
-              <a:ext uri="{28A0092B-C50C-407E-A947-70E740481C1C}">
-                <a14:useLocalDpi xmlns:a14="http://schemas.microsoft.com/office/drawing/2010/main" val="0"/>
-              </a:ext>
-            </a:extLst>
-          </a:blip>
-          <a:srcRect/>
-          <a:stretch>
-            <a:fillRect/>
-          </a:stretch>
-        </p:blipFill>
-        <p:spPr bwMode="auto">
-          <a:xfrm>
-            <a:off x="3429000" y="2283509"/>
-            <a:ext cx="5334000" cy="3219450"/>
-          </a:xfrm>
-          <a:prstGeom prst="rect">
-            <a:avLst/>
-          </a:prstGeom>
-          <a:noFill/>
-          <a:ln>
-            <a:noFill/>
-          </a:ln>
-          <a:extLst>
-            <a:ext uri="{909E8E84-426E-40DD-AFC4-6F175D3DCCD1}">
-              <a14:hiddenFill xmlns:a14="http://schemas.microsoft.com/office/drawing/2010/main">
-                <a:solidFill>
-                  <a:schemeClr val="accent1"/>
-                </a:solidFill>
-              </a14:hiddenFill>
-            </a:ext>
-            <a:ext uri="{91240B29-F687-4F45-9708-019B960494DF}">
-              <a14:hiddenLine xmlns:a14="http://schemas.microsoft.com/office/drawing/2010/main" w="9525">
-                <a:solidFill>
-                  <a:schemeClr val="tx1"/>
-                </a:solidFill>
-                <a:miter lim="800000"/>
-                <a:headEnd/>
-                <a:tailEnd/>
-              </a14:hiddenLine>
-            </a:ext>
-          </a:extLst>
-        </p:spPr>
-      </p:pic>
-    </p:spTree>
-    <p:extLst>
-      <p:ext uri="{BB962C8B-B14F-4D97-AF65-F5344CB8AC3E}">
-        <p14:creationId xmlns:p14="http://schemas.microsoft.com/office/powerpoint/2010/main" val="3293547908"/>
-      </p:ext>
-    </p:extLst>
-  </p:cSld>
-  <p:clrMapOvr>
-    <a:masterClrMapping/>
-  </p:clrMapOvr>
-  <p:timing>
-    <p:tnLst>
-      <p:par>
-        <p:cTn id="1" dur="indefinite" restart="never" nodeType="tmRoot"/>
-      </p:par>
-    </p:tnLst>
-  </p:timing>
-</p:sld>
-</file>
-
-<file path=ppt/slides/slide80.xml><?xml version="1.0" encoding="utf-8"?>
+<file path=ppt/slides/slide83.xml><?xml version="1.0" encoding="utf-8"?>
 <p:sld xmlns:a="http://schemas.openxmlformats.org/drawingml/2006/main" xmlns:r="http://schemas.openxmlformats.org/officeDocument/2006/relationships" xmlns:p="http://schemas.openxmlformats.org/presentationml/2006/main">
   <p:cSld>
     <p:spTree>
@@ -16493,7 +17160,7 @@
 </p:sld>
 </file>
 
-<file path=ppt/slides/slide81.xml><?xml version="1.0" encoding="utf-8"?>
+<file path=ppt/slides/slide84.xml><?xml version="1.0" encoding="utf-8"?>
 <p:sld xmlns:a="http://schemas.openxmlformats.org/drawingml/2006/main" xmlns:r="http://schemas.openxmlformats.org/officeDocument/2006/relationships" xmlns:p="http://schemas.openxmlformats.org/presentationml/2006/main">
   <p:cSld>
     <p:spTree>
@@ -16687,7 +17354,7 @@
 </p:sld>
 </file>
 
-<file path=ppt/slides/slide82.xml><?xml version="1.0" encoding="utf-8"?>
+<file path=ppt/slides/slide85.xml><?xml version="1.0" encoding="utf-8"?>
 <p:sld xmlns:a="http://schemas.openxmlformats.org/drawingml/2006/main" xmlns:r="http://schemas.openxmlformats.org/officeDocument/2006/relationships" xmlns:p="http://schemas.openxmlformats.org/presentationml/2006/main">
   <p:cSld>
     <p:spTree>
@@ -16840,7 +17507,7 @@
 </p:sld>
 </file>
 
-<file path=ppt/slides/slide83.xml><?xml version="1.0" encoding="utf-8"?>
+<file path=ppt/slides/slide86.xml><?xml version="1.0" encoding="utf-8"?>
 <p:sld xmlns:a="http://schemas.openxmlformats.org/drawingml/2006/main" xmlns:r="http://schemas.openxmlformats.org/officeDocument/2006/relationships" xmlns:p="http://schemas.openxmlformats.org/presentationml/2006/main">
   <p:cSld>
     <p:spTree>
@@ -17063,7 +17730,7 @@
 </p:sld>
 </file>
 
-<file path=ppt/slides/slide84.xml><?xml version="1.0" encoding="utf-8"?>
+<file path=ppt/slides/slide87.xml><?xml version="1.0" encoding="utf-8"?>
 <p:sld xmlns:a="http://schemas.openxmlformats.org/drawingml/2006/main" xmlns:r="http://schemas.openxmlformats.org/officeDocument/2006/relationships" xmlns:p="http://schemas.openxmlformats.org/presentationml/2006/main">
   <p:cSld>
     <p:spTree>
@@ -17212,7 +17879,7 @@
 </p:sld>
 </file>
 
-<file path=ppt/slides/slide85.xml><?xml version="1.0" encoding="utf-8"?>
+<file path=ppt/slides/slide88.xml><?xml version="1.0" encoding="utf-8"?>
 <p:sld xmlns:a="http://schemas.openxmlformats.org/drawingml/2006/main" xmlns:r="http://schemas.openxmlformats.org/officeDocument/2006/relationships" xmlns:p="http://schemas.openxmlformats.org/presentationml/2006/main">
   <p:cSld>
     <p:spTree>
@@ -17356,8 +18023,12 @@
               <a:t>Genişletilmiş </a:t>
             </a:r>
             <a:r>
+              <a:rPr lang="nn-NO" dirty="0" smtClean="0"/>
+              <a:t>Makine </a:t>
+            </a:r>
+            <a:r>
               <a:rPr lang="nn-NO" dirty="0"/>
-              <a:t>Makine Olarak</a:t>
+              <a:t>Olarak</a:t>
             </a:r>
             <a:r>
               <a:rPr lang="tr-TR" dirty="0"/>
@@ -17393,83 +18064,77 @@
           </a:bodyPr>
           <a:lstStyle/>
           <a:p>
-            <a:r>
-              <a:rPr lang="tr-TR" dirty="0" smtClean="0"/>
-              <a:t>Soyutlama:</a:t>
-            </a:r>
-          </a:p>
-          <a:p>
-            <a:pPr lvl="1"/>
-            <a:r>
-              <a:rPr lang="tr-TR" dirty="0" smtClean="0"/>
-              <a:t>İşlemci – süreç</a:t>
-            </a:r>
-          </a:p>
-          <a:p>
-            <a:pPr lvl="1"/>
-            <a:r>
-              <a:rPr lang="tr-TR" dirty="0" smtClean="0"/>
-              <a:t>Depolama – dosya</a:t>
-            </a:r>
-          </a:p>
-          <a:p>
-            <a:pPr lvl="1"/>
-            <a:r>
-              <a:rPr lang="tr-TR" dirty="0" smtClean="0"/>
-              <a:t>Bellek – adres uzayı</a:t>
-            </a:r>
-          </a:p>
-          <a:p>
-            <a:pPr lvl="1"/>
-            <a:endParaRPr lang="tr-TR" dirty="0"/>
-          </a:p>
-          <a:p>
-            <a:r>
-              <a:rPr lang="tr-TR" dirty="0" smtClean="0"/>
-              <a:t>4 tip çalışan:</a:t>
-            </a:r>
-          </a:p>
-          <a:p>
-            <a:pPr lvl="1"/>
-            <a:r>
-              <a:rPr lang="tr-TR" dirty="0" smtClean="0"/>
-              <a:t>Donanım tasarımcısı</a:t>
-            </a:r>
-          </a:p>
-          <a:p>
-            <a:pPr lvl="1"/>
-            <a:r>
-              <a:rPr lang="tr-TR" dirty="0" smtClean="0"/>
-              <a:t>Çekirdek tasarımcısı</a:t>
-            </a:r>
-          </a:p>
-          <a:p>
-            <a:pPr lvl="1"/>
-            <a:r>
-              <a:rPr lang="tr-TR" dirty="0" smtClean="0"/>
-              <a:t>Uygulama geliştirici</a:t>
-            </a:r>
-          </a:p>
-          <a:p>
-            <a:pPr lvl="1"/>
-            <a:r>
-              <a:rPr lang="tr-TR" dirty="0" smtClean="0"/>
-              <a:t>Son kullanıcı</a:t>
-            </a:r>
-            <a:endParaRPr lang="tr-TR" dirty="0"/>
-          </a:p>
-          <a:p>
-            <a:endParaRPr lang="tr-TR" dirty="0"/>
-          </a:p>
-          <a:p>
-            <a:endParaRPr lang="tr-TR" dirty="0"/>
-          </a:p>
-        </p:txBody>
-      </p:sp>
+            <a:endParaRPr lang="tr-TR" dirty="0"/>
+          </a:p>
+          <a:p>
+            <a:endParaRPr lang="tr-TR" dirty="0"/>
+          </a:p>
+          <a:p>
+            <a:endParaRPr lang="tr-TR" dirty="0"/>
+          </a:p>
+          <a:p>
+            <a:endParaRPr lang="tr-TR" dirty="0"/>
+          </a:p>
+        </p:txBody>
+      </p:sp>
+      <p:pic>
+        <p:nvPicPr>
+          <p:cNvPr id="4" name="Picture 2"/>
+          <p:cNvPicPr>
+            <a:picLocks noChangeAspect="1" noChangeArrowheads="1"/>
+          </p:cNvPicPr>
+          <p:nvPr/>
+        </p:nvPicPr>
+        <p:blipFill>
+          <a:blip r:embed="rId2">
+            <a:extLst>
+              <a:ext uri="{28A0092B-C50C-407E-A947-70E740481C1C}">
+                <a14:useLocalDpi xmlns:a14="http://schemas.microsoft.com/office/drawing/2010/main" val="0"/>
+              </a:ext>
+            </a:extLst>
+          </a:blip>
+          <a:srcRect/>
+          <a:stretch>
+            <a:fillRect/>
+          </a:stretch>
+        </p:blipFill>
+        <p:spPr bwMode="auto">
+          <a:xfrm>
+            <a:off x="3429000" y="2283509"/>
+            <a:ext cx="5334000" cy="3219450"/>
+          </a:xfrm>
+          <a:prstGeom prst="rect">
+            <a:avLst/>
+          </a:prstGeom>
+          <a:noFill/>
+          <a:ln>
+            <a:noFill/>
+          </a:ln>
+          <a:extLst>
+            <a:ext uri="{909E8E84-426E-40DD-AFC4-6F175D3DCCD1}">
+              <a14:hiddenFill xmlns:a14="http://schemas.microsoft.com/office/drawing/2010/main">
+                <a:solidFill>
+                  <a:schemeClr val="accent1"/>
+                </a:solidFill>
+              </a14:hiddenFill>
+            </a:ext>
+            <a:ext uri="{91240B29-F687-4F45-9708-019B960494DF}">
+              <a14:hiddenLine xmlns:a14="http://schemas.microsoft.com/office/drawing/2010/main" w="9525">
+                <a:solidFill>
+                  <a:schemeClr val="tx1"/>
+                </a:solidFill>
+                <a:miter lim="800000"/>
+                <a:headEnd/>
+                <a:tailEnd/>
+              </a14:hiddenLine>
+            </a:ext>
+          </a:extLst>
+        </p:spPr>
+      </p:pic>
     </p:spTree>
     <p:extLst>
       <p:ext uri="{BB962C8B-B14F-4D97-AF65-F5344CB8AC3E}">
-        <p14:creationId xmlns:p14="http://schemas.microsoft.com/office/powerpoint/2010/main" val="2562011555"/>
+        <p14:creationId xmlns:p14="http://schemas.microsoft.com/office/powerpoint/2010/main" val="3293547908"/>
       </p:ext>
     </p:extLst>
   </p:cSld>
